--- a/Finance/resources/doc/dev/risk-valuation-proactive.pptx
+++ b/Finance/resources/doc/dev/risk-valuation-proactive.pptx
@@ -1179,7 +1179,7 @@
       </p:grpSpPr>
       <p:sp>
         <p:nvSpPr>
-          <p:cNvPr id="143" name="Google Shape;143;g4982bbb9ec_0_62:notes"/>
+          <p:cNvPr id="143" name="Google Shape;143;p12:notes"/>
           <p:cNvSpPr txBox="1"/>
           <p:nvPr>
             <p:ph idx="1" type="body"/>
@@ -1226,7 +1226,7 @@
       </p:sp>
       <p:sp>
         <p:nvSpPr>
-          <p:cNvPr id="144" name="Google Shape;144;g4982bbb9ec_0_62:notes"/>
+          <p:cNvPr id="144" name="Google Shape;144;p12:notes"/>
           <p:cNvSpPr/>
           <p:nvPr>
             <p:ph idx="2" type="sldImg"/>
@@ -1290,7 +1290,7 @@
       </p:grpSpPr>
       <p:sp>
         <p:nvSpPr>
-          <p:cNvPr id="270" name="Google Shape;270;g4982bbb9ec_0_461:notes"/>
+          <p:cNvPr id="270" name="Google Shape;270;p13:notes"/>
           <p:cNvSpPr txBox="1"/>
           <p:nvPr>
             <p:ph idx="1" type="body"/>
@@ -1337,7 +1337,7 @@
       </p:sp>
       <p:sp>
         <p:nvSpPr>
-          <p:cNvPr id="271" name="Google Shape;271;g4982bbb9ec_0_461:notes"/>
+          <p:cNvPr id="271" name="Google Shape;271;p13:notes"/>
           <p:cNvSpPr/>
           <p:nvPr>
             <p:ph idx="2" type="sldImg"/>
@@ -1401,7 +1401,7 @@
       </p:grpSpPr>
       <p:sp>
         <p:nvSpPr>
-          <p:cNvPr id="277" name="Google Shape;277;g4998832037_0_0:notes"/>
+          <p:cNvPr id="277" name="Google Shape;277;p14:notes"/>
           <p:cNvSpPr txBox="1"/>
           <p:nvPr>
             <p:ph idx="1" type="body"/>
@@ -1448,7 +1448,7 @@
       </p:sp>
       <p:sp>
         <p:nvSpPr>
-          <p:cNvPr id="278" name="Google Shape;278;g4998832037_0_0:notes"/>
+          <p:cNvPr id="278" name="Google Shape;278;p14:notes"/>
           <p:cNvSpPr/>
           <p:nvPr>
             <p:ph idx="2" type="sldImg"/>
@@ -1512,7 +1512,7 @@
       </p:grpSpPr>
       <p:sp>
         <p:nvSpPr>
-          <p:cNvPr id="288" name="Google Shape;288;g4998832037_0_12:notes"/>
+          <p:cNvPr id="288" name="Google Shape;288;p15:notes"/>
           <p:cNvSpPr txBox="1"/>
           <p:nvPr>
             <p:ph idx="1" type="body"/>
@@ -1559,7 +1559,7 @@
       </p:sp>
       <p:sp>
         <p:nvSpPr>
-          <p:cNvPr id="289" name="Google Shape;289;g4998832037_0_12:notes"/>
+          <p:cNvPr id="289" name="Google Shape;289;p15:notes"/>
           <p:cNvSpPr/>
           <p:nvPr>
             <p:ph idx="2" type="sldImg"/>
@@ -1623,7 +1623,7 @@
       </p:grpSpPr>
       <p:sp>
         <p:nvSpPr>
-          <p:cNvPr id="58" name="Google Shape;58;g4982bbb9ec_0_12:notes"/>
+          <p:cNvPr id="58" name="Google Shape;58;p2:notes"/>
           <p:cNvSpPr txBox="1"/>
           <p:nvPr>
             <p:ph idx="1" type="body"/>
@@ -1670,7 +1670,7 @@
       </p:sp>
       <p:sp>
         <p:nvSpPr>
-          <p:cNvPr id="59" name="Google Shape;59;g4982bbb9ec_0_12:notes"/>
+          <p:cNvPr id="59" name="Google Shape;59;p2:notes"/>
           <p:cNvSpPr/>
           <p:nvPr>
             <p:ph idx="2" type="sldImg"/>
@@ -1734,7 +1734,7 @@
       </p:grpSpPr>
       <p:sp>
         <p:nvSpPr>
-          <p:cNvPr id="66" name="Google Shape;66;g4982bbb9ec_0_0:notes"/>
+          <p:cNvPr id="66" name="Google Shape;66;p3:notes"/>
           <p:cNvSpPr txBox="1"/>
           <p:nvPr>
             <p:ph idx="1" type="body"/>
@@ -1781,7 +1781,7 @@
       </p:sp>
       <p:sp>
         <p:nvSpPr>
-          <p:cNvPr id="67" name="Google Shape;67;g4982bbb9ec_0_0:notes"/>
+          <p:cNvPr id="67" name="Google Shape;67;p3:notes"/>
           <p:cNvSpPr/>
           <p:nvPr>
             <p:ph idx="2" type="sldImg"/>
@@ -2067,7 +2067,7 @@
       </p:grpSpPr>
       <p:sp>
         <p:nvSpPr>
-          <p:cNvPr id="93" name="Google Shape;93;g4982bbb9ec_0_20:notes"/>
+          <p:cNvPr id="93" name="Google Shape;93;p6:notes"/>
           <p:cNvSpPr txBox="1"/>
           <p:nvPr>
             <p:ph idx="1" type="body"/>
@@ -2114,7 +2114,7 @@
       </p:sp>
       <p:sp>
         <p:nvSpPr>
-          <p:cNvPr id="94" name="Google Shape;94;g4982bbb9ec_0_20:notes"/>
+          <p:cNvPr id="94" name="Google Shape;94;p6:notes"/>
           <p:cNvSpPr/>
           <p:nvPr>
             <p:ph idx="2" type="sldImg"/>
@@ -10611,13 +10611,12 @@
           <p:cNvPicPr preferRelativeResize="0"/>
           <p:nvPr/>
         </p:nvPicPr>
-        <p:blipFill>
+        <p:blipFill rotWithShape="1">
           <a:blip r:embed="rId3">
             <a:alphaModFix/>
           </a:blip>
-          <a:stretch>
-            <a:fillRect/>
-          </a:stretch>
+          <a:srcRect b="0" l="0" r="0" t="0"/>
+          <a:stretch/>
         </p:blipFill>
         <p:spPr>
           <a:xfrm>
@@ -11086,7 +11085,7 @@
           <a:effectLst>
             <a:outerShdw blurRad="57150" rotWithShape="0" algn="bl" dir="5400000" dist="19050">
               <a:srgbClr val="000000">
-                <a:alpha val="50000"/>
+                <a:alpha val="49803"/>
               </a:srgbClr>
             </a:outerShdw>
           </a:effectLst>
@@ -11097,19 +11096,35 @@
           </a:bodyPr>
           <a:lstStyle/>
           <a:p>
-            <a:pPr indent="0" lvl="0" marL="0" rtl="0" algn="l">
-              <a:spcBef>
-                <a:spcPts val="0"/>
-              </a:spcBef>
-              <a:spcAft>
-                <a:spcPts val="0"/>
-              </a:spcAft>
+            <a:pPr indent="0" lvl="0" marL="0" marR="0" rtl="0" algn="l">
+              <a:lnSpc>
+                <a:spcPct val="100000"/>
+              </a:lnSpc>
+              <a:spcBef>
+                <a:spcPts val="0"/>
+              </a:spcBef>
+              <a:spcAft>
+                <a:spcPts val="0"/>
+              </a:spcAft>
+              <a:buClr>
+                <a:srgbClr val="000000"/>
+              </a:buClr>
+              <a:buSzPts val="1400"/>
+              <a:buFont typeface="Arial"/>
               <a:buNone/>
             </a:pPr>
             <a:r>
               <a:t/>
             </a:r>
-            <a:endParaRPr/>
+            <a:endParaRPr b="0" i="0" sz="1400" u="none" cap="none" strike="noStrike">
+              <a:solidFill>
+                <a:srgbClr val="000000"/>
+              </a:solidFill>
+              <a:latin typeface="Arial"/>
+              <a:ea typeface="Arial"/>
+              <a:cs typeface="Arial"/>
+              <a:sym typeface="Arial"/>
+            </a:endParaRPr>
           </a:p>
         </p:txBody>
       </p:sp>
@@ -11144,7 +11159,7 @@
           <a:effectLst>
             <a:outerShdw blurRad="57150" rotWithShape="0" algn="bl" dir="5400000" dist="19050">
               <a:srgbClr val="000000">
-                <a:alpha val="50000"/>
+                <a:alpha val="49803"/>
               </a:srgbClr>
             </a:outerShdw>
           </a:effectLst>
@@ -11155,19 +11170,35 @@
           </a:bodyPr>
           <a:lstStyle/>
           <a:p>
-            <a:pPr indent="0" lvl="0" marL="0" rtl="0" algn="l">
-              <a:spcBef>
-                <a:spcPts val="0"/>
-              </a:spcBef>
-              <a:spcAft>
-                <a:spcPts val="0"/>
-              </a:spcAft>
+            <a:pPr indent="0" lvl="0" marL="0" marR="0" rtl="0" algn="l">
+              <a:lnSpc>
+                <a:spcPct val="100000"/>
+              </a:lnSpc>
+              <a:spcBef>
+                <a:spcPts val="0"/>
+              </a:spcBef>
+              <a:spcAft>
+                <a:spcPts val="0"/>
+              </a:spcAft>
+              <a:buClr>
+                <a:srgbClr val="000000"/>
+              </a:buClr>
+              <a:buSzPts val="1400"/>
+              <a:buFont typeface="Arial"/>
               <a:buNone/>
             </a:pPr>
             <a:r>
               <a:t/>
             </a:r>
-            <a:endParaRPr/>
+            <a:endParaRPr b="0" i="0" sz="1400" u="none" cap="none" strike="noStrike">
+              <a:solidFill>
+                <a:srgbClr val="000000"/>
+              </a:solidFill>
+              <a:latin typeface="Arial"/>
+              <a:ea typeface="Arial"/>
+              <a:cs typeface="Arial"/>
+              <a:sym typeface="Arial"/>
+            </a:endParaRPr>
           </a:p>
         </p:txBody>
       </p:sp>
@@ -11202,7 +11233,7 @@
           <a:effectLst>
             <a:outerShdw blurRad="57150" rotWithShape="0" algn="bl" dir="5400000" dist="19050">
               <a:srgbClr val="000000">
-                <a:alpha val="50000"/>
+                <a:alpha val="49803"/>
               </a:srgbClr>
             </a:outerShdw>
           </a:effectLst>
@@ -11213,19 +11244,35 @@
           </a:bodyPr>
           <a:lstStyle/>
           <a:p>
-            <a:pPr indent="0" lvl="0" marL="0" rtl="0" algn="l">
-              <a:spcBef>
-                <a:spcPts val="0"/>
-              </a:spcBef>
-              <a:spcAft>
-                <a:spcPts val="0"/>
-              </a:spcAft>
+            <a:pPr indent="0" lvl="0" marL="0" marR="0" rtl="0" algn="l">
+              <a:lnSpc>
+                <a:spcPct val="100000"/>
+              </a:lnSpc>
+              <a:spcBef>
+                <a:spcPts val="0"/>
+              </a:spcBef>
+              <a:spcAft>
+                <a:spcPts val="0"/>
+              </a:spcAft>
+              <a:buClr>
+                <a:srgbClr val="000000"/>
+              </a:buClr>
+              <a:buSzPts val="1400"/>
+              <a:buFont typeface="Arial"/>
               <a:buNone/>
             </a:pPr>
             <a:r>
               <a:t/>
             </a:r>
-            <a:endParaRPr/>
+            <a:endParaRPr b="0" i="0" sz="1400" u="none" cap="none" strike="noStrike">
+              <a:solidFill>
+                <a:srgbClr val="000000"/>
+              </a:solidFill>
+              <a:latin typeface="Arial"/>
+              <a:ea typeface="Arial"/>
+              <a:cs typeface="Arial"/>
+              <a:sym typeface="Arial"/>
+            </a:endParaRPr>
           </a:p>
         </p:txBody>
       </p:sp>
@@ -11260,7 +11307,7 @@
           <a:effectLst>
             <a:outerShdw blurRad="57150" rotWithShape="0" algn="bl" dir="5400000" dist="19050">
               <a:srgbClr val="000000">
-                <a:alpha val="50000"/>
+                <a:alpha val="49803"/>
               </a:srgbClr>
             </a:outerShdw>
           </a:effectLst>
@@ -11271,19 +11318,35 @@
           </a:bodyPr>
           <a:lstStyle/>
           <a:p>
-            <a:pPr indent="0" lvl="0" marL="0" rtl="0" algn="l">
-              <a:spcBef>
-                <a:spcPts val="0"/>
-              </a:spcBef>
-              <a:spcAft>
-                <a:spcPts val="0"/>
-              </a:spcAft>
+            <a:pPr indent="0" lvl="0" marL="0" marR="0" rtl="0" algn="l">
+              <a:lnSpc>
+                <a:spcPct val="100000"/>
+              </a:lnSpc>
+              <a:spcBef>
+                <a:spcPts val="0"/>
+              </a:spcBef>
+              <a:spcAft>
+                <a:spcPts val="0"/>
+              </a:spcAft>
+              <a:buClr>
+                <a:srgbClr val="000000"/>
+              </a:buClr>
+              <a:buSzPts val="1400"/>
+              <a:buFont typeface="Arial"/>
               <a:buNone/>
             </a:pPr>
             <a:r>
               <a:t/>
             </a:r>
-            <a:endParaRPr/>
+            <a:endParaRPr b="0" i="0" sz="1400" u="none" cap="none" strike="noStrike">
+              <a:solidFill>
+                <a:srgbClr val="000000"/>
+              </a:solidFill>
+              <a:latin typeface="Arial"/>
+              <a:ea typeface="Arial"/>
+              <a:cs typeface="Arial"/>
+              <a:sym typeface="Arial"/>
+            </a:endParaRPr>
           </a:p>
         </p:txBody>
       </p:sp>
@@ -11318,7 +11381,7 @@
           <a:effectLst>
             <a:outerShdw blurRad="57150" rotWithShape="0" algn="bl" dir="5400000" dist="19050">
               <a:srgbClr val="000000">
-                <a:alpha val="50000"/>
+                <a:alpha val="49803"/>
               </a:srgbClr>
             </a:outerShdw>
           </a:effectLst>
@@ -11329,19 +11392,35 @@
           </a:bodyPr>
           <a:lstStyle/>
           <a:p>
-            <a:pPr indent="0" lvl="0" marL="0" rtl="0" algn="l">
-              <a:spcBef>
-                <a:spcPts val="0"/>
-              </a:spcBef>
-              <a:spcAft>
-                <a:spcPts val="0"/>
-              </a:spcAft>
+            <a:pPr indent="0" lvl="0" marL="0" marR="0" rtl="0" algn="l">
+              <a:lnSpc>
+                <a:spcPct val="100000"/>
+              </a:lnSpc>
+              <a:spcBef>
+                <a:spcPts val="0"/>
+              </a:spcBef>
+              <a:spcAft>
+                <a:spcPts val="0"/>
+              </a:spcAft>
+              <a:buClr>
+                <a:srgbClr val="000000"/>
+              </a:buClr>
+              <a:buSzPts val="1400"/>
+              <a:buFont typeface="Arial"/>
               <a:buNone/>
             </a:pPr>
             <a:r>
               <a:t/>
             </a:r>
-            <a:endParaRPr/>
+            <a:endParaRPr b="0" i="0" sz="1400" u="none" cap="none" strike="noStrike">
+              <a:solidFill>
+                <a:srgbClr val="000000"/>
+              </a:solidFill>
+              <a:latin typeface="Arial"/>
+              <a:ea typeface="Arial"/>
+              <a:cs typeface="Arial"/>
+              <a:sym typeface="Arial"/>
+            </a:endParaRPr>
           </a:p>
         </p:txBody>
       </p:sp>
@@ -11376,7 +11455,7 @@
           <a:effectLst>
             <a:outerShdw blurRad="57150" rotWithShape="0" algn="bl" dir="5400000" dist="19050">
               <a:srgbClr val="000000">
-                <a:alpha val="50000"/>
+                <a:alpha val="49803"/>
               </a:srgbClr>
             </a:outerShdw>
           </a:effectLst>
@@ -11387,19 +11466,35 @@
           </a:bodyPr>
           <a:lstStyle/>
           <a:p>
-            <a:pPr indent="0" lvl="0" marL="0" rtl="0" algn="l">
-              <a:spcBef>
-                <a:spcPts val="0"/>
-              </a:spcBef>
-              <a:spcAft>
-                <a:spcPts val="0"/>
-              </a:spcAft>
+            <a:pPr indent="0" lvl="0" marL="0" marR="0" rtl="0" algn="l">
+              <a:lnSpc>
+                <a:spcPct val="100000"/>
+              </a:lnSpc>
+              <a:spcBef>
+                <a:spcPts val="0"/>
+              </a:spcBef>
+              <a:spcAft>
+                <a:spcPts val="0"/>
+              </a:spcAft>
+              <a:buClr>
+                <a:srgbClr val="000000"/>
+              </a:buClr>
+              <a:buSzPts val="1400"/>
+              <a:buFont typeface="Arial"/>
               <a:buNone/>
             </a:pPr>
             <a:r>
               <a:t/>
             </a:r>
-            <a:endParaRPr/>
+            <a:endParaRPr b="0" i="0" sz="1400" u="none" cap="none" strike="noStrike">
+              <a:solidFill>
+                <a:srgbClr val="000000"/>
+              </a:solidFill>
+              <a:latin typeface="Arial"/>
+              <a:ea typeface="Arial"/>
+              <a:cs typeface="Arial"/>
+              <a:sym typeface="Arial"/>
+            </a:endParaRPr>
           </a:p>
         </p:txBody>
       </p:sp>
@@ -11434,7 +11529,7 @@
           <a:effectLst>
             <a:outerShdw blurRad="57150" rotWithShape="0" algn="bl" dir="5400000" dist="19050">
               <a:srgbClr val="000000">
-                <a:alpha val="50000"/>
+                <a:alpha val="49803"/>
               </a:srgbClr>
             </a:outerShdw>
           </a:effectLst>
@@ -11445,19 +11540,35 @@
           </a:bodyPr>
           <a:lstStyle/>
           <a:p>
-            <a:pPr indent="0" lvl="0" marL="0" rtl="0" algn="l">
-              <a:spcBef>
-                <a:spcPts val="0"/>
-              </a:spcBef>
-              <a:spcAft>
-                <a:spcPts val="0"/>
-              </a:spcAft>
+            <a:pPr indent="0" lvl="0" marL="0" marR="0" rtl="0" algn="l">
+              <a:lnSpc>
+                <a:spcPct val="100000"/>
+              </a:lnSpc>
+              <a:spcBef>
+                <a:spcPts val="0"/>
+              </a:spcBef>
+              <a:spcAft>
+                <a:spcPts val="0"/>
+              </a:spcAft>
+              <a:buClr>
+                <a:srgbClr val="000000"/>
+              </a:buClr>
+              <a:buSzPts val="1400"/>
+              <a:buFont typeface="Arial"/>
               <a:buNone/>
             </a:pPr>
             <a:r>
               <a:t/>
             </a:r>
-            <a:endParaRPr/>
+            <a:endParaRPr b="0" i="0" sz="1400" u="none" cap="none" strike="noStrike">
+              <a:solidFill>
+                <a:srgbClr val="000000"/>
+              </a:solidFill>
+              <a:latin typeface="Arial"/>
+              <a:ea typeface="Arial"/>
+              <a:cs typeface="Arial"/>
+              <a:sym typeface="Arial"/>
+            </a:endParaRPr>
           </a:p>
         </p:txBody>
       </p:sp>
@@ -11492,7 +11603,7 @@
           <a:effectLst>
             <a:outerShdw blurRad="57150" rotWithShape="0" algn="bl" dir="5400000" dist="19050">
               <a:srgbClr val="000000">
-                <a:alpha val="50000"/>
+                <a:alpha val="49803"/>
               </a:srgbClr>
             </a:outerShdw>
           </a:effectLst>
@@ -11503,19 +11614,35 @@
           </a:bodyPr>
           <a:lstStyle/>
           <a:p>
-            <a:pPr indent="0" lvl="0" marL="0" rtl="0" algn="l">
-              <a:spcBef>
-                <a:spcPts val="0"/>
-              </a:spcBef>
-              <a:spcAft>
-                <a:spcPts val="0"/>
-              </a:spcAft>
+            <a:pPr indent="0" lvl="0" marL="0" marR="0" rtl="0" algn="l">
+              <a:lnSpc>
+                <a:spcPct val="100000"/>
+              </a:lnSpc>
+              <a:spcBef>
+                <a:spcPts val="0"/>
+              </a:spcBef>
+              <a:spcAft>
+                <a:spcPts val="0"/>
+              </a:spcAft>
+              <a:buClr>
+                <a:srgbClr val="000000"/>
+              </a:buClr>
+              <a:buSzPts val="1400"/>
+              <a:buFont typeface="Arial"/>
               <a:buNone/>
             </a:pPr>
             <a:r>
               <a:t/>
             </a:r>
-            <a:endParaRPr/>
+            <a:endParaRPr b="0" i="0" sz="1400" u="none" cap="none" strike="noStrike">
+              <a:solidFill>
+                <a:srgbClr val="000000"/>
+              </a:solidFill>
+              <a:latin typeface="Arial"/>
+              <a:ea typeface="Arial"/>
+              <a:cs typeface="Arial"/>
+              <a:sym typeface="Arial"/>
+            </a:endParaRPr>
           </a:p>
         </p:txBody>
       </p:sp>
@@ -11550,7 +11677,7 @@
           <a:effectLst>
             <a:outerShdw blurRad="57150" rotWithShape="0" algn="bl" dir="5400000" dist="19050">
               <a:srgbClr val="000000">
-                <a:alpha val="50000"/>
+                <a:alpha val="49803"/>
               </a:srgbClr>
             </a:outerShdw>
           </a:effectLst>
@@ -11561,19 +11688,35 @@
           </a:bodyPr>
           <a:lstStyle/>
           <a:p>
-            <a:pPr indent="0" lvl="0" marL="0" rtl="0" algn="l">
-              <a:spcBef>
-                <a:spcPts val="0"/>
-              </a:spcBef>
-              <a:spcAft>
-                <a:spcPts val="0"/>
-              </a:spcAft>
+            <a:pPr indent="0" lvl="0" marL="0" marR="0" rtl="0" algn="l">
+              <a:lnSpc>
+                <a:spcPct val="100000"/>
+              </a:lnSpc>
+              <a:spcBef>
+                <a:spcPts val="0"/>
+              </a:spcBef>
+              <a:spcAft>
+                <a:spcPts val="0"/>
+              </a:spcAft>
+              <a:buClr>
+                <a:srgbClr val="000000"/>
+              </a:buClr>
+              <a:buSzPts val="1400"/>
+              <a:buFont typeface="Arial"/>
               <a:buNone/>
             </a:pPr>
             <a:r>
               <a:t/>
             </a:r>
-            <a:endParaRPr/>
+            <a:endParaRPr b="0" i="0" sz="1400" u="none" cap="none" strike="noStrike">
+              <a:solidFill>
+                <a:srgbClr val="000000"/>
+              </a:solidFill>
+              <a:latin typeface="Arial"/>
+              <a:ea typeface="Arial"/>
+              <a:cs typeface="Arial"/>
+              <a:sym typeface="Arial"/>
+            </a:endParaRPr>
           </a:p>
         </p:txBody>
       </p:sp>
@@ -11608,7 +11751,7 @@
           <a:effectLst>
             <a:outerShdw blurRad="57150" rotWithShape="0" algn="bl" dir="5400000" dist="19050">
               <a:srgbClr val="000000">
-                <a:alpha val="50000"/>
+                <a:alpha val="49803"/>
               </a:srgbClr>
             </a:outerShdw>
           </a:effectLst>
@@ -11619,19 +11762,35 @@
           </a:bodyPr>
           <a:lstStyle/>
           <a:p>
-            <a:pPr indent="0" lvl="0" marL="0" rtl="0" algn="l">
-              <a:spcBef>
-                <a:spcPts val="0"/>
-              </a:spcBef>
-              <a:spcAft>
-                <a:spcPts val="0"/>
-              </a:spcAft>
+            <a:pPr indent="0" lvl="0" marL="0" marR="0" rtl="0" algn="l">
+              <a:lnSpc>
+                <a:spcPct val="100000"/>
+              </a:lnSpc>
+              <a:spcBef>
+                <a:spcPts val="0"/>
+              </a:spcBef>
+              <a:spcAft>
+                <a:spcPts val="0"/>
+              </a:spcAft>
+              <a:buClr>
+                <a:srgbClr val="000000"/>
+              </a:buClr>
+              <a:buSzPts val="1400"/>
+              <a:buFont typeface="Arial"/>
               <a:buNone/>
             </a:pPr>
             <a:r>
               <a:t/>
             </a:r>
-            <a:endParaRPr/>
+            <a:endParaRPr b="0" i="0" sz="1400" u="none" cap="none" strike="noStrike">
+              <a:solidFill>
+                <a:srgbClr val="000000"/>
+              </a:solidFill>
+              <a:latin typeface="Arial"/>
+              <a:ea typeface="Arial"/>
+              <a:cs typeface="Arial"/>
+              <a:sym typeface="Arial"/>
+            </a:endParaRPr>
           </a:p>
         </p:txBody>
       </p:sp>
@@ -11666,7 +11825,7 @@
           <a:effectLst>
             <a:outerShdw blurRad="57150" rotWithShape="0" algn="bl" dir="5400000" dist="19050">
               <a:srgbClr val="000000">
-                <a:alpha val="50000"/>
+                <a:alpha val="49803"/>
               </a:srgbClr>
             </a:outerShdw>
           </a:effectLst>
@@ -11677,19 +11836,35 @@
           </a:bodyPr>
           <a:lstStyle/>
           <a:p>
-            <a:pPr indent="0" lvl="0" marL="0" rtl="0" algn="l">
-              <a:spcBef>
-                <a:spcPts val="0"/>
-              </a:spcBef>
-              <a:spcAft>
-                <a:spcPts val="0"/>
-              </a:spcAft>
+            <a:pPr indent="0" lvl="0" marL="0" marR="0" rtl="0" algn="l">
+              <a:lnSpc>
+                <a:spcPct val="100000"/>
+              </a:lnSpc>
+              <a:spcBef>
+                <a:spcPts val="0"/>
+              </a:spcBef>
+              <a:spcAft>
+                <a:spcPts val="0"/>
+              </a:spcAft>
+              <a:buClr>
+                <a:srgbClr val="000000"/>
+              </a:buClr>
+              <a:buSzPts val="1400"/>
+              <a:buFont typeface="Arial"/>
               <a:buNone/>
             </a:pPr>
             <a:r>
               <a:t/>
             </a:r>
-            <a:endParaRPr/>
+            <a:endParaRPr b="0" i="0" sz="1400" u="none" cap="none" strike="noStrike">
+              <a:solidFill>
+                <a:srgbClr val="000000"/>
+              </a:solidFill>
+              <a:latin typeface="Arial"/>
+              <a:ea typeface="Arial"/>
+              <a:cs typeface="Arial"/>
+              <a:sym typeface="Arial"/>
+            </a:endParaRPr>
           </a:p>
         </p:txBody>
       </p:sp>
@@ -11724,7 +11899,7 @@
           <a:effectLst>
             <a:outerShdw blurRad="57150" rotWithShape="0" algn="bl" dir="5400000" dist="19050">
               <a:srgbClr val="000000">
-                <a:alpha val="50000"/>
+                <a:alpha val="49803"/>
               </a:srgbClr>
             </a:outerShdw>
           </a:effectLst>
@@ -11735,19 +11910,35 @@
           </a:bodyPr>
           <a:lstStyle/>
           <a:p>
-            <a:pPr indent="0" lvl="0" marL="0" rtl="0" algn="l">
-              <a:spcBef>
-                <a:spcPts val="0"/>
-              </a:spcBef>
-              <a:spcAft>
-                <a:spcPts val="0"/>
-              </a:spcAft>
+            <a:pPr indent="0" lvl="0" marL="0" marR="0" rtl="0" algn="l">
+              <a:lnSpc>
+                <a:spcPct val="100000"/>
+              </a:lnSpc>
+              <a:spcBef>
+                <a:spcPts val="0"/>
+              </a:spcBef>
+              <a:spcAft>
+                <a:spcPts val="0"/>
+              </a:spcAft>
+              <a:buClr>
+                <a:srgbClr val="000000"/>
+              </a:buClr>
+              <a:buSzPts val="1400"/>
+              <a:buFont typeface="Arial"/>
               <a:buNone/>
             </a:pPr>
             <a:r>
               <a:t/>
             </a:r>
-            <a:endParaRPr/>
+            <a:endParaRPr b="0" i="0" sz="1400" u="none" cap="none" strike="noStrike">
+              <a:solidFill>
+                <a:srgbClr val="000000"/>
+              </a:solidFill>
+              <a:latin typeface="Arial"/>
+              <a:ea typeface="Arial"/>
+              <a:cs typeface="Arial"/>
+              <a:sym typeface="Arial"/>
+            </a:endParaRPr>
           </a:p>
         </p:txBody>
       </p:sp>
@@ -11782,7 +11973,7 @@
           <a:effectLst>
             <a:outerShdw blurRad="57150" rotWithShape="0" algn="bl" dir="5400000" dist="19050">
               <a:srgbClr val="000000">
-                <a:alpha val="50000"/>
+                <a:alpha val="49803"/>
               </a:srgbClr>
             </a:outerShdw>
           </a:effectLst>
@@ -11793,19 +11984,35 @@
           </a:bodyPr>
           <a:lstStyle/>
           <a:p>
-            <a:pPr indent="0" lvl="0" marL="0" rtl="0" algn="l">
-              <a:spcBef>
-                <a:spcPts val="0"/>
-              </a:spcBef>
-              <a:spcAft>
-                <a:spcPts val="0"/>
-              </a:spcAft>
+            <a:pPr indent="0" lvl="0" marL="0" marR="0" rtl="0" algn="l">
+              <a:lnSpc>
+                <a:spcPct val="100000"/>
+              </a:lnSpc>
+              <a:spcBef>
+                <a:spcPts val="0"/>
+              </a:spcBef>
+              <a:spcAft>
+                <a:spcPts val="0"/>
+              </a:spcAft>
+              <a:buClr>
+                <a:srgbClr val="000000"/>
+              </a:buClr>
+              <a:buSzPts val="1400"/>
+              <a:buFont typeface="Arial"/>
               <a:buNone/>
             </a:pPr>
             <a:r>
               <a:t/>
             </a:r>
-            <a:endParaRPr/>
+            <a:endParaRPr b="0" i="0" sz="1400" u="none" cap="none" strike="noStrike">
+              <a:solidFill>
+                <a:srgbClr val="000000"/>
+              </a:solidFill>
+              <a:latin typeface="Arial"/>
+              <a:ea typeface="Arial"/>
+              <a:cs typeface="Arial"/>
+              <a:sym typeface="Arial"/>
+            </a:endParaRPr>
           </a:p>
         </p:txBody>
       </p:sp>
@@ -11840,7 +12047,7 @@
           <a:effectLst>
             <a:outerShdw blurRad="57150" rotWithShape="0" algn="bl" dir="5400000" dist="19050">
               <a:srgbClr val="000000">
-                <a:alpha val="50000"/>
+                <a:alpha val="49803"/>
               </a:srgbClr>
             </a:outerShdw>
           </a:effectLst>
@@ -11851,19 +12058,35 @@
           </a:bodyPr>
           <a:lstStyle/>
           <a:p>
-            <a:pPr indent="0" lvl="0" marL="0" rtl="0" algn="l">
-              <a:spcBef>
-                <a:spcPts val="0"/>
-              </a:spcBef>
-              <a:spcAft>
-                <a:spcPts val="0"/>
-              </a:spcAft>
+            <a:pPr indent="0" lvl="0" marL="0" marR="0" rtl="0" algn="l">
+              <a:lnSpc>
+                <a:spcPct val="100000"/>
+              </a:lnSpc>
+              <a:spcBef>
+                <a:spcPts val="0"/>
+              </a:spcBef>
+              <a:spcAft>
+                <a:spcPts val="0"/>
+              </a:spcAft>
+              <a:buClr>
+                <a:srgbClr val="000000"/>
+              </a:buClr>
+              <a:buSzPts val="1400"/>
+              <a:buFont typeface="Arial"/>
               <a:buNone/>
             </a:pPr>
             <a:r>
               <a:t/>
             </a:r>
-            <a:endParaRPr/>
+            <a:endParaRPr b="0" i="0" sz="1400" u="none" cap="none" strike="noStrike">
+              <a:solidFill>
+                <a:srgbClr val="000000"/>
+              </a:solidFill>
+              <a:latin typeface="Arial"/>
+              <a:ea typeface="Arial"/>
+              <a:cs typeface="Arial"/>
+              <a:sym typeface="Arial"/>
+            </a:endParaRPr>
           </a:p>
         </p:txBody>
       </p:sp>
@@ -11898,7 +12121,7 @@
           <a:effectLst>
             <a:outerShdw blurRad="57150" rotWithShape="0" algn="bl" dir="5400000" dist="19050">
               <a:srgbClr val="000000">
-                <a:alpha val="50000"/>
+                <a:alpha val="49803"/>
               </a:srgbClr>
             </a:outerShdw>
           </a:effectLst>
@@ -11909,19 +12132,35 @@
           </a:bodyPr>
           <a:lstStyle/>
           <a:p>
-            <a:pPr indent="0" lvl="0" marL="0" rtl="0" algn="l">
-              <a:spcBef>
-                <a:spcPts val="0"/>
-              </a:spcBef>
-              <a:spcAft>
-                <a:spcPts val="0"/>
-              </a:spcAft>
+            <a:pPr indent="0" lvl="0" marL="0" marR="0" rtl="0" algn="l">
+              <a:lnSpc>
+                <a:spcPct val="100000"/>
+              </a:lnSpc>
+              <a:spcBef>
+                <a:spcPts val="0"/>
+              </a:spcBef>
+              <a:spcAft>
+                <a:spcPts val="0"/>
+              </a:spcAft>
+              <a:buClr>
+                <a:srgbClr val="000000"/>
+              </a:buClr>
+              <a:buSzPts val="1400"/>
+              <a:buFont typeface="Arial"/>
               <a:buNone/>
             </a:pPr>
             <a:r>
               <a:t/>
             </a:r>
-            <a:endParaRPr/>
+            <a:endParaRPr b="0" i="0" sz="1400" u="none" cap="none" strike="noStrike">
+              <a:solidFill>
+                <a:srgbClr val="000000"/>
+              </a:solidFill>
+              <a:latin typeface="Arial"/>
+              <a:ea typeface="Arial"/>
+              <a:cs typeface="Arial"/>
+              <a:sym typeface="Arial"/>
+            </a:endParaRPr>
           </a:p>
         </p:txBody>
       </p:sp>
@@ -11956,7 +12195,7 @@
           <a:effectLst>
             <a:outerShdw blurRad="57150" rotWithShape="0" algn="bl" dir="5400000" dist="19050">
               <a:srgbClr val="000000">
-                <a:alpha val="50000"/>
+                <a:alpha val="49803"/>
               </a:srgbClr>
             </a:outerShdw>
           </a:effectLst>
@@ -11967,19 +12206,35 @@
           </a:bodyPr>
           <a:lstStyle/>
           <a:p>
-            <a:pPr indent="0" lvl="0" marL="0" rtl="0" algn="l">
-              <a:spcBef>
-                <a:spcPts val="0"/>
-              </a:spcBef>
-              <a:spcAft>
-                <a:spcPts val="0"/>
-              </a:spcAft>
+            <a:pPr indent="0" lvl="0" marL="0" marR="0" rtl="0" algn="l">
+              <a:lnSpc>
+                <a:spcPct val="100000"/>
+              </a:lnSpc>
+              <a:spcBef>
+                <a:spcPts val="0"/>
+              </a:spcBef>
+              <a:spcAft>
+                <a:spcPts val="0"/>
+              </a:spcAft>
+              <a:buClr>
+                <a:srgbClr val="000000"/>
+              </a:buClr>
+              <a:buSzPts val="1400"/>
+              <a:buFont typeface="Arial"/>
               <a:buNone/>
             </a:pPr>
             <a:r>
               <a:t/>
             </a:r>
-            <a:endParaRPr/>
+            <a:endParaRPr b="0" i="0" sz="1400" u="none" cap="none" strike="noStrike">
+              <a:solidFill>
+                <a:srgbClr val="000000"/>
+              </a:solidFill>
+              <a:latin typeface="Arial"/>
+              <a:ea typeface="Arial"/>
+              <a:cs typeface="Arial"/>
+              <a:sym typeface="Arial"/>
+            </a:endParaRPr>
           </a:p>
         </p:txBody>
       </p:sp>
@@ -12014,7 +12269,7 @@
           <a:effectLst>
             <a:outerShdw blurRad="57150" rotWithShape="0" algn="bl" dir="5400000" dist="19050">
               <a:srgbClr val="000000">
-                <a:alpha val="50000"/>
+                <a:alpha val="49803"/>
               </a:srgbClr>
             </a:outerShdw>
           </a:effectLst>
@@ -12025,19 +12280,35 @@
           </a:bodyPr>
           <a:lstStyle/>
           <a:p>
-            <a:pPr indent="0" lvl="0" marL="0" rtl="0" algn="l">
-              <a:spcBef>
-                <a:spcPts val="0"/>
-              </a:spcBef>
-              <a:spcAft>
-                <a:spcPts val="0"/>
-              </a:spcAft>
+            <a:pPr indent="0" lvl="0" marL="0" marR="0" rtl="0" algn="l">
+              <a:lnSpc>
+                <a:spcPct val="100000"/>
+              </a:lnSpc>
+              <a:spcBef>
+                <a:spcPts val="0"/>
+              </a:spcBef>
+              <a:spcAft>
+                <a:spcPts val="0"/>
+              </a:spcAft>
+              <a:buClr>
+                <a:srgbClr val="000000"/>
+              </a:buClr>
+              <a:buSzPts val="1400"/>
+              <a:buFont typeface="Arial"/>
               <a:buNone/>
             </a:pPr>
             <a:r>
               <a:t/>
             </a:r>
-            <a:endParaRPr/>
+            <a:endParaRPr b="0" i="0" sz="1400" u="none" cap="none" strike="noStrike">
+              <a:solidFill>
+                <a:srgbClr val="000000"/>
+              </a:solidFill>
+              <a:latin typeface="Arial"/>
+              <a:ea typeface="Arial"/>
+              <a:cs typeface="Arial"/>
+              <a:sym typeface="Arial"/>
+            </a:endParaRPr>
           </a:p>
         </p:txBody>
       </p:sp>
@@ -12072,7 +12343,7 @@
           <a:effectLst>
             <a:outerShdw blurRad="57150" rotWithShape="0" algn="bl" dir="5400000" dist="19050">
               <a:srgbClr val="000000">
-                <a:alpha val="50000"/>
+                <a:alpha val="49803"/>
               </a:srgbClr>
             </a:outerShdw>
           </a:effectLst>
@@ -12083,19 +12354,35 @@
           </a:bodyPr>
           <a:lstStyle/>
           <a:p>
-            <a:pPr indent="0" lvl="0" marL="0" rtl="0" algn="l">
-              <a:spcBef>
-                <a:spcPts val="0"/>
-              </a:spcBef>
-              <a:spcAft>
-                <a:spcPts val="0"/>
-              </a:spcAft>
+            <a:pPr indent="0" lvl="0" marL="0" marR="0" rtl="0" algn="l">
+              <a:lnSpc>
+                <a:spcPct val="100000"/>
+              </a:lnSpc>
+              <a:spcBef>
+                <a:spcPts val="0"/>
+              </a:spcBef>
+              <a:spcAft>
+                <a:spcPts val="0"/>
+              </a:spcAft>
+              <a:buClr>
+                <a:srgbClr val="000000"/>
+              </a:buClr>
+              <a:buSzPts val="1400"/>
+              <a:buFont typeface="Arial"/>
               <a:buNone/>
             </a:pPr>
             <a:r>
               <a:t/>
             </a:r>
-            <a:endParaRPr/>
+            <a:endParaRPr b="0" i="0" sz="1400" u="none" cap="none" strike="noStrike">
+              <a:solidFill>
+                <a:srgbClr val="000000"/>
+              </a:solidFill>
+              <a:latin typeface="Arial"/>
+              <a:ea typeface="Arial"/>
+              <a:cs typeface="Arial"/>
+              <a:sym typeface="Arial"/>
+            </a:endParaRPr>
           </a:p>
         </p:txBody>
       </p:sp>
@@ -12130,7 +12417,7 @@
           <a:effectLst>
             <a:outerShdw blurRad="57150" rotWithShape="0" algn="bl" dir="5400000" dist="19050">
               <a:srgbClr val="000000">
-                <a:alpha val="50000"/>
+                <a:alpha val="49803"/>
               </a:srgbClr>
             </a:outerShdw>
           </a:effectLst>
@@ -12141,19 +12428,35 @@
           </a:bodyPr>
           <a:lstStyle/>
           <a:p>
-            <a:pPr indent="0" lvl="0" marL="0" rtl="0" algn="l">
-              <a:spcBef>
-                <a:spcPts val="0"/>
-              </a:spcBef>
-              <a:spcAft>
-                <a:spcPts val="0"/>
-              </a:spcAft>
+            <a:pPr indent="0" lvl="0" marL="0" marR="0" rtl="0" algn="l">
+              <a:lnSpc>
+                <a:spcPct val="100000"/>
+              </a:lnSpc>
+              <a:spcBef>
+                <a:spcPts val="0"/>
+              </a:spcBef>
+              <a:spcAft>
+                <a:spcPts val="0"/>
+              </a:spcAft>
+              <a:buClr>
+                <a:srgbClr val="000000"/>
+              </a:buClr>
+              <a:buSzPts val="1400"/>
+              <a:buFont typeface="Arial"/>
               <a:buNone/>
             </a:pPr>
             <a:r>
               <a:t/>
             </a:r>
-            <a:endParaRPr/>
+            <a:endParaRPr b="0" i="0" sz="1400" u="none" cap="none" strike="noStrike">
+              <a:solidFill>
+                <a:srgbClr val="000000"/>
+              </a:solidFill>
+              <a:latin typeface="Arial"/>
+              <a:ea typeface="Arial"/>
+              <a:cs typeface="Arial"/>
+              <a:sym typeface="Arial"/>
+            </a:endParaRPr>
           </a:p>
         </p:txBody>
       </p:sp>
@@ -12188,7 +12491,7 @@
           <a:effectLst>
             <a:outerShdw blurRad="57150" rotWithShape="0" algn="bl" dir="5400000" dist="19050">
               <a:srgbClr val="000000">
-                <a:alpha val="50000"/>
+                <a:alpha val="49803"/>
               </a:srgbClr>
             </a:outerShdw>
           </a:effectLst>
@@ -12199,19 +12502,35 @@
           </a:bodyPr>
           <a:lstStyle/>
           <a:p>
-            <a:pPr indent="0" lvl="0" marL="0" rtl="0" algn="l">
-              <a:spcBef>
-                <a:spcPts val="0"/>
-              </a:spcBef>
-              <a:spcAft>
-                <a:spcPts val="0"/>
-              </a:spcAft>
+            <a:pPr indent="0" lvl="0" marL="0" marR="0" rtl="0" algn="l">
+              <a:lnSpc>
+                <a:spcPct val="100000"/>
+              </a:lnSpc>
+              <a:spcBef>
+                <a:spcPts val="0"/>
+              </a:spcBef>
+              <a:spcAft>
+                <a:spcPts val="0"/>
+              </a:spcAft>
+              <a:buClr>
+                <a:srgbClr val="000000"/>
+              </a:buClr>
+              <a:buSzPts val="1400"/>
+              <a:buFont typeface="Arial"/>
               <a:buNone/>
             </a:pPr>
             <a:r>
               <a:t/>
             </a:r>
-            <a:endParaRPr/>
+            <a:endParaRPr b="0" i="0" sz="1400" u="none" cap="none" strike="noStrike">
+              <a:solidFill>
+                <a:srgbClr val="000000"/>
+              </a:solidFill>
+              <a:latin typeface="Arial"/>
+              <a:ea typeface="Arial"/>
+              <a:cs typeface="Arial"/>
+              <a:sym typeface="Arial"/>
+            </a:endParaRPr>
           </a:p>
         </p:txBody>
       </p:sp>
@@ -12246,7 +12565,7 @@
           <a:effectLst>
             <a:outerShdw blurRad="57150" rotWithShape="0" algn="bl" dir="5400000" dist="19050">
               <a:srgbClr val="000000">
-                <a:alpha val="50000"/>
+                <a:alpha val="49803"/>
               </a:srgbClr>
             </a:outerShdw>
           </a:effectLst>
@@ -12257,19 +12576,35 @@
           </a:bodyPr>
           <a:lstStyle/>
           <a:p>
-            <a:pPr indent="0" lvl="0" marL="0" rtl="0" algn="l">
-              <a:spcBef>
-                <a:spcPts val="0"/>
-              </a:spcBef>
-              <a:spcAft>
-                <a:spcPts val="0"/>
-              </a:spcAft>
+            <a:pPr indent="0" lvl="0" marL="0" marR="0" rtl="0" algn="l">
+              <a:lnSpc>
+                <a:spcPct val="100000"/>
+              </a:lnSpc>
+              <a:spcBef>
+                <a:spcPts val="0"/>
+              </a:spcBef>
+              <a:spcAft>
+                <a:spcPts val="0"/>
+              </a:spcAft>
+              <a:buClr>
+                <a:srgbClr val="000000"/>
+              </a:buClr>
+              <a:buSzPts val="1400"/>
+              <a:buFont typeface="Arial"/>
               <a:buNone/>
             </a:pPr>
             <a:r>
               <a:t/>
             </a:r>
-            <a:endParaRPr/>
+            <a:endParaRPr b="0" i="0" sz="1400" u="none" cap="none" strike="noStrike">
+              <a:solidFill>
+                <a:srgbClr val="000000"/>
+              </a:solidFill>
+              <a:latin typeface="Arial"/>
+              <a:ea typeface="Arial"/>
+              <a:cs typeface="Arial"/>
+              <a:sym typeface="Arial"/>
+            </a:endParaRPr>
           </a:p>
         </p:txBody>
       </p:sp>
@@ -12304,7 +12639,7 @@
           <a:effectLst>
             <a:outerShdw blurRad="57150" rotWithShape="0" algn="bl" dir="5400000" dist="19050">
               <a:srgbClr val="000000">
-                <a:alpha val="50000"/>
+                <a:alpha val="49803"/>
               </a:srgbClr>
             </a:outerShdw>
           </a:effectLst>
@@ -12315,19 +12650,35 @@
           </a:bodyPr>
           <a:lstStyle/>
           <a:p>
-            <a:pPr indent="0" lvl="0" marL="0" rtl="0" algn="l">
-              <a:spcBef>
-                <a:spcPts val="0"/>
-              </a:spcBef>
-              <a:spcAft>
-                <a:spcPts val="0"/>
-              </a:spcAft>
+            <a:pPr indent="0" lvl="0" marL="0" marR="0" rtl="0" algn="l">
+              <a:lnSpc>
+                <a:spcPct val="100000"/>
+              </a:lnSpc>
+              <a:spcBef>
+                <a:spcPts val="0"/>
+              </a:spcBef>
+              <a:spcAft>
+                <a:spcPts val="0"/>
+              </a:spcAft>
+              <a:buClr>
+                <a:srgbClr val="000000"/>
+              </a:buClr>
+              <a:buSzPts val="1400"/>
+              <a:buFont typeface="Arial"/>
               <a:buNone/>
             </a:pPr>
             <a:r>
               <a:t/>
             </a:r>
-            <a:endParaRPr/>
+            <a:endParaRPr b="0" i="0" sz="1400" u="none" cap="none" strike="noStrike">
+              <a:solidFill>
+                <a:srgbClr val="000000"/>
+              </a:solidFill>
+              <a:latin typeface="Arial"/>
+              <a:ea typeface="Arial"/>
+              <a:cs typeface="Arial"/>
+              <a:sym typeface="Arial"/>
+            </a:endParaRPr>
           </a:p>
         </p:txBody>
       </p:sp>
@@ -12362,7 +12713,7 @@
           <a:effectLst>
             <a:outerShdw blurRad="57150" rotWithShape="0" algn="bl" dir="5400000" dist="19050">
               <a:srgbClr val="000000">
-                <a:alpha val="50000"/>
+                <a:alpha val="49803"/>
               </a:srgbClr>
             </a:outerShdw>
           </a:effectLst>
@@ -12373,19 +12724,35 @@
           </a:bodyPr>
           <a:lstStyle/>
           <a:p>
-            <a:pPr indent="0" lvl="0" marL="0" rtl="0" algn="l">
-              <a:spcBef>
-                <a:spcPts val="0"/>
-              </a:spcBef>
-              <a:spcAft>
-                <a:spcPts val="0"/>
-              </a:spcAft>
+            <a:pPr indent="0" lvl="0" marL="0" marR="0" rtl="0" algn="l">
+              <a:lnSpc>
+                <a:spcPct val="100000"/>
+              </a:lnSpc>
+              <a:spcBef>
+                <a:spcPts val="0"/>
+              </a:spcBef>
+              <a:spcAft>
+                <a:spcPts val="0"/>
+              </a:spcAft>
+              <a:buClr>
+                <a:srgbClr val="000000"/>
+              </a:buClr>
+              <a:buSzPts val="1400"/>
+              <a:buFont typeface="Arial"/>
               <a:buNone/>
             </a:pPr>
             <a:r>
               <a:t/>
             </a:r>
-            <a:endParaRPr/>
+            <a:endParaRPr b="0" i="0" sz="1400" u="none" cap="none" strike="noStrike">
+              <a:solidFill>
+                <a:srgbClr val="000000"/>
+              </a:solidFill>
+              <a:latin typeface="Arial"/>
+              <a:ea typeface="Arial"/>
+              <a:cs typeface="Arial"/>
+              <a:sym typeface="Arial"/>
+            </a:endParaRPr>
           </a:p>
         </p:txBody>
       </p:sp>
@@ -12420,7 +12787,7 @@
           <a:effectLst>
             <a:outerShdw blurRad="57150" rotWithShape="0" algn="bl" dir="5400000" dist="19050">
               <a:srgbClr val="000000">
-                <a:alpha val="50000"/>
+                <a:alpha val="49803"/>
               </a:srgbClr>
             </a:outerShdw>
           </a:effectLst>
@@ -12431,19 +12798,35 @@
           </a:bodyPr>
           <a:lstStyle/>
           <a:p>
-            <a:pPr indent="0" lvl="0" marL="0" rtl="0" algn="l">
-              <a:spcBef>
-                <a:spcPts val="0"/>
-              </a:spcBef>
-              <a:spcAft>
-                <a:spcPts val="0"/>
-              </a:spcAft>
+            <a:pPr indent="0" lvl="0" marL="0" marR="0" rtl="0" algn="l">
+              <a:lnSpc>
+                <a:spcPct val="100000"/>
+              </a:lnSpc>
+              <a:spcBef>
+                <a:spcPts val="0"/>
+              </a:spcBef>
+              <a:spcAft>
+                <a:spcPts val="0"/>
+              </a:spcAft>
+              <a:buClr>
+                <a:srgbClr val="000000"/>
+              </a:buClr>
+              <a:buSzPts val="1400"/>
+              <a:buFont typeface="Arial"/>
               <a:buNone/>
             </a:pPr>
             <a:r>
               <a:t/>
             </a:r>
-            <a:endParaRPr/>
+            <a:endParaRPr b="0" i="0" sz="1400" u="none" cap="none" strike="noStrike">
+              <a:solidFill>
+                <a:srgbClr val="000000"/>
+              </a:solidFill>
+              <a:latin typeface="Arial"/>
+              <a:ea typeface="Arial"/>
+              <a:cs typeface="Arial"/>
+              <a:sym typeface="Arial"/>
+            </a:endParaRPr>
           </a:p>
         </p:txBody>
       </p:sp>
@@ -12478,7 +12861,7 @@
           <a:effectLst>
             <a:outerShdw blurRad="57150" rotWithShape="0" algn="bl" dir="5400000" dist="19050">
               <a:srgbClr val="000000">
-                <a:alpha val="50000"/>
+                <a:alpha val="49803"/>
               </a:srgbClr>
             </a:outerShdw>
           </a:effectLst>
@@ -12489,19 +12872,35 @@
           </a:bodyPr>
           <a:lstStyle/>
           <a:p>
-            <a:pPr indent="0" lvl="0" marL="0" rtl="0" algn="l">
-              <a:spcBef>
-                <a:spcPts val="0"/>
-              </a:spcBef>
-              <a:spcAft>
-                <a:spcPts val="0"/>
-              </a:spcAft>
+            <a:pPr indent="0" lvl="0" marL="0" marR="0" rtl="0" algn="l">
+              <a:lnSpc>
+                <a:spcPct val="100000"/>
+              </a:lnSpc>
+              <a:spcBef>
+                <a:spcPts val="0"/>
+              </a:spcBef>
+              <a:spcAft>
+                <a:spcPts val="0"/>
+              </a:spcAft>
+              <a:buClr>
+                <a:srgbClr val="000000"/>
+              </a:buClr>
+              <a:buSzPts val="1400"/>
+              <a:buFont typeface="Arial"/>
               <a:buNone/>
             </a:pPr>
             <a:r>
               <a:t/>
             </a:r>
-            <a:endParaRPr/>
+            <a:endParaRPr b="0" i="0" sz="1400" u="none" cap="none" strike="noStrike">
+              <a:solidFill>
+                <a:srgbClr val="000000"/>
+              </a:solidFill>
+              <a:latin typeface="Arial"/>
+              <a:ea typeface="Arial"/>
+              <a:cs typeface="Arial"/>
+              <a:sym typeface="Arial"/>
+            </a:endParaRPr>
           </a:p>
         </p:txBody>
       </p:sp>
@@ -12536,7 +12935,7 @@
           <a:effectLst>
             <a:outerShdw blurRad="57150" rotWithShape="0" algn="bl" dir="5400000" dist="19050">
               <a:srgbClr val="000000">
-                <a:alpha val="50000"/>
+                <a:alpha val="49803"/>
               </a:srgbClr>
             </a:outerShdw>
           </a:effectLst>
@@ -12547,19 +12946,35 @@
           </a:bodyPr>
           <a:lstStyle/>
           <a:p>
-            <a:pPr indent="0" lvl="0" marL="0" rtl="0" algn="l">
-              <a:spcBef>
-                <a:spcPts val="0"/>
-              </a:spcBef>
-              <a:spcAft>
-                <a:spcPts val="0"/>
-              </a:spcAft>
+            <a:pPr indent="0" lvl="0" marL="0" marR="0" rtl="0" algn="l">
+              <a:lnSpc>
+                <a:spcPct val="100000"/>
+              </a:lnSpc>
+              <a:spcBef>
+                <a:spcPts val="0"/>
+              </a:spcBef>
+              <a:spcAft>
+                <a:spcPts val="0"/>
+              </a:spcAft>
+              <a:buClr>
+                <a:srgbClr val="000000"/>
+              </a:buClr>
+              <a:buSzPts val="1400"/>
+              <a:buFont typeface="Arial"/>
               <a:buNone/>
             </a:pPr>
             <a:r>
               <a:t/>
             </a:r>
-            <a:endParaRPr/>
+            <a:endParaRPr b="0" i="0" sz="1400" u="none" cap="none" strike="noStrike">
+              <a:solidFill>
+                <a:srgbClr val="000000"/>
+              </a:solidFill>
+              <a:latin typeface="Arial"/>
+              <a:ea typeface="Arial"/>
+              <a:cs typeface="Arial"/>
+              <a:sym typeface="Arial"/>
+            </a:endParaRPr>
           </a:p>
         </p:txBody>
       </p:sp>
@@ -12594,7 +13009,7 @@
           <a:effectLst>
             <a:outerShdw blurRad="57150" rotWithShape="0" algn="bl" dir="5400000" dist="19050">
               <a:srgbClr val="000000">
-                <a:alpha val="50000"/>
+                <a:alpha val="49803"/>
               </a:srgbClr>
             </a:outerShdw>
           </a:effectLst>
@@ -12605,19 +13020,35 @@
           </a:bodyPr>
           <a:lstStyle/>
           <a:p>
-            <a:pPr indent="0" lvl="0" marL="0" rtl="0" algn="l">
-              <a:spcBef>
-                <a:spcPts val="0"/>
-              </a:spcBef>
-              <a:spcAft>
-                <a:spcPts val="0"/>
-              </a:spcAft>
+            <a:pPr indent="0" lvl="0" marL="0" marR="0" rtl="0" algn="l">
+              <a:lnSpc>
+                <a:spcPct val="100000"/>
+              </a:lnSpc>
+              <a:spcBef>
+                <a:spcPts val="0"/>
+              </a:spcBef>
+              <a:spcAft>
+                <a:spcPts val="0"/>
+              </a:spcAft>
+              <a:buClr>
+                <a:srgbClr val="000000"/>
+              </a:buClr>
+              <a:buSzPts val="1400"/>
+              <a:buFont typeface="Arial"/>
               <a:buNone/>
             </a:pPr>
             <a:r>
               <a:t/>
             </a:r>
-            <a:endParaRPr/>
+            <a:endParaRPr b="0" i="0" sz="1400" u="none" cap="none" strike="noStrike">
+              <a:solidFill>
+                <a:srgbClr val="000000"/>
+              </a:solidFill>
+              <a:latin typeface="Arial"/>
+              <a:ea typeface="Arial"/>
+              <a:cs typeface="Arial"/>
+              <a:sym typeface="Arial"/>
+            </a:endParaRPr>
           </a:p>
         </p:txBody>
       </p:sp>
@@ -12652,7 +13083,7 @@
           <a:effectLst>
             <a:outerShdw blurRad="57150" rotWithShape="0" algn="bl" dir="5400000" dist="19050">
               <a:srgbClr val="000000">
-                <a:alpha val="50000"/>
+                <a:alpha val="49803"/>
               </a:srgbClr>
             </a:outerShdw>
           </a:effectLst>
@@ -12663,19 +13094,35 @@
           </a:bodyPr>
           <a:lstStyle/>
           <a:p>
-            <a:pPr indent="0" lvl="0" marL="0" rtl="0" algn="l">
-              <a:spcBef>
-                <a:spcPts val="0"/>
-              </a:spcBef>
-              <a:spcAft>
-                <a:spcPts val="0"/>
-              </a:spcAft>
+            <a:pPr indent="0" lvl="0" marL="0" marR="0" rtl="0" algn="l">
+              <a:lnSpc>
+                <a:spcPct val="100000"/>
+              </a:lnSpc>
+              <a:spcBef>
+                <a:spcPts val="0"/>
+              </a:spcBef>
+              <a:spcAft>
+                <a:spcPts val="0"/>
+              </a:spcAft>
+              <a:buClr>
+                <a:srgbClr val="000000"/>
+              </a:buClr>
+              <a:buSzPts val="1400"/>
+              <a:buFont typeface="Arial"/>
               <a:buNone/>
             </a:pPr>
             <a:r>
               <a:t/>
             </a:r>
-            <a:endParaRPr/>
+            <a:endParaRPr b="0" i="0" sz="1400" u="none" cap="none" strike="noStrike">
+              <a:solidFill>
+                <a:srgbClr val="000000"/>
+              </a:solidFill>
+              <a:latin typeface="Arial"/>
+              <a:ea typeface="Arial"/>
+              <a:cs typeface="Arial"/>
+              <a:sym typeface="Arial"/>
+            </a:endParaRPr>
           </a:p>
         </p:txBody>
       </p:sp>
@@ -12710,7 +13157,7 @@
           <a:effectLst>
             <a:outerShdw blurRad="57150" rotWithShape="0" algn="bl" dir="5400000" dist="19050">
               <a:srgbClr val="000000">
-                <a:alpha val="50000"/>
+                <a:alpha val="49803"/>
               </a:srgbClr>
             </a:outerShdw>
           </a:effectLst>
@@ -12721,19 +13168,35 @@
           </a:bodyPr>
           <a:lstStyle/>
           <a:p>
-            <a:pPr indent="0" lvl="0" marL="0" rtl="0" algn="l">
-              <a:spcBef>
-                <a:spcPts val="0"/>
-              </a:spcBef>
-              <a:spcAft>
-                <a:spcPts val="0"/>
-              </a:spcAft>
+            <a:pPr indent="0" lvl="0" marL="0" marR="0" rtl="0" algn="l">
+              <a:lnSpc>
+                <a:spcPct val="100000"/>
+              </a:lnSpc>
+              <a:spcBef>
+                <a:spcPts val="0"/>
+              </a:spcBef>
+              <a:spcAft>
+                <a:spcPts val="0"/>
+              </a:spcAft>
+              <a:buClr>
+                <a:srgbClr val="000000"/>
+              </a:buClr>
+              <a:buSzPts val="1400"/>
+              <a:buFont typeface="Arial"/>
               <a:buNone/>
             </a:pPr>
             <a:r>
               <a:t/>
             </a:r>
-            <a:endParaRPr/>
+            <a:endParaRPr b="0" i="0" sz="1400" u="none" cap="none" strike="noStrike">
+              <a:solidFill>
+                <a:srgbClr val="000000"/>
+              </a:solidFill>
+              <a:latin typeface="Arial"/>
+              <a:ea typeface="Arial"/>
+              <a:cs typeface="Arial"/>
+              <a:sym typeface="Arial"/>
+            </a:endParaRPr>
           </a:p>
         </p:txBody>
       </p:sp>
@@ -12768,7 +13231,7 @@
           <a:effectLst>
             <a:outerShdw blurRad="57150" rotWithShape="0" algn="bl" dir="5400000" dist="19050">
               <a:srgbClr val="000000">
-                <a:alpha val="50000"/>
+                <a:alpha val="49803"/>
               </a:srgbClr>
             </a:outerShdw>
           </a:effectLst>
@@ -12779,19 +13242,35 @@
           </a:bodyPr>
           <a:lstStyle/>
           <a:p>
-            <a:pPr indent="0" lvl="0" marL="0" rtl="0" algn="l">
-              <a:spcBef>
-                <a:spcPts val="0"/>
-              </a:spcBef>
-              <a:spcAft>
-                <a:spcPts val="0"/>
-              </a:spcAft>
+            <a:pPr indent="0" lvl="0" marL="0" marR="0" rtl="0" algn="l">
+              <a:lnSpc>
+                <a:spcPct val="100000"/>
+              </a:lnSpc>
+              <a:spcBef>
+                <a:spcPts val="0"/>
+              </a:spcBef>
+              <a:spcAft>
+                <a:spcPts val="0"/>
+              </a:spcAft>
+              <a:buClr>
+                <a:srgbClr val="000000"/>
+              </a:buClr>
+              <a:buSzPts val="1400"/>
+              <a:buFont typeface="Arial"/>
               <a:buNone/>
             </a:pPr>
             <a:r>
               <a:t/>
             </a:r>
-            <a:endParaRPr/>
+            <a:endParaRPr b="0" i="0" sz="1400" u="none" cap="none" strike="noStrike">
+              <a:solidFill>
+                <a:srgbClr val="000000"/>
+              </a:solidFill>
+              <a:latin typeface="Arial"/>
+              <a:ea typeface="Arial"/>
+              <a:cs typeface="Arial"/>
+              <a:sym typeface="Arial"/>
+            </a:endParaRPr>
           </a:p>
         </p:txBody>
       </p:sp>
@@ -12826,7 +13305,7 @@
           <a:effectLst>
             <a:outerShdw blurRad="57150" rotWithShape="0" algn="bl" dir="5400000" dist="19050">
               <a:srgbClr val="000000">
-                <a:alpha val="50000"/>
+                <a:alpha val="49803"/>
               </a:srgbClr>
             </a:outerShdw>
           </a:effectLst>
@@ -12837,19 +13316,35 @@
           </a:bodyPr>
           <a:lstStyle/>
           <a:p>
-            <a:pPr indent="0" lvl="0" marL="0" rtl="0" algn="l">
-              <a:spcBef>
-                <a:spcPts val="0"/>
-              </a:spcBef>
-              <a:spcAft>
-                <a:spcPts val="0"/>
-              </a:spcAft>
+            <a:pPr indent="0" lvl="0" marL="0" marR="0" rtl="0" algn="l">
+              <a:lnSpc>
+                <a:spcPct val="100000"/>
+              </a:lnSpc>
+              <a:spcBef>
+                <a:spcPts val="0"/>
+              </a:spcBef>
+              <a:spcAft>
+                <a:spcPts val="0"/>
+              </a:spcAft>
+              <a:buClr>
+                <a:srgbClr val="000000"/>
+              </a:buClr>
+              <a:buSzPts val="1400"/>
+              <a:buFont typeface="Arial"/>
               <a:buNone/>
             </a:pPr>
             <a:r>
               <a:t/>
             </a:r>
-            <a:endParaRPr/>
+            <a:endParaRPr b="0" i="0" sz="1400" u="none" cap="none" strike="noStrike">
+              <a:solidFill>
+                <a:srgbClr val="000000"/>
+              </a:solidFill>
+              <a:latin typeface="Arial"/>
+              <a:ea typeface="Arial"/>
+              <a:cs typeface="Arial"/>
+              <a:sym typeface="Arial"/>
+            </a:endParaRPr>
           </a:p>
         </p:txBody>
       </p:sp>
@@ -12884,7 +13379,7 @@
           <a:effectLst>
             <a:outerShdw blurRad="57150" rotWithShape="0" algn="bl" dir="5400000" dist="19050">
               <a:srgbClr val="000000">
-                <a:alpha val="50000"/>
+                <a:alpha val="49803"/>
               </a:srgbClr>
             </a:outerShdw>
           </a:effectLst>
@@ -12895,19 +13390,35 @@
           </a:bodyPr>
           <a:lstStyle/>
           <a:p>
-            <a:pPr indent="0" lvl="0" marL="0" rtl="0" algn="l">
-              <a:spcBef>
-                <a:spcPts val="0"/>
-              </a:spcBef>
-              <a:spcAft>
-                <a:spcPts val="0"/>
-              </a:spcAft>
+            <a:pPr indent="0" lvl="0" marL="0" marR="0" rtl="0" algn="l">
+              <a:lnSpc>
+                <a:spcPct val="100000"/>
+              </a:lnSpc>
+              <a:spcBef>
+                <a:spcPts val="0"/>
+              </a:spcBef>
+              <a:spcAft>
+                <a:spcPts val="0"/>
+              </a:spcAft>
+              <a:buClr>
+                <a:srgbClr val="000000"/>
+              </a:buClr>
+              <a:buSzPts val="1400"/>
+              <a:buFont typeface="Arial"/>
               <a:buNone/>
             </a:pPr>
             <a:r>
               <a:t/>
             </a:r>
-            <a:endParaRPr/>
+            <a:endParaRPr b="0" i="0" sz="1400" u="none" cap="none" strike="noStrike">
+              <a:solidFill>
+                <a:srgbClr val="000000"/>
+              </a:solidFill>
+              <a:latin typeface="Arial"/>
+              <a:ea typeface="Arial"/>
+              <a:cs typeface="Arial"/>
+              <a:sym typeface="Arial"/>
+            </a:endParaRPr>
           </a:p>
         </p:txBody>
       </p:sp>
@@ -12942,7 +13453,7 @@
           <a:effectLst>
             <a:outerShdw blurRad="57150" rotWithShape="0" algn="bl" dir="5400000" dist="19050">
               <a:srgbClr val="000000">
-                <a:alpha val="50000"/>
+                <a:alpha val="49803"/>
               </a:srgbClr>
             </a:outerShdw>
           </a:effectLst>
@@ -12953,19 +13464,35 @@
           </a:bodyPr>
           <a:lstStyle/>
           <a:p>
-            <a:pPr indent="0" lvl="0" marL="0" rtl="0" algn="l">
-              <a:spcBef>
-                <a:spcPts val="0"/>
-              </a:spcBef>
-              <a:spcAft>
-                <a:spcPts val="0"/>
-              </a:spcAft>
+            <a:pPr indent="0" lvl="0" marL="0" marR="0" rtl="0" algn="l">
+              <a:lnSpc>
+                <a:spcPct val="100000"/>
+              </a:lnSpc>
+              <a:spcBef>
+                <a:spcPts val="0"/>
+              </a:spcBef>
+              <a:spcAft>
+                <a:spcPts val="0"/>
+              </a:spcAft>
+              <a:buClr>
+                <a:srgbClr val="000000"/>
+              </a:buClr>
+              <a:buSzPts val="1400"/>
+              <a:buFont typeface="Arial"/>
               <a:buNone/>
             </a:pPr>
             <a:r>
               <a:t/>
             </a:r>
-            <a:endParaRPr/>
+            <a:endParaRPr b="0" i="0" sz="1400" u="none" cap="none" strike="noStrike">
+              <a:solidFill>
+                <a:srgbClr val="000000"/>
+              </a:solidFill>
+              <a:latin typeface="Arial"/>
+              <a:ea typeface="Arial"/>
+              <a:cs typeface="Arial"/>
+              <a:sym typeface="Arial"/>
+            </a:endParaRPr>
           </a:p>
         </p:txBody>
       </p:sp>
@@ -13000,7 +13527,7 @@
           <a:effectLst>
             <a:outerShdw blurRad="57150" rotWithShape="0" algn="bl" dir="5400000" dist="19050">
               <a:srgbClr val="000000">
-                <a:alpha val="50000"/>
+                <a:alpha val="49803"/>
               </a:srgbClr>
             </a:outerShdw>
           </a:effectLst>
@@ -13011,19 +13538,35 @@
           </a:bodyPr>
           <a:lstStyle/>
           <a:p>
-            <a:pPr indent="0" lvl="0" marL="0" rtl="0" algn="l">
-              <a:spcBef>
-                <a:spcPts val="0"/>
-              </a:spcBef>
-              <a:spcAft>
-                <a:spcPts val="0"/>
-              </a:spcAft>
+            <a:pPr indent="0" lvl="0" marL="0" marR="0" rtl="0" algn="l">
+              <a:lnSpc>
+                <a:spcPct val="100000"/>
+              </a:lnSpc>
+              <a:spcBef>
+                <a:spcPts val="0"/>
+              </a:spcBef>
+              <a:spcAft>
+                <a:spcPts val="0"/>
+              </a:spcAft>
+              <a:buClr>
+                <a:srgbClr val="000000"/>
+              </a:buClr>
+              <a:buSzPts val="1400"/>
+              <a:buFont typeface="Arial"/>
               <a:buNone/>
             </a:pPr>
             <a:r>
               <a:t/>
             </a:r>
-            <a:endParaRPr/>
+            <a:endParaRPr b="0" i="0" sz="1400" u="none" cap="none" strike="noStrike">
+              <a:solidFill>
+                <a:srgbClr val="000000"/>
+              </a:solidFill>
+              <a:latin typeface="Arial"/>
+              <a:ea typeface="Arial"/>
+              <a:cs typeface="Arial"/>
+              <a:sym typeface="Arial"/>
+            </a:endParaRPr>
           </a:p>
         </p:txBody>
       </p:sp>
@@ -13058,7 +13601,7 @@
           <a:effectLst>
             <a:outerShdw blurRad="57150" rotWithShape="0" algn="bl" dir="5400000" dist="19050">
               <a:srgbClr val="000000">
-                <a:alpha val="50000"/>
+                <a:alpha val="49803"/>
               </a:srgbClr>
             </a:outerShdw>
           </a:effectLst>
@@ -13069,19 +13612,35 @@
           </a:bodyPr>
           <a:lstStyle/>
           <a:p>
-            <a:pPr indent="0" lvl="0" marL="0" rtl="0" algn="l">
-              <a:spcBef>
-                <a:spcPts val="0"/>
-              </a:spcBef>
-              <a:spcAft>
-                <a:spcPts val="0"/>
-              </a:spcAft>
+            <a:pPr indent="0" lvl="0" marL="0" marR="0" rtl="0" algn="l">
+              <a:lnSpc>
+                <a:spcPct val="100000"/>
+              </a:lnSpc>
+              <a:spcBef>
+                <a:spcPts val="0"/>
+              </a:spcBef>
+              <a:spcAft>
+                <a:spcPts val="0"/>
+              </a:spcAft>
+              <a:buClr>
+                <a:srgbClr val="000000"/>
+              </a:buClr>
+              <a:buSzPts val="1400"/>
+              <a:buFont typeface="Arial"/>
               <a:buNone/>
             </a:pPr>
             <a:r>
               <a:t/>
             </a:r>
-            <a:endParaRPr/>
+            <a:endParaRPr b="0" i="0" sz="1400" u="none" cap="none" strike="noStrike">
+              <a:solidFill>
+                <a:srgbClr val="000000"/>
+              </a:solidFill>
+              <a:latin typeface="Arial"/>
+              <a:ea typeface="Arial"/>
+              <a:cs typeface="Arial"/>
+              <a:sym typeface="Arial"/>
+            </a:endParaRPr>
           </a:p>
         </p:txBody>
       </p:sp>
@@ -13116,7 +13675,7 @@
           <a:effectLst>
             <a:outerShdw blurRad="57150" rotWithShape="0" algn="bl" dir="5400000" dist="19050">
               <a:srgbClr val="000000">
-                <a:alpha val="50000"/>
+                <a:alpha val="49803"/>
               </a:srgbClr>
             </a:outerShdw>
           </a:effectLst>
@@ -13127,19 +13686,35 @@
           </a:bodyPr>
           <a:lstStyle/>
           <a:p>
-            <a:pPr indent="0" lvl="0" marL="0" rtl="0" algn="l">
-              <a:spcBef>
-                <a:spcPts val="0"/>
-              </a:spcBef>
-              <a:spcAft>
-                <a:spcPts val="0"/>
-              </a:spcAft>
+            <a:pPr indent="0" lvl="0" marL="0" marR="0" rtl="0" algn="l">
+              <a:lnSpc>
+                <a:spcPct val="100000"/>
+              </a:lnSpc>
+              <a:spcBef>
+                <a:spcPts val="0"/>
+              </a:spcBef>
+              <a:spcAft>
+                <a:spcPts val="0"/>
+              </a:spcAft>
+              <a:buClr>
+                <a:srgbClr val="000000"/>
+              </a:buClr>
+              <a:buSzPts val="1400"/>
+              <a:buFont typeface="Arial"/>
               <a:buNone/>
             </a:pPr>
             <a:r>
               <a:t/>
             </a:r>
-            <a:endParaRPr/>
+            <a:endParaRPr b="0" i="0" sz="1400" u="none" cap="none" strike="noStrike">
+              <a:solidFill>
+                <a:srgbClr val="000000"/>
+              </a:solidFill>
+              <a:latin typeface="Arial"/>
+              <a:ea typeface="Arial"/>
+              <a:cs typeface="Arial"/>
+              <a:sym typeface="Arial"/>
+            </a:endParaRPr>
           </a:p>
         </p:txBody>
       </p:sp>
@@ -13174,7 +13749,7 @@
           <a:effectLst>
             <a:outerShdw blurRad="57150" rotWithShape="0" algn="bl" dir="5400000" dist="19050">
               <a:srgbClr val="000000">
-                <a:alpha val="50000"/>
+                <a:alpha val="49803"/>
               </a:srgbClr>
             </a:outerShdw>
           </a:effectLst>
@@ -13185,19 +13760,35 @@
           </a:bodyPr>
           <a:lstStyle/>
           <a:p>
-            <a:pPr indent="0" lvl="0" marL="0" rtl="0" algn="l">
-              <a:spcBef>
-                <a:spcPts val="0"/>
-              </a:spcBef>
-              <a:spcAft>
-                <a:spcPts val="0"/>
-              </a:spcAft>
+            <a:pPr indent="0" lvl="0" marL="0" marR="0" rtl="0" algn="l">
+              <a:lnSpc>
+                <a:spcPct val="100000"/>
+              </a:lnSpc>
+              <a:spcBef>
+                <a:spcPts val="0"/>
+              </a:spcBef>
+              <a:spcAft>
+                <a:spcPts val="0"/>
+              </a:spcAft>
+              <a:buClr>
+                <a:srgbClr val="000000"/>
+              </a:buClr>
+              <a:buSzPts val="1400"/>
+              <a:buFont typeface="Arial"/>
               <a:buNone/>
             </a:pPr>
             <a:r>
               <a:t/>
             </a:r>
-            <a:endParaRPr/>
+            <a:endParaRPr b="0" i="0" sz="1400" u="none" cap="none" strike="noStrike">
+              <a:solidFill>
+                <a:srgbClr val="000000"/>
+              </a:solidFill>
+              <a:latin typeface="Arial"/>
+              <a:ea typeface="Arial"/>
+              <a:cs typeface="Arial"/>
+              <a:sym typeface="Arial"/>
+            </a:endParaRPr>
           </a:p>
         </p:txBody>
       </p:sp>
@@ -13232,7 +13823,7 @@
           <a:effectLst>
             <a:outerShdw blurRad="57150" rotWithShape="0" algn="bl" dir="5400000" dist="19050">
               <a:srgbClr val="000000">
-                <a:alpha val="50000"/>
+                <a:alpha val="49803"/>
               </a:srgbClr>
             </a:outerShdw>
           </a:effectLst>
@@ -13243,19 +13834,35 @@
           </a:bodyPr>
           <a:lstStyle/>
           <a:p>
-            <a:pPr indent="0" lvl="0" marL="0" rtl="0" algn="l">
-              <a:spcBef>
-                <a:spcPts val="0"/>
-              </a:spcBef>
-              <a:spcAft>
-                <a:spcPts val="0"/>
-              </a:spcAft>
+            <a:pPr indent="0" lvl="0" marL="0" marR="0" rtl="0" algn="l">
+              <a:lnSpc>
+                <a:spcPct val="100000"/>
+              </a:lnSpc>
+              <a:spcBef>
+                <a:spcPts val="0"/>
+              </a:spcBef>
+              <a:spcAft>
+                <a:spcPts val="0"/>
+              </a:spcAft>
+              <a:buClr>
+                <a:srgbClr val="000000"/>
+              </a:buClr>
+              <a:buSzPts val="1400"/>
+              <a:buFont typeface="Arial"/>
               <a:buNone/>
             </a:pPr>
             <a:r>
               <a:t/>
             </a:r>
-            <a:endParaRPr/>
+            <a:endParaRPr b="0" i="0" sz="1400" u="none" cap="none" strike="noStrike">
+              <a:solidFill>
+                <a:srgbClr val="000000"/>
+              </a:solidFill>
+              <a:latin typeface="Arial"/>
+              <a:ea typeface="Arial"/>
+              <a:cs typeface="Arial"/>
+              <a:sym typeface="Arial"/>
+            </a:endParaRPr>
           </a:p>
         </p:txBody>
       </p:sp>
@@ -13290,7 +13897,7 @@
           <a:effectLst>
             <a:outerShdw blurRad="57150" rotWithShape="0" algn="bl" dir="5400000" dist="19050">
               <a:srgbClr val="000000">
-                <a:alpha val="50000"/>
+                <a:alpha val="49803"/>
               </a:srgbClr>
             </a:outerShdw>
           </a:effectLst>
@@ -13301,19 +13908,35 @@
           </a:bodyPr>
           <a:lstStyle/>
           <a:p>
-            <a:pPr indent="0" lvl="0" marL="0" rtl="0" algn="l">
-              <a:spcBef>
-                <a:spcPts val="0"/>
-              </a:spcBef>
-              <a:spcAft>
-                <a:spcPts val="0"/>
-              </a:spcAft>
+            <a:pPr indent="0" lvl="0" marL="0" marR="0" rtl="0" algn="l">
+              <a:lnSpc>
+                <a:spcPct val="100000"/>
+              </a:lnSpc>
+              <a:spcBef>
+                <a:spcPts val="0"/>
+              </a:spcBef>
+              <a:spcAft>
+                <a:spcPts val="0"/>
+              </a:spcAft>
+              <a:buClr>
+                <a:srgbClr val="000000"/>
+              </a:buClr>
+              <a:buSzPts val="1400"/>
+              <a:buFont typeface="Arial"/>
               <a:buNone/>
             </a:pPr>
             <a:r>
               <a:t/>
             </a:r>
-            <a:endParaRPr/>
+            <a:endParaRPr b="0" i="0" sz="1400" u="none" cap="none" strike="noStrike">
+              <a:solidFill>
+                <a:srgbClr val="000000"/>
+              </a:solidFill>
+              <a:latin typeface="Arial"/>
+              <a:ea typeface="Arial"/>
+              <a:cs typeface="Arial"/>
+              <a:sym typeface="Arial"/>
+            </a:endParaRPr>
           </a:p>
         </p:txBody>
       </p:sp>
@@ -13348,7 +13971,7 @@
           <a:effectLst>
             <a:outerShdw blurRad="57150" rotWithShape="0" algn="bl" dir="5400000" dist="19050">
               <a:srgbClr val="000000">
-                <a:alpha val="50000"/>
+                <a:alpha val="49803"/>
               </a:srgbClr>
             </a:outerShdw>
           </a:effectLst>
@@ -13359,19 +13982,35 @@
           </a:bodyPr>
           <a:lstStyle/>
           <a:p>
-            <a:pPr indent="0" lvl="0" marL="0" rtl="0" algn="l">
-              <a:spcBef>
-                <a:spcPts val="0"/>
-              </a:spcBef>
-              <a:spcAft>
-                <a:spcPts val="0"/>
-              </a:spcAft>
+            <a:pPr indent="0" lvl="0" marL="0" marR="0" rtl="0" algn="l">
+              <a:lnSpc>
+                <a:spcPct val="100000"/>
+              </a:lnSpc>
+              <a:spcBef>
+                <a:spcPts val="0"/>
+              </a:spcBef>
+              <a:spcAft>
+                <a:spcPts val="0"/>
+              </a:spcAft>
+              <a:buClr>
+                <a:srgbClr val="000000"/>
+              </a:buClr>
+              <a:buSzPts val="1400"/>
+              <a:buFont typeface="Arial"/>
               <a:buNone/>
             </a:pPr>
             <a:r>
               <a:t/>
             </a:r>
-            <a:endParaRPr/>
+            <a:endParaRPr b="0" i="0" sz="1400" u="none" cap="none" strike="noStrike">
+              <a:solidFill>
+                <a:srgbClr val="000000"/>
+              </a:solidFill>
+              <a:latin typeface="Arial"/>
+              <a:ea typeface="Arial"/>
+              <a:cs typeface="Arial"/>
+              <a:sym typeface="Arial"/>
+            </a:endParaRPr>
           </a:p>
         </p:txBody>
       </p:sp>
@@ -13406,7 +14045,7 @@
           <a:effectLst>
             <a:outerShdw blurRad="57150" rotWithShape="0" algn="bl" dir="5400000" dist="19050">
               <a:srgbClr val="000000">
-                <a:alpha val="50000"/>
+                <a:alpha val="49803"/>
               </a:srgbClr>
             </a:outerShdw>
           </a:effectLst>
@@ -13417,19 +14056,35 @@
           </a:bodyPr>
           <a:lstStyle/>
           <a:p>
-            <a:pPr indent="0" lvl="0" marL="0" rtl="0" algn="l">
-              <a:spcBef>
-                <a:spcPts val="0"/>
-              </a:spcBef>
-              <a:spcAft>
-                <a:spcPts val="0"/>
-              </a:spcAft>
+            <a:pPr indent="0" lvl="0" marL="0" marR="0" rtl="0" algn="l">
+              <a:lnSpc>
+                <a:spcPct val="100000"/>
+              </a:lnSpc>
+              <a:spcBef>
+                <a:spcPts val="0"/>
+              </a:spcBef>
+              <a:spcAft>
+                <a:spcPts val="0"/>
+              </a:spcAft>
+              <a:buClr>
+                <a:srgbClr val="000000"/>
+              </a:buClr>
+              <a:buSzPts val="1400"/>
+              <a:buFont typeface="Arial"/>
               <a:buNone/>
             </a:pPr>
             <a:r>
               <a:t/>
             </a:r>
-            <a:endParaRPr/>
+            <a:endParaRPr b="0" i="0" sz="1400" u="none" cap="none" strike="noStrike">
+              <a:solidFill>
+                <a:srgbClr val="000000"/>
+              </a:solidFill>
+              <a:latin typeface="Arial"/>
+              <a:ea typeface="Arial"/>
+              <a:cs typeface="Arial"/>
+              <a:sym typeface="Arial"/>
+            </a:endParaRPr>
           </a:p>
         </p:txBody>
       </p:sp>
@@ -13464,7 +14119,7 @@
           <a:effectLst>
             <a:outerShdw blurRad="57150" rotWithShape="0" algn="bl" dir="5400000" dist="19050">
               <a:srgbClr val="000000">
-                <a:alpha val="50000"/>
+                <a:alpha val="49803"/>
               </a:srgbClr>
             </a:outerShdw>
           </a:effectLst>
@@ -13475,19 +14130,35 @@
           </a:bodyPr>
           <a:lstStyle/>
           <a:p>
-            <a:pPr indent="0" lvl="0" marL="0" rtl="0" algn="l">
-              <a:spcBef>
-                <a:spcPts val="0"/>
-              </a:spcBef>
-              <a:spcAft>
-                <a:spcPts val="0"/>
-              </a:spcAft>
+            <a:pPr indent="0" lvl="0" marL="0" marR="0" rtl="0" algn="l">
+              <a:lnSpc>
+                <a:spcPct val="100000"/>
+              </a:lnSpc>
+              <a:spcBef>
+                <a:spcPts val="0"/>
+              </a:spcBef>
+              <a:spcAft>
+                <a:spcPts val="0"/>
+              </a:spcAft>
+              <a:buClr>
+                <a:srgbClr val="000000"/>
+              </a:buClr>
+              <a:buSzPts val="1400"/>
+              <a:buFont typeface="Arial"/>
               <a:buNone/>
             </a:pPr>
             <a:r>
               <a:t/>
             </a:r>
-            <a:endParaRPr/>
+            <a:endParaRPr b="0" i="0" sz="1400" u="none" cap="none" strike="noStrike">
+              <a:solidFill>
+                <a:srgbClr val="000000"/>
+              </a:solidFill>
+              <a:latin typeface="Arial"/>
+              <a:ea typeface="Arial"/>
+              <a:cs typeface="Arial"/>
+              <a:sym typeface="Arial"/>
+            </a:endParaRPr>
           </a:p>
         </p:txBody>
       </p:sp>
@@ -13522,7 +14193,7 @@
           <a:effectLst>
             <a:outerShdw blurRad="57150" rotWithShape="0" algn="bl" dir="5400000" dist="19050">
               <a:srgbClr val="000000">
-                <a:alpha val="50000"/>
+                <a:alpha val="49803"/>
               </a:srgbClr>
             </a:outerShdw>
           </a:effectLst>
@@ -13533,19 +14204,35 @@
           </a:bodyPr>
           <a:lstStyle/>
           <a:p>
-            <a:pPr indent="0" lvl="0" marL="0" rtl="0" algn="l">
-              <a:spcBef>
-                <a:spcPts val="0"/>
-              </a:spcBef>
-              <a:spcAft>
-                <a:spcPts val="0"/>
-              </a:spcAft>
+            <a:pPr indent="0" lvl="0" marL="0" marR="0" rtl="0" algn="l">
+              <a:lnSpc>
+                <a:spcPct val="100000"/>
+              </a:lnSpc>
+              <a:spcBef>
+                <a:spcPts val="0"/>
+              </a:spcBef>
+              <a:spcAft>
+                <a:spcPts val="0"/>
+              </a:spcAft>
+              <a:buClr>
+                <a:srgbClr val="000000"/>
+              </a:buClr>
+              <a:buSzPts val="1400"/>
+              <a:buFont typeface="Arial"/>
               <a:buNone/>
             </a:pPr>
             <a:r>
               <a:t/>
             </a:r>
-            <a:endParaRPr/>
+            <a:endParaRPr b="0" i="0" sz="1400" u="none" cap="none" strike="noStrike">
+              <a:solidFill>
+                <a:srgbClr val="000000"/>
+              </a:solidFill>
+              <a:latin typeface="Arial"/>
+              <a:ea typeface="Arial"/>
+              <a:cs typeface="Arial"/>
+              <a:sym typeface="Arial"/>
+            </a:endParaRPr>
           </a:p>
         </p:txBody>
       </p:sp>
@@ -13580,7 +14267,7 @@
           <a:effectLst>
             <a:outerShdw blurRad="57150" rotWithShape="0" algn="bl" dir="5400000" dist="19050">
               <a:srgbClr val="000000">
-                <a:alpha val="50000"/>
+                <a:alpha val="49803"/>
               </a:srgbClr>
             </a:outerShdw>
           </a:effectLst>
@@ -13591,19 +14278,35 @@
           </a:bodyPr>
           <a:lstStyle/>
           <a:p>
-            <a:pPr indent="0" lvl="0" marL="0" rtl="0" algn="l">
-              <a:spcBef>
-                <a:spcPts val="0"/>
-              </a:spcBef>
-              <a:spcAft>
-                <a:spcPts val="0"/>
-              </a:spcAft>
+            <a:pPr indent="0" lvl="0" marL="0" marR="0" rtl="0" algn="l">
+              <a:lnSpc>
+                <a:spcPct val="100000"/>
+              </a:lnSpc>
+              <a:spcBef>
+                <a:spcPts val="0"/>
+              </a:spcBef>
+              <a:spcAft>
+                <a:spcPts val="0"/>
+              </a:spcAft>
+              <a:buClr>
+                <a:srgbClr val="000000"/>
+              </a:buClr>
+              <a:buSzPts val="1400"/>
+              <a:buFont typeface="Arial"/>
               <a:buNone/>
             </a:pPr>
             <a:r>
               <a:t/>
             </a:r>
-            <a:endParaRPr/>
+            <a:endParaRPr b="0" i="0" sz="1400" u="none" cap="none" strike="noStrike">
+              <a:solidFill>
+                <a:srgbClr val="000000"/>
+              </a:solidFill>
+              <a:latin typeface="Arial"/>
+              <a:ea typeface="Arial"/>
+              <a:cs typeface="Arial"/>
+              <a:sym typeface="Arial"/>
+            </a:endParaRPr>
           </a:p>
         </p:txBody>
       </p:sp>
@@ -13653,11 +14356,7 @@
             </a:pPr>
             <a:r>
               <a:rPr lang="en-US" sz="2400"/>
-              <a:t>Mark_to_Future_cube_stats</a:t>
-            </a:r>
-            <a:r>
-              <a:rPr lang="en-US" sz="2400"/>
-              <a:t>.xml</a:t>
+              <a:t>Mark_to_Future_cube_stats.xml</a:t>
             </a:r>
             <a:endParaRPr b="1" i="0" sz="2400" u="none" cap="none" strike="noStrike">
               <a:solidFill>
@@ -13696,17 +14395,25 @@
           </a:bodyPr>
           <a:lstStyle/>
           <a:p>
-            <a:pPr indent="0" lvl="0" marL="0" rtl="0" algn="l">
+            <a:pPr indent="0" lvl="0" marL="0" marR="0" rtl="0" algn="l">
+              <a:lnSpc>
+                <a:spcPct val="100000"/>
+              </a:lnSpc>
               <a:spcBef>
                 <a:spcPts val="800"/>
               </a:spcBef>
               <a:spcAft>
                 <a:spcPts val="0"/>
               </a:spcAft>
-              <a:buNone/>
-            </a:pPr>
-            <a:r>
-              <a:rPr lang="en-US" sz="2000">
+              <a:buClr>
+                <a:srgbClr val="000000"/>
+              </a:buClr>
+              <a:buSzPts val="2000"/>
+              <a:buFont typeface="Arial"/>
+              <a:buNone/>
+            </a:pPr>
+            <a:r>
+              <a:rPr b="0" i="0" lang="en-US" sz="2000" u="none" cap="none" strike="noStrike">
                 <a:solidFill>
                   <a:schemeClr val="dk1"/>
                 </a:solidFill>
@@ -13717,7 +14424,15 @@
               </a:rPr>
               <a:t>Estimates a Mark-to-Future (MtF) cube of a bond portfolio. Each cell of the cube integrates the valuation of a bond at a specific time given a specific scenario. This can be easily extended thanks to the high maintenability of the implementation (C++ Quantlib for the pricing engine, inputs split in Java/Groovy, R for the cube/cubelet stats,..).</a:t>
             </a:r>
-            <a:endParaRPr sz="2000"/>
+            <a:endParaRPr b="0" i="0" sz="2000" u="none" cap="none" strike="noStrike">
+              <a:solidFill>
+                <a:srgbClr val="000000"/>
+              </a:solidFill>
+              <a:latin typeface="Arial"/>
+              <a:ea typeface="Arial"/>
+              <a:cs typeface="Arial"/>
+              <a:sym typeface="Arial"/>
+            </a:endParaRPr>
           </a:p>
         </p:txBody>
       </p:sp>
@@ -13798,36 +14513,84 @@
           </a:bodyPr>
           <a:lstStyle/>
           <a:p>
-            <a:pPr indent="0" lvl="0" marL="0" rtl="0" algn="l">
-              <a:spcBef>
-                <a:spcPts val="0"/>
-              </a:spcBef>
-              <a:spcAft>
-                <a:spcPts val="0"/>
-              </a:spcAft>
-              <a:buNone/>
-            </a:pPr>
-            <a:r>
-              <a:rPr lang="en-US"/>
+            <a:pPr indent="0" lvl="0" marL="0" marR="0" rtl="0" algn="l">
+              <a:lnSpc>
+                <a:spcPct val="100000"/>
+              </a:lnSpc>
+              <a:spcBef>
+                <a:spcPts val="0"/>
+              </a:spcBef>
+              <a:spcAft>
+                <a:spcPts val="0"/>
+              </a:spcAft>
+              <a:buClr>
+                <a:srgbClr val="000000"/>
+              </a:buClr>
+              <a:buSzPts val="1400"/>
+              <a:buFont typeface="Arial"/>
+              <a:buNone/>
+            </a:pPr>
+            <a:r>
+              <a:rPr b="0" i="0" lang="en-US" sz="1400" u="none" cap="none" strike="noStrike">
+                <a:solidFill>
+                  <a:srgbClr val="000000"/>
+                </a:solidFill>
+                <a:latin typeface="Arial"/>
+                <a:ea typeface="Arial"/>
+                <a:cs typeface="Arial"/>
+                <a:sym typeface="Arial"/>
+              </a:rPr>
               <a:t>MtF tables</a:t>
             </a:r>
-            <a:endParaRPr/>
-          </a:p>
-          <a:p>
-            <a:pPr indent="0" lvl="0" marL="0" rtl="0" algn="l">
-              <a:spcBef>
-                <a:spcPts val="0"/>
-              </a:spcBef>
-              <a:spcAft>
-                <a:spcPts val="0"/>
-              </a:spcAft>
-              <a:buNone/>
-            </a:pPr>
-            <a:r>
-              <a:rPr lang="en-US"/>
+            <a:endParaRPr b="0" i="0" sz="1400" u="none" cap="none" strike="noStrike">
+              <a:solidFill>
+                <a:srgbClr val="000000"/>
+              </a:solidFill>
+              <a:latin typeface="Arial"/>
+              <a:ea typeface="Arial"/>
+              <a:cs typeface="Arial"/>
+              <a:sym typeface="Arial"/>
+            </a:endParaRPr>
+          </a:p>
+          <a:p>
+            <a:pPr indent="0" lvl="0" marL="0" marR="0" rtl="0" algn="l">
+              <a:lnSpc>
+                <a:spcPct val="100000"/>
+              </a:lnSpc>
+              <a:spcBef>
+                <a:spcPts val="0"/>
+              </a:spcBef>
+              <a:spcAft>
+                <a:spcPts val="0"/>
+              </a:spcAft>
+              <a:buClr>
+                <a:srgbClr val="000000"/>
+              </a:buClr>
+              <a:buSzPts val="1400"/>
+              <a:buFont typeface="Arial"/>
+              <a:buNone/>
+            </a:pPr>
+            <a:r>
+              <a:rPr b="0" i="0" lang="en-US" sz="1400" u="none" cap="none" strike="noStrike">
+                <a:solidFill>
+                  <a:srgbClr val="000000"/>
+                </a:solidFill>
+                <a:latin typeface="Arial"/>
+                <a:ea typeface="Arial"/>
+                <a:cs typeface="Arial"/>
+                <a:sym typeface="Arial"/>
+              </a:rPr>
               <a:t>1 MtF table per instrument</a:t>
             </a:r>
-            <a:endParaRPr/>
+            <a:endParaRPr b="0" i="0" sz="1400" u="none" cap="none" strike="noStrike">
+              <a:solidFill>
+                <a:srgbClr val="000000"/>
+              </a:solidFill>
+              <a:latin typeface="Arial"/>
+              <a:ea typeface="Arial"/>
+              <a:cs typeface="Arial"/>
+              <a:sym typeface="Arial"/>
+            </a:endParaRPr>
           </a:p>
         </p:txBody>
       </p:sp>
@@ -13856,36 +14619,84 @@
           </a:bodyPr>
           <a:lstStyle/>
           <a:p>
-            <a:pPr indent="0" lvl="0" marL="0" rtl="0" algn="ctr">
-              <a:spcBef>
-                <a:spcPts val="0"/>
-              </a:spcBef>
-              <a:spcAft>
-                <a:spcPts val="0"/>
-              </a:spcAft>
-              <a:buNone/>
-            </a:pPr>
-            <a:r>
-              <a:rPr lang="en-US"/>
+            <a:pPr indent="0" lvl="0" marL="0" marR="0" rtl="0" algn="ctr">
+              <a:lnSpc>
+                <a:spcPct val="100000"/>
+              </a:lnSpc>
+              <a:spcBef>
+                <a:spcPts val="0"/>
+              </a:spcBef>
+              <a:spcAft>
+                <a:spcPts val="0"/>
+              </a:spcAft>
+              <a:buClr>
+                <a:srgbClr val="000000"/>
+              </a:buClr>
+              <a:buSzPts val="1400"/>
+              <a:buFont typeface="Arial"/>
+              <a:buNone/>
+            </a:pPr>
+            <a:r>
+              <a:rPr b="0" i="0" lang="en-US" sz="1400" u="none" cap="none" strike="noStrike">
+                <a:solidFill>
+                  <a:srgbClr val="000000"/>
+                </a:solidFill>
+                <a:latin typeface="Arial"/>
+                <a:ea typeface="Arial"/>
+                <a:cs typeface="Arial"/>
+                <a:sym typeface="Arial"/>
+              </a:rPr>
               <a:t>scenarios</a:t>
             </a:r>
-            <a:endParaRPr/>
-          </a:p>
-          <a:p>
-            <a:pPr indent="0" lvl="0" marL="0" rtl="0" algn="ctr">
-              <a:spcBef>
-                <a:spcPts val="0"/>
-              </a:spcBef>
-              <a:spcAft>
-                <a:spcPts val="0"/>
-              </a:spcAft>
-              <a:buNone/>
-            </a:pPr>
-            <a:r>
-              <a:rPr lang="en-US"/>
+            <a:endParaRPr b="0" i="0" sz="1400" u="none" cap="none" strike="noStrike">
+              <a:solidFill>
+                <a:srgbClr val="000000"/>
+              </a:solidFill>
+              <a:latin typeface="Arial"/>
+              <a:ea typeface="Arial"/>
+              <a:cs typeface="Arial"/>
+              <a:sym typeface="Arial"/>
+            </a:endParaRPr>
+          </a:p>
+          <a:p>
+            <a:pPr indent="0" lvl="0" marL="0" marR="0" rtl="0" algn="ctr">
+              <a:lnSpc>
+                <a:spcPct val="100000"/>
+              </a:lnSpc>
+              <a:spcBef>
+                <a:spcPts val="0"/>
+              </a:spcBef>
+              <a:spcAft>
+                <a:spcPts val="0"/>
+              </a:spcAft>
+              <a:buClr>
+                <a:srgbClr val="000000"/>
+              </a:buClr>
+              <a:buSzPts val="1400"/>
+              <a:buFont typeface="Arial"/>
+              <a:buNone/>
+            </a:pPr>
+            <a:r>
+              <a:rPr b="0" i="0" lang="en-US" sz="1400" u="none" cap="none" strike="noStrike">
+                <a:solidFill>
+                  <a:srgbClr val="000000"/>
+                </a:solidFill>
+                <a:latin typeface="Arial"/>
+                <a:ea typeface="Arial"/>
+                <a:cs typeface="Arial"/>
+                <a:sym typeface="Arial"/>
+              </a:rPr>
               <a:t>shocked risk-free rates</a:t>
             </a:r>
-            <a:endParaRPr/>
+            <a:endParaRPr b="0" i="0" sz="1400" u="none" cap="none" strike="noStrike">
+              <a:solidFill>
+                <a:srgbClr val="000000"/>
+              </a:solidFill>
+              <a:latin typeface="Arial"/>
+              <a:ea typeface="Arial"/>
+              <a:cs typeface="Arial"/>
+              <a:sym typeface="Arial"/>
+            </a:endParaRPr>
           </a:p>
         </p:txBody>
       </p:sp>
@@ -13914,20 +14725,44 @@
           </a:bodyPr>
           <a:lstStyle/>
           <a:p>
-            <a:pPr indent="0" lvl="0" marL="0" rtl="0" algn="l">
-              <a:spcBef>
-                <a:spcPts val="0"/>
-              </a:spcBef>
-              <a:spcAft>
-                <a:spcPts val="0"/>
-              </a:spcAft>
-              <a:buNone/>
-            </a:pPr>
-            <a:r>
-              <a:rPr lang="en-US"/>
+            <a:pPr indent="0" lvl="0" marL="0" marR="0" rtl="0" algn="l">
+              <a:lnSpc>
+                <a:spcPct val="100000"/>
+              </a:lnSpc>
+              <a:spcBef>
+                <a:spcPts val="0"/>
+              </a:spcBef>
+              <a:spcAft>
+                <a:spcPts val="0"/>
+              </a:spcAft>
+              <a:buClr>
+                <a:srgbClr val="000000"/>
+              </a:buClr>
+              <a:buSzPts val="1400"/>
+              <a:buFont typeface="Arial"/>
+              <a:buNone/>
+            </a:pPr>
+            <a:r>
+              <a:rPr b="0" i="0" lang="en-US" sz="1400" u="none" cap="none" strike="noStrike">
+                <a:solidFill>
+                  <a:srgbClr val="000000"/>
+                </a:solidFill>
+                <a:latin typeface="Arial"/>
+                <a:ea typeface="Arial"/>
+                <a:cs typeface="Arial"/>
+                <a:sym typeface="Arial"/>
+              </a:rPr>
               <a:t>evaluation dates</a:t>
             </a:r>
-            <a:endParaRPr/>
+            <a:endParaRPr b="0" i="0" sz="1400" u="none" cap="none" strike="noStrike">
+              <a:solidFill>
+                <a:srgbClr val="000000"/>
+              </a:solidFill>
+              <a:latin typeface="Arial"/>
+              <a:ea typeface="Arial"/>
+              <a:cs typeface="Arial"/>
+              <a:sym typeface="Arial"/>
+            </a:endParaRPr>
           </a:p>
         </p:txBody>
       </p:sp>
@@ -13962,7 +14797,7 @@
           <a:effectLst>
             <a:outerShdw blurRad="57150" rotWithShape="0" algn="bl" dir="5400000" dist="19050">
               <a:srgbClr val="000000">
-                <a:alpha val="50000"/>
+                <a:alpha val="49803"/>
               </a:srgbClr>
             </a:outerShdw>
           </a:effectLst>
@@ -13973,19 +14808,35 @@
           </a:bodyPr>
           <a:lstStyle/>
           <a:p>
-            <a:pPr indent="0" lvl="0" marL="0" rtl="0" algn="l">
-              <a:spcBef>
-                <a:spcPts val="0"/>
-              </a:spcBef>
-              <a:spcAft>
-                <a:spcPts val="0"/>
-              </a:spcAft>
+            <a:pPr indent="0" lvl="0" marL="0" marR="0" rtl="0" algn="l">
+              <a:lnSpc>
+                <a:spcPct val="100000"/>
+              </a:lnSpc>
+              <a:spcBef>
+                <a:spcPts val="0"/>
+              </a:spcBef>
+              <a:spcAft>
+                <a:spcPts val="0"/>
+              </a:spcAft>
+              <a:buClr>
+                <a:srgbClr val="000000"/>
+              </a:buClr>
+              <a:buSzPts val="1400"/>
+              <a:buFont typeface="Arial"/>
               <a:buNone/>
             </a:pPr>
             <a:r>
               <a:t/>
             </a:r>
-            <a:endParaRPr/>
+            <a:endParaRPr b="0" i="0" sz="1400" u="none" cap="none" strike="noStrike">
+              <a:solidFill>
+                <a:srgbClr val="000000"/>
+              </a:solidFill>
+              <a:latin typeface="Arial"/>
+              <a:ea typeface="Arial"/>
+              <a:cs typeface="Arial"/>
+              <a:sym typeface="Arial"/>
+            </a:endParaRPr>
           </a:p>
         </p:txBody>
       </p:sp>
@@ -14020,7 +14871,7 @@
           <a:effectLst>
             <a:outerShdw blurRad="57150" rotWithShape="0" algn="bl" dir="5400000" dist="19050">
               <a:srgbClr val="000000">
-                <a:alpha val="50000"/>
+                <a:alpha val="49803"/>
               </a:srgbClr>
             </a:outerShdw>
           </a:effectLst>
@@ -14031,19 +14882,35 @@
           </a:bodyPr>
           <a:lstStyle/>
           <a:p>
-            <a:pPr indent="0" lvl="0" marL="0" rtl="0" algn="l">
-              <a:spcBef>
-                <a:spcPts val="0"/>
-              </a:spcBef>
-              <a:spcAft>
-                <a:spcPts val="0"/>
-              </a:spcAft>
+            <a:pPr indent="0" lvl="0" marL="0" marR="0" rtl="0" algn="l">
+              <a:lnSpc>
+                <a:spcPct val="100000"/>
+              </a:lnSpc>
+              <a:spcBef>
+                <a:spcPts val="0"/>
+              </a:spcBef>
+              <a:spcAft>
+                <a:spcPts val="0"/>
+              </a:spcAft>
+              <a:buClr>
+                <a:srgbClr val="000000"/>
+              </a:buClr>
+              <a:buSzPts val="1400"/>
+              <a:buFont typeface="Arial"/>
               <a:buNone/>
             </a:pPr>
             <a:r>
               <a:t/>
             </a:r>
-            <a:endParaRPr/>
+            <a:endParaRPr b="0" i="0" sz="1400" u="none" cap="none" strike="noStrike">
+              <a:solidFill>
+                <a:srgbClr val="000000"/>
+              </a:solidFill>
+              <a:latin typeface="Arial"/>
+              <a:ea typeface="Arial"/>
+              <a:cs typeface="Arial"/>
+              <a:sym typeface="Arial"/>
+            </a:endParaRPr>
           </a:p>
         </p:txBody>
       </p:sp>
@@ -14078,7 +14945,7 @@
           <a:effectLst>
             <a:outerShdw blurRad="57150" rotWithShape="0" algn="bl" dir="5400000" dist="19050">
               <a:srgbClr val="000000">
-                <a:alpha val="50000"/>
+                <a:alpha val="49803"/>
               </a:srgbClr>
             </a:outerShdw>
           </a:effectLst>
@@ -14089,19 +14956,35 @@
           </a:bodyPr>
           <a:lstStyle/>
           <a:p>
-            <a:pPr indent="0" lvl="0" marL="0" rtl="0" algn="l">
-              <a:spcBef>
-                <a:spcPts val="0"/>
-              </a:spcBef>
-              <a:spcAft>
-                <a:spcPts val="0"/>
-              </a:spcAft>
+            <a:pPr indent="0" lvl="0" marL="0" marR="0" rtl="0" algn="l">
+              <a:lnSpc>
+                <a:spcPct val="100000"/>
+              </a:lnSpc>
+              <a:spcBef>
+                <a:spcPts val="0"/>
+              </a:spcBef>
+              <a:spcAft>
+                <a:spcPts val="0"/>
+              </a:spcAft>
+              <a:buClr>
+                <a:srgbClr val="000000"/>
+              </a:buClr>
+              <a:buSzPts val="1400"/>
+              <a:buFont typeface="Arial"/>
               <a:buNone/>
             </a:pPr>
             <a:r>
               <a:t/>
             </a:r>
-            <a:endParaRPr/>
+            <a:endParaRPr b="0" i="0" sz="1400" u="none" cap="none" strike="noStrike">
+              <a:solidFill>
+                <a:srgbClr val="000000"/>
+              </a:solidFill>
+              <a:latin typeface="Arial"/>
+              <a:ea typeface="Arial"/>
+              <a:cs typeface="Arial"/>
+              <a:sym typeface="Arial"/>
+            </a:endParaRPr>
           </a:p>
         </p:txBody>
       </p:sp>
@@ -14136,7 +15019,7 @@
           <a:effectLst>
             <a:outerShdw blurRad="57150" rotWithShape="0" algn="bl" dir="5400000" dist="19050">
               <a:srgbClr val="000000">
-                <a:alpha val="50000"/>
+                <a:alpha val="49803"/>
               </a:srgbClr>
             </a:outerShdw>
           </a:effectLst>
@@ -14147,19 +15030,35 @@
           </a:bodyPr>
           <a:lstStyle/>
           <a:p>
-            <a:pPr indent="0" lvl="0" marL="0" rtl="0" algn="l">
-              <a:spcBef>
-                <a:spcPts val="0"/>
-              </a:spcBef>
-              <a:spcAft>
-                <a:spcPts val="0"/>
-              </a:spcAft>
+            <a:pPr indent="0" lvl="0" marL="0" marR="0" rtl="0" algn="l">
+              <a:lnSpc>
+                <a:spcPct val="100000"/>
+              </a:lnSpc>
+              <a:spcBef>
+                <a:spcPts val="0"/>
+              </a:spcBef>
+              <a:spcAft>
+                <a:spcPts val="0"/>
+              </a:spcAft>
+              <a:buClr>
+                <a:srgbClr val="000000"/>
+              </a:buClr>
+              <a:buSzPts val="1400"/>
+              <a:buFont typeface="Arial"/>
               <a:buNone/>
             </a:pPr>
             <a:r>
               <a:t/>
             </a:r>
-            <a:endParaRPr/>
+            <a:endParaRPr b="0" i="0" sz="1400" u="none" cap="none" strike="noStrike">
+              <a:solidFill>
+                <a:srgbClr val="000000"/>
+              </a:solidFill>
+              <a:latin typeface="Arial"/>
+              <a:ea typeface="Arial"/>
+              <a:cs typeface="Arial"/>
+              <a:sym typeface="Arial"/>
+            </a:endParaRPr>
           </a:p>
         </p:txBody>
       </p:sp>
@@ -14194,7 +15093,7 @@
           <a:effectLst>
             <a:outerShdw blurRad="57150" rotWithShape="0" algn="bl" dir="5400000" dist="19050">
               <a:srgbClr val="000000">
-                <a:alpha val="50000"/>
+                <a:alpha val="49803"/>
               </a:srgbClr>
             </a:outerShdw>
           </a:effectLst>
@@ -14205,19 +15104,35 @@
           </a:bodyPr>
           <a:lstStyle/>
           <a:p>
-            <a:pPr indent="0" lvl="0" marL="0" rtl="0" algn="l">
-              <a:spcBef>
-                <a:spcPts val="0"/>
-              </a:spcBef>
-              <a:spcAft>
-                <a:spcPts val="0"/>
-              </a:spcAft>
+            <a:pPr indent="0" lvl="0" marL="0" marR="0" rtl="0" algn="l">
+              <a:lnSpc>
+                <a:spcPct val="100000"/>
+              </a:lnSpc>
+              <a:spcBef>
+                <a:spcPts val="0"/>
+              </a:spcBef>
+              <a:spcAft>
+                <a:spcPts val="0"/>
+              </a:spcAft>
+              <a:buClr>
+                <a:srgbClr val="000000"/>
+              </a:buClr>
+              <a:buSzPts val="1400"/>
+              <a:buFont typeface="Arial"/>
               <a:buNone/>
             </a:pPr>
             <a:r>
               <a:t/>
             </a:r>
-            <a:endParaRPr/>
+            <a:endParaRPr b="0" i="0" sz="1400" u="none" cap="none" strike="noStrike">
+              <a:solidFill>
+                <a:srgbClr val="000000"/>
+              </a:solidFill>
+              <a:latin typeface="Arial"/>
+              <a:ea typeface="Arial"/>
+              <a:cs typeface="Arial"/>
+              <a:sym typeface="Arial"/>
+            </a:endParaRPr>
           </a:p>
         </p:txBody>
       </p:sp>
@@ -14252,7 +15167,7 @@
           <a:effectLst>
             <a:outerShdw blurRad="57150" rotWithShape="0" algn="bl" dir="5400000" dist="19050">
               <a:srgbClr val="000000">
-                <a:alpha val="50000"/>
+                <a:alpha val="49803"/>
               </a:srgbClr>
             </a:outerShdw>
           </a:effectLst>
@@ -14263,19 +15178,35 @@
           </a:bodyPr>
           <a:lstStyle/>
           <a:p>
-            <a:pPr indent="0" lvl="0" marL="0" rtl="0" algn="l">
-              <a:spcBef>
-                <a:spcPts val="0"/>
-              </a:spcBef>
-              <a:spcAft>
-                <a:spcPts val="0"/>
-              </a:spcAft>
+            <a:pPr indent="0" lvl="0" marL="0" marR="0" rtl="0" algn="l">
+              <a:lnSpc>
+                <a:spcPct val="100000"/>
+              </a:lnSpc>
+              <a:spcBef>
+                <a:spcPts val="0"/>
+              </a:spcBef>
+              <a:spcAft>
+                <a:spcPts val="0"/>
+              </a:spcAft>
+              <a:buClr>
+                <a:srgbClr val="000000"/>
+              </a:buClr>
+              <a:buSzPts val="1400"/>
+              <a:buFont typeface="Arial"/>
               <a:buNone/>
             </a:pPr>
             <a:r>
               <a:t/>
             </a:r>
-            <a:endParaRPr/>
+            <a:endParaRPr b="0" i="0" sz="1400" u="none" cap="none" strike="noStrike">
+              <a:solidFill>
+                <a:srgbClr val="000000"/>
+              </a:solidFill>
+              <a:latin typeface="Arial"/>
+              <a:ea typeface="Arial"/>
+              <a:cs typeface="Arial"/>
+              <a:sym typeface="Arial"/>
+            </a:endParaRPr>
           </a:p>
         </p:txBody>
       </p:sp>
@@ -14310,7 +15241,7 @@
           <a:effectLst>
             <a:outerShdw blurRad="57150" rotWithShape="0" algn="bl" dir="5400000" dist="19050">
               <a:srgbClr val="000000">
-                <a:alpha val="50000"/>
+                <a:alpha val="49803"/>
               </a:srgbClr>
             </a:outerShdw>
           </a:effectLst>
@@ -14321,19 +15252,35 @@
           </a:bodyPr>
           <a:lstStyle/>
           <a:p>
-            <a:pPr indent="0" lvl="0" marL="0" rtl="0" algn="l">
-              <a:spcBef>
-                <a:spcPts val="0"/>
-              </a:spcBef>
-              <a:spcAft>
-                <a:spcPts val="0"/>
-              </a:spcAft>
+            <a:pPr indent="0" lvl="0" marL="0" marR="0" rtl="0" algn="l">
+              <a:lnSpc>
+                <a:spcPct val="100000"/>
+              </a:lnSpc>
+              <a:spcBef>
+                <a:spcPts val="0"/>
+              </a:spcBef>
+              <a:spcAft>
+                <a:spcPts val="0"/>
+              </a:spcAft>
+              <a:buClr>
+                <a:srgbClr val="000000"/>
+              </a:buClr>
+              <a:buSzPts val="1400"/>
+              <a:buFont typeface="Arial"/>
               <a:buNone/>
             </a:pPr>
             <a:r>
               <a:t/>
             </a:r>
-            <a:endParaRPr/>
+            <a:endParaRPr b="0" i="0" sz="1400" u="none" cap="none" strike="noStrike">
+              <a:solidFill>
+                <a:srgbClr val="000000"/>
+              </a:solidFill>
+              <a:latin typeface="Arial"/>
+              <a:ea typeface="Arial"/>
+              <a:cs typeface="Arial"/>
+              <a:sym typeface="Arial"/>
+            </a:endParaRPr>
           </a:p>
         </p:txBody>
       </p:sp>
@@ -14368,7 +15315,7 @@
           <a:effectLst>
             <a:outerShdw blurRad="57150" rotWithShape="0" algn="bl" dir="5400000" dist="19050">
               <a:srgbClr val="000000">
-                <a:alpha val="50000"/>
+                <a:alpha val="49803"/>
               </a:srgbClr>
             </a:outerShdw>
           </a:effectLst>
@@ -14379,19 +15326,35 @@
           </a:bodyPr>
           <a:lstStyle/>
           <a:p>
-            <a:pPr indent="0" lvl="0" marL="0" rtl="0" algn="l">
-              <a:spcBef>
-                <a:spcPts val="0"/>
-              </a:spcBef>
-              <a:spcAft>
-                <a:spcPts val="0"/>
-              </a:spcAft>
+            <a:pPr indent="0" lvl="0" marL="0" marR="0" rtl="0" algn="l">
+              <a:lnSpc>
+                <a:spcPct val="100000"/>
+              </a:lnSpc>
+              <a:spcBef>
+                <a:spcPts val="0"/>
+              </a:spcBef>
+              <a:spcAft>
+                <a:spcPts val="0"/>
+              </a:spcAft>
+              <a:buClr>
+                <a:srgbClr val="000000"/>
+              </a:buClr>
+              <a:buSzPts val="1400"/>
+              <a:buFont typeface="Arial"/>
               <a:buNone/>
             </a:pPr>
             <a:r>
               <a:t/>
             </a:r>
-            <a:endParaRPr/>
+            <a:endParaRPr b="0" i="0" sz="1400" u="none" cap="none" strike="noStrike">
+              <a:solidFill>
+                <a:srgbClr val="000000"/>
+              </a:solidFill>
+              <a:latin typeface="Arial"/>
+              <a:ea typeface="Arial"/>
+              <a:cs typeface="Arial"/>
+              <a:sym typeface="Arial"/>
+            </a:endParaRPr>
           </a:p>
         </p:txBody>
       </p:sp>
@@ -14426,7 +15389,7 @@
           <a:effectLst>
             <a:outerShdw blurRad="57150" rotWithShape="0" algn="bl" dir="5400000" dist="19050">
               <a:srgbClr val="000000">
-                <a:alpha val="50000"/>
+                <a:alpha val="49803"/>
               </a:srgbClr>
             </a:outerShdw>
           </a:effectLst>
@@ -14437,19 +15400,35 @@
           </a:bodyPr>
           <a:lstStyle/>
           <a:p>
-            <a:pPr indent="0" lvl="0" marL="0" rtl="0" algn="l">
-              <a:spcBef>
-                <a:spcPts val="0"/>
-              </a:spcBef>
-              <a:spcAft>
-                <a:spcPts val="0"/>
-              </a:spcAft>
+            <a:pPr indent="0" lvl="0" marL="0" marR="0" rtl="0" algn="l">
+              <a:lnSpc>
+                <a:spcPct val="100000"/>
+              </a:lnSpc>
+              <a:spcBef>
+                <a:spcPts val="0"/>
+              </a:spcBef>
+              <a:spcAft>
+                <a:spcPts val="0"/>
+              </a:spcAft>
+              <a:buClr>
+                <a:srgbClr val="000000"/>
+              </a:buClr>
+              <a:buSzPts val="1400"/>
+              <a:buFont typeface="Arial"/>
               <a:buNone/>
             </a:pPr>
             <a:r>
               <a:t/>
             </a:r>
-            <a:endParaRPr/>
+            <a:endParaRPr b="0" i="0" sz="1400" u="none" cap="none" strike="noStrike">
+              <a:solidFill>
+                <a:srgbClr val="000000"/>
+              </a:solidFill>
+              <a:latin typeface="Arial"/>
+              <a:ea typeface="Arial"/>
+              <a:cs typeface="Arial"/>
+              <a:sym typeface="Arial"/>
+            </a:endParaRPr>
           </a:p>
         </p:txBody>
       </p:sp>
@@ -14504,20 +15483,44 @@
           </a:bodyPr>
           <a:lstStyle/>
           <a:p>
-            <a:pPr indent="0" lvl="0" marL="0" rtl="0" algn="ctr">
-              <a:spcBef>
-                <a:spcPts val="0"/>
-              </a:spcBef>
-              <a:spcAft>
-                <a:spcPts val="0"/>
-              </a:spcAft>
-              <a:buNone/>
-            </a:pPr>
-            <a:r>
-              <a:rPr b="1" lang="en-US"/>
+            <a:pPr indent="0" lvl="0" marL="0" marR="0" rtl="0" algn="ctr">
+              <a:lnSpc>
+                <a:spcPct val="100000"/>
+              </a:lnSpc>
+              <a:spcBef>
+                <a:spcPts val="0"/>
+              </a:spcBef>
+              <a:spcAft>
+                <a:spcPts val="0"/>
+              </a:spcAft>
+              <a:buClr>
+                <a:srgbClr val="000000"/>
+              </a:buClr>
+              <a:buSzPts val="1400"/>
+              <a:buFont typeface="Arial"/>
+              <a:buNone/>
+            </a:pPr>
+            <a:r>
+              <a:rPr b="1" i="0" lang="en-US" sz="1400" u="none" cap="none" strike="noStrike">
+                <a:solidFill>
+                  <a:srgbClr val="000000"/>
+                </a:solidFill>
+                <a:latin typeface="Arial"/>
+                <a:ea typeface="Arial"/>
+                <a:cs typeface="Arial"/>
+                <a:sym typeface="Arial"/>
+              </a:rPr>
               <a:t>FULL PARALLELIZATION OF CUBELETS ESTIMATIONS</a:t>
             </a:r>
-            <a:endParaRPr b="1"/>
+            <a:endParaRPr b="1" i="0" sz="1400" u="none" cap="none" strike="noStrike">
+              <a:solidFill>
+                <a:srgbClr val="000000"/>
+              </a:solidFill>
+              <a:latin typeface="Arial"/>
+              <a:ea typeface="Arial"/>
+              <a:cs typeface="Arial"/>
+              <a:sym typeface="Arial"/>
+            </a:endParaRPr>
           </a:p>
         </p:txBody>
       </p:sp>
@@ -14552,7 +15555,7 @@
           <a:effectLst>
             <a:outerShdw blurRad="57150" rotWithShape="0" algn="bl" dir="5400000" dist="19050">
               <a:srgbClr val="000000">
-                <a:alpha val="50000"/>
+                <a:alpha val="49803"/>
               </a:srgbClr>
             </a:outerShdw>
           </a:effectLst>
@@ -14563,19 +15566,35 @@
           </a:bodyPr>
           <a:lstStyle/>
           <a:p>
-            <a:pPr indent="0" lvl="0" marL="0" rtl="0" algn="l">
-              <a:spcBef>
-                <a:spcPts val="0"/>
-              </a:spcBef>
-              <a:spcAft>
-                <a:spcPts val="0"/>
-              </a:spcAft>
+            <a:pPr indent="0" lvl="0" marL="0" marR="0" rtl="0" algn="l">
+              <a:lnSpc>
+                <a:spcPct val="100000"/>
+              </a:lnSpc>
+              <a:spcBef>
+                <a:spcPts val="0"/>
+              </a:spcBef>
+              <a:spcAft>
+                <a:spcPts val="0"/>
+              </a:spcAft>
+              <a:buClr>
+                <a:srgbClr val="000000"/>
+              </a:buClr>
+              <a:buSzPts val="1400"/>
+              <a:buFont typeface="Arial"/>
               <a:buNone/>
             </a:pPr>
             <a:r>
               <a:t/>
             </a:r>
-            <a:endParaRPr/>
+            <a:endParaRPr b="0" i="0" sz="1400" u="none" cap="none" strike="noStrike">
+              <a:solidFill>
+                <a:srgbClr val="000000"/>
+              </a:solidFill>
+              <a:latin typeface="Arial"/>
+              <a:ea typeface="Arial"/>
+              <a:cs typeface="Arial"/>
+              <a:sym typeface="Arial"/>
+            </a:endParaRPr>
           </a:p>
         </p:txBody>
       </p:sp>
@@ -14610,7 +15629,7 @@
           <a:effectLst>
             <a:outerShdw blurRad="57150" rotWithShape="0" algn="bl" dir="5400000" dist="19050">
               <a:srgbClr val="000000">
-                <a:alpha val="50000"/>
+                <a:alpha val="49803"/>
               </a:srgbClr>
             </a:outerShdw>
           </a:effectLst>
@@ -14621,19 +15640,35 @@
           </a:bodyPr>
           <a:lstStyle/>
           <a:p>
-            <a:pPr indent="0" lvl="0" marL="0" rtl="0" algn="l">
-              <a:spcBef>
-                <a:spcPts val="0"/>
-              </a:spcBef>
-              <a:spcAft>
-                <a:spcPts val="0"/>
-              </a:spcAft>
+            <a:pPr indent="0" lvl="0" marL="0" marR="0" rtl="0" algn="l">
+              <a:lnSpc>
+                <a:spcPct val="100000"/>
+              </a:lnSpc>
+              <a:spcBef>
+                <a:spcPts val="0"/>
+              </a:spcBef>
+              <a:spcAft>
+                <a:spcPts val="0"/>
+              </a:spcAft>
+              <a:buClr>
+                <a:srgbClr val="000000"/>
+              </a:buClr>
+              <a:buSzPts val="1400"/>
+              <a:buFont typeface="Arial"/>
               <a:buNone/>
             </a:pPr>
             <a:r>
               <a:t/>
             </a:r>
-            <a:endParaRPr/>
+            <a:endParaRPr b="0" i="0" sz="1400" u="none" cap="none" strike="noStrike">
+              <a:solidFill>
+                <a:srgbClr val="000000"/>
+              </a:solidFill>
+              <a:latin typeface="Arial"/>
+              <a:ea typeface="Arial"/>
+              <a:cs typeface="Arial"/>
+              <a:sym typeface="Arial"/>
+            </a:endParaRPr>
           </a:p>
         </p:txBody>
       </p:sp>
@@ -14668,7 +15703,7 @@
           <a:effectLst>
             <a:outerShdw blurRad="57150" rotWithShape="0" algn="bl" dir="5400000" dist="19050">
               <a:srgbClr val="000000">
-                <a:alpha val="50000"/>
+                <a:alpha val="49803"/>
               </a:srgbClr>
             </a:outerShdw>
           </a:effectLst>
@@ -14679,19 +15714,35 @@
           </a:bodyPr>
           <a:lstStyle/>
           <a:p>
-            <a:pPr indent="0" lvl="0" marL="0" rtl="0" algn="l">
-              <a:spcBef>
-                <a:spcPts val="0"/>
-              </a:spcBef>
-              <a:spcAft>
-                <a:spcPts val="0"/>
-              </a:spcAft>
+            <a:pPr indent="0" lvl="0" marL="0" marR="0" rtl="0" algn="l">
+              <a:lnSpc>
+                <a:spcPct val="100000"/>
+              </a:lnSpc>
+              <a:spcBef>
+                <a:spcPts val="0"/>
+              </a:spcBef>
+              <a:spcAft>
+                <a:spcPts val="0"/>
+              </a:spcAft>
+              <a:buClr>
+                <a:srgbClr val="000000"/>
+              </a:buClr>
+              <a:buSzPts val="1400"/>
+              <a:buFont typeface="Arial"/>
               <a:buNone/>
             </a:pPr>
             <a:r>
               <a:t/>
             </a:r>
-            <a:endParaRPr/>
+            <a:endParaRPr b="0" i="0" sz="1400" u="none" cap="none" strike="noStrike">
+              <a:solidFill>
+                <a:srgbClr val="000000"/>
+              </a:solidFill>
+              <a:latin typeface="Arial"/>
+              <a:ea typeface="Arial"/>
+              <a:cs typeface="Arial"/>
+              <a:sym typeface="Arial"/>
+            </a:endParaRPr>
           </a:p>
         </p:txBody>
       </p:sp>
@@ -14726,7 +15777,7 @@
           <a:effectLst>
             <a:outerShdw blurRad="57150" rotWithShape="0" algn="bl" dir="5400000" dist="19050">
               <a:srgbClr val="000000">
-                <a:alpha val="50000"/>
+                <a:alpha val="49803"/>
               </a:srgbClr>
             </a:outerShdw>
           </a:effectLst>
@@ -14737,19 +15788,35 @@
           </a:bodyPr>
           <a:lstStyle/>
           <a:p>
-            <a:pPr indent="0" lvl="0" marL="0" rtl="0" algn="l">
-              <a:spcBef>
-                <a:spcPts val="0"/>
-              </a:spcBef>
-              <a:spcAft>
-                <a:spcPts val="0"/>
-              </a:spcAft>
+            <a:pPr indent="0" lvl="0" marL="0" marR="0" rtl="0" algn="l">
+              <a:lnSpc>
+                <a:spcPct val="100000"/>
+              </a:lnSpc>
+              <a:spcBef>
+                <a:spcPts val="0"/>
+              </a:spcBef>
+              <a:spcAft>
+                <a:spcPts val="0"/>
+              </a:spcAft>
+              <a:buClr>
+                <a:srgbClr val="000000"/>
+              </a:buClr>
+              <a:buSzPts val="1400"/>
+              <a:buFont typeface="Arial"/>
               <a:buNone/>
             </a:pPr>
             <a:r>
               <a:t/>
             </a:r>
-            <a:endParaRPr/>
+            <a:endParaRPr b="0" i="0" sz="1400" u="none" cap="none" strike="noStrike">
+              <a:solidFill>
+                <a:srgbClr val="000000"/>
+              </a:solidFill>
+              <a:latin typeface="Arial"/>
+              <a:ea typeface="Arial"/>
+              <a:cs typeface="Arial"/>
+              <a:sym typeface="Arial"/>
+            </a:endParaRPr>
           </a:p>
         </p:txBody>
       </p:sp>
@@ -14784,7 +15851,7 @@
           <a:effectLst>
             <a:outerShdw blurRad="57150" rotWithShape="0" algn="bl" dir="5400000" dist="19050">
               <a:srgbClr val="000000">
-                <a:alpha val="50000"/>
+                <a:alpha val="49803"/>
               </a:srgbClr>
             </a:outerShdw>
           </a:effectLst>
@@ -14795,19 +15862,35 @@
           </a:bodyPr>
           <a:lstStyle/>
           <a:p>
-            <a:pPr indent="0" lvl="0" marL="0" rtl="0" algn="l">
-              <a:spcBef>
-                <a:spcPts val="0"/>
-              </a:spcBef>
-              <a:spcAft>
-                <a:spcPts val="0"/>
-              </a:spcAft>
+            <a:pPr indent="0" lvl="0" marL="0" marR="0" rtl="0" algn="l">
+              <a:lnSpc>
+                <a:spcPct val="100000"/>
+              </a:lnSpc>
+              <a:spcBef>
+                <a:spcPts val="0"/>
+              </a:spcBef>
+              <a:spcAft>
+                <a:spcPts val="0"/>
+              </a:spcAft>
+              <a:buClr>
+                <a:srgbClr val="000000"/>
+              </a:buClr>
+              <a:buSzPts val="1400"/>
+              <a:buFont typeface="Arial"/>
               <a:buNone/>
             </a:pPr>
             <a:r>
               <a:t/>
             </a:r>
-            <a:endParaRPr/>
+            <a:endParaRPr b="0" i="0" sz="1400" u="none" cap="none" strike="noStrike">
+              <a:solidFill>
+                <a:srgbClr val="000000"/>
+              </a:solidFill>
+              <a:latin typeface="Arial"/>
+              <a:ea typeface="Arial"/>
+              <a:cs typeface="Arial"/>
+              <a:sym typeface="Arial"/>
+            </a:endParaRPr>
           </a:p>
         </p:txBody>
       </p:sp>
@@ -14842,7 +15925,7 @@
           <a:effectLst>
             <a:outerShdw blurRad="57150" rotWithShape="0" algn="bl" dir="5400000" dist="19050">
               <a:srgbClr val="000000">
-                <a:alpha val="50000"/>
+                <a:alpha val="49803"/>
               </a:srgbClr>
             </a:outerShdw>
           </a:effectLst>
@@ -14853,19 +15936,35 @@
           </a:bodyPr>
           <a:lstStyle/>
           <a:p>
-            <a:pPr indent="0" lvl="0" marL="0" rtl="0" algn="l">
-              <a:spcBef>
-                <a:spcPts val="0"/>
-              </a:spcBef>
-              <a:spcAft>
-                <a:spcPts val="0"/>
-              </a:spcAft>
+            <a:pPr indent="0" lvl="0" marL="0" marR="0" rtl="0" algn="l">
+              <a:lnSpc>
+                <a:spcPct val="100000"/>
+              </a:lnSpc>
+              <a:spcBef>
+                <a:spcPts val="0"/>
+              </a:spcBef>
+              <a:spcAft>
+                <a:spcPts val="0"/>
+              </a:spcAft>
+              <a:buClr>
+                <a:srgbClr val="000000"/>
+              </a:buClr>
+              <a:buSzPts val="1400"/>
+              <a:buFont typeface="Arial"/>
               <a:buNone/>
             </a:pPr>
             <a:r>
               <a:t/>
             </a:r>
-            <a:endParaRPr/>
+            <a:endParaRPr b="0" i="0" sz="1400" u="none" cap="none" strike="noStrike">
+              <a:solidFill>
+                <a:srgbClr val="000000"/>
+              </a:solidFill>
+              <a:latin typeface="Arial"/>
+              <a:ea typeface="Arial"/>
+              <a:cs typeface="Arial"/>
+              <a:sym typeface="Arial"/>
+            </a:endParaRPr>
           </a:p>
         </p:txBody>
       </p:sp>
@@ -14900,7 +15999,7 @@
           <a:effectLst>
             <a:outerShdw blurRad="57150" rotWithShape="0" algn="bl" dir="5400000" dist="19050">
               <a:srgbClr val="000000">
-                <a:alpha val="50000"/>
+                <a:alpha val="49803"/>
               </a:srgbClr>
             </a:outerShdw>
           </a:effectLst>
@@ -14911,19 +16010,35 @@
           </a:bodyPr>
           <a:lstStyle/>
           <a:p>
-            <a:pPr indent="0" lvl="0" marL="0" rtl="0" algn="l">
-              <a:spcBef>
-                <a:spcPts val="0"/>
-              </a:spcBef>
-              <a:spcAft>
-                <a:spcPts val="0"/>
-              </a:spcAft>
+            <a:pPr indent="0" lvl="0" marL="0" marR="0" rtl="0" algn="l">
+              <a:lnSpc>
+                <a:spcPct val="100000"/>
+              </a:lnSpc>
+              <a:spcBef>
+                <a:spcPts val="0"/>
+              </a:spcBef>
+              <a:spcAft>
+                <a:spcPts val="0"/>
+              </a:spcAft>
+              <a:buClr>
+                <a:srgbClr val="000000"/>
+              </a:buClr>
+              <a:buSzPts val="1400"/>
+              <a:buFont typeface="Arial"/>
               <a:buNone/>
             </a:pPr>
             <a:r>
               <a:t/>
             </a:r>
-            <a:endParaRPr/>
+            <a:endParaRPr b="0" i="0" sz="1400" u="none" cap="none" strike="noStrike">
+              <a:solidFill>
+                <a:srgbClr val="000000"/>
+              </a:solidFill>
+              <a:latin typeface="Arial"/>
+              <a:ea typeface="Arial"/>
+              <a:cs typeface="Arial"/>
+              <a:sym typeface="Arial"/>
+            </a:endParaRPr>
           </a:p>
         </p:txBody>
       </p:sp>
@@ -14958,7 +16073,7 @@
           <a:effectLst>
             <a:outerShdw blurRad="57150" rotWithShape="0" algn="bl" dir="5400000" dist="19050">
               <a:srgbClr val="000000">
-                <a:alpha val="50000"/>
+                <a:alpha val="49803"/>
               </a:srgbClr>
             </a:outerShdw>
           </a:effectLst>
@@ -14969,19 +16084,35 @@
           </a:bodyPr>
           <a:lstStyle/>
           <a:p>
-            <a:pPr indent="0" lvl="0" marL="0" rtl="0" algn="l">
-              <a:spcBef>
-                <a:spcPts val="0"/>
-              </a:spcBef>
-              <a:spcAft>
-                <a:spcPts val="0"/>
-              </a:spcAft>
+            <a:pPr indent="0" lvl="0" marL="0" marR="0" rtl="0" algn="l">
+              <a:lnSpc>
+                <a:spcPct val="100000"/>
+              </a:lnSpc>
+              <a:spcBef>
+                <a:spcPts val="0"/>
+              </a:spcBef>
+              <a:spcAft>
+                <a:spcPts val="0"/>
+              </a:spcAft>
+              <a:buClr>
+                <a:srgbClr val="000000"/>
+              </a:buClr>
+              <a:buSzPts val="1400"/>
+              <a:buFont typeface="Arial"/>
               <a:buNone/>
             </a:pPr>
             <a:r>
               <a:t/>
             </a:r>
-            <a:endParaRPr/>
+            <a:endParaRPr b="0" i="0" sz="1400" u="none" cap="none" strike="noStrike">
+              <a:solidFill>
+                <a:srgbClr val="000000"/>
+              </a:solidFill>
+              <a:latin typeface="Arial"/>
+              <a:ea typeface="Arial"/>
+              <a:cs typeface="Arial"/>
+              <a:sym typeface="Arial"/>
+            </a:endParaRPr>
           </a:p>
         </p:txBody>
       </p:sp>
@@ -15016,7 +16147,7 @@
           <a:effectLst>
             <a:outerShdw blurRad="57150" rotWithShape="0" algn="bl" dir="5400000" dist="19050">
               <a:srgbClr val="000000">
-                <a:alpha val="50000"/>
+                <a:alpha val="49803"/>
               </a:srgbClr>
             </a:outerShdw>
           </a:effectLst>
@@ -15027,19 +16158,35 @@
           </a:bodyPr>
           <a:lstStyle/>
           <a:p>
-            <a:pPr indent="0" lvl="0" marL="0" rtl="0" algn="l">
-              <a:spcBef>
-                <a:spcPts val="0"/>
-              </a:spcBef>
-              <a:spcAft>
-                <a:spcPts val="0"/>
-              </a:spcAft>
+            <a:pPr indent="0" lvl="0" marL="0" marR="0" rtl="0" algn="l">
+              <a:lnSpc>
+                <a:spcPct val="100000"/>
+              </a:lnSpc>
+              <a:spcBef>
+                <a:spcPts val="0"/>
+              </a:spcBef>
+              <a:spcAft>
+                <a:spcPts val="0"/>
+              </a:spcAft>
+              <a:buClr>
+                <a:srgbClr val="000000"/>
+              </a:buClr>
+              <a:buSzPts val="1400"/>
+              <a:buFont typeface="Arial"/>
               <a:buNone/>
             </a:pPr>
             <a:r>
               <a:t/>
             </a:r>
-            <a:endParaRPr/>
+            <a:endParaRPr b="0" i="0" sz="1400" u="none" cap="none" strike="noStrike">
+              <a:solidFill>
+                <a:srgbClr val="000000"/>
+              </a:solidFill>
+              <a:latin typeface="Arial"/>
+              <a:ea typeface="Arial"/>
+              <a:cs typeface="Arial"/>
+              <a:sym typeface="Arial"/>
+            </a:endParaRPr>
           </a:p>
         </p:txBody>
       </p:sp>
@@ -15074,7 +16221,7 @@
           <a:effectLst>
             <a:outerShdw blurRad="57150" rotWithShape="0" algn="bl" dir="5400000" dist="19050">
               <a:srgbClr val="000000">
-                <a:alpha val="50000"/>
+                <a:alpha val="49803"/>
               </a:srgbClr>
             </a:outerShdw>
           </a:effectLst>
@@ -15085,19 +16232,35 @@
           </a:bodyPr>
           <a:lstStyle/>
           <a:p>
-            <a:pPr indent="0" lvl="0" marL="0" rtl="0" algn="l">
-              <a:spcBef>
-                <a:spcPts val="0"/>
-              </a:spcBef>
-              <a:spcAft>
-                <a:spcPts val="0"/>
-              </a:spcAft>
+            <a:pPr indent="0" lvl="0" marL="0" marR="0" rtl="0" algn="l">
+              <a:lnSpc>
+                <a:spcPct val="100000"/>
+              </a:lnSpc>
+              <a:spcBef>
+                <a:spcPts val="0"/>
+              </a:spcBef>
+              <a:spcAft>
+                <a:spcPts val="0"/>
+              </a:spcAft>
+              <a:buClr>
+                <a:srgbClr val="000000"/>
+              </a:buClr>
+              <a:buSzPts val="1400"/>
+              <a:buFont typeface="Arial"/>
               <a:buNone/>
             </a:pPr>
             <a:r>
               <a:t/>
             </a:r>
-            <a:endParaRPr/>
+            <a:endParaRPr b="0" i="0" sz="1400" u="none" cap="none" strike="noStrike">
+              <a:solidFill>
+                <a:srgbClr val="000000"/>
+              </a:solidFill>
+              <a:latin typeface="Arial"/>
+              <a:ea typeface="Arial"/>
+              <a:cs typeface="Arial"/>
+              <a:sym typeface="Arial"/>
+            </a:endParaRPr>
           </a:p>
         </p:txBody>
       </p:sp>
@@ -15132,7 +16295,7 @@
           <a:effectLst>
             <a:outerShdw blurRad="57150" rotWithShape="0" algn="bl" dir="5400000" dist="19050">
               <a:srgbClr val="000000">
-                <a:alpha val="50000"/>
+                <a:alpha val="49803"/>
               </a:srgbClr>
             </a:outerShdw>
           </a:effectLst>
@@ -15143,19 +16306,35 @@
           </a:bodyPr>
           <a:lstStyle/>
           <a:p>
-            <a:pPr indent="0" lvl="0" marL="0" rtl="0" algn="l">
-              <a:spcBef>
-                <a:spcPts val="0"/>
-              </a:spcBef>
-              <a:spcAft>
-                <a:spcPts val="0"/>
-              </a:spcAft>
+            <a:pPr indent="0" lvl="0" marL="0" marR="0" rtl="0" algn="l">
+              <a:lnSpc>
+                <a:spcPct val="100000"/>
+              </a:lnSpc>
+              <a:spcBef>
+                <a:spcPts val="0"/>
+              </a:spcBef>
+              <a:spcAft>
+                <a:spcPts val="0"/>
+              </a:spcAft>
+              <a:buClr>
+                <a:srgbClr val="000000"/>
+              </a:buClr>
+              <a:buSzPts val="1400"/>
+              <a:buFont typeface="Arial"/>
               <a:buNone/>
             </a:pPr>
             <a:r>
               <a:t/>
             </a:r>
-            <a:endParaRPr/>
+            <a:endParaRPr b="0" i="0" sz="1400" u="none" cap="none" strike="noStrike">
+              <a:solidFill>
+                <a:srgbClr val="000000"/>
+              </a:solidFill>
+              <a:latin typeface="Arial"/>
+              <a:ea typeface="Arial"/>
+              <a:cs typeface="Arial"/>
+              <a:sym typeface="Arial"/>
+            </a:endParaRPr>
           </a:p>
         </p:txBody>
       </p:sp>
@@ -15190,7 +16369,7 @@
           <a:effectLst>
             <a:outerShdw blurRad="57150" rotWithShape="0" algn="bl" dir="5400000" dist="19050">
               <a:srgbClr val="000000">
-                <a:alpha val="50000"/>
+                <a:alpha val="49803"/>
               </a:srgbClr>
             </a:outerShdw>
           </a:effectLst>
@@ -15201,19 +16380,35 @@
           </a:bodyPr>
           <a:lstStyle/>
           <a:p>
-            <a:pPr indent="0" lvl="0" marL="0" rtl="0" algn="l">
-              <a:spcBef>
-                <a:spcPts val="0"/>
-              </a:spcBef>
-              <a:spcAft>
-                <a:spcPts val="0"/>
-              </a:spcAft>
+            <a:pPr indent="0" lvl="0" marL="0" marR="0" rtl="0" algn="l">
+              <a:lnSpc>
+                <a:spcPct val="100000"/>
+              </a:lnSpc>
+              <a:spcBef>
+                <a:spcPts val="0"/>
+              </a:spcBef>
+              <a:spcAft>
+                <a:spcPts val="0"/>
+              </a:spcAft>
+              <a:buClr>
+                <a:srgbClr val="000000"/>
+              </a:buClr>
+              <a:buSzPts val="1400"/>
+              <a:buFont typeface="Arial"/>
               <a:buNone/>
             </a:pPr>
             <a:r>
               <a:t/>
             </a:r>
-            <a:endParaRPr/>
+            <a:endParaRPr b="0" i="0" sz="1400" u="none" cap="none" strike="noStrike">
+              <a:solidFill>
+                <a:srgbClr val="000000"/>
+              </a:solidFill>
+              <a:latin typeface="Arial"/>
+              <a:ea typeface="Arial"/>
+              <a:cs typeface="Arial"/>
+              <a:sym typeface="Arial"/>
+            </a:endParaRPr>
           </a:p>
         </p:txBody>
       </p:sp>
@@ -15248,7 +16443,7 @@
           <a:effectLst>
             <a:outerShdw blurRad="57150" rotWithShape="0" algn="bl" dir="5400000" dist="19050">
               <a:srgbClr val="000000">
-                <a:alpha val="50000"/>
+                <a:alpha val="49803"/>
               </a:srgbClr>
             </a:outerShdw>
           </a:effectLst>
@@ -15259,19 +16454,35 @@
           </a:bodyPr>
           <a:lstStyle/>
           <a:p>
-            <a:pPr indent="0" lvl="0" marL="0" rtl="0" algn="l">
-              <a:spcBef>
-                <a:spcPts val="0"/>
-              </a:spcBef>
-              <a:spcAft>
-                <a:spcPts val="0"/>
-              </a:spcAft>
+            <a:pPr indent="0" lvl="0" marL="0" marR="0" rtl="0" algn="l">
+              <a:lnSpc>
+                <a:spcPct val="100000"/>
+              </a:lnSpc>
+              <a:spcBef>
+                <a:spcPts val="0"/>
+              </a:spcBef>
+              <a:spcAft>
+                <a:spcPts val="0"/>
+              </a:spcAft>
+              <a:buClr>
+                <a:srgbClr val="000000"/>
+              </a:buClr>
+              <a:buSzPts val="1400"/>
+              <a:buFont typeface="Arial"/>
               <a:buNone/>
             </a:pPr>
             <a:r>
               <a:t/>
             </a:r>
-            <a:endParaRPr/>
+            <a:endParaRPr b="0" i="0" sz="1400" u="none" cap="none" strike="noStrike">
+              <a:solidFill>
+                <a:srgbClr val="000000"/>
+              </a:solidFill>
+              <a:latin typeface="Arial"/>
+              <a:ea typeface="Arial"/>
+              <a:cs typeface="Arial"/>
+              <a:sym typeface="Arial"/>
+            </a:endParaRPr>
           </a:p>
         </p:txBody>
       </p:sp>
@@ -15296,7 +16507,7 @@
             </a:solidFill>
             <a:prstDash val="solid"/>
             <a:round/>
-            <a:headEnd len="med" w="med" type="none"/>
+            <a:headEnd len="sm" w="sm" type="none"/>
             <a:tailEnd len="med" w="med" type="triangle"/>
           </a:ln>
         </p:spPr>
@@ -15322,7 +16533,7 @@
             </a:solidFill>
             <a:prstDash val="solid"/>
             <a:round/>
-            <a:headEnd len="med" w="med" type="none"/>
+            <a:headEnd len="sm" w="sm" type="none"/>
             <a:tailEnd len="med" w="med" type="triangle"/>
           </a:ln>
         </p:spPr>
@@ -15348,7 +16559,7 @@
             </a:solidFill>
             <a:prstDash val="solid"/>
             <a:round/>
-            <a:headEnd len="med" w="med" type="none"/>
+            <a:headEnd len="sm" w="sm" type="none"/>
             <a:tailEnd len="med" w="med" type="triangle"/>
           </a:ln>
         </p:spPr>
@@ -15359,13 +16570,12 @@
           <p:cNvPicPr preferRelativeResize="0"/>
           <p:nvPr/>
         </p:nvPicPr>
-        <p:blipFill>
+        <p:blipFill rotWithShape="1">
           <a:blip r:embed="rId3">
             <a:alphaModFix/>
           </a:blip>
-          <a:stretch>
-            <a:fillRect/>
-          </a:stretch>
+          <a:srcRect b="0" l="0" r="0" t="0"/>
+          <a:stretch/>
         </p:blipFill>
         <p:spPr>
           <a:xfrm>
@@ -15402,7 +16612,7 @@
             </a:solidFill>
             <a:prstDash val="solid"/>
             <a:round/>
-            <a:headEnd len="med" w="med" type="none"/>
+            <a:headEnd len="sm" w="sm" type="none"/>
             <a:tailEnd len="med" w="med" type="triangle"/>
           </a:ln>
         </p:spPr>
@@ -15428,7 +16638,7 @@
             </a:solidFill>
             <a:prstDash val="solid"/>
             <a:round/>
-            <a:headEnd len="med" w="med" type="none"/>
+            <a:headEnd len="sm" w="sm" type="none"/>
             <a:tailEnd len="med" w="med" type="triangle"/>
           </a:ln>
         </p:spPr>
@@ -15454,7 +16664,7 @@
             </a:solidFill>
             <a:prstDash val="solid"/>
             <a:round/>
-            <a:headEnd len="med" w="med" type="none"/>
+            <a:headEnd len="sm" w="sm" type="none"/>
             <a:tailEnd len="med" w="med" type="triangle"/>
           </a:ln>
         </p:spPr>
@@ -15465,13 +16675,12 @@
           <p:cNvPicPr preferRelativeResize="0"/>
           <p:nvPr/>
         </p:nvPicPr>
-        <p:blipFill>
+        <p:blipFill rotWithShape="1">
           <a:blip r:embed="rId3">
             <a:alphaModFix/>
           </a:blip>
-          <a:stretch>
-            <a:fillRect/>
-          </a:stretch>
+          <a:srcRect b="0" l="0" r="0" t="0"/>
+          <a:stretch/>
         </p:blipFill>
         <p:spPr>
           <a:xfrm>
@@ -15508,7 +16717,7 @@
             </a:solidFill>
             <a:prstDash val="solid"/>
             <a:round/>
-            <a:headEnd len="med" w="med" type="none"/>
+            <a:headEnd len="sm" w="sm" type="none"/>
             <a:tailEnd len="med" w="med" type="triangle"/>
           </a:ln>
         </p:spPr>
@@ -15534,7 +16743,7 @@
             </a:solidFill>
             <a:prstDash val="solid"/>
             <a:round/>
-            <a:headEnd len="med" w="med" type="none"/>
+            <a:headEnd len="sm" w="sm" type="none"/>
             <a:tailEnd len="med" w="med" type="triangle"/>
           </a:ln>
         </p:spPr>
@@ -15560,7 +16769,7 @@
             </a:solidFill>
             <a:prstDash val="solid"/>
             <a:round/>
-            <a:headEnd len="med" w="med" type="none"/>
+            <a:headEnd len="sm" w="sm" type="none"/>
             <a:tailEnd len="med" w="med" type="triangle"/>
           </a:ln>
         </p:spPr>
@@ -15571,13 +16780,12 @@
           <p:cNvPicPr preferRelativeResize="0"/>
           <p:nvPr/>
         </p:nvPicPr>
-        <p:blipFill>
+        <p:blipFill rotWithShape="1">
           <a:blip r:embed="rId3">
             <a:alphaModFix/>
           </a:blip>
-          <a:stretch>
-            <a:fillRect/>
-          </a:stretch>
+          <a:srcRect b="0" l="0" r="0" t="0"/>
+          <a:stretch/>
         </p:blipFill>
         <p:spPr>
           <a:xfrm>
@@ -15624,7 +16832,7 @@
           <a:effectLst>
             <a:outerShdw blurRad="57150" rotWithShape="0" algn="bl" dir="5400000" dist="19050">
               <a:srgbClr val="000000">
-                <a:alpha val="50000"/>
+                <a:alpha val="49803"/>
               </a:srgbClr>
             </a:outerShdw>
           </a:effectLst>
@@ -15635,19 +16843,35 @@
           </a:bodyPr>
           <a:lstStyle/>
           <a:p>
-            <a:pPr indent="0" lvl="0" marL="0" rtl="0" algn="l">
-              <a:spcBef>
-                <a:spcPts val="0"/>
-              </a:spcBef>
-              <a:spcAft>
-                <a:spcPts val="0"/>
-              </a:spcAft>
+            <a:pPr indent="0" lvl="0" marL="0" marR="0" rtl="0" algn="l">
+              <a:lnSpc>
+                <a:spcPct val="100000"/>
+              </a:lnSpc>
+              <a:spcBef>
+                <a:spcPts val="0"/>
+              </a:spcBef>
+              <a:spcAft>
+                <a:spcPts val="0"/>
+              </a:spcAft>
+              <a:buClr>
+                <a:srgbClr val="000000"/>
+              </a:buClr>
+              <a:buSzPts val="1400"/>
+              <a:buFont typeface="Arial"/>
               <a:buNone/>
             </a:pPr>
             <a:r>
               <a:t/>
             </a:r>
-            <a:endParaRPr/>
+            <a:endParaRPr b="0" i="0" sz="1400" u="none" cap="none" strike="noStrike">
+              <a:solidFill>
+                <a:srgbClr val="000000"/>
+              </a:solidFill>
+              <a:latin typeface="Arial"/>
+              <a:ea typeface="Arial"/>
+              <a:cs typeface="Arial"/>
+              <a:sym typeface="Arial"/>
+            </a:endParaRPr>
           </a:p>
         </p:txBody>
       </p:sp>
@@ -15682,7 +16906,7 @@
           <a:effectLst>
             <a:outerShdw blurRad="57150" rotWithShape="0" algn="bl" dir="5400000" dist="19050">
               <a:srgbClr val="000000">
-                <a:alpha val="50000"/>
+                <a:alpha val="49803"/>
               </a:srgbClr>
             </a:outerShdw>
           </a:effectLst>
@@ -15693,19 +16917,35 @@
           </a:bodyPr>
           <a:lstStyle/>
           <a:p>
-            <a:pPr indent="0" lvl="0" marL="0" rtl="0" algn="l">
-              <a:spcBef>
-                <a:spcPts val="0"/>
-              </a:spcBef>
-              <a:spcAft>
-                <a:spcPts val="0"/>
-              </a:spcAft>
+            <a:pPr indent="0" lvl="0" marL="0" marR="0" rtl="0" algn="l">
+              <a:lnSpc>
+                <a:spcPct val="100000"/>
+              </a:lnSpc>
+              <a:spcBef>
+                <a:spcPts val="0"/>
+              </a:spcBef>
+              <a:spcAft>
+                <a:spcPts val="0"/>
+              </a:spcAft>
+              <a:buClr>
+                <a:srgbClr val="000000"/>
+              </a:buClr>
+              <a:buSzPts val="1400"/>
+              <a:buFont typeface="Arial"/>
               <a:buNone/>
             </a:pPr>
             <a:r>
               <a:t/>
             </a:r>
-            <a:endParaRPr/>
+            <a:endParaRPr b="0" i="0" sz="1400" u="none" cap="none" strike="noStrike">
+              <a:solidFill>
+                <a:srgbClr val="000000"/>
+              </a:solidFill>
+              <a:latin typeface="Arial"/>
+              <a:ea typeface="Arial"/>
+              <a:cs typeface="Arial"/>
+              <a:sym typeface="Arial"/>
+            </a:endParaRPr>
           </a:p>
         </p:txBody>
       </p:sp>
@@ -15740,7 +16980,7 @@
           <a:effectLst>
             <a:outerShdw blurRad="57150" rotWithShape="0" algn="bl" dir="5400000" dist="19050">
               <a:srgbClr val="000000">
-                <a:alpha val="50000"/>
+                <a:alpha val="49803"/>
               </a:srgbClr>
             </a:outerShdw>
           </a:effectLst>
@@ -15751,19 +16991,35 @@
           </a:bodyPr>
           <a:lstStyle/>
           <a:p>
-            <a:pPr indent="0" lvl="0" marL="0" rtl="0" algn="l">
-              <a:spcBef>
-                <a:spcPts val="0"/>
-              </a:spcBef>
-              <a:spcAft>
-                <a:spcPts val="0"/>
-              </a:spcAft>
+            <a:pPr indent="0" lvl="0" marL="0" marR="0" rtl="0" algn="l">
+              <a:lnSpc>
+                <a:spcPct val="100000"/>
+              </a:lnSpc>
+              <a:spcBef>
+                <a:spcPts val="0"/>
+              </a:spcBef>
+              <a:spcAft>
+                <a:spcPts val="0"/>
+              </a:spcAft>
+              <a:buClr>
+                <a:srgbClr val="000000"/>
+              </a:buClr>
+              <a:buSzPts val="1400"/>
+              <a:buFont typeface="Arial"/>
               <a:buNone/>
             </a:pPr>
             <a:r>
               <a:t/>
             </a:r>
-            <a:endParaRPr/>
+            <a:endParaRPr b="0" i="0" sz="1400" u="none" cap="none" strike="noStrike">
+              <a:solidFill>
+                <a:srgbClr val="000000"/>
+              </a:solidFill>
+              <a:latin typeface="Arial"/>
+              <a:ea typeface="Arial"/>
+              <a:cs typeface="Arial"/>
+              <a:sym typeface="Arial"/>
+            </a:endParaRPr>
           </a:p>
         </p:txBody>
       </p:sp>
@@ -15798,7 +17054,7 @@
           <a:effectLst>
             <a:outerShdw blurRad="57150" rotWithShape="0" algn="bl" dir="5400000" dist="19050">
               <a:srgbClr val="000000">
-                <a:alpha val="50000"/>
+                <a:alpha val="49803"/>
               </a:srgbClr>
             </a:outerShdw>
           </a:effectLst>
@@ -15809,19 +17065,35 @@
           </a:bodyPr>
           <a:lstStyle/>
           <a:p>
-            <a:pPr indent="0" lvl="0" marL="0" rtl="0" algn="l">
-              <a:spcBef>
-                <a:spcPts val="0"/>
-              </a:spcBef>
-              <a:spcAft>
-                <a:spcPts val="0"/>
-              </a:spcAft>
+            <a:pPr indent="0" lvl="0" marL="0" marR="0" rtl="0" algn="l">
+              <a:lnSpc>
+                <a:spcPct val="100000"/>
+              </a:lnSpc>
+              <a:spcBef>
+                <a:spcPts val="0"/>
+              </a:spcBef>
+              <a:spcAft>
+                <a:spcPts val="0"/>
+              </a:spcAft>
+              <a:buClr>
+                <a:srgbClr val="000000"/>
+              </a:buClr>
+              <a:buSzPts val="1400"/>
+              <a:buFont typeface="Arial"/>
               <a:buNone/>
             </a:pPr>
             <a:r>
               <a:t/>
             </a:r>
-            <a:endParaRPr/>
+            <a:endParaRPr b="0" i="0" sz="1400" u="none" cap="none" strike="noStrike">
+              <a:solidFill>
+                <a:srgbClr val="000000"/>
+              </a:solidFill>
+              <a:latin typeface="Arial"/>
+              <a:ea typeface="Arial"/>
+              <a:cs typeface="Arial"/>
+              <a:sym typeface="Arial"/>
+            </a:endParaRPr>
           </a:p>
         </p:txBody>
       </p:sp>
@@ -15856,7 +17128,7 @@
           <a:effectLst>
             <a:outerShdw blurRad="57150" rotWithShape="0" algn="bl" dir="5400000" dist="19050">
               <a:srgbClr val="000000">
-                <a:alpha val="50000"/>
+                <a:alpha val="49803"/>
               </a:srgbClr>
             </a:outerShdw>
           </a:effectLst>
@@ -15867,19 +17139,35 @@
           </a:bodyPr>
           <a:lstStyle/>
           <a:p>
-            <a:pPr indent="0" lvl="0" marL="0" rtl="0" algn="l">
-              <a:spcBef>
-                <a:spcPts val="0"/>
-              </a:spcBef>
-              <a:spcAft>
-                <a:spcPts val="0"/>
-              </a:spcAft>
+            <a:pPr indent="0" lvl="0" marL="0" marR="0" rtl="0" algn="l">
+              <a:lnSpc>
+                <a:spcPct val="100000"/>
+              </a:lnSpc>
+              <a:spcBef>
+                <a:spcPts val="0"/>
+              </a:spcBef>
+              <a:spcAft>
+                <a:spcPts val="0"/>
+              </a:spcAft>
+              <a:buClr>
+                <a:srgbClr val="000000"/>
+              </a:buClr>
+              <a:buSzPts val="1400"/>
+              <a:buFont typeface="Arial"/>
               <a:buNone/>
             </a:pPr>
             <a:r>
               <a:t/>
             </a:r>
-            <a:endParaRPr/>
+            <a:endParaRPr b="0" i="0" sz="1400" u="none" cap="none" strike="noStrike">
+              <a:solidFill>
+                <a:srgbClr val="000000"/>
+              </a:solidFill>
+              <a:latin typeface="Arial"/>
+              <a:ea typeface="Arial"/>
+              <a:cs typeface="Arial"/>
+              <a:sym typeface="Arial"/>
+            </a:endParaRPr>
           </a:p>
         </p:txBody>
       </p:sp>
@@ -15914,7 +17202,7 @@
           <a:effectLst>
             <a:outerShdw blurRad="57150" rotWithShape="0" algn="bl" dir="5400000" dist="19050">
               <a:srgbClr val="000000">
-                <a:alpha val="50000"/>
+                <a:alpha val="49803"/>
               </a:srgbClr>
             </a:outerShdw>
           </a:effectLst>
@@ -15925,19 +17213,35 @@
           </a:bodyPr>
           <a:lstStyle/>
           <a:p>
-            <a:pPr indent="0" lvl="0" marL="0" rtl="0" algn="l">
-              <a:spcBef>
-                <a:spcPts val="0"/>
-              </a:spcBef>
-              <a:spcAft>
-                <a:spcPts val="0"/>
-              </a:spcAft>
+            <a:pPr indent="0" lvl="0" marL="0" marR="0" rtl="0" algn="l">
+              <a:lnSpc>
+                <a:spcPct val="100000"/>
+              </a:lnSpc>
+              <a:spcBef>
+                <a:spcPts val="0"/>
+              </a:spcBef>
+              <a:spcAft>
+                <a:spcPts val="0"/>
+              </a:spcAft>
+              <a:buClr>
+                <a:srgbClr val="000000"/>
+              </a:buClr>
+              <a:buSzPts val="1400"/>
+              <a:buFont typeface="Arial"/>
               <a:buNone/>
             </a:pPr>
             <a:r>
               <a:t/>
             </a:r>
-            <a:endParaRPr/>
+            <a:endParaRPr b="0" i="0" sz="1400" u="none" cap="none" strike="noStrike">
+              <a:solidFill>
+                <a:srgbClr val="000000"/>
+              </a:solidFill>
+              <a:latin typeface="Arial"/>
+              <a:ea typeface="Arial"/>
+              <a:cs typeface="Arial"/>
+              <a:sym typeface="Arial"/>
+            </a:endParaRPr>
           </a:p>
         </p:txBody>
       </p:sp>
@@ -15972,7 +17276,7 @@
           <a:effectLst>
             <a:outerShdw blurRad="57150" rotWithShape="0" algn="bl" dir="5400000" dist="19050">
               <a:srgbClr val="000000">
-                <a:alpha val="50000"/>
+                <a:alpha val="49803"/>
               </a:srgbClr>
             </a:outerShdw>
           </a:effectLst>
@@ -15983,19 +17287,35 @@
           </a:bodyPr>
           <a:lstStyle/>
           <a:p>
-            <a:pPr indent="0" lvl="0" marL="0" rtl="0" algn="l">
-              <a:spcBef>
-                <a:spcPts val="0"/>
-              </a:spcBef>
-              <a:spcAft>
-                <a:spcPts val="0"/>
-              </a:spcAft>
+            <a:pPr indent="0" lvl="0" marL="0" marR="0" rtl="0" algn="l">
+              <a:lnSpc>
+                <a:spcPct val="100000"/>
+              </a:lnSpc>
+              <a:spcBef>
+                <a:spcPts val="0"/>
+              </a:spcBef>
+              <a:spcAft>
+                <a:spcPts val="0"/>
+              </a:spcAft>
+              <a:buClr>
+                <a:srgbClr val="000000"/>
+              </a:buClr>
+              <a:buSzPts val="1400"/>
+              <a:buFont typeface="Arial"/>
               <a:buNone/>
             </a:pPr>
             <a:r>
               <a:t/>
             </a:r>
-            <a:endParaRPr/>
+            <a:endParaRPr b="0" i="0" sz="1400" u="none" cap="none" strike="noStrike">
+              <a:solidFill>
+                <a:srgbClr val="000000"/>
+              </a:solidFill>
+              <a:latin typeface="Arial"/>
+              <a:ea typeface="Arial"/>
+              <a:cs typeface="Arial"/>
+              <a:sym typeface="Arial"/>
+            </a:endParaRPr>
           </a:p>
         </p:txBody>
       </p:sp>
@@ -16030,7 +17350,7 @@
           <a:effectLst>
             <a:outerShdw blurRad="57150" rotWithShape="0" algn="bl" dir="5400000" dist="19050">
               <a:srgbClr val="000000">
-                <a:alpha val="50000"/>
+                <a:alpha val="49803"/>
               </a:srgbClr>
             </a:outerShdw>
           </a:effectLst>
@@ -16041,19 +17361,35 @@
           </a:bodyPr>
           <a:lstStyle/>
           <a:p>
-            <a:pPr indent="0" lvl="0" marL="0" rtl="0" algn="l">
-              <a:spcBef>
-                <a:spcPts val="0"/>
-              </a:spcBef>
-              <a:spcAft>
-                <a:spcPts val="0"/>
-              </a:spcAft>
+            <a:pPr indent="0" lvl="0" marL="0" marR="0" rtl="0" algn="l">
+              <a:lnSpc>
+                <a:spcPct val="100000"/>
+              </a:lnSpc>
+              <a:spcBef>
+                <a:spcPts val="0"/>
+              </a:spcBef>
+              <a:spcAft>
+                <a:spcPts val="0"/>
+              </a:spcAft>
+              <a:buClr>
+                <a:srgbClr val="000000"/>
+              </a:buClr>
+              <a:buSzPts val="1400"/>
+              <a:buFont typeface="Arial"/>
               <a:buNone/>
             </a:pPr>
             <a:r>
               <a:t/>
             </a:r>
-            <a:endParaRPr/>
+            <a:endParaRPr b="0" i="0" sz="1400" u="none" cap="none" strike="noStrike">
+              <a:solidFill>
+                <a:srgbClr val="000000"/>
+              </a:solidFill>
+              <a:latin typeface="Arial"/>
+              <a:ea typeface="Arial"/>
+              <a:cs typeface="Arial"/>
+              <a:sym typeface="Arial"/>
+            </a:endParaRPr>
           </a:p>
         </p:txBody>
       </p:sp>
@@ -16088,7 +17424,7 @@
           <a:effectLst>
             <a:outerShdw blurRad="57150" rotWithShape="0" algn="bl" dir="5400000" dist="19050">
               <a:srgbClr val="000000">
-                <a:alpha val="50000"/>
+                <a:alpha val="49803"/>
               </a:srgbClr>
             </a:outerShdw>
           </a:effectLst>
@@ -16099,19 +17435,35 @@
           </a:bodyPr>
           <a:lstStyle/>
           <a:p>
-            <a:pPr indent="0" lvl="0" marL="0" rtl="0" algn="l">
-              <a:spcBef>
-                <a:spcPts val="0"/>
-              </a:spcBef>
-              <a:spcAft>
-                <a:spcPts val="0"/>
-              </a:spcAft>
+            <a:pPr indent="0" lvl="0" marL="0" marR="0" rtl="0" algn="l">
+              <a:lnSpc>
+                <a:spcPct val="100000"/>
+              </a:lnSpc>
+              <a:spcBef>
+                <a:spcPts val="0"/>
+              </a:spcBef>
+              <a:spcAft>
+                <a:spcPts val="0"/>
+              </a:spcAft>
+              <a:buClr>
+                <a:srgbClr val="000000"/>
+              </a:buClr>
+              <a:buSzPts val="1400"/>
+              <a:buFont typeface="Arial"/>
               <a:buNone/>
             </a:pPr>
             <a:r>
               <a:t/>
             </a:r>
-            <a:endParaRPr/>
+            <a:endParaRPr b="0" i="0" sz="1400" u="none" cap="none" strike="noStrike">
+              <a:solidFill>
+                <a:srgbClr val="000000"/>
+              </a:solidFill>
+              <a:latin typeface="Arial"/>
+              <a:ea typeface="Arial"/>
+              <a:cs typeface="Arial"/>
+              <a:sym typeface="Arial"/>
+            </a:endParaRPr>
           </a:p>
         </p:txBody>
       </p:sp>
@@ -16146,7 +17498,7 @@
           <a:effectLst>
             <a:outerShdw blurRad="57150" rotWithShape="0" algn="bl" dir="5400000" dist="19050">
               <a:srgbClr val="000000">
-                <a:alpha val="50000"/>
+                <a:alpha val="49803"/>
               </a:srgbClr>
             </a:outerShdw>
           </a:effectLst>
@@ -16157,19 +17509,35 @@
           </a:bodyPr>
           <a:lstStyle/>
           <a:p>
-            <a:pPr indent="0" lvl="0" marL="0" rtl="0" algn="l">
-              <a:spcBef>
-                <a:spcPts val="0"/>
-              </a:spcBef>
-              <a:spcAft>
-                <a:spcPts val="0"/>
-              </a:spcAft>
+            <a:pPr indent="0" lvl="0" marL="0" marR="0" rtl="0" algn="l">
+              <a:lnSpc>
+                <a:spcPct val="100000"/>
+              </a:lnSpc>
+              <a:spcBef>
+                <a:spcPts val="0"/>
+              </a:spcBef>
+              <a:spcAft>
+                <a:spcPts val="0"/>
+              </a:spcAft>
+              <a:buClr>
+                <a:srgbClr val="000000"/>
+              </a:buClr>
+              <a:buSzPts val="1400"/>
+              <a:buFont typeface="Arial"/>
               <a:buNone/>
             </a:pPr>
             <a:r>
               <a:t/>
             </a:r>
-            <a:endParaRPr/>
+            <a:endParaRPr b="0" i="0" sz="1400" u="none" cap="none" strike="noStrike">
+              <a:solidFill>
+                <a:srgbClr val="000000"/>
+              </a:solidFill>
+              <a:latin typeface="Arial"/>
+              <a:ea typeface="Arial"/>
+              <a:cs typeface="Arial"/>
+              <a:sym typeface="Arial"/>
+            </a:endParaRPr>
           </a:p>
         </p:txBody>
       </p:sp>
@@ -16204,7 +17572,7 @@
           <a:effectLst>
             <a:outerShdw blurRad="57150" rotWithShape="0" algn="bl" dir="5400000" dist="19050">
               <a:srgbClr val="000000">
-                <a:alpha val="50000"/>
+                <a:alpha val="49803"/>
               </a:srgbClr>
             </a:outerShdw>
           </a:effectLst>
@@ -16215,19 +17583,35 @@
           </a:bodyPr>
           <a:lstStyle/>
           <a:p>
-            <a:pPr indent="0" lvl="0" marL="0" rtl="0" algn="l">
-              <a:spcBef>
-                <a:spcPts val="0"/>
-              </a:spcBef>
-              <a:spcAft>
-                <a:spcPts val="0"/>
-              </a:spcAft>
+            <a:pPr indent="0" lvl="0" marL="0" marR="0" rtl="0" algn="l">
+              <a:lnSpc>
+                <a:spcPct val="100000"/>
+              </a:lnSpc>
+              <a:spcBef>
+                <a:spcPts val="0"/>
+              </a:spcBef>
+              <a:spcAft>
+                <a:spcPts val="0"/>
+              </a:spcAft>
+              <a:buClr>
+                <a:srgbClr val="000000"/>
+              </a:buClr>
+              <a:buSzPts val="1400"/>
+              <a:buFont typeface="Arial"/>
               <a:buNone/>
             </a:pPr>
             <a:r>
               <a:t/>
             </a:r>
-            <a:endParaRPr/>
+            <a:endParaRPr b="0" i="0" sz="1400" u="none" cap="none" strike="noStrike">
+              <a:solidFill>
+                <a:srgbClr val="000000"/>
+              </a:solidFill>
+              <a:latin typeface="Arial"/>
+              <a:ea typeface="Arial"/>
+              <a:cs typeface="Arial"/>
+              <a:sym typeface="Arial"/>
+            </a:endParaRPr>
           </a:p>
         </p:txBody>
       </p:sp>
@@ -16262,7 +17646,7 @@
           <a:effectLst>
             <a:outerShdw blurRad="57150" rotWithShape="0" algn="bl" dir="5400000" dist="19050">
               <a:srgbClr val="000000">
-                <a:alpha val="50000"/>
+                <a:alpha val="49803"/>
               </a:srgbClr>
             </a:outerShdw>
           </a:effectLst>
@@ -16273,19 +17657,35 @@
           </a:bodyPr>
           <a:lstStyle/>
           <a:p>
-            <a:pPr indent="0" lvl="0" marL="0" rtl="0" algn="l">
-              <a:spcBef>
-                <a:spcPts val="0"/>
-              </a:spcBef>
-              <a:spcAft>
-                <a:spcPts val="0"/>
-              </a:spcAft>
+            <a:pPr indent="0" lvl="0" marL="0" marR="0" rtl="0" algn="l">
+              <a:lnSpc>
+                <a:spcPct val="100000"/>
+              </a:lnSpc>
+              <a:spcBef>
+                <a:spcPts val="0"/>
+              </a:spcBef>
+              <a:spcAft>
+                <a:spcPts val="0"/>
+              </a:spcAft>
+              <a:buClr>
+                <a:srgbClr val="000000"/>
+              </a:buClr>
+              <a:buSzPts val="1400"/>
+              <a:buFont typeface="Arial"/>
               <a:buNone/>
             </a:pPr>
             <a:r>
               <a:t/>
             </a:r>
-            <a:endParaRPr/>
+            <a:endParaRPr b="0" i="0" sz="1400" u="none" cap="none" strike="noStrike">
+              <a:solidFill>
+                <a:srgbClr val="000000"/>
+              </a:solidFill>
+              <a:latin typeface="Arial"/>
+              <a:ea typeface="Arial"/>
+              <a:cs typeface="Arial"/>
+              <a:sym typeface="Arial"/>
+            </a:endParaRPr>
           </a:p>
         </p:txBody>
       </p:sp>
@@ -16320,7 +17720,7 @@
           <a:effectLst>
             <a:outerShdw blurRad="57150" rotWithShape="0" algn="bl" dir="5400000" dist="19050">
               <a:srgbClr val="000000">
-                <a:alpha val="50000"/>
+                <a:alpha val="49803"/>
               </a:srgbClr>
             </a:outerShdw>
           </a:effectLst>
@@ -16331,19 +17731,35 @@
           </a:bodyPr>
           <a:lstStyle/>
           <a:p>
-            <a:pPr indent="0" lvl="0" marL="0" rtl="0" algn="l">
-              <a:spcBef>
-                <a:spcPts val="0"/>
-              </a:spcBef>
-              <a:spcAft>
-                <a:spcPts val="0"/>
-              </a:spcAft>
+            <a:pPr indent="0" lvl="0" marL="0" marR="0" rtl="0" algn="l">
+              <a:lnSpc>
+                <a:spcPct val="100000"/>
+              </a:lnSpc>
+              <a:spcBef>
+                <a:spcPts val="0"/>
+              </a:spcBef>
+              <a:spcAft>
+                <a:spcPts val="0"/>
+              </a:spcAft>
+              <a:buClr>
+                <a:srgbClr val="000000"/>
+              </a:buClr>
+              <a:buSzPts val="1400"/>
+              <a:buFont typeface="Arial"/>
               <a:buNone/>
             </a:pPr>
             <a:r>
               <a:t/>
             </a:r>
-            <a:endParaRPr/>
+            <a:endParaRPr b="0" i="0" sz="1400" u="none" cap="none" strike="noStrike">
+              <a:solidFill>
+                <a:srgbClr val="000000"/>
+              </a:solidFill>
+              <a:latin typeface="Arial"/>
+              <a:ea typeface="Arial"/>
+              <a:cs typeface="Arial"/>
+              <a:sym typeface="Arial"/>
+            </a:endParaRPr>
           </a:p>
         </p:txBody>
       </p:sp>
@@ -16378,7 +17794,7 @@
           <a:effectLst>
             <a:outerShdw blurRad="57150" rotWithShape="0" algn="bl" dir="5400000" dist="19050">
               <a:srgbClr val="000000">
-                <a:alpha val="50000"/>
+                <a:alpha val="49803"/>
               </a:srgbClr>
             </a:outerShdw>
           </a:effectLst>
@@ -16389,19 +17805,35 @@
           </a:bodyPr>
           <a:lstStyle/>
           <a:p>
-            <a:pPr indent="0" lvl="0" marL="0" rtl="0" algn="l">
-              <a:spcBef>
-                <a:spcPts val="0"/>
-              </a:spcBef>
-              <a:spcAft>
-                <a:spcPts val="0"/>
-              </a:spcAft>
+            <a:pPr indent="0" lvl="0" marL="0" marR="0" rtl="0" algn="l">
+              <a:lnSpc>
+                <a:spcPct val="100000"/>
+              </a:lnSpc>
+              <a:spcBef>
+                <a:spcPts val="0"/>
+              </a:spcBef>
+              <a:spcAft>
+                <a:spcPts val="0"/>
+              </a:spcAft>
+              <a:buClr>
+                <a:srgbClr val="000000"/>
+              </a:buClr>
+              <a:buSzPts val="1400"/>
+              <a:buFont typeface="Arial"/>
               <a:buNone/>
             </a:pPr>
             <a:r>
               <a:t/>
             </a:r>
-            <a:endParaRPr/>
+            <a:endParaRPr b="0" i="0" sz="1400" u="none" cap="none" strike="noStrike">
+              <a:solidFill>
+                <a:srgbClr val="000000"/>
+              </a:solidFill>
+              <a:latin typeface="Arial"/>
+              <a:ea typeface="Arial"/>
+              <a:cs typeface="Arial"/>
+              <a:sym typeface="Arial"/>
+            </a:endParaRPr>
           </a:p>
         </p:txBody>
       </p:sp>
@@ -16436,7 +17868,7 @@
           <a:effectLst>
             <a:outerShdw blurRad="57150" rotWithShape="0" algn="bl" dir="5400000" dist="19050">
               <a:srgbClr val="000000">
-                <a:alpha val="50000"/>
+                <a:alpha val="49803"/>
               </a:srgbClr>
             </a:outerShdw>
           </a:effectLst>
@@ -16447,19 +17879,35 @@
           </a:bodyPr>
           <a:lstStyle/>
           <a:p>
-            <a:pPr indent="0" lvl="0" marL="0" rtl="0" algn="l">
-              <a:spcBef>
-                <a:spcPts val="0"/>
-              </a:spcBef>
-              <a:spcAft>
-                <a:spcPts val="0"/>
-              </a:spcAft>
+            <a:pPr indent="0" lvl="0" marL="0" marR="0" rtl="0" algn="l">
+              <a:lnSpc>
+                <a:spcPct val="100000"/>
+              </a:lnSpc>
+              <a:spcBef>
+                <a:spcPts val="0"/>
+              </a:spcBef>
+              <a:spcAft>
+                <a:spcPts val="0"/>
+              </a:spcAft>
+              <a:buClr>
+                <a:srgbClr val="000000"/>
+              </a:buClr>
+              <a:buSzPts val="1400"/>
+              <a:buFont typeface="Arial"/>
               <a:buNone/>
             </a:pPr>
             <a:r>
               <a:t/>
             </a:r>
-            <a:endParaRPr/>
+            <a:endParaRPr b="0" i="0" sz="1400" u="none" cap="none" strike="noStrike">
+              <a:solidFill>
+                <a:srgbClr val="000000"/>
+              </a:solidFill>
+              <a:latin typeface="Arial"/>
+              <a:ea typeface="Arial"/>
+              <a:cs typeface="Arial"/>
+              <a:sym typeface="Arial"/>
+            </a:endParaRPr>
           </a:p>
         </p:txBody>
       </p:sp>
@@ -16494,7 +17942,7 @@
           <a:effectLst>
             <a:outerShdw blurRad="57150" rotWithShape="0" algn="bl" dir="5400000" dist="19050">
               <a:srgbClr val="000000">
-                <a:alpha val="50000"/>
+                <a:alpha val="49803"/>
               </a:srgbClr>
             </a:outerShdw>
           </a:effectLst>
@@ -16505,19 +17953,35 @@
           </a:bodyPr>
           <a:lstStyle/>
           <a:p>
-            <a:pPr indent="0" lvl="0" marL="0" rtl="0" algn="l">
-              <a:spcBef>
-                <a:spcPts val="0"/>
-              </a:spcBef>
-              <a:spcAft>
-                <a:spcPts val="0"/>
-              </a:spcAft>
+            <a:pPr indent="0" lvl="0" marL="0" marR="0" rtl="0" algn="l">
+              <a:lnSpc>
+                <a:spcPct val="100000"/>
+              </a:lnSpc>
+              <a:spcBef>
+                <a:spcPts val="0"/>
+              </a:spcBef>
+              <a:spcAft>
+                <a:spcPts val="0"/>
+              </a:spcAft>
+              <a:buClr>
+                <a:srgbClr val="000000"/>
+              </a:buClr>
+              <a:buSzPts val="1400"/>
+              <a:buFont typeface="Arial"/>
               <a:buNone/>
             </a:pPr>
             <a:r>
               <a:t/>
             </a:r>
-            <a:endParaRPr/>
+            <a:endParaRPr b="0" i="0" sz="1400" u="none" cap="none" strike="noStrike">
+              <a:solidFill>
+                <a:srgbClr val="000000"/>
+              </a:solidFill>
+              <a:latin typeface="Arial"/>
+              <a:ea typeface="Arial"/>
+              <a:cs typeface="Arial"/>
+              <a:sym typeface="Arial"/>
+            </a:endParaRPr>
           </a:p>
         </p:txBody>
       </p:sp>
@@ -16552,7 +18016,7 @@
           <a:effectLst>
             <a:outerShdw blurRad="57150" rotWithShape="0" algn="bl" dir="5400000" dist="19050">
               <a:srgbClr val="000000">
-                <a:alpha val="50000"/>
+                <a:alpha val="49803"/>
               </a:srgbClr>
             </a:outerShdw>
           </a:effectLst>
@@ -16563,19 +18027,35 @@
           </a:bodyPr>
           <a:lstStyle/>
           <a:p>
-            <a:pPr indent="0" lvl="0" marL="0" rtl="0" algn="l">
-              <a:spcBef>
-                <a:spcPts val="0"/>
-              </a:spcBef>
-              <a:spcAft>
-                <a:spcPts val="0"/>
-              </a:spcAft>
+            <a:pPr indent="0" lvl="0" marL="0" marR="0" rtl="0" algn="l">
+              <a:lnSpc>
+                <a:spcPct val="100000"/>
+              </a:lnSpc>
+              <a:spcBef>
+                <a:spcPts val="0"/>
+              </a:spcBef>
+              <a:spcAft>
+                <a:spcPts val="0"/>
+              </a:spcAft>
+              <a:buClr>
+                <a:srgbClr val="000000"/>
+              </a:buClr>
+              <a:buSzPts val="1400"/>
+              <a:buFont typeface="Arial"/>
               <a:buNone/>
             </a:pPr>
             <a:r>
               <a:t/>
             </a:r>
-            <a:endParaRPr/>
+            <a:endParaRPr b="0" i="0" sz="1400" u="none" cap="none" strike="noStrike">
+              <a:solidFill>
+                <a:srgbClr val="000000"/>
+              </a:solidFill>
+              <a:latin typeface="Arial"/>
+              <a:ea typeface="Arial"/>
+              <a:cs typeface="Arial"/>
+              <a:sym typeface="Arial"/>
+            </a:endParaRPr>
           </a:p>
         </p:txBody>
       </p:sp>
@@ -16610,7 +18090,7 @@
           <a:effectLst>
             <a:outerShdw blurRad="57150" rotWithShape="0" algn="bl" dir="5400000" dist="19050">
               <a:srgbClr val="000000">
-                <a:alpha val="50000"/>
+                <a:alpha val="49803"/>
               </a:srgbClr>
             </a:outerShdw>
           </a:effectLst>
@@ -16621,19 +18101,35 @@
           </a:bodyPr>
           <a:lstStyle/>
           <a:p>
-            <a:pPr indent="0" lvl="0" marL="0" rtl="0" algn="l">
-              <a:spcBef>
-                <a:spcPts val="0"/>
-              </a:spcBef>
-              <a:spcAft>
-                <a:spcPts val="0"/>
-              </a:spcAft>
+            <a:pPr indent="0" lvl="0" marL="0" marR="0" rtl="0" algn="l">
+              <a:lnSpc>
+                <a:spcPct val="100000"/>
+              </a:lnSpc>
+              <a:spcBef>
+                <a:spcPts val="0"/>
+              </a:spcBef>
+              <a:spcAft>
+                <a:spcPts val="0"/>
+              </a:spcAft>
+              <a:buClr>
+                <a:srgbClr val="000000"/>
+              </a:buClr>
+              <a:buSzPts val="1400"/>
+              <a:buFont typeface="Arial"/>
               <a:buNone/>
             </a:pPr>
             <a:r>
               <a:t/>
             </a:r>
-            <a:endParaRPr/>
+            <a:endParaRPr b="0" i="0" sz="1400" u="none" cap="none" strike="noStrike">
+              <a:solidFill>
+                <a:srgbClr val="000000"/>
+              </a:solidFill>
+              <a:latin typeface="Arial"/>
+              <a:ea typeface="Arial"/>
+              <a:cs typeface="Arial"/>
+              <a:sym typeface="Arial"/>
+            </a:endParaRPr>
           </a:p>
         </p:txBody>
       </p:sp>
@@ -16668,7 +18164,7 @@
           <a:effectLst>
             <a:outerShdw blurRad="57150" rotWithShape="0" algn="bl" dir="5400000" dist="19050">
               <a:srgbClr val="000000">
-                <a:alpha val="50000"/>
+                <a:alpha val="49803"/>
               </a:srgbClr>
             </a:outerShdw>
           </a:effectLst>
@@ -16679,19 +18175,35 @@
           </a:bodyPr>
           <a:lstStyle/>
           <a:p>
-            <a:pPr indent="0" lvl="0" marL="0" rtl="0" algn="l">
-              <a:spcBef>
-                <a:spcPts val="0"/>
-              </a:spcBef>
-              <a:spcAft>
-                <a:spcPts val="0"/>
-              </a:spcAft>
+            <a:pPr indent="0" lvl="0" marL="0" marR="0" rtl="0" algn="l">
+              <a:lnSpc>
+                <a:spcPct val="100000"/>
+              </a:lnSpc>
+              <a:spcBef>
+                <a:spcPts val="0"/>
+              </a:spcBef>
+              <a:spcAft>
+                <a:spcPts val="0"/>
+              </a:spcAft>
+              <a:buClr>
+                <a:srgbClr val="000000"/>
+              </a:buClr>
+              <a:buSzPts val="1400"/>
+              <a:buFont typeface="Arial"/>
               <a:buNone/>
             </a:pPr>
             <a:r>
               <a:t/>
             </a:r>
-            <a:endParaRPr/>
+            <a:endParaRPr b="0" i="0" sz="1400" u="none" cap="none" strike="noStrike">
+              <a:solidFill>
+                <a:srgbClr val="000000"/>
+              </a:solidFill>
+              <a:latin typeface="Arial"/>
+              <a:ea typeface="Arial"/>
+              <a:cs typeface="Arial"/>
+              <a:sym typeface="Arial"/>
+            </a:endParaRPr>
           </a:p>
         </p:txBody>
       </p:sp>
@@ -16726,7 +18238,7 @@
           <a:effectLst>
             <a:outerShdw blurRad="57150" rotWithShape="0" algn="bl" dir="5400000" dist="19050">
               <a:srgbClr val="000000">
-                <a:alpha val="50000"/>
+                <a:alpha val="49803"/>
               </a:srgbClr>
             </a:outerShdw>
           </a:effectLst>
@@ -16737,19 +18249,35 @@
           </a:bodyPr>
           <a:lstStyle/>
           <a:p>
-            <a:pPr indent="0" lvl="0" marL="0" rtl="0" algn="l">
-              <a:spcBef>
-                <a:spcPts val="0"/>
-              </a:spcBef>
-              <a:spcAft>
-                <a:spcPts val="0"/>
-              </a:spcAft>
+            <a:pPr indent="0" lvl="0" marL="0" marR="0" rtl="0" algn="l">
+              <a:lnSpc>
+                <a:spcPct val="100000"/>
+              </a:lnSpc>
+              <a:spcBef>
+                <a:spcPts val="0"/>
+              </a:spcBef>
+              <a:spcAft>
+                <a:spcPts val="0"/>
+              </a:spcAft>
+              <a:buClr>
+                <a:srgbClr val="000000"/>
+              </a:buClr>
+              <a:buSzPts val="1400"/>
+              <a:buFont typeface="Arial"/>
               <a:buNone/>
             </a:pPr>
             <a:r>
               <a:t/>
             </a:r>
-            <a:endParaRPr/>
+            <a:endParaRPr b="0" i="0" sz="1400" u="none" cap="none" strike="noStrike">
+              <a:solidFill>
+                <a:srgbClr val="000000"/>
+              </a:solidFill>
+              <a:latin typeface="Arial"/>
+              <a:ea typeface="Arial"/>
+              <a:cs typeface="Arial"/>
+              <a:sym typeface="Arial"/>
+            </a:endParaRPr>
           </a:p>
         </p:txBody>
       </p:sp>
@@ -16784,7 +18312,7 @@
           <a:effectLst>
             <a:outerShdw blurRad="57150" rotWithShape="0" algn="bl" dir="5400000" dist="19050">
               <a:srgbClr val="000000">
-                <a:alpha val="50000"/>
+                <a:alpha val="49803"/>
               </a:srgbClr>
             </a:outerShdw>
           </a:effectLst>
@@ -16795,19 +18323,35 @@
           </a:bodyPr>
           <a:lstStyle/>
           <a:p>
-            <a:pPr indent="0" lvl="0" marL="0" rtl="0" algn="l">
-              <a:spcBef>
-                <a:spcPts val="0"/>
-              </a:spcBef>
-              <a:spcAft>
-                <a:spcPts val="0"/>
-              </a:spcAft>
+            <a:pPr indent="0" lvl="0" marL="0" marR="0" rtl="0" algn="l">
+              <a:lnSpc>
+                <a:spcPct val="100000"/>
+              </a:lnSpc>
+              <a:spcBef>
+                <a:spcPts val="0"/>
+              </a:spcBef>
+              <a:spcAft>
+                <a:spcPts val="0"/>
+              </a:spcAft>
+              <a:buClr>
+                <a:srgbClr val="000000"/>
+              </a:buClr>
+              <a:buSzPts val="1400"/>
+              <a:buFont typeface="Arial"/>
               <a:buNone/>
             </a:pPr>
             <a:r>
               <a:t/>
             </a:r>
-            <a:endParaRPr/>
+            <a:endParaRPr b="0" i="0" sz="1400" u="none" cap="none" strike="noStrike">
+              <a:solidFill>
+                <a:srgbClr val="000000"/>
+              </a:solidFill>
+              <a:latin typeface="Arial"/>
+              <a:ea typeface="Arial"/>
+              <a:cs typeface="Arial"/>
+              <a:sym typeface="Arial"/>
+            </a:endParaRPr>
           </a:p>
         </p:txBody>
       </p:sp>
@@ -16842,7 +18386,7 @@
           <a:effectLst>
             <a:outerShdw blurRad="57150" rotWithShape="0" algn="bl" dir="5400000" dist="19050">
               <a:srgbClr val="000000">
-                <a:alpha val="50000"/>
+                <a:alpha val="49803"/>
               </a:srgbClr>
             </a:outerShdw>
           </a:effectLst>
@@ -16853,19 +18397,35 @@
           </a:bodyPr>
           <a:lstStyle/>
           <a:p>
-            <a:pPr indent="0" lvl="0" marL="0" rtl="0" algn="l">
-              <a:spcBef>
-                <a:spcPts val="0"/>
-              </a:spcBef>
-              <a:spcAft>
-                <a:spcPts val="0"/>
-              </a:spcAft>
+            <a:pPr indent="0" lvl="0" marL="0" marR="0" rtl="0" algn="l">
+              <a:lnSpc>
+                <a:spcPct val="100000"/>
+              </a:lnSpc>
+              <a:spcBef>
+                <a:spcPts val="0"/>
+              </a:spcBef>
+              <a:spcAft>
+                <a:spcPts val="0"/>
+              </a:spcAft>
+              <a:buClr>
+                <a:srgbClr val="000000"/>
+              </a:buClr>
+              <a:buSzPts val="1400"/>
+              <a:buFont typeface="Arial"/>
               <a:buNone/>
             </a:pPr>
             <a:r>
               <a:t/>
             </a:r>
-            <a:endParaRPr/>
+            <a:endParaRPr b="0" i="0" sz="1400" u="none" cap="none" strike="noStrike">
+              <a:solidFill>
+                <a:srgbClr val="000000"/>
+              </a:solidFill>
+              <a:latin typeface="Arial"/>
+              <a:ea typeface="Arial"/>
+              <a:cs typeface="Arial"/>
+              <a:sym typeface="Arial"/>
+            </a:endParaRPr>
           </a:p>
         </p:txBody>
       </p:sp>
@@ -16900,7 +18460,7 @@
           <a:effectLst>
             <a:outerShdw blurRad="57150" rotWithShape="0" algn="bl" dir="5400000" dist="19050">
               <a:srgbClr val="000000">
-                <a:alpha val="50000"/>
+                <a:alpha val="49803"/>
               </a:srgbClr>
             </a:outerShdw>
           </a:effectLst>
@@ -16911,19 +18471,35 @@
           </a:bodyPr>
           <a:lstStyle/>
           <a:p>
-            <a:pPr indent="0" lvl="0" marL="0" rtl="0" algn="l">
-              <a:spcBef>
-                <a:spcPts val="0"/>
-              </a:spcBef>
-              <a:spcAft>
-                <a:spcPts val="0"/>
-              </a:spcAft>
+            <a:pPr indent="0" lvl="0" marL="0" marR="0" rtl="0" algn="l">
+              <a:lnSpc>
+                <a:spcPct val="100000"/>
+              </a:lnSpc>
+              <a:spcBef>
+                <a:spcPts val="0"/>
+              </a:spcBef>
+              <a:spcAft>
+                <a:spcPts val="0"/>
+              </a:spcAft>
+              <a:buClr>
+                <a:srgbClr val="000000"/>
+              </a:buClr>
+              <a:buSzPts val="1400"/>
+              <a:buFont typeface="Arial"/>
               <a:buNone/>
             </a:pPr>
             <a:r>
               <a:t/>
             </a:r>
-            <a:endParaRPr/>
+            <a:endParaRPr b="0" i="0" sz="1400" u="none" cap="none" strike="noStrike">
+              <a:solidFill>
+                <a:srgbClr val="000000"/>
+              </a:solidFill>
+              <a:latin typeface="Arial"/>
+              <a:ea typeface="Arial"/>
+              <a:cs typeface="Arial"/>
+              <a:sym typeface="Arial"/>
+            </a:endParaRPr>
           </a:p>
         </p:txBody>
       </p:sp>
@@ -16958,7 +18534,7 @@
           <a:effectLst>
             <a:outerShdw blurRad="57150" rotWithShape="0" algn="bl" dir="5400000" dist="19050">
               <a:srgbClr val="000000">
-                <a:alpha val="50000"/>
+                <a:alpha val="49803"/>
               </a:srgbClr>
             </a:outerShdw>
           </a:effectLst>
@@ -16969,19 +18545,35 @@
           </a:bodyPr>
           <a:lstStyle/>
           <a:p>
-            <a:pPr indent="0" lvl="0" marL="0" rtl="0" algn="l">
-              <a:spcBef>
-                <a:spcPts val="0"/>
-              </a:spcBef>
-              <a:spcAft>
-                <a:spcPts val="0"/>
-              </a:spcAft>
+            <a:pPr indent="0" lvl="0" marL="0" marR="0" rtl="0" algn="l">
+              <a:lnSpc>
+                <a:spcPct val="100000"/>
+              </a:lnSpc>
+              <a:spcBef>
+                <a:spcPts val="0"/>
+              </a:spcBef>
+              <a:spcAft>
+                <a:spcPts val="0"/>
+              </a:spcAft>
+              <a:buClr>
+                <a:srgbClr val="000000"/>
+              </a:buClr>
+              <a:buSzPts val="1400"/>
+              <a:buFont typeface="Arial"/>
               <a:buNone/>
             </a:pPr>
             <a:r>
               <a:t/>
             </a:r>
-            <a:endParaRPr/>
+            <a:endParaRPr b="0" i="0" sz="1400" u="none" cap="none" strike="noStrike">
+              <a:solidFill>
+                <a:srgbClr val="000000"/>
+              </a:solidFill>
+              <a:latin typeface="Arial"/>
+              <a:ea typeface="Arial"/>
+              <a:cs typeface="Arial"/>
+              <a:sym typeface="Arial"/>
+            </a:endParaRPr>
           </a:p>
         </p:txBody>
       </p:sp>
@@ -17016,7 +18608,7 @@
           <a:effectLst>
             <a:outerShdw blurRad="57150" rotWithShape="0" algn="bl" dir="5400000" dist="19050">
               <a:srgbClr val="000000">
-                <a:alpha val="50000"/>
+                <a:alpha val="49803"/>
               </a:srgbClr>
             </a:outerShdw>
           </a:effectLst>
@@ -17027,19 +18619,35 @@
           </a:bodyPr>
           <a:lstStyle/>
           <a:p>
-            <a:pPr indent="0" lvl="0" marL="0" rtl="0" algn="l">
-              <a:spcBef>
-                <a:spcPts val="0"/>
-              </a:spcBef>
-              <a:spcAft>
-                <a:spcPts val="0"/>
-              </a:spcAft>
+            <a:pPr indent="0" lvl="0" marL="0" marR="0" rtl="0" algn="l">
+              <a:lnSpc>
+                <a:spcPct val="100000"/>
+              </a:lnSpc>
+              <a:spcBef>
+                <a:spcPts val="0"/>
+              </a:spcBef>
+              <a:spcAft>
+                <a:spcPts val="0"/>
+              </a:spcAft>
+              <a:buClr>
+                <a:srgbClr val="000000"/>
+              </a:buClr>
+              <a:buSzPts val="1400"/>
+              <a:buFont typeface="Arial"/>
               <a:buNone/>
             </a:pPr>
             <a:r>
               <a:t/>
             </a:r>
-            <a:endParaRPr/>
+            <a:endParaRPr b="0" i="0" sz="1400" u="none" cap="none" strike="noStrike">
+              <a:solidFill>
+                <a:srgbClr val="000000"/>
+              </a:solidFill>
+              <a:latin typeface="Arial"/>
+              <a:ea typeface="Arial"/>
+              <a:cs typeface="Arial"/>
+              <a:sym typeface="Arial"/>
+            </a:endParaRPr>
           </a:p>
         </p:txBody>
       </p:sp>
@@ -17074,7 +18682,7 @@
           <a:effectLst>
             <a:outerShdw blurRad="57150" rotWithShape="0" algn="bl" dir="5400000" dist="19050">
               <a:srgbClr val="000000">
-                <a:alpha val="50000"/>
+                <a:alpha val="49803"/>
               </a:srgbClr>
             </a:outerShdw>
           </a:effectLst>
@@ -17085,19 +18693,35 @@
           </a:bodyPr>
           <a:lstStyle/>
           <a:p>
-            <a:pPr indent="0" lvl="0" marL="0" rtl="0" algn="l">
-              <a:spcBef>
-                <a:spcPts val="0"/>
-              </a:spcBef>
-              <a:spcAft>
-                <a:spcPts val="0"/>
-              </a:spcAft>
+            <a:pPr indent="0" lvl="0" marL="0" marR="0" rtl="0" algn="l">
+              <a:lnSpc>
+                <a:spcPct val="100000"/>
+              </a:lnSpc>
+              <a:spcBef>
+                <a:spcPts val="0"/>
+              </a:spcBef>
+              <a:spcAft>
+                <a:spcPts val="0"/>
+              </a:spcAft>
+              <a:buClr>
+                <a:srgbClr val="000000"/>
+              </a:buClr>
+              <a:buSzPts val="1400"/>
+              <a:buFont typeface="Arial"/>
               <a:buNone/>
             </a:pPr>
             <a:r>
               <a:t/>
             </a:r>
-            <a:endParaRPr/>
+            <a:endParaRPr b="0" i="0" sz="1400" u="none" cap="none" strike="noStrike">
+              <a:solidFill>
+                <a:srgbClr val="000000"/>
+              </a:solidFill>
+              <a:latin typeface="Arial"/>
+              <a:ea typeface="Arial"/>
+              <a:cs typeface="Arial"/>
+              <a:sym typeface="Arial"/>
+            </a:endParaRPr>
           </a:p>
         </p:txBody>
       </p:sp>
@@ -17132,7 +18756,7 @@
           <a:effectLst>
             <a:outerShdw blurRad="57150" rotWithShape="0" algn="bl" dir="5400000" dist="19050">
               <a:srgbClr val="000000">
-                <a:alpha val="50000"/>
+                <a:alpha val="49803"/>
               </a:srgbClr>
             </a:outerShdw>
           </a:effectLst>
@@ -17143,19 +18767,35 @@
           </a:bodyPr>
           <a:lstStyle/>
           <a:p>
-            <a:pPr indent="0" lvl="0" marL="0" rtl="0" algn="l">
-              <a:spcBef>
-                <a:spcPts val="0"/>
-              </a:spcBef>
-              <a:spcAft>
-                <a:spcPts val="0"/>
-              </a:spcAft>
+            <a:pPr indent="0" lvl="0" marL="0" marR="0" rtl="0" algn="l">
+              <a:lnSpc>
+                <a:spcPct val="100000"/>
+              </a:lnSpc>
+              <a:spcBef>
+                <a:spcPts val="0"/>
+              </a:spcBef>
+              <a:spcAft>
+                <a:spcPts val="0"/>
+              </a:spcAft>
+              <a:buClr>
+                <a:srgbClr val="000000"/>
+              </a:buClr>
+              <a:buSzPts val="1400"/>
+              <a:buFont typeface="Arial"/>
               <a:buNone/>
             </a:pPr>
             <a:r>
               <a:t/>
             </a:r>
-            <a:endParaRPr/>
+            <a:endParaRPr b="0" i="0" sz="1400" u="none" cap="none" strike="noStrike">
+              <a:solidFill>
+                <a:srgbClr val="000000"/>
+              </a:solidFill>
+              <a:latin typeface="Arial"/>
+              <a:ea typeface="Arial"/>
+              <a:cs typeface="Arial"/>
+              <a:sym typeface="Arial"/>
+            </a:endParaRPr>
           </a:p>
         </p:txBody>
       </p:sp>
@@ -17165,13 +18805,12 @@
           <p:cNvPicPr preferRelativeResize="0"/>
           <p:nvPr/>
         </p:nvPicPr>
-        <p:blipFill>
+        <p:blipFill rotWithShape="1">
           <a:blip r:embed="rId3">
             <a:alphaModFix/>
           </a:blip>
-          <a:stretch>
-            <a:fillRect/>
-          </a:stretch>
+          <a:srcRect b="0" l="0" r="0" t="0"/>
+          <a:stretch/>
         </p:blipFill>
         <p:spPr>
           <a:xfrm>
@@ -17208,7 +18847,7 @@
             </a:solidFill>
             <a:prstDash val="solid"/>
             <a:round/>
-            <a:headEnd len="med" w="med" type="none"/>
+            <a:headEnd len="sm" w="sm" type="none"/>
             <a:tailEnd len="med" w="med" type="triangle"/>
           </a:ln>
         </p:spPr>
@@ -17234,7 +18873,7 @@
             </a:solidFill>
             <a:prstDash val="solid"/>
             <a:round/>
-            <a:headEnd len="med" w="med" type="none"/>
+            <a:headEnd len="sm" w="sm" type="none"/>
             <a:tailEnd len="med" w="med" type="triangle"/>
           </a:ln>
         </p:spPr>
@@ -17260,7 +18899,7 @@
             </a:solidFill>
             <a:prstDash val="solid"/>
             <a:round/>
-            <a:headEnd len="med" w="med" type="none"/>
+            <a:headEnd len="sm" w="sm" type="none"/>
             <a:tailEnd len="med" w="med" type="triangle"/>
           </a:ln>
         </p:spPr>
@@ -17290,20 +18929,44 @@
           </a:bodyPr>
           <a:lstStyle/>
           <a:p>
-            <a:pPr indent="0" lvl="0" marL="0" rtl="0" algn="ctr">
-              <a:spcBef>
-                <a:spcPts val="0"/>
-              </a:spcBef>
-              <a:spcAft>
-                <a:spcPts val="0"/>
-              </a:spcAft>
-              <a:buNone/>
-            </a:pPr>
-            <a:r>
-              <a:rPr b="1" lang="en-US"/>
+            <a:pPr indent="0" lvl="0" marL="0" marR="0" rtl="0" algn="ctr">
+              <a:lnSpc>
+                <a:spcPct val="100000"/>
+              </a:lnSpc>
+              <a:spcBef>
+                <a:spcPts val="0"/>
+              </a:spcBef>
+              <a:spcAft>
+                <a:spcPts val="0"/>
+              </a:spcAft>
+              <a:buClr>
+                <a:srgbClr val="000000"/>
+              </a:buClr>
+              <a:buSzPts val="1400"/>
+              <a:buFont typeface="Arial"/>
+              <a:buNone/>
+            </a:pPr>
+            <a:r>
+              <a:rPr b="1" i="0" lang="en-US" sz="1400" u="none" cap="none" strike="noStrike">
+                <a:solidFill>
+                  <a:srgbClr val="000000"/>
+                </a:solidFill>
+                <a:latin typeface="Arial"/>
+                <a:ea typeface="Arial"/>
+                <a:cs typeface="Arial"/>
+                <a:sym typeface="Arial"/>
+              </a:rPr>
               <a:t>REDUCTION BY INSTRUMENTS</a:t>
             </a:r>
-            <a:endParaRPr b="1"/>
+            <a:endParaRPr b="1" i="0" sz="1400" u="none" cap="none" strike="noStrike">
+              <a:solidFill>
+                <a:srgbClr val="000000"/>
+              </a:solidFill>
+              <a:latin typeface="Arial"/>
+              <a:ea typeface="Arial"/>
+              <a:cs typeface="Arial"/>
+              <a:sym typeface="Arial"/>
+            </a:endParaRPr>
           </a:p>
         </p:txBody>
       </p:sp>
@@ -17332,20 +18995,44 @@
           </a:bodyPr>
           <a:lstStyle/>
           <a:p>
-            <a:pPr indent="0" lvl="0" marL="0" rtl="0" algn="ctr">
-              <a:spcBef>
-                <a:spcPts val="0"/>
-              </a:spcBef>
-              <a:spcAft>
-                <a:spcPts val="0"/>
-              </a:spcAft>
-              <a:buNone/>
-            </a:pPr>
-            <a:r>
-              <a:rPr b="1" lang="en-US"/>
+            <a:pPr indent="0" lvl="0" marL="0" marR="0" rtl="0" algn="ctr">
+              <a:lnSpc>
+                <a:spcPct val="100000"/>
+              </a:lnSpc>
+              <a:spcBef>
+                <a:spcPts val="0"/>
+              </a:spcBef>
+              <a:spcAft>
+                <a:spcPts val="0"/>
+              </a:spcAft>
+              <a:buClr>
+                <a:srgbClr val="000000"/>
+              </a:buClr>
+              <a:buSzPts val="1400"/>
+              <a:buFont typeface="Arial"/>
+              <a:buNone/>
+            </a:pPr>
+            <a:r>
+              <a:rPr b="1" i="0" lang="en-US" sz="1400" u="none" cap="none" strike="noStrike">
+                <a:solidFill>
+                  <a:srgbClr val="000000"/>
+                </a:solidFill>
+                <a:latin typeface="Arial"/>
+                <a:ea typeface="Arial"/>
+                <a:cs typeface="Arial"/>
+                <a:sym typeface="Arial"/>
+              </a:rPr>
               <a:t>REDUCTION BY SCENARIOS</a:t>
             </a:r>
-            <a:endParaRPr b="1"/>
+            <a:endParaRPr b="1" i="0" sz="1400" u="none" cap="none" strike="noStrike">
+              <a:solidFill>
+                <a:srgbClr val="000000"/>
+              </a:solidFill>
+              <a:latin typeface="Arial"/>
+              <a:ea typeface="Arial"/>
+              <a:cs typeface="Arial"/>
+              <a:sym typeface="Arial"/>
+            </a:endParaRPr>
           </a:p>
         </p:txBody>
       </p:sp>
@@ -17385,19 +19072,35 @@
           </a:bodyPr>
           <a:lstStyle/>
           <a:p>
-            <a:pPr indent="0" lvl="0" marL="0" rtl="0" algn="l">
-              <a:spcBef>
-                <a:spcPts val="0"/>
-              </a:spcBef>
-              <a:spcAft>
-                <a:spcPts val="0"/>
-              </a:spcAft>
+            <a:pPr indent="0" lvl="0" marL="0" marR="0" rtl="0" algn="l">
+              <a:lnSpc>
+                <a:spcPct val="100000"/>
+              </a:lnSpc>
+              <a:spcBef>
+                <a:spcPts val="0"/>
+              </a:spcBef>
+              <a:spcAft>
+                <a:spcPts val="0"/>
+              </a:spcAft>
+              <a:buClr>
+                <a:srgbClr val="000000"/>
+              </a:buClr>
+              <a:buSzPts val="1400"/>
+              <a:buFont typeface="Arial"/>
               <a:buNone/>
             </a:pPr>
             <a:r>
               <a:t/>
             </a:r>
-            <a:endParaRPr/>
+            <a:endParaRPr b="0" i="0" sz="1400" u="none" cap="none" strike="noStrike">
+              <a:solidFill>
+                <a:srgbClr val="000000"/>
+              </a:solidFill>
+              <a:latin typeface="Arial"/>
+              <a:ea typeface="Arial"/>
+              <a:cs typeface="Arial"/>
+              <a:sym typeface="Arial"/>
+            </a:endParaRPr>
           </a:p>
         </p:txBody>
       </p:sp>
@@ -17437,19 +19140,35 @@
           </a:bodyPr>
           <a:lstStyle/>
           <a:p>
-            <a:pPr indent="0" lvl="0" marL="0" rtl="0" algn="l">
-              <a:spcBef>
-                <a:spcPts val="0"/>
-              </a:spcBef>
-              <a:spcAft>
-                <a:spcPts val="0"/>
-              </a:spcAft>
+            <a:pPr indent="0" lvl="0" marL="0" marR="0" rtl="0" algn="l">
+              <a:lnSpc>
+                <a:spcPct val="100000"/>
+              </a:lnSpc>
+              <a:spcBef>
+                <a:spcPts val="0"/>
+              </a:spcBef>
+              <a:spcAft>
+                <a:spcPts val="0"/>
+              </a:spcAft>
+              <a:buClr>
+                <a:srgbClr val="000000"/>
+              </a:buClr>
+              <a:buSzPts val="1400"/>
+              <a:buFont typeface="Arial"/>
               <a:buNone/>
             </a:pPr>
             <a:r>
               <a:t/>
             </a:r>
-            <a:endParaRPr/>
+            <a:endParaRPr b="0" i="0" sz="1400" u="none" cap="none" strike="noStrike">
+              <a:solidFill>
+                <a:srgbClr val="000000"/>
+              </a:solidFill>
+              <a:latin typeface="Arial"/>
+              <a:ea typeface="Arial"/>
+              <a:cs typeface="Arial"/>
+              <a:sym typeface="Arial"/>
+            </a:endParaRPr>
           </a:p>
         </p:txBody>
       </p:sp>
@@ -17459,13 +19178,12 @@
           <p:cNvPicPr preferRelativeResize="0"/>
           <p:nvPr/>
         </p:nvPicPr>
-        <p:blipFill>
+        <p:blipFill rotWithShape="1">
           <a:blip r:embed="rId4">
             <a:alphaModFix/>
           </a:blip>
-          <a:stretch>
-            <a:fillRect/>
-          </a:stretch>
+          <a:srcRect b="0" l="0" r="0" t="0"/>
+          <a:stretch/>
         </p:blipFill>
         <p:spPr>
           <a:xfrm>
@@ -17891,13 +19609,12 @@
           <p:cNvPicPr preferRelativeResize="0"/>
           <p:nvPr/>
         </p:nvPicPr>
-        <p:blipFill>
+        <p:blipFill rotWithShape="1">
           <a:blip r:embed="rId3">
             <a:alphaModFix/>
           </a:blip>
-          <a:stretch>
-            <a:fillRect/>
-          </a:stretch>
+          <a:srcRect b="0" l="0" r="0" t="0"/>
+          <a:stretch/>
         </p:blipFill>
         <p:spPr>
           <a:xfrm>
@@ -18004,13 +19721,12 @@
           <p:cNvPicPr preferRelativeResize="0"/>
           <p:nvPr/>
         </p:nvPicPr>
-        <p:blipFill>
+        <p:blipFill rotWithShape="1">
           <a:blip r:embed="rId3">
             <a:alphaModFix/>
           </a:blip>
-          <a:stretch>
-            <a:fillRect/>
-          </a:stretch>
+          <a:srcRect b="0" l="0" r="0" t="0"/>
+          <a:stretch/>
         </p:blipFill>
         <p:spPr>
           <a:xfrm>
@@ -18032,13 +19748,12 @@
           <p:cNvPicPr preferRelativeResize="0"/>
           <p:nvPr/>
         </p:nvPicPr>
-        <p:blipFill>
+        <p:blipFill rotWithShape="1">
           <a:blip r:embed="rId4">
             <a:alphaModFix/>
           </a:blip>
-          <a:stretch>
-            <a:fillRect/>
-          </a:stretch>
+          <a:srcRect b="0" l="0" r="0" t="0"/>
+          <a:stretch/>
         </p:blipFill>
         <p:spPr>
           <a:xfrm>
@@ -18077,8 +19792,8 @@
             </a:solidFill>
             <a:prstDash val="solid"/>
             <a:round/>
-            <a:headEnd len="med" w="med" type="none"/>
-            <a:tailEnd len="med" w="med" type="none"/>
+            <a:headEnd len="sm" w="sm" type="none"/>
+            <a:tailEnd len="sm" w="sm" type="none"/>
           </a:ln>
         </p:spPr>
       </p:cxnSp>
@@ -18116,19 +19831,35 @@
           </a:bodyPr>
           <a:lstStyle/>
           <a:p>
-            <a:pPr indent="0" lvl="0" marL="0" rtl="0" algn="l">
-              <a:spcBef>
-                <a:spcPts val="0"/>
-              </a:spcBef>
-              <a:spcAft>
-                <a:spcPts val="0"/>
-              </a:spcAft>
+            <a:pPr indent="0" lvl="0" marL="0" marR="0" rtl="0" algn="l">
+              <a:lnSpc>
+                <a:spcPct val="100000"/>
+              </a:lnSpc>
+              <a:spcBef>
+                <a:spcPts val="0"/>
+              </a:spcBef>
+              <a:spcAft>
+                <a:spcPts val="0"/>
+              </a:spcAft>
+              <a:buClr>
+                <a:srgbClr val="000000"/>
+              </a:buClr>
+              <a:buSzPts val="1400"/>
+              <a:buFont typeface="Arial"/>
               <a:buNone/>
             </a:pPr>
             <a:r>
               <a:t/>
             </a:r>
-            <a:endParaRPr/>
+            <a:endParaRPr b="0" i="0" sz="1400" u="none" cap="none" strike="noStrike">
+              <a:solidFill>
+                <a:srgbClr val="000000"/>
+              </a:solidFill>
+              <a:latin typeface="Arial"/>
+              <a:ea typeface="Arial"/>
+              <a:cs typeface="Arial"/>
+              <a:sym typeface="Arial"/>
+            </a:endParaRPr>
           </a:p>
         </p:txBody>
       </p:sp>
@@ -18157,101 +19888,164 @@
           </a:bodyPr>
           <a:lstStyle/>
           <a:p>
-            <a:pPr indent="0" lvl="0" marL="0" rtl="0" algn="r">
-              <a:spcBef>
-                <a:spcPts val="0"/>
-              </a:spcBef>
-              <a:spcAft>
-                <a:spcPts val="0"/>
-              </a:spcAft>
-              <a:buNone/>
-            </a:pPr>
-            <a:r>
-              <a:rPr lang="en-US" sz="1800">
+            <a:pPr indent="0" lvl="0" marL="0" marR="0" rtl="0" algn="r">
+              <a:lnSpc>
+                <a:spcPct val="100000"/>
+              </a:lnSpc>
+              <a:spcBef>
+                <a:spcPts val="0"/>
+              </a:spcBef>
+              <a:spcAft>
+                <a:spcPts val="0"/>
+              </a:spcAft>
+              <a:buClr>
+                <a:srgbClr val="000000"/>
+              </a:buClr>
+              <a:buSzPts val="1800"/>
+              <a:buFont typeface="Arial"/>
+              <a:buNone/>
+            </a:pPr>
+            <a:r>
+              <a:rPr b="0" i="0" lang="en-US" sz="1800" u="none" cap="none" strike="noStrike">
                 <a:solidFill>
                   <a:schemeClr val="dk1"/>
                 </a:solidFill>
+                <a:latin typeface="Arial"/>
+                <a:ea typeface="Arial"/>
+                <a:cs typeface="Arial"/>
+                <a:sym typeface="Arial"/>
               </a:rPr>
               <a:t>Split the scenarios and bonds over the replicated tasks</a:t>
             </a:r>
-            <a:endParaRPr sz="1800">
+            <a:endParaRPr b="0" i="0" sz="1800" u="none" cap="none" strike="noStrike">
               <a:solidFill>
                 <a:schemeClr val="dk1"/>
               </a:solidFill>
+              <a:latin typeface="Arial"/>
+              <a:ea typeface="Arial"/>
+              <a:cs typeface="Arial"/>
+              <a:sym typeface="Arial"/>
             </a:endParaRPr>
           </a:p>
           <a:p>
-            <a:pPr indent="0" lvl="0" marL="0" rtl="0" algn="r">
-              <a:spcBef>
-                <a:spcPts val="0"/>
-              </a:spcBef>
-              <a:spcAft>
-                <a:spcPts val="0"/>
-              </a:spcAft>
+            <a:pPr indent="0" lvl="0" marL="0" marR="0" rtl="0" algn="r">
+              <a:lnSpc>
+                <a:spcPct val="100000"/>
+              </a:lnSpc>
+              <a:spcBef>
+                <a:spcPts val="0"/>
+              </a:spcBef>
+              <a:spcAft>
+                <a:spcPts val="0"/>
+              </a:spcAft>
+              <a:buClr>
+                <a:srgbClr val="000000"/>
+              </a:buClr>
+              <a:buSzPts val="1800"/>
+              <a:buFont typeface="Arial"/>
               <a:buNone/>
             </a:pPr>
             <a:r>
               <a:t/>
             </a:r>
-            <a:endParaRPr sz="1800">
+            <a:endParaRPr b="0" i="0" sz="1800" u="none" cap="none" strike="noStrike">
               <a:solidFill>
                 <a:schemeClr val="dk1"/>
               </a:solidFill>
+              <a:latin typeface="Arial"/>
+              <a:ea typeface="Arial"/>
+              <a:cs typeface="Arial"/>
+              <a:sym typeface="Arial"/>
             </a:endParaRPr>
           </a:p>
           <a:p>
-            <a:pPr indent="0" lvl="0" marL="0" rtl="0" algn="r">
-              <a:spcBef>
-                <a:spcPts val="0"/>
-              </a:spcBef>
-              <a:spcAft>
-                <a:spcPts val="0"/>
-              </a:spcAft>
-              <a:buNone/>
-            </a:pPr>
-            <a:r>
-              <a:rPr b="1" lang="en-US" sz="1800">
+            <a:pPr indent="0" lvl="0" marL="0" marR="0" rtl="0" algn="r">
+              <a:lnSpc>
+                <a:spcPct val="100000"/>
+              </a:lnSpc>
+              <a:spcBef>
+                <a:spcPts val="0"/>
+              </a:spcBef>
+              <a:spcAft>
+                <a:spcPts val="0"/>
+              </a:spcAft>
+              <a:buClr>
+                <a:srgbClr val="000000"/>
+              </a:buClr>
+              <a:buSzPts val="1800"/>
+              <a:buFont typeface="Arial"/>
+              <a:buNone/>
+            </a:pPr>
+            <a:r>
+              <a:rPr b="1" i="0" lang="en-US" sz="1800" u="none" cap="none" strike="noStrike">
                 <a:solidFill>
                   <a:schemeClr val="dk1"/>
                 </a:solidFill>
+                <a:latin typeface="Arial"/>
+                <a:ea typeface="Arial"/>
+                <a:cs typeface="Arial"/>
+                <a:sym typeface="Arial"/>
               </a:rPr>
               <a:t>1st level of replicated tasks: </a:t>
             </a:r>
             <a:r>
-              <a:rPr lang="en-US" sz="1800">
+              <a:rPr b="0" i="0" lang="en-US" sz="1800" u="none" cap="none" strike="noStrike">
                 <a:solidFill>
                   <a:schemeClr val="dk1"/>
                 </a:solidFill>
+                <a:latin typeface="Arial"/>
+                <a:ea typeface="Arial"/>
+                <a:cs typeface="Arial"/>
+                <a:sym typeface="Arial"/>
               </a:rPr>
               <a:t>a replicated task per subset of scenarios</a:t>
             </a:r>
-            <a:endParaRPr sz="1800">
+            <a:endParaRPr b="0" i="0" sz="1800" u="none" cap="none" strike="noStrike">
               <a:solidFill>
                 <a:schemeClr val="dk1"/>
               </a:solidFill>
+              <a:latin typeface="Arial"/>
+              <a:ea typeface="Arial"/>
+              <a:cs typeface="Arial"/>
+              <a:sym typeface="Arial"/>
             </a:endParaRPr>
           </a:p>
           <a:p>
-            <a:pPr indent="0" lvl="0" marL="0" rtl="0" algn="r">
-              <a:spcBef>
-                <a:spcPts val="0"/>
-              </a:spcBef>
-              <a:spcAft>
-                <a:spcPts val="0"/>
-              </a:spcAft>
+            <a:pPr indent="0" lvl="0" marL="0" marR="0" rtl="0" algn="r">
+              <a:lnSpc>
+                <a:spcPct val="100000"/>
+              </a:lnSpc>
+              <a:spcBef>
+                <a:spcPts val="0"/>
+              </a:spcBef>
+              <a:spcAft>
+                <a:spcPts val="0"/>
+              </a:spcAft>
+              <a:buClr>
+                <a:srgbClr val="000000"/>
+              </a:buClr>
+              <a:buSzPts val="1800"/>
+              <a:buFont typeface="Arial"/>
               <a:buNone/>
             </a:pPr>
             <a:r>
               <a:t/>
             </a:r>
-            <a:endParaRPr sz="1800">
+            <a:endParaRPr b="0" i="0" sz="1800" u="none" cap="none" strike="noStrike">
               <a:solidFill>
                 <a:schemeClr val="dk1"/>
               </a:solidFill>
+              <a:latin typeface="Arial"/>
+              <a:ea typeface="Arial"/>
+              <a:cs typeface="Arial"/>
+              <a:sym typeface="Arial"/>
             </a:endParaRPr>
           </a:p>
           <a:p>
-            <a:pPr indent="0" lvl="0" marL="0" rtl="0" algn="r">
+            <a:pPr indent="0" lvl="0" marL="0" marR="0" rtl="0" algn="r">
+              <a:lnSpc>
+                <a:spcPct val="100000"/>
+              </a:lnSpc>
               <a:spcBef>
                 <a:spcPts val="0"/>
               </a:spcBef>
@@ -18266,177 +20060,288 @@
               <a:buNone/>
             </a:pPr>
             <a:r>
-              <a:rPr lang="en-US" sz="1800">
+              <a:rPr b="0" i="0" lang="en-US" sz="1800" u="none" cap="none" strike="noStrike">
                 <a:solidFill>
                   <a:schemeClr val="dk1"/>
                 </a:solidFill>
+                <a:latin typeface="Arial"/>
+                <a:ea typeface="Arial"/>
+                <a:cs typeface="Arial"/>
+                <a:sym typeface="Arial"/>
               </a:rPr>
               <a:t>Each replicated task pull from the catalog and submit the cubelet simulation workflow</a:t>
             </a:r>
-            <a:endParaRPr sz="1800">
+            <a:endParaRPr b="0" i="0" sz="1800" u="none" cap="none" strike="noStrike">
               <a:solidFill>
                 <a:schemeClr val="dk1"/>
               </a:solidFill>
+              <a:latin typeface="Arial"/>
+              <a:ea typeface="Arial"/>
+              <a:cs typeface="Arial"/>
+              <a:sym typeface="Arial"/>
             </a:endParaRPr>
           </a:p>
           <a:p>
-            <a:pPr indent="0" lvl="0" marL="0" rtl="0" algn="l">
-              <a:spcBef>
-                <a:spcPts val="0"/>
-              </a:spcBef>
-              <a:spcAft>
-                <a:spcPts val="0"/>
-              </a:spcAft>
+            <a:pPr indent="0" lvl="0" marL="0" marR="0" rtl="0" algn="l">
+              <a:lnSpc>
+                <a:spcPct val="100000"/>
+              </a:lnSpc>
+              <a:spcBef>
+                <a:spcPts val="0"/>
+              </a:spcBef>
+              <a:spcAft>
+                <a:spcPts val="0"/>
+              </a:spcAft>
+              <a:buClr>
+                <a:srgbClr val="000000"/>
+              </a:buClr>
+              <a:buSzPts val="1800"/>
+              <a:buFont typeface="Arial"/>
               <a:buNone/>
             </a:pPr>
             <a:r>
               <a:t/>
             </a:r>
-            <a:endParaRPr sz="1800">
+            <a:endParaRPr b="0" i="0" sz="1800" u="none" cap="none" strike="noStrike">
               <a:solidFill>
                 <a:schemeClr val="dk1"/>
               </a:solidFill>
+              <a:latin typeface="Arial"/>
+              <a:ea typeface="Arial"/>
+              <a:cs typeface="Arial"/>
+              <a:sym typeface="Arial"/>
             </a:endParaRPr>
           </a:p>
           <a:p>
-            <a:pPr indent="0" lvl="0" marL="0" rtl="0" algn="r">
-              <a:spcBef>
-                <a:spcPts val="0"/>
-              </a:spcBef>
-              <a:spcAft>
-                <a:spcPts val="0"/>
-              </a:spcAft>
-              <a:buNone/>
-            </a:pPr>
-            <a:r>
-              <a:rPr lang="en-US" sz="1800">
+            <a:pPr indent="0" lvl="0" marL="0" marR="0" rtl="0" algn="r">
+              <a:lnSpc>
+                <a:spcPct val="100000"/>
+              </a:lnSpc>
+              <a:spcBef>
+                <a:spcPts val="0"/>
+              </a:spcBef>
+              <a:spcAft>
+                <a:spcPts val="0"/>
+              </a:spcAft>
+              <a:buClr>
+                <a:srgbClr val="000000"/>
+              </a:buClr>
+              <a:buSzPts val="1800"/>
+              <a:buFont typeface="Arial"/>
+              <a:buNone/>
+            </a:pPr>
+            <a:r>
+              <a:rPr b="0" i="0" lang="en-US" sz="1800" u="none" cap="none" strike="noStrike">
                 <a:solidFill>
                   <a:schemeClr val="dk1"/>
                 </a:solidFill>
+                <a:latin typeface="Arial"/>
+                <a:ea typeface="Arial"/>
+                <a:cs typeface="Arial"/>
+                <a:sym typeface="Arial"/>
               </a:rPr>
               <a:t>Compute the portfolio clean prices per scenario and evaluation date (cubelets)</a:t>
             </a:r>
-            <a:endParaRPr sz="1800">
+            <a:endParaRPr b="0" i="0" sz="1800" u="none" cap="none" strike="noStrike">
               <a:solidFill>
                 <a:schemeClr val="dk1"/>
               </a:solidFill>
+              <a:latin typeface="Arial"/>
+              <a:ea typeface="Arial"/>
+              <a:cs typeface="Arial"/>
+              <a:sym typeface="Arial"/>
             </a:endParaRPr>
           </a:p>
           <a:p>
-            <a:pPr indent="0" lvl="0" marL="0" rtl="0" algn="r">
-              <a:spcBef>
-                <a:spcPts val="0"/>
-              </a:spcBef>
-              <a:spcAft>
-                <a:spcPts val="0"/>
-              </a:spcAft>
+            <a:pPr indent="0" lvl="0" marL="0" marR="0" rtl="0" algn="r">
+              <a:lnSpc>
+                <a:spcPct val="100000"/>
+              </a:lnSpc>
+              <a:spcBef>
+                <a:spcPts val="0"/>
+              </a:spcBef>
+              <a:spcAft>
+                <a:spcPts val="0"/>
+              </a:spcAft>
+              <a:buClr>
+                <a:srgbClr val="000000"/>
+              </a:buClr>
+              <a:buSzPts val="1800"/>
+              <a:buFont typeface="Arial"/>
               <a:buNone/>
             </a:pPr>
             <a:r>
               <a:t/>
             </a:r>
-            <a:endParaRPr sz="1800">
+            <a:endParaRPr b="0" i="0" sz="1800" u="none" cap="none" strike="noStrike">
               <a:solidFill>
                 <a:schemeClr val="dk1"/>
               </a:solidFill>
+              <a:latin typeface="Arial"/>
+              <a:ea typeface="Arial"/>
+              <a:cs typeface="Arial"/>
+              <a:sym typeface="Arial"/>
             </a:endParaRPr>
           </a:p>
           <a:p>
-            <a:pPr indent="0" lvl="0" marL="0" rtl="0" algn="r">
-              <a:spcBef>
-                <a:spcPts val="0"/>
-              </a:spcBef>
-              <a:spcAft>
-                <a:spcPts val="0"/>
-              </a:spcAft>
+            <a:pPr indent="0" lvl="0" marL="0" marR="0" rtl="0" algn="r">
+              <a:lnSpc>
+                <a:spcPct val="100000"/>
+              </a:lnSpc>
+              <a:spcBef>
+                <a:spcPts val="0"/>
+              </a:spcBef>
+              <a:spcAft>
+                <a:spcPts val="0"/>
+              </a:spcAft>
+              <a:buClr>
+                <a:srgbClr val="000000"/>
+              </a:buClr>
+              <a:buSzPts val="1800"/>
+              <a:buFont typeface="Arial"/>
               <a:buNone/>
             </a:pPr>
             <a:r>
               <a:t/>
             </a:r>
-            <a:endParaRPr sz="1800">
+            <a:endParaRPr b="0" i="0" sz="1800" u="none" cap="none" strike="noStrike">
               <a:solidFill>
                 <a:schemeClr val="dk1"/>
               </a:solidFill>
+              <a:latin typeface="Arial"/>
+              <a:ea typeface="Arial"/>
+              <a:cs typeface="Arial"/>
+              <a:sym typeface="Arial"/>
             </a:endParaRPr>
           </a:p>
           <a:p>
-            <a:pPr indent="0" lvl="0" marL="0" rtl="0" algn="r">
-              <a:spcBef>
-                <a:spcPts val="0"/>
-              </a:spcBef>
-              <a:spcAft>
-                <a:spcPts val="0"/>
-              </a:spcAft>
-              <a:buNone/>
-            </a:pPr>
-            <a:r>
-              <a:rPr b="1" lang="en-US" sz="1800">
+            <a:pPr indent="0" lvl="0" marL="0" marR="0" rtl="0" algn="r">
+              <a:lnSpc>
+                <a:spcPct val="100000"/>
+              </a:lnSpc>
+              <a:spcBef>
+                <a:spcPts val="0"/>
+              </a:spcBef>
+              <a:spcAft>
+                <a:spcPts val="0"/>
+              </a:spcAft>
+              <a:buClr>
+                <a:srgbClr val="000000"/>
+              </a:buClr>
+              <a:buSzPts val="1800"/>
+              <a:buFont typeface="Arial"/>
+              <a:buNone/>
+            </a:pPr>
+            <a:r>
+              <a:rPr b="1" i="0" lang="en-US" sz="1800" u="none" cap="none" strike="noStrike">
                 <a:solidFill>
                   <a:schemeClr val="dk1"/>
                 </a:solidFill>
+                <a:latin typeface="Arial"/>
+                <a:ea typeface="Arial"/>
+                <a:cs typeface="Arial"/>
+                <a:sym typeface="Arial"/>
               </a:rPr>
               <a:t>Merge</a:t>
             </a:r>
             <a:r>
-              <a:rPr lang="en-US" sz="1800">
+              <a:rPr b="0" i="0" lang="en-US" sz="1800" u="none" cap="none" strike="noStrike">
                 <a:solidFill>
                   <a:schemeClr val="dk1"/>
                 </a:solidFill>
+                <a:latin typeface="Arial"/>
+                <a:ea typeface="Arial"/>
+                <a:cs typeface="Arial"/>
+                <a:sym typeface="Arial"/>
               </a:rPr>
               <a:t> the portfolio clean prices into a single csv file (cube). Compute portfolio prices time series for each scenario and create a csv file. Compute correlations over scenarios and create a csv file + heat map png file</a:t>
             </a:r>
-            <a:endParaRPr sz="1800">
+            <a:endParaRPr b="0" i="0" sz="1800" u="none" cap="none" strike="noStrike">
               <a:solidFill>
                 <a:schemeClr val="dk1"/>
               </a:solidFill>
+              <a:latin typeface="Arial"/>
+              <a:ea typeface="Arial"/>
+              <a:cs typeface="Arial"/>
+              <a:sym typeface="Arial"/>
             </a:endParaRPr>
           </a:p>
           <a:p>
-            <a:pPr indent="0" lvl="0" marL="0" rtl="0" algn="r">
-              <a:spcBef>
-                <a:spcPts val="0"/>
-              </a:spcBef>
-              <a:spcAft>
-                <a:spcPts val="0"/>
-              </a:spcAft>
+            <a:pPr indent="0" lvl="0" marL="0" marR="0" rtl="0" algn="r">
+              <a:lnSpc>
+                <a:spcPct val="100000"/>
+              </a:lnSpc>
+              <a:spcBef>
+                <a:spcPts val="0"/>
+              </a:spcBef>
+              <a:spcAft>
+                <a:spcPts val="0"/>
+              </a:spcAft>
+              <a:buClr>
+                <a:srgbClr val="000000"/>
+              </a:buClr>
+              <a:buSzPts val="1800"/>
+              <a:buFont typeface="Arial"/>
               <a:buNone/>
             </a:pPr>
             <a:r>
               <a:t/>
             </a:r>
-            <a:endParaRPr sz="1800">
+            <a:endParaRPr b="0" i="0" sz="1800" u="none" cap="none" strike="noStrike">
               <a:solidFill>
                 <a:schemeClr val="dk1"/>
               </a:solidFill>
+              <a:latin typeface="Arial"/>
+              <a:ea typeface="Arial"/>
+              <a:cs typeface="Arial"/>
+              <a:sym typeface="Arial"/>
             </a:endParaRPr>
           </a:p>
           <a:p>
-            <a:pPr indent="0" lvl="0" marL="0" rtl="0" algn="r">
-              <a:spcBef>
-                <a:spcPts val="0"/>
-              </a:spcBef>
-              <a:spcAft>
-                <a:spcPts val="0"/>
-              </a:spcAft>
-              <a:buNone/>
-            </a:pPr>
-            <a:r>
-              <a:rPr lang="en-US" sz="1800">
+            <a:pPr indent="0" lvl="0" marL="0" marR="0" rtl="0" algn="r">
+              <a:lnSpc>
+                <a:spcPct val="100000"/>
+              </a:lnSpc>
+              <a:spcBef>
+                <a:spcPts val="0"/>
+              </a:spcBef>
+              <a:spcAft>
+                <a:spcPts val="0"/>
+              </a:spcAft>
+              <a:buClr>
+                <a:srgbClr val="000000"/>
+              </a:buClr>
+              <a:buSzPts val="1800"/>
+              <a:buFont typeface="Arial"/>
+              <a:buNone/>
+            </a:pPr>
+            <a:r>
+              <a:rPr b="0" i="0" lang="en-US" sz="1800" u="none" cap="none" strike="noStrike">
                 <a:solidFill>
                   <a:schemeClr val="dk1"/>
                 </a:solidFill>
+                <a:latin typeface="Arial"/>
+                <a:ea typeface="Arial"/>
+                <a:cs typeface="Arial"/>
+                <a:sym typeface="Arial"/>
               </a:rPr>
               <a:t>Allow user to visualize/download the png/csv zip files</a:t>
             </a:r>
-            <a:endParaRPr sz="1800">
+            <a:endParaRPr b="0" i="0" sz="1800" u="none" cap="none" strike="noStrike">
               <a:solidFill>
                 <a:schemeClr val="dk1"/>
               </a:solidFill>
+              <a:latin typeface="Arial"/>
+              <a:ea typeface="Arial"/>
+              <a:cs typeface="Arial"/>
+              <a:sym typeface="Arial"/>
             </a:endParaRPr>
           </a:p>
           <a:p>
-            <a:pPr indent="0" lvl="0" marL="0" rtl="0" algn="r">
+            <a:pPr indent="0" lvl="0" marL="0" marR="0" rtl="0" algn="r">
+              <a:lnSpc>
+                <a:spcPct val="100000"/>
+              </a:lnSpc>
               <a:spcBef>
                 <a:spcPts val="0"/>
               </a:spcBef>
@@ -18453,10 +20358,14 @@
             <a:r>
               <a:t/>
             </a:r>
-            <a:endParaRPr sz="1800">
+            <a:endParaRPr b="0" i="0" sz="1800" u="none" cap="none" strike="noStrike">
               <a:solidFill>
                 <a:schemeClr val="dk1"/>
               </a:solidFill>
+              <a:latin typeface="Arial"/>
+              <a:ea typeface="Arial"/>
+              <a:cs typeface="Arial"/>
+              <a:sym typeface="Arial"/>
             </a:endParaRPr>
           </a:p>
         </p:txBody>
@@ -18486,237 +20395,373 @@
           </a:bodyPr>
           <a:lstStyle/>
           <a:p>
-            <a:pPr indent="0" lvl="0" marL="0" rtl="0" algn="r">
-              <a:spcBef>
-                <a:spcPts val="0"/>
-              </a:spcBef>
-              <a:spcAft>
-                <a:spcPts val="0"/>
-              </a:spcAft>
-              <a:buNone/>
-            </a:pPr>
-            <a:r>
-              <a:rPr lang="en-US" sz="1800">
+            <a:pPr indent="0" lvl="0" marL="0" marR="0" rtl="0" algn="r">
+              <a:lnSpc>
+                <a:spcPct val="100000"/>
+              </a:lnSpc>
+              <a:spcBef>
+                <a:spcPts val="0"/>
+              </a:spcBef>
+              <a:spcAft>
+                <a:spcPts val="0"/>
+              </a:spcAft>
+              <a:buClr>
+                <a:srgbClr val="000000"/>
+              </a:buClr>
+              <a:buSzPts val="1800"/>
+              <a:buFont typeface="Arial"/>
+              <a:buNone/>
+            </a:pPr>
+            <a:r>
+              <a:rPr b="0" i="0" lang="en-US" sz="1800" u="none" cap="none" strike="noStrike">
                 <a:solidFill>
                   <a:schemeClr val="dk1"/>
                 </a:solidFill>
+                <a:latin typeface="Arial"/>
+                <a:ea typeface="Arial"/>
+                <a:cs typeface="Arial"/>
+                <a:sym typeface="Arial"/>
               </a:rPr>
               <a:t>Init parameters</a:t>
             </a:r>
-            <a:endParaRPr sz="1800">
+            <a:endParaRPr b="0" i="0" sz="1800" u="none" cap="none" strike="noStrike">
               <a:solidFill>
                 <a:schemeClr val="dk1"/>
               </a:solidFill>
+              <a:latin typeface="Arial"/>
+              <a:ea typeface="Arial"/>
+              <a:cs typeface="Arial"/>
+              <a:sym typeface="Arial"/>
             </a:endParaRPr>
           </a:p>
           <a:p>
-            <a:pPr indent="0" lvl="0" marL="0" rtl="0" algn="r">
-              <a:spcBef>
-                <a:spcPts val="0"/>
-              </a:spcBef>
-              <a:spcAft>
-                <a:spcPts val="0"/>
-              </a:spcAft>
+            <a:pPr indent="0" lvl="0" marL="0" marR="0" rtl="0" algn="r">
+              <a:lnSpc>
+                <a:spcPct val="100000"/>
+              </a:lnSpc>
+              <a:spcBef>
+                <a:spcPts val="0"/>
+              </a:spcBef>
+              <a:spcAft>
+                <a:spcPts val="0"/>
+              </a:spcAft>
+              <a:buClr>
+                <a:srgbClr val="000000"/>
+              </a:buClr>
+              <a:buSzPts val="1800"/>
+              <a:buFont typeface="Arial"/>
               <a:buNone/>
             </a:pPr>
             <a:r>
               <a:t/>
             </a:r>
-            <a:endParaRPr sz="1800">
+            <a:endParaRPr b="0" i="0" sz="1800" u="none" cap="none" strike="noStrike">
               <a:solidFill>
                 <a:schemeClr val="dk1"/>
               </a:solidFill>
+              <a:latin typeface="Arial"/>
+              <a:ea typeface="Arial"/>
+              <a:cs typeface="Arial"/>
+              <a:sym typeface="Arial"/>
             </a:endParaRPr>
           </a:p>
           <a:p>
-            <a:pPr indent="0" lvl="0" marL="0" rtl="0" algn="r">
-              <a:spcBef>
-                <a:spcPts val="0"/>
-              </a:spcBef>
-              <a:spcAft>
-                <a:spcPts val="0"/>
-              </a:spcAft>
-              <a:buNone/>
-            </a:pPr>
-            <a:r>
-              <a:rPr b="1" lang="en-US" sz="1800">
+            <a:pPr indent="0" lvl="0" marL="0" marR="0" rtl="0" algn="r">
+              <a:lnSpc>
+                <a:spcPct val="100000"/>
+              </a:lnSpc>
+              <a:spcBef>
+                <a:spcPts val="0"/>
+              </a:spcBef>
+              <a:spcAft>
+                <a:spcPts val="0"/>
+              </a:spcAft>
+              <a:buClr>
+                <a:srgbClr val="000000"/>
+              </a:buClr>
+              <a:buSzPts val="1800"/>
+              <a:buFont typeface="Arial"/>
+              <a:buNone/>
+            </a:pPr>
+            <a:r>
+              <a:rPr b="1" i="0" lang="en-US" sz="1800" u="none" cap="none" strike="noStrike">
                 <a:solidFill>
                   <a:schemeClr val="dk1"/>
                 </a:solidFill>
+                <a:latin typeface="Arial"/>
+                <a:ea typeface="Arial"/>
+                <a:cs typeface="Arial"/>
+                <a:sym typeface="Arial"/>
               </a:rPr>
-              <a:t>2nd</a:t>
-            </a:r>
-            <a:r>
-              <a:rPr b="1" lang="en-US" sz="1800">
+              <a:t>2nd level of replicated tasks: </a:t>
+            </a:r>
+            <a:r>
+              <a:rPr b="0" i="0" lang="en-US" sz="1800" u="none" cap="none" strike="noStrike">
                 <a:solidFill>
                   <a:schemeClr val="dk1"/>
                 </a:solidFill>
-              </a:rPr>
-              <a:t> level of replicated tasks: </a:t>
-            </a:r>
-            <a:r>
-              <a:rPr lang="en-US" sz="1800">
-                <a:solidFill>
-                  <a:schemeClr val="dk1"/>
-                </a:solidFill>
+                <a:latin typeface="Arial"/>
+                <a:ea typeface="Arial"/>
+                <a:cs typeface="Arial"/>
+                <a:sym typeface="Arial"/>
               </a:rPr>
               <a:t>a replicated task per subset of bonds</a:t>
             </a:r>
-            <a:endParaRPr sz="1800">
+            <a:endParaRPr b="0" i="0" sz="1800" u="none" cap="none" strike="noStrike">
               <a:solidFill>
                 <a:schemeClr val="dk1"/>
               </a:solidFill>
+              <a:latin typeface="Arial"/>
+              <a:ea typeface="Arial"/>
+              <a:cs typeface="Arial"/>
+              <a:sym typeface="Arial"/>
             </a:endParaRPr>
           </a:p>
           <a:p>
-            <a:pPr indent="0" lvl="0" marL="0" rtl="0" algn="r">
-              <a:spcBef>
-                <a:spcPts val="0"/>
-              </a:spcBef>
-              <a:spcAft>
-                <a:spcPts val="0"/>
-              </a:spcAft>
+            <a:pPr indent="0" lvl="0" marL="0" marR="0" rtl="0" algn="r">
+              <a:lnSpc>
+                <a:spcPct val="100000"/>
+              </a:lnSpc>
+              <a:spcBef>
+                <a:spcPts val="0"/>
+              </a:spcBef>
+              <a:spcAft>
+                <a:spcPts val="0"/>
+              </a:spcAft>
+              <a:buClr>
+                <a:srgbClr val="000000"/>
+              </a:buClr>
+              <a:buSzPts val="1800"/>
+              <a:buFont typeface="Arial"/>
               <a:buNone/>
             </a:pPr>
             <a:r>
               <a:t/>
             </a:r>
-            <a:endParaRPr sz="1800">
+            <a:endParaRPr b="0" i="0" sz="1800" u="none" cap="none" strike="noStrike">
               <a:solidFill>
                 <a:schemeClr val="dk1"/>
               </a:solidFill>
+              <a:latin typeface="Arial"/>
+              <a:ea typeface="Arial"/>
+              <a:cs typeface="Arial"/>
+              <a:sym typeface="Arial"/>
             </a:endParaRPr>
           </a:p>
           <a:p>
-            <a:pPr indent="0" lvl="0" marL="0" rtl="0" algn="r">
-              <a:spcBef>
-                <a:spcPts val="0"/>
-              </a:spcBef>
-              <a:spcAft>
-                <a:spcPts val="0"/>
-              </a:spcAft>
-              <a:buNone/>
-            </a:pPr>
-            <a:r>
-              <a:rPr lang="en-US" sz="1800">
+            <a:pPr indent="0" lvl="0" marL="0" marR="0" rtl="0" algn="r">
+              <a:lnSpc>
+                <a:spcPct val="100000"/>
+              </a:lnSpc>
+              <a:spcBef>
+                <a:spcPts val="0"/>
+              </a:spcBef>
+              <a:spcAft>
+                <a:spcPts val="0"/>
+              </a:spcAft>
+              <a:buClr>
+                <a:srgbClr val="000000"/>
+              </a:buClr>
+              <a:buSzPts val="1800"/>
+              <a:buFont typeface="Arial"/>
+              <a:buNone/>
+            </a:pPr>
+            <a:r>
+              <a:rPr b="0" i="0" lang="en-US" sz="1800" u="none" cap="none" strike="noStrike">
                 <a:solidFill>
                   <a:schemeClr val="dk1"/>
                 </a:solidFill>
+                <a:latin typeface="Arial"/>
+                <a:ea typeface="Arial"/>
+                <a:cs typeface="Arial"/>
+                <a:sym typeface="Arial"/>
               </a:rPr>
               <a:t>Using Quanlib, each replicated task estimates a subset of the portfolio clean prices (cubelet)</a:t>
             </a:r>
-            <a:endParaRPr sz="1800">
+            <a:endParaRPr b="0" i="0" sz="1800" u="none" cap="none" strike="noStrike">
               <a:solidFill>
                 <a:schemeClr val="dk1"/>
               </a:solidFill>
+              <a:latin typeface="Arial"/>
+              <a:ea typeface="Arial"/>
+              <a:cs typeface="Arial"/>
+              <a:sym typeface="Arial"/>
             </a:endParaRPr>
           </a:p>
           <a:p>
-            <a:pPr indent="0" lvl="0" marL="0" rtl="0" algn="r">
-              <a:spcBef>
-                <a:spcPts val="0"/>
-              </a:spcBef>
-              <a:spcAft>
-                <a:spcPts val="0"/>
-              </a:spcAft>
+            <a:pPr indent="0" lvl="0" marL="0" marR="0" rtl="0" algn="r">
+              <a:lnSpc>
+                <a:spcPct val="100000"/>
+              </a:lnSpc>
+              <a:spcBef>
+                <a:spcPts val="0"/>
+              </a:spcBef>
+              <a:spcAft>
+                <a:spcPts val="0"/>
+              </a:spcAft>
+              <a:buClr>
+                <a:srgbClr val="000000"/>
+              </a:buClr>
+              <a:buSzPts val="1800"/>
+              <a:buFont typeface="Arial"/>
               <a:buNone/>
             </a:pPr>
             <a:r>
               <a:t/>
             </a:r>
-            <a:endParaRPr sz="1800">
+            <a:endParaRPr b="0" i="0" sz="1800" u="none" cap="none" strike="noStrike">
               <a:solidFill>
                 <a:schemeClr val="dk1"/>
               </a:solidFill>
+              <a:latin typeface="Arial"/>
+              <a:ea typeface="Arial"/>
+              <a:cs typeface="Arial"/>
+              <a:sym typeface="Arial"/>
             </a:endParaRPr>
           </a:p>
           <a:p>
-            <a:pPr indent="0" lvl="0" marL="0" rtl="0" algn="r">
-              <a:spcBef>
-                <a:spcPts val="0"/>
-              </a:spcBef>
-              <a:spcAft>
-                <a:spcPts val="0"/>
-              </a:spcAft>
-              <a:buNone/>
-            </a:pPr>
-            <a:r>
-              <a:rPr b="1" lang="en-US" sz="1800">
+            <a:pPr indent="0" lvl="0" marL="0" marR="0" rtl="0" algn="r">
+              <a:lnSpc>
+                <a:spcPct val="100000"/>
+              </a:lnSpc>
+              <a:spcBef>
+                <a:spcPts val="0"/>
+              </a:spcBef>
+              <a:spcAft>
+                <a:spcPts val="0"/>
+              </a:spcAft>
+              <a:buClr>
+                <a:srgbClr val="000000"/>
+              </a:buClr>
+              <a:buSzPts val="1800"/>
+              <a:buFont typeface="Arial"/>
+              <a:buNone/>
+            </a:pPr>
+            <a:r>
+              <a:rPr b="1" i="0" lang="en-US" sz="1800" u="none" cap="none" strike="noStrike">
                 <a:solidFill>
                   <a:schemeClr val="dk1"/>
                 </a:solidFill>
+                <a:latin typeface="Arial"/>
+                <a:ea typeface="Arial"/>
+                <a:cs typeface="Arial"/>
+                <a:sym typeface="Arial"/>
               </a:rPr>
               <a:t>Merge</a:t>
             </a:r>
             <a:r>
-              <a:rPr lang="en-US" sz="1800">
+              <a:rPr b="0" i="0" lang="en-US" sz="1800" u="none" cap="none" strike="noStrike">
                 <a:solidFill>
                   <a:schemeClr val="dk1"/>
                 </a:solidFill>
+                <a:latin typeface="Arial"/>
+                <a:ea typeface="Arial"/>
+                <a:cs typeface="Arial"/>
+                <a:sym typeface="Arial"/>
               </a:rPr>
               <a:t> cubelets (bonds -&gt; portfolio) and create a csv file  </a:t>
             </a:r>
-            <a:endParaRPr sz="1800">
+            <a:endParaRPr b="0" i="0" sz="1800" u="none" cap="none" strike="noStrike">
               <a:solidFill>
                 <a:schemeClr val="dk1"/>
               </a:solidFill>
+              <a:latin typeface="Arial"/>
+              <a:ea typeface="Arial"/>
+              <a:cs typeface="Arial"/>
+              <a:sym typeface="Arial"/>
             </a:endParaRPr>
           </a:p>
           <a:p>
-            <a:pPr indent="0" lvl="0" marL="0" rtl="0" algn="r">
-              <a:spcBef>
-                <a:spcPts val="0"/>
-              </a:spcBef>
-              <a:spcAft>
-                <a:spcPts val="0"/>
-              </a:spcAft>
+            <a:pPr indent="0" lvl="0" marL="0" marR="0" rtl="0" algn="r">
+              <a:lnSpc>
+                <a:spcPct val="100000"/>
+              </a:lnSpc>
+              <a:spcBef>
+                <a:spcPts val="0"/>
+              </a:spcBef>
+              <a:spcAft>
+                <a:spcPts val="0"/>
+              </a:spcAft>
+              <a:buClr>
+                <a:srgbClr val="000000"/>
+              </a:buClr>
+              <a:buSzPts val="1800"/>
+              <a:buFont typeface="Arial"/>
               <a:buNone/>
             </a:pPr>
             <a:r>
               <a:t/>
             </a:r>
-            <a:endParaRPr sz="1800">
+            <a:endParaRPr b="0" i="0" sz="1800" u="none" cap="none" strike="noStrike">
               <a:solidFill>
                 <a:schemeClr val="dk1"/>
               </a:solidFill>
+              <a:latin typeface="Arial"/>
+              <a:ea typeface="Arial"/>
+              <a:cs typeface="Arial"/>
+              <a:sym typeface="Arial"/>
             </a:endParaRPr>
           </a:p>
           <a:p>
-            <a:pPr indent="0" lvl="0" marL="0" rtl="0" algn="r">
-              <a:spcBef>
-                <a:spcPts val="0"/>
-              </a:spcBef>
-              <a:spcAft>
-                <a:spcPts val="0"/>
-              </a:spcAft>
+            <a:pPr indent="0" lvl="0" marL="0" marR="0" rtl="0" algn="r">
+              <a:lnSpc>
+                <a:spcPct val="100000"/>
+              </a:lnSpc>
+              <a:spcBef>
+                <a:spcPts val="0"/>
+              </a:spcBef>
+              <a:spcAft>
+                <a:spcPts val="0"/>
+              </a:spcAft>
+              <a:buClr>
+                <a:srgbClr val="000000"/>
+              </a:buClr>
+              <a:buSzPts val="1800"/>
+              <a:buFont typeface="Arial"/>
               <a:buNone/>
             </a:pPr>
             <a:r>
               <a:t/>
             </a:r>
-            <a:endParaRPr sz="1800">
+            <a:endParaRPr b="0" i="0" sz="1800" u="none" cap="none" strike="noStrike">
               <a:solidFill>
                 <a:schemeClr val="dk1"/>
               </a:solidFill>
+              <a:latin typeface="Arial"/>
+              <a:ea typeface="Arial"/>
+              <a:cs typeface="Arial"/>
+              <a:sym typeface="Arial"/>
             </a:endParaRPr>
           </a:p>
           <a:p>
-            <a:pPr indent="0" lvl="0" marL="0" rtl="0" algn="r">
-              <a:spcBef>
-                <a:spcPts val="0"/>
-              </a:spcBef>
-              <a:spcAft>
-                <a:spcPts val="0"/>
-              </a:spcAft>
+            <a:pPr indent="0" lvl="0" marL="0" marR="0" rtl="0" algn="r">
+              <a:lnSpc>
+                <a:spcPct val="100000"/>
+              </a:lnSpc>
+              <a:spcBef>
+                <a:spcPts val="0"/>
+              </a:spcBef>
+              <a:spcAft>
+                <a:spcPts val="0"/>
+              </a:spcAft>
+              <a:buClr>
+                <a:srgbClr val="000000"/>
+              </a:buClr>
+              <a:buSzPts val="1800"/>
+              <a:buFont typeface="Arial"/>
               <a:buNone/>
             </a:pPr>
             <a:r>
               <a:t/>
             </a:r>
-            <a:endParaRPr sz="1800">
+            <a:endParaRPr b="0" i="0" sz="1800" u="none" cap="none" strike="noStrike">
               <a:solidFill>
                 <a:schemeClr val="dk1"/>
               </a:solidFill>
+              <a:latin typeface="Arial"/>
+              <a:ea typeface="Arial"/>
+              <a:cs typeface="Arial"/>
+              <a:sym typeface="Arial"/>
             </a:endParaRPr>
           </a:p>
         </p:txBody>
@@ -18812,13 +20857,12 @@
           <p:cNvPicPr preferRelativeResize="0"/>
           <p:nvPr/>
         </p:nvPicPr>
-        <p:blipFill>
+        <p:blipFill rotWithShape="1">
           <a:blip r:embed="rId3">
             <a:alphaModFix/>
           </a:blip>
-          <a:stretch>
-            <a:fillRect/>
-          </a:stretch>
+          <a:srcRect b="0" l="0" r="0" t="0"/>
+          <a:stretch/>
         </p:blipFill>
         <p:spPr>
           <a:xfrm>
@@ -18840,18 +20884,17 @@
           <p:cNvPicPr preferRelativeResize="0"/>
           <p:nvPr/>
         </p:nvPicPr>
-        <p:blipFill>
+        <p:blipFill rotWithShape="1">
           <a:blip r:embed="rId4">
             <a:alphaModFix/>
           </a:blip>
-          <a:stretch>
-            <a:fillRect/>
-          </a:stretch>
+          <a:srcRect b="0" l="0" r="0" t="0"/>
+          <a:stretch/>
         </p:blipFill>
         <p:spPr>
           <a:xfrm>
-            <a:off x="152400" y="4399182"/>
-            <a:ext cx="5624614" cy="5202020"/>
+            <a:off x="6930672" y="5504027"/>
+            <a:ext cx="3237225" cy="1796925"/>
           </a:xfrm>
           <a:prstGeom prst="rect">
             <a:avLst/>
@@ -18878,8 +20921,8 @@
         </p:blipFill>
         <p:spPr>
           <a:xfrm>
-            <a:off x="6930672" y="5504027"/>
-            <a:ext cx="3237225" cy="1796925"/>
+            <a:off x="152400" y="4399182"/>
+            <a:ext cx="5573164" cy="5202019"/>
           </a:xfrm>
           <a:prstGeom prst="rect">
             <a:avLst/>
@@ -19063,15 +21106,7 @@
             </a:pPr>
             <a:r>
               <a:rPr b="1" lang="en-US" sz="2000" u="sng"/>
-              <a:t>Monte Carlo </a:t>
-            </a:r>
-            <a:r>
-              <a:rPr b="1" lang="en-US" sz="2000" u="sng"/>
-              <a:t>(MC) </a:t>
-            </a:r>
-            <a:r>
-              <a:rPr b="1" lang="en-US" sz="2000" u="sng"/>
-              <a:t>simulations</a:t>
+              <a:t>Monte Carlo (MC) simulations</a:t>
             </a:r>
             <a:endParaRPr b="1" sz="2000" u="sng"/>
           </a:p>
@@ -19438,13 +21473,12 @@
           <p:cNvPicPr preferRelativeResize="0"/>
           <p:nvPr/>
         </p:nvPicPr>
-        <p:blipFill>
+        <p:blipFill rotWithShape="1">
           <a:blip r:embed="rId3">
             <a:alphaModFix/>
           </a:blip>
-          <a:stretch>
-            <a:fillRect/>
-          </a:stretch>
+          <a:srcRect b="0" l="0" r="0" t="0"/>
+          <a:stretch/>
         </p:blipFill>
         <p:spPr>
           <a:xfrm>
@@ -19466,13 +21500,12 @@
           <p:cNvPicPr preferRelativeResize="0"/>
           <p:nvPr/>
         </p:nvPicPr>
-        <p:blipFill>
+        <p:blipFill rotWithShape="1">
           <a:blip r:embed="rId4">
             <a:alphaModFix/>
           </a:blip>
-          <a:stretch>
-            <a:fillRect/>
-          </a:stretch>
+          <a:srcRect b="0" l="0" r="0" t="0"/>
+          <a:stretch/>
         </p:blipFill>
         <p:spPr>
           <a:xfrm>
@@ -19519,13 +21552,12 @@
           <p:cNvPicPr preferRelativeResize="0"/>
           <p:nvPr/>
         </p:nvPicPr>
-        <p:blipFill>
+        <p:blipFill rotWithShape="1">
           <a:blip r:embed="rId3">
             <a:alphaModFix/>
           </a:blip>
-          <a:stretch>
-            <a:fillRect/>
-          </a:stretch>
+          <a:srcRect b="0" l="0" r="0" t="0"/>
+          <a:stretch/>
         </p:blipFill>
         <p:spPr>
           <a:xfrm>
@@ -20045,7 +22077,7 @@
         <p:spPr>
           <a:xfrm>
             <a:off x="118000" y="1513550"/>
-            <a:ext cx="12585300" cy="1651800"/>
+            <a:ext cx="12585299" cy="1651800"/>
           </a:xfrm>
           <a:prstGeom prst="rect">
             <a:avLst/>
@@ -20061,17 +22093,25 @@
           </a:bodyPr>
           <a:lstStyle/>
           <a:p>
-            <a:pPr indent="0" lvl="0" marL="0" rtl="0" algn="l">
+            <a:pPr indent="0" lvl="0" marL="0" marR="0" rtl="0" algn="l">
+              <a:lnSpc>
+                <a:spcPct val="100000"/>
+              </a:lnSpc>
               <a:spcBef>
                 <a:spcPts val="800"/>
               </a:spcBef>
               <a:spcAft>
                 <a:spcPts val="0"/>
               </a:spcAft>
-              <a:buNone/>
-            </a:pPr>
-            <a:r>
-              <a:rPr lang="en-US" sz="2000">
+              <a:buClr>
+                <a:srgbClr val="000000"/>
+              </a:buClr>
+              <a:buSzPts val="2000"/>
+              <a:buFont typeface="Arial"/>
+              <a:buNone/>
+            </a:pPr>
+            <a:r>
+              <a:rPr b="0" i="0" lang="en-US" sz="2000" u="none" cap="none" strike="noStrike">
                 <a:solidFill>
                   <a:schemeClr val="dk1"/>
                 </a:solidFill>
@@ -20082,7 +22122,15 @@
               </a:rPr>
               <a:t>Estimates the Monte Carlo Value at Risk (MC VaR) of a portfolio. We use the geometric Brownian motion (GBM) method to simulate stock price paths, but more advanced assets can be integrated thanks to the Quantlib C++ lib.</a:t>
             </a:r>
-            <a:endParaRPr sz="2000"/>
+            <a:endParaRPr b="0" i="0" sz="2000" u="none" cap="none" strike="noStrike">
+              <a:solidFill>
+                <a:srgbClr val="000000"/>
+              </a:solidFill>
+              <a:latin typeface="Arial"/>
+              <a:ea typeface="Arial"/>
+              <a:cs typeface="Arial"/>
+              <a:sym typeface="Arial"/>
+            </a:endParaRPr>
           </a:p>
         </p:txBody>
       </p:sp>
@@ -20504,13 +22552,12 @@
           <p:cNvPicPr preferRelativeResize="0"/>
           <p:nvPr/>
         </p:nvPicPr>
-        <p:blipFill>
+        <p:blipFill rotWithShape="1">
           <a:blip r:embed="rId3">
             <a:alphaModFix/>
           </a:blip>
-          <a:stretch>
-            <a:fillRect/>
-          </a:stretch>
+          <a:srcRect b="0" l="0" r="0" t="0"/>
+          <a:stretch/>
         </p:blipFill>
         <p:spPr>
           <a:xfrm>
@@ -21102,17 +23149,25 @@
           </a:bodyPr>
           <a:lstStyle/>
           <a:p>
-            <a:pPr indent="0" lvl="0" marL="0" rtl="0" algn="l">
+            <a:pPr indent="0" lvl="0" marL="0" marR="0" rtl="0" algn="l">
+              <a:lnSpc>
+                <a:spcPct val="100000"/>
+              </a:lnSpc>
               <a:spcBef>
                 <a:spcPts val="800"/>
               </a:spcBef>
               <a:spcAft>
                 <a:spcPts val="0"/>
               </a:spcAft>
-              <a:buNone/>
-            </a:pPr>
-            <a:r>
-              <a:rPr lang="en-US" sz="2000">
+              <a:buClr>
+                <a:srgbClr val="000000"/>
+              </a:buClr>
+              <a:buSzPts val="2000"/>
+              <a:buFont typeface="Arial"/>
+              <a:buNone/>
+            </a:pPr>
+            <a:r>
+              <a:rPr b="0" i="0" lang="en-US" sz="2000" u="none" cap="none" strike="noStrike">
                 <a:solidFill>
                   <a:schemeClr val="dk1"/>
                 </a:solidFill>
@@ -21121,21 +23176,17 @@
                 <a:cs typeface="Helvetica Neue"/>
                 <a:sym typeface="Helvetica Neue"/>
               </a:rPr>
-              <a:t>E</a:t>
-            </a:r>
-            <a:r>
-              <a:rPr lang="en-US" sz="2000">
-                <a:solidFill>
-                  <a:schemeClr val="dk1"/>
-                </a:solidFill>
-                <a:latin typeface="Helvetica Neue"/>
-                <a:ea typeface="Helvetica Neue"/>
-                <a:cs typeface="Helvetica Neue"/>
-                <a:sym typeface="Helvetica Neue"/>
-              </a:rPr>
-              <a:t>stimates the incremental VaR (iVaR) for each asset of the portfolio. iVaR quantifies the risk a position (or sub-portfolio) is adding to a portfolio. For instance, the iVaR related to an asset Y, is the difference between the portfolio VaR with and without Y.</a:t>
-            </a:r>
-            <a:endParaRPr sz="2000"/>
+              <a:t>Estimates the incremental VaR (iVaR) for each asset of the portfolio. iVaR quantifies the risk a position (or sub-portfolio) is adding to a portfolio. For instance, the iVaR related to an asset Y, is the difference between the portfolio VaR with and without Y.</a:t>
+            </a:r>
+            <a:endParaRPr b="0" i="0" sz="2000" u="none" cap="none" strike="noStrike">
+              <a:solidFill>
+                <a:srgbClr val="000000"/>
+              </a:solidFill>
+              <a:latin typeface="Arial"/>
+              <a:ea typeface="Arial"/>
+              <a:cs typeface="Arial"/>
+              <a:sym typeface="Arial"/>
+            </a:endParaRPr>
           </a:p>
         </p:txBody>
       </p:sp>
@@ -21145,13 +23196,12 @@
           <p:cNvPicPr preferRelativeResize="0"/>
           <p:nvPr/>
         </p:nvPicPr>
-        <p:blipFill>
+        <p:blipFill rotWithShape="1">
           <a:blip r:embed="rId3">
             <a:alphaModFix/>
           </a:blip>
-          <a:stretch>
-            <a:fillRect/>
-          </a:stretch>
+          <a:srcRect b="0" l="0" r="0" t="0"/>
+          <a:stretch/>
         </p:blipFill>
         <p:spPr>
           <a:xfrm>
@@ -22164,7 +24214,15 @@
               <a:t>Perform the MC VaR like </a:t>
             </a:r>
             <a:r>
-              <a:rPr b="1" lang="en-US" sz="1800"/>
+              <a:rPr b="1" i="0" lang="en-US" sz="1800" u="none" cap="none" strike="noStrike">
+                <a:solidFill>
+                  <a:srgbClr val="000000"/>
+                </a:solidFill>
+                <a:latin typeface="Arial"/>
+                <a:ea typeface="Arial"/>
+                <a:cs typeface="Arial"/>
+                <a:sym typeface="Arial"/>
+              </a:rPr>
               <a:t>Monte_Carlo_VaR_portfolio.xml</a:t>
             </a:r>
             <a:endParaRPr b="1" i="0" sz="1800" u="none" cap="none" strike="noStrike">
@@ -22245,13 +24303,12 @@
           <p:cNvPicPr preferRelativeResize="0"/>
           <p:nvPr/>
         </p:nvPicPr>
-        <p:blipFill>
+        <p:blipFill rotWithShape="1">
           <a:blip r:embed="rId3">
             <a:alphaModFix/>
           </a:blip>
-          <a:stretch>
-            <a:fillRect/>
-          </a:stretch>
+          <a:srcRect b="0" l="0" r="0" t="0"/>
+          <a:stretch/>
         </p:blipFill>
         <p:spPr>
           <a:xfrm>
@@ -22335,7 +24392,7 @@
         <p:spPr>
           <a:xfrm>
             <a:off x="152400" y="6084190"/>
-            <a:ext cx="12700000" cy="1610699"/>
+            <a:ext cx="12700001" cy="1610699"/>
           </a:xfrm>
           <a:prstGeom prst="rect">
             <a:avLst/>
@@ -22641,15 +24698,7 @@
             </a:pPr>
             <a:r>
               <a:rPr lang="en-US" sz="1200"/>
-              <a:t>file to describe assets params, a line per asset: start price, </a:t>
-            </a:r>
-            <a:r>
-              <a:rPr lang="en-US" sz="1200"/>
-              <a:t>drift rate (yearly return)</a:t>
-            </a:r>
-            <a:r>
-              <a:rPr lang="en-US" sz="1200"/>
-              <a:t>, volatility rate (yearly return), weight</a:t>
+              <a:t>file to describe assets params, a line per asset: start price, drift rate (yearly return), volatility rate (yearly return), weight</a:t>
             </a:r>
             <a:endParaRPr sz="1200">
               <a:solidFill>
@@ -22803,17 +24852,25 @@
           </a:bodyPr>
           <a:lstStyle/>
           <a:p>
-            <a:pPr indent="0" lvl="0" marL="0" rtl="0" algn="l">
+            <a:pPr indent="0" lvl="0" marL="0" marR="0" rtl="0" algn="l">
+              <a:lnSpc>
+                <a:spcPct val="100000"/>
+              </a:lnSpc>
               <a:spcBef>
                 <a:spcPts val="800"/>
               </a:spcBef>
               <a:spcAft>
                 <a:spcPts val="0"/>
               </a:spcAft>
-              <a:buNone/>
-            </a:pPr>
-            <a:r>
-              <a:rPr lang="en-US" sz="2400">
+              <a:buClr>
+                <a:srgbClr val="000000"/>
+              </a:buClr>
+              <a:buSzPts val="2400"/>
+              <a:buFont typeface="Arial"/>
+              <a:buNone/>
+            </a:pPr>
+            <a:r>
+              <a:rPr b="0" i="0" lang="en-US" sz="2400" u="none" cap="none" strike="noStrike">
                 <a:solidFill>
                   <a:schemeClr val="dk1"/>
                 </a:solidFill>
@@ -22822,21 +24879,17 @@
                 <a:cs typeface="Helvetica Neue"/>
                 <a:sym typeface="Helvetica Neue"/>
               </a:rPr>
-              <a:t>E</a:t>
-            </a:r>
-            <a:r>
-              <a:rPr lang="en-US" sz="2400">
-                <a:solidFill>
-                  <a:schemeClr val="dk1"/>
-                </a:solidFill>
-                <a:latin typeface="Helvetica Neue"/>
-                <a:ea typeface="Helvetica Neue"/>
-                <a:cs typeface="Helvetica Neue"/>
-                <a:sym typeface="Helvetica Neue"/>
-              </a:rPr>
-              <a:t>stimates the portfolio PnL (Profit and Loss) over stressed volatilities and risk free rates.</a:t>
-            </a:r>
-            <a:endParaRPr/>
+              <a:t>Estimates the portfolio PnL (Profit and Loss) over stressed volatilities and risk free rates.</a:t>
+            </a:r>
+            <a:endParaRPr b="0" i="0" sz="1400" u="none" cap="none" strike="noStrike">
+              <a:solidFill>
+                <a:srgbClr val="000000"/>
+              </a:solidFill>
+              <a:latin typeface="Arial"/>
+              <a:ea typeface="Arial"/>
+              <a:cs typeface="Arial"/>
+              <a:sym typeface="Arial"/>
+            </a:endParaRPr>
           </a:p>
         </p:txBody>
       </p:sp>
@@ -22846,13 +24899,12 @@
           <p:cNvPicPr preferRelativeResize="0"/>
           <p:nvPr/>
         </p:nvPicPr>
-        <p:blipFill>
+        <p:blipFill rotWithShape="1">
           <a:blip r:embed="rId3">
             <a:alphaModFix/>
           </a:blip>
-          <a:stretch>
-            <a:fillRect/>
-          </a:stretch>
+          <a:srcRect b="0" l="0" r="0" t="0"/>
+          <a:stretch/>
         </p:blipFill>
         <p:spPr>
           <a:xfrm>

--- a/Finance/resources/doc/dev/risk-valuation-proactive.pptx
+++ b/Finance/resources/doc/dev/risk-valuation-proactive.pptx
@@ -374,10 +374,10 @@
                 <a:solidFill>
                   <a:srgbClr val="000000"/>
                 </a:solidFill>
-                <a:latin typeface="Avenir"/>
-                <a:ea typeface="Avenir"/>
-                <a:cs typeface="Avenir"/>
-                <a:sym typeface="Avenir"/>
+                <a:latin typeface="Arial"/>
+                <a:ea typeface="Arial"/>
+                <a:cs typeface="Arial"/>
+                <a:sym typeface="Arial"/>
               </a:defRPr>
             </a:lvl1pPr>
             <a:lvl2pPr indent="-228600" lvl="1" marL="914400" marR="0" rtl="0" algn="l">
@@ -400,10 +400,10 @@
                 <a:solidFill>
                   <a:srgbClr val="000000"/>
                 </a:solidFill>
-                <a:latin typeface="Avenir"/>
-                <a:ea typeface="Avenir"/>
-                <a:cs typeface="Avenir"/>
-                <a:sym typeface="Avenir"/>
+                <a:latin typeface="Arial"/>
+                <a:ea typeface="Arial"/>
+                <a:cs typeface="Arial"/>
+                <a:sym typeface="Arial"/>
               </a:defRPr>
             </a:lvl2pPr>
             <a:lvl3pPr indent="-228600" lvl="2" marL="1371600" marR="0" rtl="0" algn="l">
@@ -426,10 +426,10 @@
                 <a:solidFill>
                   <a:srgbClr val="000000"/>
                 </a:solidFill>
-                <a:latin typeface="Avenir"/>
-                <a:ea typeface="Avenir"/>
-                <a:cs typeface="Avenir"/>
-                <a:sym typeface="Avenir"/>
+                <a:latin typeface="Arial"/>
+                <a:ea typeface="Arial"/>
+                <a:cs typeface="Arial"/>
+                <a:sym typeface="Arial"/>
               </a:defRPr>
             </a:lvl3pPr>
             <a:lvl4pPr indent="-228600" lvl="3" marL="1828800" marR="0" rtl="0" algn="l">
@@ -452,10 +452,10 @@
                 <a:solidFill>
                   <a:srgbClr val="000000"/>
                 </a:solidFill>
-                <a:latin typeface="Avenir"/>
-                <a:ea typeface="Avenir"/>
-                <a:cs typeface="Avenir"/>
-                <a:sym typeface="Avenir"/>
+                <a:latin typeface="Arial"/>
+                <a:ea typeface="Arial"/>
+                <a:cs typeface="Arial"/>
+                <a:sym typeface="Arial"/>
               </a:defRPr>
             </a:lvl4pPr>
             <a:lvl5pPr indent="-228600" lvl="4" marL="2286000" marR="0" rtl="0" algn="l">
@@ -478,10 +478,10 @@
                 <a:solidFill>
                   <a:srgbClr val="000000"/>
                 </a:solidFill>
-                <a:latin typeface="Avenir"/>
-                <a:ea typeface="Avenir"/>
-                <a:cs typeface="Avenir"/>
-                <a:sym typeface="Avenir"/>
+                <a:latin typeface="Arial"/>
+                <a:ea typeface="Arial"/>
+                <a:cs typeface="Arial"/>
+                <a:sym typeface="Arial"/>
               </a:defRPr>
             </a:lvl5pPr>
             <a:lvl6pPr indent="-228600" lvl="5" marL="2743200" marR="0" rtl="0" algn="l">
@@ -504,10 +504,10 @@
                 <a:solidFill>
                   <a:srgbClr val="000000"/>
                 </a:solidFill>
-                <a:latin typeface="Avenir"/>
-                <a:ea typeface="Avenir"/>
-                <a:cs typeface="Avenir"/>
-                <a:sym typeface="Avenir"/>
+                <a:latin typeface="Arial"/>
+                <a:ea typeface="Arial"/>
+                <a:cs typeface="Arial"/>
+                <a:sym typeface="Arial"/>
               </a:defRPr>
             </a:lvl6pPr>
             <a:lvl7pPr indent="-228600" lvl="6" marL="3200400" marR="0" rtl="0" algn="l">
@@ -530,10 +530,10 @@
                 <a:solidFill>
                   <a:srgbClr val="000000"/>
                 </a:solidFill>
-                <a:latin typeface="Avenir"/>
-                <a:ea typeface="Avenir"/>
-                <a:cs typeface="Avenir"/>
-                <a:sym typeface="Avenir"/>
+                <a:latin typeface="Arial"/>
+                <a:ea typeface="Arial"/>
+                <a:cs typeface="Arial"/>
+                <a:sym typeface="Arial"/>
               </a:defRPr>
             </a:lvl7pPr>
             <a:lvl8pPr indent="-228600" lvl="7" marL="3657600" marR="0" rtl="0" algn="l">
@@ -556,10 +556,10 @@
                 <a:solidFill>
                   <a:srgbClr val="000000"/>
                 </a:solidFill>
-                <a:latin typeface="Avenir"/>
-                <a:ea typeface="Avenir"/>
-                <a:cs typeface="Avenir"/>
-                <a:sym typeface="Avenir"/>
+                <a:latin typeface="Arial"/>
+                <a:ea typeface="Arial"/>
+                <a:cs typeface="Arial"/>
+                <a:sym typeface="Arial"/>
               </a:defRPr>
             </a:lvl8pPr>
             <a:lvl9pPr indent="-228600" lvl="8" marL="4114800" marR="0" rtl="0" algn="l">
@@ -582,10 +582,10 @@
                 <a:solidFill>
                   <a:srgbClr val="000000"/>
                 </a:solidFill>
-                <a:latin typeface="Avenir"/>
-                <a:ea typeface="Avenir"/>
-                <a:cs typeface="Avenir"/>
-                <a:sym typeface="Avenir"/>
+                <a:latin typeface="Arial"/>
+                <a:ea typeface="Arial"/>
+                <a:cs typeface="Arial"/>
+                <a:sym typeface="Arial"/>
               </a:defRPr>
             </a:lvl9pPr>
           </a:lstStyle>
@@ -3158,10 +3158,10 @@
                 <a:solidFill>
                   <a:schemeClr val="lt1"/>
                 </a:solidFill>
-                <a:latin typeface="Calibri"/>
-                <a:ea typeface="Calibri"/>
-                <a:cs typeface="Calibri"/>
-                <a:sym typeface="Calibri"/>
+                <a:latin typeface="Arial"/>
+                <a:ea typeface="Arial"/>
+                <a:cs typeface="Arial"/>
+                <a:sym typeface="Arial"/>
               </a:rPr>
               <a:t>‹#›</a:t>
             </a:fld>
@@ -3169,10 +3169,10 @@
               <a:solidFill>
                 <a:schemeClr val="lt1"/>
               </a:solidFill>
-              <a:latin typeface="Calibri"/>
-              <a:ea typeface="Calibri"/>
-              <a:cs typeface="Calibri"/>
-              <a:sym typeface="Calibri"/>
+              <a:latin typeface="Arial"/>
+              <a:ea typeface="Arial"/>
+              <a:cs typeface="Arial"/>
+              <a:sym typeface="Arial"/>
             </a:endParaRPr>
           </a:p>
         </p:txBody>
@@ -11085,7 +11085,7 @@
           <a:effectLst>
             <a:outerShdw blurRad="57150" rotWithShape="0" algn="bl" dir="5400000" dist="19050">
               <a:srgbClr val="000000">
-                <a:alpha val="49803"/>
+                <a:alpha val="49411"/>
               </a:srgbClr>
             </a:outerShdw>
           </a:effectLst>
@@ -11159,7 +11159,7 @@
           <a:effectLst>
             <a:outerShdw blurRad="57150" rotWithShape="0" algn="bl" dir="5400000" dist="19050">
               <a:srgbClr val="000000">
-                <a:alpha val="49803"/>
+                <a:alpha val="49411"/>
               </a:srgbClr>
             </a:outerShdw>
           </a:effectLst>
@@ -11233,7 +11233,7 @@
           <a:effectLst>
             <a:outerShdw blurRad="57150" rotWithShape="0" algn="bl" dir="5400000" dist="19050">
               <a:srgbClr val="000000">
-                <a:alpha val="49803"/>
+                <a:alpha val="49411"/>
               </a:srgbClr>
             </a:outerShdw>
           </a:effectLst>
@@ -11307,7 +11307,7 @@
           <a:effectLst>
             <a:outerShdw blurRad="57150" rotWithShape="0" algn="bl" dir="5400000" dist="19050">
               <a:srgbClr val="000000">
-                <a:alpha val="49803"/>
+                <a:alpha val="49411"/>
               </a:srgbClr>
             </a:outerShdw>
           </a:effectLst>
@@ -11381,7 +11381,7 @@
           <a:effectLst>
             <a:outerShdw blurRad="57150" rotWithShape="0" algn="bl" dir="5400000" dist="19050">
               <a:srgbClr val="000000">
-                <a:alpha val="49803"/>
+                <a:alpha val="49411"/>
               </a:srgbClr>
             </a:outerShdw>
           </a:effectLst>
@@ -11455,7 +11455,7 @@
           <a:effectLst>
             <a:outerShdw blurRad="57150" rotWithShape="0" algn="bl" dir="5400000" dist="19050">
               <a:srgbClr val="000000">
-                <a:alpha val="49803"/>
+                <a:alpha val="49411"/>
               </a:srgbClr>
             </a:outerShdw>
           </a:effectLst>
@@ -11529,7 +11529,7 @@
           <a:effectLst>
             <a:outerShdw blurRad="57150" rotWithShape="0" algn="bl" dir="5400000" dist="19050">
               <a:srgbClr val="000000">
-                <a:alpha val="49803"/>
+                <a:alpha val="49411"/>
               </a:srgbClr>
             </a:outerShdw>
           </a:effectLst>
@@ -11603,7 +11603,7 @@
           <a:effectLst>
             <a:outerShdw blurRad="57150" rotWithShape="0" algn="bl" dir="5400000" dist="19050">
               <a:srgbClr val="000000">
-                <a:alpha val="49803"/>
+                <a:alpha val="49411"/>
               </a:srgbClr>
             </a:outerShdw>
           </a:effectLst>
@@ -11677,7 +11677,7 @@
           <a:effectLst>
             <a:outerShdw blurRad="57150" rotWithShape="0" algn="bl" dir="5400000" dist="19050">
               <a:srgbClr val="000000">
-                <a:alpha val="49803"/>
+                <a:alpha val="49411"/>
               </a:srgbClr>
             </a:outerShdw>
           </a:effectLst>
@@ -11751,7 +11751,7 @@
           <a:effectLst>
             <a:outerShdw blurRad="57150" rotWithShape="0" algn="bl" dir="5400000" dist="19050">
               <a:srgbClr val="000000">
-                <a:alpha val="49803"/>
+                <a:alpha val="49411"/>
               </a:srgbClr>
             </a:outerShdw>
           </a:effectLst>
@@ -11825,7 +11825,7 @@
           <a:effectLst>
             <a:outerShdw blurRad="57150" rotWithShape="0" algn="bl" dir="5400000" dist="19050">
               <a:srgbClr val="000000">
-                <a:alpha val="49803"/>
+                <a:alpha val="49411"/>
               </a:srgbClr>
             </a:outerShdw>
           </a:effectLst>
@@ -11899,7 +11899,7 @@
           <a:effectLst>
             <a:outerShdw blurRad="57150" rotWithShape="0" algn="bl" dir="5400000" dist="19050">
               <a:srgbClr val="000000">
-                <a:alpha val="49803"/>
+                <a:alpha val="49411"/>
               </a:srgbClr>
             </a:outerShdw>
           </a:effectLst>
@@ -11973,7 +11973,7 @@
           <a:effectLst>
             <a:outerShdw blurRad="57150" rotWithShape="0" algn="bl" dir="5400000" dist="19050">
               <a:srgbClr val="000000">
-                <a:alpha val="49803"/>
+                <a:alpha val="49411"/>
               </a:srgbClr>
             </a:outerShdw>
           </a:effectLst>
@@ -12047,7 +12047,7 @@
           <a:effectLst>
             <a:outerShdw blurRad="57150" rotWithShape="0" algn="bl" dir="5400000" dist="19050">
               <a:srgbClr val="000000">
-                <a:alpha val="49803"/>
+                <a:alpha val="49411"/>
               </a:srgbClr>
             </a:outerShdw>
           </a:effectLst>
@@ -12121,7 +12121,7 @@
           <a:effectLst>
             <a:outerShdw blurRad="57150" rotWithShape="0" algn="bl" dir="5400000" dist="19050">
               <a:srgbClr val="000000">
-                <a:alpha val="49803"/>
+                <a:alpha val="49411"/>
               </a:srgbClr>
             </a:outerShdw>
           </a:effectLst>
@@ -12195,7 +12195,7 @@
           <a:effectLst>
             <a:outerShdw blurRad="57150" rotWithShape="0" algn="bl" dir="5400000" dist="19050">
               <a:srgbClr val="000000">
-                <a:alpha val="49803"/>
+                <a:alpha val="49411"/>
               </a:srgbClr>
             </a:outerShdw>
           </a:effectLst>
@@ -12269,7 +12269,7 @@
           <a:effectLst>
             <a:outerShdw blurRad="57150" rotWithShape="0" algn="bl" dir="5400000" dist="19050">
               <a:srgbClr val="000000">
-                <a:alpha val="49803"/>
+                <a:alpha val="49411"/>
               </a:srgbClr>
             </a:outerShdw>
           </a:effectLst>
@@ -12343,7 +12343,7 @@
           <a:effectLst>
             <a:outerShdw blurRad="57150" rotWithShape="0" algn="bl" dir="5400000" dist="19050">
               <a:srgbClr val="000000">
-                <a:alpha val="49803"/>
+                <a:alpha val="49411"/>
               </a:srgbClr>
             </a:outerShdw>
           </a:effectLst>
@@ -12417,7 +12417,7 @@
           <a:effectLst>
             <a:outerShdw blurRad="57150" rotWithShape="0" algn="bl" dir="5400000" dist="19050">
               <a:srgbClr val="000000">
-                <a:alpha val="49803"/>
+                <a:alpha val="49411"/>
               </a:srgbClr>
             </a:outerShdw>
           </a:effectLst>
@@ -12491,7 +12491,7 @@
           <a:effectLst>
             <a:outerShdw blurRad="57150" rotWithShape="0" algn="bl" dir="5400000" dist="19050">
               <a:srgbClr val="000000">
-                <a:alpha val="49803"/>
+                <a:alpha val="49411"/>
               </a:srgbClr>
             </a:outerShdw>
           </a:effectLst>
@@ -12565,7 +12565,7 @@
           <a:effectLst>
             <a:outerShdw blurRad="57150" rotWithShape="0" algn="bl" dir="5400000" dist="19050">
               <a:srgbClr val="000000">
-                <a:alpha val="49803"/>
+                <a:alpha val="49411"/>
               </a:srgbClr>
             </a:outerShdw>
           </a:effectLst>
@@ -12639,7 +12639,7 @@
           <a:effectLst>
             <a:outerShdw blurRad="57150" rotWithShape="0" algn="bl" dir="5400000" dist="19050">
               <a:srgbClr val="000000">
-                <a:alpha val="49803"/>
+                <a:alpha val="49411"/>
               </a:srgbClr>
             </a:outerShdw>
           </a:effectLst>
@@ -12713,7 +12713,7 @@
           <a:effectLst>
             <a:outerShdw blurRad="57150" rotWithShape="0" algn="bl" dir="5400000" dist="19050">
               <a:srgbClr val="000000">
-                <a:alpha val="49803"/>
+                <a:alpha val="49411"/>
               </a:srgbClr>
             </a:outerShdw>
           </a:effectLst>
@@ -12787,7 +12787,7 @@
           <a:effectLst>
             <a:outerShdw blurRad="57150" rotWithShape="0" algn="bl" dir="5400000" dist="19050">
               <a:srgbClr val="000000">
-                <a:alpha val="49803"/>
+                <a:alpha val="49411"/>
               </a:srgbClr>
             </a:outerShdw>
           </a:effectLst>
@@ -12861,7 +12861,7 @@
           <a:effectLst>
             <a:outerShdw blurRad="57150" rotWithShape="0" algn="bl" dir="5400000" dist="19050">
               <a:srgbClr val="000000">
-                <a:alpha val="49803"/>
+                <a:alpha val="49411"/>
               </a:srgbClr>
             </a:outerShdw>
           </a:effectLst>
@@ -12935,7 +12935,7 @@
           <a:effectLst>
             <a:outerShdw blurRad="57150" rotWithShape="0" algn="bl" dir="5400000" dist="19050">
               <a:srgbClr val="000000">
-                <a:alpha val="49803"/>
+                <a:alpha val="49411"/>
               </a:srgbClr>
             </a:outerShdw>
           </a:effectLst>
@@ -13009,7 +13009,7 @@
           <a:effectLst>
             <a:outerShdw blurRad="57150" rotWithShape="0" algn="bl" dir="5400000" dist="19050">
               <a:srgbClr val="000000">
-                <a:alpha val="49803"/>
+                <a:alpha val="49411"/>
               </a:srgbClr>
             </a:outerShdw>
           </a:effectLst>
@@ -13083,7 +13083,7 @@
           <a:effectLst>
             <a:outerShdw blurRad="57150" rotWithShape="0" algn="bl" dir="5400000" dist="19050">
               <a:srgbClr val="000000">
-                <a:alpha val="49803"/>
+                <a:alpha val="49411"/>
               </a:srgbClr>
             </a:outerShdw>
           </a:effectLst>
@@ -13157,7 +13157,7 @@
           <a:effectLst>
             <a:outerShdw blurRad="57150" rotWithShape="0" algn="bl" dir="5400000" dist="19050">
               <a:srgbClr val="000000">
-                <a:alpha val="49803"/>
+                <a:alpha val="49411"/>
               </a:srgbClr>
             </a:outerShdw>
           </a:effectLst>
@@ -13231,7 +13231,7 @@
           <a:effectLst>
             <a:outerShdw blurRad="57150" rotWithShape="0" algn="bl" dir="5400000" dist="19050">
               <a:srgbClr val="000000">
-                <a:alpha val="49803"/>
+                <a:alpha val="49411"/>
               </a:srgbClr>
             </a:outerShdw>
           </a:effectLst>
@@ -13305,7 +13305,7 @@
           <a:effectLst>
             <a:outerShdw blurRad="57150" rotWithShape="0" algn="bl" dir="5400000" dist="19050">
               <a:srgbClr val="000000">
-                <a:alpha val="49803"/>
+                <a:alpha val="49411"/>
               </a:srgbClr>
             </a:outerShdw>
           </a:effectLst>
@@ -13379,7 +13379,7 @@
           <a:effectLst>
             <a:outerShdw blurRad="57150" rotWithShape="0" algn="bl" dir="5400000" dist="19050">
               <a:srgbClr val="000000">
-                <a:alpha val="49803"/>
+                <a:alpha val="49411"/>
               </a:srgbClr>
             </a:outerShdw>
           </a:effectLst>
@@ -13453,7 +13453,7 @@
           <a:effectLst>
             <a:outerShdw blurRad="57150" rotWithShape="0" algn="bl" dir="5400000" dist="19050">
               <a:srgbClr val="000000">
-                <a:alpha val="49803"/>
+                <a:alpha val="49411"/>
               </a:srgbClr>
             </a:outerShdw>
           </a:effectLst>
@@ -13527,7 +13527,7 @@
           <a:effectLst>
             <a:outerShdw blurRad="57150" rotWithShape="0" algn="bl" dir="5400000" dist="19050">
               <a:srgbClr val="000000">
-                <a:alpha val="49803"/>
+                <a:alpha val="49411"/>
               </a:srgbClr>
             </a:outerShdw>
           </a:effectLst>
@@ -13601,7 +13601,7 @@
           <a:effectLst>
             <a:outerShdw blurRad="57150" rotWithShape="0" algn="bl" dir="5400000" dist="19050">
               <a:srgbClr val="000000">
-                <a:alpha val="49803"/>
+                <a:alpha val="49411"/>
               </a:srgbClr>
             </a:outerShdw>
           </a:effectLst>
@@ -13675,7 +13675,7 @@
           <a:effectLst>
             <a:outerShdw blurRad="57150" rotWithShape="0" algn="bl" dir="5400000" dist="19050">
               <a:srgbClr val="000000">
-                <a:alpha val="49803"/>
+                <a:alpha val="49411"/>
               </a:srgbClr>
             </a:outerShdw>
           </a:effectLst>
@@ -13749,7 +13749,7 @@
           <a:effectLst>
             <a:outerShdw blurRad="57150" rotWithShape="0" algn="bl" dir="5400000" dist="19050">
               <a:srgbClr val="000000">
-                <a:alpha val="49803"/>
+                <a:alpha val="49411"/>
               </a:srgbClr>
             </a:outerShdw>
           </a:effectLst>
@@ -13823,7 +13823,7 @@
           <a:effectLst>
             <a:outerShdw blurRad="57150" rotWithShape="0" algn="bl" dir="5400000" dist="19050">
               <a:srgbClr val="000000">
-                <a:alpha val="49803"/>
+                <a:alpha val="49411"/>
               </a:srgbClr>
             </a:outerShdw>
           </a:effectLst>
@@ -13897,7 +13897,7 @@
           <a:effectLst>
             <a:outerShdw blurRad="57150" rotWithShape="0" algn="bl" dir="5400000" dist="19050">
               <a:srgbClr val="000000">
-                <a:alpha val="49803"/>
+                <a:alpha val="49411"/>
               </a:srgbClr>
             </a:outerShdw>
           </a:effectLst>
@@ -13971,7 +13971,7 @@
           <a:effectLst>
             <a:outerShdw blurRad="57150" rotWithShape="0" algn="bl" dir="5400000" dist="19050">
               <a:srgbClr val="000000">
-                <a:alpha val="49803"/>
+                <a:alpha val="49411"/>
               </a:srgbClr>
             </a:outerShdw>
           </a:effectLst>
@@ -14045,7 +14045,7 @@
           <a:effectLst>
             <a:outerShdw blurRad="57150" rotWithShape="0" algn="bl" dir="5400000" dist="19050">
               <a:srgbClr val="000000">
-                <a:alpha val="49803"/>
+                <a:alpha val="49411"/>
               </a:srgbClr>
             </a:outerShdw>
           </a:effectLst>
@@ -14119,7 +14119,7 @@
           <a:effectLst>
             <a:outerShdw blurRad="57150" rotWithShape="0" algn="bl" dir="5400000" dist="19050">
               <a:srgbClr val="000000">
-                <a:alpha val="49803"/>
+                <a:alpha val="49411"/>
               </a:srgbClr>
             </a:outerShdw>
           </a:effectLst>
@@ -14193,7 +14193,7 @@
           <a:effectLst>
             <a:outerShdw blurRad="57150" rotWithShape="0" algn="bl" dir="5400000" dist="19050">
               <a:srgbClr val="000000">
-                <a:alpha val="49803"/>
+                <a:alpha val="49411"/>
               </a:srgbClr>
             </a:outerShdw>
           </a:effectLst>
@@ -14267,7 +14267,7 @@
           <a:effectLst>
             <a:outerShdw blurRad="57150" rotWithShape="0" algn="bl" dir="5400000" dist="19050">
               <a:srgbClr val="000000">
-                <a:alpha val="49803"/>
+                <a:alpha val="49411"/>
               </a:srgbClr>
             </a:outerShdw>
           </a:effectLst>
@@ -14797,7 +14797,7 @@
           <a:effectLst>
             <a:outerShdw blurRad="57150" rotWithShape="0" algn="bl" dir="5400000" dist="19050">
               <a:srgbClr val="000000">
-                <a:alpha val="49803"/>
+                <a:alpha val="49411"/>
               </a:srgbClr>
             </a:outerShdw>
           </a:effectLst>
@@ -14871,7 +14871,7 @@
           <a:effectLst>
             <a:outerShdw blurRad="57150" rotWithShape="0" algn="bl" dir="5400000" dist="19050">
               <a:srgbClr val="000000">
-                <a:alpha val="49803"/>
+                <a:alpha val="49411"/>
               </a:srgbClr>
             </a:outerShdw>
           </a:effectLst>
@@ -14945,7 +14945,7 @@
           <a:effectLst>
             <a:outerShdw blurRad="57150" rotWithShape="0" algn="bl" dir="5400000" dist="19050">
               <a:srgbClr val="000000">
-                <a:alpha val="49803"/>
+                <a:alpha val="49411"/>
               </a:srgbClr>
             </a:outerShdw>
           </a:effectLst>
@@ -15019,7 +15019,7 @@
           <a:effectLst>
             <a:outerShdw blurRad="57150" rotWithShape="0" algn="bl" dir="5400000" dist="19050">
               <a:srgbClr val="000000">
-                <a:alpha val="49803"/>
+                <a:alpha val="49411"/>
               </a:srgbClr>
             </a:outerShdw>
           </a:effectLst>
@@ -15093,7 +15093,7 @@
           <a:effectLst>
             <a:outerShdw blurRad="57150" rotWithShape="0" algn="bl" dir="5400000" dist="19050">
               <a:srgbClr val="000000">
-                <a:alpha val="49803"/>
+                <a:alpha val="49411"/>
               </a:srgbClr>
             </a:outerShdw>
           </a:effectLst>
@@ -15167,7 +15167,7 @@
           <a:effectLst>
             <a:outerShdw blurRad="57150" rotWithShape="0" algn="bl" dir="5400000" dist="19050">
               <a:srgbClr val="000000">
-                <a:alpha val="49803"/>
+                <a:alpha val="49411"/>
               </a:srgbClr>
             </a:outerShdw>
           </a:effectLst>
@@ -15241,7 +15241,7 @@
           <a:effectLst>
             <a:outerShdw blurRad="57150" rotWithShape="0" algn="bl" dir="5400000" dist="19050">
               <a:srgbClr val="000000">
-                <a:alpha val="49803"/>
+                <a:alpha val="49411"/>
               </a:srgbClr>
             </a:outerShdw>
           </a:effectLst>
@@ -15315,7 +15315,7 @@
           <a:effectLst>
             <a:outerShdw blurRad="57150" rotWithShape="0" algn="bl" dir="5400000" dist="19050">
               <a:srgbClr val="000000">
-                <a:alpha val="49803"/>
+                <a:alpha val="49411"/>
               </a:srgbClr>
             </a:outerShdw>
           </a:effectLst>
@@ -15389,7 +15389,7 @@
           <a:effectLst>
             <a:outerShdw blurRad="57150" rotWithShape="0" algn="bl" dir="5400000" dist="19050">
               <a:srgbClr val="000000">
-                <a:alpha val="49803"/>
+                <a:alpha val="49411"/>
               </a:srgbClr>
             </a:outerShdw>
           </a:effectLst>
@@ -15440,7 +15440,7 @@
         </p:nvCxnSpPr>
         <p:spPr>
           <a:xfrm>
-            <a:off x="2828838" y="3552050"/>
+            <a:off x="2295438" y="6066650"/>
             <a:ext cx="0" cy="1507800"/>
           </a:xfrm>
           <a:prstGeom prst="straightConnector1">
@@ -15555,7 +15555,7 @@
           <a:effectLst>
             <a:outerShdw blurRad="57150" rotWithShape="0" algn="bl" dir="5400000" dist="19050">
               <a:srgbClr val="000000">
-                <a:alpha val="49803"/>
+                <a:alpha val="49411"/>
               </a:srgbClr>
             </a:outerShdw>
           </a:effectLst>
@@ -15629,7 +15629,7 @@
           <a:effectLst>
             <a:outerShdw blurRad="57150" rotWithShape="0" algn="bl" dir="5400000" dist="19050">
               <a:srgbClr val="000000">
-                <a:alpha val="49803"/>
+                <a:alpha val="49411"/>
               </a:srgbClr>
             </a:outerShdw>
           </a:effectLst>
@@ -15703,7 +15703,7 @@
           <a:effectLst>
             <a:outerShdw blurRad="57150" rotWithShape="0" algn="bl" dir="5400000" dist="19050">
               <a:srgbClr val="000000">
-                <a:alpha val="49803"/>
+                <a:alpha val="49411"/>
               </a:srgbClr>
             </a:outerShdw>
           </a:effectLst>
@@ -15777,7 +15777,7 @@
           <a:effectLst>
             <a:outerShdw blurRad="57150" rotWithShape="0" algn="bl" dir="5400000" dist="19050">
               <a:srgbClr val="000000">
-                <a:alpha val="49803"/>
+                <a:alpha val="49411"/>
               </a:srgbClr>
             </a:outerShdw>
           </a:effectLst>
@@ -15851,7 +15851,7 @@
           <a:effectLst>
             <a:outerShdw blurRad="57150" rotWithShape="0" algn="bl" dir="5400000" dist="19050">
               <a:srgbClr val="000000">
-                <a:alpha val="49803"/>
+                <a:alpha val="49411"/>
               </a:srgbClr>
             </a:outerShdw>
           </a:effectLst>
@@ -15925,7 +15925,7 @@
           <a:effectLst>
             <a:outerShdw blurRad="57150" rotWithShape="0" algn="bl" dir="5400000" dist="19050">
               <a:srgbClr val="000000">
-                <a:alpha val="49803"/>
+                <a:alpha val="49411"/>
               </a:srgbClr>
             </a:outerShdw>
           </a:effectLst>
@@ -15999,7 +15999,7 @@
           <a:effectLst>
             <a:outerShdw blurRad="57150" rotWithShape="0" algn="bl" dir="5400000" dist="19050">
               <a:srgbClr val="000000">
-                <a:alpha val="49803"/>
+                <a:alpha val="49411"/>
               </a:srgbClr>
             </a:outerShdw>
           </a:effectLst>
@@ -16073,7 +16073,7 @@
           <a:effectLst>
             <a:outerShdw blurRad="57150" rotWithShape="0" algn="bl" dir="5400000" dist="19050">
               <a:srgbClr val="000000">
-                <a:alpha val="49803"/>
+                <a:alpha val="49411"/>
               </a:srgbClr>
             </a:outerShdw>
           </a:effectLst>
@@ -16147,7 +16147,7 @@
           <a:effectLst>
             <a:outerShdw blurRad="57150" rotWithShape="0" algn="bl" dir="5400000" dist="19050">
               <a:srgbClr val="000000">
-                <a:alpha val="49803"/>
+                <a:alpha val="49411"/>
               </a:srgbClr>
             </a:outerShdw>
           </a:effectLst>
@@ -16221,7 +16221,7 @@
           <a:effectLst>
             <a:outerShdw blurRad="57150" rotWithShape="0" algn="bl" dir="5400000" dist="19050">
               <a:srgbClr val="000000">
-                <a:alpha val="49803"/>
+                <a:alpha val="49411"/>
               </a:srgbClr>
             </a:outerShdw>
           </a:effectLst>
@@ -16295,7 +16295,7 @@
           <a:effectLst>
             <a:outerShdw blurRad="57150" rotWithShape="0" algn="bl" dir="5400000" dist="19050">
               <a:srgbClr val="000000">
-                <a:alpha val="49803"/>
+                <a:alpha val="49411"/>
               </a:srgbClr>
             </a:outerShdw>
           </a:effectLst>
@@ -16369,7 +16369,7 @@
           <a:effectLst>
             <a:outerShdw blurRad="57150" rotWithShape="0" algn="bl" dir="5400000" dist="19050">
               <a:srgbClr val="000000">
-                <a:alpha val="49803"/>
+                <a:alpha val="49411"/>
               </a:srgbClr>
             </a:outerShdw>
           </a:effectLst>
@@ -16443,7 +16443,7 @@
           <a:effectLst>
             <a:outerShdw blurRad="57150" rotWithShape="0" algn="bl" dir="5400000" dist="19050">
               <a:srgbClr val="000000">
-                <a:alpha val="49803"/>
+                <a:alpha val="49411"/>
               </a:srgbClr>
             </a:outerShdw>
           </a:effectLst>
@@ -16832,7 +16832,7 @@
           <a:effectLst>
             <a:outerShdw blurRad="57150" rotWithShape="0" algn="bl" dir="5400000" dist="19050">
               <a:srgbClr val="000000">
-                <a:alpha val="49803"/>
+                <a:alpha val="49411"/>
               </a:srgbClr>
             </a:outerShdw>
           </a:effectLst>
@@ -16906,7 +16906,7 @@
           <a:effectLst>
             <a:outerShdw blurRad="57150" rotWithShape="0" algn="bl" dir="5400000" dist="19050">
               <a:srgbClr val="000000">
-                <a:alpha val="49803"/>
+                <a:alpha val="49411"/>
               </a:srgbClr>
             </a:outerShdw>
           </a:effectLst>
@@ -16980,7 +16980,7 @@
           <a:effectLst>
             <a:outerShdw blurRad="57150" rotWithShape="0" algn="bl" dir="5400000" dist="19050">
               <a:srgbClr val="000000">
-                <a:alpha val="49803"/>
+                <a:alpha val="49411"/>
               </a:srgbClr>
             </a:outerShdw>
           </a:effectLst>
@@ -17054,7 +17054,7 @@
           <a:effectLst>
             <a:outerShdw blurRad="57150" rotWithShape="0" algn="bl" dir="5400000" dist="19050">
               <a:srgbClr val="000000">
-                <a:alpha val="49803"/>
+                <a:alpha val="49411"/>
               </a:srgbClr>
             </a:outerShdw>
           </a:effectLst>
@@ -17128,7 +17128,7 @@
           <a:effectLst>
             <a:outerShdw blurRad="57150" rotWithShape="0" algn="bl" dir="5400000" dist="19050">
               <a:srgbClr val="000000">
-                <a:alpha val="49803"/>
+                <a:alpha val="49411"/>
               </a:srgbClr>
             </a:outerShdw>
           </a:effectLst>
@@ -17202,7 +17202,7 @@
           <a:effectLst>
             <a:outerShdw blurRad="57150" rotWithShape="0" algn="bl" dir="5400000" dist="19050">
               <a:srgbClr val="000000">
-                <a:alpha val="49803"/>
+                <a:alpha val="49411"/>
               </a:srgbClr>
             </a:outerShdw>
           </a:effectLst>
@@ -17276,7 +17276,7 @@
           <a:effectLst>
             <a:outerShdw blurRad="57150" rotWithShape="0" algn="bl" dir="5400000" dist="19050">
               <a:srgbClr val="000000">
-                <a:alpha val="49803"/>
+                <a:alpha val="49411"/>
               </a:srgbClr>
             </a:outerShdw>
           </a:effectLst>
@@ -17350,7 +17350,7 @@
           <a:effectLst>
             <a:outerShdw blurRad="57150" rotWithShape="0" algn="bl" dir="5400000" dist="19050">
               <a:srgbClr val="000000">
-                <a:alpha val="49803"/>
+                <a:alpha val="49411"/>
               </a:srgbClr>
             </a:outerShdw>
           </a:effectLst>
@@ -17424,7 +17424,7 @@
           <a:effectLst>
             <a:outerShdw blurRad="57150" rotWithShape="0" algn="bl" dir="5400000" dist="19050">
               <a:srgbClr val="000000">
-                <a:alpha val="49803"/>
+                <a:alpha val="49411"/>
               </a:srgbClr>
             </a:outerShdw>
           </a:effectLst>
@@ -17498,7 +17498,7 @@
           <a:effectLst>
             <a:outerShdw blurRad="57150" rotWithShape="0" algn="bl" dir="5400000" dist="19050">
               <a:srgbClr val="000000">
-                <a:alpha val="49803"/>
+                <a:alpha val="49411"/>
               </a:srgbClr>
             </a:outerShdw>
           </a:effectLst>
@@ -17572,7 +17572,7 @@
           <a:effectLst>
             <a:outerShdw blurRad="57150" rotWithShape="0" algn="bl" dir="5400000" dist="19050">
               <a:srgbClr val="000000">
-                <a:alpha val="49803"/>
+                <a:alpha val="49411"/>
               </a:srgbClr>
             </a:outerShdw>
           </a:effectLst>
@@ -17646,7 +17646,7 @@
           <a:effectLst>
             <a:outerShdw blurRad="57150" rotWithShape="0" algn="bl" dir="5400000" dist="19050">
               <a:srgbClr val="000000">
-                <a:alpha val="49803"/>
+                <a:alpha val="49411"/>
               </a:srgbClr>
             </a:outerShdw>
           </a:effectLst>
@@ -17720,7 +17720,7 @@
           <a:effectLst>
             <a:outerShdw blurRad="57150" rotWithShape="0" algn="bl" dir="5400000" dist="19050">
               <a:srgbClr val="000000">
-                <a:alpha val="49803"/>
+                <a:alpha val="49411"/>
               </a:srgbClr>
             </a:outerShdw>
           </a:effectLst>
@@ -17794,7 +17794,7 @@
           <a:effectLst>
             <a:outerShdw blurRad="57150" rotWithShape="0" algn="bl" dir="5400000" dist="19050">
               <a:srgbClr val="000000">
-                <a:alpha val="49803"/>
+                <a:alpha val="49411"/>
               </a:srgbClr>
             </a:outerShdw>
           </a:effectLst>
@@ -17868,7 +17868,7 @@
           <a:effectLst>
             <a:outerShdw blurRad="57150" rotWithShape="0" algn="bl" dir="5400000" dist="19050">
               <a:srgbClr val="000000">
-                <a:alpha val="49803"/>
+                <a:alpha val="49411"/>
               </a:srgbClr>
             </a:outerShdw>
           </a:effectLst>
@@ -17942,7 +17942,7 @@
           <a:effectLst>
             <a:outerShdw blurRad="57150" rotWithShape="0" algn="bl" dir="5400000" dist="19050">
               <a:srgbClr val="000000">
-                <a:alpha val="49803"/>
+                <a:alpha val="49411"/>
               </a:srgbClr>
             </a:outerShdw>
           </a:effectLst>
@@ -18016,7 +18016,7 @@
           <a:effectLst>
             <a:outerShdw blurRad="57150" rotWithShape="0" algn="bl" dir="5400000" dist="19050">
               <a:srgbClr val="000000">
-                <a:alpha val="49803"/>
+                <a:alpha val="49411"/>
               </a:srgbClr>
             </a:outerShdw>
           </a:effectLst>
@@ -18090,7 +18090,7 @@
           <a:effectLst>
             <a:outerShdw blurRad="57150" rotWithShape="0" algn="bl" dir="5400000" dist="19050">
               <a:srgbClr val="000000">
-                <a:alpha val="49803"/>
+                <a:alpha val="49411"/>
               </a:srgbClr>
             </a:outerShdw>
           </a:effectLst>
@@ -18164,7 +18164,7 @@
           <a:effectLst>
             <a:outerShdw blurRad="57150" rotWithShape="0" algn="bl" dir="5400000" dist="19050">
               <a:srgbClr val="000000">
-                <a:alpha val="49803"/>
+                <a:alpha val="49411"/>
               </a:srgbClr>
             </a:outerShdw>
           </a:effectLst>
@@ -18238,7 +18238,7 @@
           <a:effectLst>
             <a:outerShdw blurRad="57150" rotWithShape="0" algn="bl" dir="5400000" dist="19050">
               <a:srgbClr val="000000">
-                <a:alpha val="49803"/>
+                <a:alpha val="49411"/>
               </a:srgbClr>
             </a:outerShdw>
           </a:effectLst>
@@ -18312,7 +18312,7 @@
           <a:effectLst>
             <a:outerShdw blurRad="57150" rotWithShape="0" algn="bl" dir="5400000" dist="19050">
               <a:srgbClr val="000000">
-                <a:alpha val="49803"/>
+                <a:alpha val="49411"/>
               </a:srgbClr>
             </a:outerShdw>
           </a:effectLst>
@@ -18386,7 +18386,7 @@
           <a:effectLst>
             <a:outerShdw blurRad="57150" rotWithShape="0" algn="bl" dir="5400000" dist="19050">
               <a:srgbClr val="000000">
-                <a:alpha val="49803"/>
+                <a:alpha val="49411"/>
               </a:srgbClr>
             </a:outerShdw>
           </a:effectLst>
@@ -18460,7 +18460,7 @@
           <a:effectLst>
             <a:outerShdw blurRad="57150" rotWithShape="0" algn="bl" dir="5400000" dist="19050">
               <a:srgbClr val="000000">
-                <a:alpha val="49803"/>
+                <a:alpha val="49411"/>
               </a:srgbClr>
             </a:outerShdw>
           </a:effectLst>
@@ -18534,7 +18534,7 @@
           <a:effectLst>
             <a:outerShdw blurRad="57150" rotWithShape="0" algn="bl" dir="5400000" dist="19050">
               <a:srgbClr val="000000">
-                <a:alpha val="49803"/>
+                <a:alpha val="49411"/>
               </a:srgbClr>
             </a:outerShdw>
           </a:effectLst>
@@ -18608,7 +18608,7 @@
           <a:effectLst>
             <a:outerShdw blurRad="57150" rotWithShape="0" algn="bl" dir="5400000" dist="19050">
               <a:srgbClr val="000000">
-                <a:alpha val="49803"/>
+                <a:alpha val="49411"/>
               </a:srgbClr>
             </a:outerShdw>
           </a:effectLst>
@@ -18682,7 +18682,7 @@
           <a:effectLst>
             <a:outerShdw blurRad="57150" rotWithShape="0" algn="bl" dir="5400000" dist="19050">
               <a:srgbClr val="000000">
-                <a:alpha val="49803"/>
+                <a:alpha val="49411"/>
               </a:srgbClr>
             </a:outerShdw>
           </a:effectLst>
@@ -18756,7 +18756,7 @@
           <a:effectLst>
             <a:outerShdw blurRad="57150" rotWithShape="0" algn="bl" dir="5400000" dist="19050">
               <a:srgbClr val="000000">
-                <a:alpha val="49803"/>
+                <a:alpha val="49411"/>
               </a:srgbClr>
             </a:outerShdw>
           </a:effectLst>
@@ -20911,13 +20911,12 @@
           <p:cNvPicPr preferRelativeResize="0"/>
           <p:nvPr/>
         </p:nvPicPr>
-        <p:blipFill>
+        <p:blipFill rotWithShape="1">
           <a:blip r:embed="rId5">
             <a:alphaModFix/>
           </a:blip>
-          <a:stretch>
-            <a:fillRect/>
-          </a:stretch>
+          <a:srcRect b="0" l="0" r="0" t="0"/>
+          <a:stretch/>
         </p:blipFill>
         <p:spPr>
           <a:xfrm>
@@ -24929,6 +24928,285 @@
 </file>
 
 <file path=ppt/theme/theme1.xml><?xml version="1.0" encoding="utf-8"?>
+<a:theme xmlns:a="http://schemas.openxmlformats.org/drawingml/2006/main" xmlns:r="http://schemas.openxmlformats.org/officeDocument/2006/relationships">
+  <a:themeElements>
+    <a:clrScheme name="Default">
+      <a:dk1>
+        <a:srgbClr val="000000"/>
+      </a:dk1>
+      <a:lt1>
+        <a:srgbClr val="FFFFFF"/>
+      </a:lt1>
+      <a:dk2>
+        <a:srgbClr val="158158"/>
+      </a:dk2>
+      <a:lt2>
+        <a:srgbClr val="F3F3F3"/>
+      </a:lt2>
+      <a:accent1>
+        <a:srgbClr val="058DC7"/>
+      </a:accent1>
+      <a:accent2>
+        <a:srgbClr val="50B432"/>
+      </a:accent2>
+      <a:accent3>
+        <a:srgbClr val="ED561B"/>
+      </a:accent3>
+      <a:accent4>
+        <a:srgbClr val="EDEF00"/>
+      </a:accent4>
+      <a:accent5>
+        <a:srgbClr val="24CBE5"/>
+      </a:accent5>
+      <a:accent6>
+        <a:srgbClr val="64E572"/>
+      </a:accent6>
+      <a:hlink>
+        <a:srgbClr val="2200CC"/>
+      </a:hlink>
+      <a:folHlink>
+        <a:srgbClr val="551A8B"/>
+      </a:folHlink>
+    </a:clrScheme>
+    <a:fontScheme name="Office">
+      <a:majorFont>
+        <a:latin typeface="Arial"/>
+        <a:ea typeface=""/>
+        <a:cs typeface=""/>
+        <a:font script="Jpan" typeface="ＭＳ Ｐゴシック"/>
+        <a:font script="Hang" typeface="맑은 고딕"/>
+        <a:font script="Hans" typeface="宋体"/>
+        <a:font script="Hant" typeface="新細明體"/>
+        <a:font script="Arab" typeface="Times New Roman"/>
+        <a:font script="Hebr" typeface="Times New Roman"/>
+        <a:font script="Thai" typeface="Angsana New"/>
+        <a:font script="Ethi" typeface="Nyala"/>
+        <a:font script="Beng" typeface="Vrinda"/>
+        <a:font script="Gujr" typeface="Shruti"/>
+        <a:font script="Khmr" typeface="MoolBoran"/>
+        <a:font script="Knda" typeface="Tunga"/>
+        <a:font script="Guru" typeface="Raavi"/>
+        <a:font script="Cans" typeface="Euphemia"/>
+        <a:font script="Cher" typeface="Plantagenet Cherokee"/>
+        <a:font script="Yiii" typeface="Microsoft Yi Baiti"/>
+        <a:font script="Tibt" typeface="Microsoft Himalaya"/>
+        <a:font script="Thaa" typeface="MV Boli"/>
+        <a:font script="Deva" typeface="Mangal"/>
+        <a:font script="Telu" typeface="Gautami"/>
+        <a:font script="Taml" typeface="Latha"/>
+        <a:font script="Syrc" typeface="Estrangelo Edessa"/>
+        <a:font script="Orya" typeface="Kalinga"/>
+        <a:font script="Mlym" typeface="Kartika"/>
+        <a:font script="Laoo" typeface="DokChampa"/>
+        <a:font script="Sinh" typeface="Iskoola Pota"/>
+        <a:font script="Mong" typeface="Mongolian Baiti"/>
+        <a:font script="Viet" typeface="Times New Roman"/>
+        <a:font script="Uigh" typeface="Microsoft Uighur"/>
+        <a:font script="Geor" typeface="Sylfaen"/>
+      </a:majorFont>
+      <a:minorFont>
+        <a:latin typeface="Arial"/>
+        <a:ea typeface=""/>
+        <a:cs typeface=""/>
+        <a:font script="Jpan" typeface="ＭＳ Ｐゴシック"/>
+        <a:font script="Hang" typeface="맑은 고딕"/>
+        <a:font script="Hans" typeface="宋体"/>
+        <a:font script="Hant" typeface="新細明體"/>
+        <a:font script="Arab" typeface="Arial"/>
+        <a:font script="Hebr" typeface="Arial"/>
+        <a:font script="Thai" typeface="Cordia New"/>
+        <a:font script="Ethi" typeface="Nyala"/>
+        <a:font script="Beng" typeface="Vrinda"/>
+        <a:font script="Gujr" typeface="Shruti"/>
+        <a:font script="Khmr" typeface="DaunPenh"/>
+        <a:font script="Knda" typeface="Tunga"/>
+        <a:font script="Guru" typeface="Raavi"/>
+        <a:font script="Cans" typeface="Euphemia"/>
+        <a:font script="Cher" typeface="Plantagenet Cherokee"/>
+        <a:font script="Yiii" typeface="Microsoft Yi Baiti"/>
+        <a:font script="Tibt" typeface="Microsoft Himalaya"/>
+        <a:font script="Thaa" typeface="MV Boli"/>
+        <a:font script="Deva" typeface="Mangal"/>
+        <a:font script="Telu" typeface="Gautami"/>
+        <a:font script="Taml" typeface="Latha"/>
+        <a:font script="Syrc" typeface="Estrangelo Edessa"/>
+        <a:font script="Orya" typeface="Kalinga"/>
+        <a:font script="Mlym" typeface="Kartika"/>
+        <a:font script="Laoo" typeface="DokChampa"/>
+        <a:font script="Sinh" typeface="Iskoola Pota"/>
+        <a:font script="Mong" typeface="Mongolian Baiti"/>
+        <a:font script="Viet" typeface="Arial"/>
+        <a:font script="Uigh" typeface="Microsoft Uighur"/>
+        <a:font script="Geor" typeface="Sylfaen"/>
+      </a:minorFont>
+    </a:fontScheme>
+    <a:fmtScheme name="Office">
+      <a:fillStyleLst>
+        <a:solidFill>
+          <a:schemeClr val="phClr"/>
+        </a:solidFill>
+        <a:gradFill rotWithShape="1">
+          <a:gsLst>
+            <a:gs pos="0">
+              <a:schemeClr val="phClr">
+                <a:tint val="50000"/>
+                <a:satMod val="300000"/>
+              </a:schemeClr>
+            </a:gs>
+            <a:gs pos="35000">
+              <a:schemeClr val="phClr">
+                <a:tint val="37000"/>
+                <a:satMod val="300000"/>
+              </a:schemeClr>
+            </a:gs>
+            <a:gs pos="100000">
+              <a:schemeClr val="phClr">
+                <a:tint val="15000"/>
+                <a:satMod val="350000"/>
+              </a:schemeClr>
+            </a:gs>
+          </a:gsLst>
+          <a:lin ang="16200000" scaled="1"/>
+        </a:gradFill>
+        <a:gradFill rotWithShape="1">
+          <a:gsLst>
+            <a:gs pos="0">
+              <a:schemeClr val="phClr">
+                <a:tint val="100000"/>
+                <a:shade val="100000"/>
+                <a:satMod val="130000"/>
+              </a:schemeClr>
+            </a:gs>
+            <a:gs pos="100000">
+              <a:schemeClr val="phClr">
+                <a:tint val="50000"/>
+                <a:shade val="100000"/>
+                <a:satMod val="350000"/>
+              </a:schemeClr>
+            </a:gs>
+          </a:gsLst>
+          <a:lin ang="16200000" scaled="0"/>
+        </a:gradFill>
+      </a:fillStyleLst>
+      <a:lnStyleLst>
+        <a:ln w="9525" cap="flat" cmpd="sng" algn="ctr">
+          <a:solidFill>
+            <a:schemeClr val="phClr">
+              <a:shade val="95000"/>
+              <a:satMod val="105000"/>
+            </a:schemeClr>
+          </a:solidFill>
+          <a:prstDash val="solid"/>
+        </a:ln>
+        <a:ln w="25400" cap="flat" cmpd="sng" algn="ctr">
+          <a:solidFill>
+            <a:schemeClr val="phClr"/>
+          </a:solidFill>
+          <a:prstDash val="solid"/>
+        </a:ln>
+        <a:ln w="38100" cap="flat" cmpd="sng" algn="ctr">
+          <a:solidFill>
+            <a:schemeClr val="phClr"/>
+          </a:solidFill>
+          <a:prstDash val="solid"/>
+        </a:ln>
+      </a:lnStyleLst>
+      <a:effectStyleLst>
+        <a:effectStyle>
+          <a:effectLst>
+            <a:outerShdw blurRad="40000" dist="20000" dir="5400000" rotWithShape="0">
+              <a:srgbClr val="000000">
+                <a:alpha val="38000"/>
+              </a:srgbClr>
+            </a:outerShdw>
+          </a:effectLst>
+        </a:effectStyle>
+        <a:effectStyle>
+          <a:effectLst>
+            <a:outerShdw blurRad="40000" dist="23000" dir="5400000" rotWithShape="0">
+              <a:srgbClr val="000000">
+                <a:alpha val="35000"/>
+              </a:srgbClr>
+            </a:outerShdw>
+          </a:effectLst>
+        </a:effectStyle>
+        <a:effectStyle>
+          <a:effectLst>
+            <a:outerShdw blurRad="40000" dist="23000" dir="5400000" rotWithShape="0">
+              <a:srgbClr val="000000">
+                <a:alpha val="35000"/>
+              </a:srgbClr>
+            </a:outerShdw>
+          </a:effectLst>
+          <a:scene3d>
+            <a:camera prst="orthographicFront">
+              <a:rot lat="0" lon="0" rev="0"/>
+            </a:camera>
+            <a:lightRig rig="threePt" dir="t">
+              <a:rot lat="0" lon="0" rev="1200000"/>
+            </a:lightRig>
+          </a:scene3d>
+          <a:sp3d>
+            <a:bevelT w="63500" h="25400"/>
+          </a:sp3d>
+        </a:effectStyle>
+      </a:effectStyleLst>
+      <a:bgFillStyleLst>
+        <a:solidFill>
+          <a:schemeClr val="phClr"/>
+        </a:solidFill>
+        <a:gradFill rotWithShape="1">
+          <a:gsLst>
+            <a:gs pos="0">
+              <a:schemeClr val="phClr">
+                <a:tint val="40000"/>
+                <a:satMod val="350000"/>
+              </a:schemeClr>
+            </a:gs>
+            <a:gs pos="40000">
+              <a:schemeClr val="phClr">
+                <a:tint val="45000"/>
+                <a:shade val="99000"/>
+                <a:satMod val="350000"/>
+              </a:schemeClr>
+            </a:gs>
+            <a:gs pos="100000">
+              <a:schemeClr val="phClr">
+                <a:shade val="20000"/>
+                <a:satMod val="255000"/>
+              </a:schemeClr>
+            </a:gs>
+          </a:gsLst>
+          <a:path path="circle">
+            <a:fillToRect l="50000" t="-80000" r="50000" b="180000"/>
+          </a:path>
+        </a:gradFill>
+        <a:gradFill rotWithShape="1">
+          <a:gsLst>
+            <a:gs pos="0">
+              <a:schemeClr val="phClr">
+                <a:tint val="80000"/>
+                <a:satMod val="300000"/>
+              </a:schemeClr>
+            </a:gs>
+            <a:gs pos="100000">
+              <a:schemeClr val="phClr">
+                <a:shade val="30000"/>
+                <a:satMod val="200000"/>
+              </a:schemeClr>
+            </a:gs>
+          </a:gsLst>
+          <a:path path="circle">
+            <a:fillToRect l="50000" t="50000" r="50000" b="50000"/>
+          </a:path>
+        </a:gradFill>
+      </a:bgFillStyleLst>
+    </a:fmtScheme>
+  </a:themeElements>
+</a:theme>
+</file>
+
+<file path=ppt/theme/theme2.xml><?xml version="1.0" encoding="utf-8"?>
 <a:theme xmlns:a="http://schemas.openxmlformats.org/drawingml/2006/main" xmlns:r="http://schemas.openxmlformats.org/officeDocument/2006/relationships" name="1_Activeeon Presentation Template">
   <a:themeElements>
     <a:clrScheme name="AE Blue">
@@ -25205,283 +25483,4 @@
     </a:fmtScheme>
   </a:themeElements>
 </a:theme>
-</file>
-
-<file path=ppt/theme/theme2.xml><?xml version="1.0" encoding="utf-8"?>
-<a:theme xmlns:a="http://schemas.openxmlformats.org/drawingml/2006/main" xmlns:r="http://schemas.openxmlformats.org/officeDocument/2006/relationships">
-  <a:themeElements>
-    <a:clrScheme name="Default">
-      <a:dk1>
-        <a:srgbClr val="000000"/>
-      </a:dk1>
-      <a:lt1>
-        <a:srgbClr val="FFFFFF"/>
-      </a:lt1>
-      <a:dk2>
-        <a:srgbClr val="158158"/>
-      </a:dk2>
-      <a:lt2>
-        <a:srgbClr val="F3F3F3"/>
-      </a:lt2>
-      <a:accent1>
-        <a:srgbClr val="058DC7"/>
-      </a:accent1>
-      <a:accent2>
-        <a:srgbClr val="50B432"/>
-      </a:accent2>
-      <a:accent3>
-        <a:srgbClr val="ED561B"/>
-      </a:accent3>
-      <a:accent4>
-        <a:srgbClr val="EDEF00"/>
-      </a:accent4>
-      <a:accent5>
-        <a:srgbClr val="24CBE5"/>
-      </a:accent5>
-      <a:accent6>
-        <a:srgbClr val="64E572"/>
-      </a:accent6>
-      <a:hlink>
-        <a:srgbClr val="2200CC"/>
-      </a:hlink>
-      <a:folHlink>
-        <a:srgbClr val="551A8B"/>
-      </a:folHlink>
-    </a:clrScheme>
-    <a:fontScheme name="Office">
-      <a:majorFont>
-        <a:latin typeface="Arial"/>
-        <a:ea typeface=""/>
-        <a:cs typeface=""/>
-        <a:font script="Jpan" typeface="ＭＳ Ｐゴシック"/>
-        <a:font script="Hang" typeface="맑은 고딕"/>
-        <a:font script="Hans" typeface="宋体"/>
-        <a:font script="Hant" typeface="新細明體"/>
-        <a:font script="Arab" typeface="Times New Roman"/>
-        <a:font script="Hebr" typeface="Times New Roman"/>
-        <a:font script="Thai" typeface="Angsana New"/>
-        <a:font script="Ethi" typeface="Nyala"/>
-        <a:font script="Beng" typeface="Vrinda"/>
-        <a:font script="Gujr" typeface="Shruti"/>
-        <a:font script="Khmr" typeface="MoolBoran"/>
-        <a:font script="Knda" typeface="Tunga"/>
-        <a:font script="Guru" typeface="Raavi"/>
-        <a:font script="Cans" typeface="Euphemia"/>
-        <a:font script="Cher" typeface="Plantagenet Cherokee"/>
-        <a:font script="Yiii" typeface="Microsoft Yi Baiti"/>
-        <a:font script="Tibt" typeface="Microsoft Himalaya"/>
-        <a:font script="Thaa" typeface="MV Boli"/>
-        <a:font script="Deva" typeface="Mangal"/>
-        <a:font script="Telu" typeface="Gautami"/>
-        <a:font script="Taml" typeface="Latha"/>
-        <a:font script="Syrc" typeface="Estrangelo Edessa"/>
-        <a:font script="Orya" typeface="Kalinga"/>
-        <a:font script="Mlym" typeface="Kartika"/>
-        <a:font script="Laoo" typeface="DokChampa"/>
-        <a:font script="Sinh" typeface="Iskoola Pota"/>
-        <a:font script="Mong" typeface="Mongolian Baiti"/>
-        <a:font script="Viet" typeface="Times New Roman"/>
-        <a:font script="Uigh" typeface="Microsoft Uighur"/>
-        <a:font script="Geor" typeface="Sylfaen"/>
-      </a:majorFont>
-      <a:minorFont>
-        <a:latin typeface="Arial"/>
-        <a:ea typeface=""/>
-        <a:cs typeface=""/>
-        <a:font script="Jpan" typeface="ＭＳ Ｐゴシック"/>
-        <a:font script="Hang" typeface="맑은 고딕"/>
-        <a:font script="Hans" typeface="宋体"/>
-        <a:font script="Hant" typeface="新細明體"/>
-        <a:font script="Arab" typeface="Arial"/>
-        <a:font script="Hebr" typeface="Arial"/>
-        <a:font script="Thai" typeface="Cordia New"/>
-        <a:font script="Ethi" typeface="Nyala"/>
-        <a:font script="Beng" typeface="Vrinda"/>
-        <a:font script="Gujr" typeface="Shruti"/>
-        <a:font script="Khmr" typeface="DaunPenh"/>
-        <a:font script="Knda" typeface="Tunga"/>
-        <a:font script="Guru" typeface="Raavi"/>
-        <a:font script="Cans" typeface="Euphemia"/>
-        <a:font script="Cher" typeface="Plantagenet Cherokee"/>
-        <a:font script="Yiii" typeface="Microsoft Yi Baiti"/>
-        <a:font script="Tibt" typeface="Microsoft Himalaya"/>
-        <a:font script="Thaa" typeface="MV Boli"/>
-        <a:font script="Deva" typeface="Mangal"/>
-        <a:font script="Telu" typeface="Gautami"/>
-        <a:font script="Taml" typeface="Latha"/>
-        <a:font script="Syrc" typeface="Estrangelo Edessa"/>
-        <a:font script="Orya" typeface="Kalinga"/>
-        <a:font script="Mlym" typeface="Kartika"/>
-        <a:font script="Laoo" typeface="DokChampa"/>
-        <a:font script="Sinh" typeface="Iskoola Pota"/>
-        <a:font script="Mong" typeface="Mongolian Baiti"/>
-        <a:font script="Viet" typeface="Arial"/>
-        <a:font script="Uigh" typeface="Microsoft Uighur"/>
-        <a:font script="Geor" typeface="Sylfaen"/>
-      </a:minorFont>
-    </a:fontScheme>
-    <a:fmtScheme name="Office">
-      <a:fillStyleLst>
-        <a:solidFill>
-          <a:schemeClr val="phClr"/>
-        </a:solidFill>
-        <a:gradFill rotWithShape="1">
-          <a:gsLst>
-            <a:gs pos="0">
-              <a:schemeClr val="phClr">
-                <a:tint val="50000"/>
-                <a:satMod val="300000"/>
-              </a:schemeClr>
-            </a:gs>
-            <a:gs pos="35000">
-              <a:schemeClr val="phClr">
-                <a:tint val="37000"/>
-                <a:satMod val="300000"/>
-              </a:schemeClr>
-            </a:gs>
-            <a:gs pos="100000">
-              <a:schemeClr val="phClr">
-                <a:tint val="15000"/>
-                <a:satMod val="350000"/>
-              </a:schemeClr>
-            </a:gs>
-          </a:gsLst>
-          <a:lin ang="16200000" scaled="1"/>
-        </a:gradFill>
-        <a:gradFill rotWithShape="1">
-          <a:gsLst>
-            <a:gs pos="0">
-              <a:schemeClr val="phClr">
-                <a:tint val="100000"/>
-                <a:shade val="100000"/>
-                <a:satMod val="130000"/>
-              </a:schemeClr>
-            </a:gs>
-            <a:gs pos="100000">
-              <a:schemeClr val="phClr">
-                <a:tint val="50000"/>
-                <a:shade val="100000"/>
-                <a:satMod val="350000"/>
-              </a:schemeClr>
-            </a:gs>
-          </a:gsLst>
-          <a:lin ang="16200000" scaled="0"/>
-        </a:gradFill>
-      </a:fillStyleLst>
-      <a:lnStyleLst>
-        <a:ln w="9525" cap="flat" cmpd="sng" algn="ctr">
-          <a:solidFill>
-            <a:schemeClr val="phClr">
-              <a:shade val="95000"/>
-              <a:satMod val="105000"/>
-            </a:schemeClr>
-          </a:solidFill>
-          <a:prstDash val="solid"/>
-        </a:ln>
-        <a:ln w="25400" cap="flat" cmpd="sng" algn="ctr">
-          <a:solidFill>
-            <a:schemeClr val="phClr"/>
-          </a:solidFill>
-          <a:prstDash val="solid"/>
-        </a:ln>
-        <a:ln w="38100" cap="flat" cmpd="sng" algn="ctr">
-          <a:solidFill>
-            <a:schemeClr val="phClr"/>
-          </a:solidFill>
-          <a:prstDash val="solid"/>
-        </a:ln>
-      </a:lnStyleLst>
-      <a:effectStyleLst>
-        <a:effectStyle>
-          <a:effectLst>
-            <a:outerShdw blurRad="40000" dist="20000" dir="5400000" rotWithShape="0">
-              <a:srgbClr val="000000">
-                <a:alpha val="38000"/>
-              </a:srgbClr>
-            </a:outerShdw>
-          </a:effectLst>
-        </a:effectStyle>
-        <a:effectStyle>
-          <a:effectLst>
-            <a:outerShdw blurRad="40000" dist="23000" dir="5400000" rotWithShape="0">
-              <a:srgbClr val="000000">
-                <a:alpha val="35000"/>
-              </a:srgbClr>
-            </a:outerShdw>
-          </a:effectLst>
-        </a:effectStyle>
-        <a:effectStyle>
-          <a:effectLst>
-            <a:outerShdw blurRad="40000" dist="23000" dir="5400000" rotWithShape="0">
-              <a:srgbClr val="000000">
-                <a:alpha val="35000"/>
-              </a:srgbClr>
-            </a:outerShdw>
-          </a:effectLst>
-          <a:scene3d>
-            <a:camera prst="orthographicFront">
-              <a:rot lat="0" lon="0" rev="0"/>
-            </a:camera>
-            <a:lightRig rig="threePt" dir="t">
-              <a:rot lat="0" lon="0" rev="1200000"/>
-            </a:lightRig>
-          </a:scene3d>
-          <a:sp3d>
-            <a:bevelT w="63500" h="25400"/>
-          </a:sp3d>
-        </a:effectStyle>
-      </a:effectStyleLst>
-      <a:bgFillStyleLst>
-        <a:solidFill>
-          <a:schemeClr val="phClr"/>
-        </a:solidFill>
-        <a:gradFill rotWithShape="1">
-          <a:gsLst>
-            <a:gs pos="0">
-              <a:schemeClr val="phClr">
-                <a:tint val="40000"/>
-                <a:satMod val="350000"/>
-              </a:schemeClr>
-            </a:gs>
-            <a:gs pos="40000">
-              <a:schemeClr val="phClr">
-                <a:tint val="45000"/>
-                <a:shade val="99000"/>
-                <a:satMod val="350000"/>
-              </a:schemeClr>
-            </a:gs>
-            <a:gs pos="100000">
-              <a:schemeClr val="phClr">
-                <a:shade val="20000"/>
-                <a:satMod val="255000"/>
-              </a:schemeClr>
-            </a:gs>
-          </a:gsLst>
-          <a:path path="circle">
-            <a:fillToRect l="50000" t="-80000" r="50000" b="180000"/>
-          </a:path>
-        </a:gradFill>
-        <a:gradFill rotWithShape="1">
-          <a:gsLst>
-            <a:gs pos="0">
-              <a:schemeClr val="phClr">
-                <a:tint val="80000"/>
-                <a:satMod val="300000"/>
-              </a:schemeClr>
-            </a:gs>
-            <a:gs pos="100000">
-              <a:schemeClr val="phClr">
-                <a:shade val="30000"/>
-                <a:satMod val="200000"/>
-              </a:schemeClr>
-            </a:gs>
-          </a:gsLst>
-          <a:path path="circle">
-            <a:fillToRect l="50000" t="50000" r="50000" b="50000"/>
-          </a:path>
-        </a:gradFill>
-      </a:bgFillStyleLst>
-    </a:fmtScheme>
-  </a:themeElements>
-</a:theme>
 </file>
--- a/Finance/resources/doc/dev/risk-valuation-proactive.pptx
+++ b/Finance/resources/doc/dev/risk-valuation-proactive.pptx
@@ -11085,7 +11085,7 @@
           <a:effectLst>
             <a:outerShdw blurRad="57150" rotWithShape="0" algn="bl" dir="5400000" dist="19050">
               <a:srgbClr val="000000">
-                <a:alpha val="49411"/>
+                <a:alpha val="49019"/>
               </a:srgbClr>
             </a:outerShdw>
           </a:effectLst>
@@ -11159,7 +11159,7 @@
           <a:effectLst>
             <a:outerShdw blurRad="57150" rotWithShape="0" algn="bl" dir="5400000" dist="19050">
               <a:srgbClr val="000000">
-                <a:alpha val="49411"/>
+                <a:alpha val="49019"/>
               </a:srgbClr>
             </a:outerShdw>
           </a:effectLst>
@@ -11233,7 +11233,7 @@
           <a:effectLst>
             <a:outerShdw blurRad="57150" rotWithShape="0" algn="bl" dir="5400000" dist="19050">
               <a:srgbClr val="000000">
-                <a:alpha val="49411"/>
+                <a:alpha val="49019"/>
               </a:srgbClr>
             </a:outerShdw>
           </a:effectLst>
@@ -11307,7 +11307,7 @@
           <a:effectLst>
             <a:outerShdw blurRad="57150" rotWithShape="0" algn="bl" dir="5400000" dist="19050">
               <a:srgbClr val="000000">
-                <a:alpha val="49411"/>
+                <a:alpha val="49019"/>
               </a:srgbClr>
             </a:outerShdw>
           </a:effectLst>
@@ -11381,7 +11381,7 @@
           <a:effectLst>
             <a:outerShdw blurRad="57150" rotWithShape="0" algn="bl" dir="5400000" dist="19050">
               <a:srgbClr val="000000">
-                <a:alpha val="49411"/>
+                <a:alpha val="49019"/>
               </a:srgbClr>
             </a:outerShdw>
           </a:effectLst>
@@ -11455,7 +11455,7 @@
           <a:effectLst>
             <a:outerShdw blurRad="57150" rotWithShape="0" algn="bl" dir="5400000" dist="19050">
               <a:srgbClr val="000000">
-                <a:alpha val="49411"/>
+                <a:alpha val="49019"/>
               </a:srgbClr>
             </a:outerShdw>
           </a:effectLst>
@@ -11529,7 +11529,7 @@
           <a:effectLst>
             <a:outerShdw blurRad="57150" rotWithShape="0" algn="bl" dir="5400000" dist="19050">
               <a:srgbClr val="000000">
-                <a:alpha val="49411"/>
+                <a:alpha val="49019"/>
               </a:srgbClr>
             </a:outerShdw>
           </a:effectLst>
@@ -11603,7 +11603,7 @@
           <a:effectLst>
             <a:outerShdw blurRad="57150" rotWithShape="0" algn="bl" dir="5400000" dist="19050">
               <a:srgbClr val="000000">
-                <a:alpha val="49411"/>
+                <a:alpha val="49019"/>
               </a:srgbClr>
             </a:outerShdw>
           </a:effectLst>
@@ -11677,7 +11677,7 @@
           <a:effectLst>
             <a:outerShdw blurRad="57150" rotWithShape="0" algn="bl" dir="5400000" dist="19050">
               <a:srgbClr val="000000">
-                <a:alpha val="49411"/>
+                <a:alpha val="49019"/>
               </a:srgbClr>
             </a:outerShdw>
           </a:effectLst>
@@ -11751,7 +11751,7 @@
           <a:effectLst>
             <a:outerShdw blurRad="57150" rotWithShape="0" algn="bl" dir="5400000" dist="19050">
               <a:srgbClr val="000000">
-                <a:alpha val="49411"/>
+                <a:alpha val="49019"/>
               </a:srgbClr>
             </a:outerShdw>
           </a:effectLst>
@@ -11825,7 +11825,7 @@
           <a:effectLst>
             <a:outerShdw blurRad="57150" rotWithShape="0" algn="bl" dir="5400000" dist="19050">
               <a:srgbClr val="000000">
-                <a:alpha val="49411"/>
+                <a:alpha val="49019"/>
               </a:srgbClr>
             </a:outerShdw>
           </a:effectLst>
@@ -11899,7 +11899,7 @@
           <a:effectLst>
             <a:outerShdw blurRad="57150" rotWithShape="0" algn="bl" dir="5400000" dist="19050">
               <a:srgbClr val="000000">
-                <a:alpha val="49411"/>
+                <a:alpha val="49019"/>
               </a:srgbClr>
             </a:outerShdw>
           </a:effectLst>
@@ -11973,7 +11973,7 @@
           <a:effectLst>
             <a:outerShdw blurRad="57150" rotWithShape="0" algn="bl" dir="5400000" dist="19050">
               <a:srgbClr val="000000">
-                <a:alpha val="49411"/>
+                <a:alpha val="49019"/>
               </a:srgbClr>
             </a:outerShdw>
           </a:effectLst>
@@ -12047,7 +12047,7 @@
           <a:effectLst>
             <a:outerShdw blurRad="57150" rotWithShape="0" algn="bl" dir="5400000" dist="19050">
               <a:srgbClr val="000000">
-                <a:alpha val="49411"/>
+                <a:alpha val="49019"/>
               </a:srgbClr>
             </a:outerShdw>
           </a:effectLst>
@@ -12121,7 +12121,7 @@
           <a:effectLst>
             <a:outerShdw blurRad="57150" rotWithShape="0" algn="bl" dir="5400000" dist="19050">
               <a:srgbClr val="000000">
-                <a:alpha val="49411"/>
+                <a:alpha val="49019"/>
               </a:srgbClr>
             </a:outerShdw>
           </a:effectLst>
@@ -12195,7 +12195,7 @@
           <a:effectLst>
             <a:outerShdw blurRad="57150" rotWithShape="0" algn="bl" dir="5400000" dist="19050">
               <a:srgbClr val="000000">
-                <a:alpha val="49411"/>
+                <a:alpha val="49019"/>
               </a:srgbClr>
             </a:outerShdw>
           </a:effectLst>
@@ -12269,7 +12269,7 @@
           <a:effectLst>
             <a:outerShdw blurRad="57150" rotWithShape="0" algn="bl" dir="5400000" dist="19050">
               <a:srgbClr val="000000">
-                <a:alpha val="49411"/>
+                <a:alpha val="49019"/>
               </a:srgbClr>
             </a:outerShdw>
           </a:effectLst>
@@ -12343,7 +12343,7 @@
           <a:effectLst>
             <a:outerShdw blurRad="57150" rotWithShape="0" algn="bl" dir="5400000" dist="19050">
               <a:srgbClr val="000000">
-                <a:alpha val="49411"/>
+                <a:alpha val="49019"/>
               </a:srgbClr>
             </a:outerShdw>
           </a:effectLst>
@@ -12417,7 +12417,7 @@
           <a:effectLst>
             <a:outerShdw blurRad="57150" rotWithShape="0" algn="bl" dir="5400000" dist="19050">
               <a:srgbClr val="000000">
-                <a:alpha val="49411"/>
+                <a:alpha val="49019"/>
               </a:srgbClr>
             </a:outerShdw>
           </a:effectLst>
@@ -12491,7 +12491,7 @@
           <a:effectLst>
             <a:outerShdw blurRad="57150" rotWithShape="0" algn="bl" dir="5400000" dist="19050">
               <a:srgbClr val="000000">
-                <a:alpha val="49411"/>
+                <a:alpha val="49019"/>
               </a:srgbClr>
             </a:outerShdw>
           </a:effectLst>
@@ -12565,7 +12565,7 @@
           <a:effectLst>
             <a:outerShdw blurRad="57150" rotWithShape="0" algn="bl" dir="5400000" dist="19050">
               <a:srgbClr val="000000">
-                <a:alpha val="49411"/>
+                <a:alpha val="49019"/>
               </a:srgbClr>
             </a:outerShdw>
           </a:effectLst>
@@ -12639,7 +12639,7 @@
           <a:effectLst>
             <a:outerShdw blurRad="57150" rotWithShape="0" algn="bl" dir="5400000" dist="19050">
               <a:srgbClr val="000000">
-                <a:alpha val="49411"/>
+                <a:alpha val="49019"/>
               </a:srgbClr>
             </a:outerShdw>
           </a:effectLst>
@@ -12713,7 +12713,7 @@
           <a:effectLst>
             <a:outerShdw blurRad="57150" rotWithShape="0" algn="bl" dir="5400000" dist="19050">
               <a:srgbClr val="000000">
-                <a:alpha val="49411"/>
+                <a:alpha val="49019"/>
               </a:srgbClr>
             </a:outerShdw>
           </a:effectLst>
@@ -12787,7 +12787,7 @@
           <a:effectLst>
             <a:outerShdw blurRad="57150" rotWithShape="0" algn="bl" dir="5400000" dist="19050">
               <a:srgbClr val="000000">
-                <a:alpha val="49411"/>
+                <a:alpha val="49019"/>
               </a:srgbClr>
             </a:outerShdw>
           </a:effectLst>
@@ -12861,7 +12861,7 @@
           <a:effectLst>
             <a:outerShdw blurRad="57150" rotWithShape="0" algn="bl" dir="5400000" dist="19050">
               <a:srgbClr val="000000">
-                <a:alpha val="49411"/>
+                <a:alpha val="49019"/>
               </a:srgbClr>
             </a:outerShdw>
           </a:effectLst>
@@ -12935,7 +12935,7 @@
           <a:effectLst>
             <a:outerShdw blurRad="57150" rotWithShape="0" algn="bl" dir="5400000" dist="19050">
               <a:srgbClr val="000000">
-                <a:alpha val="49411"/>
+                <a:alpha val="49019"/>
               </a:srgbClr>
             </a:outerShdw>
           </a:effectLst>
@@ -13009,7 +13009,7 @@
           <a:effectLst>
             <a:outerShdw blurRad="57150" rotWithShape="0" algn="bl" dir="5400000" dist="19050">
               <a:srgbClr val="000000">
-                <a:alpha val="49411"/>
+                <a:alpha val="49019"/>
               </a:srgbClr>
             </a:outerShdw>
           </a:effectLst>
@@ -13083,7 +13083,7 @@
           <a:effectLst>
             <a:outerShdw blurRad="57150" rotWithShape="0" algn="bl" dir="5400000" dist="19050">
               <a:srgbClr val="000000">
-                <a:alpha val="49411"/>
+                <a:alpha val="49019"/>
               </a:srgbClr>
             </a:outerShdw>
           </a:effectLst>
@@ -13157,7 +13157,7 @@
           <a:effectLst>
             <a:outerShdw blurRad="57150" rotWithShape="0" algn="bl" dir="5400000" dist="19050">
               <a:srgbClr val="000000">
-                <a:alpha val="49411"/>
+                <a:alpha val="49019"/>
               </a:srgbClr>
             </a:outerShdw>
           </a:effectLst>
@@ -13231,7 +13231,7 @@
           <a:effectLst>
             <a:outerShdw blurRad="57150" rotWithShape="0" algn="bl" dir="5400000" dist="19050">
               <a:srgbClr val="000000">
-                <a:alpha val="49411"/>
+                <a:alpha val="49019"/>
               </a:srgbClr>
             </a:outerShdw>
           </a:effectLst>
@@ -13305,7 +13305,7 @@
           <a:effectLst>
             <a:outerShdw blurRad="57150" rotWithShape="0" algn="bl" dir="5400000" dist="19050">
               <a:srgbClr val="000000">
-                <a:alpha val="49411"/>
+                <a:alpha val="49019"/>
               </a:srgbClr>
             </a:outerShdw>
           </a:effectLst>
@@ -13379,7 +13379,7 @@
           <a:effectLst>
             <a:outerShdw blurRad="57150" rotWithShape="0" algn="bl" dir="5400000" dist="19050">
               <a:srgbClr val="000000">
-                <a:alpha val="49411"/>
+                <a:alpha val="49019"/>
               </a:srgbClr>
             </a:outerShdw>
           </a:effectLst>
@@ -13453,7 +13453,7 @@
           <a:effectLst>
             <a:outerShdw blurRad="57150" rotWithShape="0" algn="bl" dir="5400000" dist="19050">
               <a:srgbClr val="000000">
-                <a:alpha val="49411"/>
+                <a:alpha val="49019"/>
               </a:srgbClr>
             </a:outerShdw>
           </a:effectLst>
@@ -13527,7 +13527,7 @@
           <a:effectLst>
             <a:outerShdw blurRad="57150" rotWithShape="0" algn="bl" dir="5400000" dist="19050">
               <a:srgbClr val="000000">
-                <a:alpha val="49411"/>
+                <a:alpha val="49019"/>
               </a:srgbClr>
             </a:outerShdw>
           </a:effectLst>
@@ -13601,7 +13601,7 @@
           <a:effectLst>
             <a:outerShdw blurRad="57150" rotWithShape="0" algn="bl" dir="5400000" dist="19050">
               <a:srgbClr val="000000">
-                <a:alpha val="49411"/>
+                <a:alpha val="49019"/>
               </a:srgbClr>
             </a:outerShdw>
           </a:effectLst>
@@ -13675,7 +13675,7 @@
           <a:effectLst>
             <a:outerShdw blurRad="57150" rotWithShape="0" algn="bl" dir="5400000" dist="19050">
               <a:srgbClr val="000000">
-                <a:alpha val="49411"/>
+                <a:alpha val="49019"/>
               </a:srgbClr>
             </a:outerShdw>
           </a:effectLst>
@@ -13749,7 +13749,7 @@
           <a:effectLst>
             <a:outerShdw blurRad="57150" rotWithShape="0" algn="bl" dir="5400000" dist="19050">
               <a:srgbClr val="000000">
-                <a:alpha val="49411"/>
+                <a:alpha val="49019"/>
               </a:srgbClr>
             </a:outerShdw>
           </a:effectLst>
@@ -13823,7 +13823,7 @@
           <a:effectLst>
             <a:outerShdw blurRad="57150" rotWithShape="0" algn="bl" dir="5400000" dist="19050">
               <a:srgbClr val="000000">
-                <a:alpha val="49411"/>
+                <a:alpha val="49019"/>
               </a:srgbClr>
             </a:outerShdw>
           </a:effectLst>
@@ -13897,7 +13897,7 @@
           <a:effectLst>
             <a:outerShdw blurRad="57150" rotWithShape="0" algn="bl" dir="5400000" dist="19050">
               <a:srgbClr val="000000">
-                <a:alpha val="49411"/>
+                <a:alpha val="49019"/>
               </a:srgbClr>
             </a:outerShdw>
           </a:effectLst>
@@ -13971,7 +13971,7 @@
           <a:effectLst>
             <a:outerShdw blurRad="57150" rotWithShape="0" algn="bl" dir="5400000" dist="19050">
               <a:srgbClr val="000000">
-                <a:alpha val="49411"/>
+                <a:alpha val="49019"/>
               </a:srgbClr>
             </a:outerShdw>
           </a:effectLst>
@@ -14045,7 +14045,7 @@
           <a:effectLst>
             <a:outerShdw blurRad="57150" rotWithShape="0" algn="bl" dir="5400000" dist="19050">
               <a:srgbClr val="000000">
-                <a:alpha val="49411"/>
+                <a:alpha val="49019"/>
               </a:srgbClr>
             </a:outerShdw>
           </a:effectLst>
@@ -14119,7 +14119,7 @@
           <a:effectLst>
             <a:outerShdw blurRad="57150" rotWithShape="0" algn="bl" dir="5400000" dist="19050">
               <a:srgbClr val="000000">
-                <a:alpha val="49411"/>
+                <a:alpha val="49019"/>
               </a:srgbClr>
             </a:outerShdw>
           </a:effectLst>
@@ -14193,7 +14193,7 @@
           <a:effectLst>
             <a:outerShdw blurRad="57150" rotWithShape="0" algn="bl" dir="5400000" dist="19050">
               <a:srgbClr val="000000">
-                <a:alpha val="49411"/>
+                <a:alpha val="49019"/>
               </a:srgbClr>
             </a:outerShdw>
           </a:effectLst>
@@ -14267,7 +14267,7 @@
           <a:effectLst>
             <a:outerShdw blurRad="57150" rotWithShape="0" algn="bl" dir="5400000" dist="19050">
               <a:srgbClr val="000000">
-                <a:alpha val="49411"/>
+                <a:alpha val="49019"/>
               </a:srgbClr>
             </a:outerShdw>
           </a:effectLst>
@@ -14470,7 +14470,7 @@
         </p:nvCxnSpPr>
         <p:spPr>
           <a:xfrm flipH="1" rot="10800000">
-            <a:off x="3277425" y="6220550"/>
+            <a:off x="3277425" y="6296750"/>
             <a:ext cx="483300" cy="478500"/>
           </a:xfrm>
           <a:prstGeom prst="straightConnector1">
@@ -14602,8 +14602,8 @@
         </p:nvSpPr>
         <p:spPr>
           <a:xfrm>
-            <a:off x="1791750" y="3478300"/>
-            <a:ext cx="2189400" cy="694800"/>
+            <a:off x="1201425" y="6970263"/>
+            <a:ext cx="2189400" cy="515100"/>
           </a:xfrm>
           <a:prstGeom prst="rect">
             <a:avLst/>
@@ -14708,8 +14708,8 @@
         </p:nvSpPr>
         <p:spPr>
           <a:xfrm>
-            <a:off x="3469800" y="6316988"/>
-            <a:ext cx="2359800" cy="694800"/>
+            <a:off x="3622200" y="6393196"/>
+            <a:ext cx="1494300" cy="478500"/>
           </a:xfrm>
           <a:prstGeom prst="rect">
             <a:avLst/>
@@ -14797,7 +14797,7 @@
           <a:effectLst>
             <a:outerShdw blurRad="57150" rotWithShape="0" algn="bl" dir="5400000" dist="19050">
               <a:srgbClr val="000000">
-                <a:alpha val="49411"/>
+                <a:alpha val="49019"/>
               </a:srgbClr>
             </a:outerShdw>
           </a:effectLst>
@@ -14871,7 +14871,7 @@
           <a:effectLst>
             <a:outerShdw blurRad="57150" rotWithShape="0" algn="bl" dir="5400000" dist="19050">
               <a:srgbClr val="000000">
-                <a:alpha val="49411"/>
+                <a:alpha val="49019"/>
               </a:srgbClr>
             </a:outerShdw>
           </a:effectLst>
@@ -14945,7 +14945,7 @@
           <a:effectLst>
             <a:outerShdw blurRad="57150" rotWithShape="0" algn="bl" dir="5400000" dist="19050">
               <a:srgbClr val="000000">
-                <a:alpha val="49411"/>
+                <a:alpha val="49019"/>
               </a:srgbClr>
             </a:outerShdw>
           </a:effectLst>
@@ -15019,7 +15019,7 @@
           <a:effectLst>
             <a:outerShdw blurRad="57150" rotWithShape="0" algn="bl" dir="5400000" dist="19050">
               <a:srgbClr val="000000">
-                <a:alpha val="49411"/>
+                <a:alpha val="49019"/>
               </a:srgbClr>
             </a:outerShdw>
           </a:effectLst>
@@ -15093,7 +15093,7 @@
           <a:effectLst>
             <a:outerShdw blurRad="57150" rotWithShape="0" algn="bl" dir="5400000" dist="19050">
               <a:srgbClr val="000000">
-                <a:alpha val="49411"/>
+                <a:alpha val="49019"/>
               </a:srgbClr>
             </a:outerShdw>
           </a:effectLst>
@@ -15167,7 +15167,7 @@
           <a:effectLst>
             <a:outerShdw blurRad="57150" rotWithShape="0" algn="bl" dir="5400000" dist="19050">
               <a:srgbClr val="000000">
-                <a:alpha val="49411"/>
+                <a:alpha val="49019"/>
               </a:srgbClr>
             </a:outerShdw>
           </a:effectLst>
@@ -15241,7 +15241,7 @@
           <a:effectLst>
             <a:outerShdw blurRad="57150" rotWithShape="0" algn="bl" dir="5400000" dist="19050">
               <a:srgbClr val="000000">
-                <a:alpha val="49411"/>
+                <a:alpha val="49019"/>
               </a:srgbClr>
             </a:outerShdw>
           </a:effectLst>
@@ -15315,7 +15315,7 @@
           <a:effectLst>
             <a:outerShdw blurRad="57150" rotWithShape="0" algn="bl" dir="5400000" dist="19050">
               <a:srgbClr val="000000">
-                <a:alpha val="49411"/>
+                <a:alpha val="49019"/>
               </a:srgbClr>
             </a:outerShdw>
           </a:effectLst>
@@ -15389,7 +15389,7 @@
           <a:effectLst>
             <a:outerShdw blurRad="57150" rotWithShape="0" algn="bl" dir="5400000" dist="19050">
               <a:srgbClr val="000000">
-                <a:alpha val="49411"/>
+                <a:alpha val="49019"/>
               </a:srgbClr>
             </a:outerShdw>
           </a:effectLst>
@@ -15439,9 +15439,9 @@
           <p:nvPr/>
         </p:nvCxnSpPr>
         <p:spPr>
-          <a:xfrm>
-            <a:off x="2295438" y="6066650"/>
-            <a:ext cx="0" cy="1507800"/>
+          <a:xfrm flipH="1">
+            <a:off x="1358675" y="6882525"/>
+            <a:ext cx="1767300" cy="8700"/>
           </a:xfrm>
           <a:prstGeom prst="straightConnector1">
             <a:avLst/>
@@ -15466,7 +15466,7 @@
         </p:nvSpPr>
         <p:spPr>
           <a:xfrm>
-            <a:off x="993000" y="6954800"/>
+            <a:off x="4096913" y="7381700"/>
             <a:ext cx="2934000" cy="563700"/>
           </a:xfrm>
           <a:prstGeom prst="rect">
@@ -15555,7 +15555,7 @@
           <a:effectLst>
             <a:outerShdw blurRad="57150" rotWithShape="0" algn="bl" dir="5400000" dist="19050">
               <a:srgbClr val="000000">
-                <a:alpha val="49411"/>
+                <a:alpha val="49019"/>
               </a:srgbClr>
             </a:outerShdw>
           </a:effectLst>
@@ -15629,7 +15629,7 @@
           <a:effectLst>
             <a:outerShdw blurRad="57150" rotWithShape="0" algn="bl" dir="5400000" dist="19050">
               <a:srgbClr val="000000">
-                <a:alpha val="49411"/>
+                <a:alpha val="49019"/>
               </a:srgbClr>
             </a:outerShdw>
           </a:effectLst>
@@ -15703,7 +15703,7 @@
           <a:effectLst>
             <a:outerShdw blurRad="57150" rotWithShape="0" algn="bl" dir="5400000" dist="19050">
               <a:srgbClr val="000000">
-                <a:alpha val="49411"/>
+                <a:alpha val="49019"/>
               </a:srgbClr>
             </a:outerShdw>
           </a:effectLst>
@@ -15777,7 +15777,7 @@
           <a:effectLst>
             <a:outerShdw blurRad="57150" rotWithShape="0" algn="bl" dir="5400000" dist="19050">
               <a:srgbClr val="000000">
-                <a:alpha val="49411"/>
+                <a:alpha val="49019"/>
               </a:srgbClr>
             </a:outerShdw>
           </a:effectLst>
@@ -15851,7 +15851,7 @@
           <a:effectLst>
             <a:outerShdw blurRad="57150" rotWithShape="0" algn="bl" dir="5400000" dist="19050">
               <a:srgbClr val="000000">
-                <a:alpha val="49411"/>
+                <a:alpha val="49019"/>
               </a:srgbClr>
             </a:outerShdw>
           </a:effectLst>
@@ -15925,7 +15925,7 @@
           <a:effectLst>
             <a:outerShdw blurRad="57150" rotWithShape="0" algn="bl" dir="5400000" dist="19050">
               <a:srgbClr val="000000">
-                <a:alpha val="49411"/>
+                <a:alpha val="49019"/>
               </a:srgbClr>
             </a:outerShdw>
           </a:effectLst>
@@ -15999,7 +15999,7 @@
           <a:effectLst>
             <a:outerShdw blurRad="57150" rotWithShape="0" algn="bl" dir="5400000" dist="19050">
               <a:srgbClr val="000000">
-                <a:alpha val="49411"/>
+                <a:alpha val="49019"/>
               </a:srgbClr>
             </a:outerShdw>
           </a:effectLst>
@@ -16073,7 +16073,7 @@
           <a:effectLst>
             <a:outerShdw blurRad="57150" rotWithShape="0" algn="bl" dir="5400000" dist="19050">
               <a:srgbClr val="000000">
-                <a:alpha val="49411"/>
+                <a:alpha val="49019"/>
               </a:srgbClr>
             </a:outerShdw>
           </a:effectLst>
@@ -16147,7 +16147,7 @@
           <a:effectLst>
             <a:outerShdw blurRad="57150" rotWithShape="0" algn="bl" dir="5400000" dist="19050">
               <a:srgbClr val="000000">
-                <a:alpha val="49411"/>
+                <a:alpha val="49019"/>
               </a:srgbClr>
             </a:outerShdw>
           </a:effectLst>
@@ -16221,7 +16221,7 @@
           <a:effectLst>
             <a:outerShdw blurRad="57150" rotWithShape="0" algn="bl" dir="5400000" dist="19050">
               <a:srgbClr val="000000">
-                <a:alpha val="49411"/>
+                <a:alpha val="49019"/>
               </a:srgbClr>
             </a:outerShdw>
           </a:effectLst>
@@ -16295,7 +16295,7 @@
           <a:effectLst>
             <a:outerShdw blurRad="57150" rotWithShape="0" algn="bl" dir="5400000" dist="19050">
               <a:srgbClr val="000000">
-                <a:alpha val="49411"/>
+                <a:alpha val="49019"/>
               </a:srgbClr>
             </a:outerShdw>
           </a:effectLst>
@@ -16369,7 +16369,7 @@
           <a:effectLst>
             <a:outerShdw blurRad="57150" rotWithShape="0" algn="bl" dir="5400000" dist="19050">
               <a:srgbClr val="000000">
-                <a:alpha val="49411"/>
+                <a:alpha val="49019"/>
               </a:srgbClr>
             </a:outerShdw>
           </a:effectLst>
@@ -16443,7 +16443,7 @@
           <a:effectLst>
             <a:outerShdw blurRad="57150" rotWithShape="0" algn="bl" dir="5400000" dist="19050">
               <a:srgbClr val="000000">
-                <a:alpha val="49411"/>
+                <a:alpha val="49019"/>
               </a:srgbClr>
             </a:outerShdw>
           </a:effectLst>
@@ -16832,7 +16832,7 @@
           <a:effectLst>
             <a:outerShdw blurRad="57150" rotWithShape="0" algn="bl" dir="5400000" dist="19050">
               <a:srgbClr val="000000">
-                <a:alpha val="49411"/>
+                <a:alpha val="49019"/>
               </a:srgbClr>
             </a:outerShdw>
           </a:effectLst>
@@ -16906,7 +16906,7 @@
           <a:effectLst>
             <a:outerShdw blurRad="57150" rotWithShape="0" algn="bl" dir="5400000" dist="19050">
               <a:srgbClr val="000000">
-                <a:alpha val="49411"/>
+                <a:alpha val="49019"/>
               </a:srgbClr>
             </a:outerShdw>
           </a:effectLst>
@@ -16980,7 +16980,7 @@
           <a:effectLst>
             <a:outerShdw blurRad="57150" rotWithShape="0" algn="bl" dir="5400000" dist="19050">
               <a:srgbClr val="000000">
-                <a:alpha val="49411"/>
+                <a:alpha val="49019"/>
               </a:srgbClr>
             </a:outerShdw>
           </a:effectLst>
@@ -17054,7 +17054,7 @@
           <a:effectLst>
             <a:outerShdw blurRad="57150" rotWithShape="0" algn="bl" dir="5400000" dist="19050">
               <a:srgbClr val="000000">
-                <a:alpha val="49411"/>
+                <a:alpha val="49019"/>
               </a:srgbClr>
             </a:outerShdw>
           </a:effectLst>
@@ -17128,7 +17128,7 @@
           <a:effectLst>
             <a:outerShdw blurRad="57150" rotWithShape="0" algn="bl" dir="5400000" dist="19050">
               <a:srgbClr val="000000">
-                <a:alpha val="49411"/>
+                <a:alpha val="49019"/>
               </a:srgbClr>
             </a:outerShdw>
           </a:effectLst>
@@ -17202,7 +17202,7 @@
           <a:effectLst>
             <a:outerShdw blurRad="57150" rotWithShape="0" algn="bl" dir="5400000" dist="19050">
               <a:srgbClr val="000000">
-                <a:alpha val="49411"/>
+                <a:alpha val="49019"/>
               </a:srgbClr>
             </a:outerShdw>
           </a:effectLst>
@@ -17276,7 +17276,7 @@
           <a:effectLst>
             <a:outerShdw blurRad="57150" rotWithShape="0" algn="bl" dir="5400000" dist="19050">
               <a:srgbClr val="000000">
-                <a:alpha val="49411"/>
+                <a:alpha val="49019"/>
               </a:srgbClr>
             </a:outerShdw>
           </a:effectLst>
@@ -17350,7 +17350,7 @@
           <a:effectLst>
             <a:outerShdw blurRad="57150" rotWithShape="0" algn="bl" dir="5400000" dist="19050">
               <a:srgbClr val="000000">
-                <a:alpha val="49411"/>
+                <a:alpha val="49019"/>
               </a:srgbClr>
             </a:outerShdw>
           </a:effectLst>
@@ -17424,7 +17424,7 @@
           <a:effectLst>
             <a:outerShdw blurRad="57150" rotWithShape="0" algn="bl" dir="5400000" dist="19050">
               <a:srgbClr val="000000">
-                <a:alpha val="49411"/>
+                <a:alpha val="49019"/>
               </a:srgbClr>
             </a:outerShdw>
           </a:effectLst>
@@ -17498,7 +17498,7 @@
           <a:effectLst>
             <a:outerShdw blurRad="57150" rotWithShape="0" algn="bl" dir="5400000" dist="19050">
               <a:srgbClr val="000000">
-                <a:alpha val="49411"/>
+                <a:alpha val="49019"/>
               </a:srgbClr>
             </a:outerShdw>
           </a:effectLst>
@@ -17572,7 +17572,7 @@
           <a:effectLst>
             <a:outerShdw blurRad="57150" rotWithShape="0" algn="bl" dir="5400000" dist="19050">
               <a:srgbClr val="000000">
-                <a:alpha val="49411"/>
+                <a:alpha val="49019"/>
               </a:srgbClr>
             </a:outerShdw>
           </a:effectLst>
@@ -17646,7 +17646,7 @@
           <a:effectLst>
             <a:outerShdw blurRad="57150" rotWithShape="0" algn="bl" dir="5400000" dist="19050">
               <a:srgbClr val="000000">
-                <a:alpha val="49411"/>
+                <a:alpha val="49019"/>
               </a:srgbClr>
             </a:outerShdw>
           </a:effectLst>
@@ -17720,7 +17720,7 @@
           <a:effectLst>
             <a:outerShdw blurRad="57150" rotWithShape="0" algn="bl" dir="5400000" dist="19050">
               <a:srgbClr val="000000">
-                <a:alpha val="49411"/>
+                <a:alpha val="49019"/>
               </a:srgbClr>
             </a:outerShdw>
           </a:effectLst>
@@ -17794,7 +17794,7 @@
           <a:effectLst>
             <a:outerShdw blurRad="57150" rotWithShape="0" algn="bl" dir="5400000" dist="19050">
               <a:srgbClr val="000000">
-                <a:alpha val="49411"/>
+                <a:alpha val="49019"/>
               </a:srgbClr>
             </a:outerShdw>
           </a:effectLst>
@@ -17868,7 +17868,7 @@
           <a:effectLst>
             <a:outerShdw blurRad="57150" rotWithShape="0" algn="bl" dir="5400000" dist="19050">
               <a:srgbClr val="000000">
-                <a:alpha val="49411"/>
+                <a:alpha val="49019"/>
               </a:srgbClr>
             </a:outerShdw>
           </a:effectLst>
@@ -17942,7 +17942,7 @@
           <a:effectLst>
             <a:outerShdw blurRad="57150" rotWithShape="0" algn="bl" dir="5400000" dist="19050">
               <a:srgbClr val="000000">
-                <a:alpha val="49411"/>
+                <a:alpha val="49019"/>
               </a:srgbClr>
             </a:outerShdw>
           </a:effectLst>
@@ -18016,7 +18016,7 @@
           <a:effectLst>
             <a:outerShdw blurRad="57150" rotWithShape="0" algn="bl" dir="5400000" dist="19050">
               <a:srgbClr val="000000">
-                <a:alpha val="49411"/>
+                <a:alpha val="49019"/>
               </a:srgbClr>
             </a:outerShdw>
           </a:effectLst>
@@ -18090,7 +18090,7 @@
           <a:effectLst>
             <a:outerShdw blurRad="57150" rotWithShape="0" algn="bl" dir="5400000" dist="19050">
               <a:srgbClr val="000000">
-                <a:alpha val="49411"/>
+                <a:alpha val="49019"/>
               </a:srgbClr>
             </a:outerShdw>
           </a:effectLst>
@@ -18164,7 +18164,7 @@
           <a:effectLst>
             <a:outerShdw blurRad="57150" rotWithShape="0" algn="bl" dir="5400000" dist="19050">
               <a:srgbClr val="000000">
-                <a:alpha val="49411"/>
+                <a:alpha val="49019"/>
               </a:srgbClr>
             </a:outerShdw>
           </a:effectLst>
@@ -18238,7 +18238,7 @@
           <a:effectLst>
             <a:outerShdw blurRad="57150" rotWithShape="0" algn="bl" dir="5400000" dist="19050">
               <a:srgbClr val="000000">
-                <a:alpha val="49411"/>
+                <a:alpha val="49019"/>
               </a:srgbClr>
             </a:outerShdw>
           </a:effectLst>
@@ -18312,7 +18312,7 @@
           <a:effectLst>
             <a:outerShdw blurRad="57150" rotWithShape="0" algn="bl" dir="5400000" dist="19050">
               <a:srgbClr val="000000">
-                <a:alpha val="49411"/>
+                <a:alpha val="49019"/>
               </a:srgbClr>
             </a:outerShdw>
           </a:effectLst>
@@ -18386,7 +18386,7 @@
           <a:effectLst>
             <a:outerShdw blurRad="57150" rotWithShape="0" algn="bl" dir="5400000" dist="19050">
               <a:srgbClr val="000000">
-                <a:alpha val="49411"/>
+                <a:alpha val="49019"/>
               </a:srgbClr>
             </a:outerShdw>
           </a:effectLst>
@@ -18460,7 +18460,7 @@
           <a:effectLst>
             <a:outerShdw blurRad="57150" rotWithShape="0" algn="bl" dir="5400000" dist="19050">
               <a:srgbClr val="000000">
-                <a:alpha val="49411"/>
+                <a:alpha val="49019"/>
               </a:srgbClr>
             </a:outerShdw>
           </a:effectLst>
@@ -18534,7 +18534,7 @@
           <a:effectLst>
             <a:outerShdw blurRad="57150" rotWithShape="0" algn="bl" dir="5400000" dist="19050">
               <a:srgbClr val="000000">
-                <a:alpha val="49411"/>
+                <a:alpha val="49019"/>
               </a:srgbClr>
             </a:outerShdw>
           </a:effectLst>
@@ -18608,7 +18608,7 @@
           <a:effectLst>
             <a:outerShdw blurRad="57150" rotWithShape="0" algn="bl" dir="5400000" dist="19050">
               <a:srgbClr val="000000">
-                <a:alpha val="49411"/>
+                <a:alpha val="49019"/>
               </a:srgbClr>
             </a:outerShdw>
           </a:effectLst>
@@ -18682,7 +18682,7 @@
           <a:effectLst>
             <a:outerShdw blurRad="57150" rotWithShape="0" algn="bl" dir="5400000" dist="19050">
               <a:srgbClr val="000000">
-                <a:alpha val="49411"/>
+                <a:alpha val="49019"/>
               </a:srgbClr>
             </a:outerShdw>
           </a:effectLst>
@@ -18756,7 +18756,7 @@
           <a:effectLst>
             <a:outerShdw blurRad="57150" rotWithShape="0" algn="bl" dir="5400000" dist="19050">
               <a:srgbClr val="000000">
-                <a:alpha val="49411"/>
+                <a:alpha val="49019"/>
               </a:srgbClr>
             </a:outerShdw>
           </a:effectLst>

--- a/Finance/resources/doc/dev/risk-valuation-proactive.pptx
+++ b/Finance/resources/doc/dev/risk-valuation-proactive.pptx
@@ -1,8 +1,8 @@
 
 <file path=ppt/presentation.xml><?xml version="1.0" encoding="utf-8"?>
-<p:presentation xmlns:a="http://schemas.openxmlformats.org/drawingml/2006/main" xmlns:r="http://schemas.openxmlformats.org/officeDocument/2006/relationships" xmlns:mc="http://schemas.openxmlformats.org/markup-compatibility/2006" xmlns:mv="urn:schemas-microsoft-com:mac:vml" xmlns:p="http://schemas.openxmlformats.org/presentationml/2006/main" xmlns:c="http://schemas.openxmlformats.org/drawingml/2006/chart" xmlns:dgm="http://schemas.openxmlformats.org/drawingml/2006/diagram" xmlns:o="urn:schemas-microsoft-com:office:office" xmlns:v="urn:schemas-microsoft-com:vml" xmlns:pvml="urn:schemas-microsoft-com:office:powerpoint" xmlns:com="http://schemas.openxmlformats.org/drawingml/2006/compatibility" xmlns:p14="http://schemas.microsoft.com/office/powerpoint/2010/main" xmlns:p15="http://schemas.microsoft.com/office/powerpoint/2012/main" autoCompressPictures="0" embedTrueTypeFonts="1" strictFirstAndLastChars="0" saveSubsetFonts="1">
+<p:presentation xmlns:a="http://schemas.openxmlformats.org/drawingml/2006/main" xmlns:r="http://schemas.openxmlformats.org/officeDocument/2006/relationships" xmlns:mc="http://schemas.openxmlformats.org/markup-compatibility/2006" xmlns:mv="urn:schemas-microsoft-com:mac:vml" xmlns:p="http://schemas.openxmlformats.org/presentationml/2006/main" xmlns:c="http://schemas.openxmlformats.org/drawingml/2006/chart" xmlns:dgm="http://schemas.openxmlformats.org/drawingml/2006/diagram" xmlns:o="urn:schemas-microsoft-com:office:office" xmlns:v="urn:schemas-microsoft-com:vml" xmlns:pvml="urn:schemas-microsoft-com:office:powerpoint" xmlns:com="http://schemas.openxmlformats.org/drawingml/2006/compatibility" xmlns:p14="http://schemas.microsoft.com/office/powerpoint/2010/main" xmlns:p15="http://schemas.microsoft.com/office/powerpoint/2012/main" xmlns:ahyp="http://schemas.microsoft.com/office/drawing/2018/hyperlinkcolor" autoCompressPictures="0" embedTrueTypeFonts="1" strictFirstAndLastChars="0" saveSubsetFonts="1">
   <p:sldMasterIdLst>
-    <p:sldMasterId id="2147483658" r:id="rId3"/>
+    <p:sldMasterId id="2147483648" r:id="rId3"/>
   </p:sldMasterIdLst>
   <p:notesMasterIdLst>
     <p:notesMasterId r:id="rId4"/>
@@ -23,16 +23,17 @@
     <p:sldId id="268" r:id="rId17"/>
     <p:sldId id="269" r:id="rId18"/>
     <p:sldId id="270" r:id="rId19"/>
+    <p:sldId id="271" r:id="rId20"/>
   </p:sldIdLst>
   <p:sldSz cy="9753600" cx="13004800"/>
   <p:notesSz cx="6858000" cy="9144000"/>
   <p:embeddedFontLst>
     <p:embeddedFont>
       <p:font typeface="Helvetica Neue"/>
-      <p:regular r:id="rId20"/>
-      <p:bold r:id="rId21"/>
-      <p:italic r:id="rId22"/>
-      <p:boldItalic r:id="rId23"/>
+      <p:regular r:id="rId21"/>
+      <p:bold r:id="rId22"/>
+      <p:italic r:id="rId23"/>
+      <p:boldItalic r:id="rId24"/>
     </p:embeddedFont>
   </p:embeddedFontLst>
   <p:defaultTextStyle>
@@ -264,11 +265,16 @@
       </a:defRPr>
     </a:lvl9pPr>
   </p:defaultTextStyle>
+  <p:extLst>
+    <p:ext uri="http://customooxmlschemas.google.com/">
+      <go:slidesCustomData xmlns:go="http://customooxmlschemas.google.com/" r:id="rId25" roundtripDataSignature="AMtx7mhdRYDwzw10sR8iQcV9mSxbpd5tMQ=="/>
+    </p:ext>
+  </p:extLst>
 </p:presentation>
 </file>
 
 <file path=ppt/notesMasters/notesMaster1.xml><?xml version="1.0" encoding="utf-8"?>
-<p:notesMaster xmlns:a="http://schemas.openxmlformats.org/drawingml/2006/main" xmlns:r="http://schemas.openxmlformats.org/officeDocument/2006/relationships" xmlns:mc="http://schemas.openxmlformats.org/markup-compatibility/2006" xmlns:mv="urn:schemas-microsoft-com:mac:vml" xmlns:p="http://schemas.openxmlformats.org/presentationml/2006/main" xmlns:c="http://schemas.openxmlformats.org/drawingml/2006/chart" xmlns:dgm="http://schemas.openxmlformats.org/drawingml/2006/diagram" xmlns:o="urn:schemas-microsoft-com:office:office" xmlns:v="urn:schemas-microsoft-com:vml" xmlns:pvml="urn:schemas-microsoft-com:office:powerpoint" xmlns:com="http://schemas.openxmlformats.org/drawingml/2006/compatibility" xmlns:p14="http://schemas.microsoft.com/office/powerpoint/2010/main" xmlns:p15="http://schemas.microsoft.com/office/powerpoint/2012/main">
+<p:notesMaster xmlns:a="http://schemas.openxmlformats.org/drawingml/2006/main" xmlns:r="http://schemas.openxmlformats.org/officeDocument/2006/relationships" xmlns:mc="http://schemas.openxmlformats.org/markup-compatibility/2006" xmlns:mv="urn:schemas-microsoft-com:mac:vml" xmlns:p="http://schemas.openxmlformats.org/presentationml/2006/main" xmlns:c="http://schemas.openxmlformats.org/drawingml/2006/chart" xmlns:dgm="http://schemas.openxmlformats.org/drawingml/2006/diagram" xmlns:o="urn:schemas-microsoft-com:office:office" xmlns:v="urn:schemas-microsoft-com:vml" xmlns:pvml="urn:schemas-microsoft-com:office:powerpoint" xmlns:com="http://schemas.openxmlformats.org/drawingml/2006/compatibility" xmlns:p14="http://schemas.microsoft.com/office/powerpoint/2010/main" xmlns:p15="http://schemas.microsoft.com/office/powerpoint/2012/main" xmlns:ahyp="http://schemas.microsoft.com/office/drawing/2018/hyperlinkcolor">
   <p:cSld>
     <p:bg>
       <p:bgPr>
@@ -352,7 +358,9 @@
           </a:ln>
         </p:spPr>
         <p:txBody>
-          <a:bodyPr anchorCtr="0" anchor="t" bIns="91425" lIns="91425" spcFirstLastPara="1" rIns="91425" wrap="square" tIns="91425"/>
+          <a:bodyPr anchorCtr="0" anchor="t" bIns="91425" lIns="91425" spcFirstLastPara="1" rIns="91425" wrap="square" tIns="91425">
+            <a:noAutofit/>
+          </a:bodyPr>
           <a:lstStyle>
             <a:lvl1pPr indent="-228600" lvl="0" marL="457200" marR="0" rtl="0" algn="l">
               <a:lnSpc>
@@ -828,7 +836,7 @@
 </file>
 
 <file path=ppt/notesSlides/notesSlide1.xml><?xml version="1.0" encoding="utf-8"?>
-<p:notes xmlns:a="http://schemas.openxmlformats.org/drawingml/2006/main" xmlns:r="http://schemas.openxmlformats.org/officeDocument/2006/relationships" xmlns:mc="http://schemas.openxmlformats.org/markup-compatibility/2006" xmlns:mv="urn:schemas-microsoft-com:mac:vml" xmlns:p="http://schemas.openxmlformats.org/presentationml/2006/main" xmlns:c="http://schemas.openxmlformats.org/drawingml/2006/chart" xmlns:dgm="http://schemas.openxmlformats.org/drawingml/2006/diagram" xmlns:o="urn:schemas-microsoft-com:office:office" xmlns:v="urn:schemas-microsoft-com:vml" xmlns:pvml="urn:schemas-microsoft-com:office:powerpoint" xmlns:com="http://schemas.openxmlformats.org/drawingml/2006/compatibility" xmlns:p14="http://schemas.microsoft.com/office/powerpoint/2010/main" xmlns:p15="http://schemas.microsoft.com/office/powerpoint/2012/main" showMasterPhAnim="0" showMasterSp="0">
+<p:notes xmlns:a="http://schemas.openxmlformats.org/drawingml/2006/main" xmlns:r="http://schemas.openxmlformats.org/officeDocument/2006/relationships" xmlns:mc="http://schemas.openxmlformats.org/markup-compatibility/2006" xmlns:mv="urn:schemas-microsoft-com:mac:vml" xmlns:p="http://schemas.openxmlformats.org/presentationml/2006/main" xmlns:c="http://schemas.openxmlformats.org/drawingml/2006/chart" xmlns:dgm="http://schemas.openxmlformats.org/drawingml/2006/diagram" xmlns:o="urn:schemas-microsoft-com:office:office" xmlns:v="urn:schemas-microsoft-com:vml" xmlns:pvml="urn:schemas-microsoft-com:office:powerpoint" xmlns:com="http://schemas.openxmlformats.org/drawingml/2006/compatibility" xmlns:p14="http://schemas.microsoft.com/office/powerpoint/2010/main" xmlns:p15="http://schemas.microsoft.com/office/powerpoint/2012/main" xmlns:ahyp="http://schemas.microsoft.com/office/drawing/2018/hyperlinkcolor" showMasterPhAnim="0" showMasterSp="0">
   <p:cSld>
     <p:spTree>
       <p:nvGrpSpPr>
@@ -939,11 +947,11 @@
 </file>
 
 <file path=ppt/notesSlides/notesSlide10.xml><?xml version="1.0" encoding="utf-8"?>
-<p:notes xmlns:a="http://schemas.openxmlformats.org/drawingml/2006/main" xmlns:r="http://schemas.openxmlformats.org/officeDocument/2006/relationships" xmlns:mc="http://schemas.openxmlformats.org/markup-compatibility/2006" xmlns:mv="urn:schemas-microsoft-com:mac:vml" xmlns:p="http://schemas.openxmlformats.org/presentationml/2006/main" xmlns:c="http://schemas.openxmlformats.org/drawingml/2006/chart" xmlns:dgm="http://schemas.openxmlformats.org/drawingml/2006/diagram" xmlns:o="urn:schemas-microsoft-com:office:office" xmlns:v="urn:schemas-microsoft-com:vml" xmlns:pvml="urn:schemas-microsoft-com:office:powerpoint" xmlns:com="http://schemas.openxmlformats.org/drawingml/2006/compatibility" xmlns:p14="http://schemas.microsoft.com/office/powerpoint/2010/main" xmlns:p15="http://schemas.microsoft.com/office/powerpoint/2012/main" showMasterPhAnim="0" showMasterSp="0">
+<p:notes xmlns:a="http://schemas.openxmlformats.org/drawingml/2006/main" xmlns:r="http://schemas.openxmlformats.org/officeDocument/2006/relationships" xmlns:mc="http://schemas.openxmlformats.org/markup-compatibility/2006" xmlns:mv="urn:schemas-microsoft-com:mac:vml" xmlns:p="http://schemas.openxmlformats.org/presentationml/2006/main" xmlns:c="http://schemas.openxmlformats.org/drawingml/2006/chart" xmlns:dgm="http://schemas.openxmlformats.org/drawingml/2006/diagram" xmlns:o="urn:schemas-microsoft-com:office:office" xmlns:v="urn:schemas-microsoft-com:vml" xmlns:pvml="urn:schemas-microsoft-com:office:powerpoint" xmlns:com="http://schemas.openxmlformats.org/drawingml/2006/compatibility" xmlns:p14="http://schemas.microsoft.com/office/powerpoint/2010/main" xmlns:p15="http://schemas.microsoft.com/office/powerpoint/2012/main" xmlns:ahyp="http://schemas.microsoft.com/office/drawing/2018/hyperlinkcolor" showMasterPhAnim="0" showMasterSp="0">
   <p:cSld>
     <p:spTree>
       <p:nvGrpSpPr>
-        <p:cNvPr id="124" name="Shape 124"/>
+        <p:cNvPr id="122" name="Shape 122"/>
         <p:cNvGrpSpPr/>
         <p:nvPr/>
       </p:nvGrpSpPr>
@@ -957,7 +965,7 @@
       </p:grpSpPr>
       <p:sp>
         <p:nvSpPr>
-          <p:cNvPr id="125" name="Google Shape;125;p10:notes"/>
+          <p:cNvPr id="123" name="Google Shape;123;p9:notes"/>
           <p:cNvSpPr txBox="1"/>
           <p:nvPr>
             <p:ph idx="1" type="body"/>
@@ -1004,7 +1012,7 @@
       </p:sp>
       <p:sp>
         <p:nvSpPr>
-          <p:cNvPr id="126" name="Google Shape;126;p10:notes"/>
+          <p:cNvPr id="124" name="Google Shape;124;p9:notes"/>
           <p:cNvSpPr/>
           <p:nvPr>
             <p:ph idx="2" type="sldImg"/>
@@ -1050,11 +1058,11 @@
 </file>
 
 <file path=ppt/notesSlides/notesSlide11.xml><?xml version="1.0" encoding="utf-8"?>
-<p:notes xmlns:a="http://schemas.openxmlformats.org/drawingml/2006/main" xmlns:r="http://schemas.openxmlformats.org/officeDocument/2006/relationships" xmlns:mc="http://schemas.openxmlformats.org/markup-compatibility/2006" xmlns:mv="urn:schemas-microsoft-com:mac:vml" xmlns:p="http://schemas.openxmlformats.org/presentationml/2006/main" xmlns:c="http://schemas.openxmlformats.org/drawingml/2006/chart" xmlns:dgm="http://schemas.openxmlformats.org/drawingml/2006/diagram" xmlns:o="urn:schemas-microsoft-com:office:office" xmlns:v="urn:schemas-microsoft-com:vml" xmlns:pvml="urn:schemas-microsoft-com:office:powerpoint" xmlns:com="http://schemas.openxmlformats.org/drawingml/2006/compatibility" xmlns:p14="http://schemas.microsoft.com/office/powerpoint/2010/main" xmlns:p15="http://schemas.microsoft.com/office/powerpoint/2012/main" showMasterPhAnim="0" showMasterSp="0">
+<p:notes xmlns:a="http://schemas.openxmlformats.org/drawingml/2006/main" xmlns:r="http://schemas.openxmlformats.org/officeDocument/2006/relationships" xmlns:mc="http://schemas.openxmlformats.org/markup-compatibility/2006" xmlns:mv="urn:schemas-microsoft-com:mac:vml" xmlns:p="http://schemas.openxmlformats.org/presentationml/2006/main" xmlns:c="http://schemas.openxmlformats.org/drawingml/2006/chart" xmlns:dgm="http://schemas.openxmlformats.org/drawingml/2006/diagram" xmlns:o="urn:schemas-microsoft-com:office:office" xmlns:v="urn:schemas-microsoft-com:vml" xmlns:pvml="urn:schemas-microsoft-com:office:powerpoint" xmlns:com="http://schemas.openxmlformats.org/drawingml/2006/compatibility" xmlns:p14="http://schemas.microsoft.com/office/powerpoint/2010/main" xmlns:p15="http://schemas.microsoft.com/office/powerpoint/2012/main" xmlns:ahyp="http://schemas.microsoft.com/office/drawing/2018/hyperlinkcolor" showMasterPhAnim="0" showMasterSp="0">
   <p:cSld>
     <p:spTree>
       <p:nvGrpSpPr>
-        <p:cNvPr id="132" name="Shape 132"/>
+        <p:cNvPr id="129" name="Shape 129"/>
         <p:cNvGrpSpPr/>
         <p:nvPr/>
       </p:nvGrpSpPr>
@@ -1068,7 +1076,7 @@
       </p:grpSpPr>
       <p:sp>
         <p:nvSpPr>
-          <p:cNvPr id="133" name="Google Shape;133;p11:notes"/>
+          <p:cNvPr id="130" name="Google Shape;130;p10:notes"/>
           <p:cNvSpPr txBox="1"/>
           <p:nvPr>
             <p:ph idx="1" type="body"/>
@@ -1115,7 +1123,7 @@
       </p:sp>
       <p:sp>
         <p:nvSpPr>
-          <p:cNvPr id="134" name="Google Shape;134;p11:notes"/>
+          <p:cNvPr id="131" name="Google Shape;131;p10:notes"/>
           <p:cNvSpPr/>
           <p:nvPr>
             <p:ph idx="2" type="sldImg"/>
@@ -1161,11 +1169,11 @@
 </file>
 
 <file path=ppt/notesSlides/notesSlide12.xml><?xml version="1.0" encoding="utf-8"?>
-<p:notes xmlns:a="http://schemas.openxmlformats.org/drawingml/2006/main" xmlns:r="http://schemas.openxmlformats.org/officeDocument/2006/relationships" xmlns:mc="http://schemas.openxmlformats.org/markup-compatibility/2006" xmlns:mv="urn:schemas-microsoft-com:mac:vml" xmlns:p="http://schemas.openxmlformats.org/presentationml/2006/main" xmlns:c="http://schemas.openxmlformats.org/drawingml/2006/chart" xmlns:dgm="http://schemas.openxmlformats.org/drawingml/2006/diagram" xmlns:o="urn:schemas-microsoft-com:office:office" xmlns:v="urn:schemas-microsoft-com:vml" xmlns:pvml="urn:schemas-microsoft-com:office:powerpoint" xmlns:com="http://schemas.openxmlformats.org/drawingml/2006/compatibility" xmlns:p14="http://schemas.microsoft.com/office/powerpoint/2010/main" xmlns:p15="http://schemas.microsoft.com/office/powerpoint/2012/main" showMasterPhAnim="0" showMasterSp="0">
+<p:notes xmlns:a="http://schemas.openxmlformats.org/drawingml/2006/main" xmlns:r="http://schemas.openxmlformats.org/officeDocument/2006/relationships" xmlns:mc="http://schemas.openxmlformats.org/markup-compatibility/2006" xmlns:mv="urn:schemas-microsoft-com:mac:vml" xmlns:p="http://schemas.openxmlformats.org/presentationml/2006/main" xmlns:c="http://schemas.openxmlformats.org/drawingml/2006/chart" xmlns:dgm="http://schemas.openxmlformats.org/drawingml/2006/diagram" xmlns:o="urn:schemas-microsoft-com:office:office" xmlns:v="urn:schemas-microsoft-com:vml" xmlns:pvml="urn:schemas-microsoft-com:office:powerpoint" xmlns:com="http://schemas.openxmlformats.org/drawingml/2006/compatibility" xmlns:p14="http://schemas.microsoft.com/office/powerpoint/2010/main" xmlns:p15="http://schemas.microsoft.com/office/powerpoint/2012/main" xmlns:ahyp="http://schemas.microsoft.com/office/drawing/2018/hyperlinkcolor" showMasterPhAnim="0" showMasterSp="0">
   <p:cSld>
     <p:spTree>
       <p:nvGrpSpPr>
-        <p:cNvPr id="142" name="Shape 142"/>
+        <p:cNvPr id="137" name="Shape 137"/>
         <p:cNvGrpSpPr/>
         <p:nvPr/>
       </p:nvGrpSpPr>
@@ -1179,7 +1187,7 @@
       </p:grpSpPr>
       <p:sp>
         <p:nvSpPr>
-          <p:cNvPr id="143" name="Google Shape;143;p12:notes"/>
+          <p:cNvPr id="138" name="Google Shape;138;p11:notes"/>
           <p:cNvSpPr txBox="1"/>
           <p:nvPr>
             <p:ph idx="1" type="body"/>
@@ -1226,7 +1234,7 @@
       </p:sp>
       <p:sp>
         <p:nvSpPr>
-          <p:cNvPr id="144" name="Google Shape;144;p12:notes"/>
+          <p:cNvPr id="139" name="Google Shape;139;p11:notes"/>
           <p:cNvSpPr/>
           <p:nvPr>
             <p:ph idx="2" type="sldImg"/>
@@ -1272,11 +1280,11 @@
 </file>
 
 <file path=ppt/notesSlides/notesSlide13.xml><?xml version="1.0" encoding="utf-8"?>
-<p:notes xmlns:a="http://schemas.openxmlformats.org/drawingml/2006/main" xmlns:r="http://schemas.openxmlformats.org/officeDocument/2006/relationships" xmlns:mc="http://schemas.openxmlformats.org/markup-compatibility/2006" xmlns:mv="urn:schemas-microsoft-com:mac:vml" xmlns:p="http://schemas.openxmlformats.org/presentationml/2006/main" xmlns:c="http://schemas.openxmlformats.org/drawingml/2006/chart" xmlns:dgm="http://schemas.openxmlformats.org/drawingml/2006/diagram" xmlns:o="urn:schemas-microsoft-com:office:office" xmlns:v="urn:schemas-microsoft-com:vml" xmlns:pvml="urn:schemas-microsoft-com:office:powerpoint" xmlns:com="http://schemas.openxmlformats.org/drawingml/2006/compatibility" xmlns:p14="http://schemas.microsoft.com/office/powerpoint/2010/main" xmlns:p15="http://schemas.microsoft.com/office/powerpoint/2012/main" showMasterPhAnim="0" showMasterSp="0">
+<p:notes xmlns:a="http://schemas.openxmlformats.org/drawingml/2006/main" xmlns:r="http://schemas.openxmlformats.org/officeDocument/2006/relationships" xmlns:mc="http://schemas.openxmlformats.org/markup-compatibility/2006" xmlns:mv="urn:schemas-microsoft-com:mac:vml" xmlns:p="http://schemas.openxmlformats.org/presentationml/2006/main" xmlns:c="http://schemas.openxmlformats.org/drawingml/2006/chart" xmlns:dgm="http://schemas.openxmlformats.org/drawingml/2006/diagram" xmlns:o="urn:schemas-microsoft-com:office:office" xmlns:v="urn:schemas-microsoft-com:vml" xmlns:pvml="urn:schemas-microsoft-com:office:powerpoint" xmlns:com="http://schemas.openxmlformats.org/drawingml/2006/compatibility" xmlns:p14="http://schemas.microsoft.com/office/powerpoint/2010/main" xmlns:p15="http://schemas.microsoft.com/office/powerpoint/2012/main" xmlns:ahyp="http://schemas.microsoft.com/office/drawing/2018/hyperlinkcolor" showMasterPhAnim="0" showMasterSp="0">
   <p:cSld>
     <p:spTree>
       <p:nvGrpSpPr>
-        <p:cNvPr id="269" name="Shape 269"/>
+        <p:cNvPr id="148" name="Shape 148"/>
         <p:cNvGrpSpPr/>
         <p:nvPr/>
       </p:nvGrpSpPr>
@@ -1290,7 +1298,7 @@
       </p:grpSpPr>
       <p:sp>
         <p:nvSpPr>
-          <p:cNvPr id="270" name="Google Shape;270;p13:notes"/>
+          <p:cNvPr id="149" name="Google Shape;149;p12:notes"/>
           <p:cNvSpPr txBox="1"/>
           <p:nvPr>
             <p:ph idx="1" type="body"/>
@@ -1337,7 +1345,7 @@
       </p:sp>
       <p:sp>
         <p:nvSpPr>
-          <p:cNvPr id="271" name="Google Shape;271;p13:notes"/>
+          <p:cNvPr id="150" name="Google Shape;150;p12:notes"/>
           <p:cNvSpPr/>
           <p:nvPr>
             <p:ph idx="2" type="sldImg"/>
@@ -1383,11 +1391,11 @@
 </file>
 
 <file path=ppt/notesSlides/notesSlide14.xml><?xml version="1.0" encoding="utf-8"?>
-<p:notes xmlns:a="http://schemas.openxmlformats.org/drawingml/2006/main" xmlns:r="http://schemas.openxmlformats.org/officeDocument/2006/relationships" xmlns:mc="http://schemas.openxmlformats.org/markup-compatibility/2006" xmlns:mv="urn:schemas-microsoft-com:mac:vml" xmlns:p="http://schemas.openxmlformats.org/presentationml/2006/main" xmlns:c="http://schemas.openxmlformats.org/drawingml/2006/chart" xmlns:dgm="http://schemas.openxmlformats.org/drawingml/2006/diagram" xmlns:o="urn:schemas-microsoft-com:office:office" xmlns:v="urn:schemas-microsoft-com:vml" xmlns:pvml="urn:schemas-microsoft-com:office:powerpoint" xmlns:com="http://schemas.openxmlformats.org/drawingml/2006/compatibility" xmlns:p14="http://schemas.microsoft.com/office/powerpoint/2010/main" xmlns:p15="http://schemas.microsoft.com/office/powerpoint/2012/main" showMasterPhAnim="0" showMasterSp="0">
+<p:notes xmlns:a="http://schemas.openxmlformats.org/drawingml/2006/main" xmlns:r="http://schemas.openxmlformats.org/officeDocument/2006/relationships" xmlns:mc="http://schemas.openxmlformats.org/markup-compatibility/2006" xmlns:mv="urn:schemas-microsoft-com:mac:vml" xmlns:p="http://schemas.openxmlformats.org/presentationml/2006/main" xmlns:c="http://schemas.openxmlformats.org/drawingml/2006/chart" xmlns:dgm="http://schemas.openxmlformats.org/drawingml/2006/diagram" xmlns:o="urn:schemas-microsoft-com:office:office" xmlns:v="urn:schemas-microsoft-com:vml" xmlns:pvml="urn:schemas-microsoft-com:office:powerpoint" xmlns:com="http://schemas.openxmlformats.org/drawingml/2006/compatibility" xmlns:p14="http://schemas.microsoft.com/office/powerpoint/2010/main" xmlns:p15="http://schemas.microsoft.com/office/powerpoint/2012/main" xmlns:ahyp="http://schemas.microsoft.com/office/drawing/2018/hyperlinkcolor" showMasterPhAnim="0" showMasterSp="0">
   <p:cSld>
     <p:spTree>
       <p:nvGrpSpPr>
-        <p:cNvPr id="276" name="Shape 276"/>
+        <p:cNvPr id="275" name="Shape 275"/>
         <p:cNvGrpSpPr/>
         <p:nvPr/>
       </p:nvGrpSpPr>
@@ -1401,7 +1409,7 @@
       </p:grpSpPr>
       <p:sp>
         <p:nvSpPr>
-          <p:cNvPr id="277" name="Google Shape;277;p14:notes"/>
+          <p:cNvPr id="276" name="Google Shape;276;p13:notes"/>
           <p:cNvSpPr txBox="1"/>
           <p:nvPr>
             <p:ph idx="1" type="body"/>
@@ -1448,7 +1456,7 @@
       </p:sp>
       <p:sp>
         <p:nvSpPr>
-          <p:cNvPr id="278" name="Google Shape;278;p14:notes"/>
+          <p:cNvPr id="277" name="Google Shape;277;p13:notes"/>
           <p:cNvSpPr/>
           <p:nvPr>
             <p:ph idx="2" type="sldImg"/>
@@ -1494,11 +1502,11 @@
 </file>
 
 <file path=ppt/notesSlides/notesSlide15.xml><?xml version="1.0" encoding="utf-8"?>
-<p:notes xmlns:a="http://schemas.openxmlformats.org/drawingml/2006/main" xmlns:r="http://schemas.openxmlformats.org/officeDocument/2006/relationships" xmlns:mc="http://schemas.openxmlformats.org/markup-compatibility/2006" xmlns:mv="urn:schemas-microsoft-com:mac:vml" xmlns:p="http://schemas.openxmlformats.org/presentationml/2006/main" xmlns:c="http://schemas.openxmlformats.org/drawingml/2006/chart" xmlns:dgm="http://schemas.openxmlformats.org/drawingml/2006/diagram" xmlns:o="urn:schemas-microsoft-com:office:office" xmlns:v="urn:schemas-microsoft-com:vml" xmlns:pvml="urn:schemas-microsoft-com:office:powerpoint" xmlns:com="http://schemas.openxmlformats.org/drawingml/2006/compatibility" xmlns:p14="http://schemas.microsoft.com/office/powerpoint/2010/main" xmlns:p15="http://schemas.microsoft.com/office/powerpoint/2012/main" showMasterPhAnim="0" showMasterSp="0">
+<p:notes xmlns:a="http://schemas.openxmlformats.org/drawingml/2006/main" xmlns:r="http://schemas.openxmlformats.org/officeDocument/2006/relationships" xmlns:mc="http://schemas.openxmlformats.org/markup-compatibility/2006" xmlns:mv="urn:schemas-microsoft-com:mac:vml" xmlns:p="http://schemas.openxmlformats.org/presentationml/2006/main" xmlns:c="http://schemas.openxmlformats.org/drawingml/2006/chart" xmlns:dgm="http://schemas.openxmlformats.org/drawingml/2006/diagram" xmlns:o="urn:schemas-microsoft-com:office:office" xmlns:v="urn:schemas-microsoft-com:vml" xmlns:pvml="urn:schemas-microsoft-com:office:powerpoint" xmlns:com="http://schemas.openxmlformats.org/drawingml/2006/compatibility" xmlns:p14="http://schemas.microsoft.com/office/powerpoint/2010/main" xmlns:p15="http://schemas.microsoft.com/office/powerpoint/2012/main" xmlns:ahyp="http://schemas.microsoft.com/office/drawing/2018/hyperlinkcolor" showMasterPhAnim="0" showMasterSp="0">
   <p:cSld>
     <p:spTree>
       <p:nvGrpSpPr>
-        <p:cNvPr id="287" name="Shape 287"/>
+        <p:cNvPr id="281" name="Shape 281"/>
         <p:cNvGrpSpPr/>
         <p:nvPr/>
       </p:nvGrpSpPr>
@@ -1512,7 +1520,7 @@
       </p:grpSpPr>
       <p:sp>
         <p:nvSpPr>
-          <p:cNvPr id="288" name="Google Shape;288;p15:notes"/>
+          <p:cNvPr id="282" name="Google Shape;282;p14:notes"/>
           <p:cNvSpPr txBox="1"/>
           <p:nvPr>
             <p:ph idx="1" type="body"/>
@@ -1559,7 +1567,7 @@
       </p:sp>
       <p:sp>
         <p:nvSpPr>
-          <p:cNvPr id="289" name="Google Shape;289;p15:notes"/>
+          <p:cNvPr id="283" name="Google Shape;283;p14:notes"/>
           <p:cNvSpPr/>
           <p:nvPr>
             <p:ph idx="2" type="sldImg"/>
@@ -1604,8 +1612,119 @@
 </p:notes>
 </file>
 
+<file path=ppt/notesSlides/notesSlide16.xml><?xml version="1.0" encoding="utf-8"?>
+<p:notes xmlns:a="http://schemas.openxmlformats.org/drawingml/2006/main" xmlns:r="http://schemas.openxmlformats.org/officeDocument/2006/relationships" xmlns:mc="http://schemas.openxmlformats.org/markup-compatibility/2006" xmlns:mv="urn:schemas-microsoft-com:mac:vml" xmlns:p="http://schemas.openxmlformats.org/presentationml/2006/main" xmlns:c="http://schemas.openxmlformats.org/drawingml/2006/chart" xmlns:dgm="http://schemas.openxmlformats.org/drawingml/2006/diagram" xmlns:o="urn:schemas-microsoft-com:office:office" xmlns:v="urn:schemas-microsoft-com:vml" xmlns:pvml="urn:schemas-microsoft-com:office:powerpoint" xmlns:com="http://schemas.openxmlformats.org/drawingml/2006/compatibility" xmlns:p14="http://schemas.microsoft.com/office/powerpoint/2010/main" xmlns:p15="http://schemas.microsoft.com/office/powerpoint/2012/main" xmlns:ahyp="http://schemas.microsoft.com/office/drawing/2018/hyperlinkcolor" showMasterPhAnim="0" showMasterSp="0">
+  <p:cSld>
+    <p:spTree>
+      <p:nvGrpSpPr>
+        <p:cNvPr id="292" name="Shape 292"/>
+        <p:cNvGrpSpPr/>
+        <p:nvPr/>
+      </p:nvGrpSpPr>
+      <p:grpSpPr>
+        <a:xfrm>
+          <a:off x="0" y="0"/>
+          <a:ext cx="0" cy="0"/>
+          <a:chOff x="0" y="0"/>
+          <a:chExt cx="0" cy="0"/>
+        </a:xfrm>
+      </p:grpSpPr>
+      <p:sp>
+        <p:nvSpPr>
+          <p:cNvPr id="293" name="Google Shape;293;p15:notes"/>
+          <p:cNvSpPr txBox="1"/>
+          <p:nvPr>
+            <p:ph idx="1" type="body"/>
+          </p:nvPr>
+        </p:nvSpPr>
+        <p:spPr>
+          <a:xfrm>
+            <a:off x="914400" y="4343400"/>
+            <a:ext cx="5029200" cy="4114800"/>
+          </a:xfrm>
+          <a:prstGeom prst="rect">
+            <a:avLst/>
+          </a:prstGeom>
+          <a:noFill/>
+          <a:ln>
+            <a:noFill/>
+          </a:ln>
+        </p:spPr>
+        <p:txBody>
+          <a:bodyPr anchorCtr="0" anchor="t" bIns="91425" lIns="91425" spcFirstLastPara="1" rIns="91425" wrap="square" tIns="91425">
+            <a:noAutofit/>
+          </a:bodyPr>
+          <a:lstStyle/>
+          <a:p>
+            <a:pPr indent="0" lvl="0" marL="0" rtl="0" algn="l">
+              <a:lnSpc>
+                <a:spcPct val="125000"/>
+              </a:lnSpc>
+              <a:spcBef>
+                <a:spcPts val="0"/>
+              </a:spcBef>
+              <a:spcAft>
+                <a:spcPts val="0"/>
+              </a:spcAft>
+              <a:buSzPts val="1400"/>
+              <a:buNone/>
+            </a:pPr>
+            <a:r>
+              <a:t/>
+            </a:r>
+            <a:endParaRPr/>
+          </a:p>
+        </p:txBody>
+      </p:sp>
+      <p:sp>
+        <p:nvSpPr>
+          <p:cNvPr id="294" name="Google Shape;294;p15:notes"/>
+          <p:cNvSpPr/>
+          <p:nvPr>
+            <p:ph idx="2" type="sldImg"/>
+          </p:nvPr>
+        </p:nvSpPr>
+        <p:spPr>
+          <a:xfrm>
+            <a:off x="1143000" y="685800"/>
+            <a:ext cx="4572000" cy="3429000"/>
+          </a:xfrm>
+          <a:custGeom>
+            <a:rect b="b" l="l" r="r" t="t"/>
+            <a:pathLst>
+              <a:path extrusionOk="0" h="120000" w="120000">
+                <a:moveTo>
+                  <a:pt x="0" y="0"/>
+                </a:moveTo>
+                <a:lnTo>
+                  <a:pt x="120000" y="0"/>
+                </a:lnTo>
+                <a:lnTo>
+                  <a:pt x="120000" y="120000"/>
+                </a:lnTo>
+                <a:lnTo>
+                  <a:pt x="0" y="120000"/>
+                </a:lnTo>
+                <a:close/>
+              </a:path>
+            </a:pathLst>
+          </a:custGeom>
+          <a:noFill/>
+          <a:ln>
+            <a:noFill/>
+          </a:ln>
+        </p:spPr>
+      </p:sp>
+    </p:spTree>
+  </p:cSld>
+  <p:clrMapOvr>
+    <a:masterClrMapping/>
+  </p:clrMapOvr>
+</p:notes>
+</file>
+
 <file path=ppt/notesSlides/notesSlide2.xml><?xml version="1.0" encoding="utf-8"?>
-<p:notes xmlns:a="http://schemas.openxmlformats.org/drawingml/2006/main" xmlns:r="http://schemas.openxmlformats.org/officeDocument/2006/relationships" xmlns:mc="http://schemas.openxmlformats.org/markup-compatibility/2006" xmlns:mv="urn:schemas-microsoft-com:mac:vml" xmlns:p="http://schemas.openxmlformats.org/presentationml/2006/main" xmlns:c="http://schemas.openxmlformats.org/drawingml/2006/chart" xmlns:dgm="http://schemas.openxmlformats.org/drawingml/2006/diagram" xmlns:o="urn:schemas-microsoft-com:office:office" xmlns:v="urn:schemas-microsoft-com:vml" xmlns:pvml="urn:schemas-microsoft-com:office:powerpoint" xmlns:com="http://schemas.openxmlformats.org/drawingml/2006/compatibility" xmlns:p14="http://schemas.microsoft.com/office/powerpoint/2010/main" xmlns:p15="http://schemas.microsoft.com/office/powerpoint/2012/main" showMasterPhAnim="0" showMasterSp="0">
+<p:notes xmlns:a="http://schemas.openxmlformats.org/drawingml/2006/main" xmlns:r="http://schemas.openxmlformats.org/officeDocument/2006/relationships" xmlns:mc="http://schemas.openxmlformats.org/markup-compatibility/2006" xmlns:mv="urn:schemas-microsoft-com:mac:vml" xmlns:p="http://schemas.openxmlformats.org/presentationml/2006/main" xmlns:c="http://schemas.openxmlformats.org/drawingml/2006/chart" xmlns:dgm="http://schemas.openxmlformats.org/drawingml/2006/diagram" xmlns:o="urn:schemas-microsoft-com:office:office" xmlns:v="urn:schemas-microsoft-com:vml" xmlns:pvml="urn:schemas-microsoft-com:office:powerpoint" xmlns:com="http://schemas.openxmlformats.org/drawingml/2006/compatibility" xmlns:p14="http://schemas.microsoft.com/office/powerpoint/2010/main" xmlns:p15="http://schemas.microsoft.com/office/powerpoint/2012/main" xmlns:ahyp="http://schemas.microsoft.com/office/drawing/2018/hyperlinkcolor" showMasterPhAnim="0" showMasterSp="0">
   <p:cSld>
     <p:spTree>
       <p:nvGrpSpPr>
@@ -1716,7 +1835,7 @@
 </file>
 
 <file path=ppt/notesSlides/notesSlide3.xml><?xml version="1.0" encoding="utf-8"?>
-<p:notes xmlns:a="http://schemas.openxmlformats.org/drawingml/2006/main" xmlns:r="http://schemas.openxmlformats.org/officeDocument/2006/relationships" xmlns:mc="http://schemas.openxmlformats.org/markup-compatibility/2006" xmlns:mv="urn:schemas-microsoft-com:mac:vml" xmlns:p="http://schemas.openxmlformats.org/presentationml/2006/main" xmlns:c="http://schemas.openxmlformats.org/drawingml/2006/chart" xmlns:dgm="http://schemas.openxmlformats.org/drawingml/2006/diagram" xmlns:o="urn:schemas-microsoft-com:office:office" xmlns:v="urn:schemas-microsoft-com:vml" xmlns:pvml="urn:schemas-microsoft-com:office:powerpoint" xmlns:com="http://schemas.openxmlformats.org/drawingml/2006/compatibility" xmlns:p14="http://schemas.microsoft.com/office/powerpoint/2010/main" xmlns:p15="http://schemas.microsoft.com/office/powerpoint/2012/main" showMasterPhAnim="0" showMasterSp="0">
+<p:notes xmlns:a="http://schemas.openxmlformats.org/drawingml/2006/main" xmlns:r="http://schemas.openxmlformats.org/officeDocument/2006/relationships" xmlns:mc="http://schemas.openxmlformats.org/markup-compatibility/2006" xmlns:mv="urn:schemas-microsoft-com:mac:vml" xmlns:p="http://schemas.openxmlformats.org/presentationml/2006/main" xmlns:c="http://schemas.openxmlformats.org/drawingml/2006/chart" xmlns:dgm="http://schemas.openxmlformats.org/drawingml/2006/diagram" xmlns:o="urn:schemas-microsoft-com:office:office" xmlns:v="urn:schemas-microsoft-com:vml" xmlns:pvml="urn:schemas-microsoft-com:office:powerpoint" xmlns:com="http://schemas.openxmlformats.org/drawingml/2006/compatibility" xmlns:p14="http://schemas.microsoft.com/office/powerpoint/2010/main" xmlns:p15="http://schemas.microsoft.com/office/powerpoint/2012/main" xmlns:ahyp="http://schemas.microsoft.com/office/drawing/2018/hyperlinkcolor" showMasterPhAnim="0" showMasterSp="0">
   <p:cSld>
     <p:spTree>
       <p:nvGrpSpPr>
@@ -1827,11 +1946,11 @@
 </file>
 
 <file path=ppt/notesSlides/notesSlide4.xml><?xml version="1.0" encoding="utf-8"?>
-<p:notes xmlns:a="http://schemas.openxmlformats.org/drawingml/2006/main" xmlns:r="http://schemas.openxmlformats.org/officeDocument/2006/relationships" xmlns:mc="http://schemas.openxmlformats.org/markup-compatibility/2006" xmlns:mv="urn:schemas-microsoft-com:mac:vml" xmlns:p="http://schemas.openxmlformats.org/presentationml/2006/main" xmlns:c="http://schemas.openxmlformats.org/drawingml/2006/chart" xmlns:dgm="http://schemas.openxmlformats.org/drawingml/2006/diagram" xmlns:o="urn:schemas-microsoft-com:office:office" xmlns:v="urn:schemas-microsoft-com:vml" xmlns:pvml="urn:schemas-microsoft-com:office:powerpoint" xmlns:com="http://schemas.openxmlformats.org/drawingml/2006/compatibility" xmlns:p14="http://schemas.microsoft.com/office/powerpoint/2010/main" xmlns:p15="http://schemas.microsoft.com/office/powerpoint/2012/main" showMasterPhAnim="0" showMasterSp="0">
+<p:notes xmlns:a="http://schemas.openxmlformats.org/drawingml/2006/main" xmlns:r="http://schemas.openxmlformats.org/officeDocument/2006/relationships" xmlns:mc="http://schemas.openxmlformats.org/markup-compatibility/2006" xmlns:mv="urn:schemas-microsoft-com:mac:vml" xmlns:p="http://schemas.openxmlformats.org/presentationml/2006/main" xmlns:c="http://schemas.openxmlformats.org/drawingml/2006/chart" xmlns:dgm="http://schemas.openxmlformats.org/drawingml/2006/diagram" xmlns:o="urn:schemas-microsoft-com:office:office" xmlns:v="urn:schemas-microsoft-com:vml" xmlns:pvml="urn:schemas-microsoft-com:office:powerpoint" xmlns:com="http://schemas.openxmlformats.org/drawingml/2006/compatibility" xmlns:p14="http://schemas.microsoft.com/office/powerpoint/2010/main" xmlns:p15="http://schemas.microsoft.com/office/powerpoint/2012/main" xmlns:ahyp="http://schemas.microsoft.com/office/drawing/2018/hyperlinkcolor" showMasterPhAnim="0" showMasterSp="0">
   <p:cSld>
     <p:spTree>
       <p:nvGrpSpPr>
-        <p:cNvPr id="77" name="Shape 77"/>
+        <p:cNvPr id="76" name="Shape 76"/>
         <p:cNvGrpSpPr/>
         <p:nvPr/>
       </p:nvGrpSpPr>
@@ -1845,7 +1964,7 @@
       </p:grpSpPr>
       <p:sp>
         <p:nvSpPr>
-          <p:cNvPr id="78" name="Google Shape;78;p4:notes"/>
+          <p:cNvPr id="77" name="Google Shape;77;p4:notes"/>
           <p:cNvSpPr txBox="1"/>
           <p:nvPr>
             <p:ph idx="1" type="body"/>
@@ -1892,7 +2011,7 @@
       </p:sp>
       <p:sp>
         <p:nvSpPr>
-          <p:cNvPr id="79" name="Google Shape;79;p4:notes"/>
+          <p:cNvPr id="78" name="Google Shape;78;p4:notes"/>
           <p:cNvSpPr/>
           <p:nvPr>
             <p:ph idx="2" type="sldImg"/>
@@ -1938,11 +2057,11 @@
 </file>
 
 <file path=ppt/notesSlides/notesSlide5.xml><?xml version="1.0" encoding="utf-8"?>
-<p:notes xmlns:a="http://schemas.openxmlformats.org/drawingml/2006/main" xmlns:r="http://schemas.openxmlformats.org/officeDocument/2006/relationships" xmlns:mc="http://schemas.openxmlformats.org/markup-compatibility/2006" xmlns:mv="urn:schemas-microsoft-com:mac:vml" xmlns:p="http://schemas.openxmlformats.org/presentationml/2006/main" xmlns:c="http://schemas.openxmlformats.org/drawingml/2006/chart" xmlns:dgm="http://schemas.openxmlformats.org/drawingml/2006/diagram" xmlns:o="urn:schemas-microsoft-com:office:office" xmlns:v="urn:schemas-microsoft-com:vml" xmlns:pvml="urn:schemas-microsoft-com:office:powerpoint" xmlns:com="http://schemas.openxmlformats.org/drawingml/2006/compatibility" xmlns:p14="http://schemas.microsoft.com/office/powerpoint/2010/main" xmlns:p15="http://schemas.microsoft.com/office/powerpoint/2012/main" showMasterPhAnim="0" showMasterSp="0">
+<p:notes xmlns:a="http://schemas.openxmlformats.org/drawingml/2006/main" xmlns:r="http://schemas.openxmlformats.org/officeDocument/2006/relationships" xmlns:mc="http://schemas.openxmlformats.org/markup-compatibility/2006" xmlns:mv="urn:schemas-microsoft-com:mac:vml" xmlns:p="http://schemas.openxmlformats.org/presentationml/2006/main" xmlns:c="http://schemas.openxmlformats.org/drawingml/2006/chart" xmlns:dgm="http://schemas.openxmlformats.org/drawingml/2006/diagram" xmlns:o="urn:schemas-microsoft-com:office:office" xmlns:v="urn:schemas-microsoft-com:vml" xmlns:pvml="urn:schemas-microsoft-com:office:powerpoint" xmlns:com="http://schemas.openxmlformats.org/drawingml/2006/compatibility" xmlns:p14="http://schemas.microsoft.com/office/powerpoint/2010/main" xmlns:p15="http://schemas.microsoft.com/office/powerpoint/2012/main" xmlns:ahyp="http://schemas.microsoft.com/office/drawing/2018/hyperlinkcolor" showMasterPhAnim="0" showMasterSp="0">
   <p:cSld>
     <p:spTree>
       <p:nvGrpSpPr>
-        <p:cNvPr id="85" name="Shape 85"/>
+        <p:cNvPr id="84" name="Shape 84"/>
         <p:cNvGrpSpPr/>
         <p:nvPr/>
       </p:nvGrpSpPr>
@@ -1956,7 +2075,7 @@
       </p:grpSpPr>
       <p:sp>
         <p:nvSpPr>
-          <p:cNvPr id="86" name="Google Shape;86;p5:notes"/>
+          <p:cNvPr id="85" name="Google Shape;85;p5:notes"/>
           <p:cNvSpPr txBox="1"/>
           <p:nvPr>
             <p:ph idx="1" type="body"/>
@@ -2003,7 +2122,7 @@
       </p:sp>
       <p:sp>
         <p:nvSpPr>
-          <p:cNvPr id="87" name="Google Shape;87;p5:notes"/>
+          <p:cNvPr id="86" name="Google Shape;86;p5:notes"/>
           <p:cNvSpPr/>
           <p:nvPr>
             <p:ph idx="2" type="sldImg"/>
@@ -2049,11 +2168,11 @@
 </file>
 
 <file path=ppt/notesSlides/notesSlide6.xml><?xml version="1.0" encoding="utf-8"?>
-<p:notes xmlns:a="http://schemas.openxmlformats.org/drawingml/2006/main" xmlns:r="http://schemas.openxmlformats.org/officeDocument/2006/relationships" xmlns:mc="http://schemas.openxmlformats.org/markup-compatibility/2006" xmlns:mv="urn:schemas-microsoft-com:mac:vml" xmlns:p="http://schemas.openxmlformats.org/presentationml/2006/main" xmlns:c="http://schemas.openxmlformats.org/drawingml/2006/chart" xmlns:dgm="http://schemas.openxmlformats.org/drawingml/2006/diagram" xmlns:o="urn:schemas-microsoft-com:office:office" xmlns:v="urn:schemas-microsoft-com:vml" xmlns:pvml="urn:schemas-microsoft-com:office:powerpoint" xmlns:com="http://schemas.openxmlformats.org/drawingml/2006/compatibility" xmlns:p14="http://schemas.microsoft.com/office/powerpoint/2010/main" xmlns:p15="http://schemas.microsoft.com/office/powerpoint/2012/main" showMasterPhAnim="0" showMasterSp="0">
+<p:notes xmlns:a="http://schemas.openxmlformats.org/drawingml/2006/main" xmlns:r="http://schemas.openxmlformats.org/officeDocument/2006/relationships" xmlns:mc="http://schemas.openxmlformats.org/markup-compatibility/2006" xmlns:mv="urn:schemas-microsoft-com:mac:vml" xmlns:p="http://schemas.openxmlformats.org/presentationml/2006/main" xmlns:c="http://schemas.openxmlformats.org/drawingml/2006/chart" xmlns:dgm="http://schemas.openxmlformats.org/drawingml/2006/diagram" xmlns:o="urn:schemas-microsoft-com:office:office" xmlns:v="urn:schemas-microsoft-com:vml" xmlns:pvml="urn:schemas-microsoft-com:office:powerpoint" xmlns:com="http://schemas.openxmlformats.org/drawingml/2006/compatibility" xmlns:p14="http://schemas.microsoft.com/office/powerpoint/2010/main" xmlns:p15="http://schemas.microsoft.com/office/powerpoint/2012/main" xmlns:ahyp="http://schemas.microsoft.com/office/drawing/2018/hyperlinkcolor" showMasterPhAnim="0" showMasterSp="0">
   <p:cSld>
     <p:spTree>
       <p:nvGrpSpPr>
-        <p:cNvPr id="92" name="Shape 92"/>
+        <p:cNvPr id="91" name="Shape 91"/>
         <p:cNvGrpSpPr/>
         <p:nvPr/>
       </p:nvGrpSpPr>
@@ -2067,7 +2186,7 @@
       </p:grpSpPr>
       <p:sp>
         <p:nvSpPr>
-          <p:cNvPr id="93" name="Google Shape;93;p6:notes"/>
+          <p:cNvPr id="92" name="Google Shape;92;g2031f0e9df4_0_9:notes"/>
           <p:cNvSpPr txBox="1"/>
           <p:nvPr>
             <p:ph idx="1" type="body"/>
@@ -2114,7 +2233,7 @@
       </p:sp>
       <p:sp>
         <p:nvSpPr>
-          <p:cNvPr id="94" name="Google Shape;94;p6:notes"/>
+          <p:cNvPr id="93" name="Google Shape;93;g2031f0e9df4_0_9:notes"/>
           <p:cNvSpPr/>
           <p:nvPr>
             <p:ph idx="2" type="sldImg"/>
@@ -2160,7 +2279,7 @@
 </file>
 
 <file path=ppt/notesSlides/notesSlide7.xml><?xml version="1.0" encoding="utf-8"?>
-<p:notes xmlns:a="http://schemas.openxmlformats.org/drawingml/2006/main" xmlns:r="http://schemas.openxmlformats.org/officeDocument/2006/relationships" xmlns:mc="http://schemas.openxmlformats.org/markup-compatibility/2006" xmlns:mv="urn:schemas-microsoft-com:mac:vml" xmlns:p="http://schemas.openxmlformats.org/presentationml/2006/main" xmlns:c="http://schemas.openxmlformats.org/drawingml/2006/chart" xmlns:dgm="http://schemas.openxmlformats.org/drawingml/2006/diagram" xmlns:o="urn:schemas-microsoft-com:office:office" xmlns:v="urn:schemas-microsoft-com:vml" xmlns:pvml="urn:schemas-microsoft-com:office:powerpoint" xmlns:com="http://schemas.openxmlformats.org/drawingml/2006/compatibility" xmlns:p14="http://schemas.microsoft.com/office/powerpoint/2010/main" xmlns:p15="http://schemas.microsoft.com/office/powerpoint/2012/main" showMasterPhAnim="0" showMasterSp="0">
+<p:notes xmlns:a="http://schemas.openxmlformats.org/drawingml/2006/main" xmlns:r="http://schemas.openxmlformats.org/officeDocument/2006/relationships" xmlns:mc="http://schemas.openxmlformats.org/markup-compatibility/2006" xmlns:mv="urn:schemas-microsoft-com:mac:vml" xmlns:p="http://schemas.openxmlformats.org/presentationml/2006/main" xmlns:c="http://schemas.openxmlformats.org/drawingml/2006/chart" xmlns:dgm="http://schemas.openxmlformats.org/drawingml/2006/diagram" xmlns:o="urn:schemas-microsoft-com:office:office" xmlns:v="urn:schemas-microsoft-com:vml" xmlns:pvml="urn:schemas-microsoft-com:office:powerpoint" xmlns:com="http://schemas.openxmlformats.org/drawingml/2006/compatibility" xmlns:p14="http://schemas.microsoft.com/office/powerpoint/2010/main" xmlns:p15="http://schemas.microsoft.com/office/powerpoint/2012/main" xmlns:ahyp="http://schemas.microsoft.com/office/drawing/2018/hyperlinkcolor" showMasterPhAnim="0" showMasterSp="0">
   <p:cSld>
     <p:spTree>
       <p:nvGrpSpPr>
@@ -2178,7 +2297,7 @@
       </p:grpSpPr>
       <p:sp>
         <p:nvSpPr>
-          <p:cNvPr id="101" name="Google Shape;101;p7:notes"/>
+          <p:cNvPr id="101" name="Google Shape;101;p6:notes"/>
           <p:cNvSpPr txBox="1"/>
           <p:nvPr>
             <p:ph idx="1" type="body"/>
@@ -2225,7 +2344,7 @@
       </p:sp>
       <p:sp>
         <p:nvSpPr>
-          <p:cNvPr id="102" name="Google Shape;102;p7:notes"/>
+          <p:cNvPr id="102" name="Google Shape;102;p6:notes"/>
           <p:cNvSpPr/>
           <p:nvPr>
             <p:ph idx="2" type="sldImg"/>
@@ -2271,11 +2390,11 @@
 </file>
 
 <file path=ppt/notesSlides/notesSlide8.xml><?xml version="1.0" encoding="utf-8"?>
-<p:notes xmlns:a="http://schemas.openxmlformats.org/drawingml/2006/main" xmlns:r="http://schemas.openxmlformats.org/officeDocument/2006/relationships" xmlns:mc="http://schemas.openxmlformats.org/markup-compatibility/2006" xmlns:mv="urn:schemas-microsoft-com:mac:vml" xmlns:p="http://schemas.openxmlformats.org/presentationml/2006/main" xmlns:c="http://schemas.openxmlformats.org/drawingml/2006/chart" xmlns:dgm="http://schemas.openxmlformats.org/drawingml/2006/diagram" xmlns:o="urn:schemas-microsoft-com:office:office" xmlns:v="urn:schemas-microsoft-com:vml" xmlns:pvml="urn:schemas-microsoft-com:office:powerpoint" xmlns:com="http://schemas.openxmlformats.org/drawingml/2006/compatibility" xmlns:p14="http://schemas.microsoft.com/office/powerpoint/2010/main" xmlns:p15="http://schemas.microsoft.com/office/powerpoint/2012/main" showMasterPhAnim="0" showMasterSp="0">
+<p:notes xmlns:a="http://schemas.openxmlformats.org/drawingml/2006/main" xmlns:r="http://schemas.openxmlformats.org/officeDocument/2006/relationships" xmlns:mc="http://schemas.openxmlformats.org/markup-compatibility/2006" xmlns:mv="urn:schemas-microsoft-com:mac:vml" xmlns:p="http://schemas.openxmlformats.org/presentationml/2006/main" xmlns:c="http://schemas.openxmlformats.org/drawingml/2006/chart" xmlns:dgm="http://schemas.openxmlformats.org/drawingml/2006/diagram" xmlns:o="urn:schemas-microsoft-com:office:office" xmlns:v="urn:schemas-microsoft-com:vml" xmlns:pvml="urn:schemas-microsoft-com:office:powerpoint" xmlns:com="http://schemas.openxmlformats.org/drawingml/2006/compatibility" xmlns:p14="http://schemas.microsoft.com/office/powerpoint/2010/main" xmlns:p15="http://schemas.microsoft.com/office/powerpoint/2012/main" xmlns:ahyp="http://schemas.microsoft.com/office/drawing/2018/hyperlinkcolor" showMasterPhAnim="0" showMasterSp="0">
   <p:cSld>
     <p:spTree>
       <p:nvGrpSpPr>
-        <p:cNvPr id="109" name="Shape 109"/>
+        <p:cNvPr id="107" name="Shape 107"/>
         <p:cNvGrpSpPr/>
         <p:nvPr/>
       </p:nvGrpSpPr>
@@ -2289,7 +2408,7 @@
       </p:grpSpPr>
       <p:sp>
         <p:nvSpPr>
-          <p:cNvPr id="110" name="Google Shape;110;p8:notes"/>
+          <p:cNvPr id="108" name="Google Shape;108;p7:notes"/>
           <p:cNvSpPr txBox="1"/>
           <p:nvPr>
             <p:ph idx="1" type="body"/>
@@ -2336,7 +2455,7 @@
       </p:sp>
       <p:sp>
         <p:nvSpPr>
-          <p:cNvPr id="111" name="Google Shape;111;p8:notes"/>
+          <p:cNvPr id="109" name="Google Shape;109;p7:notes"/>
           <p:cNvSpPr/>
           <p:nvPr>
             <p:ph idx="2" type="sldImg"/>
@@ -2382,11 +2501,11 @@
 </file>
 
 <file path=ppt/notesSlides/notesSlide9.xml><?xml version="1.0" encoding="utf-8"?>
-<p:notes xmlns:a="http://schemas.openxmlformats.org/drawingml/2006/main" xmlns:r="http://schemas.openxmlformats.org/officeDocument/2006/relationships" xmlns:mc="http://schemas.openxmlformats.org/markup-compatibility/2006" xmlns:mv="urn:schemas-microsoft-com:mac:vml" xmlns:p="http://schemas.openxmlformats.org/presentationml/2006/main" xmlns:c="http://schemas.openxmlformats.org/drawingml/2006/chart" xmlns:dgm="http://schemas.openxmlformats.org/drawingml/2006/diagram" xmlns:o="urn:schemas-microsoft-com:office:office" xmlns:v="urn:schemas-microsoft-com:vml" xmlns:pvml="urn:schemas-microsoft-com:office:powerpoint" xmlns:com="http://schemas.openxmlformats.org/drawingml/2006/compatibility" xmlns:p14="http://schemas.microsoft.com/office/powerpoint/2010/main" xmlns:p15="http://schemas.microsoft.com/office/powerpoint/2012/main" showMasterPhAnim="0" showMasterSp="0">
+<p:notes xmlns:a="http://schemas.openxmlformats.org/drawingml/2006/main" xmlns:r="http://schemas.openxmlformats.org/officeDocument/2006/relationships" xmlns:mc="http://schemas.openxmlformats.org/markup-compatibility/2006" xmlns:mv="urn:schemas-microsoft-com:mac:vml" xmlns:p="http://schemas.openxmlformats.org/presentationml/2006/main" xmlns:c="http://schemas.openxmlformats.org/drawingml/2006/chart" xmlns:dgm="http://schemas.openxmlformats.org/drawingml/2006/diagram" xmlns:o="urn:schemas-microsoft-com:office:office" xmlns:v="urn:schemas-microsoft-com:vml" xmlns:pvml="urn:schemas-microsoft-com:office:powerpoint" xmlns:com="http://schemas.openxmlformats.org/drawingml/2006/compatibility" xmlns:p14="http://schemas.microsoft.com/office/powerpoint/2010/main" xmlns:p15="http://schemas.microsoft.com/office/powerpoint/2012/main" xmlns:ahyp="http://schemas.microsoft.com/office/drawing/2018/hyperlinkcolor" showMasterPhAnim="0" showMasterSp="0">
   <p:cSld>
     <p:spTree>
       <p:nvGrpSpPr>
-        <p:cNvPr id="116" name="Shape 116"/>
+        <p:cNvPr id="115" name="Shape 115"/>
         <p:cNvGrpSpPr/>
         <p:nvPr/>
       </p:nvGrpSpPr>
@@ -2400,7 +2519,7 @@
       </p:grpSpPr>
       <p:sp>
         <p:nvSpPr>
-          <p:cNvPr id="117" name="Google Shape;117;p9:notes"/>
+          <p:cNvPr id="116" name="Google Shape;116;p8:notes"/>
           <p:cNvSpPr txBox="1"/>
           <p:nvPr>
             <p:ph idx="1" type="body"/>
@@ -2447,7 +2566,7 @@
       </p:sp>
       <p:sp>
         <p:nvSpPr>
-          <p:cNvPr id="118" name="Google Shape;118;p9:notes"/>
+          <p:cNvPr id="117" name="Google Shape;117;p8:notes"/>
           <p:cNvSpPr/>
           <p:nvPr>
             <p:ph idx="2" type="sldImg"/>
@@ -2493,7 +2612,7 @@
 </file>
 
 <file path=ppt/slideLayouts/slideLayout1.xml><?xml version="1.0" encoding="utf-8"?>
-<p:sldLayout xmlns:a="http://schemas.openxmlformats.org/drawingml/2006/main" xmlns:r="http://schemas.openxmlformats.org/officeDocument/2006/relationships" xmlns:mc="http://schemas.openxmlformats.org/markup-compatibility/2006" xmlns:mv="urn:schemas-microsoft-com:mac:vml" xmlns:p="http://schemas.openxmlformats.org/presentationml/2006/main" xmlns:c="http://schemas.openxmlformats.org/drawingml/2006/chart" xmlns:dgm="http://schemas.openxmlformats.org/drawingml/2006/diagram" xmlns:o="urn:schemas-microsoft-com:office:office" xmlns:v="urn:schemas-microsoft-com:vml" xmlns:pvml="urn:schemas-microsoft-com:office:powerpoint" xmlns:com="http://schemas.openxmlformats.org/drawingml/2006/compatibility" xmlns:p14="http://schemas.microsoft.com/office/powerpoint/2010/main" xmlns:p15="http://schemas.microsoft.com/office/powerpoint/2012/main" matchingName="Title Slide" type="title">
+<p:sldLayout xmlns:a="http://schemas.openxmlformats.org/drawingml/2006/main" xmlns:r="http://schemas.openxmlformats.org/officeDocument/2006/relationships" xmlns:mc="http://schemas.openxmlformats.org/markup-compatibility/2006" xmlns:mv="urn:schemas-microsoft-com:mac:vml" xmlns:p="http://schemas.openxmlformats.org/presentationml/2006/main" xmlns:c="http://schemas.openxmlformats.org/drawingml/2006/chart" xmlns:dgm="http://schemas.openxmlformats.org/drawingml/2006/diagram" xmlns:o="urn:schemas-microsoft-com:office:office" xmlns:v="urn:schemas-microsoft-com:vml" xmlns:pvml="urn:schemas-microsoft-com:office:powerpoint" xmlns:com="http://schemas.openxmlformats.org/drawingml/2006/compatibility" xmlns:p14="http://schemas.microsoft.com/office/powerpoint/2010/main" xmlns:p15="http://schemas.microsoft.com/office/powerpoint/2012/main" xmlns:ahyp="http://schemas.microsoft.com/office/drawing/2018/hyperlinkcolor" matchingName="Title Slide" type="title">
   <p:cSld name="TITLE">
     <p:spTree>
       <p:nvGrpSpPr>
@@ -2511,7 +2630,7 @@
       </p:grpSpPr>
       <p:sp>
         <p:nvSpPr>
-          <p:cNvPr id="7" name="Google Shape;7;p2"/>
+          <p:cNvPr id="7" name="Google Shape;7;p17"/>
           <p:cNvSpPr txBox="1"/>
           <p:nvPr>
             <p:ph type="ctrTitle"/>
@@ -2531,7 +2650,9 @@
           </a:ln>
         </p:spPr>
         <p:txBody>
-          <a:bodyPr anchorCtr="0" anchor="t" bIns="91425" lIns="91425" spcFirstLastPara="1" rIns="91425" wrap="square" tIns="91425"/>
+          <a:bodyPr anchorCtr="0" anchor="t" bIns="91425" lIns="91425" spcFirstLastPara="1" rIns="91425" wrap="square" tIns="91425">
+            <a:noAutofit/>
+          </a:bodyPr>
           <a:lstStyle>
             <a:lvl1pPr lvl="0" marR="0" rtl="0" algn="l">
               <a:lnSpc>
@@ -2773,7 +2894,7 @@
       </p:sp>
       <p:sp>
         <p:nvSpPr>
-          <p:cNvPr id="8" name="Google Shape;8;p2"/>
+          <p:cNvPr id="8" name="Google Shape;8;p17"/>
           <p:cNvSpPr txBox="1"/>
           <p:nvPr>
             <p:ph idx="1" type="subTitle"/>
@@ -2793,7 +2914,9 @@
           </a:ln>
         </p:spPr>
         <p:txBody>
-          <a:bodyPr anchorCtr="0" anchor="t" bIns="91425" lIns="91425" spcFirstLastPara="1" rIns="91425" wrap="square" tIns="91425"/>
+          <a:bodyPr anchorCtr="0" anchor="t" bIns="91425" lIns="91425" spcFirstLastPara="1" rIns="91425" wrap="square" tIns="91425">
+            <a:noAutofit/>
+          </a:bodyPr>
           <a:lstStyle>
             <a:lvl1pPr lvl="0" marR="0" rtl="0" algn="l">
               <a:lnSpc>
@@ -3035,7 +3158,7 @@
       </p:sp>
       <p:cxnSp>
         <p:nvCxnSpPr>
-          <p:cNvPr id="9" name="Google Shape;9;p2"/>
+          <p:cNvPr id="9" name="Google Shape;9;p17"/>
           <p:cNvCxnSpPr/>
           <p:nvPr/>
         </p:nvCxnSpPr>
@@ -3061,7 +3184,7 @@
       </p:cxnSp>
       <p:pic>
         <p:nvPicPr>
-          <p:cNvPr descr="activeeon-white.pdf" id="10" name="Google Shape;10;p2"/>
+          <p:cNvPr descr="activeeon-white.pdf" id="10" name="Google Shape;10;p17"/>
           <p:cNvPicPr preferRelativeResize="0"/>
           <p:nvPr/>
         </p:nvPicPr>
@@ -3095,7 +3218,7 @@
 </file>
 
 <file path=ppt/slideLayouts/slideLayout10.xml><?xml version="1.0" encoding="utf-8"?>
-<p:sldLayout xmlns:a="http://schemas.openxmlformats.org/drawingml/2006/main" xmlns:r="http://schemas.openxmlformats.org/officeDocument/2006/relationships" xmlns:mc="http://schemas.openxmlformats.org/markup-compatibility/2006" xmlns:mv="urn:schemas-microsoft-com:mac:vml" xmlns:p="http://schemas.openxmlformats.org/presentationml/2006/main" xmlns:c="http://schemas.openxmlformats.org/drawingml/2006/chart" xmlns:dgm="http://schemas.openxmlformats.org/drawingml/2006/diagram" xmlns:o="urn:schemas-microsoft-com:office:office" xmlns:v="urn:schemas-microsoft-com:vml" xmlns:pvml="urn:schemas-microsoft-com:office:powerpoint" xmlns:com="http://schemas.openxmlformats.org/drawingml/2006/compatibility" xmlns:p14="http://schemas.microsoft.com/office/powerpoint/2010/main" xmlns:p15="http://schemas.microsoft.com/office/powerpoint/2012/main" matchingName="Text Layout">
+<p:sldLayout xmlns:a="http://schemas.openxmlformats.org/drawingml/2006/main" xmlns:r="http://schemas.openxmlformats.org/officeDocument/2006/relationships" xmlns:mc="http://schemas.openxmlformats.org/markup-compatibility/2006" xmlns:mv="urn:schemas-microsoft-com:mac:vml" xmlns:p="http://schemas.openxmlformats.org/presentationml/2006/main" xmlns:c="http://schemas.openxmlformats.org/drawingml/2006/chart" xmlns:dgm="http://schemas.openxmlformats.org/drawingml/2006/diagram" xmlns:o="urn:schemas-microsoft-com:office:office" xmlns:v="urn:schemas-microsoft-com:vml" xmlns:pvml="urn:schemas-microsoft-com:office:powerpoint" xmlns:com="http://schemas.openxmlformats.org/drawingml/2006/compatibility" xmlns:p14="http://schemas.microsoft.com/office/powerpoint/2010/main" xmlns:p15="http://schemas.microsoft.com/office/powerpoint/2012/main" xmlns:ahyp="http://schemas.microsoft.com/office/drawing/2018/hyperlinkcolor" matchingName="Text Layout">
   <p:cSld name="Text Layout">
     <p:spTree>
       <p:nvGrpSpPr>
@@ -3113,7 +3236,7 @@
       </p:grpSpPr>
       <p:sp>
         <p:nvSpPr>
-          <p:cNvPr id="48" name="Google Shape;48;p11"/>
+          <p:cNvPr id="48" name="Google Shape;48;p26"/>
           <p:cNvSpPr txBox="1"/>
           <p:nvPr/>
         </p:nvSpPr>
@@ -3179,7 +3302,7 @@
       </p:sp>
       <p:sp>
         <p:nvSpPr>
-          <p:cNvPr id="49" name="Google Shape;49;p11"/>
+          <p:cNvPr id="49" name="Google Shape;49;p26"/>
           <p:cNvSpPr txBox="1"/>
           <p:nvPr>
             <p:ph idx="1" type="body"/>
@@ -3199,7 +3322,9 @@
           </a:ln>
         </p:spPr>
         <p:txBody>
-          <a:bodyPr anchorCtr="0" anchor="t" bIns="91425" lIns="91425" spcFirstLastPara="1" rIns="91425" wrap="square" tIns="91425"/>
+          <a:bodyPr anchorCtr="0" anchor="t" bIns="91425" lIns="91425" spcFirstLastPara="1" rIns="91425" wrap="square" tIns="91425">
+            <a:noAutofit/>
+          </a:bodyPr>
           <a:lstStyle>
             <a:lvl1pPr indent="-520700" lvl="0" marL="457200" marR="0" rtl="0" algn="l">
               <a:lnSpc>
@@ -3441,7 +3566,7 @@
       </p:sp>
       <p:sp>
         <p:nvSpPr>
-          <p:cNvPr id="50" name="Google Shape;50;p11"/>
+          <p:cNvPr id="50" name="Google Shape;50;p26"/>
           <p:cNvSpPr txBox="1"/>
           <p:nvPr>
             <p:ph type="title"/>
@@ -3461,7 +3586,9 @@
           </a:ln>
         </p:spPr>
         <p:txBody>
-          <a:bodyPr anchorCtr="0" anchor="t" bIns="91425" lIns="91425" spcFirstLastPara="1" rIns="91425" wrap="square" tIns="91425"/>
+          <a:bodyPr anchorCtr="0" anchor="t" bIns="91425" lIns="91425" spcFirstLastPara="1" rIns="91425" wrap="square" tIns="91425">
+            <a:noAutofit/>
+          </a:bodyPr>
           <a:lstStyle>
             <a:lvl1pPr lvl="0" marR="0" rtl="0" algn="ctr">
               <a:lnSpc>
@@ -3703,7 +3830,7 @@
       </p:sp>
       <p:sp>
         <p:nvSpPr>
-          <p:cNvPr id="51" name="Google Shape;51;p11"/>
+          <p:cNvPr id="51" name="Google Shape;51;p26"/>
           <p:cNvSpPr txBox="1"/>
           <p:nvPr>
             <p:ph idx="11" type="ftr"/>
@@ -3723,7 +3850,9 @@
           </a:ln>
         </p:spPr>
         <p:txBody>
-          <a:bodyPr anchorCtr="0" anchor="t" bIns="91425" lIns="91425" spcFirstLastPara="1" rIns="91425" wrap="square" tIns="91425"/>
+          <a:bodyPr anchorCtr="0" anchor="t" bIns="91425" lIns="91425" spcFirstLastPara="1" rIns="91425" wrap="square" tIns="91425">
+            <a:noAutofit/>
+          </a:bodyPr>
           <a:lstStyle>
             <a:lvl1pPr lvl="0" marR="0" rtl="0" algn="ctr">
               <a:lnSpc>
@@ -3972,7 +4101,7 @@
 </file>
 
 <file path=ppt/slideLayouts/slideLayout2.xml><?xml version="1.0" encoding="utf-8"?>
-<p:sldLayout xmlns:a="http://schemas.openxmlformats.org/drawingml/2006/main" xmlns:r="http://schemas.openxmlformats.org/officeDocument/2006/relationships" xmlns:mc="http://schemas.openxmlformats.org/markup-compatibility/2006" xmlns:mv="urn:schemas-microsoft-com:mac:vml" xmlns:p="http://schemas.openxmlformats.org/presentationml/2006/main" xmlns:c="http://schemas.openxmlformats.org/drawingml/2006/chart" xmlns:dgm="http://schemas.openxmlformats.org/drawingml/2006/diagram" xmlns:o="urn:schemas-microsoft-com:office:office" xmlns:v="urn:schemas-microsoft-com:vml" xmlns:pvml="urn:schemas-microsoft-com:office:powerpoint" xmlns:com="http://schemas.openxmlformats.org/drawingml/2006/compatibility" xmlns:p14="http://schemas.microsoft.com/office/powerpoint/2010/main" xmlns:p15="http://schemas.microsoft.com/office/powerpoint/2012/main" matchingName="Title and Content">
+<p:sldLayout xmlns:a="http://schemas.openxmlformats.org/drawingml/2006/main" xmlns:r="http://schemas.openxmlformats.org/officeDocument/2006/relationships" xmlns:mc="http://schemas.openxmlformats.org/markup-compatibility/2006" xmlns:mv="urn:schemas-microsoft-com:mac:vml" xmlns:p="http://schemas.openxmlformats.org/presentationml/2006/main" xmlns:c="http://schemas.openxmlformats.org/drawingml/2006/chart" xmlns:dgm="http://schemas.openxmlformats.org/drawingml/2006/diagram" xmlns:o="urn:schemas-microsoft-com:office:office" xmlns:v="urn:schemas-microsoft-com:vml" xmlns:pvml="urn:schemas-microsoft-com:office:powerpoint" xmlns:com="http://schemas.openxmlformats.org/drawingml/2006/compatibility" xmlns:p14="http://schemas.microsoft.com/office/powerpoint/2010/main" xmlns:p15="http://schemas.microsoft.com/office/powerpoint/2012/main" xmlns:ahyp="http://schemas.microsoft.com/office/drawing/2018/hyperlinkcolor" matchingName="Title and Content">
   <p:cSld name="Title and Content">
     <p:spTree>
       <p:nvGrpSpPr>
@@ -3990,7 +4119,7 @@
       </p:grpSpPr>
       <p:sp>
         <p:nvSpPr>
-          <p:cNvPr id="12" name="Google Shape;12;p3"/>
+          <p:cNvPr id="12" name="Google Shape;12;p18"/>
           <p:cNvSpPr txBox="1"/>
           <p:nvPr>
             <p:ph idx="1" type="body"/>
@@ -4010,7 +4139,9 @@
           </a:ln>
         </p:spPr>
         <p:txBody>
-          <a:bodyPr anchorCtr="0" anchor="t" bIns="91425" lIns="91425" spcFirstLastPara="1" rIns="91425" wrap="square" tIns="91425"/>
+          <a:bodyPr anchorCtr="0" anchor="t" bIns="91425" lIns="91425" spcFirstLastPara="1" rIns="91425" wrap="square" tIns="91425">
+            <a:noAutofit/>
+          </a:bodyPr>
           <a:lstStyle>
             <a:lvl1pPr indent="-419100" lvl="0" marL="457200" marR="0" rtl="0" algn="l">
               <a:lnSpc>
@@ -4252,7 +4383,7 @@
       </p:sp>
       <p:cxnSp>
         <p:nvCxnSpPr>
-          <p:cNvPr id="13" name="Google Shape;13;p3"/>
+          <p:cNvPr id="13" name="Google Shape;13;p18"/>
           <p:cNvCxnSpPr/>
           <p:nvPr/>
         </p:nvCxnSpPr>
@@ -4278,7 +4409,7 @@
       </p:cxnSp>
       <p:pic>
         <p:nvPicPr>
-          <p:cNvPr descr="activeeon-white.pdf" id="14" name="Google Shape;14;p3"/>
+          <p:cNvPr descr="activeeon-white.pdf" id="14" name="Google Shape;14;p18"/>
           <p:cNvPicPr preferRelativeResize="0"/>
           <p:nvPr/>
         </p:nvPicPr>
@@ -4305,7 +4436,7 @@
       </p:pic>
       <p:sp>
         <p:nvSpPr>
-          <p:cNvPr id="15" name="Google Shape;15;p3"/>
+          <p:cNvPr id="15" name="Google Shape;15;p18"/>
           <p:cNvSpPr txBox="1"/>
           <p:nvPr>
             <p:ph type="title"/>
@@ -4325,7 +4456,9 @@
           </a:ln>
         </p:spPr>
         <p:txBody>
-          <a:bodyPr anchorCtr="0" anchor="t" bIns="91425" lIns="91425" spcFirstLastPara="1" rIns="91425" wrap="square" tIns="91425"/>
+          <a:bodyPr anchorCtr="0" anchor="t" bIns="91425" lIns="91425" spcFirstLastPara="1" rIns="91425" wrap="square" tIns="91425">
+            <a:noAutofit/>
+          </a:bodyPr>
           <a:lstStyle>
             <a:lvl1pPr lvl="0" marR="0" rtl="0" algn="l">
               <a:lnSpc>
@@ -4574,7 +4707,7 @@
 </file>
 
 <file path=ppt/slideLayouts/slideLayout3.xml><?xml version="1.0" encoding="utf-8"?>
-<p:sldLayout xmlns:a="http://schemas.openxmlformats.org/drawingml/2006/main" xmlns:r="http://schemas.openxmlformats.org/officeDocument/2006/relationships" xmlns:mc="http://schemas.openxmlformats.org/markup-compatibility/2006" xmlns:mv="urn:schemas-microsoft-com:mac:vml" xmlns:p="http://schemas.openxmlformats.org/presentationml/2006/main" xmlns:c="http://schemas.openxmlformats.org/drawingml/2006/chart" xmlns:dgm="http://schemas.openxmlformats.org/drawingml/2006/diagram" xmlns:o="urn:schemas-microsoft-com:office:office" xmlns:v="urn:schemas-microsoft-com:vml" xmlns:pvml="urn:schemas-microsoft-com:office:powerpoint" xmlns:com="http://schemas.openxmlformats.org/drawingml/2006/compatibility" xmlns:p14="http://schemas.microsoft.com/office/powerpoint/2010/main" xmlns:p15="http://schemas.microsoft.com/office/powerpoint/2012/main" matchingName="1_Title and Content">
+<p:sldLayout xmlns:a="http://schemas.openxmlformats.org/drawingml/2006/main" xmlns:r="http://schemas.openxmlformats.org/officeDocument/2006/relationships" xmlns:mc="http://schemas.openxmlformats.org/markup-compatibility/2006" xmlns:mv="urn:schemas-microsoft-com:mac:vml" xmlns:p="http://schemas.openxmlformats.org/presentationml/2006/main" xmlns:c="http://schemas.openxmlformats.org/drawingml/2006/chart" xmlns:dgm="http://schemas.openxmlformats.org/drawingml/2006/diagram" xmlns:o="urn:schemas-microsoft-com:office:office" xmlns:v="urn:schemas-microsoft-com:vml" xmlns:pvml="urn:schemas-microsoft-com:office:powerpoint" xmlns:com="http://schemas.openxmlformats.org/drawingml/2006/compatibility" xmlns:p14="http://schemas.microsoft.com/office/powerpoint/2010/main" xmlns:p15="http://schemas.microsoft.com/office/powerpoint/2012/main" xmlns:ahyp="http://schemas.microsoft.com/office/drawing/2018/hyperlinkcolor" matchingName="1_Title and Content">
   <p:cSld name="1_Title and Content">
     <p:spTree>
       <p:nvGrpSpPr>
@@ -4592,7 +4725,7 @@
       </p:grpSpPr>
       <p:sp>
         <p:nvSpPr>
-          <p:cNvPr id="17" name="Google Shape;17;p4"/>
+          <p:cNvPr id="17" name="Google Shape;17;p19"/>
           <p:cNvSpPr txBox="1"/>
           <p:nvPr>
             <p:ph idx="1" type="body"/>
@@ -4612,7 +4745,9 @@
           </a:ln>
         </p:spPr>
         <p:txBody>
-          <a:bodyPr anchorCtr="0" anchor="t" bIns="91425" lIns="91425" spcFirstLastPara="1" rIns="91425" wrap="square" tIns="91425"/>
+          <a:bodyPr anchorCtr="0" anchor="t" bIns="91425" lIns="91425" spcFirstLastPara="1" rIns="91425" wrap="square" tIns="91425">
+            <a:noAutofit/>
+          </a:bodyPr>
           <a:lstStyle>
             <a:lvl1pPr indent="-419100" lvl="0" marL="457200" marR="0" rtl="0" algn="l">
               <a:lnSpc>
@@ -4854,7 +4989,7 @@
       </p:sp>
       <p:cxnSp>
         <p:nvCxnSpPr>
-          <p:cNvPr id="18" name="Google Shape;18;p4"/>
+          <p:cNvPr id="18" name="Google Shape;18;p19"/>
           <p:cNvCxnSpPr/>
           <p:nvPr/>
         </p:nvCxnSpPr>
@@ -4880,7 +5015,7 @@
       </p:cxnSp>
       <p:pic>
         <p:nvPicPr>
-          <p:cNvPr descr="activeeon-white.pdf" id="19" name="Google Shape;19;p4"/>
+          <p:cNvPr descr="activeeon-white.pdf" id="19" name="Google Shape;19;p19"/>
           <p:cNvPicPr preferRelativeResize="0"/>
           <p:nvPr/>
         </p:nvPicPr>
@@ -4907,7 +5042,7 @@
       </p:pic>
       <p:sp>
         <p:nvSpPr>
-          <p:cNvPr id="20" name="Google Shape;20;p4"/>
+          <p:cNvPr id="20" name="Google Shape;20;p19"/>
           <p:cNvSpPr txBox="1"/>
           <p:nvPr>
             <p:ph type="title"/>
@@ -4927,7 +5062,9 @@
           </a:ln>
         </p:spPr>
         <p:txBody>
-          <a:bodyPr anchorCtr="0" anchor="t" bIns="91425" lIns="91425" spcFirstLastPara="1" rIns="91425" wrap="square" tIns="91425"/>
+          <a:bodyPr anchorCtr="0" anchor="t" bIns="91425" lIns="91425" spcFirstLastPara="1" rIns="91425" wrap="square" tIns="91425">
+            <a:noAutofit/>
+          </a:bodyPr>
           <a:lstStyle>
             <a:lvl1pPr lvl="0" marR="0" rtl="0" algn="l">
               <a:lnSpc>
@@ -5176,7 +5313,7 @@
 </file>
 
 <file path=ppt/slideLayouts/slideLayout4.xml><?xml version="1.0" encoding="utf-8"?>
-<p:sldLayout xmlns:a="http://schemas.openxmlformats.org/drawingml/2006/main" xmlns:r="http://schemas.openxmlformats.org/officeDocument/2006/relationships" xmlns:mc="http://schemas.openxmlformats.org/markup-compatibility/2006" xmlns:mv="urn:schemas-microsoft-com:mac:vml" xmlns:p="http://schemas.openxmlformats.org/presentationml/2006/main" xmlns:c="http://schemas.openxmlformats.org/drawingml/2006/chart" xmlns:dgm="http://schemas.openxmlformats.org/drawingml/2006/diagram" xmlns:o="urn:schemas-microsoft-com:office:office" xmlns:v="urn:schemas-microsoft-com:vml" xmlns:pvml="urn:schemas-microsoft-com:office:powerpoint" xmlns:com="http://schemas.openxmlformats.org/drawingml/2006/compatibility" xmlns:p14="http://schemas.microsoft.com/office/powerpoint/2010/main" xmlns:p15="http://schemas.microsoft.com/office/powerpoint/2012/main" matchingName="Two Content">
+<p:sldLayout xmlns:a="http://schemas.openxmlformats.org/drawingml/2006/main" xmlns:r="http://schemas.openxmlformats.org/officeDocument/2006/relationships" xmlns:mc="http://schemas.openxmlformats.org/markup-compatibility/2006" xmlns:mv="urn:schemas-microsoft-com:mac:vml" xmlns:p="http://schemas.openxmlformats.org/presentationml/2006/main" xmlns:c="http://schemas.openxmlformats.org/drawingml/2006/chart" xmlns:dgm="http://schemas.openxmlformats.org/drawingml/2006/diagram" xmlns:o="urn:schemas-microsoft-com:office:office" xmlns:v="urn:schemas-microsoft-com:vml" xmlns:pvml="urn:schemas-microsoft-com:office:powerpoint" xmlns:com="http://schemas.openxmlformats.org/drawingml/2006/compatibility" xmlns:p14="http://schemas.microsoft.com/office/powerpoint/2010/main" xmlns:p15="http://schemas.microsoft.com/office/powerpoint/2012/main" xmlns:ahyp="http://schemas.microsoft.com/office/drawing/2018/hyperlinkcolor" matchingName="Two Content">
   <p:cSld name="Two Content">
     <p:spTree>
       <p:nvGrpSpPr>
@@ -5194,7 +5331,7 @@
       </p:grpSpPr>
       <p:cxnSp>
         <p:nvCxnSpPr>
-          <p:cNvPr id="22" name="Google Shape;22;p5"/>
+          <p:cNvPr id="22" name="Google Shape;22;p20"/>
           <p:cNvCxnSpPr/>
           <p:nvPr/>
         </p:nvCxnSpPr>
@@ -5220,7 +5357,7 @@
       </p:cxnSp>
       <p:sp>
         <p:nvSpPr>
-          <p:cNvPr id="23" name="Google Shape;23;p5"/>
+          <p:cNvPr id="23" name="Google Shape;23;p20"/>
           <p:cNvSpPr txBox="1"/>
           <p:nvPr>
             <p:ph idx="1" type="body"/>
@@ -5240,7 +5377,9 @@
           </a:ln>
         </p:spPr>
         <p:txBody>
-          <a:bodyPr anchorCtr="0" anchor="b" bIns="91425" lIns="91425" spcFirstLastPara="1" rIns="91425" wrap="square" tIns="91425"/>
+          <a:bodyPr anchorCtr="0" anchor="b" bIns="91425" lIns="91425" spcFirstLastPara="1" rIns="91425" wrap="square" tIns="91425">
+            <a:noAutofit/>
+          </a:bodyPr>
           <a:lstStyle>
             <a:lvl1pPr indent="-228600" lvl="0" marL="457200" marR="0" rtl="0" algn="l">
               <a:lnSpc>
@@ -5482,7 +5621,7 @@
       </p:sp>
       <p:sp>
         <p:nvSpPr>
-          <p:cNvPr id="24" name="Google Shape;24;p5"/>
+          <p:cNvPr id="24" name="Google Shape;24;p20"/>
           <p:cNvSpPr txBox="1"/>
           <p:nvPr>
             <p:ph idx="2" type="body"/>
@@ -5502,7 +5641,9 @@
           </a:ln>
         </p:spPr>
         <p:txBody>
-          <a:bodyPr anchorCtr="0" anchor="b" bIns="91425" lIns="91425" spcFirstLastPara="1" rIns="91425" wrap="square" tIns="91425"/>
+          <a:bodyPr anchorCtr="0" anchor="b" bIns="91425" lIns="91425" spcFirstLastPara="1" rIns="91425" wrap="square" tIns="91425">
+            <a:noAutofit/>
+          </a:bodyPr>
           <a:lstStyle>
             <a:lvl1pPr indent="-228600" lvl="0" marL="457200" marR="0" rtl="0" algn="l">
               <a:lnSpc>
@@ -5744,7 +5885,7 @@
       </p:sp>
       <p:pic>
         <p:nvPicPr>
-          <p:cNvPr descr="activeeon-white.pdf" id="25" name="Google Shape;25;p5"/>
+          <p:cNvPr descr="activeeon-white.pdf" id="25" name="Google Shape;25;p20"/>
           <p:cNvPicPr preferRelativeResize="0"/>
           <p:nvPr/>
         </p:nvPicPr>
@@ -5771,7 +5912,7 @@
       </p:pic>
       <p:sp>
         <p:nvSpPr>
-          <p:cNvPr id="26" name="Google Shape;26;p5"/>
+          <p:cNvPr id="26" name="Google Shape;26;p20"/>
           <p:cNvSpPr txBox="1"/>
           <p:nvPr>
             <p:ph idx="3" type="body"/>
@@ -5791,7 +5932,9 @@
           </a:ln>
         </p:spPr>
         <p:txBody>
-          <a:bodyPr anchorCtr="0" anchor="t" bIns="91425" lIns="91425" spcFirstLastPara="1" rIns="91425" wrap="square" tIns="91425"/>
+          <a:bodyPr anchorCtr="0" anchor="t" bIns="91425" lIns="91425" spcFirstLastPara="1" rIns="91425" wrap="square" tIns="91425">
+            <a:noAutofit/>
+          </a:bodyPr>
           <a:lstStyle>
             <a:lvl1pPr indent="-390525" lvl="0" marL="457200" marR="0" rtl="0" algn="l">
               <a:lnSpc>
@@ -6033,7 +6176,7 @@
       </p:sp>
       <p:sp>
         <p:nvSpPr>
-          <p:cNvPr id="27" name="Google Shape;27;p5"/>
+          <p:cNvPr id="27" name="Google Shape;27;p20"/>
           <p:cNvSpPr txBox="1"/>
           <p:nvPr>
             <p:ph idx="4" type="body"/>
@@ -6053,7 +6196,9 @@
           </a:ln>
         </p:spPr>
         <p:txBody>
-          <a:bodyPr anchorCtr="0" anchor="t" bIns="91425" lIns="91425" spcFirstLastPara="1" rIns="91425" wrap="square" tIns="91425"/>
+          <a:bodyPr anchorCtr="0" anchor="t" bIns="91425" lIns="91425" spcFirstLastPara="1" rIns="91425" wrap="square" tIns="91425">
+            <a:noAutofit/>
+          </a:bodyPr>
           <a:lstStyle>
             <a:lvl1pPr indent="-390525" lvl="0" marL="457200" marR="0" rtl="0" algn="l">
               <a:lnSpc>
@@ -6295,7 +6440,7 @@
       </p:sp>
       <p:sp>
         <p:nvSpPr>
-          <p:cNvPr id="28" name="Google Shape;28;p5"/>
+          <p:cNvPr id="28" name="Google Shape;28;p20"/>
           <p:cNvSpPr txBox="1"/>
           <p:nvPr>
             <p:ph type="title"/>
@@ -6315,7 +6460,9 @@
           </a:ln>
         </p:spPr>
         <p:txBody>
-          <a:bodyPr anchorCtr="0" anchor="t" bIns="91425" lIns="91425" spcFirstLastPara="1" rIns="91425" wrap="square" tIns="91425"/>
+          <a:bodyPr anchorCtr="0" anchor="t" bIns="91425" lIns="91425" spcFirstLastPara="1" rIns="91425" wrap="square" tIns="91425">
+            <a:noAutofit/>
+          </a:bodyPr>
           <a:lstStyle>
             <a:lvl1pPr lvl="0" marR="0" rtl="0" algn="l">
               <a:lnSpc>
@@ -6564,7 +6711,7 @@
 </file>
 
 <file path=ppt/slideLayouts/slideLayout5.xml><?xml version="1.0" encoding="utf-8"?>
-<p:sldLayout xmlns:a="http://schemas.openxmlformats.org/drawingml/2006/main" xmlns:r="http://schemas.openxmlformats.org/officeDocument/2006/relationships" xmlns:mc="http://schemas.openxmlformats.org/markup-compatibility/2006" xmlns:mv="urn:schemas-microsoft-com:mac:vml" xmlns:p="http://schemas.openxmlformats.org/presentationml/2006/main" xmlns:c="http://schemas.openxmlformats.org/drawingml/2006/chart" xmlns:dgm="http://schemas.openxmlformats.org/drawingml/2006/diagram" xmlns:o="urn:schemas-microsoft-com:office:office" xmlns:v="urn:schemas-microsoft-com:vml" xmlns:pvml="urn:schemas-microsoft-com:office:powerpoint" xmlns:com="http://schemas.openxmlformats.org/drawingml/2006/compatibility" xmlns:p14="http://schemas.microsoft.com/office/powerpoint/2010/main" xmlns:p15="http://schemas.microsoft.com/office/powerpoint/2012/main" matchingName="Title Only">
+<p:sldLayout xmlns:a="http://schemas.openxmlformats.org/drawingml/2006/main" xmlns:r="http://schemas.openxmlformats.org/officeDocument/2006/relationships" xmlns:mc="http://schemas.openxmlformats.org/markup-compatibility/2006" xmlns:mv="urn:schemas-microsoft-com:mac:vml" xmlns:p="http://schemas.openxmlformats.org/presentationml/2006/main" xmlns:c="http://schemas.openxmlformats.org/drawingml/2006/chart" xmlns:dgm="http://schemas.openxmlformats.org/drawingml/2006/diagram" xmlns:o="urn:schemas-microsoft-com:office:office" xmlns:v="urn:schemas-microsoft-com:vml" xmlns:pvml="urn:schemas-microsoft-com:office:powerpoint" xmlns:com="http://schemas.openxmlformats.org/drawingml/2006/compatibility" xmlns:p14="http://schemas.microsoft.com/office/powerpoint/2010/main" xmlns:p15="http://schemas.microsoft.com/office/powerpoint/2012/main" xmlns:ahyp="http://schemas.microsoft.com/office/drawing/2018/hyperlinkcolor" matchingName="Title Only">
   <p:cSld name="Title Only">
     <p:spTree>
       <p:nvGrpSpPr>
@@ -6582,7 +6729,7 @@
       </p:grpSpPr>
       <p:cxnSp>
         <p:nvCxnSpPr>
-          <p:cNvPr id="30" name="Google Shape;30;p6"/>
+          <p:cNvPr id="30" name="Google Shape;30;p21"/>
           <p:cNvCxnSpPr/>
           <p:nvPr/>
         </p:nvCxnSpPr>
@@ -6608,7 +6755,7 @@
       </p:cxnSp>
       <p:pic>
         <p:nvPicPr>
-          <p:cNvPr descr="activeeon-white.pdf" id="31" name="Google Shape;31;p6"/>
+          <p:cNvPr descr="activeeon-white.pdf" id="31" name="Google Shape;31;p21"/>
           <p:cNvPicPr preferRelativeResize="0"/>
           <p:nvPr/>
         </p:nvPicPr>
@@ -6635,7 +6782,7 @@
       </p:pic>
       <p:sp>
         <p:nvSpPr>
-          <p:cNvPr id="32" name="Google Shape;32;p6"/>
+          <p:cNvPr id="32" name="Google Shape;32;p21"/>
           <p:cNvSpPr txBox="1"/>
           <p:nvPr>
             <p:ph type="title"/>
@@ -6655,7 +6802,9 @@
           </a:ln>
         </p:spPr>
         <p:txBody>
-          <a:bodyPr anchorCtr="0" anchor="t" bIns="91425" lIns="91425" spcFirstLastPara="1" rIns="91425" wrap="square" tIns="91425"/>
+          <a:bodyPr anchorCtr="0" anchor="t" bIns="91425" lIns="91425" spcFirstLastPara="1" rIns="91425" wrap="square" tIns="91425">
+            <a:noAutofit/>
+          </a:bodyPr>
           <a:lstStyle>
             <a:lvl1pPr lvl="0" marR="0" rtl="0" algn="l">
               <a:lnSpc>
@@ -6904,7 +7053,7 @@
 </file>
 
 <file path=ppt/slideLayouts/slideLayout6.xml><?xml version="1.0" encoding="utf-8"?>
-<p:sldLayout xmlns:a="http://schemas.openxmlformats.org/drawingml/2006/main" xmlns:r="http://schemas.openxmlformats.org/officeDocument/2006/relationships" xmlns:mc="http://schemas.openxmlformats.org/markup-compatibility/2006" xmlns:mv="urn:schemas-microsoft-com:mac:vml" xmlns:p="http://schemas.openxmlformats.org/presentationml/2006/main" xmlns:c="http://schemas.openxmlformats.org/drawingml/2006/chart" xmlns:dgm="http://schemas.openxmlformats.org/drawingml/2006/diagram" xmlns:o="urn:schemas-microsoft-com:office:office" xmlns:v="urn:schemas-microsoft-com:vml" xmlns:pvml="urn:schemas-microsoft-com:office:powerpoint" xmlns:com="http://schemas.openxmlformats.org/drawingml/2006/compatibility" xmlns:p14="http://schemas.microsoft.com/office/powerpoint/2010/main" xmlns:p15="http://schemas.microsoft.com/office/powerpoint/2012/main" matchingName="Thanks Layout">
+<p:sldLayout xmlns:a="http://schemas.openxmlformats.org/drawingml/2006/main" xmlns:r="http://schemas.openxmlformats.org/officeDocument/2006/relationships" xmlns:mc="http://schemas.openxmlformats.org/markup-compatibility/2006" xmlns:mv="urn:schemas-microsoft-com:mac:vml" xmlns:p="http://schemas.openxmlformats.org/presentationml/2006/main" xmlns:c="http://schemas.openxmlformats.org/drawingml/2006/chart" xmlns:dgm="http://schemas.openxmlformats.org/drawingml/2006/diagram" xmlns:o="urn:schemas-microsoft-com:office:office" xmlns:v="urn:schemas-microsoft-com:vml" xmlns:pvml="urn:schemas-microsoft-com:office:powerpoint" xmlns:com="http://schemas.openxmlformats.org/drawingml/2006/compatibility" xmlns:p14="http://schemas.microsoft.com/office/powerpoint/2010/main" xmlns:p15="http://schemas.microsoft.com/office/powerpoint/2012/main" xmlns:ahyp="http://schemas.microsoft.com/office/drawing/2018/hyperlinkcolor" matchingName="Thanks Layout">
   <p:cSld name="Thanks Layout">
     <p:spTree>
       <p:nvGrpSpPr>
@@ -6922,7 +7071,7 @@
       </p:grpSpPr>
       <p:pic>
         <p:nvPicPr>
-          <p:cNvPr id="34" name="Google Shape;34;p7"/>
+          <p:cNvPr id="34" name="Google Shape;34;p22"/>
           <p:cNvPicPr preferRelativeResize="0"/>
           <p:nvPr/>
         </p:nvPicPr>
@@ -6949,7 +7098,7 @@
       </p:pic>
       <p:pic>
         <p:nvPicPr>
-          <p:cNvPr id="35" name="Google Shape;35;p7"/>
+          <p:cNvPr id="35" name="Google Shape;35;p22"/>
           <p:cNvPicPr preferRelativeResize="0"/>
           <p:nvPr/>
         </p:nvPicPr>
@@ -6983,7 +7132,7 @@
 </file>
 
 <file path=ppt/slideLayouts/slideLayout7.xml><?xml version="1.0" encoding="utf-8"?>
-<p:sldLayout xmlns:a="http://schemas.openxmlformats.org/drawingml/2006/main" xmlns:r="http://schemas.openxmlformats.org/officeDocument/2006/relationships" xmlns:mc="http://schemas.openxmlformats.org/markup-compatibility/2006" xmlns:mv="urn:schemas-microsoft-com:mac:vml" xmlns:p="http://schemas.openxmlformats.org/presentationml/2006/main" xmlns:c="http://schemas.openxmlformats.org/drawingml/2006/chart" xmlns:dgm="http://schemas.openxmlformats.org/drawingml/2006/diagram" xmlns:o="urn:schemas-microsoft-com:office:office" xmlns:v="urn:schemas-microsoft-com:vml" xmlns:pvml="urn:schemas-microsoft-com:office:powerpoint" xmlns:com="http://schemas.openxmlformats.org/drawingml/2006/compatibility" xmlns:p14="http://schemas.microsoft.com/office/powerpoint/2010/main" xmlns:p15="http://schemas.microsoft.com/office/powerpoint/2012/main" matchingName="Quote" type="tx">
+<p:sldLayout xmlns:a="http://schemas.openxmlformats.org/drawingml/2006/main" xmlns:r="http://schemas.openxmlformats.org/officeDocument/2006/relationships" xmlns:mc="http://schemas.openxmlformats.org/markup-compatibility/2006" xmlns:mv="urn:schemas-microsoft-com:mac:vml" xmlns:p="http://schemas.openxmlformats.org/presentationml/2006/main" xmlns:c="http://schemas.openxmlformats.org/drawingml/2006/chart" xmlns:dgm="http://schemas.openxmlformats.org/drawingml/2006/diagram" xmlns:o="urn:schemas-microsoft-com:office:office" xmlns:v="urn:schemas-microsoft-com:vml" xmlns:pvml="urn:schemas-microsoft-com:office:powerpoint" xmlns:com="http://schemas.openxmlformats.org/drawingml/2006/compatibility" xmlns:p14="http://schemas.microsoft.com/office/powerpoint/2010/main" xmlns:p15="http://schemas.microsoft.com/office/powerpoint/2012/main" xmlns:ahyp="http://schemas.microsoft.com/office/drawing/2018/hyperlinkcolor" matchingName="Quote" type="tx">
   <p:cSld name="TITLE_AND_BODY">
     <p:spTree>
       <p:nvGrpSpPr>
@@ -7008,7 +7157,7 @@
 </file>
 
 <file path=ppt/slideLayouts/slideLayout8.xml><?xml version="1.0" encoding="utf-8"?>
-<p:sldLayout xmlns:a="http://schemas.openxmlformats.org/drawingml/2006/main" xmlns:r="http://schemas.openxmlformats.org/officeDocument/2006/relationships" xmlns:mc="http://schemas.openxmlformats.org/markup-compatibility/2006" xmlns:mv="urn:schemas-microsoft-com:mac:vml" xmlns:p="http://schemas.openxmlformats.org/presentationml/2006/main" xmlns:c="http://schemas.openxmlformats.org/drawingml/2006/chart" xmlns:dgm="http://schemas.openxmlformats.org/drawingml/2006/diagram" xmlns:o="urn:schemas-microsoft-com:office:office" xmlns:v="urn:schemas-microsoft-com:vml" xmlns:pvml="urn:schemas-microsoft-com:office:powerpoint" xmlns:com="http://schemas.openxmlformats.org/drawingml/2006/compatibility" xmlns:p14="http://schemas.microsoft.com/office/powerpoint/2010/main" xmlns:p15="http://schemas.microsoft.com/office/powerpoint/2012/main" matchingName="Vide" type="blank">
+<p:sldLayout xmlns:a="http://schemas.openxmlformats.org/drawingml/2006/main" xmlns:r="http://schemas.openxmlformats.org/officeDocument/2006/relationships" xmlns:mc="http://schemas.openxmlformats.org/markup-compatibility/2006" xmlns:mv="urn:schemas-microsoft-com:mac:vml" xmlns:p="http://schemas.openxmlformats.org/presentationml/2006/main" xmlns:c="http://schemas.openxmlformats.org/drawingml/2006/chart" xmlns:dgm="http://schemas.openxmlformats.org/drawingml/2006/diagram" xmlns:o="urn:schemas-microsoft-com:office:office" xmlns:v="urn:schemas-microsoft-com:vml" xmlns:pvml="urn:schemas-microsoft-com:office:powerpoint" xmlns:com="http://schemas.openxmlformats.org/drawingml/2006/compatibility" xmlns:p14="http://schemas.microsoft.com/office/powerpoint/2010/main" xmlns:p15="http://schemas.microsoft.com/office/powerpoint/2012/main" xmlns:ahyp="http://schemas.microsoft.com/office/drawing/2018/hyperlinkcolor" matchingName="Vide" type="blank">
   <p:cSld name="BLANK">
     <p:spTree>
       <p:nvGrpSpPr>
@@ -7026,7 +7175,7 @@
       </p:grpSpPr>
       <p:sp>
         <p:nvSpPr>
-          <p:cNvPr id="38" name="Google Shape;38;p9"/>
+          <p:cNvPr id="38" name="Google Shape;38;p24"/>
           <p:cNvSpPr txBox="1"/>
           <p:nvPr>
             <p:ph idx="10" type="dt"/>
@@ -7046,7 +7195,9 @@
           </a:ln>
         </p:spPr>
         <p:txBody>
-          <a:bodyPr anchorCtr="0" anchor="t" bIns="91425" lIns="91425" spcFirstLastPara="1" rIns="91425" wrap="square" tIns="91425"/>
+          <a:bodyPr anchorCtr="0" anchor="t" bIns="91425" lIns="91425" spcFirstLastPara="1" rIns="91425" wrap="square" tIns="91425">
+            <a:noAutofit/>
+          </a:bodyPr>
           <a:lstStyle>
             <a:lvl1pPr lvl="0" marR="0" rtl="0" algn="ctr">
               <a:lnSpc>
@@ -7288,7 +7439,7 @@
       </p:sp>
       <p:sp>
         <p:nvSpPr>
-          <p:cNvPr id="39" name="Google Shape;39;p9"/>
+          <p:cNvPr id="39" name="Google Shape;39;p24"/>
           <p:cNvSpPr txBox="1"/>
           <p:nvPr>
             <p:ph idx="11" type="ftr"/>
@@ -7308,7 +7459,9 @@
           </a:ln>
         </p:spPr>
         <p:txBody>
-          <a:bodyPr anchorCtr="0" anchor="t" bIns="91425" lIns="91425" spcFirstLastPara="1" rIns="91425" wrap="square" tIns="91425"/>
+          <a:bodyPr anchorCtr="0" anchor="t" bIns="91425" lIns="91425" spcFirstLastPara="1" rIns="91425" wrap="square" tIns="91425">
+            <a:noAutofit/>
+          </a:bodyPr>
           <a:lstStyle>
             <a:lvl1pPr lvl="0" marR="0" rtl="0" algn="ctr">
               <a:lnSpc>
@@ -7550,7 +7703,7 @@
       </p:sp>
       <p:sp>
         <p:nvSpPr>
-          <p:cNvPr id="40" name="Google Shape;40;p9"/>
+          <p:cNvPr id="40" name="Google Shape;40;p24"/>
           <p:cNvSpPr txBox="1"/>
           <p:nvPr>
             <p:ph idx="12" type="sldNum"/>
@@ -7836,7 +7989,7 @@
 </file>
 
 <file path=ppt/slideLayouts/slideLayout9.xml><?xml version="1.0" encoding="utf-8"?>
-<p:sldLayout xmlns:a="http://schemas.openxmlformats.org/drawingml/2006/main" xmlns:r="http://schemas.openxmlformats.org/officeDocument/2006/relationships" xmlns:mc="http://schemas.openxmlformats.org/markup-compatibility/2006" xmlns:mv="urn:schemas-microsoft-com:mac:vml" xmlns:p="http://schemas.openxmlformats.org/presentationml/2006/main" xmlns:c="http://schemas.openxmlformats.org/drawingml/2006/chart" xmlns:dgm="http://schemas.openxmlformats.org/drawingml/2006/diagram" xmlns:o="urn:schemas-microsoft-com:office:office" xmlns:v="urn:schemas-microsoft-com:vml" xmlns:pvml="urn:schemas-microsoft-com:office:powerpoint" xmlns:com="http://schemas.openxmlformats.org/drawingml/2006/compatibility" xmlns:p14="http://schemas.microsoft.com/office/powerpoint/2010/main" xmlns:p15="http://schemas.microsoft.com/office/powerpoint/2012/main" matchingName="Titre et contenu" type="obj">
+<p:sldLayout xmlns:a="http://schemas.openxmlformats.org/drawingml/2006/main" xmlns:r="http://schemas.openxmlformats.org/officeDocument/2006/relationships" xmlns:mc="http://schemas.openxmlformats.org/markup-compatibility/2006" xmlns:mv="urn:schemas-microsoft-com:mac:vml" xmlns:p="http://schemas.openxmlformats.org/presentationml/2006/main" xmlns:c="http://schemas.openxmlformats.org/drawingml/2006/chart" xmlns:dgm="http://schemas.openxmlformats.org/drawingml/2006/diagram" xmlns:o="urn:schemas-microsoft-com:office:office" xmlns:v="urn:schemas-microsoft-com:vml" xmlns:pvml="urn:schemas-microsoft-com:office:powerpoint" xmlns:com="http://schemas.openxmlformats.org/drawingml/2006/compatibility" xmlns:p14="http://schemas.microsoft.com/office/powerpoint/2010/main" xmlns:p15="http://schemas.microsoft.com/office/powerpoint/2012/main" xmlns:ahyp="http://schemas.microsoft.com/office/drawing/2018/hyperlinkcolor" matchingName="Titre et contenu" type="obj">
   <p:cSld name="OBJECT">
     <p:spTree>
       <p:nvGrpSpPr>
@@ -7854,7 +8007,7 @@
       </p:grpSpPr>
       <p:sp>
         <p:nvSpPr>
-          <p:cNvPr id="42" name="Google Shape;42;p10"/>
+          <p:cNvPr id="42" name="Google Shape;42;p25"/>
           <p:cNvSpPr txBox="1"/>
           <p:nvPr>
             <p:ph type="title"/>
@@ -7874,7 +8027,9 @@
           </a:ln>
         </p:spPr>
         <p:txBody>
-          <a:bodyPr anchorCtr="0" anchor="t" bIns="91425" lIns="91425" spcFirstLastPara="1" rIns="91425" wrap="square" tIns="91425"/>
+          <a:bodyPr anchorCtr="0" anchor="t" bIns="91425" lIns="91425" spcFirstLastPara="1" rIns="91425" wrap="square" tIns="91425">
+            <a:noAutofit/>
+          </a:bodyPr>
           <a:lstStyle>
             <a:lvl1pPr lvl="0" marR="0" rtl="0" algn="ctr">
               <a:lnSpc>
@@ -8116,7 +8271,7 @@
       </p:sp>
       <p:sp>
         <p:nvSpPr>
-          <p:cNvPr id="43" name="Google Shape;43;p10"/>
+          <p:cNvPr id="43" name="Google Shape;43;p25"/>
           <p:cNvSpPr txBox="1"/>
           <p:nvPr>
             <p:ph idx="1" type="body"/>
@@ -8136,7 +8291,9 @@
           </a:ln>
         </p:spPr>
         <p:txBody>
-          <a:bodyPr anchorCtr="0" anchor="t" bIns="91425" lIns="91425" spcFirstLastPara="1" rIns="91425" wrap="square" tIns="91425"/>
+          <a:bodyPr anchorCtr="0" anchor="t" bIns="91425" lIns="91425" spcFirstLastPara="1" rIns="91425" wrap="square" tIns="91425">
+            <a:noAutofit/>
+          </a:bodyPr>
           <a:lstStyle>
             <a:lvl1pPr indent="-520700" lvl="0" marL="457200" marR="0" rtl="0" algn="l">
               <a:lnSpc>
@@ -8378,7 +8535,7 @@
       </p:sp>
       <p:sp>
         <p:nvSpPr>
-          <p:cNvPr id="44" name="Google Shape;44;p10"/>
+          <p:cNvPr id="44" name="Google Shape;44;p25"/>
           <p:cNvSpPr txBox="1"/>
           <p:nvPr>
             <p:ph idx="10" type="dt"/>
@@ -8398,7 +8555,9 @@
           </a:ln>
         </p:spPr>
         <p:txBody>
-          <a:bodyPr anchorCtr="0" anchor="t" bIns="91425" lIns="91425" spcFirstLastPara="1" rIns="91425" wrap="square" tIns="91425"/>
+          <a:bodyPr anchorCtr="0" anchor="t" bIns="91425" lIns="91425" spcFirstLastPara="1" rIns="91425" wrap="square" tIns="91425">
+            <a:noAutofit/>
+          </a:bodyPr>
           <a:lstStyle>
             <a:lvl1pPr lvl="0" marR="0" rtl="0" algn="ctr">
               <a:lnSpc>
@@ -8640,7 +8799,7 @@
       </p:sp>
       <p:sp>
         <p:nvSpPr>
-          <p:cNvPr id="45" name="Google Shape;45;p10"/>
+          <p:cNvPr id="45" name="Google Shape;45;p25"/>
           <p:cNvSpPr txBox="1"/>
           <p:nvPr>
             <p:ph idx="11" type="ftr"/>
@@ -8660,7 +8819,9 @@
           </a:ln>
         </p:spPr>
         <p:txBody>
-          <a:bodyPr anchorCtr="0" anchor="t" bIns="91425" lIns="91425" spcFirstLastPara="1" rIns="91425" wrap="square" tIns="91425"/>
+          <a:bodyPr anchorCtr="0" anchor="t" bIns="91425" lIns="91425" spcFirstLastPara="1" rIns="91425" wrap="square" tIns="91425">
+            <a:noAutofit/>
+          </a:bodyPr>
           <a:lstStyle>
             <a:lvl1pPr lvl="0" marR="0" rtl="0" algn="ctr">
               <a:lnSpc>
@@ -8902,7 +9063,7 @@
       </p:sp>
       <p:sp>
         <p:nvSpPr>
-          <p:cNvPr id="46" name="Google Shape;46;p10"/>
+          <p:cNvPr id="46" name="Google Shape;46;p25"/>
           <p:cNvSpPr txBox="1"/>
           <p:nvPr>
             <p:ph idx="12" type="sldNum"/>
@@ -9188,7 +9349,7 @@
 </file>
 
 <file path=ppt/slideMasters/slideMaster1.xml><?xml version="1.0" encoding="utf-8"?>
-<p:sldMaster xmlns:a="http://schemas.openxmlformats.org/drawingml/2006/main" xmlns:r="http://schemas.openxmlformats.org/officeDocument/2006/relationships" xmlns:mc="http://schemas.openxmlformats.org/markup-compatibility/2006" xmlns:mv="urn:schemas-microsoft-com:mac:vml" xmlns:p="http://schemas.openxmlformats.org/presentationml/2006/main" xmlns:c="http://schemas.openxmlformats.org/drawingml/2006/chart" xmlns:dgm="http://schemas.openxmlformats.org/drawingml/2006/diagram" xmlns:o="urn:schemas-microsoft-com:office:office" xmlns:v="urn:schemas-microsoft-com:vml" xmlns:pvml="urn:schemas-microsoft-com:office:powerpoint" xmlns:com="http://schemas.openxmlformats.org/drawingml/2006/compatibility" xmlns:p14="http://schemas.microsoft.com/office/powerpoint/2010/main" xmlns:p15="http://schemas.microsoft.com/office/powerpoint/2012/main">
+<p:sldMaster xmlns:a="http://schemas.openxmlformats.org/drawingml/2006/main" xmlns:r="http://schemas.openxmlformats.org/officeDocument/2006/relationships" xmlns:mc="http://schemas.openxmlformats.org/markup-compatibility/2006" xmlns:mv="urn:schemas-microsoft-com:mac:vml" xmlns:p="http://schemas.openxmlformats.org/presentationml/2006/main" xmlns:c="http://schemas.openxmlformats.org/drawingml/2006/chart" xmlns:dgm="http://schemas.openxmlformats.org/drawingml/2006/diagram" xmlns:o="urn:schemas-microsoft-com:office:office" xmlns:v="urn:schemas-microsoft-com:vml" xmlns:pvml="urn:schemas-microsoft-com:office:powerpoint" xmlns:com="http://schemas.openxmlformats.org/drawingml/2006/compatibility" xmlns:p14="http://schemas.microsoft.com/office/powerpoint/2010/main" xmlns:p15="http://schemas.microsoft.com/office/powerpoint/2012/main" xmlns:ahyp="http://schemas.microsoft.com/office/drawing/2018/hyperlinkcolor">
   <p:cSld>
     <p:bg>
       <p:bgPr>
@@ -9215,16 +9376,16 @@
   </p:cSld>
   <p:clrMap accent1="accent1" accent2="accent2" accent3="accent3" accent4="accent4" accent5="accent5" accent6="accent6" bg1="lt1" bg2="dk2" tx1="dk1" tx2="lt2" folHlink="folHlink" hlink="hlink"/>
   <p:sldLayoutIdLst>
-    <p:sldLayoutId id="2147483648" r:id="rId1"/>
-    <p:sldLayoutId id="2147483649" r:id="rId2"/>
-    <p:sldLayoutId id="2147483650" r:id="rId3"/>
-    <p:sldLayoutId id="2147483651" r:id="rId4"/>
-    <p:sldLayoutId id="2147483652" r:id="rId5"/>
-    <p:sldLayoutId id="2147483653" r:id="rId6"/>
-    <p:sldLayoutId id="2147483654" r:id="rId7"/>
-    <p:sldLayoutId id="2147483655" r:id="rId8"/>
-    <p:sldLayoutId id="2147483656" r:id="rId9"/>
-    <p:sldLayoutId id="2147483657" r:id="rId10"/>
+    <p:sldLayoutId id="2147483649" r:id="rId1"/>
+    <p:sldLayoutId id="2147483650" r:id="rId2"/>
+    <p:sldLayoutId id="2147483651" r:id="rId3"/>
+    <p:sldLayoutId id="2147483652" r:id="rId4"/>
+    <p:sldLayoutId id="2147483653" r:id="rId5"/>
+    <p:sldLayoutId id="2147483654" r:id="rId6"/>
+    <p:sldLayoutId id="2147483655" r:id="rId7"/>
+    <p:sldLayoutId id="2147483656" r:id="rId8"/>
+    <p:sldLayoutId id="2147483657" r:id="rId9"/>
+    <p:sldLayoutId id="2147483658" r:id="rId10"/>
   </p:sldLayoutIdLst>
   <p:hf dt="0" ftr="0" hdr="0" sldNum="0"/>
   <p:txStyles>
@@ -9920,7 +10081,7 @@
 </file>
 
 <file path=ppt/slides/slide1.xml><?xml version="1.0" encoding="utf-8"?>
-<p:sld xmlns:a="http://schemas.openxmlformats.org/drawingml/2006/main" xmlns:r="http://schemas.openxmlformats.org/officeDocument/2006/relationships" xmlns:mc="http://schemas.openxmlformats.org/markup-compatibility/2006" xmlns:mv="urn:schemas-microsoft-com:mac:vml" xmlns:p="http://schemas.openxmlformats.org/presentationml/2006/main" xmlns:c="http://schemas.openxmlformats.org/drawingml/2006/chart" xmlns:dgm="http://schemas.openxmlformats.org/drawingml/2006/diagram" xmlns:o="urn:schemas-microsoft-com:office:office" xmlns:v="urn:schemas-microsoft-com:vml" xmlns:pvml="urn:schemas-microsoft-com:office:powerpoint" xmlns:com="http://schemas.openxmlformats.org/drawingml/2006/compatibility" xmlns:p14="http://schemas.microsoft.com/office/powerpoint/2010/main" xmlns:p15="http://schemas.microsoft.com/office/powerpoint/2012/main">
+<p:sld xmlns:a="http://schemas.openxmlformats.org/drawingml/2006/main" xmlns:r="http://schemas.openxmlformats.org/officeDocument/2006/relationships" xmlns:mc="http://schemas.openxmlformats.org/markup-compatibility/2006" xmlns:mv="urn:schemas-microsoft-com:mac:vml" xmlns:p="http://schemas.openxmlformats.org/presentationml/2006/main" xmlns:c="http://schemas.openxmlformats.org/drawingml/2006/chart" xmlns:dgm="http://schemas.openxmlformats.org/drawingml/2006/diagram" xmlns:o="urn:schemas-microsoft-com:office:office" xmlns:v="urn:schemas-microsoft-com:vml" xmlns:pvml="urn:schemas-microsoft-com:office:powerpoint" xmlns:com="http://schemas.openxmlformats.org/drawingml/2006/compatibility" xmlns:p14="http://schemas.microsoft.com/office/powerpoint/2010/main" xmlns:p15="http://schemas.microsoft.com/office/powerpoint/2012/main" xmlns:ahyp="http://schemas.microsoft.com/office/drawing/2018/hyperlinkcolor">
   <p:cSld>
     <p:spTree>
       <p:nvGrpSpPr>
@@ -9938,7 +10099,7 @@
       </p:grpSpPr>
       <p:sp>
         <p:nvSpPr>
-          <p:cNvPr id="56" name="Google Shape;56;p12"/>
+          <p:cNvPr id="56" name="Google Shape;56;p1"/>
           <p:cNvSpPr txBox="1"/>
           <p:nvPr>
             <p:ph type="ctrTitle"/>
@@ -10005,11 +10166,11 @@
 </file>
 
 <file path=ppt/slides/slide10.xml><?xml version="1.0" encoding="utf-8"?>
-<p:sld xmlns:a="http://schemas.openxmlformats.org/drawingml/2006/main" xmlns:r="http://schemas.openxmlformats.org/officeDocument/2006/relationships" xmlns:mc="http://schemas.openxmlformats.org/markup-compatibility/2006" xmlns:mv="urn:schemas-microsoft-com:mac:vml" xmlns:p="http://schemas.openxmlformats.org/presentationml/2006/main" xmlns:c="http://schemas.openxmlformats.org/drawingml/2006/chart" xmlns:dgm="http://schemas.openxmlformats.org/drawingml/2006/diagram" xmlns:o="urn:schemas-microsoft-com:office:office" xmlns:v="urn:schemas-microsoft-com:vml" xmlns:pvml="urn:schemas-microsoft-com:office:powerpoint" xmlns:com="http://schemas.openxmlformats.org/drawingml/2006/compatibility" xmlns:p14="http://schemas.microsoft.com/office/powerpoint/2010/main" xmlns:p15="http://schemas.microsoft.com/office/powerpoint/2012/main">
+<p:sld xmlns:a="http://schemas.openxmlformats.org/drawingml/2006/main" xmlns:r="http://schemas.openxmlformats.org/officeDocument/2006/relationships" xmlns:mc="http://schemas.openxmlformats.org/markup-compatibility/2006" xmlns:mv="urn:schemas-microsoft-com:mac:vml" xmlns:p="http://schemas.openxmlformats.org/presentationml/2006/main" xmlns:c="http://schemas.openxmlformats.org/drawingml/2006/chart" xmlns:dgm="http://schemas.openxmlformats.org/drawingml/2006/diagram" xmlns:o="urn:schemas-microsoft-com:office:office" xmlns:v="urn:schemas-microsoft-com:vml" xmlns:pvml="urn:schemas-microsoft-com:office:powerpoint" xmlns:com="http://schemas.openxmlformats.org/drawingml/2006/compatibility" xmlns:p14="http://schemas.microsoft.com/office/powerpoint/2010/main" xmlns:p15="http://schemas.microsoft.com/office/powerpoint/2012/main" xmlns:ahyp="http://schemas.microsoft.com/office/drawing/2018/hyperlinkcolor">
   <p:cSld>
     <p:spTree>
       <p:nvGrpSpPr>
-        <p:cNvPr id="127" name="Shape 127"/>
+        <p:cNvPr id="125" name="Shape 125"/>
         <p:cNvGrpSpPr/>
         <p:nvPr/>
       </p:nvGrpSpPr>
@@ -10023,618 +10184,7 @@
       </p:grpSpPr>
       <p:sp>
         <p:nvSpPr>
-          <p:cNvPr id="128" name="Google Shape;128;p21"/>
-          <p:cNvSpPr txBox="1"/>
-          <p:nvPr/>
-        </p:nvSpPr>
-        <p:spPr>
-          <a:xfrm>
-            <a:off x="1920125" y="2582825"/>
-            <a:ext cx="7493700" cy="4825800"/>
-          </a:xfrm>
-          <a:prstGeom prst="rect">
-            <a:avLst/>
-          </a:prstGeom>
-          <a:noFill/>
-          <a:ln>
-            <a:noFill/>
-          </a:ln>
-        </p:spPr>
-        <p:txBody>
-          <a:bodyPr anchorCtr="0" anchor="t" bIns="91425" lIns="91425" spcFirstLastPara="1" rIns="91425" wrap="square" tIns="91425">
-            <a:noAutofit/>
-          </a:bodyPr>
-          <a:lstStyle/>
-          <a:p>
-            <a:pPr indent="0" lvl="0" marL="0" marR="0" rtl="0" algn="l">
-              <a:lnSpc>
-                <a:spcPct val="100000"/>
-              </a:lnSpc>
-              <a:spcBef>
-                <a:spcPts val="0"/>
-              </a:spcBef>
-              <a:spcAft>
-                <a:spcPts val="0"/>
-              </a:spcAft>
-              <a:buClr>
-                <a:srgbClr val="000000"/>
-              </a:buClr>
-              <a:buSzPts val="1400"/>
-              <a:buFont typeface="Arial"/>
-              <a:buNone/>
-            </a:pPr>
-            <a:r>
-              <a:t/>
-            </a:r>
-            <a:endParaRPr b="0" i="0" sz="1400" u="none" cap="none" strike="noStrike">
-              <a:solidFill>
-                <a:srgbClr val="000000"/>
-              </a:solidFill>
-              <a:latin typeface="Helvetica Neue"/>
-              <a:ea typeface="Helvetica Neue"/>
-              <a:cs typeface="Helvetica Neue"/>
-              <a:sym typeface="Helvetica Neue"/>
-            </a:endParaRPr>
-          </a:p>
-        </p:txBody>
-      </p:sp>
-      <p:sp>
-        <p:nvSpPr>
-          <p:cNvPr id="129" name="Google Shape;129;p21"/>
-          <p:cNvSpPr txBox="1"/>
-          <p:nvPr/>
-        </p:nvSpPr>
-        <p:spPr>
-          <a:xfrm>
-            <a:off x="679625" y="2389925"/>
-            <a:ext cx="8734200" cy="5879400"/>
-          </a:xfrm>
-          <a:prstGeom prst="rect">
-            <a:avLst/>
-          </a:prstGeom>
-          <a:noFill/>
-          <a:ln>
-            <a:noFill/>
-          </a:ln>
-        </p:spPr>
-        <p:txBody>
-          <a:bodyPr anchorCtr="0" anchor="t" bIns="91425" lIns="91425" spcFirstLastPara="1" rIns="91425" wrap="square" tIns="91425">
-            <a:noAutofit/>
-          </a:bodyPr>
-          <a:lstStyle/>
-          <a:p>
-            <a:pPr indent="0" lvl="0" marL="0" marR="0" rtl="0" algn="r">
-              <a:lnSpc>
-                <a:spcPct val="100000"/>
-              </a:lnSpc>
-              <a:spcBef>
-                <a:spcPts val="0"/>
-              </a:spcBef>
-              <a:spcAft>
-                <a:spcPts val="0"/>
-              </a:spcAft>
-              <a:buClr>
-                <a:srgbClr val="000000"/>
-              </a:buClr>
-              <a:buSzPts val="1800"/>
-              <a:buFont typeface="Arial"/>
-              <a:buNone/>
-            </a:pPr>
-            <a:r>
-              <a:rPr b="0" i="0" lang="en-US" sz="1800" u="none" cap="none" strike="noStrike">
-                <a:solidFill>
-                  <a:srgbClr val="000000"/>
-                </a:solidFill>
-                <a:latin typeface="Arial"/>
-                <a:ea typeface="Arial"/>
-                <a:cs typeface="Arial"/>
-                <a:sym typeface="Arial"/>
-              </a:rPr>
-              <a:t>Estimate the number of MC simulations per replicated task. The tasks number must divide the total number of simulations</a:t>
-            </a:r>
-            <a:endParaRPr b="0" i="0" sz="1800" u="none" cap="none" strike="noStrike">
-              <a:solidFill>
-                <a:srgbClr val="000000"/>
-              </a:solidFill>
-              <a:latin typeface="Arial"/>
-              <a:ea typeface="Arial"/>
-              <a:cs typeface="Arial"/>
-              <a:sym typeface="Arial"/>
-            </a:endParaRPr>
-          </a:p>
-          <a:p>
-            <a:pPr indent="0" lvl="0" marL="0" marR="0" rtl="0" algn="r">
-              <a:lnSpc>
-                <a:spcPct val="100000"/>
-              </a:lnSpc>
-              <a:spcBef>
-                <a:spcPts val="0"/>
-              </a:spcBef>
-              <a:spcAft>
-                <a:spcPts val="0"/>
-              </a:spcAft>
-              <a:buClr>
-                <a:srgbClr val="000000"/>
-              </a:buClr>
-              <a:buSzPts val="1800"/>
-              <a:buFont typeface="Arial"/>
-              <a:buNone/>
-            </a:pPr>
-            <a:r>
-              <a:t/>
-            </a:r>
-            <a:endParaRPr b="0" i="0" sz="1800" u="none" cap="none" strike="noStrike">
-              <a:solidFill>
-                <a:srgbClr val="000000"/>
-              </a:solidFill>
-              <a:latin typeface="Arial"/>
-              <a:ea typeface="Arial"/>
-              <a:cs typeface="Arial"/>
-              <a:sym typeface="Arial"/>
-            </a:endParaRPr>
-          </a:p>
-          <a:p>
-            <a:pPr indent="0" lvl="0" marL="0" marR="0" rtl="0" algn="l">
-              <a:lnSpc>
-                <a:spcPct val="100000"/>
-              </a:lnSpc>
-              <a:spcBef>
-                <a:spcPts val="0"/>
-              </a:spcBef>
-              <a:spcAft>
-                <a:spcPts val="0"/>
-              </a:spcAft>
-              <a:buClr>
-                <a:srgbClr val="000000"/>
-              </a:buClr>
-              <a:buSzPts val="1800"/>
-              <a:buFont typeface="Arial"/>
-              <a:buNone/>
-            </a:pPr>
-            <a:r>
-              <a:t/>
-            </a:r>
-            <a:endParaRPr b="0" i="0" sz="1800" u="none" cap="none" strike="noStrike">
-              <a:solidFill>
-                <a:srgbClr val="000000"/>
-              </a:solidFill>
-              <a:latin typeface="Arial"/>
-              <a:ea typeface="Arial"/>
-              <a:cs typeface="Arial"/>
-              <a:sym typeface="Arial"/>
-            </a:endParaRPr>
-          </a:p>
-          <a:p>
-            <a:pPr indent="0" lvl="0" marL="0" marR="0" rtl="0" algn="r">
-              <a:lnSpc>
-                <a:spcPct val="100000"/>
-              </a:lnSpc>
-              <a:spcBef>
-                <a:spcPts val="0"/>
-              </a:spcBef>
-              <a:spcAft>
-                <a:spcPts val="0"/>
-              </a:spcAft>
-              <a:buClr>
-                <a:srgbClr val="000000"/>
-              </a:buClr>
-              <a:buSzPts val="1800"/>
-              <a:buFont typeface="Arial"/>
-              <a:buNone/>
-            </a:pPr>
-            <a:r>
-              <a:t/>
-            </a:r>
-            <a:endParaRPr b="0" i="0" sz="1800" u="none" cap="none" strike="noStrike">
-              <a:solidFill>
-                <a:srgbClr val="000000"/>
-              </a:solidFill>
-              <a:latin typeface="Arial"/>
-              <a:ea typeface="Arial"/>
-              <a:cs typeface="Arial"/>
-              <a:sym typeface="Arial"/>
-            </a:endParaRPr>
-          </a:p>
-          <a:p>
-            <a:pPr indent="0" lvl="0" marL="0" marR="0" rtl="0" algn="r">
-              <a:lnSpc>
-                <a:spcPct val="100000"/>
-              </a:lnSpc>
-              <a:spcBef>
-                <a:spcPts val="0"/>
-              </a:spcBef>
-              <a:spcAft>
-                <a:spcPts val="0"/>
-              </a:spcAft>
-              <a:buClr>
-                <a:srgbClr val="000000"/>
-              </a:buClr>
-              <a:buSzPts val="1800"/>
-              <a:buFont typeface="Arial"/>
-              <a:buNone/>
-            </a:pPr>
-            <a:r>
-              <a:rPr b="0" i="0" lang="en-US" sz="1800" u="none" cap="none" strike="noStrike">
-                <a:solidFill>
-                  <a:srgbClr val="000000"/>
-                </a:solidFill>
-                <a:latin typeface="Arial"/>
-                <a:ea typeface="Arial"/>
-                <a:cs typeface="Arial"/>
-                <a:sym typeface="Arial"/>
-              </a:rPr>
-              <a:t>Using Quanlib, each replicated task processes a subset of the MC simulations and deduces the PnL (profit and loss) of each simulated path. An expected PnL is estimated per risk free rate and volatility stressed percentage. On the task side, PnLs are saved into a dedicated file</a:t>
-            </a:r>
-            <a:endParaRPr b="0" i="0" sz="1800" u="none" cap="none" strike="noStrike">
-              <a:solidFill>
-                <a:srgbClr val="000000"/>
-              </a:solidFill>
-              <a:latin typeface="Arial"/>
-              <a:ea typeface="Arial"/>
-              <a:cs typeface="Arial"/>
-              <a:sym typeface="Arial"/>
-            </a:endParaRPr>
-          </a:p>
-          <a:p>
-            <a:pPr indent="0" lvl="0" marL="0" marR="0" rtl="0" algn="l">
-              <a:lnSpc>
-                <a:spcPct val="100000"/>
-              </a:lnSpc>
-              <a:spcBef>
-                <a:spcPts val="0"/>
-              </a:spcBef>
-              <a:spcAft>
-                <a:spcPts val="0"/>
-              </a:spcAft>
-              <a:buClr>
-                <a:srgbClr val="000000"/>
-              </a:buClr>
-              <a:buSzPts val="1800"/>
-              <a:buFont typeface="Arial"/>
-              <a:buNone/>
-            </a:pPr>
-            <a:r>
-              <a:t/>
-            </a:r>
-            <a:endParaRPr b="0" i="0" sz="1800" u="none" cap="none" strike="noStrike">
-              <a:solidFill>
-                <a:srgbClr val="000000"/>
-              </a:solidFill>
-              <a:latin typeface="Arial"/>
-              <a:ea typeface="Arial"/>
-              <a:cs typeface="Arial"/>
-              <a:sym typeface="Arial"/>
-            </a:endParaRPr>
-          </a:p>
-          <a:p>
-            <a:pPr indent="0" lvl="0" marL="0" marR="0" rtl="0" algn="r">
-              <a:lnSpc>
-                <a:spcPct val="100000"/>
-              </a:lnSpc>
-              <a:spcBef>
-                <a:spcPts val="0"/>
-              </a:spcBef>
-              <a:spcAft>
-                <a:spcPts val="0"/>
-              </a:spcAft>
-              <a:buClr>
-                <a:srgbClr val="000000"/>
-              </a:buClr>
-              <a:buSzPts val="1800"/>
-              <a:buFont typeface="Arial"/>
-              <a:buNone/>
-            </a:pPr>
-            <a:r>
-              <a:t/>
-            </a:r>
-            <a:endParaRPr b="0" i="0" sz="1800" u="none" cap="none" strike="noStrike">
-              <a:solidFill>
-                <a:srgbClr val="000000"/>
-              </a:solidFill>
-              <a:latin typeface="Arial"/>
-              <a:ea typeface="Arial"/>
-              <a:cs typeface="Arial"/>
-              <a:sym typeface="Arial"/>
-            </a:endParaRPr>
-          </a:p>
-          <a:p>
-            <a:pPr indent="0" lvl="0" marL="0" marR="0" rtl="0" algn="r">
-              <a:lnSpc>
-                <a:spcPct val="100000"/>
-              </a:lnSpc>
-              <a:spcBef>
-                <a:spcPts val="0"/>
-              </a:spcBef>
-              <a:spcAft>
-                <a:spcPts val="0"/>
-              </a:spcAft>
-              <a:buClr>
-                <a:srgbClr val="000000"/>
-              </a:buClr>
-              <a:buSzPts val="1800"/>
-              <a:buFont typeface="Arial"/>
-              <a:buNone/>
-            </a:pPr>
-            <a:r>
-              <a:t/>
-            </a:r>
-            <a:endParaRPr b="0" i="0" sz="1800" u="none" cap="none" strike="noStrike">
-              <a:solidFill>
-                <a:srgbClr val="000000"/>
-              </a:solidFill>
-              <a:latin typeface="Arial"/>
-              <a:ea typeface="Arial"/>
-              <a:cs typeface="Arial"/>
-              <a:sym typeface="Arial"/>
-            </a:endParaRPr>
-          </a:p>
-          <a:p>
-            <a:pPr indent="0" lvl="0" marL="0" marR="0" rtl="0" algn="r">
-              <a:lnSpc>
-                <a:spcPct val="100000"/>
-              </a:lnSpc>
-              <a:spcBef>
-                <a:spcPts val="0"/>
-              </a:spcBef>
-              <a:spcAft>
-                <a:spcPts val="0"/>
-              </a:spcAft>
-              <a:buClr>
-                <a:srgbClr val="000000"/>
-              </a:buClr>
-              <a:buSzPts val="1800"/>
-              <a:buFont typeface="Arial"/>
-              <a:buNone/>
-            </a:pPr>
-            <a:r>
-              <a:t/>
-            </a:r>
-            <a:endParaRPr b="0" i="0" sz="1800" u="none" cap="none" strike="noStrike">
-              <a:solidFill>
-                <a:srgbClr val="000000"/>
-              </a:solidFill>
-              <a:latin typeface="Arial"/>
-              <a:ea typeface="Arial"/>
-              <a:cs typeface="Arial"/>
-              <a:sym typeface="Arial"/>
-            </a:endParaRPr>
-          </a:p>
-          <a:p>
-            <a:pPr indent="0" lvl="0" marL="0" marR="0" rtl="0" algn="r">
-              <a:lnSpc>
-                <a:spcPct val="100000"/>
-              </a:lnSpc>
-              <a:spcBef>
-                <a:spcPts val="0"/>
-              </a:spcBef>
-              <a:spcAft>
-                <a:spcPts val="0"/>
-              </a:spcAft>
-              <a:buClr>
-                <a:srgbClr val="000000"/>
-              </a:buClr>
-              <a:buSzPts val="1800"/>
-              <a:buFont typeface="Arial"/>
-              <a:buNone/>
-            </a:pPr>
-            <a:r>
-              <a:rPr b="0" i="0" lang="en-US" sz="1800" u="none" cap="none" strike="noStrike">
-                <a:solidFill>
-                  <a:srgbClr val="000000"/>
-                </a:solidFill>
-                <a:latin typeface="Arial"/>
-                <a:ea typeface="Arial"/>
-                <a:cs typeface="Arial"/>
-                <a:sym typeface="Arial"/>
-              </a:rPr>
-              <a:t>Merge all stressed PnLs into a single csv file</a:t>
-            </a:r>
-            <a:endParaRPr b="0" i="0" sz="1800" u="none" cap="none" strike="noStrike">
-              <a:solidFill>
-                <a:srgbClr val="000000"/>
-              </a:solidFill>
-              <a:latin typeface="Arial"/>
-              <a:ea typeface="Arial"/>
-              <a:cs typeface="Arial"/>
-              <a:sym typeface="Arial"/>
-            </a:endParaRPr>
-          </a:p>
-          <a:p>
-            <a:pPr indent="0" lvl="0" marL="0" marR="0" rtl="0" algn="r">
-              <a:lnSpc>
-                <a:spcPct val="100000"/>
-              </a:lnSpc>
-              <a:spcBef>
-                <a:spcPts val="0"/>
-              </a:spcBef>
-              <a:spcAft>
-                <a:spcPts val="0"/>
-              </a:spcAft>
-              <a:buClr>
-                <a:srgbClr val="000000"/>
-              </a:buClr>
-              <a:buSzPts val="1800"/>
-              <a:buFont typeface="Arial"/>
-              <a:buNone/>
-            </a:pPr>
-            <a:r>
-              <a:t/>
-            </a:r>
-            <a:endParaRPr b="0" i="0" sz="1800" u="none" cap="none" strike="noStrike">
-              <a:solidFill>
-                <a:srgbClr val="000000"/>
-              </a:solidFill>
-              <a:latin typeface="Arial"/>
-              <a:ea typeface="Arial"/>
-              <a:cs typeface="Arial"/>
-              <a:sym typeface="Arial"/>
-            </a:endParaRPr>
-          </a:p>
-          <a:p>
-            <a:pPr indent="0" lvl="0" marL="0" marR="0" rtl="0" algn="r">
-              <a:lnSpc>
-                <a:spcPct val="100000"/>
-              </a:lnSpc>
-              <a:spcBef>
-                <a:spcPts val="0"/>
-              </a:spcBef>
-              <a:spcAft>
-                <a:spcPts val="0"/>
-              </a:spcAft>
-              <a:buClr>
-                <a:srgbClr val="000000"/>
-              </a:buClr>
-              <a:buSzPts val="1800"/>
-              <a:buFont typeface="Arial"/>
-              <a:buNone/>
-            </a:pPr>
-            <a:r>
-              <a:t/>
-            </a:r>
-            <a:endParaRPr b="0" i="0" sz="1800" u="none" cap="none" strike="noStrike">
-              <a:solidFill>
-                <a:srgbClr val="000000"/>
-              </a:solidFill>
-              <a:latin typeface="Arial"/>
-              <a:ea typeface="Arial"/>
-              <a:cs typeface="Arial"/>
-              <a:sym typeface="Arial"/>
-            </a:endParaRPr>
-          </a:p>
-          <a:p>
-            <a:pPr indent="0" lvl="0" marL="0" marR="0" rtl="0" algn="l">
-              <a:lnSpc>
-                <a:spcPct val="100000"/>
-              </a:lnSpc>
-              <a:spcBef>
-                <a:spcPts val="0"/>
-              </a:spcBef>
-              <a:spcAft>
-                <a:spcPts val="0"/>
-              </a:spcAft>
-              <a:buClr>
-                <a:srgbClr val="000000"/>
-              </a:buClr>
-              <a:buSzPts val="1800"/>
-              <a:buFont typeface="Arial"/>
-              <a:buNone/>
-            </a:pPr>
-            <a:r>
-              <a:t/>
-            </a:r>
-            <a:endParaRPr b="0" i="0" sz="1800" u="none" cap="none" strike="noStrike">
-              <a:solidFill>
-                <a:srgbClr val="000000"/>
-              </a:solidFill>
-              <a:latin typeface="Arial"/>
-              <a:ea typeface="Arial"/>
-              <a:cs typeface="Arial"/>
-              <a:sym typeface="Arial"/>
-            </a:endParaRPr>
-          </a:p>
-          <a:p>
-            <a:pPr indent="0" lvl="0" marL="0" marR="0" rtl="0" algn="r">
-              <a:lnSpc>
-                <a:spcPct val="100000"/>
-              </a:lnSpc>
-              <a:spcBef>
-                <a:spcPts val="0"/>
-              </a:spcBef>
-              <a:spcAft>
-                <a:spcPts val="0"/>
-              </a:spcAft>
-              <a:buClr>
-                <a:srgbClr val="000000"/>
-              </a:buClr>
-              <a:buSzPts val="1800"/>
-              <a:buFont typeface="Arial"/>
-              <a:buNone/>
-            </a:pPr>
-            <a:r>
-              <a:t/>
-            </a:r>
-            <a:endParaRPr b="0" i="0" sz="1800" u="none" cap="none" strike="noStrike">
-              <a:solidFill>
-                <a:srgbClr val="000000"/>
-              </a:solidFill>
-              <a:latin typeface="Arial"/>
-              <a:ea typeface="Arial"/>
-              <a:cs typeface="Arial"/>
-              <a:sym typeface="Arial"/>
-            </a:endParaRPr>
-          </a:p>
-          <a:p>
-            <a:pPr indent="0" lvl="0" marL="0" marR="0" rtl="0" algn="r">
-              <a:lnSpc>
-                <a:spcPct val="100000"/>
-              </a:lnSpc>
-              <a:spcBef>
-                <a:spcPts val="0"/>
-              </a:spcBef>
-              <a:spcAft>
-                <a:spcPts val="0"/>
-              </a:spcAft>
-              <a:buClr>
-                <a:srgbClr val="000000"/>
-              </a:buClr>
-              <a:buSzPts val="1800"/>
-              <a:buFont typeface="Arial"/>
-              <a:buNone/>
-            </a:pPr>
-            <a:r>
-              <a:rPr b="0" i="0" lang="en-US" sz="1800" u="none" cap="none" strike="noStrike">
-                <a:solidFill>
-                  <a:srgbClr val="000000"/>
-                </a:solidFill>
-                <a:latin typeface="Arial"/>
-                <a:ea typeface="Arial"/>
-                <a:cs typeface="Arial"/>
-                <a:sym typeface="Arial"/>
-              </a:rPr>
-              <a:t>Plot a 3D representation of the stressed PnLs</a:t>
-            </a:r>
-            <a:endParaRPr b="0" i="0" sz="1800" u="none" cap="none" strike="noStrike">
-              <a:solidFill>
-                <a:srgbClr val="000000"/>
-              </a:solidFill>
-              <a:latin typeface="Arial"/>
-              <a:ea typeface="Arial"/>
-              <a:cs typeface="Arial"/>
-              <a:sym typeface="Arial"/>
-            </a:endParaRPr>
-          </a:p>
-        </p:txBody>
-      </p:sp>
-      <p:pic>
-        <p:nvPicPr>
-          <p:cNvPr id="130" name="Google Shape;130;p21"/>
-          <p:cNvPicPr preferRelativeResize="0"/>
-          <p:nvPr/>
-        </p:nvPicPr>
-        <p:blipFill rotWithShape="1">
-          <a:blip r:embed="rId3">
-            <a:alphaModFix/>
-          </a:blip>
-          <a:srcRect b="0" l="0" r="0" t="0"/>
-          <a:stretch/>
-        </p:blipFill>
-        <p:spPr>
-          <a:xfrm>
-            <a:off x="10077500" y="2495463"/>
-            <a:ext cx="1843775" cy="5668325"/>
-          </a:xfrm>
-          <a:prstGeom prst="rect">
-            <a:avLst/>
-          </a:prstGeom>
-          <a:noFill/>
-          <a:ln>
-            <a:noFill/>
-          </a:ln>
-        </p:spPr>
-      </p:pic>
-      <p:sp>
-        <p:nvSpPr>
-          <p:cNvPr id="131" name="Google Shape;131;p21"/>
+          <p:cNvPr id="126" name="Google Shape;126;p9"/>
           <p:cNvSpPr txBox="1"/>
           <p:nvPr>
             <p:ph type="title"/>
@@ -10692,6 +10242,100 @@
           </a:p>
         </p:txBody>
       </p:sp>
+      <p:sp>
+        <p:nvSpPr>
+          <p:cNvPr id="127" name="Google Shape;127;p9"/>
+          <p:cNvSpPr txBox="1"/>
+          <p:nvPr/>
+        </p:nvSpPr>
+        <p:spPr>
+          <a:xfrm>
+            <a:off x="276700" y="1900900"/>
+            <a:ext cx="12570900" cy="1232400"/>
+          </a:xfrm>
+          <a:prstGeom prst="rect">
+            <a:avLst/>
+          </a:prstGeom>
+          <a:noFill/>
+          <a:ln>
+            <a:noFill/>
+          </a:ln>
+        </p:spPr>
+        <p:txBody>
+          <a:bodyPr anchorCtr="0" anchor="ctr" bIns="91425" lIns="91425" spcFirstLastPara="1" rIns="91425" wrap="square" tIns="91425">
+            <a:noAutofit/>
+          </a:bodyPr>
+          <a:lstStyle/>
+          <a:p>
+            <a:pPr indent="0" lvl="0" marL="0" marR="0" rtl="0" algn="l">
+              <a:lnSpc>
+                <a:spcPct val="100000"/>
+              </a:lnSpc>
+              <a:spcBef>
+                <a:spcPts val="800"/>
+              </a:spcBef>
+              <a:spcAft>
+                <a:spcPts val="0"/>
+              </a:spcAft>
+              <a:buClr>
+                <a:srgbClr val="000000"/>
+              </a:buClr>
+              <a:buSzPts val="2400"/>
+              <a:buFont typeface="Arial"/>
+              <a:buNone/>
+            </a:pPr>
+            <a:r>
+              <a:rPr b="0" i="0" lang="en-US" sz="2400" u="none" cap="none" strike="noStrike">
+                <a:solidFill>
+                  <a:schemeClr val="dk1"/>
+                </a:solidFill>
+                <a:latin typeface="Helvetica Neue"/>
+                <a:ea typeface="Helvetica Neue"/>
+                <a:cs typeface="Helvetica Neue"/>
+                <a:sym typeface="Helvetica Neue"/>
+              </a:rPr>
+              <a:t>Estimates the portfolio PnL (Profit and Loss) over stressed volatilities and risk free rates.</a:t>
+            </a:r>
+            <a:endParaRPr b="0" i="0" sz="1400" u="none" cap="none" strike="noStrike">
+              <a:solidFill>
+                <a:srgbClr val="000000"/>
+              </a:solidFill>
+              <a:latin typeface="Arial"/>
+              <a:ea typeface="Arial"/>
+              <a:cs typeface="Arial"/>
+              <a:sym typeface="Arial"/>
+            </a:endParaRPr>
+          </a:p>
+        </p:txBody>
+      </p:sp>
+      <p:pic>
+        <p:nvPicPr>
+          <p:cNvPr id="128" name="Google Shape;128;p9"/>
+          <p:cNvPicPr preferRelativeResize="0"/>
+          <p:nvPr/>
+        </p:nvPicPr>
+        <p:blipFill>
+          <a:blip r:embed="rId3">
+            <a:alphaModFix/>
+          </a:blip>
+          <a:stretch>
+            <a:fillRect/>
+          </a:stretch>
+        </p:blipFill>
+        <p:spPr>
+          <a:xfrm>
+            <a:off x="152400" y="3213242"/>
+            <a:ext cx="12852400" cy="4377758"/>
+          </a:xfrm>
+          <a:prstGeom prst="rect">
+            <a:avLst/>
+          </a:prstGeom>
+          <a:noFill/>
+          <a:ln>
+            <a:noFill/>
+          </a:ln>
+        </p:spPr>
+      </p:pic>
     </p:spTree>
   </p:cSld>
   <p:clrMapOvr>
@@ -10701,11 +10345,11 @@
 </file>
 
 <file path=ppt/slides/slide11.xml><?xml version="1.0" encoding="utf-8"?>
-<p:sld xmlns:a="http://schemas.openxmlformats.org/drawingml/2006/main" xmlns:r="http://schemas.openxmlformats.org/officeDocument/2006/relationships" xmlns:mc="http://schemas.openxmlformats.org/markup-compatibility/2006" xmlns:mv="urn:schemas-microsoft-com:mac:vml" xmlns:p="http://schemas.openxmlformats.org/presentationml/2006/main" xmlns:c="http://schemas.openxmlformats.org/drawingml/2006/chart" xmlns:dgm="http://schemas.openxmlformats.org/drawingml/2006/diagram" xmlns:o="urn:schemas-microsoft-com:office:office" xmlns:v="urn:schemas-microsoft-com:vml" xmlns:pvml="urn:schemas-microsoft-com:office:powerpoint" xmlns:com="http://schemas.openxmlformats.org/drawingml/2006/compatibility" xmlns:p14="http://schemas.microsoft.com/office/powerpoint/2010/main" xmlns:p15="http://schemas.microsoft.com/office/powerpoint/2012/main">
+<p:sld xmlns:a="http://schemas.openxmlformats.org/drawingml/2006/main" xmlns:r="http://schemas.openxmlformats.org/officeDocument/2006/relationships" xmlns:mc="http://schemas.openxmlformats.org/markup-compatibility/2006" xmlns:mv="urn:schemas-microsoft-com:mac:vml" xmlns:p="http://schemas.openxmlformats.org/presentationml/2006/main" xmlns:c="http://schemas.openxmlformats.org/drawingml/2006/chart" xmlns:dgm="http://schemas.openxmlformats.org/drawingml/2006/diagram" xmlns:o="urn:schemas-microsoft-com:office:office" xmlns:v="urn:schemas-microsoft-com:vml" xmlns:pvml="urn:schemas-microsoft-com:office:powerpoint" xmlns:com="http://schemas.openxmlformats.org/drawingml/2006/compatibility" xmlns:p14="http://schemas.microsoft.com/office/powerpoint/2010/main" xmlns:p15="http://schemas.microsoft.com/office/powerpoint/2012/main" xmlns:ahyp="http://schemas.microsoft.com/office/drawing/2018/hyperlinkcolor">
   <p:cSld>
     <p:spTree>
       <p:nvGrpSpPr>
-        <p:cNvPr id="135" name="Shape 135"/>
+        <p:cNvPr id="132" name="Shape 132"/>
         <p:cNvGrpSpPr/>
         <p:nvPr/>
       </p:nvGrpSpPr>
@@ -10717,9 +10361,593 @@
           <a:chExt cx="0" cy="0"/>
         </a:xfrm>
       </p:grpSpPr>
+      <p:sp>
+        <p:nvSpPr>
+          <p:cNvPr id="133" name="Google Shape;133;p10"/>
+          <p:cNvSpPr txBox="1"/>
+          <p:nvPr/>
+        </p:nvSpPr>
+        <p:spPr>
+          <a:xfrm>
+            <a:off x="1920125" y="2582825"/>
+            <a:ext cx="7493700" cy="4825800"/>
+          </a:xfrm>
+          <a:prstGeom prst="rect">
+            <a:avLst/>
+          </a:prstGeom>
+          <a:noFill/>
+          <a:ln>
+            <a:noFill/>
+          </a:ln>
+        </p:spPr>
+        <p:txBody>
+          <a:bodyPr anchorCtr="0" anchor="t" bIns="91425" lIns="91425" spcFirstLastPara="1" rIns="91425" wrap="square" tIns="91425">
+            <a:noAutofit/>
+          </a:bodyPr>
+          <a:lstStyle/>
+          <a:p>
+            <a:pPr indent="0" lvl="0" marL="0" marR="0" rtl="0" algn="l">
+              <a:lnSpc>
+                <a:spcPct val="100000"/>
+              </a:lnSpc>
+              <a:spcBef>
+                <a:spcPts val="0"/>
+              </a:spcBef>
+              <a:spcAft>
+                <a:spcPts val="0"/>
+              </a:spcAft>
+              <a:buClr>
+                <a:srgbClr val="000000"/>
+              </a:buClr>
+              <a:buSzPts val="1400"/>
+              <a:buFont typeface="Arial"/>
+              <a:buNone/>
+            </a:pPr>
+            <a:r>
+              <a:t/>
+            </a:r>
+            <a:endParaRPr b="0" i="0" sz="1400" u="none" cap="none" strike="noStrike">
+              <a:solidFill>
+                <a:srgbClr val="000000"/>
+              </a:solidFill>
+              <a:latin typeface="Helvetica Neue"/>
+              <a:ea typeface="Helvetica Neue"/>
+              <a:cs typeface="Helvetica Neue"/>
+              <a:sym typeface="Helvetica Neue"/>
+            </a:endParaRPr>
+          </a:p>
+        </p:txBody>
+      </p:sp>
+      <p:sp>
+        <p:nvSpPr>
+          <p:cNvPr id="134" name="Google Shape;134;p10"/>
+          <p:cNvSpPr txBox="1"/>
+          <p:nvPr/>
+        </p:nvSpPr>
+        <p:spPr>
+          <a:xfrm>
+            <a:off x="679625" y="2389925"/>
+            <a:ext cx="8734200" cy="5879400"/>
+          </a:xfrm>
+          <a:prstGeom prst="rect">
+            <a:avLst/>
+          </a:prstGeom>
+          <a:noFill/>
+          <a:ln>
+            <a:noFill/>
+          </a:ln>
+        </p:spPr>
+        <p:txBody>
+          <a:bodyPr anchorCtr="0" anchor="t" bIns="91425" lIns="91425" spcFirstLastPara="1" rIns="91425" wrap="square" tIns="91425">
+            <a:noAutofit/>
+          </a:bodyPr>
+          <a:lstStyle/>
+          <a:p>
+            <a:pPr indent="0" lvl="0" marL="0" marR="0" rtl="0" algn="r">
+              <a:lnSpc>
+                <a:spcPct val="100000"/>
+              </a:lnSpc>
+              <a:spcBef>
+                <a:spcPts val="0"/>
+              </a:spcBef>
+              <a:spcAft>
+                <a:spcPts val="0"/>
+              </a:spcAft>
+              <a:buClr>
+                <a:srgbClr val="000000"/>
+              </a:buClr>
+              <a:buSzPts val="1800"/>
+              <a:buFont typeface="Arial"/>
+              <a:buNone/>
+            </a:pPr>
+            <a:r>
+              <a:rPr b="0" i="0" lang="en-US" sz="1800" u="none" cap="none" strike="noStrike">
+                <a:solidFill>
+                  <a:srgbClr val="000000"/>
+                </a:solidFill>
+                <a:latin typeface="Arial"/>
+                <a:ea typeface="Arial"/>
+                <a:cs typeface="Arial"/>
+                <a:sym typeface="Arial"/>
+              </a:rPr>
+              <a:t>Estimate the number of MC simulations per replicated task. The tasks number must divide the total number of simulations</a:t>
+            </a:r>
+            <a:endParaRPr b="0" i="0" sz="1800" u="none" cap="none" strike="noStrike">
+              <a:solidFill>
+                <a:srgbClr val="000000"/>
+              </a:solidFill>
+              <a:latin typeface="Arial"/>
+              <a:ea typeface="Arial"/>
+              <a:cs typeface="Arial"/>
+              <a:sym typeface="Arial"/>
+            </a:endParaRPr>
+          </a:p>
+          <a:p>
+            <a:pPr indent="0" lvl="0" marL="0" marR="0" rtl="0" algn="r">
+              <a:lnSpc>
+                <a:spcPct val="100000"/>
+              </a:lnSpc>
+              <a:spcBef>
+                <a:spcPts val="0"/>
+              </a:spcBef>
+              <a:spcAft>
+                <a:spcPts val="0"/>
+              </a:spcAft>
+              <a:buClr>
+                <a:srgbClr val="000000"/>
+              </a:buClr>
+              <a:buSzPts val="1800"/>
+              <a:buFont typeface="Arial"/>
+              <a:buNone/>
+            </a:pPr>
+            <a:r>
+              <a:t/>
+            </a:r>
+            <a:endParaRPr b="0" i="0" sz="1800" u="none" cap="none" strike="noStrike">
+              <a:solidFill>
+                <a:srgbClr val="000000"/>
+              </a:solidFill>
+              <a:latin typeface="Arial"/>
+              <a:ea typeface="Arial"/>
+              <a:cs typeface="Arial"/>
+              <a:sym typeface="Arial"/>
+            </a:endParaRPr>
+          </a:p>
+          <a:p>
+            <a:pPr indent="0" lvl="0" marL="0" marR="0" rtl="0" algn="l">
+              <a:lnSpc>
+                <a:spcPct val="100000"/>
+              </a:lnSpc>
+              <a:spcBef>
+                <a:spcPts val="0"/>
+              </a:spcBef>
+              <a:spcAft>
+                <a:spcPts val="0"/>
+              </a:spcAft>
+              <a:buClr>
+                <a:srgbClr val="000000"/>
+              </a:buClr>
+              <a:buSzPts val="1800"/>
+              <a:buFont typeface="Arial"/>
+              <a:buNone/>
+            </a:pPr>
+            <a:r>
+              <a:t/>
+            </a:r>
+            <a:endParaRPr b="0" i="0" sz="1800" u="none" cap="none" strike="noStrike">
+              <a:solidFill>
+                <a:srgbClr val="000000"/>
+              </a:solidFill>
+              <a:latin typeface="Arial"/>
+              <a:ea typeface="Arial"/>
+              <a:cs typeface="Arial"/>
+              <a:sym typeface="Arial"/>
+            </a:endParaRPr>
+          </a:p>
+          <a:p>
+            <a:pPr indent="0" lvl="0" marL="0" marR="0" rtl="0" algn="r">
+              <a:lnSpc>
+                <a:spcPct val="100000"/>
+              </a:lnSpc>
+              <a:spcBef>
+                <a:spcPts val="0"/>
+              </a:spcBef>
+              <a:spcAft>
+                <a:spcPts val="0"/>
+              </a:spcAft>
+              <a:buClr>
+                <a:srgbClr val="000000"/>
+              </a:buClr>
+              <a:buSzPts val="1800"/>
+              <a:buFont typeface="Arial"/>
+              <a:buNone/>
+            </a:pPr>
+            <a:r>
+              <a:t/>
+            </a:r>
+            <a:endParaRPr b="0" i="0" sz="1800" u="none" cap="none" strike="noStrike">
+              <a:solidFill>
+                <a:srgbClr val="000000"/>
+              </a:solidFill>
+              <a:latin typeface="Arial"/>
+              <a:ea typeface="Arial"/>
+              <a:cs typeface="Arial"/>
+              <a:sym typeface="Arial"/>
+            </a:endParaRPr>
+          </a:p>
+          <a:p>
+            <a:pPr indent="0" lvl="0" marL="0" marR="0" rtl="0" algn="r">
+              <a:lnSpc>
+                <a:spcPct val="100000"/>
+              </a:lnSpc>
+              <a:spcBef>
+                <a:spcPts val="0"/>
+              </a:spcBef>
+              <a:spcAft>
+                <a:spcPts val="0"/>
+              </a:spcAft>
+              <a:buClr>
+                <a:srgbClr val="000000"/>
+              </a:buClr>
+              <a:buSzPts val="1800"/>
+              <a:buFont typeface="Arial"/>
+              <a:buNone/>
+            </a:pPr>
+            <a:r>
+              <a:rPr b="0" i="0" lang="en-US" sz="1800" u="none" cap="none" strike="noStrike">
+                <a:solidFill>
+                  <a:srgbClr val="000000"/>
+                </a:solidFill>
+                <a:latin typeface="Arial"/>
+                <a:ea typeface="Arial"/>
+                <a:cs typeface="Arial"/>
+                <a:sym typeface="Arial"/>
+              </a:rPr>
+              <a:t>Using Quanlib, each replicated task processes a subset of the MC simulations and deduces the PnL (profit and loss) of each simulated path. An expected PnL is estimated per risk free rate and volatility stressed percentage. On the task side, PnLs are saved into a dedicated file</a:t>
+            </a:r>
+            <a:endParaRPr b="0" i="0" sz="1800" u="none" cap="none" strike="noStrike">
+              <a:solidFill>
+                <a:srgbClr val="000000"/>
+              </a:solidFill>
+              <a:latin typeface="Arial"/>
+              <a:ea typeface="Arial"/>
+              <a:cs typeface="Arial"/>
+              <a:sym typeface="Arial"/>
+            </a:endParaRPr>
+          </a:p>
+          <a:p>
+            <a:pPr indent="0" lvl="0" marL="0" marR="0" rtl="0" algn="l">
+              <a:lnSpc>
+                <a:spcPct val="100000"/>
+              </a:lnSpc>
+              <a:spcBef>
+                <a:spcPts val="0"/>
+              </a:spcBef>
+              <a:spcAft>
+                <a:spcPts val="0"/>
+              </a:spcAft>
+              <a:buClr>
+                <a:srgbClr val="000000"/>
+              </a:buClr>
+              <a:buSzPts val="1800"/>
+              <a:buFont typeface="Arial"/>
+              <a:buNone/>
+            </a:pPr>
+            <a:r>
+              <a:t/>
+            </a:r>
+            <a:endParaRPr b="0" i="0" sz="1800" u="none" cap="none" strike="noStrike">
+              <a:solidFill>
+                <a:srgbClr val="000000"/>
+              </a:solidFill>
+              <a:latin typeface="Arial"/>
+              <a:ea typeface="Arial"/>
+              <a:cs typeface="Arial"/>
+              <a:sym typeface="Arial"/>
+            </a:endParaRPr>
+          </a:p>
+          <a:p>
+            <a:pPr indent="0" lvl="0" marL="0" marR="0" rtl="0" algn="r">
+              <a:lnSpc>
+                <a:spcPct val="100000"/>
+              </a:lnSpc>
+              <a:spcBef>
+                <a:spcPts val="0"/>
+              </a:spcBef>
+              <a:spcAft>
+                <a:spcPts val="0"/>
+              </a:spcAft>
+              <a:buClr>
+                <a:srgbClr val="000000"/>
+              </a:buClr>
+              <a:buSzPts val="1800"/>
+              <a:buFont typeface="Arial"/>
+              <a:buNone/>
+            </a:pPr>
+            <a:r>
+              <a:t/>
+            </a:r>
+            <a:endParaRPr b="0" i="0" sz="1800" u="none" cap="none" strike="noStrike">
+              <a:solidFill>
+                <a:srgbClr val="000000"/>
+              </a:solidFill>
+              <a:latin typeface="Arial"/>
+              <a:ea typeface="Arial"/>
+              <a:cs typeface="Arial"/>
+              <a:sym typeface="Arial"/>
+            </a:endParaRPr>
+          </a:p>
+          <a:p>
+            <a:pPr indent="0" lvl="0" marL="0" marR="0" rtl="0" algn="r">
+              <a:lnSpc>
+                <a:spcPct val="100000"/>
+              </a:lnSpc>
+              <a:spcBef>
+                <a:spcPts val="0"/>
+              </a:spcBef>
+              <a:spcAft>
+                <a:spcPts val="0"/>
+              </a:spcAft>
+              <a:buClr>
+                <a:srgbClr val="000000"/>
+              </a:buClr>
+              <a:buSzPts val="1800"/>
+              <a:buFont typeface="Arial"/>
+              <a:buNone/>
+            </a:pPr>
+            <a:r>
+              <a:t/>
+            </a:r>
+            <a:endParaRPr b="0" i="0" sz="1800" u="none" cap="none" strike="noStrike">
+              <a:solidFill>
+                <a:srgbClr val="000000"/>
+              </a:solidFill>
+              <a:latin typeface="Arial"/>
+              <a:ea typeface="Arial"/>
+              <a:cs typeface="Arial"/>
+              <a:sym typeface="Arial"/>
+            </a:endParaRPr>
+          </a:p>
+          <a:p>
+            <a:pPr indent="0" lvl="0" marL="0" marR="0" rtl="0" algn="r">
+              <a:lnSpc>
+                <a:spcPct val="100000"/>
+              </a:lnSpc>
+              <a:spcBef>
+                <a:spcPts val="0"/>
+              </a:spcBef>
+              <a:spcAft>
+                <a:spcPts val="0"/>
+              </a:spcAft>
+              <a:buClr>
+                <a:srgbClr val="000000"/>
+              </a:buClr>
+              <a:buSzPts val="1800"/>
+              <a:buFont typeface="Arial"/>
+              <a:buNone/>
+            </a:pPr>
+            <a:r>
+              <a:t/>
+            </a:r>
+            <a:endParaRPr b="0" i="0" sz="1800" u="none" cap="none" strike="noStrike">
+              <a:solidFill>
+                <a:srgbClr val="000000"/>
+              </a:solidFill>
+              <a:latin typeface="Arial"/>
+              <a:ea typeface="Arial"/>
+              <a:cs typeface="Arial"/>
+              <a:sym typeface="Arial"/>
+            </a:endParaRPr>
+          </a:p>
+          <a:p>
+            <a:pPr indent="0" lvl="0" marL="0" marR="0" rtl="0" algn="r">
+              <a:lnSpc>
+                <a:spcPct val="100000"/>
+              </a:lnSpc>
+              <a:spcBef>
+                <a:spcPts val="0"/>
+              </a:spcBef>
+              <a:spcAft>
+                <a:spcPts val="0"/>
+              </a:spcAft>
+              <a:buClr>
+                <a:srgbClr val="000000"/>
+              </a:buClr>
+              <a:buSzPts val="1800"/>
+              <a:buFont typeface="Arial"/>
+              <a:buNone/>
+            </a:pPr>
+            <a:r>
+              <a:rPr b="0" i="0" lang="en-US" sz="1800" u="none" cap="none" strike="noStrike">
+                <a:solidFill>
+                  <a:srgbClr val="000000"/>
+                </a:solidFill>
+                <a:latin typeface="Arial"/>
+                <a:ea typeface="Arial"/>
+                <a:cs typeface="Arial"/>
+                <a:sym typeface="Arial"/>
+              </a:rPr>
+              <a:t>Merge all stressed PnLs into a single csv file</a:t>
+            </a:r>
+            <a:endParaRPr b="0" i="0" sz="1800" u="none" cap="none" strike="noStrike">
+              <a:solidFill>
+                <a:srgbClr val="000000"/>
+              </a:solidFill>
+              <a:latin typeface="Arial"/>
+              <a:ea typeface="Arial"/>
+              <a:cs typeface="Arial"/>
+              <a:sym typeface="Arial"/>
+            </a:endParaRPr>
+          </a:p>
+          <a:p>
+            <a:pPr indent="0" lvl="0" marL="0" marR="0" rtl="0" algn="r">
+              <a:lnSpc>
+                <a:spcPct val="100000"/>
+              </a:lnSpc>
+              <a:spcBef>
+                <a:spcPts val="0"/>
+              </a:spcBef>
+              <a:spcAft>
+                <a:spcPts val="0"/>
+              </a:spcAft>
+              <a:buClr>
+                <a:srgbClr val="000000"/>
+              </a:buClr>
+              <a:buSzPts val="1800"/>
+              <a:buFont typeface="Arial"/>
+              <a:buNone/>
+            </a:pPr>
+            <a:r>
+              <a:t/>
+            </a:r>
+            <a:endParaRPr b="0" i="0" sz="1800" u="none" cap="none" strike="noStrike">
+              <a:solidFill>
+                <a:srgbClr val="000000"/>
+              </a:solidFill>
+              <a:latin typeface="Arial"/>
+              <a:ea typeface="Arial"/>
+              <a:cs typeface="Arial"/>
+              <a:sym typeface="Arial"/>
+            </a:endParaRPr>
+          </a:p>
+          <a:p>
+            <a:pPr indent="0" lvl="0" marL="0" marR="0" rtl="0" algn="r">
+              <a:lnSpc>
+                <a:spcPct val="100000"/>
+              </a:lnSpc>
+              <a:spcBef>
+                <a:spcPts val="0"/>
+              </a:spcBef>
+              <a:spcAft>
+                <a:spcPts val="0"/>
+              </a:spcAft>
+              <a:buClr>
+                <a:srgbClr val="000000"/>
+              </a:buClr>
+              <a:buSzPts val="1800"/>
+              <a:buFont typeface="Arial"/>
+              <a:buNone/>
+            </a:pPr>
+            <a:r>
+              <a:t/>
+            </a:r>
+            <a:endParaRPr b="0" i="0" sz="1800" u="none" cap="none" strike="noStrike">
+              <a:solidFill>
+                <a:srgbClr val="000000"/>
+              </a:solidFill>
+              <a:latin typeface="Arial"/>
+              <a:ea typeface="Arial"/>
+              <a:cs typeface="Arial"/>
+              <a:sym typeface="Arial"/>
+            </a:endParaRPr>
+          </a:p>
+          <a:p>
+            <a:pPr indent="0" lvl="0" marL="0" marR="0" rtl="0" algn="l">
+              <a:lnSpc>
+                <a:spcPct val="100000"/>
+              </a:lnSpc>
+              <a:spcBef>
+                <a:spcPts val="0"/>
+              </a:spcBef>
+              <a:spcAft>
+                <a:spcPts val="0"/>
+              </a:spcAft>
+              <a:buClr>
+                <a:srgbClr val="000000"/>
+              </a:buClr>
+              <a:buSzPts val="1800"/>
+              <a:buFont typeface="Arial"/>
+              <a:buNone/>
+            </a:pPr>
+            <a:r>
+              <a:t/>
+            </a:r>
+            <a:endParaRPr b="0" i="0" sz="1800" u="none" cap="none" strike="noStrike">
+              <a:solidFill>
+                <a:srgbClr val="000000"/>
+              </a:solidFill>
+              <a:latin typeface="Arial"/>
+              <a:ea typeface="Arial"/>
+              <a:cs typeface="Arial"/>
+              <a:sym typeface="Arial"/>
+            </a:endParaRPr>
+          </a:p>
+          <a:p>
+            <a:pPr indent="0" lvl="0" marL="0" marR="0" rtl="0" algn="r">
+              <a:lnSpc>
+                <a:spcPct val="100000"/>
+              </a:lnSpc>
+              <a:spcBef>
+                <a:spcPts val="0"/>
+              </a:spcBef>
+              <a:spcAft>
+                <a:spcPts val="0"/>
+              </a:spcAft>
+              <a:buClr>
+                <a:srgbClr val="000000"/>
+              </a:buClr>
+              <a:buSzPts val="1800"/>
+              <a:buFont typeface="Arial"/>
+              <a:buNone/>
+            </a:pPr>
+            <a:r>
+              <a:t/>
+            </a:r>
+            <a:endParaRPr b="0" i="0" sz="1800" u="none" cap="none" strike="noStrike">
+              <a:solidFill>
+                <a:srgbClr val="000000"/>
+              </a:solidFill>
+              <a:latin typeface="Arial"/>
+              <a:ea typeface="Arial"/>
+              <a:cs typeface="Arial"/>
+              <a:sym typeface="Arial"/>
+            </a:endParaRPr>
+          </a:p>
+          <a:p>
+            <a:pPr indent="0" lvl="0" marL="0" marR="0" rtl="0" algn="r">
+              <a:lnSpc>
+                <a:spcPct val="100000"/>
+              </a:lnSpc>
+              <a:spcBef>
+                <a:spcPts val="0"/>
+              </a:spcBef>
+              <a:spcAft>
+                <a:spcPts val="0"/>
+              </a:spcAft>
+              <a:buClr>
+                <a:srgbClr val="000000"/>
+              </a:buClr>
+              <a:buSzPts val="1800"/>
+              <a:buFont typeface="Arial"/>
+              <a:buNone/>
+            </a:pPr>
+            <a:r>
+              <a:rPr b="0" i="0" lang="en-US" sz="1800" u="none" cap="none" strike="noStrike">
+                <a:solidFill>
+                  <a:srgbClr val="000000"/>
+                </a:solidFill>
+                <a:latin typeface="Arial"/>
+                <a:ea typeface="Arial"/>
+                <a:cs typeface="Arial"/>
+                <a:sym typeface="Arial"/>
+              </a:rPr>
+              <a:t>Plot a 3D representation of the stressed PnLs</a:t>
+            </a:r>
+            <a:endParaRPr b="0" i="0" sz="1800" u="none" cap="none" strike="noStrike">
+              <a:solidFill>
+                <a:srgbClr val="000000"/>
+              </a:solidFill>
+              <a:latin typeface="Arial"/>
+              <a:ea typeface="Arial"/>
+              <a:cs typeface="Arial"/>
+              <a:sym typeface="Arial"/>
+            </a:endParaRPr>
+          </a:p>
+        </p:txBody>
+      </p:sp>
       <p:pic>
         <p:nvPicPr>
-          <p:cNvPr id="136" name="Google Shape;136;p22"/>
+          <p:cNvPr id="135" name="Google Shape;135;p10"/>
           <p:cNvPicPr preferRelativeResize="0"/>
           <p:nvPr/>
         </p:nvPicPr>
@@ -10732,8 +10960,8 @@
         </p:blipFill>
         <p:spPr>
           <a:xfrm>
-            <a:off x="152400" y="1942800"/>
-            <a:ext cx="12700003" cy="2948629"/>
+            <a:off x="10077500" y="2495463"/>
+            <a:ext cx="1843775" cy="5668325"/>
           </a:xfrm>
           <a:prstGeom prst="rect">
             <a:avLst/>
@@ -10744,234 +10972,9 @@
           </a:ln>
         </p:spPr>
       </p:pic>
-      <p:pic>
-        <p:nvPicPr>
-          <p:cNvPr id="137" name="Google Shape;137;p22"/>
-          <p:cNvPicPr preferRelativeResize="0"/>
-          <p:nvPr/>
-        </p:nvPicPr>
-        <p:blipFill rotWithShape="1">
-          <a:blip r:embed="rId4">
-            <a:alphaModFix/>
-          </a:blip>
-          <a:srcRect b="0" l="0" r="0" t="0"/>
-          <a:stretch/>
-        </p:blipFill>
-        <p:spPr>
-          <a:xfrm>
-            <a:off x="3264675" y="5004754"/>
-            <a:ext cx="5467350" cy="4362450"/>
-          </a:xfrm>
-          <a:prstGeom prst="rect">
-            <a:avLst/>
-          </a:prstGeom>
-          <a:noFill/>
-          <a:ln>
-            <a:noFill/>
-          </a:ln>
-        </p:spPr>
-      </p:pic>
       <p:sp>
         <p:nvSpPr>
-          <p:cNvPr id="138" name="Google Shape;138;p22"/>
-          <p:cNvSpPr txBox="1"/>
-          <p:nvPr/>
-        </p:nvSpPr>
-        <p:spPr>
-          <a:xfrm>
-            <a:off x="8732025" y="5508375"/>
-            <a:ext cx="846600" cy="468900"/>
-          </a:xfrm>
-          <a:prstGeom prst="rect">
-            <a:avLst/>
-          </a:prstGeom>
-          <a:noFill/>
-          <a:ln>
-            <a:noFill/>
-          </a:ln>
-        </p:spPr>
-        <p:txBody>
-          <a:bodyPr anchorCtr="0" anchor="t" bIns="91425" lIns="91425" spcFirstLastPara="1" rIns="91425" wrap="square" tIns="91425">
-            <a:noAutofit/>
-          </a:bodyPr>
-          <a:lstStyle/>
-          <a:p>
-            <a:pPr indent="0" lvl="0" marL="0" marR="0" rtl="0" algn="l">
-              <a:lnSpc>
-                <a:spcPct val="100000"/>
-              </a:lnSpc>
-              <a:spcBef>
-                <a:spcPts val="0"/>
-              </a:spcBef>
-              <a:spcAft>
-                <a:spcPts val="0"/>
-              </a:spcAft>
-              <a:buClr>
-                <a:srgbClr val="000000"/>
-              </a:buClr>
-              <a:buSzPts val="1400"/>
-              <a:buFont typeface="Arial"/>
-              <a:buNone/>
-            </a:pPr>
-            <a:r>
-              <a:rPr b="1" i="0" lang="en-US" sz="1400" u="none" cap="none" strike="noStrike">
-                <a:solidFill>
-                  <a:srgbClr val="000000"/>
-                </a:solidFill>
-                <a:latin typeface="Arial"/>
-                <a:ea typeface="Arial"/>
-                <a:cs typeface="Arial"/>
-                <a:sym typeface="Arial"/>
-              </a:rPr>
-              <a:t>PnL</a:t>
-            </a:r>
-            <a:endParaRPr b="1" i="0" sz="1400" u="none" cap="none" strike="noStrike">
-              <a:solidFill>
-                <a:srgbClr val="000000"/>
-              </a:solidFill>
-              <a:latin typeface="Arial"/>
-              <a:ea typeface="Arial"/>
-              <a:cs typeface="Arial"/>
-              <a:sym typeface="Arial"/>
-            </a:endParaRPr>
-          </a:p>
-        </p:txBody>
-      </p:sp>
-      <p:sp>
-        <p:nvSpPr>
-          <p:cNvPr id="139" name="Google Shape;139;p22"/>
-          <p:cNvSpPr txBox="1"/>
-          <p:nvPr/>
-        </p:nvSpPr>
-        <p:spPr>
-          <a:xfrm>
-            <a:off x="2730775" y="8898300"/>
-            <a:ext cx="2136300" cy="468900"/>
-          </a:xfrm>
-          <a:prstGeom prst="rect">
-            <a:avLst/>
-          </a:prstGeom>
-          <a:noFill/>
-          <a:ln>
-            <a:noFill/>
-          </a:ln>
-        </p:spPr>
-        <p:txBody>
-          <a:bodyPr anchorCtr="0" anchor="t" bIns="91425" lIns="91425" spcFirstLastPara="1" rIns="91425" wrap="square" tIns="91425">
-            <a:noAutofit/>
-          </a:bodyPr>
-          <a:lstStyle/>
-          <a:p>
-            <a:pPr indent="0" lvl="0" marL="0" marR="0" rtl="0" algn="l">
-              <a:lnSpc>
-                <a:spcPct val="100000"/>
-              </a:lnSpc>
-              <a:spcBef>
-                <a:spcPts val="0"/>
-              </a:spcBef>
-              <a:spcAft>
-                <a:spcPts val="0"/>
-              </a:spcAft>
-              <a:buClr>
-                <a:srgbClr val="000000"/>
-              </a:buClr>
-              <a:buSzPts val="1200"/>
-              <a:buFont typeface="Arial"/>
-              <a:buNone/>
-            </a:pPr>
-            <a:r>
-              <a:rPr b="1" i="0" lang="en-US" sz="1200" u="none" cap="none" strike="noStrike">
-                <a:solidFill>
-                  <a:srgbClr val="000000"/>
-                </a:solidFill>
-                <a:latin typeface="Arial"/>
-                <a:ea typeface="Arial"/>
-                <a:cs typeface="Arial"/>
-                <a:sym typeface="Arial"/>
-              </a:rPr>
-              <a:t>risk free rate stressed %</a:t>
-            </a:r>
-            <a:endParaRPr b="1" i="0" sz="1200" u="none" cap="none" strike="noStrike">
-              <a:solidFill>
-                <a:srgbClr val="000000"/>
-              </a:solidFill>
-              <a:latin typeface="Arial"/>
-              <a:ea typeface="Arial"/>
-              <a:cs typeface="Arial"/>
-              <a:sym typeface="Arial"/>
-            </a:endParaRPr>
-          </a:p>
-        </p:txBody>
-      </p:sp>
-      <p:sp>
-        <p:nvSpPr>
-          <p:cNvPr id="140" name="Google Shape;140;p22"/>
-          <p:cNvSpPr txBox="1"/>
-          <p:nvPr/>
-        </p:nvSpPr>
-        <p:spPr>
-          <a:xfrm>
-            <a:off x="7727425" y="8555850"/>
-            <a:ext cx="2136300" cy="468900"/>
-          </a:xfrm>
-          <a:prstGeom prst="rect">
-            <a:avLst/>
-          </a:prstGeom>
-          <a:noFill/>
-          <a:ln>
-            <a:noFill/>
-          </a:ln>
-        </p:spPr>
-        <p:txBody>
-          <a:bodyPr anchorCtr="0" anchor="t" bIns="91425" lIns="91425" spcFirstLastPara="1" rIns="91425" wrap="square" tIns="91425">
-            <a:noAutofit/>
-          </a:bodyPr>
-          <a:lstStyle/>
-          <a:p>
-            <a:pPr indent="0" lvl="0" marL="0" marR="0" rtl="0" algn="l">
-              <a:lnSpc>
-                <a:spcPct val="100000"/>
-              </a:lnSpc>
-              <a:spcBef>
-                <a:spcPts val="0"/>
-              </a:spcBef>
-              <a:spcAft>
-                <a:spcPts val="0"/>
-              </a:spcAft>
-              <a:buClr>
-                <a:srgbClr val="000000"/>
-              </a:buClr>
-              <a:buSzPts val="1200"/>
-              <a:buFont typeface="Arial"/>
-              <a:buNone/>
-            </a:pPr>
-            <a:r>
-              <a:rPr b="1" i="0" lang="en-US" sz="1200" u="none" cap="none" strike="noStrike">
-                <a:solidFill>
-                  <a:srgbClr val="000000"/>
-                </a:solidFill>
-                <a:latin typeface="Arial"/>
-                <a:ea typeface="Arial"/>
-                <a:cs typeface="Arial"/>
-                <a:sym typeface="Arial"/>
-              </a:rPr>
-              <a:t>volatility rate stressed %</a:t>
-            </a:r>
-            <a:endParaRPr b="1" i="0" sz="1200" u="none" cap="none" strike="noStrike">
-              <a:solidFill>
-                <a:srgbClr val="000000"/>
-              </a:solidFill>
-              <a:latin typeface="Arial"/>
-              <a:ea typeface="Arial"/>
-              <a:cs typeface="Arial"/>
-              <a:sym typeface="Arial"/>
-            </a:endParaRPr>
-          </a:p>
-        </p:txBody>
-      </p:sp>
-      <p:sp>
-        <p:nvSpPr>
-          <p:cNvPr id="141" name="Google Shape;141;p22"/>
+          <p:cNvPr id="136" name="Google Shape;136;p10"/>
           <p:cNvSpPr txBox="1"/>
           <p:nvPr>
             <p:ph type="title"/>
@@ -11038,11 +11041,449 @@
 </file>
 
 <file path=ppt/slides/slide12.xml><?xml version="1.0" encoding="utf-8"?>
-<p:sld xmlns:a="http://schemas.openxmlformats.org/drawingml/2006/main" xmlns:r="http://schemas.openxmlformats.org/officeDocument/2006/relationships" xmlns:mc="http://schemas.openxmlformats.org/markup-compatibility/2006" xmlns:mv="urn:schemas-microsoft-com:mac:vml" xmlns:p="http://schemas.openxmlformats.org/presentationml/2006/main" xmlns:c="http://schemas.openxmlformats.org/drawingml/2006/chart" xmlns:dgm="http://schemas.openxmlformats.org/drawingml/2006/diagram" xmlns:o="urn:schemas-microsoft-com:office:office" xmlns:v="urn:schemas-microsoft-com:vml" xmlns:pvml="urn:schemas-microsoft-com:office:powerpoint" xmlns:com="http://schemas.openxmlformats.org/drawingml/2006/compatibility" xmlns:p14="http://schemas.microsoft.com/office/powerpoint/2010/main" xmlns:p15="http://schemas.microsoft.com/office/powerpoint/2012/main">
+<p:sld xmlns:a="http://schemas.openxmlformats.org/drawingml/2006/main" xmlns:r="http://schemas.openxmlformats.org/officeDocument/2006/relationships" xmlns:mc="http://schemas.openxmlformats.org/markup-compatibility/2006" xmlns:mv="urn:schemas-microsoft-com:mac:vml" xmlns:p="http://schemas.openxmlformats.org/presentationml/2006/main" xmlns:c="http://schemas.openxmlformats.org/drawingml/2006/chart" xmlns:dgm="http://schemas.openxmlformats.org/drawingml/2006/diagram" xmlns:o="urn:schemas-microsoft-com:office:office" xmlns:v="urn:schemas-microsoft-com:vml" xmlns:pvml="urn:schemas-microsoft-com:office:powerpoint" xmlns:com="http://schemas.openxmlformats.org/drawingml/2006/compatibility" xmlns:p14="http://schemas.microsoft.com/office/powerpoint/2010/main" xmlns:p15="http://schemas.microsoft.com/office/powerpoint/2012/main" xmlns:ahyp="http://schemas.microsoft.com/office/drawing/2018/hyperlinkcolor">
   <p:cSld>
     <p:spTree>
       <p:nvGrpSpPr>
-        <p:cNvPr id="145" name="Shape 145"/>
+        <p:cNvPr id="140" name="Shape 140"/>
+        <p:cNvGrpSpPr/>
+        <p:nvPr/>
+      </p:nvGrpSpPr>
+      <p:grpSpPr>
+        <a:xfrm>
+          <a:off x="0" y="0"/>
+          <a:ext cx="0" cy="0"/>
+          <a:chOff x="0" y="0"/>
+          <a:chExt cx="0" cy="0"/>
+        </a:xfrm>
+      </p:grpSpPr>
+      <p:pic>
+        <p:nvPicPr>
+          <p:cNvPr id="141" name="Google Shape;141;p11"/>
+          <p:cNvPicPr preferRelativeResize="0"/>
+          <p:nvPr/>
+        </p:nvPicPr>
+        <p:blipFill rotWithShape="1">
+          <a:blip r:embed="rId3">
+            <a:alphaModFix/>
+          </a:blip>
+          <a:srcRect b="0" l="0" r="0" t="0"/>
+          <a:stretch/>
+        </p:blipFill>
+        <p:spPr>
+          <a:xfrm>
+            <a:off x="152400" y="1942800"/>
+            <a:ext cx="12700003" cy="2948629"/>
+          </a:xfrm>
+          <a:prstGeom prst="rect">
+            <a:avLst/>
+          </a:prstGeom>
+          <a:noFill/>
+          <a:ln>
+            <a:noFill/>
+          </a:ln>
+        </p:spPr>
+      </p:pic>
+      <p:pic>
+        <p:nvPicPr>
+          <p:cNvPr id="142" name="Google Shape;142;p11"/>
+          <p:cNvPicPr preferRelativeResize="0"/>
+          <p:nvPr/>
+        </p:nvPicPr>
+        <p:blipFill rotWithShape="1">
+          <a:blip r:embed="rId4">
+            <a:alphaModFix/>
+          </a:blip>
+          <a:srcRect b="0" l="0" r="0" t="0"/>
+          <a:stretch/>
+        </p:blipFill>
+        <p:spPr>
+          <a:xfrm>
+            <a:off x="3664725" y="4280854"/>
+            <a:ext cx="5467350" cy="4362450"/>
+          </a:xfrm>
+          <a:prstGeom prst="rect">
+            <a:avLst/>
+          </a:prstGeom>
+          <a:noFill/>
+          <a:ln>
+            <a:noFill/>
+          </a:ln>
+        </p:spPr>
+      </p:pic>
+      <p:sp>
+        <p:nvSpPr>
+          <p:cNvPr id="143" name="Google Shape;143;p11"/>
+          <p:cNvSpPr txBox="1"/>
+          <p:nvPr/>
+        </p:nvSpPr>
+        <p:spPr>
+          <a:xfrm>
+            <a:off x="9113025" y="5508375"/>
+            <a:ext cx="846600" cy="468900"/>
+          </a:xfrm>
+          <a:prstGeom prst="rect">
+            <a:avLst/>
+          </a:prstGeom>
+          <a:noFill/>
+          <a:ln>
+            <a:noFill/>
+          </a:ln>
+        </p:spPr>
+        <p:txBody>
+          <a:bodyPr anchorCtr="0" anchor="t" bIns="91425" lIns="91425" spcFirstLastPara="1" rIns="91425" wrap="square" tIns="91425">
+            <a:noAutofit/>
+          </a:bodyPr>
+          <a:lstStyle/>
+          <a:p>
+            <a:pPr indent="0" lvl="0" marL="0" marR="0" rtl="0" algn="l">
+              <a:lnSpc>
+                <a:spcPct val="100000"/>
+              </a:lnSpc>
+              <a:spcBef>
+                <a:spcPts val="0"/>
+              </a:spcBef>
+              <a:spcAft>
+                <a:spcPts val="0"/>
+              </a:spcAft>
+              <a:buClr>
+                <a:srgbClr val="000000"/>
+              </a:buClr>
+              <a:buSzPts val="1400"/>
+              <a:buFont typeface="Arial"/>
+              <a:buNone/>
+            </a:pPr>
+            <a:r>
+              <a:rPr b="1" i="0" lang="en-US" sz="1400" u="none" cap="none" strike="noStrike">
+                <a:solidFill>
+                  <a:srgbClr val="000000"/>
+                </a:solidFill>
+                <a:latin typeface="Arial"/>
+                <a:ea typeface="Arial"/>
+                <a:cs typeface="Arial"/>
+                <a:sym typeface="Arial"/>
+              </a:rPr>
+              <a:t>PnL</a:t>
+            </a:r>
+            <a:endParaRPr b="1" i="0" sz="1400" u="none" cap="none" strike="noStrike">
+              <a:solidFill>
+                <a:srgbClr val="000000"/>
+              </a:solidFill>
+              <a:latin typeface="Arial"/>
+              <a:ea typeface="Arial"/>
+              <a:cs typeface="Arial"/>
+              <a:sym typeface="Arial"/>
+            </a:endParaRPr>
+          </a:p>
+        </p:txBody>
+      </p:sp>
+      <p:sp>
+        <p:nvSpPr>
+          <p:cNvPr id="144" name="Google Shape;144;p11"/>
+          <p:cNvSpPr txBox="1"/>
+          <p:nvPr/>
+        </p:nvSpPr>
+        <p:spPr>
+          <a:xfrm>
+            <a:off x="2959375" y="8288700"/>
+            <a:ext cx="2136300" cy="468900"/>
+          </a:xfrm>
+          <a:prstGeom prst="rect">
+            <a:avLst/>
+          </a:prstGeom>
+          <a:noFill/>
+          <a:ln>
+            <a:noFill/>
+          </a:ln>
+        </p:spPr>
+        <p:txBody>
+          <a:bodyPr anchorCtr="0" anchor="t" bIns="91425" lIns="91425" spcFirstLastPara="1" rIns="91425" wrap="square" tIns="91425">
+            <a:noAutofit/>
+          </a:bodyPr>
+          <a:lstStyle/>
+          <a:p>
+            <a:pPr indent="0" lvl="0" marL="0" marR="0" rtl="0" algn="l">
+              <a:lnSpc>
+                <a:spcPct val="100000"/>
+              </a:lnSpc>
+              <a:spcBef>
+                <a:spcPts val="0"/>
+              </a:spcBef>
+              <a:spcAft>
+                <a:spcPts val="0"/>
+              </a:spcAft>
+              <a:buClr>
+                <a:srgbClr val="000000"/>
+              </a:buClr>
+              <a:buSzPts val="1200"/>
+              <a:buFont typeface="Arial"/>
+              <a:buNone/>
+            </a:pPr>
+            <a:r>
+              <a:rPr b="1" i="0" lang="en-US" sz="1200" u="none" cap="none" strike="noStrike">
+                <a:solidFill>
+                  <a:srgbClr val="000000"/>
+                </a:solidFill>
+                <a:latin typeface="Arial"/>
+                <a:ea typeface="Arial"/>
+                <a:cs typeface="Arial"/>
+                <a:sym typeface="Arial"/>
+              </a:rPr>
+              <a:t>risk free rate stressed %</a:t>
+            </a:r>
+            <a:endParaRPr b="1" i="0" sz="1200" u="none" cap="none" strike="noStrike">
+              <a:solidFill>
+                <a:srgbClr val="000000"/>
+              </a:solidFill>
+              <a:latin typeface="Arial"/>
+              <a:ea typeface="Arial"/>
+              <a:cs typeface="Arial"/>
+              <a:sym typeface="Arial"/>
+            </a:endParaRPr>
+          </a:p>
+        </p:txBody>
+      </p:sp>
+      <p:sp>
+        <p:nvSpPr>
+          <p:cNvPr id="145" name="Google Shape;145;p11"/>
+          <p:cNvSpPr txBox="1"/>
+          <p:nvPr/>
+        </p:nvSpPr>
+        <p:spPr>
+          <a:xfrm>
+            <a:off x="7956025" y="7946250"/>
+            <a:ext cx="2136300" cy="468900"/>
+          </a:xfrm>
+          <a:prstGeom prst="rect">
+            <a:avLst/>
+          </a:prstGeom>
+          <a:noFill/>
+          <a:ln>
+            <a:noFill/>
+          </a:ln>
+        </p:spPr>
+        <p:txBody>
+          <a:bodyPr anchorCtr="0" anchor="t" bIns="91425" lIns="91425" spcFirstLastPara="1" rIns="91425" wrap="square" tIns="91425">
+            <a:noAutofit/>
+          </a:bodyPr>
+          <a:lstStyle/>
+          <a:p>
+            <a:pPr indent="0" lvl="0" marL="0" marR="0" rtl="0" algn="l">
+              <a:lnSpc>
+                <a:spcPct val="100000"/>
+              </a:lnSpc>
+              <a:spcBef>
+                <a:spcPts val="0"/>
+              </a:spcBef>
+              <a:spcAft>
+                <a:spcPts val="0"/>
+              </a:spcAft>
+              <a:buClr>
+                <a:srgbClr val="000000"/>
+              </a:buClr>
+              <a:buSzPts val="1200"/>
+              <a:buFont typeface="Arial"/>
+              <a:buNone/>
+            </a:pPr>
+            <a:r>
+              <a:rPr b="1" i="0" lang="en-US" sz="1200" u="none" cap="none" strike="noStrike">
+                <a:solidFill>
+                  <a:srgbClr val="000000"/>
+                </a:solidFill>
+                <a:latin typeface="Arial"/>
+                <a:ea typeface="Arial"/>
+                <a:cs typeface="Arial"/>
+                <a:sym typeface="Arial"/>
+              </a:rPr>
+              <a:t>volatility rate stressed %</a:t>
+            </a:r>
+            <a:endParaRPr b="1" i="0" sz="1200" u="none" cap="none" strike="noStrike">
+              <a:solidFill>
+                <a:srgbClr val="000000"/>
+              </a:solidFill>
+              <a:latin typeface="Arial"/>
+              <a:ea typeface="Arial"/>
+              <a:cs typeface="Arial"/>
+              <a:sym typeface="Arial"/>
+            </a:endParaRPr>
+          </a:p>
+        </p:txBody>
+      </p:sp>
+      <p:sp>
+        <p:nvSpPr>
+          <p:cNvPr id="146" name="Google Shape;146;p11"/>
+          <p:cNvSpPr txBox="1"/>
+          <p:nvPr>
+            <p:ph type="title"/>
+          </p:nvPr>
+        </p:nvSpPr>
+        <p:spPr>
+          <a:xfrm>
+            <a:off x="-1" y="468775"/>
+            <a:ext cx="7877100" cy="927600"/>
+          </a:xfrm>
+          <a:prstGeom prst="rect">
+            <a:avLst/>
+          </a:prstGeom>
+          <a:noFill/>
+          <a:ln>
+            <a:noFill/>
+          </a:ln>
+        </p:spPr>
+        <p:txBody>
+          <a:bodyPr anchorCtr="0" anchor="t" bIns="65000" lIns="129975" spcFirstLastPara="1" rIns="129975" wrap="square" tIns="65000">
+            <a:noAutofit/>
+          </a:bodyPr>
+          <a:lstStyle/>
+          <a:p>
+            <a:pPr indent="0" lvl="0" marL="0" marR="0" rtl="0" algn="l">
+              <a:lnSpc>
+                <a:spcPct val="100000"/>
+              </a:lnSpc>
+              <a:spcBef>
+                <a:spcPts val="0"/>
+              </a:spcBef>
+              <a:spcAft>
+                <a:spcPts val="0"/>
+              </a:spcAft>
+              <a:buClr>
+                <a:srgbClr val="253A65"/>
+              </a:buClr>
+              <a:buSzPts val="1400"/>
+              <a:buFont typeface="Helvetica Neue"/>
+              <a:buNone/>
+            </a:pPr>
+            <a:r>
+              <a:rPr lang="en-US" sz="2600"/>
+              <a:t>stress_testing_Monte_Carlo_value_portfolio.xml</a:t>
+            </a:r>
+            <a:endParaRPr b="1" i="0" sz="2600" u="none" cap="none" strike="noStrike">
+              <a:solidFill>
+                <a:srgbClr val="253A65"/>
+              </a:solidFill>
+              <a:latin typeface="Helvetica Neue"/>
+              <a:ea typeface="Helvetica Neue"/>
+              <a:cs typeface="Helvetica Neue"/>
+              <a:sym typeface="Helvetica Neue"/>
+            </a:endParaRPr>
+          </a:p>
+        </p:txBody>
+      </p:sp>
+      <p:sp>
+        <p:nvSpPr>
+          <p:cNvPr id="147" name="Google Shape;147;p11"/>
+          <p:cNvSpPr txBox="1"/>
+          <p:nvPr/>
+        </p:nvSpPr>
+        <p:spPr>
+          <a:xfrm>
+            <a:off x="679725" y="8757600"/>
+            <a:ext cx="12379200" cy="738900"/>
+          </a:xfrm>
+          <a:prstGeom prst="rect">
+            <a:avLst/>
+          </a:prstGeom>
+          <a:noFill/>
+          <a:ln>
+            <a:noFill/>
+          </a:ln>
+        </p:spPr>
+        <p:txBody>
+          <a:bodyPr anchorCtr="0" anchor="t" bIns="91425" lIns="91425" spcFirstLastPara="1" rIns="91425" wrap="square" tIns="91425">
+            <a:spAutoFit/>
+          </a:bodyPr>
+          <a:lstStyle/>
+          <a:p>
+            <a:pPr indent="0" lvl="0" marL="0" rtl="0" algn="l">
+              <a:spcBef>
+                <a:spcPts val="800"/>
+              </a:spcBef>
+              <a:spcAft>
+                <a:spcPts val="0"/>
+              </a:spcAft>
+              <a:buNone/>
+            </a:pPr>
+            <a:r>
+              <a:rPr lang="en-US" sz="1800">
+                <a:solidFill>
+                  <a:schemeClr val="dk1"/>
+                </a:solidFill>
+                <a:latin typeface="Helvetica Neue"/>
+                <a:ea typeface="Helvetica Neue"/>
+                <a:cs typeface="Helvetica Neue"/>
+                <a:sym typeface="Helvetica Neue"/>
+              </a:rPr>
+              <a:t>Identically as the </a:t>
+            </a:r>
+            <a:r>
+              <a:rPr lang="en-US" sz="1800">
+                <a:solidFill>
+                  <a:schemeClr val="dk1"/>
+                </a:solidFill>
+              </a:rPr>
+              <a:t>Monte_Carlo_VaR_portfolio workflow, a</a:t>
+            </a:r>
+            <a:r>
+              <a:rPr lang="en-US" sz="1800">
+                <a:solidFill>
+                  <a:schemeClr val="dk1"/>
+                </a:solidFill>
+                <a:latin typeface="Helvetica Neue"/>
+                <a:ea typeface="Helvetica Neue"/>
+                <a:cs typeface="Helvetica Neue"/>
+                <a:sym typeface="Helvetica Neue"/>
+              </a:rPr>
+              <a:t>n interactive version is available to add more MC simulations to each stressed portfolio estimation (see </a:t>
+            </a:r>
+            <a:r>
+              <a:rPr lang="en-US" sz="1800">
+                <a:solidFill>
+                  <a:schemeClr val="dk1"/>
+                </a:solidFill>
+                <a:highlight>
+                  <a:srgbClr val="FFFFFF"/>
+                </a:highlight>
+                <a:latin typeface="Helvetica Neue"/>
+                <a:ea typeface="Helvetica Neue"/>
+                <a:cs typeface="Helvetica Neue"/>
+                <a:sym typeface="Helvetica Neue"/>
+              </a:rPr>
+              <a:t>stress_testing_Monte_Carlo_value_portfolio_Interactive_Control).</a:t>
+            </a:r>
+            <a:r>
+              <a:rPr lang="en-US" sz="1800">
+                <a:solidFill>
+                  <a:schemeClr val="dk1"/>
+                </a:solidFill>
+                <a:latin typeface="Helvetica Neue"/>
+                <a:ea typeface="Helvetica Neue"/>
+                <a:cs typeface="Helvetica Neue"/>
+                <a:sym typeface="Helvetica Neue"/>
+              </a:rPr>
+              <a:t> </a:t>
+            </a:r>
+            <a:endParaRPr sz="1800">
+              <a:solidFill>
+                <a:schemeClr val="dk1"/>
+              </a:solidFill>
+            </a:endParaRPr>
+          </a:p>
+        </p:txBody>
+      </p:sp>
+    </p:spTree>
+  </p:cSld>
+  <p:clrMapOvr>
+    <a:masterClrMapping/>
+  </p:clrMapOvr>
+</p:sld>
+</file>
+
+<file path=ppt/slides/slide13.xml><?xml version="1.0" encoding="utf-8"?>
+<p:sld xmlns:a="http://schemas.openxmlformats.org/drawingml/2006/main" xmlns:r="http://schemas.openxmlformats.org/officeDocument/2006/relationships" xmlns:mc="http://schemas.openxmlformats.org/markup-compatibility/2006" xmlns:mv="urn:schemas-microsoft-com:mac:vml" xmlns:p="http://schemas.openxmlformats.org/presentationml/2006/main" xmlns:c="http://schemas.openxmlformats.org/drawingml/2006/chart" xmlns:dgm="http://schemas.openxmlformats.org/drawingml/2006/diagram" xmlns:o="urn:schemas-microsoft-com:office:office" xmlns:v="urn:schemas-microsoft-com:vml" xmlns:pvml="urn:schemas-microsoft-com:office:powerpoint" xmlns:com="http://schemas.openxmlformats.org/drawingml/2006/compatibility" xmlns:p14="http://schemas.microsoft.com/office/powerpoint/2010/main" xmlns:p15="http://schemas.microsoft.com/office/powerpoint/2012/main" xmlns:ahyp="http://schemas.microsoft.com/office/drawing/2018/hyperlinkcolor">
+  <p:cSld>
+    <p:spTree>
+      <p:nvGrpSpPr>
+        <p:cNvPr id="151" name="Shape 151"/>
         <p:cNvGrpSpPr/>
         <p:nvPr/>
       </p:nvGrpSpPr>
@@ -11056,7 +11497,7 @@
       </p:grpSpPr>
       <p:sp>
         <p:nvSpPr>
-          <p:cNvPr id="146" name="Google Shape;146;p23"/>
+          <p:cNvPr id="152" name="Google Shape;152;p12"/>
           <p:cNvSpPr/>
           <p:nvPr/>
         </p:nvSpPr>
@@ -11085,7 +11526,7 @@
           <a:effectLst>
             <a:outerShdw blurRad="57150" rotWithShape="0" algn="bl" dir="5400000" dist="19050">
               <a:srgbClr val="000000">
-                <a:alpha val="49019"/>
+                <a:alpha val="48627"/>
               </a:srgbClr>
             </a:outerShdw>
           </a:effectLst>
@@ -11130,7 +11571,7 @@
       </p:sp>
       <p:sp>
         <p:nvSpPr>
-          <p:cNvPr id="147" name="Google Shape;147;p23"/>
+          <p:cNvPr id="153" name="Google Shape;153;p12"/>
           <p:cNvSpPr/>
           <p:nvPr/>
         </p:nvSpPr>
@@ -11159,7 +11600,7 @@
           <a:effectLst>
             <a:outerShdw blurRad="57150" rotWithShape="0" algn="bl" dir="5400000" dist="19050">
               <a:srgbClr val="000000">
-                <a:alpha val="49019"/>
+                <a:alpha val="48627"/>
               </a:srgbClr>
             </a:outerShdw>
           </a:effectLst>
@@ -11204,7 +11645,7 @@
       </p:sp>
       <p:sp>
         <p:nvSpPr>
-          <p:cNvPr id="148" name="Google Shape;148;p23"/>
+          <p:cNvPr id="154" name="Google Shape;154;p12"/>
           <p:cNvSpPr/>
           <p:nvPr/>
         </p:nvSpPr>
@@ -11233,7 +11674,7 @@
           <a:effectLst>
             <a:outerShdw blurRad="57150" rotWithShape="0" algn="bl" dir="5400000" dist="19050">
               <a:srgbClr val="000000">
-                <a:alpha val="49019"/>
+                <a:alpha val="48627"/>
               </a:srgbClr>
             </a:outerShdw>
           </a:effectLst>
@@ -11278,7 +11719,7 @@
       </p:sp>
       <p:sp>
         <p:nvSpPr>
-          <p:cNvPr id="149" name="Google Shape;149;p23"/>
+          <p:cNvPr id="155" name="Google Shape;155;p12"/>
           <p:cNvSpPr/>
           <p:nvPr/>
         </p:nvSpPr>
@@ -11307,7 +11748,7 @@
           <a:effectLst>
             <a:outerShdw blurRad="57150" rotWithShape="0" algn="bl" dir="5400000" dist="19050">
               <a:srgbClr val="000000">
-                <a:alpha val="49019"/>
+                <a:alpha val="48627"/>
               </a:srgbClr>
             </a:outerShdw>
           </a:effectLst>
@@ -11352,7 +11793,7 @@
       </p:sp>
       <p:sp>
         <p:nvSpPr>
-          <p:cNvPr id="150" name="Google Shape;150;p23"/>
+          <p:cNvPr id="156" name="Google Shape;156;p12"/>
           <p:cNvSpPr/>
           <p:nvPr/>
         </p:nvSpPr>
@@ -11381,7 +11822,7 @@
           <a:effectLst>
             <a:outerShdw blurRad="57150" rotWithShape="0" algn="bl" dir="5400000" dist="19050">
               <a:srgbClr val="000000">
-                <a:alpha val="49019"/>
+                <a:alpha val="48627"/>
               </a:srgbClr>
             </a:outerShdw>
           </a:effectLst>
@@ -11426,7 +11867,7 @@
       </p:sp>
       <p:sp>
         <p:nvSpPr>
-          <p:cNvPr id="151" name="Google Shape;151;p23"/>
+          <p:cNvPr id="157" name="Google Shape;157;p12"/>
           <p:cNvSpPr/>
           <p:nvPr/>
         </p:nvSpPr>
@@ -11455,7 +11896,7 @@
           <a:effectLst>
             <a:outerShdw blurRad="57150" rotWithShape="0" algn="bl" dir="5400000" dist="19050">
               <a:srgbClr val="000000">
-                <a:alpha val="49019"/>
+                <a:alpha val="48627"/>
               </a:srgbClr>
             </a:outerShdw>
           </a:effectLst>
@@ -11500,7 +11941,7 @@
       </p:sp>
       <p:sp>
         <p:nvSpPr>
-          <p:cNvPr id="152" name="Google Shape;152;p23"/>
+          <p:cNvPr id="158" name="Google Shape;158;p12"/>
           <p:cNvSpPr/>
           <p:nvPr/>
         </p:nvSpPr>
@@ -11529,7 +11970,7 @@
           <a:effectLst>
             <a:outerShdw blurRad="57150" rotWithShape="0" algn="bl" dir="5400000" dist="19050">
               <a:srgbClr val="000000">
-                <a:alpha val="49019"/>
+                <a:alpha val="48627"/>
               </a:srgbClr>
             </a:outerShdw>
           </a:effectLst>
@@ -11574,7 +12015,7 @@
       </p:sp>
       <p:sp>
         <p:nvSpPr>
-          <p:cNvPr id="153" name="Google Shape;153;p23"/>
+          <p:cNvPr id="159" name="Google Shape;159;p12"/>
           <p:cNvSpPr/>
           <p:nvPr/>
         </p:nvSpPr>
@@ -11603,7 +12044,7 @@
           <a:effectLst>
             <a:outerShdw blurRad="57150" rotWithShape="0" algn="bl" dir="5400000" dist="19050">
               <a:srgbClr val="000000">
-                <a:alpha val="49019"/>
+                <a:alpha val="48627"/>
               </a:srgbClr>
             </a:outerShdw>
           </a:effectLst>
@@ -11648,7 +12089,7 @@
       </p:sp>
       <p:sp>
         <p:nvSpPr>
-          <p:cNvPr id="154" name="Google Shape;154;p23"/>
+          <p:cNvPr id="160" name="Google Shape;160;p12"/>
           <p:cNvSpPr/>
           <p:nvPr/>
         </p:nvSpPr>
@@ -11677,7 +12118,7 @@
           <a:effectLst>
             <a:outerShdw blurRad="57150" rotWithShape="0" algn="bl" dir="5400000" dist="19050">
               <a:srgbClr val="000000">
-                <a:alpha val="49019"/>
+                <a:alpha val="48627"/>
               </a:srgbClr>
             </a:outerShdw>
           </a:effectLst>
@@ -11722,7 +12163,7 @@
       </p:sp>
       <p:sp>
         <p:nvSpPr>
-          <p:cNvPr id="155" name="Google Shape;155;p23"/>
+          <p:cNvPr id="161" name="Google Shape;161;p12"/>
           <p:cNvSpPr/>
           <p:nvPr/>
         </p:nvSpPr>
@@ -11751,7 +12192,7 @@
           <a:effectLst>
             <a:outerShdw blurRad="57150" rotWithShape="0" algn="bl" dir="5400000" dist="19050">
               <a:srgbClr val="000000">
-                <a:alpha val="49019"/>
+                <a:alpha val="48627"/>
               </a:srgbClr>
             </a:outerShdw>
           </a:effectLst>
@@ -11796,7 +12237,7 @@
       </p:sp>
       <p:sp>
         <p:nvSpPr>
-          <p:cNvPr id="156" name="Google Shape;156;p23"/>
+          <p:cNvPr id="162" name="Google Shape;162;p12"/>
           <p:cNvSpPr/>
           <p:nvPr/>
         </p:nvSpPr>
@@ -11825,7 +12266,7 @@
           <a:effectLst>
             <a:outerShdw blurRad="57150" rotWithShape="0" algn="bl" dir="5400000" dist="19050">
               <a:srgbClr val="000000">
-                <a:alpha val="49019"/>
+                <a:alpha val="48627"/>
               </a:srgbClr>
             </a:outerShdw>
           </a:effectLst>
@@ -11870,7 +12311,7 @@
       </p:sp>
       <p:sp>
         <p:nvSpPr>
-          <p:cNvPr id="157" name="Google Shape;157;p23"/>
+          <p:cNvPr id="163" name="Google Shape;163;p12"/>
           <p:cNvSpPr/>
           <p:nvPr/>
         </p:nvSpPr>
@@ -11899,7 +12340,7 @@
           <a:effectLst>
             <a:outerShdw blurRad="57150" rotWithShape="0" algn="bl" dir="5400000" dist="19050">
               <a:srgbClr val="000000">
-                <a:alpha val="49019"/>
+                <a:alpha val="48627"/>
               </a:srgbClr>
             </a:outerShdw>
           </a:effectLst>
@@ -11944,7 +12385,7 @@
       </p:sp>
       <p:sp>
         <p:nvSpPr>
-          <p:cNvPr id="158" name="Google Shape;158;p23"/>
+          <p:cNvPr id="164" name="Google Shape;164;p12"/>
           <p:cNvSpPr/>
           <p:nvPr/>
         </p:nvSpPr>
@@ -11973,7 +12414,7 @@
           <a:effectLst>
             <a:outerShdw blurRad="57150" rotWithShape="0" algn="bl" dir="5400000" dist="19050">
               <a:srgbClr val="000000">
-                <a:alpha val="49019"/>
+                <a:alpha val="48627"/>
               </a:srgbClr>
             </a:outerShdw>
           </a:effectLst>
@@ -12018,7 +12459,7 @@
       </p:sp>
       <p:sp>
         <p:nvSpPr>
-          <p:cNvPr id="159" name="Google Shape;159;p23"/>
+          <p:cNvPr id="165" name="Google Shape;165;p12"/>
           <p:cNvSpPr/>
           <p:nvPr/>
         </p:nvSpPr>
@@ -12047,7 +12488,7 @@
           <a:effectLst>
             <a:outerShdw blurRad="57150" rotWithShape="0" algn="bl" dir="5400000" dist="19050">
               <a:srgbClr val="000000">
-                <a:alpha val="49019"/>
+                <a:alpha val="48627"/>
               </a:srgbClr>
             </a:outerShdw>
           </a:effectLst>
@@ -12092,7 +12533,7 @@
       </p:sp>
       <p:sp>
         <p:nvSpPr>
-          <p:cNvPr id="160" name="Google Shape;160;p23"/>
+          <p:cNvPr id="166" name="Google Shape;166;p12"/>
           <p:cNvSpPr/>
           <p:nvPr/>
         </p:nvSpPr>
@@ -12121,7 +12562,7 @@
           <a:effectLst>
             <a:outerShdw blurRad="57150" rotWithShape="0" algn="bl" dir="5400000" dist="19050">
               <a:srgbClr val="000000">
-                <a:alpha val="49019"/>
+                <a:alpha val="48627"/>
               </a:srgbClr>
             </a:outerShdw>
           </a:effectLst>
@@ -12166,7 +12607,7 @@
       </p:sp>
       <p:sp>
         <p:nvSpPr>
-          <p:cNvPr id="161" name="Google Shape;161;p23"/>
+          <p:cNvPr id="167" name="Google Shape;167;p12"/>
           <p:cNvSpPr/>
           <p:nvPr/>
         </p:nvSpPr>
@@ -12195,7 +12636,7 @@
           <a:effectLst>
             <a:outerShdw blurRad="57150" rotWithShape="0" algn="bl" dir="5400000" dist="19050">
               <a:srgbClr val="000000">
-                <a:alpha val="49019"/>
+                <a:alpha val="48627"/>
               </a:srgbClr>
             </a:outerShdw>
           </a:effectLst>
@@ -12240,7 +12681,7 @@
       </p:sp>
       <p:sp>
         <p:nvSpPr>
-          <p:cNvPr id="162" name="Google Shape;162;p23"/>
+          <p:cNvPr id="168" name="Google Shape;168;p12"/>
           <p:cNvSpPr/>
           <p:nvPr/>
         </p:nvSpPr>
@@ -12269,7 +12710,7 @@
           <a:effectLst>
             <a:outerShdw blurRad="57150" rotWithShape="0" algn="bl" dir="5400000" dist="19050">
               <a:srgbClr val="000000">
-                <a:alpha val="49019"/>
+                <a:alpha val="48627"/>
               </a:srgbClr>
             </a:outerShdw>
           </a:effectLst>
@@ -12314,7 +12755,7 @@
       </p:sp>
       <p:sp>
         <p:nvSpPr>
-          <p:cNvPr id="163" name="Google Shape;163;p23"/>
+          <p:cNvPr id="169" name="Google Shape;169;p12"/>
           <p:cNvSpPr/>
           <p:nvPr/>
         </p:nvSpPr>
@@ -12343,7 +12784,7 @@
           <a:effectLst>
             <a:outerShdw blurRad="57150" rotWithShape="0" algn="bl" dir="5400000" dist="19050">
               <a:srgbClr val="000000">
-                <a:alpha val="49019"/>
+                <a:alpha val="48627"/>
               </a:srgbClr>
             </a:outerShdw>
           </a:effectLst>
@@ -12388,7 +12829,7 @@
       </p:sp>
       <p:sp>
         <p:nvSpPr>
-          <p:cNvPr id="164" name="Google Shape;164;p23"/>
+          <p:cNvPr id="170" name="Google Shape;170;p12"/>
           <p:cNvSpPr/>
           <p:nvPr/>
         </p:nvSpPr>
@@ -12417,7 +12858,7 @@
           <a:effectLst>
             <a:outerShdw blurRad="57150" rotWithShape="0" algn="bl" dir="5400000" dist="19050">
               <a:srgbClr val="000000">
-                <a:alpha val="49019"/>
+                <a:alpha val="48627"/>
               </a:srgbClr>
             </a:outerShdw>
           </a:effectLst>
@@ -12462,7 +12903,7 @@
       </p:sp>
       <p:sp>
         <p:nvSpPr>
-          <p:cNvPr id="165" name="Google Shape;165;p23"/>
+          <p:cNvPr id="171" name="Google Shape;171;p12"/>
           <p:cNvSpPr/>
           <p:nvPr/>
         </p:nvSpPr>
@@ -12491,7 +12932,7 @@
           <a:effectLst>
             <a:outerShdw blurRad="57150" rotWithShape="0" algn="bl" dir="5400000" dist="19050">
               <a:srgbClr val="000000">
-                <a:alpha val="49019"/>
+                <a:alpha val="48627"/>
               </a:srgbClr>
             </a:outerShdw>
           </a:effectLst>
@@ -12536,7 +12977,7 @@
       </p:sp>
       <p:sp>
         <p:nvSpPr>
-          <p:cNvPr id="166" name="Google Shape;166;p23"/>
+          <p:cNvPr id="172" name="Google Shape;172;p12"/>
           <p:cNvSpPr/>
           <p:nvPr/>
         </p:nvSpPr>
@@ -12565,7 +13006,7 @@
           <a:effectLst>
             <a:outerShdw blurRad="57150" rotWithShape="0" algn="bl" dir="5400000" dist="19050">
               <a:srgbClr val="000000">
-                <a:alpha val="49019"/>
+                <a:alpha val="48627"/>
               </a:srgbClr>
             </a:outerShdw>
           </a:effectLst>
@@ -12610,7 +13051,7 @@
       </p:sp>
       <p:sp>
         <p:nvSpPr>
-          <p:cNvPr id="167" name="Google Shape;167;p23"/>
+          <p:cNvPr id="173" name="Google Shape;173;p12"/>
           <p:cNvSpPr/>
           <p:nvPr/>
         </p:nvSpPr>
@@ -12639,7 +13080,7 @@
           <a:effectLst>
             <a:outerShdw blurRad="57150" rotWithShape="0" algn="bl" dir="5400000" dist="19050">
               <a:srgbClr val="000000">
-                <a:alpha val="49019"/>
+                <a:alpha val="48627"/>
               </a:srgbClr>
             </a:outerShdw>
           </a:effectLst>
@@ -12684,7 +13125,7 @@
       </p:sp>
       <p:sp>
         <p:nvSpPr>
-          <p:cNvPr id="168" name="Google Shape;168;p23"/>
+          <p:cNvPr id="174" name="Google Shape;174;p12"/>
           <p:cNvSpPr/>
           <p:nvPr/>
         </p:nvSpPr>
@@ -12713,7 +13154,7 @@
           <a:effectLst>
             <a:outerShdw blurRad="57150" rotWithShape="0" algn="bl" dir="5400000" dist="19050">
               <a:srgbClr val="000000">
-                <a:alpha val="49019"/>
+                <a:alpha val="48627"/>
               </a:srgbClr>
             </a:outerShdw>
           </a:effectLst>
@@ -12758,7 +13199,7 @@
       </p:sp>
       <p:sp>
         <p:nvSpPr>
-          <p:cNvPr id="169" name="Google Shape;169;p23"/>
+          <p:cNvPr id="175" name="Google Shape;175;p12"/>
           <p:cNvSpPr/>
           <p:nvPr/>
         </p:nvSpPr>
@@ -12787,7 +13228,7 @@
           <a:effectLst>
             <a:outerShdw blurRad="57150" rotWithShape="0" algn="bl" dir="5400000" dist="19050">
               <a:srgbClr val="000000">
-                <a:alpha val="49019"/>
+                <a:alpha val="48627"/>
               </a:srgbClr>
             </a:outerShdw>
           </a:effectLst>
@@ -12832,7 +13273,7 @@
       </p:sp>
       <p:sp>
         <p:nvSpPr>
-          <p:cNvPr id="170" name="Google Shape;170;p23"/>
+          <p:cNvPr id="176" name="Google Shape;176;p12"/>
           <p:cNvSpPr/>
           <p:nvPr/>
         </p:nvSpPr>
@@ -12861,7 +13302,7 @@
           <a:effectLst>
             <a:outerShdw blurRad="57150" rotWithShape="0" algn="bl" dir="5400000" dist="19050">
               <a:srgbClr val="000000">
-                <a:alpha val="49019"/>
+                <a:alpha val="48627"/>
               </a:srgbClr>
             </a:outerShdw>
           </a:effectLst>
@@ -12906,7 +13347,7 @@
       </p:sp>
       <p:sp>
         <p:nvSpPr>
-          <p:cNvPr id="171" name="Google Shape;171;p23"/>
+          <p:cNvPr id="177" name="Google Shape;177;p12"/>
           <p:cNvSpPr/>
           <p:nvPr/>
         </p:nvSpPr>
@@ -12935,7 +13376,7 @@
           <a:effectLst>
             <a:outerShdw blurRad="57150" rotWithShape="0" algn="bl" dir="5400000" dist="19050">
               <a:srgbClr val="000000">
-                <a:alpha val="49019"/>
+                <a:alpha val="48627"/>
               </a:srgbClr>
             </a:outerShdw>
           </a:effectLst>
@@ -12980,7 +13421,7 @@
       </p:sp>
       <p:sp>
         <p:nvSpPr>
-          <p:cNvPr id="172" name="Google Shape;172;p23"/>
+          <p:cNvPr id="178" name="Google Shape;178;p12"/>
           <p:cNvSpPr/>
           <p:nvPr/>
         </p:nvSpPr>
@@ -13009,7 +13450,7 @@
           <a:effectLst>
             <a:outerShdw blurRad="57150" rotWithShape="0" algn="bl" dir="5400000" dist="19050">
               <a:srgbClr val="000000">
-                <a:alpha val="49019"/>
+                <a:alpha val="48627"/>
               </a:srgbClr>
             </a:outerShdw>
           </a:effectLst>
@@ -13054,7 +13495,7 @@
       </p:sp>
       <p:sp>
         <p:nvSpPr>
-          <p:cNvPr id="173" name="Google Shape;173;p23"/>
+          <p:cNvPr id="179" name="Google Shape;179;p12"/>
           <p:cNvSpPr/>
           <p:nvPr/>
         </p:nvSpPr>
@@ -13083,7 +13524,7 @@
           <a:effectLst>
             <a:outerShdw blurRad="57150" rotWithShape="0" algn="bl" dir="5400000" dist="19050">
               <a:srgbClr val="000000">
-                <a:alpha val="49019"/>
+                <a:alpha val="48627"/>
               </a:srgbClr>
             </a:outerShdw>
           </a:effectLst>
@@ -13128,7 +13569,7 @@
       </p:sp>
       <p:sp>
         <p:nvSpPr>
-          <p:cNvPr id="174" name="Google Shape;174;p23"/>
+          <p:cNvPr id="180" name="Google Shape;180;p12"/>
           <p:cNvSpPr/>
           <p:nvPr/>
         </p:nvSpPr>
@@ -13157,7 +13598,7 @@
           <a:effectLst>
             <a:outerShdw blurRad="57150" rotWithShape="0" algn="bl" dir="5400000" dist="19050">
               <a:srgbClr val="000000">
-                <a:alpha val="49019"/>
+                <a:alpha val="48627"/>
               </a:srgbClr>
             </a:outerShdw>
           </a:effectLst>
@@ -13202,7 +13643,7 @@
       </p:sp>
       <p:sp>
         <p:nvSpPr>
-          <p:cNvPr id="175" name="Google Shape;175;p23"/>
+          <p:cNvPr id="181" name="Google Shape;181;p12"/>
           <p:cNvSpPr/>
           <p:nvPr/>
         </p:nvSpPr>
@@ -13231,7 +13672,7 @@
           <a:effectLst>
             <a:outerShdw blurRad="57150" rotWithShape="0" algn="bl" dir="5400000" dist="19050">
               <a:srgbClr val="000000">
-                <a:alpha val="49019"/>
+                <a:alpha val="48627"/>
               </a:srgbClr>
             </a:outerShdw>
           </a:effectLst>
@@ -13276,7 +13717,7 @@
       </p:sp>
       <p:sp>
         <p:nvSpPr>
-          <p:cNvPr id="176" name="Google Shape;176;p23"/>
+          <p:cNvPr id="182" name="Google Shape;182;p12"/>
           <p:cNvSpPr/>
           <p:nvPr/>
         </p:nvSpPr>
@@ -13305,7 +13746,7 @@
           <a:effectLst>
             <a:outerShdw blurRad="57150" rotWithShape="0" algn="bl" dir="5400000" dist="19050">
               <a:srgbClr val="000000">
-                <a:alpha val="49019"/>
+                <a:alpha val="48627"/>
               </a:srgbClr>
             </a:outerShdw>
           </a:effectLst>
@@ -13350,7 +13791,7 @@
       </p:sp>
       <p:sp>
         <p:nvSpPr>
-          <p:cNvPr id="177" name="Google Shape;177;p23"/>
+          <p:cNvPr id="183" name="Google Shape;183;p12"/>
           <p:cNvSpPr/>
           <p:nvPr/>
         </p:nvSpPr>
@@ -13379,7 +13820,7 @@
           <a:effectLst>
             <a:outerShdw blurRad="57150" rotWithShape="0" algn="bl" dir="5400000" dist="19050">
               <a:srgbClr val="000000">
-                <a:alpha val="49019"/>
+                <a:alpha val="48627"/>
               </a:srgbClr>
             </a:outerShdw>
           </a:effectLst>
@@ -13424,7 +13865,7 @@
       </p:sp>
       <p:sp>
         <p:nvSpPr>
-          <p:cNvPr id="178" name="Google Shape;178;p23"/>
+          <p:cNvPr id="184" name="Google Shape;184;p12"/>
           <p:cNvSpPr/>
           <p:nvPr/>
         </p:nvSpPr>
@@ -13453,7 +13894,7 @@
           <a:effectLst>
             <a:outerShdw blurRad="57150" rotWithShape="0" algn="bl" dir="5400000" dist="19050">
               <a:srgbClr val="000000">
-                <a:alpha val="49019"/>
+                <a:alpha val="48627"/>
               </a:srgbClr>
             </a:outerShdw>
           </a:effectLst>
@@ -13498,7 +13939,7 @@
       </p:sp>
       <p:sp>
         <p:nvSpPr>
-          <p:cNvPr id="179" name="Google Shape;179;p23"/>
+          <p:cNvPr id="185" name="Google Shape;185;p12"/>
           <p:cNvSpPr/>
           <p:nvPr/>
         </p:nvSpPr>
@@ -13527,7 +13968,7 @@
           <a:effectLst>
             <a:outerShdw blurRad="57150" rotWithShape="0" algn="bl" dir="5400000" dist="19050">
               <a:srgbClr val="000000">
-                <a:alpha val="49019"/>
+                <a:alpha val="48627"/>
               </a:srgbClr>
             </a:outerShdw>
           </a:effectLst>
@@ -13572,7 +14013,7 @@
       </p:sp>
       <p:sp>
         <p:nvSpPr>
-          <p:cNvPr id="180" name="Google Shape;180;p23"/>
+          <p:cNvPr id="186" name="Google Shape;186;p12"/>
           <p:cNvSpPr/>
           <p:nvPr/>
         </p:nvSpPr>
@@ -13601,7 +14042,7 @@
           <a:effectLst>
             <a:outerShdw blurRad="57150" rotWithShape="0" algn="bl" dir="5400000" dist="19050">
               <a:srgbClr val="000000">
-                <a:alpha val="49019"/>
+                <a:alpha val="48627"/>
               </a:srgbClr>
             </a:outerShdw>
           </a:effectLst>
@@ -13646,7 +14087,7 @@
       </p:sp>
       <p:sp>
         <p:nvSpPr>
-          <p:cNvPr id="181" name="Google Shape;181;p23"/>
+          <p:cNvPr id="187" name="Google Shape;187;p12"/>
           <p:cNvSpPr/>
           <p:nvPr/>
         </p:nvSpPr>
@@ -13675,7 +14116,7 @@
           <a:effectLst>
             <a:outerShdw blurRad="57150" rotWithShape="0" algn="bl" dir="5400000" dist="19050">
               <a:srgbClr val="000000">
-                <a:alpha val="49019"/>
+                <a:alpha val="48627"/>
               </a:srgbClr>
             </a:outerShdw>
           </a:effectLst>
@@ -13720,7 +14161,7 @@
       </p:sp>
       <p:sp>
         <p:nvSpPr>
-          <p:cNvPr id="182" name="Google Shape;182;p23"/>
+          <p:cNvPr id="188" name="Google Shape;188;p12"/>
           <p:cNvSpPr/>
           <p:nvPr/>
         </p:nvSpPr>
@@ -13749,7 +14190,7 @@
           <a:effectLst>
             <a:outerShdw blurRad="57150" rotWithShape="0" algn="bl" dir="5400000" dist="19050">
               <a:srgbClr val="000000">
-                <a:alpha val="49019"/>
+                <a:alpha val="48627"/>
               </a:srgbClr>
             </a:outerShdw>
           </a:effectLst>
@@ -13794,7 +14235,7 @@
       </p:sp>
       <p:sp>
         <p:nvSpPr>
-          <p:cNvPr id="183" name="Google Shape;183;p23"/>
+          <p:cNvPr id="189" name="Google Shape;189;p12"/>
           <p:cNvSpPr/>
           <p:nvPr/>
         </p:nvSpPr>
@@ -13823,7 +14264,7 @@
           <a:effectLst>
             <a:outerShdw blurRad="57150" rotWithShape="0" algn="bl" dir="5400000" dist="19050">
               <a:srgbClr val="000000">
-                <a:alpha val="49019"/>
+                <a:alpha val="48627"/>
               </a:srgbClr>
             </a:outerShdw>
           </a:effectLst>
@@ -13868,7 +14309,7 @@
       </p:sp>
       <p:sp>
         <p:nvSpPr>
-          <p:cNvPr id="184" name="Google Shape;184;p23"/>
+          <p:cNvPr id="190" name="Google Shape;190;p12"/>
           <p:cNvSpPr/>
           <p:nvPr/>
         </p:nvSpPr>
@@ -13897,7 +14338,7 @@
           <a:effectLst>
             <a:outerShdw blurRad="57150" rotWithShape="0" algn="bl" dir="5400000" dist="19050">
               <a:srgbClr val="000000">
-                <a:alpha val="49019"/>
+                <a:alpha val="48627"/>
               </a:srgbClr>
             </a:outerShdw>
           </a:effectLst>
@@ -13942,7 +14383,7 @@
       </p:sp>
       <p:sp>
         <p:nvSpPr>
-          <p:cNvPr id="185" name="Google Shape;185;p23"/>
+          <p:cNvPr id="191" name="Google Shape;191;p12"/>
           <p:cNvSpPr/>
           <p:nvPr/>
         </p:nvSpPr>
@@ -13971,7 +14412,7 @@
           <a:effectLst>
             <a:outerShdw blurRad="57150" rotWithShape="0" algn="bl" dir="5400000" dist="19050">
               <a:srgbClr val="000000">
-                <a:alpha val="49019"/>
+                <a:alpha val="48627"/>
               </a:srgbClr>
             </a:outerShdw>
           </a:effectLst>
@@ -14016,7 +14457,7 @@
       </p:sp>
       <p:sp>
         <p:nvSpPr>
-          <p:cNvPr id="186" name="Google Shape;186;p23"/>
+          <p:cNvPr id="192" name="Google Shape;192;p12"/>
           <p:cNvSpPr/>
           <p:nvPr/>
         </p:nvSpPr>
@@ -14045,7 +14486,7 @@
           <a:effectLst>
             <a:outerShdw blurRad="57150" rotWithShape="0" algn="bl" dir="5400000" dist="19050">
               <a:srgbClr val="000000">
-                <a:alpha val="49019"/>
+                <a:alpha val="48627"/>
               </a:srgbClr>
             </a:outerShdw>
           </a:effectLst>
@@ -14090,7 +14531,7 @@
       </p:sp>
       <p:sp>
         <p:nvSpPr>
-          <p:cNvPr id="187" name="Google Shape;187;p23"/>
+          <p:cNvPr id="193" name="Google Shape;193;p12"/>
           <p:cNvSpPr/>
           <p:nvPr/>
         </p:nvSpPr>
@@ -14119,7 +14560,7 @@
           <a:effectLst>
             <a:outerShdw blurRad="57150" rotWithShape="0" algn="bl" dir="5400000" dist="19050">
               <a:srgbClr val="000000">
-                <a:alpha val="49019"/>
+                <a:alpha val="48627"/>
               </a:srgbClr>
             </a:outerShdw>
           </a:effectLst>
@@ -14164,7 +14605,7 @@
       </p:sp>
       <p:sp>
         <p:nvSpPr>
-          <p:cNvPr id="188" name="Google Shape;188;p23"/>
+          <p:cNvPr id="194" name="Google Shape;194;p12"/>
           <p:cNvSpPr/>
           <p:nvPr/>
         </p:nvSpPr>
@@ -14193,7 +14634,7 @@
           <a:effectLst>
             <a:outerShdw blurRad="57150" rotWithShape="0" algn="bl" dir="5400000" dist="19050">
               <a:srgbClr val="000000">
-                <a:alpha val="49019"/>
+                <a:alpha val="48627"/>
               </a:srgbClr>
             </a:outerShdw>
           </a:effectLst>
@@ -14238,7 +14679,7 @@
       </p:sp>
       <p:sp>
         <p:nvSpPr>
-          <p:cNvPr id="189" name="Google Shape;189;p23"/>
+          <p:cNvPr id="195" name="Google Shape;195;p12"/>
           <p:cNvSpPr/>
           <p:nvPr/>
         </p:nvSpPr>
@@ -14267,7 +14708,7 @@
           <a:effectLst>
             <a:outerShdw blurRad="57150" rotWithShape="0" algn="bl" dir="5400000" dist="19050">
               <a:srgbClr val="000000">
-                <a:alpha val="49019"/>
+                <a:alpha val="48627"/>
               </a:srgbClr>
             </a:outerShdw>
           </a:effectLst>
@@ -14312,7 +14753,7 @@
       </p:sp>
       <p:sp>
         <p:nvSpPr>
-          <p:cNvPr id="190" name="Google Shape;190;p23"/>
+          <p:cNvPr id="196" name="Google Shape;196;p12"/>
           <p:cNvSpPr txBox="1"/>
           <p:nvPr>
             <p:ph type="title"/>
@@ -14372,7 +14813,7 @@
       </p:sp>
       <p:sp>
         <p:nvSpPr>
-          <p:cNvPr id="191" name="Google Shape;191;p23"/>
+          <p:cNvPr id="197" name="Google Shape;197;p12"/>
           <p:cNvSpPr txBox="1"/>
           <p:nvPr/>
         </p:nvSpPr>
@@ -14438,7 +14879,7 @@
       </p:sp>
       <p:cxnSp>
         <p:nvCxnSpPr>
-          <p:cNvPr id="192" name="Google Shape;192;p23"/>
+          <p:cNvPr id="198" name="Google Shape;198;p12"/>
           <p:cNvCxnSpPr/>
           <p:nvPr/>
         </p:nvCxnSpPr>
@@ -14464,7 +14905,7 @@
       </p:cxnSp>
       <p:cxnSp>
         <p:nvCxnSpPr>
-          <p:cNvPr id="193" name="Google Shape;193;p23"/>
+          <p:cNvPr id="199" name="Google Shape;199;p12"/>
           <p:cNvCxnSpPr/>
           <p:nvPr/>
         </p:nvCxnSpPr>
@@ -14490,7 +14931,7 @@
       </p:cxnSp>
       <p:sp>
         <p:nvSpPr>
-          <p:cNvPr id="194" name="Google Shape;194;p23"/>
+          <p:cNvPr id="200" name="Google Shape;200;p12"/>
           <p:cNvSpPr txBox="1"/>
           <p:nvPr/>
         </p:nvSpPr>
@@ -14596,7 +15037,7 @@
       </p:sp>
       <p:sp>
         <p:nvSpPr>
-          <p:cNvPr id="195" name="Google Shape;195;p23"/>
+          <p:cNvPr id="201" name="Google Shape;201;p12"/>
           <p:cNvSpPr txBox="1"/>
           <p:nvPr/>
         </p:nvSpPr>
@@ -14702,7 +15143,7 @@
       </p:sp>
       <p:sp>
         <p:nvSpPr>
-          <p:cNvPr id="196" name="Google Shape;196;p23"/>
+          <p:cNvPr id="202" name="Google Shape;202;p12"/>
           <p:cNvSpPr txBox="1"/>
           <p:nvPr/>
         </p:nvSpPr>
@@ -14768,7 +15209,7 @@
       </p:sp>
       <p:sp>
         <p:nvSpPr>
-          <p:cNvPr id="197" name="Google Shape;197;p23"/>
+          <p:cNvPr id="203" name="Google Shape;203;p12"/>
           <p:cNvSpPr/>
           <p:nvPr/>
         </p:nvSpPr>
@@ -14797,7 +15238,7 @@
           <a:effectLst>
             <a:outerShdw blurRad="57150" rotWithShape="0" algn="bl" dir="5400000" dist="19050">
               <a:srgbClr val="000000">
-                <a:alpha val="49019"/>
+                <a:alpha val="48627"/>
               </a:srgbClr>
             </a:outerShdw>
           </a:effectLst>
@@ -14842,7 +15283,7 @@
       </p:sp>
       <p:sp>
         <p:nvSpPr>
-          <p:cNvPr id="198" name="Google Shape;198;p23"/>
+          <p:cNvPr id="204" name="Google Shape;204;p12"/>
           <p:cNvSpPr/>
           <p:nvPr/>
         </p:nvSpPr>
@@ -14871,7 +15312,7 @@
           <a:effectLst>
             <a:outerShdw blurRad="57150" rotWithShape="0" algn="bl" dir="5400000" dist="19050">
               <a:srgbClr val="000000">
-                <a:alpha val="49019"/>
+                <a:alpha val="48627"/>
               </a:srgbClr>
             </a:outerShdw>
           </a:effectLst>
@@ -14916,7 +15357,7 @@
       </p:sp>
       <p:sp>
         <p:nvSpPr>
-          <p:cNvPr id="199" name="Google Shape;199;p23"/>
+          <p:cNvPr id="205" name="Google Shape;205;p12"/>
           <p:cNvSpPr/>
           <p:nvPr/>
         </p:nvSpPr>
@@ -14945,7 +15386,7 @@
           <a:effectLst>
             <a:outerShdw blurRad="57150" rotWithShape="0" algn="bl" dir="5400000" dist="19050">
               <a:srgbClr val="000000">
-                <a:alpha val="49019"/>
+                <a:alpha val="48627"/>
               </a:srgbClr>
             </a:outerShdw>
           </a:effectLst>
@@ -14990,7 +15431,7 @@
       </p:sp>
       <p:sp>
         <p:nvSpPr>
-          <p:cNvPr id="200" name="Google Shape;200;p23"/>
+          <p:cNvPr id="206" name="Google Shape;206;p12"/>
           <p:cNvSpPr/>
           <p:nvPr/>
         </p:nvSpPr>
@@ -15019,7 +15460,7 @@
           <a:effectLst>
             <a:outerShdw blurRad="57150" rotWithShape="0" algn="bl" dir="5400000" dist="19050">
               <a:srgbClr val="000000">
-                <a:alpha val="49019"/>
+                <a:alpha val="48627"/>
               </a:srgbClr>
             </a:outerShdw>
           </a:effectLst>
@@ -15064,7 +15505,7 @@
       </p:sp>
       <p:sp>
         <p:nvSpPr>
-          <p:cNvPr id="201" name="Google Shape;201;p23"/>
+          <p:cNvPr id="207" name="Google Shape;207;p12"/>
           <p:cNvSpPr/>
           <p:nvPr/>
         </p:nvSpPr>
@@ -15093,7 +15534,7 @@
           <a:effectLst>
             <a:outerShdw blurRad="57150" rotWithShape="0" algn="bl" dir="5400000" dist="19050">
               <a:srgbClr val="000000">
-                <a:alpha val="49019"/>
+                <a:alpha val="48627"/>
               </a:srgbClr>
             </a:outerShdw>
           </a:effectLst>
@@ -15138,7 +15579,7 @@
       </p:sp>
       <p:sp>
         <p:nvSpPr>
-          <p:cNvPr id="202" name="Google Shape;202;p23"/>
+          <p:cNvPr id="208" name="Google Shape;208;p12"/>
           <p:cNvSpPr/>
           <p:nvPr/>
         </p:nvSpPr>
@@ -15167,7 +15608,7 @@
           <a:effectLst>
             <a:outerShdw blurRad="57150" rotWithShape="0" algn="bl" dir="5400000" dist="19050">
               <a:srgbClr val="000000">
-                <a:alpha val="49019"/>
+                <a:alpha val="48627"/>
               </a:srgbClr>
             </a:outerShdw>
           </a:effectLst>
@@ -15212,7 +15653,7 @@
       </p:sp>
       <p:sp>
         <p:nvSpPr>
-          <p:cNvPr id="203" name="Google Shape;203;p23"/>
+          <p:cNvPr id="209" name="Google Shape;209;p12"/>
           <p:cNvSpPr/>
           <p:nvPr/>
         </p:nvSpPr>
@@ -15241,7 +15682,7 @@
           <a:effectLst>
             <a:outerShdw blurRad="57150" rotWithShape="0" algn="bl" dir="5400000" dist="19050">
               <a:srgbClr val="000000">
-                <a:alpha val="49019"/>
+                <a:alpha val="48627"/>
               </a:srgbClr>
             </a:outerShdw>
           </a:effectLst>
@@ -15286,7 +15727,7 @@
       </p:sp>
       <p:sp>
         <p:nvSpPr>
-          <p:cNvPr id="204" name="Google Shape;204;p23"/>
+          <p:cNvPr id="210" name="Google Shape;210;p12"/>
           <p:cNvSpPr/>
           <p:nvPr/>
         </p:nvSpPr>
@@ -15315,7 +15756,7 @@
           <a:effectLst>
             <a:outerShdw blurRad="57150" rotWithShape="0" algn="bl" dir="5400000" dist="19050">
               <a:srgbClr val="000000">
-                <a:alpha val="49019"/>
+                <a:alpha val="48627"/>
               </a:srgbClr>
             </a:outerShdw>
           </a:effectLst>
@@ -15360,7 +15801,7 @@
       </p:sp>
       <p:sp>
         <p:nvSpPr>
-          <p:cNvPr id="205" name="Google Shape;205;p23"/>
+          <p:cNvPr id="211" name="Google Shape;211;p12"/>
           <p:cNvSpPr/>
           <p:nvPr/>
         </p:nvSpPr>
@@ -15389,7 +15830,7 @@
           <a:effectLst>
             <a:outerShdw blurRad="57150" rotWithShape="0" algn="bl" dir="5400000" dist="19050">
               <a:srgbClr val="000000">
-                <a:alpha val="49019"/>
+                <a:alpha val="48627"/>
               </a:srgbClr>
             </a:outerShdw>
           </a:effectLst>
@@ -15434,7 +15875,7 @@
       </p:sp>
       <p:cxnSp>
         <p:nvCxnSpPr>
-          <p:cNvPr id="206" name="Google Shape;206;p23"/>
+          <p:cNvPr id="212" name="Google Shape;212;p12"/>
           <p:cNvCxnSpPr/>
           <p:nvPr/>
         </p:nvCxnSpPr>
@@ -15460,7 +15901,7 @@
       </p:cxnSp>
       <p:sp>
         <p:nvSpPr>
-          <p:cNvPr id="207" name="Google Shape;207;p23"/>
+          <p:cNvPr id="213" name="Google Shape;213;p12"/>
           <p:cNvSpPr txBox="1"/>
           <p:nvPr/>
         </p:nvSpPr>
@@ -15526,7 +15967,7 @@
       </p:sp>
       <p:sp>
         <p:nvSpPr>
-          <p:cNvPr id="208" name="Google Shape;208;p23"/>
+          <p:cNvPr id="214" name="Google Shape;214;p12"/>
           <p:cNvSpPr/>
           <p:nvPr/>
         </p:nvSpPr>
@@ -15555,7 +15996,7 @@
           <a:effectLst>
             <a:outerShdw blurRad="57150" rotWithShape="0" algn="bl" dir="5400000" dist="19050">
               <a:srgbClr val="000000">
-                <a:alpha val="49019"/>
+                <a:alpha val="48627"/>
               </a:srgbClr>
             </a:outerShdw>
           </a:effectLst>
@@ -15600,7 +16041,7 @@
       </p:sp>
       <p:sp>
         <p:nvSpPr>
-          <p:cNvPr id="209" name="Google Shape;209;p23"/>
+          <p:cNvPr id="215" name="Google Shape;215;p12"/>
           <p:cNvSpPr/>
           <p:nvPr/>
         </p:nvSpPr>
@@ -15629,7 +16070,7 @@
           <a:effectLst>
             <a:outerShdw blurRad="57150" rotWithShape="0" algn="bl" dir="5400000" dist="19050">
               <a:srgbClr val="000000">
-                <a:alpha val="49019"/>
+                <a:alpha val="48627"/>
               </a:srgbClr>
             </a:outerShdw>
           </a:effectLst>
@@ -15674,7 +16115,7 @@
       </p:sp>
       <p:sp>
         <p:nvSpPr>
-          <p:cNvPr id="210" name="Google Shape;210;p23"/>
+          <p:cNvPr id="216" name="Google Shape;216;p12"/>
           <p:cNvSpPr/>
           <p:nvPr/>
         </p:nvSpPr>
@@ -15703,7 +16144,7 @@
           <a:effectLst>
             <a:outerShdw blurRad="57150" rotWithShape="0" algn="bl" dir="5400000" dist="19050">
               <a:srgbClr val="000000">
-                <a:alpha val="49019"/>
+                <a:alpha val="48627"/>
               </a:srgbClr>
             </a:outerShdw>
           </a:effectLst>
@@ -15748,7 +16189,7 @@
       </p:sp>
       <p:sp>
         <p:nvSpPr>
-          <p:cNvPr id="211" name="Google Shape;211;p23"/>
+          <p:cNvPr id="217" name="Google Shape;217;p12"/>
           <p:cNvSpPr/>
           <p:nvPr/>
         </p:nvSpPr>
@@ -15777,7 +16218,7 @@
           <a:effectLst>
             <a:outerShdw blurRad="57150" rotWithShape="0" algn="bl" dir="5400000" dist="19050">
               <a:srgbClr val="000000">
-                <a:alpha val="49019"/>
+                <a:alpha val="48627"/>
               </a:srgbClr>
             </a:outerShdw>
           </a:effectLst>
@@ -15822,7 +16263,7 @@
       </p:sp>
       <p:sp>
         <p:nvSpPr>
-          <p:cNvPr id="212" name="Google Shape;212;p23"/>
+          <p:cNvPr id="218" name="Google Shape;218;p12"/>
           <p:cNvSpPr/>
           <p:nvPr/>
         </p:nvSpPr>
@@ -15851,7 +16292,7 @@
           <a:effectLst>
             <a:outerShdw blurRad="57150" rotWithShape="0" algn="bl" dir="5400000" dist="19050">
               <a:srgbClr val="000000">
-                <a:alpha val="49019"/>
+                <a:alpha val="48627"/>
               </a:srgbClr>
             </a:outerShdw>
           </a:effectLst>
@@ -15896,7 +16337,7 @@
       </p:sp>
       <p:sp>
         <p:nvSpPr>
-          <p:cNvPr id="213" name="Google Shape;213;p23"/>
+          <p:cNvPr id="219" name="Google Shape;219;p12"/>
           <p:cNvSpPr/>
           <p:nvPr/>
         </p:nvSpPr>
@@ -15925,7 +16366,7 @@
           <a:effectLst>
             <a:outerShdw blurRad="57150" rotWithShape="0" algn="bl" dir="5400000" dist="19050">
               <a:srgbClr val="000000">
-                <a:alpha val="49019"/>
+                <a:alpha val="48627"/>
               </a:srgbClr>
             </a:outerShdw>
           </a:effectLst>
@@ -15970,7 +16411,7 @@
       </p:sp>
       <p:sp>
         <p:nvSpPr>
-          <p:cNvPr id="214" name="Google Shape;214;p23"/>
+          <p:cNvPr id="220" name="Google Shape;220;p12"/>
           <p:cNvSpPr/>
           <p:nvPr/>
         </p:nvSpPr>
@@ -15999,7 +16440,7 @@
           <a:effectLst>
             <a:outerShdw blurRad="57150" rotWithShape="0" algn="bl" dir="5400000" dist="19050">
               <a:srgbClr val="000000">
-                <a:alpha val="49019"/>
+                <a:alpha val="48627"/>
               </a:srgbClr>
             </a:outerShdw>
           </a:effectLst>
@@ -16044,7 +16485,7 @@
       </p:sp>
       <p:sp>
         <p:nvSpPr>
-          <p:cNvPr id="215" name="Google Shape;215;p23"/>
+          <p:cNvPr id="221" name="Google Shape;221;p12"/>
           <p:cNvSpPr/>
           <p:nvPr/>
         </p:nvSpPr>
@@ -16073,7 +16514,7 @@
           <a:effectLst>
             <a:outerShdw blurRad="57150" rotWithShape="0" algn="bl" dir="5400000" dist="19050">
               <a:srgbClr val="000000">
-                <a:alpha val="49019"/>
+                <a:alpha val="48627"/>
               </a:srgbClr>
             </a:outerShdw>
           </a:effectLst>
@@ -16118,7 +16559,7 @@
       </p:sp>
       <p:sp>
         <p:nvSpPr>
-          <p:cNvPr id="216" name="Google Shape;216;p23"/>
+          <p:cNvPr id="222" name="Google Shape;222;p12"/>
           <p:cNvSpPr/>
           <p:nvPr/>
         </p:nvSpPr>
@@ -16147,7 +16588,7 @@
           <a:effectLst>
             <a:outerShdw blurRad="57150" rotWithShape="0" algn="bl" dir="5400000" dist="19050">
               <a:srgbClr val="000000">
-                <a:alpha val="49019"/>
+                <a:alpha val="48627"/>
               </a:srgbClr>
             </a:outerShdw>
           </a:effectLst>
@@ -16192,7 +16633,7 @@
       </p:sp>
       <p:sp>
         <p:nvSpPr>
-          <p:cNvPr id="217" name="Google Shape;217;p23"/>
+          <p:cNvPr id="223" name="Google Shape;223;p12"/>
           <p:cNvSpPr/>
           <p:nvPr/>
         </p:nvSpPr>
@@ -16221,7 +16662,7 @@
           <a:effectLst>
             <a:outerShdw blurRad="57150" rotWithShape="0" algn="bl" dir="5400000" dist="19050">
               <a:srgbClr val="000000">
-                <a:alpha val="49019"/>
+                <a:alpha val="48627"/>
               </a:srgbClr>
             </a:outerShdw>
           </a:effectLst>
@@ -16266,7 +16707,7 @@
       </p:sp>
       <p:sp>
         <p:nvSpPr>
-          <p:cNvPr id="218" name="Google Shape;218;p23"/>
+          <p:cNvPr id="224" name="Google Shape;224;p12"/>
           <p:cNvSpPr/>
           <p:nvPr/>
         </p:nvSpPr>
@@ -16295,7 +16736,7 @@
           <a:effectLst>
             <a:outerShdw blurRad="57150" rotWithShape="0" algn="bl" dir="5400000" dist="19050">
               <a:srgbClr val="000000">
-                <a:alpha val="49019"/>
+                <a:alpha val="48627"/>
               </a:srgbClr>
             </a:outerShdw>
           </a:effectLst>
@@ -16340,7 +16781,7 @@
       </p:sp>
       <p:sp>
         <p:nvSpPr>
-          <p:cNvPr id="219" name="Google Shape;219;p23"/>
+          <p:cNvPr id="225" name="Google Shape;225;p12"/>
           <p:cNvSpPr/>
           <p:nvPr/>
         </p:nvSpPr>
@@ -16369,7 +16810,7 @@
           <a:effectLst>
             <a:outerShdw blurRad="57150" rotWithShape="0" algn="bl" dir="5400000" dist="19050">
               <a:srgbClr val="000000">
-                <a:alpha val="49019"/>
+                <a:alpha val="48627"/>
               </a:srgbClr>
             </a:outerShdw>
           </a:effectLst>
@@ -16414,7 +16855,7 @@
       </p:sp>
       <p:sp>
         <p:nvSpPr>
-          <p:cNvPr id="220" name="Google Shape;220;p23"/>
+          <p:cNvPr id="226" name="Google Shape;226;p12"/>
           <p:cNvSpPr/>
           <p:nvPr/>
         </p:nvSpPr>
@@ -16443,7 +16884,7 @@
           <a:effectLst>
             <a:outerShdw blurRad="57150" rotWithShape="0" algn="bl" dir="5400000" dist="19050">
               <a:srgbClr val="000000">
-                <a:alpha val="49019"/>
+                <a:alpha val="48627"/>
               </a:srgbClr>
             </a:outerShdw>
           </a:effectLst>
@@ -16488,7 +16929,7 @@
       </p:sp>
       <p:cxnSp>
         <p:nvCxnSpPr>
-          <p:cNvPr id="221" name="Google Shape;221;p23"/>
+          <p:cNvPr id="227" name="Google Shape;227;p12"/>
           <p:cNvCxnSpPr/>
           <p:nvPr/>
         </p:nvCxnSpPr>
@@ -16514,7 +16955,7 @@
       </p:cxnSp>
       <p:cxnSp>
         <p:nvCxnSpPr>
-          <p:cNvPr id="222" name="Google Shape;222;p23"/>
+          <p:cNvPr id="228" name="Google Shape;228;p12"/>
           <p:cNvCxnSpPr/>
           <p:nvPr/>
         </p:nvCxnSpPr>
@@ -16540,7 +16981,7 @@
       </p:cxnSp>
       <p:cxnSp>
         <p:nvCxnSpPr>
-          <p:cNvPr id="223" name="Google Shape;223;p23"/>
+          <p:cNvPr id="229" name="Google Shape;229;p12"/>
           <p:cNvCxnSpPr/>
           <p:nvPr/>
         </p:nvCxnSpPr>
@@ -16566,7 +17007,7 @@
       </p:cxnSp>
       <p:pic>
         <p:nvPicPr>
-          <p:cNvPr id="224" name="Google Shape;224;p23"/>
+          <p:cNvPr id="230" name="Google Shape;230;p12"/>
           <p:cNvPicPr preferRelativeResize="0"/>
           <p:nvPr/>
         </p:nvPicPr>
@@ -16593,7 +17034,7 @@
       </p:pic>
       <p:cxnSp>
         <p:nvCxnSpPr>
-          <p:cNvPr id="225" name="Google Shape;225;p23"/>
+          <p:cNvPr id="231" name="Google Shape;231;p12"/>
           <p:cNvCxnSpPr/>
           <p:nvPr/>
         </p:nvCxnSpPr>
@@ -16619,7 +17060,7 @@
       </p:cxnSp>
       <p:cxnSp>
         <p:nvCxnSpPr>
-          <p:cNvPr id="226" name="Google Shape;226;p23"/>
+          <p:cNvPr id="232" name="Google Shape;232;p12"/>
           <p:cNvCxnSpPr/>
           <p:nvPr/>
         </p:nvCxnSpPr>
@@ -16645,7 +17086,7 @@
       </p:cxnSp>
       <p:cxnSp>
         <p:nvCxnSpPr>
-          <p:cNvPr id="227" name="Google Shape;227;p23"/>
+          <p:cNvPr id="233" name="Google Shape;233;p12"/>
           <p:cNvCxnSpPr/>
           <p:nvPr/>
         </p:nvCxnSpPr>
@@ -16671,7 +17112,7 @@
       </p:cxnSp>
       <p:pic>
         <p:nvPicPr>
-          <p:cNvPr id="228" name="Google Shape;228;p23"/>
+          <p:cNvPr id="234" name="Google Shape;234;p12"/>
           <p:cNvPicPr preferRelativeResize="0"/>
           <p:nvPr/>
         </p:nvPicPr>
@@ -16698,7 +17139,7 @@
       </p:pic>
       <p:cxnSp>
         <p:nvCxnSpPr>
-          <p:cNvPr id="229" name="Google Shape;229;p23"/>
+          <p:cNvPr id="235" name="Google Shape;235;p12"/>
           <p:cNvCxnSpPr/>
           <p:nvPr/>
         </p:nvCxnSpPr>
@@ -16724,7 +17165,7 @@
       </p:cxnSp>
       <p:cxnSp>
         <p:nvCxnSpPr>
-          <p:cNvPr id="230" name="Google Shape;230;p23"/>
+          <p:cNvPr id="236" name="Google Shape;236;p12"/>
           <p:cNvCxnSpPr/>
           <p:nvPr/>
         </p:nvCxnSpPr>
@@ -16750,7 +17191,7 @@
       </p:cxnSp>
       <p:cxnSp>
         <p:nvCxnSpPr>
-          <p:cNvPr id="231" name="Google Shape;231;p23"/>
+          <p:cNvPr id="237" name="Google Shape;237;p12"/>
           <p:cNvCxnSpPr/>
           <p:nvPr/>
         </p:nvCxnSpPr>
@@ -16776,7 +17217,7 @@
       </p:cxnSp>
       <p:pic>
         <p:nvPicPr>
-          <p:cNvPr id="232" name="Google Shape;232;p23"/>
+          <p:cNvPr id="238" name="Google Shape;238;p12"/>
           <p:cNvPicPr preferRelativeResize="0"/>
           <p:nvPr/>
         </p:nvPicPr>
@@ -16803,7 +17244,7 @@
       </p:pic>
       <p:sp>
         <p:nvSpPr>
-          <p:cNvPr id="233" name="Google Shape;233;p23"/>
+          <p:cNvPr id="239" name="Google Shape;239;p12"/>
           <p:cNvSpPr/>
           <p:nvPr/>
         </p:nvSpPr>
@@ -16832,7 +17273,7 @@
           <a:effectLst>
             <a:outerShdw blurRad="57150" rotWithShape="0" algn="bl" dir="5400000" dist="19050">
               <a:srgbClr val="000000">
-                <a:alpha val="49019"/>
+                <a:alpha val="48627"/>
               </a:srgbClr>
             </a:outerShdw>
           </a:effectLst>
@@ -16877,7 +17318,7 @@
       </p:sp>
       <p:sp>
         <p:nvSpPr>
-          <p:cNvPr id="234" name="Google Shape;234;p23"/>
+          <p:cNvPr id="240" name="Google Shape;240;p12"/>
           <p:cNvSpPr/>
           <p:nvPr/>
         </p:nvSpPr>
@@ -16906,7 +17347,7 @@
           <a:effectLst>
             <a:outerShdw blurRad="57150" rotWithShape="0" algn="bl" dir="5400000" dist="19050">
               <a:srgbClr val="000000">
-                <a:alpha val="49019"/>
+                <a:alpha val="48627"/>
               </a:srgbClr>
             </a:outerShdw>
           </a:effectLst>
@@ -16951,7 +17392,7 @@
       </p:sp>
       <p:sp>
         <p:nvSpPr>
-          <p:cNvPr id="235" name="Google Shape;235;p23"/>
+          <p:cNvPr id="241" name="Google Shape;241;p12"/>
           <p:cNvSpPr/>
           <p:nvPr/>
         </p:nvSpPr>
@@ -16980,7 +17421,7 @@
           <a:effectLst>
             <a:outerShdw blurRad="57150" rotWithShape="0" algn="bl" dir="5400000" dist="19050">
               <a:srgbClr val="000000">
-                <a:alpha val="49019"/>
+                <a:alpha val="48627"/>
               </a:srgbClr>
             </a:outerShdw>
           </a:effectLst>
@@ -17025,7 +17466,7 @@
       </p:sp>
       <p:sp>
         <p:nvSpPr>
-          <p:cNvPr id="236" name="Google Shape;236;p23"/>
+          <p:cNvPr id="242" name="Google Shape;242;p12"/>
           <p:cNvSpPr/>
           <p:nvPr/>
         </p:nvSpPr>
@@ -17054,7 +17495,7 @@
           <a:effectLst>
             <a:outerShdw blurRad="57150" rotWithShape="0" algn="bl" dir="5400000" dist="19050">
               <a:srgbClr val="000000">
-                <a:alpha val="49019"/>
+                <a:alpha val="48627"/>
               </a:srgbClr>
             </a:outerShdw>
           </a:effectLst>
@@ -17099,7 +17540,7 @@
       </p:sp>
       <p:sp>
         <p:nvSpPr>
-          <p:cNvPr id="237" name="Google Shape;237;p23"/>
+          <p:cNvPr id="243" name="Google Shape;243;p12"/>
           <p:cNvSpPr/>
           <p:nvPr/>
         </p:nvSpPr>
@@ -17128,7 +17569,7 @@
           <a:effectLst>
             <a:outerShdw blurRad="57150" rotWithShape="0" algn="bl" dir="5400000" dist="19050">
               <a:srgbClr val="000000">
-                <a:alpha val="49019"/>
+                <a:alpha val="48627"/>
               </a:srgbClr>
             </a:outerShdw>
           </a:effectLst>
@@ -17173,7 +17614,7 @@
       </p:sp>
       <p:sp>
         <p:nvSpPr>
-          <p:cNvPr id="238" name="Google Shape;238;p23"/>
+          <p:cNvPr id="244" name="Google Shape;244;p12"/>
           <p:cNvSpPr/>
           <p:nvPr/>
         </p:nvSpPr>
@@ -17202,7 +17643,7 @@
           <a:effectLst>
             <a:outerShdw blurRad="57150" rotWithShape="0" algn="bl" dir="5400000" dist="19050">
               <a:srgbClr val="000000">
-                <a:alpha val="49019"/>
+                <a:alpha val="48627"/>
               </a:srgbClr>
             </a:outerShdw>
           </a:effectLst>
@@ -17247,7 +17688,7 @@
       </p:sp>
       <p:sp>
         <p:nvSpPr>
-          <p:cNvPr id="239" name="Google Shape;239;p23"/>
+          <p:cNvPr id="245" name="Google Shape;245;p12"/>
           <p:cNvSpPr/>
           <p:nvPr/>
         </p:nvSpPr>
@@ -17276,7 +17717,7 @@
           <a:effectLst>
             <a:outerShdw blurRad="57150" rotWithShape="0" algn="bl" dir="5400000" dist="19050">
               <a:srgbClr val="000000">
-                <a:alpha val="49019"/>
+                <a:alpha val="48627"/>
               </a:srgbClr>
             </a:outerShdw>
           </a:effectLst>
@@ -17321,7 +17762,7 @@
       </p:sp>
       <p:sp>
         <p:nvSpPr>
-          <p:cNvPr id="240" name="Google Shape;240;p23"/>
+          <p:cNvPr id="246" name="Google Shape;246;p12"/>
           <p:cNvSpPr/>
           <p:nvPr/>
         </p:nvSpPr>
@@ -17350,7 +17791,7 @@
           <a:effectLst>
             <a:outerShdw blurRad="57150" rotWithShape="0" algn="bl" dir="5400000" dist="19050">
               <a:srgbClr val="000000">
-                <a:alpha val="49019"/>
+                <a:alpha val="48627"/>
               </a:srgbClr>
             </a:outerShdw>
           </a:effectLst>
@@ -17395,7 +17836,7 @@
       </p:sp>
       <p:sp>
         <p:nvSpPr>
-          <p:cNvPr id="241" name="Google Shape;241;p23"/>
+          <p:cNvPr id="247" name="Google Shape;247;p12"/>
           <p:cNvSpPr/>
           <p:nvPr/>
         </p:nvSpPr>
@@ -17424,7 +17865,7 @@
           <a:effectLst>
             <a:outerShdw blurRad="57150" rotWithShape="0" algn="bl" dir="5400000" dist="19050">
               <a:srgbClr val="000000">
-                <a:alpha val="49019"/>
+                <a:alpha val="48627"/>
               </a:srgbClr>
             </a:outerShdw>
           </a:effectLst>
@@ -17469,7 +17910,7 @@
       </p:sp>
       <p:sp>
         <p:nvSpPr>
-          <p:cNvPr id="242" name="Google Shape;242;p23"/>
+          <p:cNvPr id="248" name="Google Shape;248;p12"/>
           <p:cNvSpPr/>
           <p:nvPr/>
         </p:nvSpPr>
@@ -17498,7 +17939,7 @@
           <a:effectLst>
             <a:outerShdw blurRad="57150" rotWithShape="0" algn="bl" dir="5400000" dist="19050">
               <a:srgbClr val="000000">
-                <a:alpha val="49019"/>
+                <a:alpha val="48627"/>
               </a:srgbClr>
             </a:outerShdw>
           </a:effectLst>
@@ -17543,7 +17984,7 @@
       </p:sp>
       <p:sp>
         <p:nvSpPr>
-          <p:cNvPr id="243" name="Google Shape;243;p23"/>
+          <p:cNvPr id="249" name="Google Shape;249;p12"/>
           <p:cNvSpPr/>
           <p:nvPr/>
         </p:nvSpPr>
@@ -17572,7 +18013,7 @@
           <a:effectLst>
             <a:outerShdw blurRad="57150" rotWithShape="0" algn="bl" dir="5400000" dist="19050">
               <a:srgbClr val="000000">
-                <a:alpha val="49019"/>
+                <a:alpha val="48627"/>
               </a:srgbClr>
             </a:outerShdw>
           </a:effectLst>
@@ -17617,7 +18058,7 @@
       </p:sp>
       <p:sp>
         <p:nvSpPr>
-          <p:cNvPr id="244" name="Google Shape;244;p23"/>
+          <p:cNvPr id="250" name="Google Shape;250;p12"/>
           <p:cNvSpPr/>
           <p:nvPr/>
         </p:nvSpPr>
@@ -17646,7 +18087,7 @@
           <a:effectLst>
             <a:outerShdw blurRad="57150" rotWithShape="0" algn="bl" dir="5400000" dist="19050">
               <a:srgbClr val="000000">
-                <a:alpha val="49019"/>
+                <a:alpha val="48627"/>
               </a:srgbClr>
             </a:outerShdw>
           </a:effectLst>
@@ -17691,7 +18132,7 @@
       </p:sp>
       <p:sp>
         <p:nvSpPr>
-          <p:cNvPr id="245" name="Google Shape;245;p23"/>
+          <p:cNvPr id="251" name="Google Shape;251;p12"/>
           <p:cNvSpPr/>
           <p:nvPr/>
         </p:nvSpPr>
@@ -17720,7 +18161,7 @@
           <a:effectLst>
             <a:outerShdw blurRad="57150" rotWithShape="0" algn="bl" dir="5400000" dist="19050">
               <a:srgbClr val="000000">
-                <a:alpha val="49019"/>
+                <a:alpha val="48627"/>
               </a:srgbClr>
             </a:outerShdw>
           </a:effectLst>
@@ -17765,7 +18206,7 @@
       </p:sp>
       <p:sp>
         <p:nvSpPr>
-          <p:cNvPr id="246" name="Google Shape;246;p23"/>
+          <p:cNvPr id="252" name="Google Shape;252;p12"/>
           <p:cNvSpPr/>
           <p:nvPr/>
         </p:nvSpPr>
@@ -17794,7 +18235,7 @@
           <a:effectLst>
             <a:outerShdw blurRad="57150" rotWithShape="0" algn="bl" dir="5400000" dist="19050">
               <a:srgbClr val="000000">
-                <a:alpha val="49019"/>
+                <a:alpha val="48627"/>
               </a:srgbClr>
             </a:outerShdw>
           </a:effectLst>
@@ -17839,7 +18280,7 @@
       </p:sp>
       <p:sp>
         <p:nvSpPr>
-          <p:cNvPr id="247" name="Google Shape;247;p23"/>
+          <p:cNvPr id="253" name="Google Shape;253;p12"/>
           <p:cNvSpPr/>
           <p:nvPr/>
         </p:nvSpPr>
@@ -17868,7 +18309,7 @@
           <a:effectLst>
             <a:outerShdw blurRad="57150" rotWithShape="0" algn="bl" dir="5400000" dist="19050">
               <a:srgbClr val="000000">
-                <a:alpha val="49019"/>
+                <a:alpha val="48627"/>
               </a:srgbClr>
             </a:outerShdw>
           </a:effectLst>
@@ -17913,7 +18354,7 @@
       </p:sp>
       <p:sp>
         <p:nvSpPr>
-          <p:cNvPr id="248" name="Google Shape;248;p23"/>
+          <p:cNvPr id="254" name="Google Shape;254;p12"/>
           <p:cNvSpPr/>
           <p:nvPr/>
         </p:nvSpPr>
@@ -17942,7 +18383,7 @@
           <a:effectLst>
             <a:outerShdw blurRad="57150" rotWithShape="0" algn="bl" dir="5400000" dist="19050">
               <a:srgbClr val="000000">
-                <a:alpha val="49019"/>
+                <a:alpha val="48627"/>
               </a:srgbClr>
             </a:outerShdw>
           </a:effectLst>
@@ -17987,7 +18428,7 @@
       </p:sp>
       <p:sp>
         <p:nvSpPr>
-          <p:cNvPr id="249" name="Google Shape;249;p23"/>
+          <p:cNvPr id="255" name="Google Shape;255;p12"/>
           <p:cNvSpPr/>
           <p:nvPr/>
         </p:nvSpPr>
@@ -18016,7 +18457,7 @@
           <a:effectLst>
             <a:outerShdw blurRad="57150" rotWithShape="0" algn="bl" dir="5400000" dist="19050">
               <a:srgbClr val="000000">
-                <a:alpha val="49019"/>
+                <a:alpha val="48627"/>
               </a:srgbClr>
             </a:outerShdw>
           </a:effectLst>
@@ -18061,7 +18502,7 @@
       </p:sp>
       <p:sp>
         <p:nvSpPr>
-          <p:cNvPr id="250" name="Google Shape;250;p23"/>
+          <p:cNvPr id="256" name="Google Shape;256;p12"/>
           <p:cNvSpPr/>
           <p:nvPr/>
         </p:nvSpPr>
@@ -18090,7 +18531,7 @@
           <a:effectLst>
             <a:outerShdw blurRad="57150" rotWithShape="0" algn="bl" dir="5400000" dist="19050">
               <a:srgbClr val="000000">
-                <a:alpha val="49019"/>
+                <a:alpha val="48627"/>
               </a:srgbClr>
             </a:outerShdw>
           </a:effectLst>
@@ -18135,7 +18576,7 @@
       </p:sp>
       <p:sp>
         <p:nvSpPr>
-          <p:cNvPr id="251" name="Google Shape;251;p23"/>
+          <p:cNvPr id="257" name="Google Shape;257;p12"/>
           <p:cNvSpPr/>
           <p:nvPr/>
         </p:nvSpPr>
@@ -18164,7 +18605,7 @@
           <a:effectLst>
             <a:outerShdw blurRad="57150" rotWithShape="0" algn="bl" dir="5400000" dist="19050">
               <a:srgbClr val="000000">
-                <a:alpha val="49019"/>
+                <a:alpha val="48627"/>
               </a:srgbClr>
             </a:outerShdw>
           </a:effectLst>
@@ -18209,7 +18650,7 @@
       </p:sp>
       <p:sp>
         <p:nvSpPr>
-          <p:cNvPr id="252" name="Google Shape;252;p23"/>
+          <p:cNvPr id="258" name="Google Shape;258;p12"/>
           <p:cNvSpPr/>
           <p:nvPr/>
         </p:nvSpPr>
@@ -18238,7 +18679,7 @@
           <a:effectLst>
             <a:outerShdw blurRad="57150" rotWithShape="0" algn="bl" dir="5400000" dist="19050">
               <a:srgbClr val="000000">
-                <a:alpha val="49019"/>
+                <a:alpha val="48627"/>
               </a:srgbClr>
             </a:outerShdw>
           </a:effectLst>
@@ -18283,7 +18724,7 @@
       </p:sp>
       <p:sp>
         <p:nvSpPr>
-          <p:cNvPr id="253" name="Google Shape;253;p23"/>
+          <p:cNvPr id="259" name="Google Shape;259;p12"/>
           <p:cNvSpPr/>
           <p:nvPr/>
         </p:nvSpPr>
@@ -18312,7 +18753,7 @@
           <a:effectLst>
             <a:outerShdw blurRad="57150" rotWithShape="0" algn="bl" dir="5400000" dist="19050">
               <a:srgbClr val="000000">
-                <a:alpha val="49019"/>
+                <a:alpha val="48627"/>
               </a:srgbClr>
             </a:outerShdw>
           </a:effectLst>
@@ -18357,7 +18798,7 @@
       </p:sp>
       <p:sp>
         <p:nvSpPr>
-          <p:cNvPr id="254" name="Google Shape;254;p23"/>
+          <p:cNvPr id="260" name="Google Shape;260;p12"/>
           <p:cNvSpPr/>
           <p:nvPr/>
         </p:nvSpPr>
@@ -18386,7 +18827,7 @@
           <a:effectLst>
             <a:outerShdw blurRad="57150" rotWithShape="0" algn="bl" dir="5400000" dist="19050">
               <a:srgbClr val="000000">
-                <a:alpha val="49019"/>
+                <a:alpha val="48627"/>
               </a:srgbClr>
             </a:outerShdw>
           </a:effectLst>
@@ -18431,7 +18872,7 @@
       </p:sp>
       <p:sp>
         <p:nvSpPr>
-          <p:cNvPr id="255" name="Google Shape;255;p23"/>
+          <p:cNvPr id="261" name="Google Shape;261;p12"/>
           <p:cNvSpPr/>
           <p:nvPr/>
         </p:nvSpPr>
@@ -18460,7 +18901,7 @@
           <a:effectLst>
             <a:outerShdw blurRad="57150" rotWithShape="0" algn="bl" dir="5400000" dist="19050">
               <a:srgbClr val="000000">
-                <a:alpha val="49019"/>
+                <a:alpha val="48627"/>
               </a:srgbClr>
             </a:outerShdw>
           </a:effectLst>
@@ -18505,7 +18946,7 @@
       </p:sp>
       <p:sp>
         <p:nvSpPr>
-          <p:cNvPr id="256" name="Google Shape;256;p23"/>
+          <p:cNvPr id="262" name="Google Shape;262;p12"/>
           <p:cNvSpPr/>
           <p:nvPr/>
         </p:nvSpPr>
@@ -18534,7 +18975,7 @@
           <a:effectLst>
             <a:outerShdw blurRad="57150" rotWithShape="0" algn="bl" dir="5400000" dist="19050">
               <a:srgbClr val="000000">
-                <a:alpha val="49019"/>
+                <a:alpha val="48627"/>
               </a:srgbClr>
             </a:outerShdw>
           </a:effectLst>
@@ -18579,7 +19020,7 @@
       </p:sp>
       <p:sp>
         <p:nvSpPr>
-          <p:cNvPr id="257" name="Google Shape;257;p23"/>
+          <p:cNvPr id="263" name="Google Shape;263;p12"/>
           <p:cNvSpPr/>
           <p:nvPr/>
         </p:nvSpPr>
@@ -18608,7 +19049,7 @@
           <a:effectLst>
             <a:outerShdw blurRad="57150" rotWithShape="0" algn="bl" dir="5400000" dist="19050">
               <a:srgbClr val="000000">
-                <a:alpha val="49019"/>
+                <a:alpha val="48627"/>
               </a:srgbClr>
             </a:outerShdw>
           </a:effectLst>
@@ -18653,7 +19094,7 @@
       </p:sp>
       <p:sp>
         <p:nvSpPr>
-          <p:cNvPr id="258" name="Google Shape;258;p23"/>
+          <p:cNvPr id="264" name="Google Shape;264;p12"/>
           <p:cNvSpPr/>
           <p:nvPr/>
         </p:nvSpPr>
@@ -18682,7 +19123,7 @@
           <a:effectLst>
             <a:outerShdw blurRad="57150" rotWithShape="0" algn="bl" dir="5400000" dist="19050">
               <a:srgbClr val="000000">
-                <a:alpha val="49019"/>
+                <a:alpha val="48627"/>
               </a:srgbClr>
             </a:outerShdw>
           </a:effectLst>
@@ -18727,7 +19168,7 @@
       </p:sp>
       <p:sp>
         <p:nvSpPr>
-          <p:cNvPr id="259" name="Google Shape;259;p23"/>
+          <p:cNvPr id="265" name="Google Shape;265;p12"/>
           <p:cNvSpPr/>
           <p:nvPr/>
         </p:nvSpPr>
@@ -18756,7 +19197,7 @@
           <a:effectLst>
             <a:outerShdw blurRad="57150" rotWithShape="0" algn="bl" dir="5400000" dist="19050">
               <a:srgbClr val="000000">
-                <a:alpha val="49019"/>
+                <a:alpha val="48627"/>
               </a:srgbClr>
             </a:outerShdw>
           </a:effectLst>
@@ -18801,7 +19242,7 @@
       </p:sp>
       <p:pic>
         <p:nvPicPr>
-          <p:cNvPr id="260" name="Google Shape;260;p23"/>
+          <p:cNvPr id="266" name="Google Shape;266;p12"/>
           <p:cNvPicPr preferRelativeResize="0"/>
           <p:nvPr/>
         </p:nvPicPr>
@@ -18828,7 +19269,7 @@
       </p:pic>
       <p:cxnSp>
         <p:nvCxnSpPr>
-          <p:cNvPr id="261" name="Google Shape;261;p23"/>
+          <p:cNvPr id="267" name="Google Shape;267;p12"/>
           <p:cNvCxnSpPr/>
           <p:nvPr/>
         </p:nvCxnSpPr>
@@ -18854,7 +19295,7 @@
       </p:cxnSp>
       <p:cxnSp>
         <p:nvCxnSpPr>
-          <p:cNvPr id="262" name="Google Shape;262;p23"/>
+          <p:cNvPr id="268" name="Google Shape;268;p12"/>
           <p:cNvCxnSpPr/>
           <p:nvPr/>
         </p:nvCxnSpPr>
@@ -18880,7 +19321,7 @@
       </p:cxnSp>
       <p:cxnSp>
         <p:nvCxnSpPr>
-          <p:cNvPr id="263" name="Google Shape;263;p23"/>
+          <p:cNvPr id="269" name="Google Shape;269;p12"/>
           <p:cNvCxnSpPr/>
           <p:nvPr/>
         </p:nvCxnSpPr>
@@ -18906,7 +19347,7 @@
       </p:cxnSp>
       <p:sp>
         <p:nvSpPr>
-          <p:cNvPr id="264" name="Google Shape;264;p23"/>
+          <p:cNvPr id="270" name="Google Shape;270;p12"/>
           <p:cNvSpPr txBox="1"/>
           <p:nvPr/>
         </p:nvSpPr>
@@ -18972,7 +19413,7 @@
       </p:sp>
       <p:sp>
         <p:nvSpPr>
-          <p:cNvPr id="265" name="Google Shape;265;p23"/>
+          <p:cNvPr id="271" name="Google Shape;271;p12"/>
           <p:cNvSpPr txBox="1"/>
           <p:nvPr/>
         </p:nvSpPr>
@@ -19038,7 +19479,7 @@
       </p:sp>
       <p:sp>
         <p:nvSpPr>
-          <p:cNvPr id="266" name="Google Shape;266;p23"/>
+          <p:cNvPr id="272" name="Google Shape;272;p12"/>
           <p:cNvSpPr/>
           <p:nvPr/>
         </p:nvSpPr>
@@ -19106,7 +19547,7 @@
       </p:sp>
       <p:sp>
         <p:nvSpPr>
-          <p:cNvPr id="267" name="Google Shape;267;p23"/>
+          <p:cNvPr id="273" name="Google Shape;273;p12"/>
           <p:cNvSpPr/>
           <p:nvPr/>
         </p:nvSpPr>
@@ -19174,7 +19615,7 @@
       </p:sp>
       <p:pic>
         <p:nvPicPr>
-          <p:cNvPr id="268" name="Google Shape;268;p23"/>
+          <p:cNvPr id="274" name="Google Shape;274;p12"/>
           <p:cNvPicPr preferRelativeResize="0"/>
           <p:nvPr/>
         </p:nvPicPr>
@@ -19207,12 +19648,12 @@
 </p:sld>
 </file>
 
-<file path=ppt/slides/slide13.xml><?xml version="1.0" encoding="utf-8"?>
-<p:sld xmlns:a="http://schemas.openxmlformats.org/drawingml/2006/main" xmlns:r="http://schemas.openxmlformats.org/officeDocument/2006/relationships" xmlns:mc="http://schemas.openxmlformats.org/markup-compatibility/2006" xmlns:mv="urn:schemas-microsoft-com:mac:vml" xmlns:p="http://schemas.openxmlformats.org/presentationml/2006/main" xmlns:c="http://schemas.openxmlformats.org/drawingml/2006/chart" xmlns:dgm="http://schemas.openxmlformats.org/drawingml/2006/diagram" xmlns:o="urn:schemas-microsoft-com:office:office" xmlns:v="urn:schemas-microsoft-com:vml" xmlns:pvml="urn:schemas-microsoft-com:office:powerpoint" xmlns:com="http://schemas.openxmlformats.org/drawingml/2006/compatibility" xmlns:p14="http://schemas.microsoft.com/office/powerpoint/2010/main" xmlns:p15="http://schemas.microsoft.com/office/powerpoint/2012/main">
+<file path=ppt/slides/slide14.xml><?xml version="1.0" encoding="utf-8"?>
+<p:sld xmlns:a="http://schemas.openxmlformats.org/drawingml/2006/main" xmlns:r="http://schemas.openxmlformats.org/officeDocument/2006/relationships" xmlns:mc="http://schemas.openxmlformats.org/markup-compatibility/2006" xmlns:mv="urn:schemas-microsoft-com:mac:vml" xmlns:p="http://schemas.openxmlformats.org/presentationml/2006/main" xmlns:c="http://schemas.openxmlformats.org/drawingml/2006/chart" xmlns:dgm="http://schemas.openxmlformats.org/drawingml/2006/diagram" xmlns:o="urn:schemas-microsoft-com:office:office" xmlns:v="urn:schemas-microsoft-com:vml" xmlns:pvml="urn:schemas-microsoft-com:office:powerpoint" xmlns:com="http://schemas.openxmlformats.org/drawingml/2006/compatibility" xmlns:p14="http://schemas.microsoft.com/office/powerpoint/2010/main" xmlns:p15="http://schemas.microsoft.com/office/powerpoint/2012/main" xmlns:ahyp="http://schemas.microsoft.com/office/drawing/2018/hyperlinkcolor">
   <p:cSld>
     <p:spTree>
       <p:nvGrpSpPr>
-        <p:cNvPr id="272" name="Shape 272"/>
+        <p:cNvPr id="278" name="Shape 278"/>
         <p:cNvGrpSpPr/>
         <p:nvPr/>
       </p:nvGrpSpPr>
@@ -19226,326 +19667,7 @@
       </p:grpSpPr>
       <p:sp>
         <p:nvSpPr>
-          <p:cNvPr id="273" name="Google Shape;273;p24"/>
-          <p:cNvSpPr txBox="1"/>
-          <p:nvPr>
-            <p:ph idx="1" type="body"/>
-          </p:nvPr>
-        </p:nvSpPr>
-        <p:spPr>
-          <a:xfrm>
-            <a:off x="6787625" y="2425975"/>
-            <a:ext cx="6057300" cy="5369700"/>
-          </a:xfrm>
-          <a:prstGeom prst="rect">
-            <a:avLst/>
-          </a:prstGeom>
-          <a:noFill/>
-          <a:ln>
-            <a:noFill/>
-          </a:ln>
-        </p:spPr>
-        <p:txBody>
-          <a:bodyPr anchorCtr="0" anchor="t" bIns="65000" lIns="129975" spcFirstLastPara="1" rIns="129975" wrap="square" tIns="65000">
-            <a:noAutofit/>
-          </a:bodyPr>
-          <a:lstStyle/>
-          <a:p>
-            <a:pPr indent="0" lvl="0" marL="0" marR="0" rtl="0" algn="l">
-              <a:lnSpc>
-                <a:spcPct val="150000"/>
-              </a:lnSpc>
-              <a:spcBef>
-                <a:spcPts val="800"/>
-              </a:spcBef>
-              <a:spcAft>
-                <a:spcPts val="0"/>
-              </a:spcAft>
-              <a:buSzPts val="3000"/>
-              <a:buNone/>
-            </a:pPr>
-            <a:r>
-              <a:rPr lang="en-US" sz="1200">
-                <a:solidFill>
-                  <a:srgbClr val="000000"/>
-                </a:solidFill>
-              </a:rPr>
-              <a:t>start date of the evaluations</a:t>
-            </a:r>
-            <a:endParaRPr sz="1200">
-              <a:solidFill>
-                <a:srgbClr val="000000"/>
-              </a:solidFill>
-            </a:endParaRPr>
-          </a:p>
-          <a:p>
-            <a:pPr indent="0" lvl="0" marL="0" marR="0" rtl="0" algn="l">
-              <a:lnSpc>
-                <a:spcPct val="150000"/>
-              </a:lnSpc>
-              <a:spcBef>
-                <a:spcPts val="800"/>
-              </a:spcBef>
-              <a:spcAft>
-                <a:spcPts val="0"/>
-              </a:spcAft>
-              <a:buSzPts val="3000"/>
-              <a:buNone/>
-            </a:pPr>
-            <a:r>
-              <a:rPr lang="en-US" sz="1200">
-                <a:solidFill>
-                  <a:srgbClr val="000000"/>
-                </a:solidFill>
-              </a:rPr>
-              <a:t>end date of the evaluations</a:t>
-            </a:r>
-            <a:endParaRPr sz="1200">
-              <a:solidFill>
-                <a:srgbClr val="000000"/>
-              </a:solidFill>
-            </a:endParaRPr>
-          </a:p>
-          <a:p>
-            <a:pPr indent="0" lvl="0" marL="0" marR="0" rtl="0" algn="l">
-              <a:lnSpc>
-                <a:spcPct val="150000"/>
-              </a:lnSpc>
-              <a:spcBef>
-                <a:spcPts val="800"/>
-              </a:spcBef>
-              <a:spcAft>
-                <a:spcPts val="0"/>
-              </a:spcAft>
-              <a:buSzPts val="3000"/>
-              <a:buNone/>
-            </a:pPr>
-            <a:r>
-              <a:rPr lang="en-US" sz="1200">
-                <a:solidFill>
-                  <a:srgbClr val="000000"/>
-                </a:solidFill>
-              </a:rPr>
-              <a:t>evaluation frequency (monthly, biweekly)</a:t>
-            </a:r>
-            <a:endParaRPr sz="1200">
-              <a:solidFill>
-                <a:srgbClr val="000000"/>
-              </a:solidFill>
-            </a:endParaRPr>
-          </a:p>
-          <a:p>
-            <a:pPr indent="0" lvl="0" marL="0" marR="0" rtl="0" algn="l">
-              <a:lnSpc>
-                <a:spcPct val="150000"/>
-              </a:lnSpc>
-              <a:spcBef>
-                <a:spcPts val="800"/>
-              </a:spcBef>
-              <a:spcAft>
-                <a:spcPts val="0"/>
-              </a:spcAft>
-              <a:buSzPts val="3000"/>
-              <a:buNone/>
-            </a:pPr>
-            <a:r>
-              <a:rPr lang="en-US" sz="1200">
-                <a:solidFill>
-                  <a:srgbClr val="000000"/>
-                </a:solidFill>
-              </a:rPr>
-              <a:t>shocked yield start</a:t>
-            </a:r>
-            <a:endParaRPr sz="1200">
-              <a:solidFill>
-                <a:srgbClr val="000000"/>
-              </a:solidFill>
-            </a:endParaRPr>
-          </a:p>
-          <a:p>
-            <a:pPr indent="0" lvl="0" marL="0" rtl="0" algn="l">
-              <a:lnSpc>
-                <a:spcPct val="150000"/>
-              </a:lnSpc>
-              <a:spcBef>
-                <a:spcPts val="800"/>
-              </a:spcBef>
-              <a:spcAft>
-                <a:spcPts val="0"/>
-              </a:spcAft>
-              <a:buSzPts val="3000"/>
-              <a:buNone/>
-            </a:pPr>
-            <a:r>
-              <a:rPr lang="en-US" sz="1200"/>
-              <a:t>shocked yield end</a:t>
-            </a:r>
-            <a:endParaRPr sz="1200"/>
-          </a:p>
-          <a:p>
-            <a:pPr indent="0" lvl="0" marL="0" rtl="0" algn="l">
-              <a:lnSpc>
-                <a:spcPct val="150000"/>
-              </a:lnSpc>
-              <a:spcBef>
-                <a:spcPts val="800"/>
-              </a:spcBef>
-              <a:spcAft>
-                <a:spcPts val="0"/>
-              </a:spcAft>
-              <a:buSzPts val="3000"/>
-              <a:buNone/>
-            </a:pPr>
-            <a:r>
-              <a:rPr lang="en-US" sz="1200"/>
-              <a:t>shocked yield delta</a:t>
-            </a:r>
-            <a:endParaRPr sz="1200"/>
-          </a:p>
-          <a:p>
-            <a:pPr indent="0" lvl="0" marL="0" rtl="0" algn="l">
-              <a:lnSpc>
-                <a:spcPct val="150000"/>
-              </a:lnSpc>
-              <a:spcBef>
-                <a:spcPts val="800"/>
-              </a:spcBef>
-              <a:spcAft>
-                <a:spcPts val="0"/>
-              </a:spcAft>
-              <a:buSzPts val="3000"/>
-              <a:buNone/>
-            </a:pPr>
-            <a:r>
-              <a:rPr lang="en-US" sz="1200"/>
-              <a:t>file to describe bonds params, a line per bond: bond id, settlement days, face amount, coupon rate, redemption, issue date, maturity date, payment frequency</a:t>
-            </a:r>
-            <a:br>
-              <a:rPr lang="en-US" sz="1200"/>
-            </a:br>
-            <a:r>
-              <a:rPr lang="en-US" sz="1200"/>
-              <a:t>boolean to either reserve compute and memory intensive nodes sources for compute and memory intensive tasks or not</a:t>
-            </a:r>
-            <a:endParaRPr sz="1200"/>
-          </a:p>
-          <a:p>
-            <a:pPr indent="0" lvl="0" marL="0" rtl="0" algn="l">
-              <a:lnSpc>
-                <a:spcPct val="150000"/>
-              </a:lnSpc>
-              <a:spcBef>
-                <a:spcPts val="800"/>
-              </a:spcBef>
-              <a:spcAft>
-                <a:spcPts val="0"/>
-              </a:spcAft>
-              <a:buSzPts val="3000"/>
-              <a:buNone/>
-            </a:pPr>
-            <a:r>
-              <a:rPr lang="en-US" sz="1200"/>
-              <a:t>compute intensive node source name </a:t>
-            </a:r>
-            <a:endParaRPr sz="1200"/>
-          </a:p>
-          <a:p>
-            <a:pPr indent="0" lvl="0" marL="0" rtl="0" algn="l">
-              <a:lnSpc>
-                <a:spcPct val="150000"/>
-              </a:lnSpc>
-              <a:spcBef>
-                <a:spcPts val="800"/>
-              </a:spcBef>
-              <a:spcAft>
-                <a:spcPts val="0"/>
-              </a:spcAft>
-              <a:buSzPts val="3000"/>
-              <a:buNone/>
-            </a:pPr>
-            <a:r>
-              <a:rPr lang="en-US" sz="1200"/>
-              <a:t>memory intensive node source name</a:t>
-            </a:r>
-            <a:endParaRPr sz="1200"/>
-          </a:p>
-          <a:p>
-            <a:pPr indent="0" lvl="0" marL="0" rtl="0" algn="l">
-              <a:lnSpc>
-                <a:spcPct val="150000"/>
-              </a:lnSpc>
-              <a:spcBef>
-                <a:spcPts val="800"/>
-              </a:spcBef>
-              <a:spcAft>
-                <a:spcPts val="0"/>
-              </a:spcAft>
-              <a:buSzPts val="3000"/>
-              <a:buNone/>
-            </a:pPr>
-            <a:r>
-              <a:rPr lang="en-US" sz="1200"/>
-              <a:t>data dir path to store generated data before reductions (for large data)</a:t>
-            </a:r>
-            <a:endParaRPr sz="1200"/>
-          </a:p>
-          <a:p>
-            <a:pPr indent="0" lvl="0" marL="0" rtl="0" algn="l">
-              <a:lnSpc>
-                <a:spcPct val="150000"/>
-              </a:lnSpc>
-              <a:spcBef>
-                <a:spcPts val="800"/>
-              </a:spcBef>
-              <a:spcAft>
-                <a:spcPts val="0"/>
-              </a:spcAft>
-              <a:buClr>
-                <a:schemeClr val="dk1"/>
-              </a:buClr>
-              <a:buSzPts val="3000"/>
-              <a:buFont typeface="Arial"/>
-              <a:buNone/>
-            </a:pPr>
-            <a:r>
-              <a:rPr lang="en-US" sz="1200"/>
-              <a:t>number of replicated tasks to split scenarios</a:t>
-            </a:r>
-            <a:endParaRPr sz="1200"/>
-          </a:p>
-          <a:p>
-            <a:pPr indent="0" lvl="0" marL="0" rtl="0" algn="l">
-              <a:lnSpc>
-                <a:spcPct val="150000"/>
-              </a:lnSpc>
-              <a:spcBef>
-                <a:spcPts val="800"/>
-              </a:spcBef>
-              <a:spcAft>
-                <a:spcPts val="0"/>
-              </a:spcAft>
-              <a:buClr>
-                <a:schemeClr val="dk1"/>
-              </a:buClr>
-              <a:buSzPts val="3000"/>
-              <a:buFont typeface="Arial"/>
-              <a:buNone/>
-            </a:pPr>
-            <a:r>
-              <a:rPr lang="en-US" sz="1200"/>
-              <a:t>number of replicated tasks to split bonds</a:t>
-            </a:r>
-            <a:endParaRPr sz="1200">
-              <a:solidFill>
-                <a:srgbClr val="000000"/>
-              </a:solidFill>
-            </a:endParaRPr>
-          </a:p>
-        </p:txBody>
-      </p:sp>
-      <p:sp>
-        <p:nvSpPr>
-          <p:cNvPr id="274" name="Google Shape;274;p24"/>
+          <p:cNvPr id="279" name="Google Shape;279;p13"/>
           <p:cNvSpPr txBox="1"/>
           <p:nvPr>
             <p:ph type="title"/>
@@ -19605,21 +19727,22 @@
       </p:sp>
       <p:pic>
         <p:nvPicPr>
-          <p:cNvPr id="275" name="Google Shape;275;p24"/>
+          <p:cNvPr id="280" name="Google Shape;280;p13"/>
           <p:cNvPicPr preferRelativeResize="0"/>
           <p:nvPr/>
         </p:nvPicPr>
-        <p:blipFill rotWithShape="1">
+        <p:blipFill>
           <a:blip r:embed="rId3">
             <a:alphaModFix/>
           </a:blip>
-          <a:srcRect b="0" l="0" r="0" t="0"/>
-          <a:stretch/>
+          <a:stretch>
+            <a:fillRect/>
+          </a:stretch>
         </p:blipFill>
         <p:spPr>
           <a:xfrm>
-            <a:off x="1916750" y="2425975"/>
-            <a:ext cx="4583000" cy="5581551"/>
+            <a:off x="235225" y="2278375"/>
+            <a:ext cx="12534351" cy="6341400"/>
           </a:xfrm>
           <a:prstGeom prst="rect">
             <a:avLst/>
@@ -19638,12 +19761,12 @@
 </p:sld>
 </file>
 
-<file path=ppt/slides/slide14.xml><?xml version="1.0" encoding="utf-8"?>
-<p:sld xmlns:a="http://schemas.openxmlformats.org/drawingml/2006/main" xmlns:r="http://schemas.openxmlformats.org/officeDocument/2006/relationships" xmlns:mc="http://schemas.openxmlformats.org/markup-compatibility/2006" xmlns:mv="urn:schemas-microsoft-com:mac:vml" xmlns:p="http://schemas.openxmlformats.org/presentationml/2006/main" xmlns:c="http://schemas.openxmlformats.org/drawingml/2006/chart" xmlns:dgm="http://schemas.openxmlformats.org/drawingml/2006/diagram" xmlns:o="urn:schemas-microsoft-com:office:office" xmlns:v="urn:schemas-microsoft-com:vml" xmlns:pvml="urn:schemas-microsoft-com:office:powerpoint" xmlns:com="http://schemas.openxmlformats.org/drawingml/2006/compatibility" xmlns:p14="http://schemas.microsoft.com/office/powerpoint/2010/main" xmlns:p15="http://schemas.microsoft.com/office/powerpoint/2012/main">
+<file path=ppt/slides/slide15.xml><?xml version="1.0" encoding="utf-8"?>
+<p:sld xmlns:a="http://schemas.openxmlformats.org/drawingml/2006/main" xmlns:r="http://schemas.openxmlformats.org/officeDocument/2006/relationships" xmlns:mc="http://schemas.openxmlformats.org/markup-compatibility/2006" xmlns:mv="urn:schemas-microsoft-com:mac:vml" xmlns:p="http://schemas.openxmlformats.org/presentationml/2006/main" xmlns:c="http://schemas.openxmlformats.org/drawingml/2006/chart" xmlns:dgm="http://schemas.openxmlformats.org/drawingml/2006/diagram" xmlns:o="urn:schemas-microsoft-com:office:office" xmlns:v="urn:schemas-microsoft-com:vml" xmlns:pvml="urn:schemas-microsoft-com:office:powerpoint" xmlns:com="http://schemas.openxmlformats.org/drawingml/2006/compatibility" xmlns:p14="http://schemas.microsoft.com/office/powerpoint/2010/main" xmlns:p15="http://schemas.microsoft.com/office/powerpoint/2012/main" xmlns:ahyp="http://schemas.microsoft.com/office/drawing/2018/hyperlinkcolor">
   <p:cSld>
     <p:spTree>
       <p:nvGrpSpPr>
-        <p:cNvPr id="279" name="Shape 279"/>
+        <p:cNvPr id="284" name="Shape 284"/>
         <p:cNvGrpSpPr/>
         <p:nvPr/>
       </p:nvGrpSpPr>
@@ -19657,7 +19780,7 @@
       </p:grpSpPr>
       <p:sp>
         <p:nvSpPr>
-          <p:cNvPr id="280" name="Google Shape;280;p25"/>
+          <p:cNvPr id="285" name="Google Shape;285;p14"/>
           <p:cNvSpPr txBox="1"/>
           <p:nvPr>
             <p:ph type="title"/>
@@ -19717,7 +19840,7 @@
       </p:sp>
       <p:pic>
         <p:nvPicPr>
-          <p:cNvPr id="281" name="Google Shape;281;p25"/>
+          <p:cNvPr id="286" name="Google Shape;286;p14"/>
           <p:cNvPicPr preferRelativeResize="0"/>
           <p:nvPr/>
         </p:nvPicPr>
@@ -19744,7 +19867,7 @@
       </p:pic>
       <p:pic>
         <p:nvPicPr>
-          <p:cNvPr id="282" name="Google Shape;282;p25"/>
+          <p:cNvPr id="287" name="Google Shape;287;p14"/>
           <p:cNvPicPr preferRelativeResize="0"/>
           <p:nvPr/>
         </p:nvPicPr>
@@ -19771,9 +19894,9 @@
       </p:pic>
       <p:cxnSp>
         <p:nvCxnSpPr>
-          <p:cNvPr id="283" name="Google Shape;283;p25"/>
+          <p:cNvPr id="288" name="Google Shape;288;p14"/>
           <p:cNvCxnSpPr>
-            <a:endCxn id="284" idx="1"/>
+            <a:endCxn id="289" idx="1"/>
           </p:cNvCxnSpPr>
           <p:nvPr/>
         </p:nvCxnSpPr>
@@ -19799,7 +19922,7 @@
       </p:cxnSp>
       <p:sp>
         <p:nvSpPr>
-          <p:cNvPr id="284" name="Google Shape;284;p25"/>
+          <p:cNvPr id="289" name="Google Shape;289;p14"/>
           <p:cNvSpPr/>
           <p:nvPr/>
         </p:nvSpPr>
@@ -19865,7 +19988,7 @@
       </p:sp>
       <p:sp>
         <p:nvSpPr>
-          <p:cNvPr id="285" name="Google Shape;285;p25"/>
+          <p:cNvPr id="290" name="Google Shape;290;p14"/>
           <p:cNvSpPr txBox="1"/>
           <p:nvPr/>
         </p:nvSpPr>
@@ -20372,7 +20495,7 @@
       </p:sp>
       <p:sp>
         <p:nvSpPr>
-          <p:cNvPr id="286" name="Google Shape;286;p25"/>
+          <p:cNvPr id="291" name="Google Shape;291;p14"/>
           <p:cNvSpPr txBox="1"/>
           <p:nvPr/>
         </p:nvSpPr>
@@ -20774,12 +20897,12 @@
 </p:sld>
 </file>
 
-<file path=ppt/slides/slide15.xml><?xml version="1.0" encoding="utf-8"?>
-<p:sld xmlns:a="http://schemas.openxmlformats.org/drawingml/2006/main" xmlns:r="http://schemas.openxmlformats.org/officeDocument/2006/relationships" xmlns:mc="http://schemas.openxmlformats.org/markup-compatibility/2006" xmlns:mv="urn:schemas-microsoft-com:mac:vml" xmlns:p="http://schemas.openxmlformats.org/presentationml/2006/main" xmlns:c="http://schemas.openxmlformats.org/drawingml/2006/chart" xmlns:dgm="http://schemas.openxmlformats.org/drawingml/2006/diagram" xmlns:o="urn:schemas-microsoft-com:office:office" xmlns:v="urn:schemas-microsoft-com:vml" xmlns:pvml="urn:schemas-microsoft-com:office:powerpoint" xmlns:com="http://schemas.openxmlformats.org/drawingml/2006/compatibility" xmlns:p14="http://schemas.microsoft.com/office/powerpoint/2010/main" xmlns:p15="http://schemas.microsoft.com/office/powerpoint/2012/main">
+<file path=ppt/slides/slide16.xml><?xml version="1.0" encoding="utf-8"?>
+<p:sld xmlns:a="http://schemas.openxmlformats.org/drawingml/2006/main" xmlns:r="http://schemas.openxmlformats.org/officeDocument/2006/relationships" xmlns:mc="http://schemas.openxmlformats.org/markup-compatibility/2006" xmlns:mv="urn:schemas-microsoft-com:mac:vml" xmlns:p="http://schemas.openxmlformats.org/presentationml/2006/main" xmlns:c="http://schemas.openxmlformats.org/drawingml/2006/chart" xmlns:dgm="http://schemas.openxmlformats.org/drawingml/2006/diagram" xmlns:o="urn:schemas-microsoft-com:office:office" xmlns:v="urn:schemas-microsoft-com:vml" xmlns:pvml="urn:schemas-microsoft-com:office:powerpoint" xmlns:com="http://schemas.openxmlformats.org/drawingml/2006/compatibility" xmlns:p14="http://schemas.microsoft.com/office/powerpoint/2010/main" xmlns:p15="http://schemas.microsoft.com/office/powerpoint/2012/main" xmlns:ahyp="http://schemas.microsoft.com/office/drawing/2018/hyperlinkcolor">
   <p:cSld>
     <p:spTree>
       <p:nvGrpSpPr>
-        <p:cNvPr id="290" name="Shape 290"/>
+        <p:cNvPr id="295" name="Shape 295"/>
         <p:cNvGrpSpPr/>
         <p:nvPr/>
       </p:nvGrpSpPr>
@@ -20793,7 +20916,7 @@
       </p:grpSpPr>
       <p:sp>
         <p:nvSpPr>
-          <p:cNvPr id="291" name="Google Shape;291;p26"/>
+          <p:cNvPr id="296" name="Google Shape;296;p15"/>
           <p:cNvSpPr txBox="1"/>
           <p:nvPr>
             <p:ph type="title"/>
@@ -20853,7 +20976,7 @@
       </p:sp>
       <p:pic>
         <p:nvPicPr>
-          <p:cNvPr id="292" name="Google Shape;292;p26"/>
+          <p:cNvPr id="297" name="Google Shape;297;p15"/>
           <p:cNvPicPr preferRelativeResize="0"/>
           <p:nvPr/>
         </p:nvPicPr>
@@ -20880,7 +21003,7 @@
       </p:pic>
       <p:pic>
         <p:nvPicPr>
-          <p:cNvPr id="293" name="Google Shape;293;p26"/>
+          <p:cNvPr id="298" name="Google Shape;298;p15"/>
           <p:cNvPicPr preferRelativeResize="0"/>
           <p:nvPr/>
         </p:nvPicPr>
@@ -20907,7 +21030,7 @@
       </p:pic>
       <p:pic>
         <p:nvPicPr>
-          <p:cNvPr id="294" name="Google Shape;294;p26"/>
+          <p:cNvPr id="299" name="Google Shape;299;p15"/>
           <p:cNvPicPr preferRelativeResize="0"/>
           <p:nvPr/>
         </p:nvPicPr>
@@ -20941,7 +21064,7 @@
 </file>
 
 <file path=ppt/slides/slide2.xml><?xml version="1.0" encoding="utf-8"?>
-<p:sld xmlns:a="http://schemas.openxmlformats.org/drawingml/2006/main" xmlns:r="http://schemas.openxmlformats.org/officeDocument/2006/relationships" xmlns:mc="http://schemas.openxmlformats.org/markup-compatibility/2006" xmlns:mv="urn:schemas-microsoft-com:mac:vml" xmlns:p="http://schemas.openxmlformats.org/presentationml/2006/main" xmlns:c="http://schemas.openxmlformats.org/drawingml/2006/chart" xmlns:dgm="http://schemas.openxmlformats.org/drawingml/2006/diagram" xmlns:o="urn:schemas-microsoft-com:office:office" xmlns:v="urn:schemas-microsoft-com:vml" xmlns:pvml="urn:schemas-microsoft-com:office:powerpoint" xmlns:com="http://schemas.openxmlformats.org/drawingml/2006/compatibility" xmlns:p14="http://schemas.microsoft.com/office/powerpoint/2010/main" xmlns:p15="http://schemas.microsoft.com/office/powerpoint/2012/main">
+<p:sld xmlns:a="http://schemas.openxmlformats.org/drawingml/2006/main" xmlns:r="http://schemas.openxmlformats.org/officeDocument/2006/relationships" xmlns:mc="http://schemas.openxmlformats.org/markup-compatibility/2006" xmlns:mv="urn:schemas-microsoft-com:mac:vml" xmlns:p="http://schemas.openxmlformats.org/presentationml/2006/main" xmlns:c="http://schemas.openxmlformats.org/drawingml/2006/chart" xmlns:dgm="http://schemas.openxmlformats.org/drawingml/2006/diagram" xmlns:o="urn:schemas-microsoft-com:office:office" xmlns:v="urn:schemas-microsoft-com:vml" xmlns:pvml="urn:schemas-microsoft-com:office:powerpoint" xmlns:com="http://schemas.openxmlformats.org/drawingml/2006/compatibility" xmlns:p14="http://schemas.microsoft.com/office/powerpoint/2010/main" xmlns:p15="http://schemas.microsoft.com/office/powerpoint/2012/main" xmlns:ahyp="http://schemas.microsoft.com/office/drawing/2018/hyperlinkcolor">
   <p:cSld>
     <p:spTree>
       <p:nvGrpSpPr>
@@ -20959,7 +21082,7 @@
       </p:grpSpPr>
       <p:sp>
         <p:nvSpPr>
-          <p:cNvPr id="61" name="Google Shape;61;p13"/>
+          <p:cNvPr id="61" name="Google Shape;61;p2"/>
           <p:cNvSpPr txBox="1"/>
           <p:nvPr>
             <p:ph idx="1" type="body"/>
@@ -21408,7 +21531,7 @@
       </p:sp>
       <p:sp>
         <p:nvSpPr>
-          <p:cNvPr id="62" name="Google Shape;62;p13"/>
+          <p:cNvPr id="62" name="Google Shape;62;p2"/>
           <p:cNvSpPr txBox="1"/>
           <p:nvPr>
             <p:ph type="title"/>
@@ -21468,7 +21591,7 @@
       </p:sp>
       <p:pic>
         <p:nvPicPr>
-          <p:cNvPr id="63" name="Google Shape;63;p13"/>
+          <p:cNvPr id="63" name="Google Shape;63;p2"/>
           <p:cNvPicPr preferRelativeResize="0"/>
           <p:nvPr/>
         </p:nvPicPr>
@@ -21495,7 +21618,7 @@
       </p:pic>
       <p:pic>
         <p:nvPicPr>
-          <p:cNvPr id="64" name="Google Shape;64;p13"/>
+          <p:cNvPr id="64" name="Google Shape;64;p2"/>
           <p:cNvPicPr preferRelativeResize="0"/>
           <p:nvPr/>
         </p:nvPicPr>
@@ -21529,7 +21652,7 @@
 </file>
 
 <file path=ppt/slides/slide3.xml><?xml version="1.0" encoding="utf-8"?>
-<p:sld xmlns:a="http://schemas.openxmlformats.org/drawingml/2006/main" xmlns:r="http://schemas.openxmlformats.org/officeDocument/2006/relationships" xmlns:mc="http://schemas.openxmlformats.org/markup-compatibility/2006" xmlns:mv="urn:schemas-microsoft-com:mac:vml" xmlns:p="http://schemas.openxmlformats.org/presentationml/2006/main" xmlns:c="http://schemas.openxmlformats.org/drawingml/2006/chart" xmlns:dgm="http://schemas.openxmlformats.org/drawingml/2006/diagram" xmlns:o="urn:schemas-microsoft-com:office:office" xmlns:v="urn:schemas-microsoft-com:vml" xmlns:pvml="urn:schemas-microsoft-com:office:powerpoint" xmlns:com="http://schemas.openxmlformats.org/drawingml/2006/compatibility" xmlns:p14="http://schemas.microsoft.com/office/powerpoint/2010/main" xmlns:p15="http://schemas.microsoft.com/office/powerpoint/2012/main">
+<p:sld xmlns:a="http://schemas.openxmlformats.org/drawingml/2006/main" xmlns:r="http://schemas.openxmlformats.org/officeDocument/2006/relationships" xmlns:mc="http://schemas.openxmlformats.org/markup-compatibility/2006" xmlns:mv="urn:schemas-microsoft-com:mac:vml" xmlns:p="http://schemas.openxmlformats.org/presentationml/2006/main" xmlns:c="http://schemas.openxmlformats.org/drawingml/2006/chart" xmlns:dgm="http://schemas.openxmlformats.org/drawingml/2006/diagram" xmlns:o="urn:schemas-microsoft-com:office:office" xmlns:v="urn:schemas-microsoft-com:vml" xmlns:pvml="urn:schemas-microsoft-com:office:powerpoint" xmlns:com="http://schemas.openxmlformats.org/drawingml/2006/compatibility" xmlns:p14="http://schemas.microsoft.com/office/powerpoint/2010/main" xmlns:p15="http://schemas.microsoft.com/office/powerpoint/2012/main" xmlns:ahyp="http://schemas.microsoft.com/office/drawing/2018/hyperlinkcolor">
   <p:cSld>
     <p:spTree>
       <p:nvGrpSpPr>
@@ -21547,21 +21670,22 @@
       </p:grpSpPr>
       <p:pic>
         <p:nvPicPr>
-          <p:cNvPr id="69" name="Google Shape;69;p14"/>
+          <p:cNvPr id="69" name="Google Shape;69;p3"/>
           <p:cNvPicPr preferRelativeResize="0"/>
           <p:nvPr/>
         </p:nvPicPr>
-        <p:blipFill rotWithShape="1">
+        <p:blipFill>
           <a:blip r:embed="rId3">
             <a:alphaModFix/>
           </a:blip>
-          <a:srcRect b="0" l="0" r="0" t="0"/>
-          <a:stretch/>
+          <a:stretch>
+            <a:fillRect/>
+          </a:stretch>
         </p:blipFill>
         <p:spPr>
           <a:xfrm>
-            <a:off x="1862975" y="3217800"/>
-            <a:ext cx="4480475" cy="4184812"/>
+            <a:off x="725950" y="2784350"/>
+            <a:ext cx="12136600" cy="6175350"/>
           </a:xfrm>
           <a:prstGeom prst="rect">
             <a:avLst/>
@@ -21572,336 +21696,9 @@
           </a:ln>
         </p:spPr>
       </p:pic>
-      <p:sp>
-        <p:nvSpPr>
-          <p:cNvPr id="70" name="Google Shape;70;p14"/>
-          <p:cNvSpPr txBox="1"/>
-          <p:nvPr>
-            <p:ph idx="1" type="body"/>
-          </p:nvPr>
-        </p:nvSpPr>
-        <p:spPr>
-          <a:xfrm>
-            <a:off x="6412175" y="3077950"/>
-            <a:ext cx="5587200" cy="5369700"/>
-          </a:xfrm>
-          <a:prstGeom prst="rect">
-            <a:avLst/>
-          </a:prstGeom>
-          <a:noFill/>
-          <a:ln>
-            <a:noFill/>
-          </a:ln>
-        </p:spPr>
-        <p:txBody>
-          <a:bodyPr anchorCtr="0" anchor="t" bIns="65000" lIns="129975" spcFirstLastPara="1" rIns="129975" wrap="square" tIns="65000">
-            <a:noAutofit/>
-          </a:bodyPr>
-          <a:lstStyle/>
-          <a:p>
-            <a:pPr indent="0" lvl="0" marL="0" marR="0" rtl="0" algn="l">
-              <a:lnSpc>
-                <a:spcPct val="150000"/>
-              </a:lnSpc>
-              <a:spcBef>
-                <a:spcPts val="800"/>
-              </a:spcBef>
-              <a:spcAft>
-                <a:spcPts val="0"/>
-              </a:spcAft>
-              <a:buSzPts val="3000"/>
-              <a:buNone/>
-            </a:pPr>
-            <a:r>
-              <a:rPr lang="en-US" sz="1200">
-                <a:solidFill>
-                  <a:srgbClr val="000000"/>
-                </a:solidFill>
-              </a:rPr>
-              <a:t>number of portfolio simulations. </a:t>
-            </a:r>
-            <a:r>
-              <a:rPr lang="en-US" sz="1200"/>
-              <a:t>The number of tasks does not necessary divide the total number of simulations</a:t>
-            </a:r>
-            <a:endParaRPr sz="1200">
-              <a:solidFill>
-                <a:srgbClr val="000000"/>
-              </a:solidFill>
-            </a:endParaRPr>
-          </a:p>
-          <a:p>
-            <a:pPr indent="0" lvl="0" marL="0" marR="0" rtl="0" algn="l">
-              <a:lnSpc>
-                <a:spcPct val="150000"/>
-              </a:lnSpc>
-              <a:spcBef>
-                <a:spcPts val="800"/>
-              </a:spcBef>
-              <a:spcAft>
-                <a:spcPts val="0"/>
-              </a:spcAft>
-              <a:buSzPts val="3000"/>
-              <a:buNone/>
-            </a:pPr>
-            <a:r>
-              <a:rPr lang="en-US" sz="1200">
-                <a:solidFill>
-                  <a:srgbClr val="000000"/>
-                </a:solidFill>
-              </a:rPr>
-              <a:t>number of time steps of the portfolio simulations paths, up to the horizon</a:t>
-            </a:r>
-            <a:endParaRPr sz="1200">
-              <a:solidFill>
-                <a:srgbClr val="000000"/>
-              </a:solidFill>
-            </a:endParaRPr>
-          </a:p>
-          <a:p>
-            <a:pPr indent="0" lvl="0" marL="0" marR="0" rtl="0" algn="l">
-              <a:lnSpc>
-                <a:spcPct val="150000"/>
-              </a:lnSpc>
-              <a:spcBef>
-                <a:spcPts val="800"/>
-              </a:spcBef>
-              <a:spcAft>
-                <a:spcPts val="0"/>
-              </a:spcAft>
-              <a:buSzPts val="3000"/>
-              <a:buNone/>
-            </a:pPr>
-            <a:r>
-              <a:rPr lang="en-US" sz="1200">
-                <a:solidFill>
-                  <a:srgbClr val="000000"/>
-                </a:solidFill>
-              </a:rPr>
-              <a:t>horizon. Here time steps are set to 1/255</a:t>
-            </a:r>
-            <a:endParaRPr sz="1200"/>
-          </a:p>
-          <a:p>
-            <a:pPr indent="0" lvl="0" marL="0" marR="0" rtl="0" algn="l">
-              <a:lnSpc>
-                <a:spcPct val="150000"/>
-              </a:lnSpc>
-              <a:spcBef>
-                <a:spcPts val="800"/>
-              </a:spcBef>
-              <a:spcAft>
-                <a:spcPts val="0"/>
-              </a:spcAft>
-              <a:buSzPts val="3000"/>
-              <a:buNone/>
-            </a:pPr>
-            <a:r>
-              <a:rPr lang="en-US" sz="1200"/>
-              <a:t>VaR confidence rate. Here 99%</a:t>
-            </a:r>
-            <a:endParaRPr sz="1200">
-              <a:solidFill>
-                <a:srgbClr val="000000"/>
-              </a:solidFill>
-            </a:endParaRPr>
-          </a:p>
-          <a:p>
-            <a:pPr indent="0" lvl="0" marL="0" marR="0" rtl="0" algn="l">
-              <a:lnSpc>
-                <a:spcPct val="150000"/>
-              </a:lnSpc>
-              <a:spcBef>
-                <a:spcPts val="800"/>
-              </a:spcBef>
-              <a:spcAft>
-                <a:spcPts val="0"/>
-              </a:spcAft>
-              <a:buSzPts val="3000"/>
-              <a:buNone/>
-            </a:pPr>
-            <a:r>
-              <a:rPr lang="en-US" sz="1200">
-                <a:solidFill>
-                  <a:srgbClr val="000000"/>
-                </a:solidFill>
-              </a:rPr>
-              <a:t>number of bins to plot the frequencies bar chart</a:t>
-            </a:r>
-            <a:endParaRPr sz="1200">
-              <a:solidFill>
-                <a:srgbClr val="000000"/>
-              </a:solidFill>
-            </a:endParaRPr>
-          </a:p>
-          <a:p>
-            <a:pPr indent="0" lvl="0" marL="0" marR="0" rtl="0" algn="l">
-              <a:lnSpc>
-                <a:spcPct val="150000"/>
-              </a:lnSpc>
-              <a:spcBef>
-                <a:spcPts val="800"/>
-              </a:spcBef>
-              <a:spcAft>
-                <a:spcPts val="0"/>
-              </a:spcAft>
-              <a:buSzPts val="3000"/>
-              <a:buNone/>
-            </a:pPr>
-            <a:r>
-              <a:rPr lang="en-US" sz="1200">
-                <a:solidFill>
-                  <a:srgbClr val="000000"/>
-                </a:solidFill>
-              </a:rPr>
-              <a:t>file to describe assets params, a line per asset: start price, drift rate (yearly return), volatility rate (yearly return), weight</a:t>
-            </a:r>
-            <a:endParaRPr sz="1200">
-              <a:solidFill>
-                <a:srgbClr val="000000"/>
-              </a:solidFill>
-            </a:endParaRPr>
-          </a:p>
-          <a:p>
-            <a:pPr indent="0" lvl="0" marL="0" marR="0" rtl="0" algn="l">
-              <a:lnSpc>
-                <a:spcPct val="150000"/>
-              </a:lnSpc>
-              <a:spcBef>
-                <a:spcPts val="800"/>
-              </a:spcBef>
-              <a:spcAft>
-                <a:spcPts val="0"/>
-              </a:spcAft>
-              <a:buSzPts val="3000"/>
-              <a:buNone/>
-            </a:pPr>
-            <a:r>
-              <a:rPr lang="en-US" sz="1200">
-                <a:solidFill>
-                  <a:srgbClr val="000000"/>
-                </a:solidFill>
-              </a:rPr>
-              <a:t>correlations matrix of the assets</a:t>
-            </a:r>
-            <a:endParaRPr sz="1200">
-              <a:solidFill>
-                <a:srgbClr val="000000"/>
-              </a:solidFill>
-            </a:endParaRPr>
-          </a:p>
-          <a:p>
-            <a:pPr indent="0" lvl="0" marL="0" marR="0" rtl="0" algn="l">
-              <a:lnSpc>
-                <a:spcPct val="150000"/>
-              </a:lnSpc>
-              <a:spcBef>
-                <a:spcPts val="800"/>
-              </a:spcBef>
-              <a:spcAft>
-                <a:spcPts val="0"/>
-              </a:spcAft>
-              <a:buSzPts val="3000"/>
-              <a:buNone/>
-            </a:pPr>
-            <a:r>
-              <a:rPr lang="en-US" sz="1200">
-                <a:solidFill>
-                  <a:srgbClr val="000000"/>
-                </a:solidFill>
-              </a:rPr>
-              <a:t>number of replicated tasks to parallelize the MC simulations</a:t>
-            </a:r>
-            <a:endParaRPr sz="1200">
-              <a:solidFill>
-                <a:srgbClr val="000000"/>
-              </a:solidFill>
-            </a:endParaRPr>
-          </a:p>
-          <a:p>
-            <a:pPr indent="0" lvl="0" marL="0" marR="0" rtl="0" algn="l">
-              <a:lnSpc>
-                <a:spcPct val="150000"/>
-              </a:lnSpc>
-              <a:spcBef>
-                <a:spcPts val="800"/>
-              </a:spcBef>
-              <a:spcAft>
-                <a:spcPts val="0"/>
-              </a:spcAft>
-              <a:buSzPts val="3000"/>
-              <a:buNone/>
-            </a:pPr>
-            <a:r>
-              <a:rPr lang="en-US" sz="1200">
-                <a:solidFill>
-                  <a:srgbClr val="000000"/>
-                </a:solidFill>
-              </a:rPr>
-              <a:t>width of the generated chart</a:t>
-            </a:r>
-            <a:endParaRPr sz="1200">
-              <a:solidFill>
-                <a:srgbClr val="000000"/>
-              </a:solidFill>
-            </a:endParaRPr>
-          </a:p>
-          <a:p>
-            <a:pPr indent="0" lvl="0" marL="0" marR="0" rtl="0" algn="l">
-              <a:lnSpc>
-                <a:spcPct val="150000"/>
-              </a:lnSpc>
-              <a:spcBef>
-                <a:spcPts val="800"/>
-              </a:spcBef>
-              <a:spcAft>
-                <a:spcPts val="0"/>
-              </a:spcAft>
-              <a:buSzPts val="3000"/>
-              <a:buNone/>
-            </a:pPr>
-            <a:r>
-              <a:rPr lang="en-US" sz="1200">
-                <a:solidFill>
-                  <a:srgbClr val="000000"/>
-                </a:solidFill>
-              </a:rPr>
-              <a:t>height of the generated chart</a:t>
-            </a:r>
-            <a:endParaRPr sz="1200">
-              <a:solidFill>
-                <a:srgbClr val="000000"/>
-              </a:solidFill>
-            </a:endParaRPr>
-          </a:p>
-          <a:p>
-            <a:pPr indent="0" lvl="0" marL="0" marR="0" rtl="0" algn="l">
-              <a:lnSpc>
-                <a:spcPct val="100000"/>
-              </a:lnSpc>
-              <a:spcBef>
-                <a:spcPts val="800"/>
-              </a:spcBef>
-              <a:spcAft>
-                <a:spcPts val="0"/>
-              </a:spcAft>
-              <a:buSzPts val="3000"/>
-              <a:buNone/>
-            </a:pPr>
-            <a:r>
-              <a:t/>
-            </a:r>
-            <a:endParaRPr sz="1200">
-              <a:solidFill>
-                <a:srgbClr val="000000"/>
-              </a:solidFill>
-            </a:endParaRPr>
-          </a:p>
-        </p:txBody>
-      </p:sp>
       <p:pic>
         <p:nvPicPr>
-          <p:cNvPr id="71" name="Google Shape;71;p14"/>
+          <p:cNvPr id="70" name="Google Shape;70;p3"/>
           <p:cNvPicPr preferRelativeResize="0"/>
           <p:nvPr/>
         </p:nvPicPr>
@@ -21914,7 +21711,7 @@
         </p:blipFill>
         <p:spPr>
           <a:xfrm>
-            <a:off x="1653229" y="8631725"/>
+            <a:off x="1653229" y="8860325"/>
             <a:ext cx="2716543" cy="927600"/>
           </a:xfrm>
           <a:prstGeom prst="rect">
@@ -21928,7 +21725,7 @@
       </p:pic>
       <p:pic>
         <p:nvPicPr>
-          <p:cNvPr id="72" name="Google Shape;72;p14"/>
+          <p:cNvPr id="71" name="Google Shape;71;p3"/>
           <p:cNvPicPr preferRelativeResize="0"/>
           <p:nvPr/>
         </p:nvPicPr>
@@ -21941,7 +21738,7 @@
         </p:blipFill>
         <p:spPr>
           <a:xfrm>
-            <a:off x="5449325" y="8651375"/>
+            <a:off x="5449325" y="8956175"/>
             <a:ext cx="684375" cy="735900"/>
           </a:xfrm>
           <a:prstGeom prst="rect">
@@ -21955,14 +21752,16 @@
       </p:pic>
       <p:cxnSp>
         <p:nvCxnSpPr>
-          <p:cNvPr id="73" name="Google Shape;73;p14"/>
-          <p:cNvCxnSpPr/>
+          <p:cNvPr id="72" name="Google Shape;72;p3"/>
+          <p:cNvCxnSpPr>
+            <a:stCxn id="71" idx="0"/>
+          </p:cNvCxnSpPr>
           <p:nvPr/>
         </p:nvCxnSpPr>
         <p:spPr>
           <a:xfrm rot="10800000">
-            <a:off x="5584750" y="6043400"/>
-            <a:ext cx="170400" cy="2604900"/>
+            <a:off x="5052012" y="5307275"/>
+            <a:ext cx="739500" cy="3648900"/>
           </a:xfrm>
           <a:prstGeom prst="straightConnector1">
             <a:avLst/>
@@ -21981,16 +21780,16 @@
       </p:cxnSp>
       <p:cxnSp>
         <p:nvCxnSpPr>
-          <p:cNvPr id="74" name="Google Shape;74;p14"/>
+          <p:cNvPr id="73" name="Google Shape;73;p3"/>
           <p:cNvCxnSpPr>
-            <a:stCxn id="71" idx="0"/>
+            <a:stCxn id="70" idx="0"/>
           </p:cNvCxnSpPr>
           <p:nvPr/>
         </p:nvCxnSpPr>
         <p:spPr>
           <a:xfrm flipH="1" rot="10800000">
-            <a:off x="3011500" y="5623925"/>
-            <a:ext cx="1917600" cy="3007800"/>
+            <a:off x="3011500" y="4907225"/>
+            <a:ext cx="1011900" cy="3953100"/>
           </a:xfrm>
           <a:prstGeom prst="straightConnector1">
             <a:avLst/>
@@ -22009,7 +21808,7 @@
       </p:cxnSp>
       <p:sp>
         <p:nvSpPr>
-          <p:cNvPr id="75" name="Google Shape;75;p14"/>
+          <p:cNvPr id="74" name="Google Shape;74;p3"/>
           <p:cNvSpPr txBox="1"/>
           <p:nvPr>
             <p:ph type="title"/>
@@ -22069,14 +21868,14 @@
       </p:sp>
       <p:sp>
         <p:nvSpPr>
-          <p:cNvPr id="76" name="Google Shape;76;p14"/>
+          <p:cNvPr id="75" name="Google Shape;75;p3"/>
           <p:cNvSpPr txBox="1"/>
           <p:nvPr/>
         </p:nvSpPr>
         <p:spPr>
           <a:xfrm>
             <a:off x="118000" y="1513550"/>
-            <a:ext cx="12585299" cy="1651800"/>
+            <a:ext cx="12585300" cy="1651800"/>
           </a:xfrm>
           <a:prstGeom prst="rect">
             <a:avLst/>
@@ -22142,11 +21941,11 @@
 </file>
 
 <file path=ppt/slides/slide4.xml><?xml version="1.0" encoding="utf-8"?>
-<p:sld xmlns:a="http://schemas.openxmlformats.org/drawingml/2006/main" xmlns:r="http://schemas.openxmlformats.org/officeDocument/2006/relationships" xmlns:mc="http://schemas.openxmlformats.org/markup-compatibility/2006" xmlns:mv="urn:schemas-microsoft-com:mac:vml" xmlns:p="http://schemas.openxmlformats.org/presentationml/2006/main" xmlns:c="http://schemas.openxmlformats.org/drawingml/2006/chart" xmlns:dgm="http://schemas.openxmlformats.org/drawingml/2006/diagram" xmlns:o="urn:schemas-microsoft-com:office:office" xmlns:v="urn:schemas-microsoft-com:vml" xmlns:pvml="urn:schemas-microsoft-com:office:powerpoint" xmlns:com="http://schemas.openxmlformats.org/drawingml/2006/compatibility" xmlns:p14="http://schemas.microsoft.com/office/powerpoint/2010/main" xmlns:p15="http://schemas.microsoft.com/office/powerpoint/2012/main">
+<p:sld xmlns:a="http://schemas.openxmlformats.org/drawingml/2006/main" xmlns:r="http://schemas.openxmlformats.org/officeDocument/2006/relationships" xmlns:mc="http://schemas.openxmlformats.org/markup-compatibility/2006" xmlns:mv="urn:schemas-microsoft-com:mac:vml" xmlns:p="http://schemas.openxmlformats.org/presentationml/2006/main" xmlns:c="http://schemas.openxmlformats.org/drawingml/2006/chart" xmlns:dgm="http://schemas.openxmlformats.org/drawingml/2006/diagram" xmlns:o="urn:schemas-microsoft-com:office:office" xmlns:v="urn:schemas-microsoft-com:vml" xmlns:pvml="urn:schemas-microsoft-com:office:powerpoint" xmlns:com="http://schemas.openxmlformats.org/drawingml/2006/compatibility" xmlns:p14="http://schemas.microsoft.com/office/powerpoint/2010/main" xmlns:p15="http://schemas.microsoft.com/office/powerpoint/2012/main" xmlns:ahyp="http://schemas.microsoft.com/office/drawing/2018/hyperlinkcolor">
   <p:cSld>
     <p:spTree>
       <p:nvGrpSpPr>
-        <p:cNvPr id="80" name="Shape 80"/>
+        <p:cNvPr id="79" name="Shape 79"/>
         <p:cNvGrpSpPr/>
         <p:nvPr/>
       </p:nvGrpSpPr>
@@ -22160,7 +21959,7 @@
       </p:grpSpPr>
       <p:sp>
         <p:nvSpPr>
-          <p:cNvPr id="81" name="Google Shape;81;p15"/>
+          <p:cNvPr id="80" name="Google Shape;80;p4"/>
           <p:cNvSpPr txBox="1"/>
           <p:nvPr/>
         </p:nvSpPr>
@@ -22217,7 +22016,7 @@
       </p:sp>
       <p:sp>
         <p:nvSpPr>
-          <p:cNvPr id="82" name="Google Shape;82;p15"/>
+          <p:cNvPr id="81" name="Google Shape;81;p4"/>
           <p:cNvSpPr txBox="1"/>
           <p:nvPr/>
         </p:nvSpPr>
@@ -22487,7 +22286,7 @@
       </p:sp>
       <p:sp>
         <p:nvSpPr>
-          <p:cNvPr id="83" name="Google Shape;83;p15"/>
+          <p:cNvPr id="82" name="Google Shape;82;p4"/>
           <p:cNvSpPr txBox="1"/>
           <p:nvPr>
             <p:ph type="title"/>
@@ -22547,7 +22346,7 @@
       </p:sp>
       <p:pic>
         <p:nvPicPr>
-          <p:cNvPr id="84" name="Google Shape;84;p15"/>
+          <p:cNvPr id="83" name="Google Shape;83;p4"/>
           <p:cNvPicPr preferRelativeResize="0"/>
           <p:nvPr/>
         </p:nvPicPr>
@@ -22581,11 +22380,11 @@
 </file>
 
 <file path=ppt/slides/slide5.xml><?xml version="1.0" encoding="utf-8"?>
-<p:sld xmlns:a="http://schemas.openxmlformats.org/drawingml/2006/main" xmlns:r="http://schemas.openxmlformats.org/officeDocument/2006/relationships" xmlns:mc="http://schemas.openxmlformats.org/markup-compatibility/2006" xmlns:mv="urn:schemas-microsoft-com:mac:vml" xmlns:p="http://schemas.openxmlformats.org/presentationml/2006/main" xmlns:c="http://schemas.openxmlformats.org/drawingml/2006/chart" xmlns:dgm="http://schemas.openxmlformats.org/drawingml/2006/diagram" xmlns:o="urn:schemas-microsoft-com:office:office" xmlns:v="urn:schemas-microsoft-com:vml" xmlns:pvml="urn:schemas-microsoft-com:office:powerpoint" xmlns:com="http://schemas.openxmlformats.org/drawingml/2006/compatibility" xmlns:p14="http://schemas.microsoft.com/office/powerpoint/2010/main" xmlns:p15="http://schemas.microsoft.com/office/powerpoint/2012/main">
+<p:sld xmlns:a="http://schemas.openxmlformats.org/drawingml/2006/main" xmlns:r="http://schemas.openxmlformats.org/officeDocument/2006/relationships" xmlns:mc="http://schemas.openxmlformats.org/markup-compatibility/2006" xmlns:mv="urn:schemas-microsoft-com:mac:vml" xmlns:p="http://schemas.openxmlformats.org/presentationml/2006/main" xmlns:c="http://schemas.openxmlformats.org/drawingml/2006/chart" xmlns:dgm="http://schemas.openxmlformats.org/drawingml/2006/diagram" xmlns:o="urn:schemas-microsoft-com:office:office" xmlns:v="urn:schemas-microsoft-com:vml" xmlns:pvml="urn:schemas-microsoft-com:office:powerpoint" xmlns:com="http://schemas.openxmlformats.org/drawingml/2006/compatibility" xmlns:p14="http://schemas.microsoft.com/office/powerpoint/2010/main" xmlns:p15="http://schemas.microsoft.com/office/powerpoint/2012/main" xmlns:ahyp="http://schemas.microsoft.com/office/drawing/2018/hyperlinkcolor">
   <p:cSld>
     <p:spTree>
       <p:nvGrpSpPr>
-        <p:cNvPr id="88" name="Shape 88"/>
+        <p:cNvPr id="87" name="Shape 87"/>
         <p:cNvGrpSpPr/>
         <p:nvPr/>
       </p:nvGrpSpPr>
@@ -22599,7 +22398,7 @@
       </p:grpSpPr>
       <p:pic>
         <p:nvPicPr>
-          <p:cNvPr id="89" name="Google Shape;89;p16"/>
+          <p:cNvPr id="88" name="Google Shape;88;p5"/>
           <p:cNvPicPr preferRelativeResize="0"/>
           <p:nvPr/>
         </p:nvPicPr>
@@ -22626,7 +22425,7 @@
       </p:pic>
       <p:pic>
         <p:nvPicPr>
-          <p:cNvPr id="90" name="Google Shape;90;p16"/>
+          <p:cNvPr id="89" name="Google Shape;89;p5"/>
           <p:cNvPicPr preferRelativeResize="0"/>
           <p:nvPr/>
         </p:nvPicPr>
@@ -22653,7 +22452,7 @@
       </p:pic>
       <p:sp>
         <p:nvSpPr>
-          <p:cNvPr id="91" name="Google Shape;91;p16"/>
+          <p:cNvPr id="90" name="Google Shape;90;p5"/>
           <p:cNvSpPr txBox="1"/>
           <p:nvPr>
             <p:ph type="title"/>
@@ -22720,11 +22519,11 @@
 </file>
 
 <file path=ppt/slides/slide6.xml><?xml version="1.0" encoding="utf-8"?>
-<p:sld xmlns:a="http://schemas.openxmlformats.org/drawingml/2006/main" xmlns:r="http://schemas.openxmlformats.org/officeDocument/2006/relationships" xmlns:mc="http://schemas.openxmlformats.org/markup-compatibility/2006" xmlns:mv="urn:schemas-microsoft-com:mac:vml" xmlns:p="http://schemas.openxmlformats.org/presentationml/2006/main" xmlns:c="http://schemas.openxmlformats.org/drawingml/2006/chart" xmlns:dgm="http://schemas.openxmlformats.org/drawingml/2006/diagram" xmlns:o="urn:schemas-microsoft-com:office:office" xmlns:v="urn:schemas-microsoft-com:vml" xmlns:pvml="urn:schemas-microsoft-com:office:powerpoint" xmlns:com="http://schemas.openxmlformats.org/drawingml/2006/compatibility" xmlns:p14="http://schemas.microsoft.com/office/powerpoint/2010/main" xmlns:p15="http://schemas.microsoft.com/office/powerpoint/2012/main">
+<p:sld xmlns:a="http://schemas.openxmlformats.org/drawingml/2006/main" xmlns:r="http://schemas.openxmlformats.org/officeDocument/2006/relationships" xmlns:mc="http://schemas.openxmlformats.org/markup-compatibility/2006" xmlns:mv="urn:schemas-microsoft-com:mac:vml" xmlns:p="http://schemas.openxmlformats.org/presentationml/2006/main" xmlns:c="http://schemas.openxmlformats.org/drawingml/2006/chart" xmlns:dgm="http://schemas.openxmlformats.org/drawingml/2006/diagram" xmlns:o="urn:schemas-microsoft-com:office:office" xmlns:v="urn:schemas-microsoft-com:vml" xmlns:pvml="urn:schemas-microsoft-com:office:powerpoint" xmlns:com="http://schemas.openxmlformats.org/drawingml/2006/compatibility" xmlns:p14="http://schemas.microsoft.com/office/powerpoint/2010/main" xmlns:p15="http://schemas.microsoft.com/office/powerpoint/2012/main" xmlns:ahyp="http://schemas.microsoft.com/office/drawing/2018/hyperlinkcolor">
   <p:cSld>
     <p:spTree>
       <p:nvGrpSpPr>
-        <p:cNvPr id="95" name="Shape 95"/>
+        <p:cNvPr id="94" name="Shape 94"/>
         <p:cNvGrpSpPr/>
         <p:nvPr/>
       </p:nvGrpSpPr>
@@ -22738,16 +22537,16 @@
       </p:grpSpPr>
       <p:sp>
         <p:nvSpPr>
-          <p:cNvPr id="96" name="Google Shape;96;p17"/>
+          <p:cNvPr id="95" name="Google Shape;95;g2031f0e9df4_0_9"/>
           <p:cNvSpPr txBox="1"/>
           <p:nvPr>
-            <p:ph idx="1" type="body"/>
+            <p:ph type="title"/>
           </p:nvPr>
         </p:nvSpPr>
         <p:spPr>
           <a:xfrm>
-            <a:off x="6183575" y="3563013"/>
-            <a:ext cx="5587200" cy="5369700"/>
+            <a:off x="-11" y="368597"/>
+            <a:ext cx="8412600" cy="927600"/>
           </a:xfrm>
           <a:prstGeom prst="rect">
             <a:avLst/>
@@ -22765,353 +22564,26 @@
           <a:p>
             <a:pPr indent="0" lvl="0" marL="0" marR="0" rtl="0" algn="l">
               <a:lnSpc>
-                <a:spcPct val="150000"/>
-              </a:lnSpc>
-              <a:spcBef>
-                <a:spcPts val="800"/>
-              </a:spcBef>
-              <a:spcAft>
-                <a:spcPts val="0"/>
-              </a:spcAft>
-              <a:buSzPts val="3000"/>
+                <a:spcPct val="100000"/>
+              </a:lnSpc>
+              <a:spcBef>
+                <a:spcPts val="0"/>
+              </a:spcBef>
+              <a:spcAft>
+                <a:spcPts val="0"/>
+              </a:spcAft>
+              <a:buClr>
+                <a:srgbClr val="253A65"/>
+              </a:buClr>
+              <a:buSzPts val="1400"/>
+              <a:buFont typeface="Helvetica Neue"/>
               <a:buNone/>
             </a:pPr>
             <a:r>
-              <a:rPr lang="en-US" sz="1200">
-                <a:solidFill>
-                  <a:srgbClr val="000000"/>
-                </a:solidFill>
-              </a:rPr>
-              <a:t>number of portfolio simulations. </a:t>
-            </a:r>
-            <a:r>
-              <a:rPr lang="en-US" sz="1200"/>
-              <a:t>The number of tasks does not necessary divide the total number of simulations</a:t>
-            </a:r>
-            <a:endParaRPr sz="1200">
-              <a:solidFill>
-                <a:srgbClr val="000000"/>
-              </a:solidFill>
-            </a:endParaRPr>
-          </a:p>
-          <a:p>
-            <a:pPr indent="0" lvl="0" marL="0" marR="0" rtl="0" algn="l">
-              <a:lnSpc>
-                <a:spcPct val="150000"/>
-              </a:lnSpc>
-              <a:spcBef>
-                <a:spcPts val="800"/>
-              </a:spcBef>
-              <a:spcAft>
-                <a:spcPts val="0"/>
-              </a:spcAft>
-              <a:buSzPts val="3000"/>
-              <a:buNone/>
-            </a:pPr>
-            <a:r>
-              <a:rPr lang="en-US" sz="1200">
-                <a:solidFill>
-                  <a:srgbClr val="000000"/>
-                </a:solidFill>
-              </a:rPr>
-              <a:t>number of time steps of the portfolio simulations paths, up to the horizon</a:t>
-            </a:r>
-            <a:endParaRPr sz="1200">
-              <a:solidFill>
-                <a:srgbClr val="000000"/>
-              </a:solidFill>
-            </a:endParaRPr>
-          </a:p>
-          <a:p>
-            <a:pPr indent="0" lvl="0" marL="0" marR="0" rtl="0" algn="l">
-              <a:lnSpc>
-                <a:spcPct val="150000"/>
-              </a:lnSpc>
-              <a:spcBef>
-                <a:spcPts val="800"/>
-              </a:spcBef>
-              <a:spcAft>
-                <a:spcPts val="0"/>
-              </a:spcAft>
-              <a:buSzPts val="3000"/>
-              <a:buNone/>
-            </a:pPr>
-            <a:r>
-              <a:rPr lang="en-US" sz="1200">
-                <a:solidFill>
-                  <a:srgbClr val="000000"/>
-                </a:solidFill>
-              </a:rPr>
-              <a:t>horizon. Here time steps are set to 1/255</a:t>
-            </a:r>
-            <a:endParaRPr sz="1200"/>
-          </a:p>
-          <a:p>
-            <a:pPr indent="0" lvl="0" marL="0" marR="0" rtl="0" algn="l">
-              <a:lnSpc>
-                <a:spcPct val="150000"/>
-              </a:lnSpc>
-              <a:spcBef>
-                <a:spcPts val="800"/>
-              </a:spcBef>
-              <a:spcAft>
-                <a:spcPts val="0"/>
-              </a:spcAft>
-              <a:buSzPts val="3000"/>
-              <a:buNone/>
-            </a:pPr>
-            <a:r>
-              <a:rPr lang="en-US" sz="1200"/>
-              <a:t>VaR confidence rate. Here 99%</a:t>
-            </a:r>
-            <a:endParaRPr sz="1200">
-              <a:solidFill>
-                <a:srgbClr val="000000"/>
-              </a:solidFill>
-            </a:endParaRPr>
-          </a:p>
-          <a:p>
-            <a:pPr indent="0" lvl="0" marL="0" marR="0" rtl="0" algn="l">
-              <a:lnSpc>
-                <a:spcPct val="150000"/>
-              </a:lnSpc>
-              <a:spcBef>
-                <a:spcPts val="800"/>
-              </a:spcBef>
-              <a:spcAft>
-                <a:spcPts val="0"/>
-              </a:spcAft>
-              <a:buSzPts val="3000"/>
-              <a:buNone/>
-            </a:pPr>
-            <a:r>
-              <a:rPr lang="en-US" sz="1200">
-                <a:solidFill>
-                  <a:srgbClr val="000000"/>
-                </a:solidFill>
-              </a:rPr>
-              <a:t>number of bins to plot the frequencies bar chart</a:t>
-            </a:r>
-            <a:endParaRPr sz="1200">
-              <a:solidFill>
-                <a:srgbClr val="000000"/>
-              </a:solidFill>
-            </a:endParaRPr>
-          </a:p>
-          <a:p>
-            <a:pPr indent="0" lvl="0" marL="0" marR="0" rtl="0" algn="l">
-              <a:lnSpc>
-                <a:spcPct val="150000"/>
-              </a:lnSpc>
-              <a:spcBef>
-                <a:spcPts val="800"/>
-              </a:spcBef>
-              <a:spcAft>
-                <a:spcPts val="0"/>
-              </a:spcAft>
-              <a:buSzPts val="3000"/>
-              <a:buNone/>
-            </a:pPr>
-            <a:r>
-              <a:rPr lang="en-US" sz="1200">
-                <a:solidFill>
-                  <a:srgbClr val="000000"/>
-                </a:solidFill>
-              </a:rPr>
-              <a:t>file to describe assets params, a line per asset: start price, drift rate (yearly return), volatility rate (yearly return), weight</a:t>
-            </a:r>
-            <a:endParaRPr sz="1200">
-              <a:solidFill>
-                <a:srgbClr val="000000"/>
-              </a:solidFill>
-            </a:endParaRPr>
-          </a:p>
-          <a:p>
-            <a:pPr indent="0" lvl="0" marL="0" marR="0" rtl="0" algn="l">
-              <a:lnSpc>
-                <a:spcPct val="150000"/>
-              </a:lnSpc>
-              <a:spcBef>
-                <a:spcPts val="800"/>
-              </a:spcBef>
-              <a:spcAft>
-                <a:spcPts val="0"/>
-              </a:spcAft>
-              <a:buSzPts val="3000"/>
-              <a:buNone/>
-            </a:pPr>
-            <a:r>
-              <a:rPr lang="en-US" sz="1200">
-                <a:solidFill>
-                  <a:srgbClr val="000000"/>
-                </a:solidFill>
-              </a:rPr>
-              <a:t>correlations matrix of the assets</a:t>
-            </a:r>
-            <a:endParaRPr sz="1200">
-              <a:solidFill>
-                <a:srgbClr val="000000"/>
-              </a:solidFill>
-            </a:endParaRPr>
-          </a:p>
-          <a:p>
-            <a:pPr indent="0" lvl="0" marL="0" marR="0" rtl="0" algn="l">
-              <a:lnSpc>
-                <a:spcPct val="150000"/>
-              </a:lnSpc>
-              <a:spcBef>
-                <a:spcPts val="800"/>
-              </a:spcBef>
-              <a:spcAft>
-                <a:spcPts val="0"/>
-              </a:spcAft>
-              <a:buSzPts val="3000"/>
-              <a:buNone/>
-            </a:pPr>
-            <a:r>
-              <a:rPr lang="en-US" sz="1200">
-                <a:solidFill>
-                  <a:srgbClr val="000000"/>
-                </a:solidFill>
-              </a:rPr>
-              <a:t>number of replicated tasks per VaR  to parallelize the MC simulations</a:t>
-            </a:r>
-            <a:endParaRPr sz="1200">
-              <a:solidFill>
-                <a:srgbClr val="000000"/>
-              </a:solidFill>
-            </a:endParaRPr>
-          </a:p>
-          <a:p>
-            <a:pPr indent="0" lvl="0" marL="0" marR="0" rtl="0" algn="l">
-              <a:lnSpc>
-                <a:spcPct val="150000"/>
-              </a:lnSpc>
-              <a:spcBef>
-                <a:spcPts val="800"/>
-              </a:spcBef>
-              <a:spcAft>
-                <a:spcPts val="0"/>
-              </a:spcAft>
-              <a:buSzPts val="3000"/>
-              <a:buNone/>
-            </a:pPr>
-            <a:r>
-              <a:rPr lang="en-US" sz="1200">
-                <a:solidFill>
-                  <a:srgbClr val="000000"/>
-                </a:solidFill>
-              </a:rPr>
-              <a:t>width of the generated chart</a:t>
-            </a:r>
-            <a:endParaRPr sz="1200">
-              <a:solidFill>
-                <a:srgbClr val="000000"/>
-              </a:solidFill>
-            </a:endParaRPr>
-          </a:p>
-          <a:p>
-            <a:pPr indent="0" lvl="0" marL="0" marR="0" rtl="0" algn="l">
-              <a:lnSpc>
-                <a:spcPct val="150000"/>
-              </a:lnSpc>
-              <a:spcBef>
-                <a:spcPts val="800"/>
-              </a:spcBef>
-              <a:spcAft>
-                <a:spcPts val="0"/>
-              </a:spcAft>
-              <a:buSzPts val="3000"/>
-              <a:buNone/>
-            </a:pPr>
-            <a:r>
-              <a:rPr lang="en-US" sz="1200">
-                <a:solidFill>
-                  <a:srgbClr val="000000"/>
-                </a:solidFill>
-              </a:rPr>
-              <a:t>height of the generated chart</a:t>
-            </a:r>
-            <a:endParaRPr sz="1200">
-              <a:solidFill>
-                <a:srgbClr val="000000"/>
-              </a:solidFill>
-            </a:endParaRPr>
-          </a:p>
-          <a:p>
-            <a:pPr indent="0" lvl="0" marL="0" marR="0" rtl="0" algn="l">
-              <a:lnSpc>
-                <a:spcPct val="100000"/>
-              </a:lnSpc>
-              <a:spcBef>
-                <a:spcPts val="800"/>
-              </a:spcBef>
-              <a:spcAft>
-                <a:spcPts val="0"/>
-              </a:spcAft>
-              <a:buSzPts val="3000"/>
-              <a:buNone/>
-            </a:pPr>
-            <a:r>
-              <a:t/>
-            </a:r>
-            <a:endParaRPr sz="1200">
-              <a:solidFill>
-                <a:srgbClr val="000000"/>
-              </a:solidFill>
-            </a:endParaRPr>
-          </a:p>
-        </p:txBody>
-      </p:sp>
-      <p:sp>
-        <p:nvSpPr>
-          <p:cNvPr id="97" name="Google Shape;97;p17"/>
-          <p:cNvSpPr txBox="1"/>
-          <p:nvPr>
-            <p:ph type="title"/>
-          </p:nvPr>
-        </p:nvSpPr>
-        <p:spPr>
-          <a:xfrm>
-            <a:off x="-65550" y="434125"/>
-            <a:ext cx="8547600" cy="927600"/>
-          </a:xfrm>
-          <a:prstGeom prst="rect">
-            <a:avLst/>
-          </a:prstGeom>
-          <a:noFill/>
-          <a:ln>
-            <a:noFill/>
-          </a:ln>
-        </p:spPr>
-        <p:txBody>
-          <a:bodyPr anchorCtr="0" anchor="t" bIns="65000" lIns="129975" spcFirstLastPara="1" rIns="129975" wrap="square" tIns="65000">
-            <a:noAutofit/>
-          </a:bodyPr>
-          <a:lstStyle/>
-          <a:p>
-            <a:pPr indent="0" lvl="0" marL="0" marR="0" rtl="0" algn="l">
-              <a:lnSpc>
-                <a:spcPct val="100000"/>
-              </a:lnSpc>
-              <a:spcBef>
-                <a:spcPts val="0"/>
-              </a:spcBef>
-              <a:spcAft>
-                <a:spcPts val="0"/>
-              </a:spcAft>
-              <a:buClr>
-                <a:srgbClr val="253A65"/>
-              </a:buClr>
-              <a:buSzPts val="1400"/>
-              <a:buFont typeface="Helvetica Neue"/>
-              <a:buNone/>
-            </a:pPr>
-            <a:r>
-              <a:rPr lang="en-US" sz="2400"/>
-              <a:t>incremental_Monte_Carlo_VaR_each_portfolio_asset.xml</a:t>
-            </a:r>
-            <a:endParaRPr b="1" i="0" sz="2400" u="none" cap="none" strike="noStrike">
+              <a:rPr lang="en-US" sz="2600"/>
+              <a:t>Monte_Carlo_VaR_portfolio_Interactive_Control.xml</a:t>
+            </a:r>
+            <a:endParaRPr b="1" i="0" sz="2600" u="none" cap="none" strike="noStrike">
               <a:solidFill>
                 <a:srgbClr val="253A65"/>
               </a:solidFill>
@@ -23123,16 +22595,24 @@
           </a:p>
         </p:txBody>
       </p:sp>
-      <p:sp>
-        <p:nvSpPr>
-          <p:cNvPr id="98" name="Google Shape;98;p17"/>
-          <p:cNvSpPr txBox="1"/>
+      <p:pic>
+        <p:nvPicPr>
+          <p:cNvPr id="96" name="Google Shape;96;g2031f0e9df4_0_9"/>
+          <p:cNvPicPr preferRelativeResize="0"/>
           <p:nvPr/>
-        </p:nvSpPr>
+        </p:nvPicPr>
+        <p:blipFill>
+          <a:blip r:embed="rId3">
+            <a:alphaModFix/>
+          </a:blip>
+          <a:stretch>
+            <a:fillRect/>
+          </a:stretch>
+        </p:blipFill>
         <p:spPr>
           <a:xfrm>
-            <a:off x="736475" y="1494500"/>
-            <a:ext cx="11720100" cy="2123700"/>
+            <a:off x="454413" y="2706650"/>
+            <a:ext cx="12324567" cy="3142600"/>
           </a:xfrm>
           <a:prstGeom prst="rect">
             <a:avLst/>
@@ -23142,8 +22622,28 @@
             <a:noFill/>
           </a:ln>
         </p:spPr>
+      </p:pic>
+      <p:sp>
+        <p:nvSpPr>
+          <p:cNvPr id="97" name="Google Shape;97;g2031f0e9df4_0_9"/>
+          <p:cNvSpPr txBox="1"/>
+          <p:nvPr/>
+        </p:nvSpPr>
+        <p:spPr>
+          <a:xfrm>
+            <a:off x="784525" y="1660350"/>
+            <a:ext cx="11220600" cy="927600"/>
+          </a:xfrm>
+          <a:prstGeom prst="rect">
+            <a:avLst/>
+          </a:prstGeom>
+          <a:noFill/>
+          <a:ln>
+            <a:noFill/>
+          </a:ln>
+        </p:spPr>
         <p:txBody>
-          <a:bodyPr anchorCtr="0" anchor="ctr" bIns="91425" lIns="91425" spcFirstLastPara="1" rIns="91425" wrap="square" tIns="91425">
+          <a:bodyPr anchorCtr="0" anchor="t" bIns="91425" lIns="91425" spcFirstLastPara="1" rIns="91425" wrap="square" tIns="91425">
             <a:noAutofit/>
           </a:bodyPr>
           <a:lstStyle/>
@@ -23153,31 +22653,23 @@
                 <a:spcPct val="100000"/>
               </a:lnSpc>
               <a:spcBef>
-                <a:spcPts val="800"/>
-              </a:spcBef>
-              <a:spcAft>
-                <a:spcPts val="0"/>
-              </a:spcAft>
-              <a:buClr>
-                <a:srgbClr val="000000"/>
-              </a:buClr>
-              <a:buSzPts val="2000"/>
+                <a:spcPts val="0"/>
+              </a:spcBef>
+              <a:spcAft>
+                <a:spcPts val="0"/>
+              </a:spcAft>
+              <a:buClr>
+                <a:srgbClr val="000000"/>
+              </a:buClr>
+              <a:buSzPts val="1800"/>
               <a:buFont typeface="Arial"/>
               <a:buNone/>
             </a:pPr>
             <a:r>
-              <a:rPr b="0" i="0" lang="en-US" sz="2000" u="none" cap="none" strike="noStrike">
-                <a:solidFill>
-                  <a:schemeClr val="dk1"/>
-                </a:solidFill>
-                <a:latin typeface="Helvetica Neue"/>
-                <a:ea typeface="Helvetica Neue"/>
-                <a:cs typeface="Helvetica Neue"/>
-                <a:sym typeface="Helvetica Neue"/>
-              </a:rPr>
-              <a:t>Estimates the incremental VaR (iVaR) for each asset of the portfolio. iVaR quantifies the risk a position (or sub-portfolio) is adding to a portfolio. For instance, the iVaR related to an asset Y, is the difference between the portfolio VaR with and without Y.</a:t>
-            </a:r>
-            <a:endParaRPr b="0" i="0" sz="2000" u="none" cap="none" strike="noStrike">
+              <a:rPr lang="en-US" sz="1800"/>
+              <a:t>The interactive version of the Monte_Carlo_VaR_portfolio workflow allows the user to relaunch it to add more MC simulations for a more accurate VaR. The estimated VaR can be “refined incrementally.”</a:t>
+            </a:r>
+            <a:endParaRPr b="0" i="0" sz="1800" u="none" cap="none" strike="noStrike">
               <a:solidFill>
                 <a:srgbClr val="000000"/>
               </a:solidFill>
@@ -23191,21 +22683,22 @@
       </p:sp>
       <p:pic>
         <p:nvPicPr>
-          <p:cNvPr id="99" name="Google Shape;99;p17"/>
+          <p:cNvPr id="98" name="Google Shape;98;g2031f0e9df4_0_9"/>
           <p:cNvPicPr preferRelativeResize="0"/>
           <p:nvPr/>
         </p:nvPicPr>
-        <p:blipFill rotWithShape="1">
-          <a:blip r:embed="rId3">
+        <p:blipFill>
+          <a:blip r:embed="rId4">
             <a:alphaModFix/>
           </a:blip>
-          <a:srcRect b="0" l="0" r="0" t="0"/>
-          <a:stretch/>
+          <a:stretch>
+            <a:fillRect/>
+          </a:stretch>
         </p:blipFill>
         <p:spPr>
           <a:xfrm>
-            <a:off x="1201175" y="3691950"/>
-            <a:ext cx="4683300" cy="4331175"/>
+            <a:off x="0" y="7259705"/>
+            <a:ext cx="13004798" cy="2398645"/>
           </a:xfrm>
           <a:prstGeom prst="rect">
             <a:avLst/>
@@ -23216,6 +22709,64 @@
           </a:ln>
         </p:spPr>
       </p:pic>
+      <p:sp>
+        <p:nvSpPr>
+          <p:cNvPr id="99" name="Google Shape;99;g2031f0e9df4_0_9"/>
+          <p:cNvSpPr txBox="1"/>
+          <p:nvPr/>
+        </p:nvSpPr>
+        <p:spPr>
+          <a:xfrm>
+            <a:off x="574975" y="6522600"/>
+            <a:ext cx="11430300" cy="927600"/>
+          </a:xfrm>
+          <a:prstGeom prst="rect">
+            <a:avLst/>
+          </a:prstGeom>
+          <a:noFill/>
+          <a:ln>
+            <a:noFill/>
+          </a:ln>
+        </p:spPr>
+        <p:txBody>
+          <a:bodyPr anchorCtr="0" anchor="t" bIns="91425" lIns="91425" spcFirstLastPara="1" rIns="91425" wrap="square" tIns="91425">
+            <a:noAutofit/>
+          </a:bodyPr>
+          <a:lstStyle/>
+          <a:p>
+            <a:pPr indent="0" lvl="0" marL="0" marR="0" rtl="0" algn="l">
+              <a:lnSpc>
+                <a:spcPct val="100000"/>
+              </a:lnSpc>
+              <a:spcBef>
+                <a:spcPts val="0"/>
+              </a:spcBef>
+              <a:spcAft>
+                <a:spcPts val="0"/>
+              </a:spcAft>
+              <a:buClr>
+                <a:srgbClr val="000000"/>
+              </a:buClr>
+              <a:buSzPts val="1800"/>
+              <a:buFont typeface="Arial"/>
+              <a:buNone/>
+            </a:pPr>
+            <a:r>
+              <a:rPr lang="en-US" sz="1800"/>
+              <a:t>The user will be asked to specify the new MC simulation number to be aggregated to the VaR estimation.  </a:t>
+            </a:r>
+            <a:endParaRPr b="0" i="0" sz="1800" u="none" cap="none" strike="noStrike">
+              <a:solidFill>
+                <a:srgbClr val="000000"/>
+              </a:solidFill>
+              <a:latin typeface="Arial"/>
+              <a:ea typeface="Arial"/>
+              <a:cs typeface="Arial"/>
+              <a:sym typeface="Arial"/>
+            </a:endParaRPr>
+          </a:p>
+        </p:txBody>
+      </p:sp>
     </p:spTree>
   </p:cSld>
   <p:clrMapOvr>
@@ -23225,7 +22776,7 @@
 </file>
 
 <file path=ppt/slides/slide7.xml><?xml version="1.0" encoding="utf-8"?>
-<p:sld xmlns:a="http://schemas.openxmlformats.org/drawingml/2006/main" xmlns:r="http://schemas.openxmlformats.org/officeDocument/2006/relationships" xmlns:mc="http://schemas.openxmlformats.org/markup-compatibility/2006" xmlns:mv="urn:schemas-microsoft-com:mac:vml" xmlns:p="http://schemas.openxmlformats.org/presentationml/2006/main" xmlns:c="http://schemas.openxmlformats.org/drawingml/2006/chart" xmlns:dgm="http://schemas.openxmlformats.org/drawingml/2006/diagram" xmlns:o="urn:schemas-microsoft-com:office:office" xmlns:v="urn:schemas-microsoft-com:vml" xmlns:pvml="urn:schemas-microsoft-com:office:powerpoint" xmlns:com="http://schemas.openxmlformats.org/drawingml/2006/compatibility" xmlns:p14="http://schemas.microsoft.com/office/powerpoint/2010/main" xmlns:p15="http://schemas.microsoft.com/office/powerpoint/2012/main">
+<p:sld xmlns:a="http://schemas.openxmlformats.org/drawingml/2006/main" xmlns:r="http://schemas.openxmlformats.org/officeDocument/2006/relationships" xmlns:mc="http://schemas.openxmlformats.org/markup-compatibility/2006" xmlns:mv="urn:schemas-microsoft-com:mac:vml" xmlns:p="http://schemas.openxmlformats.org/presentationml/2006/main" xmlns:c="http://schemas.openxmlformats.org/drawingml/2006/chart" xmlns:dgm="http://schemas.openxmlformats.org/drawingml/2006/diagram" xmlns:o="urn:schemas-microsoft-com:office:office" xmlns:v="urn:schemas-microsoft-com:vml" xmlns:pvml="urn:schemas-microsoft-com:office:powerpoint" xmlns:com="http://schemas.openxmlformats.org/drawingml/2006/compatibility" xmlns:p14="http://schemas.microsoft.com/office/powerpoint/2010/main" xmlns:p15="http://schemas.microsoft.com/office/powerpoint/2012/main" xmlns:ahyp="http://schemas.microsoft.com/office/drawing/2018/hyperlinkcolor">
   <p:cSld>
     <p:spTree>
       <p:nvGrpSpPr>
@@ -23243,14 +22794,16 @@
       </p:grpSpPr>
       <p:sp>
         <p:nvSpPr>
-          <p:cNvPr id="104" name="Google Shape;104;p18"/>
+          <p:cNvPr id="104" name="Google Shape;104;p6"/>
           <p:cNvSpPr txBox="1"/>
-          <p:nvPr/>
+          <p:nvPr>
+            <p:ph type="title"/>
+          </p:nvPr>
         </p:nvSpPr>
         <p:spPr>
           <a:xfrm>
-            <a:off x="1920125" y="2582825"/>
-            <a:ext cx="7493700" cy="4825800"/>
+            <a:off x="-65550" y="434125"/>
+            <a:ext cx="8547600" cy="927600"/>
           </a:xfrm>
           <a:prstGeom prst="rect">
             <a:avLst/>
@@ -23261,7 +22814,7 @@
           </a:ln>
         </p:spPr>
         <p:txBody>
-          <a:bodyPr anchorCtr="0" anchor="t" bIns="91425" lIns="91425" spcFirstLastPara="1" rIns="91425" wrap="square" tIns="91425">
+          <a:bodyPr anchorCtr="0" anchor="t" bIns="65000" lIns="129975" spcFirstLastPara="1" rIns="129975" wrap="square" tIns="65000">
             <a:noAutofit/>
           </a:bodyPr>
           <a:lstStyle/>
@@ -23277,18 +22830,19 @@
                 <a:spcPts val="0"/>
               </a:spcAft>
               <a:buClr>
-                <a:srgbClr val="000000"/>
-              </a:buClr>
-              <a:buSzPts val="1400"/>
-              <a:buFont typeface="Arial"/>
+                <a:srgbClr val="253A65"/>
+              </a:buClr>
+              <a:buSzPts val="1400"/>
+              <a:buFont typeface="Helvetica Neue"/>
               <a:buNone/>
             </a:pPr>
             <a:r>
-              <a:t/>
-            </a:r>
-            <a:endParaRPr b="0" i="0" sz="1400" u="none" cap="none" strike="noStrike">
+              <a:rPr lang="en-US" sz="2400"/>
+              <a:t>incremental_Monte_Carlo_VaR_each_portfolio_asset.xml</a:t>
+            </a:r>
+            <a:endParaRPr b="1" i="0" sz="2400" u="none" cap="none" strike="noStrike">
               <a:solidFill>
-                <a:srgbClr val="000000"/>
+                <a:srgbClr val="253A65"/>
               </a:solidFill>
               <a:latin typeface="Helvetica Neue"/>
               <a:ea typeface="Helvetica Neue"/>
@@ -23300,14 +22854,190 @@
       </p:sp>
       <p:sp>
         <p:nvSpPr>
-          <p:cNvPr id="105" name="Google Shape;105;p18"/>
+          <p:cNvPr id="105" name="Google Shape;105;p6"/>
           <p:cNvSpPr txBox="1"/>
           <p:nvPr/>
         </p:nvSpPr>
         <p:spPr>
           <a:xfrm>
-            <a:off x="162750" y="1716200"/>
-            <a:ext cx="5182800" cy="7918500"/>
+            <a:off x="736475" y="1494500"/>
+            <a:ext cx="11720100" cy="2123700"/>
+          </a:xfrm>
+          <a:prstGeom prst="rect">
+            <a:avLst/>
+          </a:prstGeom>
+          <a:noFill/>
+          <a:ln>
+            <a:noFill/>
+          </a:ln>
+        </p:spPr>
+        <p:txBody>
+          <a:bodyPr anchorCtr="0" anchor="ctr" bIns="91425" lIns="91425" spcFirstLastPara="1" rIns="91425" wrap="square" tIns="91425">
+            <a:noAutofit/>
+          </a:bodyPr>
+          <a:lstStyle/>
+          <a:p>
+            <a:pPr indent="0" lvl="0" marL="0" marR="0" rtl="0" algn="l">
+              <a:lnSpc>
+                <a:spcPct val="100000"/>
+              </a:lnSpc>
+              <a:spcBef>
+                <a:spcPts val="800"/>
+              </a:spcBef>
+              <a:spcAft>
+                <a:spcPts val="0"/>
+              </a:spcAft>
+              <a:buClr>
+                <a:srgbClr val="000000"/>
+              </a:buClr>
+              <a:buSzPts val="2000"/>
+              <a:buFont typeface="Arial"/>
+              <a:buNone/>
+            </a:pPr>
+            <a:r>
+              <a:rPr b="0" i="0" lang="en-US" sz="2000" u="none" cap="none" strike="noStrike">
+                <a:solidFill>
+                  <a:schemeClr val="dk1"/>
+                </a:solidFill>
+                <a:latin typeface="Helvetica Neue"/>
+                <a:ea typeface="Helvetica Neue"/>
+                <a:cs typeface="Helvetica Neue"/>
+                <a:sym typeface="Helvetica Neue"/>
+              </a:rPr>
+              <a:t>Estimates the incremental VaR (iVaR) for each asset of the portfolio. iVaR quantifies the risk a position (or sub-portfolio) is adding to a portfolio. For instance, the iVaR related to an asset Y, is the difference between the portfolio VaR with and without Y.</a:t>
+            </a:r>
+            <a:endParaRPr b="0" i="0" sz="2000" u="none" cap="none" strike="noStrike">
+              <a:solidFill>
+                <a:srgbClr val="000000"/>
+              </a:solidFill>
+              <a:latin typeface="Arial"/>
+              <a:ea typeface="Arial"/>
+              <a:cs typeface="Arial"/>
+              <a:sym typeface="Arial"/>
+            </a:endParaRPr>
+          </a:p>
+        </p:txBody>
+      </p:sp>
+      <p:pic>
+        <p:nvPicPr>
+          <p:cNvPr id="106" name="Google Shape;106;p6"/>
+          <p:cNvPicPr preferRelativeResize="0"/>
+          <p:nvPr/>
+        </p:nvPicPr>
+        <p:blipFill>
+          <a:blip r:embed="rId3">
+            <a:alphaModFix/>
+          </a:blip>
+          <a:stretch>
+            <a:fillRect/>
+          </a:stretch>
+        </p:blipFill>
+        <p:spPr>
+          <a:xfrm>
+            <a:off x="350313" y="3618197"/>
+            <a:ext cx="12304174" cy="5834852"/>
+          </a:xfrm>
+          <a:prstGeom prst="rect">
+            <a:avLst/>
+          </a:prstGeom>
+          <a:noFill/>
+          <a:ln>
+            <a:noFill/>
+          </a:ln>
+        </p:spPr>
+      </p:pic>
+    </p:spTree>
+  </p:cSld>
+  <p:clrMapOvr>
+    <a:masterClrMapping/>
+  </p:clrMapOvr>
+</p:sld>
+</file>
+
+<file path=ppt/slides/slide8.xml><?xml version="1.0" encoding="utf-8"?>
+<p:sld xmlns:a="http://schemas.openxmlformats.org/drawingml/2006/main" xmlns:r="http://schemas.openxmlformats.org/officeDocument/2006/relationships" xmlns:mc="http://schemas.openxmlformats.org/markup-compatibility/2006" xmlns:mv="urn:schemas-microsoft-com:mac:vml" xmlns:p="http://schemas.openxmlformats.org/presentationml/2006/main" xmlns:c="http://schemas.openxmlformats.org/drawingml/2006/chart" xmlns:dgm="http://schemas.openxmlformats.org/drawingml/2006/diagram" xmlns:o="urn:schemas-microsoft-com:office:office" xmlns:v="urn:schemas-microsoft-com:vml" xmlns:pvml="urn:schemas-microsoft-com:office:powerpoint" xmlns:com="http://schemas.openxmlformats.org/drawingml/2006/compatibility" xmlns:p14="http://schemas.microsoft.com/office/powerpoint/2010/main" xmlns:p15="http://schemas.microsoft.com/office/powerpoint/2012/main" xmlns:ahyp="http://schemas.microsoft.com/office/drawing/2018/hyperlinkcolor">
+  <p:cSld>
+    <p:spTree>
+      <p:nvGrpSpPr>
+        <p:cNvPr id="110" name="Shape 110"/>
+        <p:cNvGrpSpPr/>
+        <p:nvPr/>
+      </p:nvGrpSpPr>
+      <p:grpSpPr>
+        <a:xfrm>
+          <a:off x="0" y="0"/>
+          <a:ext cx="0" cy="0"/>
+          <a:chOff x="0" y="0"/>
+          <a:chExt cx="0" cy="0"/>
+        </a:xfrm>
+      </p:grpSpPr>
+      <p:sp>
+        <p:nvSpPr>
+          <p:cNvPr id="111" name="Google Shape;111;p7"/>
+          <p:cNvSpPr txBox="1"/>
+          <p:nvPr/>
+        </p:nvSpPr>
+        <p:spPr>
+          <a:xfrm>
+            <a:off x="1920125" y="2582825"/>
+            <a:ext cx="7493700" cy="4825800"/>
+          </a:xfrm>
+          <a:prstGeom prst="rect">
+            <a:avLst/>
+          </a:prstGeom>
+          <a:noFill/>
+          <a:ln>
+            <a:noFill/>
+          </a:ln>
+        </p:spPr>
+        <p:txBody>
+          <a:bodyPr anchorCtr="0" anchor="t" bIns="91425" lIns="91425" spcFirstLastPara="1" rIns="91425" wrap="square" tIns="91425">
+            <a:noAutofit/>
+          </a:bodyPr>
+          <a:lstStyle/>
+          <a:p>
+            <a:pPr indent="0" lvl="0" marL="0" marR="0" rtl="0" algn="l">
+              <a:lnSpc>
+                <a:spcPct val="100000"/>
+              </a:lnSpc>
+              <a:spcBef>
+                <a:spcPts val="0"/>
+              </a:spcBef>
+              <a:spcAft>
+                <a:spcPts val="0"/>
+              </a:spcAft>
+              <a:buClr>
+                <a:srgbClr val="000000"/>
+              </a:buClr>
+              <a:buSzPts val="1400"/>
+              <a:buFont typeface="Arial"/>
+              <a:buNone/>
+            </a:pPr>
+            <a:r>
+              <a:t/>
+            </a:r>
+            <a:endParaRPr b="0" i="0" sz="1400" u="none" cap="none" strike="noStrike">
+              <a:solidFill>
+                <a:srgbClr val="000000"/>
+              </a:solidFill>
+              <a:latin typeface="Helvetica Neue"/>
+              <a:ea typeface="Helvetica Neue"/>
+              <a:cs typeface="Helvetica Neue"/>
+              <a:sym typeface="Helvetica Neue"/>
+            </a:endParaRPr>
+          </a:p>
+        </p:txBody>
+      </p:sp>
+      <p:sp>
+        <p:nvSpPr>
+          <p:cNvPr id="112" name="Google Shape;112;p7"/>
+          <p:cNvSpPr txBox="1"/>
+          <p:nvPr/>
+        </p:nvSpPr>
+        <p:spPr>
+          <a:xfrm>
+            <a:off x="-65550" y="1981200"/>
+            <a:ext cx="5605500" cy="7517100"/>
           </a:xfrm>
           <a:prstGeom prst="rect">
             <a:avLst/>
@@ -23549,25 +23279,35 @@
             </a:endParaRPr>
           </a:p>
           <a:p>
-            <a:pPr indent="0" lvl="0" marL="0" marR="0" rtl="0" algn="r">
-              <a:lnSpc>
-                <a:spcPct val="100000"/>
-              </a:lnSpc>
-              <a:spcBef>
-                <a:spcPts val="0"/>
-              </a:spcBef>
-              <a:spcAft>
-                <a:spcPts val="0"/>
-              </a:spcAft>
-              <a:buClr>
-                <a:srgbClr val="000000"/>
+            <a:pPr indent="0" lvl="0" marL="0" rtl="0" algn="r">
+              <a:spcBef>
+                <a:spcPts val="0"/>
+              </a:spcBef>
+              <a:spcAft>
+                <a:spcPts val="0"/>
+              </a:spcAft>
+              <a:buClr>
+                <a:schemeClr val="dk1"/>
               </a:buClr>
               <a:buSzPts val="1400"/>
               <a:buFont typeface="Arial"/>
               <a:buNone/>
             </a:pPr>
             <a:r>
-              <a:t/>
+              <a:rPr lang="en-US">
+                <a:solidFill>
+                  <a:schemeClr val="dk1"/>
+                </a:solidFill>
+              </a:rPr>
+              <a:t>(left branch) A </a:t>
+            </a:r>
+            <a:r>
+              <a:rPr lang="en-US">
+                <a:solidFill>
+                  <a:schemeClr val="dk1"/>
+                </a:solidFill>
+              </a:rPr>
+              <a:t>task submitting the Monte_Carlo_VaR_portfolio wkw by considering all assets specified by the user</a:t>
             </a:r>
             <a:endParaRPr b="0" i="0" sz="1400" u="none" cap="none" strike="noStrike">
               <a:solidFill>
@@ -23598,6 +23338,83 @@
               <a:buNone/>
             </a:pPr>
             <a:r>
+              <a:t/>
+            </a:r>
+            <a:endParaRPr b="1"/>
+          </a:p>
+          <a:p>
+            <a:pPr indent="0" lvl="0" marL="0" marR="0" rtl="0" algn="r">
+              <a:lnSpc>
+                <a:spcPct val="100000"/>
+              </a:lnSpc>
+              <a:spcBef>
+                <a:spcPts val="0"/>
+              </a:spcBef>
+              <a:spcAft>
+                <a:spcPts val="0"/>
+              </a:spcAft>
+              <a:buClr>
+                <a:srgbClr val="000000"/>
+              </a:buClr>
+              <a:buSzPts val="1400"/>
+              <a:buFont typeface="Arial"/>
+              <a:buNone/>
+            </a:pPr>
+            <a:r>
+              <a:t/>
+            </a:r>
+            <a:endParaRPr b="1"/>
+          </a:p>
+          <a:p>
+            <a:pPr indent="0" lvl="0" marL="0" marR="0" rtl="0" algn="r">
+              <a:lnSpc>
+                <a:spcPct val="100000"/>
+              </a:lnSpc>
+              <a:spcBef>
+                <a:spcPts val="0"/>
+              </a:spcBef>
+              <a:spcAft>
+                <a:spcPts val="0"/>
+              </a:spcAft>
+              <a:buClr>
+                <a:srgbClr val="000000"/>
+              </a:buClr>
+              <a:buSzPts val="1400"/>
+              <a:buFont typeface="Arial"/>
+              <a:buNone/>
+            </a:pPr>
+            <a:r>
+              <a:t/>
+            </a:r>
+            <a:endParaRPr b="1"/>
+          </a:p>
+          <a:p>
+            <a:pPr indent="0" lvl="0" marL="0" marR="0" rtl="0" algn="r">
+              <a:lnSpc>
+                <a:spcPct val="100000"/>
+              </a:lnSpc>
+              <a:spcBef>
+                <a:spcPts val="0"/>
+              </a:spcBef>
+              <a:spcAft>
+                <a:spcPts val="0"/>
+              </a:spcAft>
+              <a:buClr>
+                <a:srgbClr val="000000"/>
+              </a:buClr>
+              <a:buSzPts val="1400"/>
+              <a:buFont typeface="Arial"/>
+              <a:buNone/>
+            </a:pPr>
+            <a:r>
+              <a:rPr lang="en-US"/>
+              <a:t>(right branch)</a:t>
+            </a:r>
+            <a:r>
+              <a:rPr b="1" lang="en-US"/>
+              <a:t> </a:t>
+            </a:r>
+            <a:r>
               <a:rPr b="1" i="0" lang="en-US" sz="1400" u="none" cap="none" strike="noStrike">
                 <a:solidFill>
                   <a:srgbClr val="000000"/>
@@ -23721,38 +23538,79 @@
                 <a:cs typeface="Arial"/>
                 <a:sym typeface="Arial"/>
               </a:rPr>
-              <a:t>       Each replicated task instanciates an assets params files, by setting to 0 its corresponding asset. By this way, the estimated VaR will not consider the asset</a:t>
-            </a:r>
-            <a:endParaRPr b="0" i="0" sz="1400" u="none" cap="none" strike="noStrike">
-              <a:solidFill>
-                <a:srgbClr val="000000"/>
-              </a:solidFill>
-              <a:latin typeface="Arial"/>
-              <a:ea typeface="Arial"/>
-              <a:cs typeface="Arial"/>
-              <a:sym typeface="Arial"/>
-            </a:endParaRPr>
-          </a:p>
-          <a:p>
-            <a:pPr indent="457200" lvl="0" marL="0" marR="0" rtl="0" algn="r">
-              <a:lnSpc>
-                <a:spcPct val="100000"/>
-              </a:lnSpc>
-              <a:spcBef>
-                <a:spcPts val="0"/>
-              </a:spcBef>
-              <a:spcAft>
-                <a:spcPts val="0"/>
-              </a:spcAft>
-              <a:buClr>
-                <a:srgbClr val="000000"/>
-              </a:buClr>
-              <a:buSzPts val="1400"/>
-              <a:buFont typeface="Arial"/>
-              <a:buNone/>
-            </a:pPr>
-            <a:r>
-              <a:t/>
+              <a:t>      (right branch) Each replicated task instanciates an asset params files, by </a:t>
+            </a:r>
+            <a:r>
+              <a:rPr lang="en-US"/>
+              <a:t>excluding</a:t>
+            </a:r>
+            <a:r>
+              <a:rPr lang="en-US"/>
+              <a:t> an asset from the </a:t>
+            </a:r>
+            <a:r>
+              <a:rPr lang="en-US"/>
+              <a:t>portfolio, ie </a:t>
+            </a:r>
+            <a:r>
+              <a:rPr b="0" i="0" lang="en-US" sz="1400" u="none" cap="none" strike="noStrike">
+                <a:solidFill>
+                  <a:srgbClr val="000000"/>
+                </a:solidFill>
+                <a:latin typeface="Arial"/>
+                <a:ea typeface="Arial"/>
+                <a:cs typeface="Arial"/>
+                <a:sym typeface="Arial"/>
+              </a:rPr>
+              <a:t>setting to 0 </a:t>
+            </a:r>
+            <a:r>
+              <a:rPr lang="en-US"/>
+              <a:t>the </a:t>
+            </a:r>
+            <a:r>
+              <a:rPr b="0" i="0" lang="en-US" sz="1400" u="none" cap="none" strike="noStrike">
+                <a:solidFill>
+                  <a:srgbClr val="000000"/>
+                </a:solidFill>
+                <a:latin typeface="Arial"/>
+                <a:ea typeface="Arial"/>
+                <a:cs typeface="Arial"/>
+                <a:sym typeface="Arial"/>
+              </a:rPr>
+              <a:t>asset weight. Then </a:t>
+            </a:r>
+            <a:r>
+              <a:rPr lang="en-US"/>
+              <a:t>each task</a:t>
+            </a:r>
+            <a:r>
+              <a:rPr b="0" i="0" lang="en-US" sz="1400" u="none" cap="none" strike="noStrike">
+                <a:solidFill>
+                  <a:srgbClr val="000000"/>
+                </a:solidFill>
+                <a:latin typeface="Arial"/>
+                <a:ea typeface="Arial"/>
+                <a:cs typeface="Arial"/>
+                <a:sym typeface="Arial"/>
+              </a:rPr>
+              <a:t> submit the Monte_Ca</a:t>
+            </a:r>
+            <a:r>
+              <a:rPr lang="en-US"/>
+              <a:t>rlo_VaR_portfolio wkw (</a:t>
+            </a:r>
+            <a:r>
+              <a:rPr b="1" lang="en-US">
+                <a:solidFill>
+                  <a:schemeClr val="dk1"/>
+                </a:solidFill>
+              </a:rPr>
+              <a:t>2nd inner level of replicated tasks</a:t>
+            </a:r>
+            <a:r>
+              <a:rPr lang="en-US"/>
+              <a:t>) with this instanciated asset params file as input.</a:t>
             </a:r>
             <a:endParaRPr b="0" i="0" sz="1400" u="none" cap="none" strike="noStrike">
               <a:solidFill>
@@ -23784,58 +23642,6 @@
             </a:pPr>
             <a:r>
               <a:t/>
-            </a:r>
-            <a:endParaRPr b="0" i="0" sz="1400" u="none" cap="none" strike="noStrike">
-              <a:solidFill>
-                <a:srgbClr val="000000"/>
-              </a:solidFill>
-              <a:latin typeface="Arial"/>
-              <a:ea typeface="Arial"/>
-              <a:cs typeface="Arial"/>
-              <a:sym typeface="Arial"/>
-            </a:endParaRPr>
-          </a:p>
-          <a:p>
-            <a:pPr indent="0" lvl="0" marL="0" marR="0" rtl="0" algn="r">
-              <a:lnSpc>
-                <a:spcPct val="100000"/>
-              </a:lnSpc>
-              <a:spcBef>
-                <a:spcPts val="0"/>
-              </a:spcBef>
-              <a:spcAft>
-                <a:spcPts val="0"/>
-              </a:spcAft>
-              <a:buClr>
-                <a:srgbClr val="000000"/>
-              </a:buClr>
-              <a:buSzPts val="1400"/>
-              <a:buFont typeface="Arial"/>
-              <a:buNone/>
-            </a:pPr>
-            <a:r>
-              <a:rPr b="1" i="0" lang="en-US" sz="1400" u="none" cap="none" strike="noStrike">
-                <a:solidFill>
-                  <a:schemeClr val="dk1"/>
-                </a:solidFill>
-                <a:latin typeface="Arial"/>
-                <a:ea typeface="Arial"/>
-                <a:cs typeface="Arial"/>
-                <a:sym typeface="Arial"/>
-              </a:rPr>
-              <a:t>2nd level of replicated tasks: </a:t>
-            </a:r>
-            <a:r>
-              <a:rPr b="0" i="0" lang="en-US" sz="1400" u="none" cap="none" strike="noStrike">
-                <a:solidFill>
-                  <a:schemeClr val="dk1"/>
-                </a:solidFill>
-                <a:latin typeface="Arial"/>
-                <a:ea typeface="Arial"/>
-                <a:cs typeface="Arial"/>
-                <a:sym typeface="Arial"/>
-              </a:rPr>
-              <a:t>a replicated task per subset of MC simulations. Each replicated task processes a subset of the MC simulations according to its instanciated assets params file (i.e. instanciated by its father replicated task) </a:t>
             </a:r>
             <a:endParaRPr b="0" i="0" sz="1400" u="none" cap="none" strike="noStrike">
               <a:solidFill>
@@ -23879,118 +23685,33 @@
             </a:endParaRPr>
           </a:p>
           <a:p>
-            <a:pPr indent="0" lvl="0" marL="0" marR="0" rtl="0" algn="l">
-              <a:lnSpc>
-                <a:spcPct val="100000"/>
-              </a:lnSpc>
-              <a:spcBef>
-                <a:spcPts val="0"/>
-              </a:spcBef>
-              <a:spcAft>
-                <a:spcPts val="0"/>
-              </a:spcAft>
-              <a:buClr>
-                <a:srgbClr val="000000"/>
-              </a:buClr>
-              <a:buSzPts val="1400"/>
+            <a:pPr indent="0" lvl="0" marL="0" marR="0" rtl="0" algn="r">
+              <a:lnSpc>
+                <a:spcPct val="100000"/>
+              </a:lnSpc>
+              <a:spcBef>
+                <a:spcPts val="0"/>
+              </a:spcBef>
+              <a:spcAft>
+                <a:spcPts val="0"/>
+              </a:spcAft>
+              <a:buClr>
+                <a:schemeClr val="dk1"/>
+              </a:buClr>
+              <a:buSzPts val="1100"/>
               <a:buFont typeface="Arial"/>
               <a:buNone/>
             </a:pPr>
             <a:r>
-              <a:t/>
-            </a:r>
-            <a:endParaRPr b="1" i="0" sz="1400" u="none" cap="none" strike="noStrike">
-              <a:solidFill>
-                <a:schemeClr val="dk1"/>
-              </a:solidFill>
-              <a:latin typeface="Arial"/>
-              <a:ea typeface="Arial"/>
-              <a:cs typeface="Arial"/>
-              <a:sym typeface="Arial"/>
-            </a:endParaRPr>
-          </a:p>
-          <a:p>
-            <a:pPr indent="0" lvl="0" marL="0" marR="0" rtl="0" algn="l">
-              <a:lnSpc>
-                <a:spcPct val="100000"/>
-              </a:lnSpc>
-              <a:spcBef>
-                <a:spcPts val="0"/>
-              </a:spcBef>
-              <a:spcAft>
-                <a:spcPts val="0"/>
-              </a:spcAft>
-              <a:buClr>
-                <a:srgbClr val="000000"/>
-              </a:buClr>
-              <a:buSzPts val="1400"/>
-              <a:buFont typeface="Arial"/>
-              <a:buNone/>
-            </a:pPr>
-            <a:r>
-              <a:t/>
-            </a:r>
-            <a:endParaRPr b="1" i="0" sz="1400" u="none" cap="none" strike="noStrike">
-              <a:solidFill>
-                <a:schemeClr val="dk1"/>
-              </a:solidFill>
-              <a:latin typeface="Arial"/>
-              <a:ea typeface="Arial"/>
-              <a:cs typeface="Arial"/>
-              <a:sym typeface="Arial"/>
-            </a:endParaRPr>
-          </a:p>
-          <a:p>
-            <a:pPr indent="0" lvl="0" marL="0" marR="0" rtl="0" algn="r">
-              <a:lnSpc>
-                <a:spcPct val="100000"/>
-              </a:lnSpc>
-              <a:spcBef>
-                <a:spcPts val="0"/>
-              </a:spcBef>
-              <a:spcAft>
-                <a:spcPts val="0"/>
-              </a:spcAft>
-              <a:buClr>
-                <a:srgbClr val="000000"/>
-              </a:buClr>
-              <a:buSzPts val="1400"/>
-              <a:buFont typeface="Arial"/>
-              <a:buNone/>
-            </a:pPr>
-            <a:r>
-              <a:t/>
-            </a:r>
-            <a:endParaRPr b="1" i="0" sz="1400" u="none" cap="none" strike="noStrike">
-              <a:solidFill>
-                <a:schemeClr val="dk1"/>
-              </a:solidFill>
-              <a:latin typeface="Arial"/>
-              <a:ea typeface="Arial"/>
-              <a:cs typeface="Arial"/>
-              <a:sym typeface="Arial"/>
-            </a:endParaRPr>
-          </a:p>
-          <a:p>
-            <a:pPr indent="0" lvl="0" marL="0" marR="0" rtl="0" algn="r">
-              <a:lnSpc>
-                <a:spcPct val="100000"/>
-              </a:lnSpc>
-              <a:spcBef>
-                <a:spcPts val="0"/>
-              </a:spcBef>
-              <a:spcAft>
-                <a:spcPts val="0"/>
-              </a:spcAft>
-              <a:buClr>
-                <a:srgbClr val="000000"/>
-              </a:buClr>
-              <a:buSzPts val="1400"/>
-              <a:buFont typeface="Arial"/>
-              <a:buNone/>
-            </a:pPr>
-            <a:r>
-              <a:rPr b="1" i="0" lang="en-US" sz="1400" u="none" cap="none" strike="noStrike">
+              <a:rPr lang="en-US">
+                <a:solidFill>
+                  <a:schemeClr val="dk1"/>
+                </a:solidFill>
+              </a:rPr>
+              <a:t>Gather the portfolio VaR over all assets (left branch) and all partial VaRs (right branch). </a:t>
+            </a:r>
+            <a:r>
+              <a:rPr b="0" i="0" lang="en-US" sz="1400" u="none" cap="none" strike="noStrike">
                 <a:solidFill>
                   <a:schemeClr val="dk1"/>
                 </a:solidFill>
@@ -23999,7 +23720,15 @@
                 <a:cs typeface="Arial"/>
                 <a:sym typeface="Arial"/>
               </a:rPr>
-              <a:t>1st level of replicated tasks: </a:t>
+              <a:t>Compute and println the iVaR related to each asset (portfolio VaR estimated by the </a:t>
+            </a:r>
+            <a:r>
+              <a:rPr lang="en-US">
+                <a:solidFill>
+                  <a:schemeClr val="dk1"/>
+                </a:solidFill>
+              </a:rPr>
+              <a:t>left </a:t>
             </a:r>
             <a:r>
               <a:rPr b="0" i="0" lang="en-US" sz="1400" u="none" cap="none" strike="noStrike">
@@ -24011,129 +23740,16 @@
                 <a:cs typeface="Arial"/>
                 <a:sym typeface="Arial"/>
               </a:rPr>
-              <a:t>a replicated task to merge the MC simulations processed by its sons task. Each task estimates the VaR related to Y, stores it, and generates the corresponding frequencies bar chart</a:t>
-            </a:r>
-            <a:endParaRPr b="0" i="0" sz="1400" u="none" cap="none" strike="noStrike">
-              <a:solidFill>
-                <a:schemeClr val="dk1"/>
-              </a:solidFill>
-              <a:latin typeface="Arial"/>
-              <a:ea typeface="Arial"/>
-              <a:cs typeface="Arial"/>
-              <a:sym typeface="Arial"/>
-            </a:endParaRPr>
-          </a:p>
-          <a:p>
-            <a:pPr indent="0" lvl="0" marL="0" marR="0" rtl="0" algn="r">
-              <a:lnSpc>
-                <a:spcPct val="100000"/>
-              </a:lnSpc>
-              <a:spcBef>
-                <a:spcPts val="0"/>
-              </a:spcBef>
-              <a:spcAft>
-                <a:spcPts val="0"/>
-              </a:spcAft>
-              <a:buClr>
-                <a:srgbClr val="000000"/>
-              </a:buClr>
-              <a:buSzPts val="1400"/>
-              <a:buFont typeface="Arial"/>
-              <a:buNone/>
-            </a:pPr>
-            <a:r>
-              <a:t/>
-            </a:r>
-            <a:endParaRPr b="0" i="0" sz="1400" u="none" cap="none" strike="noStrike">
-              <a:solidFill>
-                <a:schemeClr val="dk1"/>
-              </a:solidFill>
-              <a:latin typeface="Arial"/>
-              <a:ea typeface="Arial"/>
-              <a:cs typeface="Arial"/>
-              <a:sym typeface="Arial"/>
-            </a:endParaRPr>
-          </a:p>
-          <a:p>
-            <a:pPr indent="0" lvl="0" marL="0" marR="0" rtl="0" algn="l">
-              <a:lnSpc>
-                <a:spcPct val="100000"/>
-              </a:lnSpc>
-              <a:spcBef>
-                <a:spcPts val="0"/>
-              </a:spcBef>
-              <a:spcAft>
-                <a:spcPts val="0"/>
-              </a:spcAft>
-              <a:buClr>
-                <a:srgbClr val="000000"/>
-              </a:buClr>
-              <a:buSzPts val="1400"/>
-              <a:buFont typeface="Arial"/>
-              <a:buNone/>
-            </a:pPr>
-            <a:r>
-              <a:t/>
-            </a:r>
-            <a:endParaRPr b="0" i="0" sz="1400" u="none" cap="none" strike="noStrike">
-              <a:solidFill>
-                <a:schemeClr val="dk1"/>
-              </a:solidFill>
-              <a:latin typeface="Arial"/>
-              <a:ea typeface="Arial"/>
-              <a:cs typeface="Arial"/>
-              <a:sym typeface="Arial"/>
-            </a:endParaRPr>
-          </a:p>
-          <a:p>
-            <a:pPr indent="0" lvl="0" marL="0" marR="0" rtl="0" algn="r">
-              <a:lnSpc>
-                <a:spcPct val="100000"/>
-              </a:lnSpc>
-              <a:spcBef>
-                <a:spcPts val="0"/>
-              </a:spcBef>
-              <a:spcAft>
-                <a:spcPts val="0"/>
-              </a:spcAft>
-              <a:buClr>
-                <a:srgbClr val="000000"/>
-              </a:buClr>
-              <a:buSzPts val="1400"/>
-              <a:buFont typeface="Arial"/>
-              <a:buNone/>
-            </a:pPr>
-            <a:r>
-              <a:t/>
-            </a:r>
-            <a:endParaRPr b="0" i="0" sz="1400" u="none" cap="none" strike="noStrike">
-              <a:solidFill>
-                <a:schemeClr val="dk1"/>
-              </a:solidFill>
-              <a:latin typeface="Arial"/>
-              <a:ea typeface="Arial"/>
-              <a:cs typeface="Arial"/>
-              <a:sym typeface="Arial"/>
-            </a:endParaRPr>
-          </a:p>
-          <a:p>
-            <a:pPr indent="0" lvl="0" marL="0" marR="0" rtl="0" algn="r">
-              <a:lnSpc>
-                <a:spcPct val="100000"/>
-              </a:lnSpc>
-              <a:spcBef>
-                <a:spcPts val="0"/>
-              </a:spcBef>
-              <a:spcAft>
-                <a:spcPts val="0"/>
-              </a:spcAft>
-              <a:buClr>
-                <a:schemeClr val="dk1"/>
-              </a:buClr>
-              <a:buSzPts val="1100"/>
-              <a:buFont typeface="Arial"/>
-              <a:buNone/>
-            </a:pPr>
+              <a:t>branch - one portfolio VaR without the asset Y estimated by the </a:t>
+            </a:r>
+            <a:r>
+              <a:rPr lang="en-US">
+                <a:solidFill>
+                  <a:schemeClr val="dk1"/>
+                </a:solidFill>
+              </a:rPr>
+              <a:t>right</a:t>
+            </a:r>
             <a:r>
               <a:rPr b="0" i="0" lang="en-US" sz="1400" u="none" cap="none" strike="noStrike">
                 <a:solidFill>
@@ -24144,7 +23760,7 @@
                 <a:cs typeface="Arial"/>
                 <a:sym typeface="Arial"/>
               </a:rPr>
-              <a:t>Compute and println the iVaR related to each asset (portfolio VaR estimated by the right branch - portfolio VaR without the asset Y estimated by the left branch), merge all the frequencies bar charts into a single png file and exposes it</a:t>
+              <a:t> branch)</a:t>
             </a:r>
             <a:endParaRPr b="0" i="0" sz="1400" u="none" cap="none" strike="noStrike">
               <a:solidFill>
@@ -24160,85 +23776,7 @@
       </p:sp>
       <p:sp>
         <p:nvSpPr>
-          <p:cNvPr id="106" name="Google Shape;106;p18"/>
-          <p:cNvSpPr txBox="1"/>
-          <p:nvPr/>
-        </p:nvSpPr>
-        <p:spPr>
-          <a:xfrm rot="-5400000">
-            <a:off x="8171225" y="3754425"/>
-            <a:ext cx="3939900" cy="1648800"/>
-          </a:xfrm>
-          <a:prstGeom prst="rect">
-            <a:avLst/>
-          </a:prstGeom>
-          <a:noFill/>
-          <a:ln>
-            <a:noFill/>
-          </a:ln>
-        </p:spPr>
-        <p:txBody>
-          <a:bodyPr anchorCtr="0" anchor="t" bIns="91425" lIns="91425" spcFirstLastPara="1" rIns="91425" wrap="square" tIns="91425">
-            <a:noAutofit/>
-          </a:bodyPr>
-          <a:lstStyle/>
-          <a:p>
-            <a:pPr indent="0" lvl="0" marL="0" marR="0" rtl="0" algn="ctr">
-              <a:lnSpc>
-                <a:spcPct val="100000"/>
-              </a:lnSpc>
-              <a:spcBef>
-                <a:spcPts val="0"/>
-              </a:spcBef>
-              <a:spcAft>
-                <a:spcPts val="0"/>
-              </a:spcAft>
-              <a:buClr>
-                <a:srgbClr val="000000"/>
-              </a:buClr>
-              <a:buSzPts val="1800"/>
-              <a:buFont typeface="Arial"/>
-              <a:buNone/>
-            </a:pPr>
-            <a:r>
-              <a:rPr b="0" i="0" lang="en-US" sz="1800" u="none" cap="none" strike="noStrike">
-                <a:solidFill>
-                  <a:srgbClr val="000000"/>
-                </a:solidFill>
-                <a:latin typeface="Arial"/>
-                <a:ea typeface="Arial"/>
-                <a:cs typeface="Arial"/>
-                <a:sym typeface="Arial"/>
-              </a:rPr>
-              <a:t>Perform the MC VaR like </a:t>
-            </a:r>
-            <a:r>
-              <a:rPr b="1" i="0" lang="en-US" sz="1800" u="none" cap="none" strike="noStrike">
-                <a:solidFill>
-                  <a:srgbClr val="000000"/>
-                </a:solidFill>
-                <a:latin typeface="Arial"/>
-                <a:ea typeface="Arial"/>
-                <a:cs typeface="Arial"/>
-                <a:sym typeface="Arial"/>
-              </a:rPr>
-              <a:t>Monte_Carlo_VaR_portfolio.xml</a:t>
-            </a:r>
-            <a:endParaRPr b="1" i="0" sz="1800" u="none" cap="none" strike="noStrike">
-              <a:solidFill>
-                <a:srgbClr val="000000"/>
-              </a:solidFill>
-              <a:latin typeface="Arial"/>
-              <a:ea typeface="Arial"/>
-              <a:cs typeface="Arial"/>
-              <a:sym typeface="Arial"/>
-            </a:endParaRPr>
-          </a:p>
-        </p:txBody>
-      </p:sp>
-      <p:sp>
-        <p:nvSpPr>
-          <p:cNvPr id="107" name="Google Shape;107;p18"/>
+          <p:cNvPr id="113" name="Google Shape;113;p7"/>
           <p:cNvSpPr txBox="1"/>
           <p:nvPr>
             <p:ph type="title"/>
@@ -24298,21 +23836,22 @@
       </p:sp>
       <p:pic>
         <p:nvPicPr>
-          <p:cNvPr id="108" name="Google Shape;108;p18"/>
+          <p:cNvPr id="114" name="Google Shape;114;p7"/>
           <p:cNvPicPr preferRelativeResize="0"/>
           <p:nvPr/>
         </p:nvPicPr>
-        <p:blipFill rotWithShape="1">
+        <p:blipFill>
           <a:blip r:embed="rId3">
             <a:alphaModFix/>
           </a:blip>
-          <a:srcRect b="0" l="0" r="0" t="0"/>
-          <a:stretch/>
+          <a:stretch>
+            <a:fillRect/>
+          </a:stretch>
         </p:blipFill>
         <p:spPr>
           <a:xfrm>
-            <a:off x="5834775" y="1716200"/>
-            <a:ext cx="3219800" cy="7767349"/>
+            <a:off x="5855025" y="1981200"/>
+            <a:ext cx="7149775" cy="6850375"/>
           </a:xfrm>
           <a:prstGeom prst="rect">
             <a:avLst/>
@@ -24331,12 +23870,12 @@
 </p:sld>
 </file>
 
-<file path=ppt/slides/slide8.xml><?xml version="1.0" encoding="utf-8"?>
-<p:sld xmlns:a="http://schemas.openxmlformats.org/drawingml/2006/main" xmlns:r="http://schemas.openxmlformats.org/officeDocument/2006/relationships" xmlns:mc="http://schemas.openxmlformats.org/markup-compatibility/2006" xmlns:mv="urn:schemas-microsoft-com:mac:vml" xmlns:p="http://schemas.openxmlformats.org/presentationml/2006/main" xmlns:c="http://schemas.openxmlformats.org/drawingml/2006/chart" xmlns:dgm="http://schemas.openxmlformats.org/drawingml/2006/diagram" xmlns:o="urn:schemas-microsoft-com:office:office" xmlns:v="urn:schemas-microsoft-com:vml" xmlns:pvml="urn:schemas-microsoft-com:office:powerpoint" xmlns:com="http://schemas.openxmlformats.org/drawingml/2006/compatibility" xmlns:p14="http://schemas.microsoft.com/office/powerpoint/2010/main" xmlns:p15="http://schemas.microsoft.com/office/powerpoint/2012/main">
+<file path=ppt/slides/slide9.xml><?xml version="1.0" encoding="utf-8"?>
+<p:sld xmlns:a="http://schemas.openxmlformats.org/drawingml/2006/main" xmlns:r="http://schemas.openxmlformats.org/officeDocument/2006/relationships" xmlns:mc="http://schemas.openxmlformats.org/markup-compatibility/2006" xmlns:mv="urn:schemas-microsoft-com:mac:vml" xmlns:p="http://schemas.openxmlformats.org/presentationml/2006/main" xmlns:c="http://schemas.openxmlformats.org/drawingml/2006/chart" xmlns:dgm="http://schemas.openxmlformats.org/drawingml/2006/diagram" xmlns:o="urn:schemas-microsoft-com:office:office" xmlns:v="urn:schemas-microsoft-com:vml" xmlns:pvml="urn:schemas-microsoft-com:office:powerpoint" xmlns:com="http://schemas.openxmlformats.org/drawingml/2006/compatibility" xmlns:p14="http://schemas.microsoft.com/office/powerpoint/2010/main" xmlns:p15="http://schemas.microsoft.com/office/powerpoint/2012/main" xmlns:ahyp="http://schemas.microsoft.com/office/drawing/2018/hyperlinkcolor">
   <p:cSld>
     <p:spTree>
       <p:nvGrpSpPr>
-        <p:cNvPr id="112" name="Shape 112"/>
+        <p:cNvPr id="118" name="Shape 118"/>
         <p:cNvGrpSpPr/>
         <p:nvPr/>
       </p:nvGrpSpPr>
@@ -24350,7 +23889,7 @@
       </p:grpSpPr>
       <p:pic>
         <p:nvPicPr>
-          <p:cNvPr id="113" name="Google Shape;113;p19"/>
+          <p:cNvPr id="119" name="Google Shape;119;p8"/>
           <p:cNvPicPr preferRelativeResize="0"/>
           <p:nvPr/>
         </p:nvPicPr>
@@ -24363,8 +23902,8 @@
         </p:blipFill>
         <p:spPr>
           <a:xfrm>
-            <a:off x="152400" y="2499822"/>
-            <a:ext cx="12700000" cy="2801568"/>
+            <a:off x="152400" y="6084190"/>
+            <a:ext cx="12700001" cy="1610699"/>
           </a:xfrm>
           <a:prstGeom prst="rect">
             <a:avLst/>
@@ -24375,36 +23914,9 @@
           </a:ln>
         </p:spPr>
       </p:pic>
-      <p:pic>
-        <p:nvPicPr>
-          <p:cNvPr id="114" name="Google Shape;114;p19"/>
-          <p:cNvPicPr preferRelativeResize="0"/>
-          <p:nvPr/>
-        </p:nvPicPr>
-        <p:blipFill rotWithShape="1">
-          <a:blip r:embed="rId4">
-            <a:alphaModFix/>
-          </a:blip>
-          <a:srcRect b="0" l="0" r="0" t="0"/>
-          <a:stretch/>
-        </p:blipFill>
-        <p:spPr>
-          <a:xfrm>
-            <a:off x="152400" y="6084190"/>
-            <a:ext cx="12700001" cy="1610699"/>
-          </a:xfrm>
-          <a:prstGeom prst="rect">
-            <a:avLst/>
-          </a:prstGeom>
-          <a:noFill/>
-          <a:ln>
-            <a:noFill/>
-          </a:ln>
-        </p:spPr>
-      </p:pic>
       <p:sp>
         <p:nvSpPr>
-          <p:cNvPr id="115" name="Google Shape;115;p19"/>
+          <p:cNvPr id="120" name="Google Shape;120;p8"/>
           <p:cNvSpPr txBox="1"/>
           <p:nvPr>
             <p:ph type="title"/>
@@ -24462,453 +23974,24 @@
           </a:p>
         </p:txBody>
       </p:sp>
-    </p:spTree>
-  </p:cSld>
-  <p:clrMapOvr>
-    <a:masterClrMapping/>
-  </p:clrMapOvr>
-</p:sld>
-</file>
-
-<file path=ppt/slides/slide9.xml><?xml version="1.0" encoding="utf-8"?>
-<p:sld xmlns:a="http://schemas.openxmlformats.org/drawingml/2006/main" xmlns:r="http://schemas.openxmlformats.org/officeDocument/2006/relationships" xmlns:mc="http://schemas.openxmlformats.org/markup-compatibility/2006" xmlns:mv="urn:schemas-microsoft-com:mac:vml" xmlns:p="http://schemas.openxmlformats.org/presentationml/2006/main" xmlns:c="http://schemas.openxmlformats.org/drawingml/2006/chart" xmlns:dgm="http://schemas.openxmlformats.org/drawingml/2006/diagram" xmlns:o="urn:schemas-microsoft-com:office:office" xmlns:v="urn:schemas-microsoft-com:vml" xmlns:pvml="urn:schemas-microsoft-com:office:powerpoint" xmlns:com="http://schemas.openxmlformats.org/drawingml/2006/compatibility" xmlns:p14="http://schemas.microsoft.com/office/powerpoint/2010/main" xmlns:p15="http://schemas.microsoft.com/office/powerpoint/2012/main">
-  <p:cSld>
-    <p:spTree>
-      <p:nvGrpSpPr>
-        <p:cNvPr id="119" name="Shape 119"/>
-        <p:cNvGrpSpPr/>
-        <p:nvPr/>
-      </p:nvGrpSpPr>
-      <p:grpSpPr>
-        <a:xfrm>
-          <a:off x="0" y="0"/>
-          <a:ext cx="0" cy="0"/>
-          <a:chOff x="0" y="0"/>
-          <a:chExt cx="0" cy="0"/>
-        </a:xfrm>
-      </p:grpSpPr>
-      <p:sp>
-        <p:nvSpPr>
-          <p:cNvPr id="120" name="Google Shape;120;p20"/>
-          <p:cNvSpPr txBox="1"/>
-          <p:nvPr>
-            <p:ph type="title"/>
-          </p:nvPr>
-        </p:nvSpPr>
-        <p:spPr>
-          <a:xfrm>
-            <a:off x="-1" y="468775"/>
-            <a:ext cx="7877100" cy="927600"/>
-          </a:xfrm>
-          <a:prstGeom prst="rect">
-            <a:avLst/>
-          </a:prstGeom>
-          <a:noFill/>
-          <a:ln>
-            <a:noFill/>
-          </a:ln>
-        </p:spPr>
-        <p:txBody>
-          <a:bodyPr anchorCtr="0" anchor="t" bIns="65000" lIns="129975" spcFirstLastPara="1" rIns="129975" wrap="square" tIns="65000">
-            <a:noAutofit/>
-          </a:bodyPr>
-          <a:lstStyle/>
-          <a:p>
-            <a:pPr indent="0" lvl="0" marL="0" marR="0" rtl="0" algn="l">
-              <a:lnSpc>
-                <a:spcPct val="100000"/>
-              </a:lnSpc>
-              <a:spcBef>
-                <a:spcPts val="0"/>
-              </a:spcBef>
-              <a:spcAft>
-                <a:spcPts val="0"/>
-              </a:spcAft>
-              <a:buClr>
-                <a:srgbClr val="253A65"/>
-              </a:buClr>
-              <a:buSzPts val="1400"/>
-              <a:buFont typeface="Helvetica Neue"/>
-              <a:buNone/>
-            </a:pPr>
-            <a:r>
-              <a:rPr lang="en-US" sz="2600"/>
-              <a:t>stress_testing_Monte_Carlo_value_portfolio.xml</a:t>
-            </a:r>
-            <a:endParaRPr b="1" i="0" sz="2600" u="none" cap="none" strike="noStrike">
-              <a:solidFill>
-                <a:srgbClr val="253A65"/>
-              </a:solidFill>
-              <a:latin typeface="Helvetica Neue"/>
-              <a:ea typeface="Helvetica Neue"/>
-              <a:cs typeface="Helvetica Neue"/>
-              <a:sym typeface="Helvetica Neue"/>
-            </a:endParaRPr>
-          </a:p>
-        </p:txBody>
-      </p:sp>
-      <p:sp>
-        <p:nvSpPr>
-          <p:cNvPr id="121" name="Google Shape;121;p20"/>
-          <p:cNvSpPr txBox="1"/>
-          <p:nvPr>
-            <p:ph idx="1" type="body"/>
-          </p:nvPr>
-        </p:nvSpPr>
-        <p:spPr>
-          <a:xfrm>
-            <a:off x="6293475" y="3637825"/>
-            <a:ext cx="5904000" cy="5485200"/>
-          </a:xfrm>
-          <a:prstGeom prst="rect">
-            <a:avLst/>
-          </a:prstGeom>
-          <a:noFill/>
-          <a:ln>
-            <a:noFill/>
-          </a:ln>
-        </p:spPr>
-        <p:txBody>
-          <a:bodyPr anchorCtr="0" anchor="t" bIns="65000" lIns="129975" spcFirstLastPara="1" rIns="129975" wrap="square" tIns="65000">
-            <a:noAutofit/>
-          </a:bodyPr>
-          <a:lstStyle/>
-          <a:p>
-            <a:pPr indent="0" lvl="0" marL="0" marR="0" rtl="0" algn="l">
-              <a:lnSpc>
-                <a:spcPct val="150000"/>
-              </a:lnSpc>
-              <a:spcBef>
-                <a:spcPts val="800"/>
-              </a:spcBef>
-              <a:spcAft>
-                <a:spcPts val="0"/>
-              </a:spcAft>
-              <a:buSzPts val="3000"/>
-              <a:buNone/>
-            </a:pPr>
-            <a:r>
-              <a:rPr lang="en-US" sz="1200">
-                <a:solidFill>
-                  <a:srgbClr val="000000"/>
-                </a:solidFill>
-              </a:rPr>
-              <a:t>run the plotting task into a docker container for matplotlib support</a:t>
-            </a:r>
-            <a:endParaRPr sz="1200">
-              <a:solidFill>
-                <a:srgbClr val="000000"/>
-              </a:solidFill>
-            </a:endParaRPr>
-          </a:p>
-          <a:p>
-            <a:pPr indent="0" lvl="0" marL="0" rtl="0" algn="l">
-              <a:lnSpc>
-                <a:spcPct val="150000"/>
-              </a:lnSpc>
-              <a:spcBef>
-                <a:spcPts val="800"/>
-              </a:spcBef>
-              <a:spcAft>
-                <a:spcPts val="0"/>
-              </a:spcAft>
-              <a:buSzPts val="3000"/>
-              <a:buNone/>
-            </a:pPr>
-            <a:r>
-              <a:rPr lang="en-US" sz="1200"/>
-              <a:t>number of portfolio simulations per PnL estimation</a:t>
-            </a:r>
-            <a:endParaRPr sz="1200"/>
-          </a:p>
-          <a:p>
-            <a:pPr indent="0" lvl="0" marL="0" rtl="0" algn="l">
-              <a:lnSpc>
-                <a:spcPct val="150000"/>
-              </a:lnSpc>
-              <a:spcBef>
-                <a:spcPts val="800"/>
-              </a:spcBef>
-              <a:spcAft>
-                <a:spcPts val="0"/>
-              </a:spcAft>
-              <a:buClr>
-                <a:schemeClr val="dk1"/>
-              </a:buClr>
-              <a:buSzPts val="1100"/>
-              <a:buFont typeface="Arial"/>
-              <a:buNone/>
-            </a:pPr>
-            <a:r>
-              <a:rPr lang="en-US" sz="1200"/>
-              <a:t>number of time steps of the portfolio simulations paths, up to the horizon</a:t>
-            </a:r>
-            <a:endParaRPr sz="1200">
-              <a:solidFill>
-                <a:srgbClr val="000000"/>
-              </a:solidFill>
-            </a:endParaRPr>
-          </a:p>
-          <a:p>
-            <a:pPr indent="0" lvl="0" marL="0" rtl="0" algn="l">
-              <a:lnSpc>
-                <a:spcPct val="150000"/>
-              </a:lnSpc>
-              <a:spcBef>
-                <a:spcPts val="800"/>
-              </a:spcBef>
-              <a:spcAft>
-                <a:spcPts val="0"/>
-              </a:spcAft>
-              <a:buClr>
-                <a:schemeClr val="dk1"/>
-              </a:buClr>
-              <a:buSzPts val="1100"/>
-              <a:buFont typeface="Arial"/>
-              <a:buNone/>
-            </a:pPr>
-            <a:r>
-              <a:rPr lang="en-US" sz="1200"/>
-              <a:t>horizon until which portfolio is stressed (here time steps are set to 1/255)</a:t>
-            </a:r>
-            <a:endParaRPr sz="1200">
-              <a:solidFill>
-                <a:srgbClr val="000000"/>
-              </a:solidFill>
-            </a:endParaRPr>
-          </a:p>
-          <a:p>
-            <a:pPr indent="0" lvl="0" marL="0" rtl="0" algn="l">
-              <a:lnSpc>
-                <a:spcPct val="150000"/>
-              </a:lnSpc>
-              <a:spcBef>
-                <a:spcPts val="800"/>
-              </a:spcBef>
-              <a:spcAft>
-                <a:spcPts val="0"/>
-              </a:spcAft>
-              <a:buClr>
-                <a:schemeClr val="dk1"/>
-              </a:buClr>
-              <a:buSzPts val="1100"/>
-              <a:buFont typeface="Arial"/>
-              <a:buNone/>
-            </a:pPr>
-            <a:r>
-              <a:rPr lang="en-US" sz="1200"/>
-              <a:t>file to describe assets params, a line per asset: start price, drift rate (yearly return), volatility rate (yearly return), weight</a:t>
-            </a:r>
-            <a:endParaRPr sz="1200">
-              <a:solidFill>
-                <a:srgbClr val="000000"/>
-              </a:solidFill>
-            </a:endParaRPr>
-          </a:p>
-          <a:p>
-            <a:pPr indent="0" lvl="0" marL="0" rtl="0" algn="l">
-              <a:lnSpc>
-                <a:spcPct val="150000"/>
-              </a:lnSpc>
-              <a:spcBef>
-                <a:spcPts val="800"/>
-              </a:spcBef>
-              <a:spcAft>
-                <a:spcPts val="0"/>
-              </a:spcAft>
-              <a:buClr>
-                <a:schemeClr val="dk1"/>
-              </a:buClr>
-              <a:buSzPts val="1100"/>
-              <a:buFont typeface="Arial"/>
-              <a:buNone/>
-            </a:pPr>
-            <a:r>
-              <a:rPr lang="en-US" sz="1200"/>
-              <a:t>correlations matrix of the assets</a:t>
-            </a:r>
-            <a:endParaRPr sz="1200">
-              <a:solidFill>
-                <a:srgbClr val="000000"/>
-              </a:solidFill>
-            </a:endParaRPr>
-          </a:p>
-          <a:p>
-            <a:pPr indent="0" lvl="0" marL="0" marR="0" rtl="0" algn="l">
-              <a:lnSpc>
-                <a:spcPct val="100000"/>
-              </a:lnSpc>
-              <a:spcBef>
-                <a:spcPts val="800"/>
-              </a:spcBef>
-              <a:spcAft>
-                <a:spcPts val="0"/>
-              </a:spcAft>
-              <a:buSzPts val="3000"/>
-              <a:buNone/>
-            </a:pPr>
-            <a:r>
-              <a:rPr lang="en-US" sz="1200">
-                <a:solidFill>
-                  <a:srgbClr val="000000"/>
-                </a:solidFill>
-              </a:rPr>
-              <a:t>range of the percentages of variation to apply to the risk free rate and number of steps to consider in this range</a:t>
-            </a:r>
-            <a:endParaRPr sz="1200">
-              <a:solidFill>
-                <a:srgbClr val="000000"/>
-              </a:solidFill>
-            </a:endParaRPr>
-          </a:p>
-          <a:p>
-            <a:pPr indent="0" lvl="0" marL="0" rtl="0" algn="l">
-              <a:lnSpc>
-                <a:spcPct val="100000"/>
-              </a:lnSpc>
-              <a:spcBef>
-                <a:spcPts val="800"/>
-              </a:spcBef>
-              <a:spcAft>
-                <a:spcPts val="0"/>
-              </a:spcAft>
-              <a:buSzPts val="3000"/>
-              <a:buNone/>
-            </a:pPr>
-            <a:r>
-              <a:rPr lang="en-US" sz="1200"/>
-              <a:t>range of the percentages of variation to apply to the portolio asset volatilities and number of steps to consider in this range</a:t>
-            </a:r>
-            <a:endParaRPr sz="1200"/>
-          </a:p>
-          <a:p>
-            <a:pPr indent="0" lvl="0" marL="0" rtl="0" algn="l">
-              <a:lnSpc>
-                <a:spcPct val="100000"/>
-              </a:lnSpc>
-              <a:spcBef>
-                <a:spcPts val="800"/>
-              </a:spcBef>
-              <a:spcAft>
-                <a:spcPts val="0"/>
-              </a:spcAft>
-              <a:buSzPts val="3000"/>
-              <a:buNone/>
-            </a:pPr>
-            <a:r>
-              <a:rPr lang="en-US" sz="1200"/>
-              <a:t>number of replicated tasks which have in charge the stressed PnL simulations</a:t>
-            </a:r>
-            <a:endParaRPr sz="1200"/>
-          </a:p>
-          <a:p>
-            <a:pPr indent="0" lvl="0" marL="0" rtl="0" algn="l">
-              <a:lnSpc>
-                <a:spcPct val="100000"/>
-              </a:lnSpc>
-              <a:spcBef>
-                <a:spcPts val="800"/>
-              </a:spcBef>
-              <a:spcAft>
-                <a:spcPts val="0"/>
-              </a:spcAft>
-              <a:buClr>
-                <a:schemeClr val="dk1"/>
-              </a:buClr>
-              <a:buSzPts val="1100"/>
-              <a:buFont typeface="Arial"/>
-              <a:buNone/>
-            </a:pPr>
-            <a:r>
-              <a:t/>
-            </a:r>
-            <a:endParaRPr sz="1200"/>
-          </a:p>
-        </p:txBody>
-      </p:sp>
-      <p:sp>
-        <p:nvSpPr>
-          <p:cNvPr id="122" name="Google Shape;122;p20"/>
-          <p:cNvSpPr txBox="1"/>
-          <p:nvPr/>
-        </p:nvSpPr>
-        <p:spPr>
-          <a:xfrm>
-            <a:off x="276700" y="1900900"/>
-            <a:ext cx="12570900" cy="1232400"/>
-          </a:xfrm>
-          <a:prstGeom prst="rect">
-            <a:avLst/>
-          </a:prstGeom>
-          <a:noFill/>
-          <a:ln>
-            <a:noFill/>
-          </a:ln>
-        </p:spPr>
-        <p:txBody>
-          <a:bodyPr anchorCtr="0" anchor="ctr" bIns="91425" lIns="91425" spcFirstLastPara="1" rIns="91425" wrap="square" tIns="91425">
-            <a:noAutofit/>
-          </a:bodyPr>
-          <a:lstStyle/>
-          <a:p>
-            <a:pPr indent="0" lvl="0" marL="0" marR="0" rtl="0" algn="l">
-              <a:lnSpc>
-                <a:spcPct val="100000"/>
-              </a:lnSpc>
-              <a:spcBef>
-                <a:spcPts val="800"/>
-              </a:spcBef>
-              <a:spcAft>
-                <a:spcPts val="0"/>
-              </a:spcAft>
-              <a:buClr>
-                <a:srgbClr val="000000"/>
-              </a:buClr>
-              <a:buSzPts val="2400"/>
-              <a:buFont typeface="Arial"/>
-              <a:buNone/>
-            </a:pPr>
-            <a:r>
-              <a:rPr b="0" i="0" lang="en-US" sz="2400" u="none" cap="none" strike="noStrike">
-                <a:solidFill>
-                  <a:schemeClr val="dk1"/>
-                </a:solidFill>
-                <a:latin typeface="Helvetica Neue"/>
-                <a:ea typeface="Helvetica Neue"/>
-                <a:cs typeface="Helvetica Neue"/>
-                <a:sym typeface="Helvetica Neue"/>
-              </a:rPr>
-              <a:t>Estimates the portfolio PnL (Profit and Loss) over stressed volatilities and risk free rates.</a:t>
-            </a:r>
-            <a:endParaRPr b="0" i="0" sz="1400" u="none" cap="none" strike="noStrike">
-              <a:solidFill>
-                <a:srgbClr val="000000"/>
-              </a:solidFill>
-              <a:latin typeface="Arial"/>
-              <a:ea typeface="Arial"/>
-              <a:cs typeface="Arial"/>
-              <a:sym typeface="Arial"/>
-            </a:endParaRPr>
-          </a:p>
-        </p:txBody>
-      </p:sp>
       <p:pic>
         <p:nvPicPr>
-          <p:cNvPr id="123" name="Google Shape;123;p20"/>
+          <p:cNvPr id="121" name="Google Shape;121;p8"/>
           <p:cNvPicPr preferRelativeResize="0"/>
           <p:nvPr/>
         </p:nvPicPr>
-        <p:blipFill rotWithShape="1">
-          <a:blip r:embed="rId3">
+        <p:blipFill>
+          <a:blip r:embed="rId4">
             <a:alphaModFix/>
           </a:blip>
-          <a:srcRect b="0" l="0" r="0" t="0"/>
-          <a:stretch/>
+          <a:stretch>
+            <a:fillRect/>
+          </a:stretch>
         </p:blipFill>
         <p:spPr>
           <a:xfrm>
-            <a:off x="1476500" y="3764225"/>
-            <a:ext cx="4816975" cy="3729639"/>
+            <a:off x="152400" y="3191488"/>
+            <a:ext cx="12699999" cy="2456232"/>
           </a:xfrm>
           <a:prstGeom prst="rect">
             <a:avLst/>
@@ -24928,6 +24011,285 @@
 </file>
 
 <file path=ppt/theme/theme1.xml><?xml version="1.0" encoding="utf-8"?>
+<a:theme xmlns:a="http://schemas.openxmlformats.org/drawingml/2006/main" xmlns:r="http://schemas.openxmlformats.org/officeDocument/2006/relationships" name="1_Activeeon Presentation Template">
+  <a:themeElements>
+    <a:clrScheme name="AE Blue">
+      <a:dk1>
+        <a:srgbClr val="000000"/>
+      </a:dk1>
+      <a:lt1>
+        <a:srgbClr val="FFFFFF"/>
+      </a:lt1>
+      <a:dk2>
+        <a:srgbClr val="53585F"/>
+      </a:dk2>
+      <a:lt2>
+        <a:srgbClr val="DCDEE0"/>
+      </a:lt2>
+      <a:accent1>
+        <a:srgbClr val="253A65"/>
+      </a:accent1>
+      <a:accent2>
+        <a:srgbClr val="00882B"/>
+      </a:accent2>
+      <a:accent3>
+        <a:srgbClr val="DCBD23"/>
+      </a:accent3>
+      <a:accent4>
+        <a:srgbClr val="DE6A10"/>
+      </a:accent4>
+      <a:accent5>
+        <a:srgbClr val="C82506"/>
+      </a:accent5>
+      <a:accent6>
+        <a:srgbClr val="773F9B"/>
+      </a:accent6>
+      <a:hlink>
+        <a:srgbClr val="0000FF"/>
+      </a:hlink>
+      <a:folHlink>
+        <a:srgbClr val="FF00FF"/>
+      </a:folHlink>
+    </a:clrScheme>
+    <a:fontScheme name="Office">
+      <a:majorFont>
+        <a:latin typeface="Arial"/>
+        <a:ea typeface=""/>
+        <a:cs typeface=""/>
+        <a:font script="Jpan" typeface="ＭＳ Ｐゴシック"/>
+        <a:font script="Hang" typeface="맑은 고딕"/>
+        <a:font script="Hans" typeface="宋体"/>
+        <a:font script="Hant" typeface="新細明體"/>
+        <a:font script="Arab" typeface="Times New Roman"/>
+        <a:font script="Hebr" typeface="Times New Roman"/>
+        <a:font script="Thai" typeface="Angsana New"/>
+        <a:font script="Ethi" typeface="Nyala"/>
+        <a:font script="Beng" typeface="Vrinda"/>
+        <a:font script="Gujr" typeface="Shruti"/>
+        <a:font script="Khmr" typeface="MoolBoran"/>
+        <a:font script="Knda" typeface="Tunga"/>
+        <a:font script="Guru" typeface="Raavi"/>
+        <a:font script="Cans" typeface="Euphemia"/>
+        <a:font script="Cher" typeface="Plantagenet Cherokee"/>
+        <a:font script="Yiii" typeface="Microsoft Yi Baiti"/>
+        <a:font script="Tibt" typeface="Microsoft Himalaya"/>
+        <a:font script="Thaa" typeface="MV Boli"/>
+        <a:font script="Deva" typeface="Mangal"/>
+        <a:font script="Telu" typeface="Gautami"/>
+        <a:font script="Taml" typeface="Latha"/>
+        <a:font script="Syrc" typeface="Estrangelo Edessa"/>
+        <a:font script="Orya" typeface="Kalinga"/>
+        <a:font script="Mlym" typeface="Kartika"/>
+        <a:font script="Laoo" typeface="DokChampa"/>
+        <a:font script="Sinh" typeface="Iskoola Pota"/>
+        <a:font script="Mong" typeface="Mongolian Baiti"/>
+        <a:font script="Viet" typeface="Times New Roman"/>
+        <a:font script="Uigh" typeface="Microsoft Uighur"/>
+        <a:font script="Geor" typeface="Sylfaen"/>
+      </a:majorFont>
+      <a:minorFont>
+        <a:latin typeface="Arial"/>
+        <a:ea typeface=""/>
+        <a:cs typeface=""/>
+        <a:font script="Jpan" typeface="ＭＳ Ｐゴシック"/>
+        <a:font script="Hang" typeface="맑은 고딕"/>
+        <a:font script="Hans" typeface="宋体"/>
+        <a:font script="Hant" typeface="新細明體"/>
+        <a:font script="Arab" typeface="Arial"/>
+        <a:font script="Hebr" typeface="Arial"/>
+        <a:font script="Thai" typeface="Cordia New"/>
+        <a:font script="Ethi" typeface="Nyala"/>
+        <a:font script="Beng" typeface="Vrinda"/>
+        <a:font script="Gujr" typeface="Shruti"/>
+        <a:font script="Khmr" typeface="DaunPenh"/>
+        <a:font script="Knda" typeface="Tunga"/>
+        <a:font script="Guru" typeface="Raavi"/>
+        <a:font script="Cans" typeface="Euphemia"/>
+        <a:font script="Cher" typeface="Plantagenet Cherokee"/>
+        <a:font script="Yiii" typeface="Microsoft Yi Baiti"/>
+        <a:font script="Tibt" typeface="Microsoft Himalaya"/>
+        <a:font script="Thaa" typeface="MV Boli"/>
+        <a:font script="Deva" typeface="Mangal"/>
+        <a:font script="Telu" typeface="Gautami"/>
+        <a:font script="Taml" typeface="Latha"/>
+        <a:font script="Syrc" typeface="Estrangelo Edessa"/>
+        <a:font script="Orya" typeface="Kalinga"/>
+        <a:font script="Mlym" typeface="Kartika"/>
+        <a:font script="Laoo" typeface="DokChampa"/>
+        <a:font script="Sinh" typeface="Iskoola Pota"/>
+        <a:font script="Mong" typeface="Mongolian Baiti"/>
+        <a:font script="Viet" typeface="Arial"/>
+        <a:font script="Uigh" typeface="Microsoft Uighur"/>
+        <a:font script="Geor" typeface="Sylfaen"/>
+      </a:minorFont>
+    </a:fontScheme>
+    <a:fmtScheme name="Office">
+      <a:fillStyleLst>
+        <a:solidFill>
+          <a:schemeClr val="phClr"/>
+        </a:solidFill>
+        <a:gradFill rotWithShape="1">
+          <a:gsLst>
+            <a:gs pos="0">
+              <a:schemeClr val="phClr">
+                <a:tint val="50000"/>
+                <a:satMod val="300000"/>
+              </a:schemeClr>
+            </a:gs>
+            <a:gs pos="35000">
+              <a:schemeClr val="phClr">
+                <a:tint val="37000"/>
+                <a:satMod val="300000"/>
+              </a:schemeClr>
+            </a:gs>
+            <a:gs pos="100000">
+              <a:schemeClr val="phClr">
+                <a:tint val="15000"/>
+                <a:satMod val="350000"/>
+              </a:schemeClr>
+            </a:gs>
+          </a:gsLst>
+          <a:lin ang="16200000" scaled="1"/>
+        </a:gradFill>
+        <a:gradFill rotWithShape="1">
+          <a:gsLst>
+            <a:gs pos="0">
+              <a:schemeClr val="phClr">
+                <a:tint val="100000"/>
+                <a:shade val="100000"/>
+                <a:satMod val="130000"/>
+              </a:schemeClr>
+            </a:gs>
+            <a:gs pos="100000">
+              <a:schemeClr val="phClr">
+                <a:tint val="50000"/>
+                <a:shade val="100000"/>
+                <a:satMod val="350000"/>
+              </a:schemeClr>
+            </a:gs>
+          </a:gsLst>
+          <a:lin ang="16200000" scaled="0"/>
+        </a:gradFill>
+      </a:fillStyleLst>
+      <a:lnStyleLst>
+        <a:ln w="9525" cap="flat" cmpd="sng" algn="ctr">
+          <a:solidFill>
+            <a:schemeClr val="phClr">
+              <a:shade val="95000"/>
+              <a:satMod val="105000"/>
+            </a:schemeClr>
+          </a:solidFill>
+          <a:prstDash val="solid"/>
+        </a:ln>
+        <a:ln w="25400" cap="flat" cmpd="sng" algn="ctr">
+          <a:solidFill>
+            <a:schemeClr val="phClr"/>
+          </a:solidFill>
+          <a:prstDash val="solid"/>
+        </a:ln>
+        <a:ln w="38100" cap="flat" cmpd="sng" algn="ctr">
+          <a:solidFill>
+            <a:schemeClr val="phClr"/>
+          </a:solidFill>
+          <a:prstDash val="solid"/>
+        </a:ln>
+      </a:lnStyleLst>
+      <a:effectStyleLst>
+        <a:effectStyle>
+          <a:effectLst>
+            <a:outerShdw blurRad="40000" dist="20000" dir="5400000" rotWithShape="0">
+              <a:srgbClr val="000000">
+                <a:alpha val="38000"/>
+              </a:srgbClr>
+            </a:outerShdw>
+          </a:effectLst>
+        </a:effectStyle>
+        <a:effectStyle>
+          <a:effectLst>
+            <a:outerShdw blurRad="40000" dist="23000" dir="5400000" rotWithShape="0">
+              <a:srgbClr val="000000">
+                <a:alpha val="35000"/>
+              </a:srgbClr>
+            </a:outerShdw>
+          </a:effectLst>
+        </a:effectStyle>
+        <a:effectStyle>
+          <a:effectLst>
+            <a:outerShdw blurRad="40000" dist="23000" dir="5400000" rotWithShape="0">
+              <a:srgbClr val="000000">
+                <a:alpha val="35000"/>
+              </a:srgbClr>
+            </a:outerShdw>
+          </a:effectLst>
+          <a:scene3d>
+            <a:camera prst="orthographicFront">
+              <a:rot lat="0" lon="0" rev="0"/>
+            </a:camera>
+            <a:lightRig rig="threePt" dir="t">
+              <a:rot lat="0" lon="0" rev="1200000"/>
+            </a:lightRig>
+          </a:scene3d>
+          <a:sp3d>
+            <a:bevelT w="63500" h="25400"/>
+          </a:sp3d>
+        </a:effectStyle>
+      </a:effectStyleLst>
+      <a:bgFillStyleLst>
+        <a:solidFill>
+          <a:schemeClr val="phClr"/>
+        </a:solidFill>
+        <a:gradFill rotWithShape="1">
+          <a:gsLst>
+            <a:gs pos="0">
+              <a:schemeClr val="phClr">
+                <a:tint val="40000"/>
+                <a:satMod val="350000"/>
+              </a:schemeClr>
+            </a:gs>
+            <a:gs pos="40000">
+              <a:schemeClr val="phClr">
+                <a:tint val="45000"/>
+                <a:shade val="99000"/>
+                <a:satMod val="350000"/>
+              </a:schemeClr>
+            </a:gs>
+            <a:gs pos="100000">
+              <a:schemeClr val="phClr">
+                <a:shade val="20000"/>
+                <a:satMod val="255000"/>
+              </a:schemeClr>
+            </a:gs>
+          </a:gsLst>
+          <a:path path="circle">
+            <a:fillToRect l="50000" t="-80000" r="50000" b="180000"/>
+          </a:path>
+        </a:gradFill>
+        <a:gradFill rotWithShape="1">
+          <a:gsLst>
+            <a:gs pos="0">
+              <a:schemeClr val="phClr">
+                <a:tint val="80000"/>
+                <a:satMod val="300000"/>
+              </a:schemeClr>
+            </a:gs>
+            <a:gs pos="100000">
+              <a:schemeClr val="phClr">
+                <a:shade val="30000"/>
+                <a:satMod val="200000"/>
+              </a:schemeClr>
+            </a:gs>
+          </a:gsLst>
+          <a:path path="circle">
+            <a:fillToRect l="50000" t="50000" r="50000" b="50000"/>
+          </a:path>
+        </a:gradFill>
+      </a:bgFillStyleLst>
+    </a:fmtScheme>
+  </a:themeElements>
+</a:theme>
+</file>
+
+<file path=ppt/theme/theme2.xml><?xml version="1.0" encoding="utf-8"?>
 <a:theme xmlns:a="http://schemas.openxmlformats.org/drawingml/2006/main" xmlns:r="http://schemas.openxmlformats.org/officeDocument/2006/relationships">
   <a:themeElements>
     <a:clrScheme name="Default">
@@ -25204,283 +24566,4 @@
     </a:fmtScheme>
   </a:themeElements>
 </a:theme>
-</file>
-
-<file path=ppt/theme/theme2.xml><?xml version="1.0" encoding="utf-8"?>
-<a:theme xmlns:a="http://schemas.openxmlformats.org/drawingml/2006/main" xmlns:r="http://schemas.openxmlformats.org/officeDocument/2006/relationships" name="1_Activeeon Presentation Template">
-  <a:themeElements>
-    <a:clrScheme name="AE Blue">
-      <a:dk1>
-        <a:srgbClr val="000000"/>
-      </a:dk1>
-      <a:lt1>
-        <a:srgbClr val="FFFFFF"/>
-      </a:lt1>
-      <a:dk2>
-        <a:srgbClr val="53585F"/>
-      </a:dk2>
-      <a:lt2>
-        <a:srgbClr val="DCDEE0"/>
-      </a:lt2>
-      <a:accent1>
-        <a:srgbClr val="253A65"/>
-      </a:accent1>
-      <a:accent2>
-        <a:srgbClr val="00882B"/>
-      </a:accent2>
-      <a:accent3>
-        <a:srgbClr val="DCBD23"/>
-      </a:accent3>
-      <a:accent4>
-        <a:srgbClr val="DE6A10"/>
-      </a:accent4>
-      <a:accent5>
-        <a:srgbClr val="C82506"/>
-      </a:accent5>
-      <a:accent6>
-        <a:srgbClr val="773F9B"/>
-      </a:accent6>
-      <a:hlink>
-        <a:srgbClr val="0000FF"/>
-      </a:hlink>
-      <a:folHlink>
-        <a:srgbClr val="FF00FF"/>
-      </a:folHlink>
-    </a:clrScheme>
-    <a:fontScheme name="Office">
-      <a:majorFont>
-        <a:latin typeface="Arial"/>
-        <a:ea typeface=""/>
-        <a:cs typeface=""/>
-        <a:font script="Jpan" typeface="ＭＳ Ｐゴシック"/>
-        <a:font script="Hang" typeface="맑은 고딕"/>
-        <a:font script="Hans" typeface="宋体"/>
-        <a:font script="Hant" typeface="新細明體"/>
-        <a:font script="Arab" typeface="Times New Roman"/>
-        <a:font script="Hebr" typeface="Times New Roman"/>
-        <a:font script="Thai" typeface="Angsana New"/>
-        <a:font script="Ethi" typeface="Nyala"/>
-        <a:font script="Beng" typeface="Vrinda"/>
-        <a:font script="Gujr" typeface="Shruti"/>
-        <a:font script="Khmr" typeface="MoolBoran"/>
-        <a:font script="Knda" typeface="Tunga"/>
-        <a:font script="Guru" typeface="Raavi"/>
-        <a:font script="Cans" typeface="Euphemia"/>
-        <a:font script="Cher" typeface="Plantagenet Cherokee"/>
-        <a:font script="Yiii" typeface="Microsoft Yi Baiti"/>
-        <a:font script="Tibt" typeface="Microsoft Himalaya"/>
-        <a:font script="Thaa" typeface="MV Boli"/>
-        <a:font script="Deva" typeface="Mangal"/>
-        <a:font script="Telu" typeface="Gautami"/>
-        <a:font script="Taml" typeface="Latha"/>
-        <a:font script="Syrc" typeface="Estrangelo Edessa"/>
-        <a:font script="Orya" typeface="Kalinga"/>
-        <a:font script="Mlym" typeface="Kartika"/>
-        <a:font script="Laoo" typeface="DokChampa"/>
-        <a:font script="Sinh" typeface="Iskoola Pota"/>
-        <a:font script="Mong" typeface="Mongolian Baiti"/>
-        <a:font script="Viet" typeface="Times New Roman"/>
-        <a:font script="Uigh" typeface="Microsoft Uighur"/>
-        <a:font script="Geor" typeface="Sylfaen"/>
-      </a:majorFont>
-      <a:minorFont>
-        <a:latin typeface="Arial"/>
-        <a:ea typeface=""/>
-        <a:cs typeface=""/>
-        <a:font script="Jpan" typeface="ＭＳ Ｐゴシック"/>
-        <a:font script="Hang" typeface="맑은 고딕"/>
-        <a:font script="Hans" typeface="宋体"/>
-        <a:font script="Hant" typeface="新細明體"/>
-        <a:font script="Arab" typeface="Arial"/>
-        <a:font script="Hebr" typeface="Arial"/>
-        <a:font script="Thai" typeface="Cordia New"/>
-        <a:font script="Ethi" typeface="Nyala"/>
-        <a:font script="Beng" typeface="Vrinda"/>
-        <a:font script="Gujr" typeface="Shruti"/>
-        <a:font script="Khmr" typeface="DaunPenh"/>
-        <a:font script="Knda" typeface="Tunga"/>
-        <a:font script="Guru" typeface="Raavi"/>
-        <a:font script="Cans" typeface="Euphemia"/>
-        <a:font script="Cher" typeface="Plantagenet Cherokee"/>
-        <a:font script="Yiii" typeface="Microsoft Yi Baiti"/>
-        <a:font script="Tibt" typeface="Microsoft Himalaya"/>
-        <a:font script="Thaa" typeface="MV Boli"/>
-        <a:font script="Deva" typeface="Mangal"/>
-        <a:font script="Telu" typeface="Gautami"/>
-        <a:font script="Taml" typeface="Latha"/>
-        <a:font script="Syrc" typeface="Estrangelo Edessa"/>
-        <a:font script="Orya" typeface="Kalinga"/>
-        <a:font script="Mlym" typeface="Kartika"/>
-        <a:font script="Laoo" typeface="DokChampa"/>
-        <a:font script="Sinh" typeface="Iskoola Pota"/>
-        <a:font script="Mong" typeface="Mongolian Baiti"/>
-        <a:font script="Viet" typeface="Arial"/>
-        <a:font script="Uigh" typeface="Microsoft Uighur"/>
-        <a:font script="Geor" typeface="Sylfaen"/>
-      </a:minorFont>
-    </a:fontScheme>
-    <a:fmtScheme name="Office">
-      <a:fillStyleLst>
-        <a:solidFill>
-          <a:schemeClr val="phClr"/>
-        </a:solidFill>
-        <a:gradFill rotWithShape="1">
-          <a:gsLst>
-            <a:gs pos="0">
-              <a:schemeClr val="phClr">
-                <a:tint val="50000"/>
-                <a:satMod val="300000"/>
-              </a:schemeClr>
-            </a:gs>
-            <a:gs pos="35000">
-              <a:schemeClr val="phClr">
-                <a:tint val="37000"/>
-                <a:satMod val="300000"/>
-              </a:schemeClr>
-            </a:gs>
-            <a:gs pos="100000">
-              <a:schemeClr val="phClr">
-                <a:tint val="15000"/>
-                <a:satMod val="350000"/>
-              </a:schemeClr>
-            </a:gs>
-          </a:gsLst>
-          <a:lin ang="16200000" scaled="1"/>
-        </a:gradFill>
-        <a:gradFill rotWithShape="1">
-          <a:gsLst>
-            <a:gs pos="0">
-              <a:schemeClr val="phClr">
-                <a:tint val="100000"/>
-                <a:shade val="100000"/>
-                <a:satMod val="130000"/>
-              </a:schemeClr>
-            </a:gs>
-            <a:gs pos="100000">
-              <a:schemeClr val="phClr">
-                <a:tint val="50000"/>
-                <a:shade val="100000"/>
-                <a:satMod val="350000"/>
-              </a:schemeClr>
-            </a:gs>
-          </a:gsLst>
-          <a:lin ang="16200000" scaled="0"/>
-        </a:gradFill>
-      </a:fillStyleLst>
-      <a:lnStyleLst>
-        <a:ln w="9525" cap="flat" cmpd="sng" algn="ctr">
-          <a:solidFill>
-            <a:schemeClr val="phClr">
-              <a:shade val="95000"/>
-              <a:satMod val="105000"/>
-            </a:schemeClr>
-          </a:solidFill>
-          <a:prstDash val="solid"/>
-        </a:ln>
-        <a:ln w="25400" cap="flat" cmpd="sng" algn="ctr">
-          <a:solidFill>
-            <a:schemeClr val="phClr"/>
-          </a:solidFill>
-          <a:prstDash val="solid"/>
-        </a:ln>
-        <a:ln w="38100" cap="flat" cmpd="sng" algn="ctr">
-          <a:solidFill>
-            <a:schemeClr val="phClr"/>
-          </a:solidFill>
-          <a:prstDash val="solid"/>
-        </a:ln>
-      </a:lnStyleLst>
-      <a:effectStyleLst>
-        <a:effectStyle>
-          <a:effectLst>
-            <a:outerShdw blurRad="40000" dist="20000" dir="5400000" rotWithShape="0">
-              <a:srgbClr val="000000">
-                <a:alpha val="38000"/>
-              </a:srgbClr>
-            </a:outerShdw>
-          </a:effectLst>
-        </a:effectStyle>
-        <a:effectStyle>
-          <a:effectLst>
-            <a:outerShdw blurRad="40000" dist="23000" dir="5400000" rotWithShape="0">
-              <a:srgbClr val="000000">
-                <a:alpha val="35000"/>
-              </a:srgbClr>
-            </a:outerShdw>
-          </a:effectLst>
-        </a:effectStyle>
-        <a:effectStyle>
-          <a:effectLst>
-            <a:outerShdw blurRad="40000" dist="23000" dir="5400000" rotWithShape="0">
-              <a:srgbClr val="000000">
-                <a:alpha val="35000"/>
-              </a:srgbClr>
-            </a:outerShdw>
-          </a:effectLst>
-          <a:scene3d>
-            <a:camera prst="orthographicFront">
-              <a:rot lat="0" lon="0" rev="0"/>
-            </a:camera>
-            <a:lightRig rig="threePt" dir="t">
-              <a:rot lat="0" lon="0" rev="1200000"/>
-            </a:lightRig>
-          </a:scene3d>
-          <a:sp3d>
-            <a:bevelT w="63500" h="25400"/>
-          </a:sp3d>
-        </a:effectStyle>
-      </a:effectStyleLst>
-      <a:bgFillStyleLst>
-        <a:solidFill>
-          <a:schemeClr val="phClr"/>
-        </a:solidFill>
-        <a:gradFill rotWithShape="1">
-          <a:gsLst>
-            <a:gs pos="0">
-              <a:schemeClr val="phClr">
-                <a:tint val="40000"/>
-                <a:satMod val="350000"/>
-              </a:schemeClr>
-            </a:gs>
-            <a:gs pos="40000">
-              <a:schemeClr val="phClr">
-                <a:tint val="45000"/>
-                <a:shade val="99000"/>
-                <a:satMod val="350000"/>
-              </a:schemeClr>
-            </a:gs>
-            <a:gs pos="100000">
-              <a:schemeClr val="phClr">
-                <a:shade val="20000"/>
-                <a:satMod val="255000"/>
-              </a:schemeClr>
-            </a:gs>
-          </a:gsLst>
-          <a:path path="circle">
-            <a:fillToRect l="50000" t="-80000" r="50000" b="180000"/>
-          </a:path>
-        </a:gradFill>
-        <a:gradFill rotWithShape="1">
-          <a:gsLst>
-            <a:gs pos="0">
-              <a:schemeClr val="phClr">
-                <a:tint val="80000"/>
-                <a:satMod val="300000"/>
-              </a:schemeClr>
-            </a:gs>
-            <a:gs pos="100000">
-              <a:schemeClr val="phClr">
-                <a:shade val="30000"/>
-                <a:satMod val="200000"/>
-              </a:schemeClr>
-            </a:gs>
-          </a:gsLst>
-          <a:path path="circle">
-            <a:fillToRect l="50000" t="50000" r="50000" b="50000"/>
-          </a:path>
-        </a:gradFill>
-      </a:bgFillStyleLst>
-    </a:fmtScheme>
-  </a:themeElements>
-</a:theme>
 </file>